--- a/docproject/official_ahns/presentations/tim_semester1.pptx
+++ b/docproject/official_ahns/presentations/tim_semester1.pptx
@@ -1,11 +1,11 @@
 
 <file path=ppt/presentation.xml><?xml version="1.0" encoding="utf-8"?>
-<p:presentation xmlns:a="http://schemas.openxmlformats.org/drawingml/2006/main" xmlns:r="http://schemas.openxmlformats.org/officeDocument/2006/relationships" xmlns:p="http://schemas.openxmlformats.org/presentationml/2006/main" saveSubsetFonts="1">
+<p:presentation xmlns:a="http://schemas.openxmlformats.org/drawingml/2006/main" xmlns:r="http://schemas.openxmlformats.org/officeDocument/2006/relationships" xmlns:mc="http://schemas.openxmlformats.org/markup-compatibility/2006" xmlns:mv="urn:schemas-microsoft-com:mac:vml" xmlns:p="http://schemas.openxmlformats.org/presentationml/2006/main" mc:Ignorable="mv" mc:PreserveAttributes="mv:*" saveSubsetFonts="1">
   <p:sldMasterIdLst>
-    <p:sldMasterId id="2147483660" r:id="rId1"/>
+    <p:sldMasterId r:id="rId1"/>
   </p:sldMasterIdLst>
   <p:notesMasterIdLst>
-    <p:notesMasterId r:id="rId10"/>
+    <p:notesMasterId r:id="rId19"/>
   </p:notesMasterIdLst>
   <p:sldIdLst>
     <p:sldId id="380" r:id="rId2"/>
@@ -13,9 +13,18 @@
     <p:sldId id="382" r:id="rId4"/>
     <p:sldId id="384" r:id="rId5"/>
     <p:sldId id="386" r:id="rId6"/>
-    <p:sldId id="389" r:id="rId7"/>
-    <p:sldId id="390" r:id="rId8"/>
-    <p:sldId id="388" r:id="rId9"/>
+    <p:sldId id="391" r:id="rId7"/>
+    <p:sldId id="400" r:id="rId8"/>
+    <p:sldId id="389" r:id="rId9"/>
+    <p:sldId id="390" r:id="rId10"/>
+    <p:sldId id="396" r:id="rId11"/>
+    <p:sldId id="399" r:id="rId12"/>
+    <p:sldId id="401" r:id="rId13"/>
+    <p:sldId id="388" r:id="rId14"/>
+    <p:sldId id="392" r:id="rId15"/>
+    <p:sldId id="393" r:id="rId16"/>
+    <p:sldId id="394" r:id="rId17"/>
+    <p:sldId id="395" r:id="rId18"/>
   </p:sldIdLst>
   <p:sldSz cx="9144000" cy="6858000" type="screen4x3"/>
   <p:notesSz cx="6858000" cy="9144000"/>
@@ -1782,54 +1791,6 @@
         </a:p>
       </dgm:t>
     </dgm:pt>
-    <dgm:pt modelId="{829F2643-738B-4095-9950-89A120C65799}" type="asst">
-      <dgm:prSet phldrT="[Text]"/>
-      <dgm:spPr/>
-      <dgm:t>
-        <a:bodyPr/>
-        <a:lstStyle/>
-        <a:p>
-          <a:r>
-            <a:rPr lang="en-AU" b="1" dirty="0" smtClean="0"/>
-            <a:t>SR-B-02</a:t>
-          </a:r>
-          <a:r>
-            <a:rPr lang="en-AU" dirty="0" smtClean="0"/>
-            <a:t/>
-          </a:r>
-          <a:br>
-            <a:rPr lang="en-AU" dirty="0" smtClean="0"/>
-          </a:br>
-          <a:r>
-            <a:rPr lang="en-AU" dirty="0" smtClean="0"/>
-            <a:t>Flight Mode Switching</a:t>
-          </a:r>
-          <a:endParaRPr lang="en-AU" dirty="0"/>
-        </a:p>
-      </dgm:t>
-    </dgm:pt>
-    <dgm:pt modelId="{ECBE26DA-BE9A-41CC-985F-42E417CA071F}" type="parTrans" cxnId="{C1A0D8F3-DE4E-4B3C-B792-7927E7F24AB4}">
-      <dgm:prSet/>
-      <dgm:spPr/>
-      <dgm:t>
-        <a:bodyPr/>
-        <a:lstStyle/>
-        <a:p>
-          <a:endParaRPr lang="en-AU"/>
-        </a:p>
-      </dgm:t>
-    </dgm:pt>
-    <dgm:pt modelId="{CED43E0C-1BDC-4E53-86C5-56BA02508CA5}" type="sibTrans" cxnId="{C1A0D8F3-DE4E-4B3C-B792-7927E7F24AB4}">
-      <dgm:prSet/>
-      <dgm:spPr/>
-      <dgm:t>
-        <a:bodyPr/>
-        <a:lstStyle/>
-        <a:p>
-          <a:endParaRPr lang="en-AU"/>
-        </a:p>
-      </dgm:t>
-    </dgm:pt>
     <dgm:pt modelId="{977B0126-CD8A-4E9C-B1A3-E7B95DE807A9}">
       <dgm:prSet phldrT="[Text]"/>
       <dgm:spPr/>
@@ -1863,7 +1824,7 @@
         <a:bodyPr/>
         <a:lstStyle/>
         <a:p>
-          <a:endParaRPr lang="en-AU"/>
+          <a:endParaRPr lang="en-AU" dirty="0"/>
         </a:p>
       </dgm:t>
     </dgm:pt>
@@ -1911,7 +1872,7 @@
         <a:bodyPr/>
         <a:lstStyle/>
         <a:p>
-          <a:endParaRPr lang="en-AU"/>
+          <a:endParaRPr lang="en-AU" dirty="0"/>
         </a:p>
       </dgm:t>
     </dgm:pt>
@@ -1955,7 +1916,7 @@
         <a:bodyPr/>
         <a:lstStyle/>
         <a:p>
-          <a:endParaRPr lang="en-AU"/>
+          <a:endParaRPr lang="en-AU" dirty="0"/>
         </a:p>
       </dgm:t>
     </dgm:pt>
@@ -2003,7 +1964,7 @@
         <a:bodyPr/>
         <a:lstStyle/>
         <a:p>
-          <a:endParaRPr lang="en-AU"/>
+          <a:endParaRPr lang="en-AU" dirty="0"/>
         </a:p>
       </dgm:t>
     </dgm:pt>
@@ -2040,7 +2001,7 @@
         <a:bodyPr/>
         <a:lstStyle/>
         <a:p>
-          <a:endParaRPr lang="en-AU"/>
+          <a:endParaRPr lang="en-AU" dirty="0"/>
         </a:p>
       </dgm:t>
     </dgm:pt>
@@ -2064,7 +2025,7 @@
         <a:p>
           <a:r>
             <a:rPr lang="en-AU" b="0" dirty="0" smtClean="0"/>
-            <a:t>Data Plotters</a:t>
+            <a:t>Data Plotters &amp; Artificial Horizon</a:t>
           </a:r>
           <a:endParaRPr lang="en-AU" b="0" dirty="0"/>
         </a:p>
@@ -2077,7 +2038,7 @@
         <a:bodyPr/>
         <a:lstStyle/>
         <a:p>
-          <a:endParaRPr lang="en-AU"/>
+          <a:endParaRPr lang="en-AU" dirty="0"/>
         </a:p>
       </dgm:t>
     </dgm:pt>
@@ -2114,7 +2075,7 @@
         <a:bodyPr/>
         <a:lstStyle/>
         <a:p>
-          <a:endParaRPr lang="en-AU"/>
+          <a:endParaRPr lang="en-AU" dirty="0"/>
         </a:p>
       </dgm:t>
     </dgm:pt>
@@ -2155,7 +2116,7 @@
         <a:bodyPr/>
         <a:lstStyle/>
         <a:p>
-          <a:endParaRPr lang="en-AU"/>
+          <a:endParaRPr lang="en-AU" dirty="0"/>
         </a:p>
       </dgm:t>
     </dgm:pt>
@@ -2167,6 +2128,91 @@
         <a:lstStyle/>
         <a:p>
           <a:endParaRPr lang="en-AU"/>
+        </a:p>
+      </dgm:t>
+    </dgm:pt>
+    <dgm:pt modelId="{3891340E-13A4-CA4B-9834-353E93976AE6}">
+      <dgm:prSet phldrT="[Text]"/>
+      <dgm:spPr/>
+      <dgm:t>
+        <a:bodyPr/>
+        <a:lstStyle/>
+        <a:p>
+          <a:r>
+            <a:rPr lang="en-AU" b="1" dirty="0" smtClean="0"/>
+            <a:t>SR-B-02</a:t>
+          </a:r>
+          <a:r>
+            <a:rPr lang="en-AU" dirty="0" smtClean="0"/>
+            <a:t/>
+          </a:r>
+          <a:br>
+            <a:rPr lang="en-AU" dirty="0" smtClean="0"/>
+          </a:br>
+          <a:r>
+            <a:rPr lang="en-AU" dirty="0" smtClean="0"/>
+            <a:t>Flight Mode Switching</a:t>
+          </a:r>
+          <a:endParaRPr lang="en-AU" b="0" dirty="0"/>
+        </a:p>
+      </dgm:t>
+    </dgm:pt>
+    <dgm:pt modelId="{B01CD058-8DD5-874F-AFD1-747BEA10F980}" type="parTrans" cxnId="{63A415EC-0A9B-6B4F-97AA-389EC68665C9}">
+      <dgm:prSet/>
+      <dgm:spPr/>
+      <dgm:t>
+        <a:bodyPr/>
+        <a:lstStyle/>
+        <a:p>
+          <a:endParaRPr lang="en-US"/>
+        </a:p>
+      </dgm:t>
+    </dgm:pt>
+    <dgm:pt modelId="{CB2934A4-56A8-3C4F-ACF5-C6D8B17E8006}" type="sibTrans" cxnId="{63A415EC-0A9B-6B4F-97AA-389EC68665C9}">
+      <dgm:prSet/>
+      <dgm:spPr/>
+      <dgm:t>
+        <a:bodyPr/>
+        <a:lstStyle/>
+        <a:p>
+          <a:endParaRPr lang="en-US"/>
+        </a:p>
+      </dgm:t>
+    </dgm:pt>
+    <dgm:pt modelId="{D05EE90F-CB73-8245-AE1B-D0127637905E}" type="asst">
+      <dgm:prSet/>
+      <dgm:spPr/>
+      <dgm:t>
+        <a:bodyPr/>
+        <a:lstStyle/>
+        <a:p>
+          <a:r>
+            <a:rPr lang="en-US" dirty="0" smtClean="0"/>
+            <a:t>Not Yet Implemented</a:t>
+          </a:r>
+          <a:endParaRPr lang="en-US" dirty="0"/>
+        </a:p>
+      </dgm:t>
+    </dgm:pt>
+    <dgm:pt modelId="{C912761F-DF62-F242-A4EE-8E87FB7BDCF5}" type="parTrans" cxnId="{AD081985-FCCE-5149-AC2A-F78AD5CCC08F}">
+      <dgm:prSet/>
+      <dgm:spPr/>
+      <dgm:t>
+        <a:bodyPr/>
+        <a:lstStyle/>
+        <a:p>
+          <a:endParaRPr lang="en-US"/>
+        </a:p>
+      </dgm:t>
+    </dgm:pt>
+    <dgm:pt modelId="{F5D110E8-0518-AB4B-A0F1-B846F33C6E32}" type="sibTrans" cxnId="{AD081985-FCCE-5149-AC2A-F78AD5CCC08F}">
+      <dgm:prSet/>
+      <dgm:spPr/>
+      <dgm:t>
+        <a:bodyPr/>
+        <a:lstStyle/>
+        <a:p>
+          <a:endParaRPr lang="en-US"/>
         </a:p>
       </dgm:t>
     </dgm:pt>
@@ -2181,6 +2227,13 @@
         </dgm:presLayoutVars>
       </dgm:prSet>
       <dgm:spPr/>
+      <dgm:t>
+        <a:bodyPr/>
+        <a:lstStyle/>
+        <a:p>
+          <a:endParaRPr lang="en-US"/>
+        </a:p>
+      </dgm:t>
     </dgm:pt>
     <dgm:pt modelId="{74C2D815-BFDC-46D2-BAF0-16801C9CBBF2}" type="pres">
       <dgm:prSet presAssocID="{C94C050D-65F0-4AF3-9629-7574CFE2B3FC}" presName="hierRoot1" presStyleCnt="0"/>
@@ -2213,24 +2266,31 @@
       <dgm:prSet presAssocID="{C94C050D-65F0-4AF3-9629-7574CFE2B3FC}" presName="hierChild2" presStyleCnt="0"/>
       <dgm:spPr/>
     </dgm:pt>
-    <dgm:pt modelId="{40579B4F-E567-4EF2-AAB4-184628D0B7FC}" type="pres">
-      <dgm:prSet presAssocID="{ECBE26DA-BE9A-41CC-985F-42E417CA071F}" presName="Name10" presStyleLbl="parChTrans1D2" presStyleIdx="0" presStyleCnt="5"/>
-      <dgm:spPr/>
-    </dgm:pt>
-    <dgm:pt modelId="{5DFB1A24-F934-4F6F-BC4A-61E8F3770B1B}" type="pres">
-      <dgm:prSet presAssocID="{829F2643-738B-4095-9950-89A120C65799}" presName="hierRoot2" presStyleCnt="0"/>
-      <dgm:spPr/>
-    </dgm:pt>
-    <dgm:pt modelId="{6217B53D-7DA7-4A31-836B-8E450785B328}" type="pres">
-      <dgm:prSet presAssocID="{829F2643-738B-4095-9950-89A120C65799}" presName="composite2" presStyleCnt="0"/>
-      <dgm:spPr/>
-    </dgm:pt>
-    <dgm:pt modelId="{19F23D03-8BF6-4951-8480-6A3E6445FC50}" type="pres">
-      <dgm:prSet presAssocID="{829F2643-738B-4095-9950-89A120C65799}" presName="background2" presStyleLbl="asst1" presStyleIdx="0" presStyleCnt="1"/>
-      <dgm:spPr/>
-    </dgm:pt>
-    <dgm:pt modelId="{A2E4BFFC-54E4-4059-8B43-72867B49C1C3}" type="pres">
-      <dgm:prSet presAssocID="{829F2643-738B-4095-9950-89A120C65799}" presName="text2" presStyleLbl="fgAcc2" presStyleIdx="0" presStyleCnt="5" custScaleX="81663">
+    <dgm:pt modelId="{D4257DB1-BF09-48F3-B4D4-E52E33EE1A29}" type="pres">
+      <dgm:prSet presAssocID="{9CA85334-E0AF-4A8A-961F-5828471DA80E}" presName="Name10" presStyleLbl="parChTrans1D2" presStyleIdx="0" presStyleCnt="5"/>
+      <dgm:spPr/>
+      <dgm:t>
+        <a:bodyPr/>
+        <a:lstStyle/>
+        <a:p>
+          <a:endParaRPr lang="en-US"/>
+        </a:p>
+      </dgm:t>
+    </dgm:pt>
+    <dgm:pt modelId="{6AF3FE77-5640-444D-B6CD-D61AEFD40A6C}" type="pres">
+      <dgm:prSet presAssocID="{977B0126-CD8A-4E9C-B1A3-E7B95DE807A9}" presName="hierRoot2" presStyleCnt="0"/>
+      <dgm:spPr/>
+    </dgm:pt>
+    <dgm:pt modelId="{BC7C9A2F-EE45-40B0-A4E1-99112CFBEA25}" type="pres">
+      <dgm:prSet presAssocID="{977B0126-CD8A-4E9C-B1A3-E7B95DE807A9}" presName="composite2" presStyleCnt="0"/>
+      <dgm:spPr/>
+    </dgm:pt>
+    <dgm:pt modelId="{0B52177F-1D4B-4A19-8405-1161C755AD0A}" type="pres">
+      <dgm:prSet presAssocID="{977B0126-CD8A-4E9C-B1A3-E7B95DE807A9}" presName="background2" presStyleLbl="node2" presStyleIdx="0" presStyleCnt="5"/>
+      <dgm:spPr/>
+    </dgm:pt>
+    <dgm:pt modelId="{990047FC-FE34-412F-856D-27FA8B11D464}" type="pres">
+      <dgm:prSet presAssocID="{977B0126-CD8A-4E9C-B1A3-E7B95DE807A9}" presName="text2" presStyleLbl="fgAcc2" presStyleIdx="0" presStyleCnt="5">
         <dgm:presLayoutVars>
           <dgm:chPref val="3"/>
         </dgm:presLayoutVars>
@@ -2244,28 +2304,35 @@
         </a:p>
       </dgm:t>
     </dgm:pt>
-    <dgm:pt modelId="{30622DAC-9738-4EE6-9315-9BF202625E86}" type="pres">
-      <dgm:prSet presAssocID="{829F2643-738B-4095-9950-89A120C65799}" presName="hierChild3" presStyleCnt="0"/>
-      <dgm:spPr/>
-    </dgm:pt>
-    <dgm:pt modelId="{D4257DB1-BF09-48F3-B4D4-E52E33EE1A29}" type="pres">
-      <dgm:prSet presAssocID="{9CA85334-E0AF-4A8A-961F-5828471DA80E}" presName="Name10" presStyleLbl="parChTrans1D2" presStyleIdx="1" presStyleCnt="5"/>
-      <dgm:spPr/>
-    </dgm:pt>
-    <dgm:pt modelId="{6AF3FE77-5640-444D-B6CD-D61AEFD40A6C}" type="pres">
-      <dgm:prSet presAssocID="{977B0126-CD8A-4E9C-B1A3-E7B95DE807A9}" presName="hierRoot2" presStyleCnt="0"/>
-      <dgm:spPr/>
-    </dgm:pt>
-    <dgm:pt modelId="{BC7C9A2F-EE45-40B0-A4E1-99112CFBEA25}" type="pres">
-      <dgm:prSet presAssocID="{977B0126-CD8A-4E9C-B1A3-E7B95DE807A9}" presName="composite2" presStyleCnt="0"/>
-      <dgm:spPr/>
-    </dgm:pt>
-    <dgm:pt modelId="{0B52177F-1D4B-4A19-8405-1161C755AD0A}" type="pres">
-      <dgm:prSet presAssocID="{977B0126-CD8A-4E9C-B1A3-E7B95DE807A9}" presName="background2" presStyleLbl="node2" presStyleIdx="0" presStyleCnt="4"/>
-      <dgm:spPr/>
-    </dgm:pt>
-    <dgm:pt modelId="{990047FC-FE34-412F-856D-27FA8B11D464}" type="pres">
-      <dgm:prSet presAssocID="{977B0126-CD8A-4E9C-B1A3-E7B95DE807A9}" presName="text2" presStyleLbl="fgAcc2" presStyleIdx="1" presStyleCnt="5">
+    <dgm:pt modelId="{6599E229-95A2-4426-8450-BF399DDBD328}" type="pres">
+      <dgm:prSet presAssocID="{977B0126-CD8A-4E9C-B1A3-E7B95DE807A9}" presName="hierChild3" presStyleCnt="0"/>
+      <dgm:spPr/>
+    </dgm:pt>
+    <dgm:pt modelId="{710EB467-078C-4231-A267-B1D7C9B1F13E}" type="pres">
+      <dgm:prSet presAssocID="{CC75C541-91E9-444A-9EFA-5CDA4028B854}" presName="Name17" presStyleLbl="parChTrans1D3" presStyleIdx="0" presStyleCnt="5"/>
+      <dgm:spPr/>
+      <dgm:t>
+        <a:bodyPr/>
+        <a:lstStyle/>
+        <a:p>
+          <a:endParaRPr lang="en-US"/>
+        </a:p>
+      </dgm:t>
+    </dgm:pt>
+    <dgm:pt modelId="{4D4EC0F8-35D5-4382-918F-51349F66D0AB}" type="pres">
+      <dgm:prSet presAssocID="{DAC7F707-7295-4C7F-BF5A-AE2DD28B500A}" presName="hierRoot3" presStyleCnt="0"/>
+      <dgm:spPr/>
+    </dgm:pt>
+    <dgm:pt modelId="{8D7DBEDD-1BF8-4EC1-AE87-D39C9D3F8870}" type="pres">
+      <dgm:prSet presAssocID="{DAC7F707-7295-4C7F-BF5A-AE2DD28B500A}" presName="composite3" presStyleCnt="0"/>
+      <dgm:spPr/>
+    </dgm:pt>
+    <dgm:pt modelId="{6CF7E842-D99E-438B-8582-4E11BA51C9A5}" type="pres">
+      <dgm:prSet presAssocID="{DAC7F707-7295-4C7F-BF5A-AE2DD28B500A}" presName="background3" presStyleLbl="node3" presStyleIdx="0" presStyleCnt="4"/>
+      <dgm:spPr/>
+    </dgm:pt>
+    <dgm:pt modelId="{F3F5545F-55CB-4656-98D1-45B40A1457A0}" type="pres">
+      <dgm:prSet presAssocID="{DAC7F707-7295-4C7F-BF5A-AE2DD28B500A}" presName="text3" presStyleLbl="fgAcc3" presStyleIdx="0" presStyleCnt="5">
         <dgm:presLayoutVars>
           <dgm:chPref val="3"/>
         </dgm:presLayoutVars>
@@ -2279,28 +2346,35 @@
         </a:p>
       </dgm:t>
     </dgm:pt>
-    <dgm:pt modelId="{6599E229-95A2-4426-8450-BF399DDBD328}" type="pres">
-      <dgm:prSet presAssocID="{977B0126-CD8A-4E9C-B1A3-E7B95DE807A9}" presName="hierChild3" presStyleCnt="0"/>
-      <dgm:spPr/>
-    </dgm:pt>
-    <dgm:pt modelId="{710EB467-078C-4231-A267-B1D7C9B1F13E}" type="pres">
-      <dgm:prSet presAssocID="{CC75C541-91E9-444A-9EFA-5CDA4028B854}" presName="Name17" presStyleLbl="parChTrans1D3" presStyleIdx="0" presStyleCnt="4"/>
-      <dgm:spPr/>
-    </dgm:pt>
-    <dgm:pt modelId="{4D4EC0F8-35D5-4382-918F-51349F66D0AB}" type="pres">
-      <dgm:prSet presAssocID="{DAC7F707-7295-4C7F-BF5A-AE2DD28B500A}" presName="hierRoot3" presStyleCnt="0"/>
-      <dgm:spPr/>
-    </dgm:pt>
-    <dgm:pt modelId="{8D7DBEDD-1BF8-4EC1-AE87-D39C9D3F8870}" type="pres">
-      <dgm:prSet presAssocID="{DAC7F707-7295-4C7F-BF5A-AE2DD28B500A}" presName="composite3" presStyleCnt="0"/>
-      <dgm:spPr/>
-    </dgm:pt>
-    <dgm:pt modelId="{6CF7E842-D99E-438B-8582-4E11BA51C9A5}" type="pres">
-      <dgm:prSet presAssocID="{DAC7F707-7295-4C7F-BF5A-AE2DD28B500A}" presName="background3" presStyleLbl="node3" presStyleIdx="0" presStyleCnt="4"/>
-      <dgm:spPr/>
-    </dgm:pt>
-    <dgm:pt modelId="{F3F5545F-55CB-4656-98D1-45B40A1457A0}" type="pres">
-      <dgm:prSet presAssocID="{DAC7F707-7295-4C7F-BF5A-AE2DD28B500A}" presName="text3" presStyleLbl="fgAcc3" presStyleIdx="0" presStyleCnt="4">
+    <dgm:pt modelId="{901FC5B9-24F6-499E-966B-54A3A60A53D4}" type="pres">
+      <dgm:prSet presAssocID="{DAC7F707-7295-4C7F-BF5A-AE2DD28B500A}" presName="hierChild4" presStyleCnt="0"/>
+      <dgm:spPr/>
+    </dgm:pt>
+    <dgm:pt modelId="{101E350F-E4C7-4BF3-ADB7-490FC3EE8992}" type="pres">
+      <dgm:prSet presAssocID="{DEC71A5B-7BF8-4C66-8872-01D9C81BFA29}" presName="Name10" presStyleLbl="parChTrans1D2" presStyleIdx="1" presStyleCnt="5"/>
+      <dgm:spPr/>
+      <dgm:t>
+        <a:bodyPr/>
+        <a:lstStyle/>
+        <a:p>
+          <a:endParaRPr lang="en-US"/>
+        </a:p>
+      </dgm:t>
+    </dgm:pt>
+    <dgm:pt modelId="{F1F250ED-7847-4D81-8D5B-58CB74E94D3B}" type="pres">
+      <dgm:prSet presAssocID="{FAA3A535-B808-4531-9C92-6B0B3068AB58}" presName="hierRoot2" presStyleCnt="0"/>
+      <dgm:spPr/>
+    </dgm:pt>
+    <dgm:pt modelId="{5D12E477-04D2-4A63-8EF1-6297CD149184}" type="pres">
+      <dgm:prSet presAssocID="{FAA3A535-B808-4531-9C92-6B0B3068AB58}" presName="composite2" presStyleCnt="0"/>
+      <dgm:spPr/>
+    </dgm:pt>
+    <dgm:pt modelId="{6AE375A7-73AB-49F1-B829-4D2FDBE8636A}" type="pres">
+      <dgm:prSet presAssocID="{FAA3A535-B808-4531-9C92-6B0B3068AB58}" presName="background2" presStyleLbl="node2" presStyleIdx="1" presStyleCnt="5"/>
+      <dgm:spPr/>
+    </dgm:pt>
+    <dgm:pt modelId="{21B3CAD0-4C72-4929-B3EF-083EF8BADEF0}" type="pres">
+      <dgm:prSet presAssocID="{FAA3A535-B808-4531-9C92-6B0B3068AB58}" presName="text2" presStyleLbl="fgAcc2" presStyleIdx="1" presStyleCnt="5">
         <dgm:presLayoutVars>
           <dgm:chPref val="3"/>
         </dgm:presLayoutVars>
@@ -2314,28 +2388,35 @@
         </a:p>
       </dgm:t>
     </dgm:pt>
-    <dgm:pt modelId="{901FC5B9-24F6-499E-966B-54A3A60A53D4}" type="pres">
-      <dgm:prSet presAssocID="{DAC7F707-7295-4C7F-BF5A-AE2DD28B500A}" presName="hierChild4" presStyleCnt="0"/>
-      <dgm:spPr/>
-    </dgm:pt>
-    <dgm:pt modelId="{101E350F-E4C7-4BF3-ADB7-490FC3EE8992}" type="pres">
-      <dgm:prSet presAssocID="{DEC71A5B-7BF8-4C66-8872-01D9C81BFA29}" presName="Name10" presStyleLbl="parChTrans1D2" presStyleIdx="2" presStyleCnt="5"/>
-      <dgm:spPr/>
-    </dgm:pt>
-    <dgm:pt modelId="{F1F250ED-7847-4D81-8D5B-58CB74E94D3B}" type="pres">
-      <dgm:prSet presAssocID="{FAA3A535-B808-4531-9C92-6B0B3068AB58}" presName="hierRoot2" presStyleCnt="0"/>
-      <dgm:spPr/>
-    </dgm:pt>
-    <dgm:pt modelId="{5D12E477-04D2-4A63-8EF1-6297CD149184}" type="pres">
-      <dgm:prSet presAssocID="{FAA3A535-B808-4531-9C92-6B0B3068AB58}" presName="composite2" presStyleCnt="0"/>
-      <dgm:spPr/>
-    </dgm:pt>
-    <dgm:pt modelId="{6AE375A7-73AB-49F1-B829-4D2FDBE8636A}" type="pres">
-      <dgm:prSet presAssocID="{FAA3A535-B808-4531-9C92-6B0B3068AB58}" presName="background2" presStyleLbl="node2" presStyleIdx="1" presStyleCnt="4"/>
-      <dgm:spPr/>
-    </dgm:pt>
-    <dgm:pt modelId="{21B3CAD0-4C72-4929-B3EF-083EF8BADEF0}" type="pres">
-      <dgm:prSet presAssocID="{FAA3A535-B808-4531-9C92-6B0B3068AB58}" presName="text2" presStyleLbl="fgAcc2" presStyleIdx="2" presStyleCnt="5">
+    <dgm:pt modelId="{69ECBCC3-5E0F-4C5C-804B-4FF367AA03E1}" type="pres">
+      <dgm:prSet presAssocID="{FAA3A535-B808-4531-9C92-6B0B3068AB58}" presName="hierChild3" presStyleCnt="0"/>
+      <dgm:spPr/>
+    </dgm:pt>
+    <dgm:pt modelId="{B8787FBF-37EE-416F-AB6F-A59B3264D32C}" type="pres">
+      <dgm:prSet presAssocID="{9904465C-B9AF-4F06-8280-17A46A2DB6A8}" presName="Name17" presStyleLbl="parChTrans1D3" presStyleIdx="1" presStyleCnt="5"/>
+      <dgm:spPr/>
+      <dgm:t>
+        <a:bodyPr/>
+        <a:lstStyle/>
+        <a:p>
+          <a:endParaRPr lang="en-US"/>
+        </a:p>
+      </dgm:t>
+    </dgm:pt>
+    <dgm:pt modelId="{8C48F5EE-DE55-4CF2-81EB-5EA92EF26FB5}" type="pres">
+      <dgm:prSet presAssocID="{181AD08C-E4D4-49C2-99B9-0E8F7F38F038}" presName="hierRoot3" presStyleCnt="0"/>
+      <dgm:spPr/>
+    </dgm:pt>
+    <dgm:pt modelId="{1C1A01ED-5B76-40C6-ACDF-B8C6B82912B4}" type="pres">
+      <dgm:prSet presAssocID="{181AD08C-E4D4-49C2-99B9-0E8F7F38F038}" presName="composite3" presStyleCnt="0"/>
+      <dgm:spPr/>
+    </dgm:pt>
+    <dgm:pt modelId="{85D19B33-BF8E-40DB-9187-0B8E9B69B14B}" type="pres">
+      <dgm:prSet presAssocID="{181AD08C-E4D4-49C2-99B9-0E8F7F38F038}" presName="background3" presStyleLbl="node3" presStyleIdx="1" presStyleCnt="4"/>
+      <dgm:spPr/>
+    </dgm:pt>
+    <dgm:pt modelId="{1F7F17F4-EE9B-402F-A755-AE101A6AF6DC}" type="pres">
+      <dgm:prSet presAssocID="{181AD08C-E4D4-49C2-99B9-0E8F7F38F038}" presName="text3" presStyleLbl="fgAcc3" presStyleIdx="1" presStyleCnt="5">
         <dgm:presLayoutVars>
           <dgm:chPref val="3"/>
         </dgm:presLayoutVars>
@@ -2349,28 +2430,35 @@
         </a:p>
       </dgm:t>
     </dgm:pt>
-    <dgm:pt modelId="{69ECBCC3-5E0F-4C5C-804B-4FF367AA03E1}" type="pres">
-      <dgm:prSet presAssocID="{FAA3A535-B808-4531-9C92-6B0B3068AB58}" presName="hierChild3" presStyleCnt="0"/>
-      <dgm:spPr/>
-    </dgm:pt>
-    <dgm:pt modelId="{B8787FBF-37EE-416F-AB6F-A59B3264D32C}" type="pres">
-      <dgm:prSet presAssocID="{9904465C-B9AF-4F06-8280-17A46A2DB6A8}" presName="Name17" presStyleLbl="parChTrans1D3" presStyleIdx="1" presStyleCnt="4"/>
-      <dgm:spPr/>
-    </dgm:pt>
-    <dgm:pt modelId="{8C48F5EE-DE55-4CF2-81EB-5EA92EF26FB5}" type="pres">
-      <dgm:prSet presAssocID="{181AD08C-E4D4-49C2-99B9-0E8F7F38F038}" presName="hierRoot3" presStyleCnt="0"/>
-      <dgm:spPr/>
-    </dgm:pt>
-    <dgm:pt modelId="{1C1A01ED-5B76-40C6-ACDF-B8C6B82912B4}" type="pres">
-      <dgm:prSet presAssocID="{181AD08C-E4D4-49C2-99B9-0E8F7F38F038}" presName="composite3" presStyleCnt="0"/>
-      <dgm:spPr/>
-    </dgm:pt>
-    <dgm:pt modelId="{85D19B33-BF8E-40DB-9187-0B8E9B69B14B}" type="pres">
-      <dgm:prSet presAssocID="{181AD08C-E4D4-49C2-99B9-0E8F7F38F038}" presName="background3" presStyleLbl="node3" presStyleIdx="1" presStyleCnt="4"/>
-      <dgm:spPr/>
-    </dgm:pt>
-    <dgm:pt modelId="{1F7F17F4-EE9B-402F-A755-AE101A6AF6DC}" type="pres">
-      <dgm:prSet presAssocID="{181AD08C-E4D4-49C2-99B9-0E8F7F38F038}" presName="text3" presStyleLbl="fgAcc3" presStyleIdx="1" presStyleCnt="4">
+    <dgm:pt modelId="{9F237731-97B6-4C4B-AF36-0B0B6DDA1CCB}" type="pres">
+      <dgm:prSet presAssocID="{181AD08C-E4D4-49C2-99B9-0E8F7F38F038}" presName="hierChild4" presStyleCnt="0"/>
+      <dgm:spPr/>
+    </dgm:pt>
+    <dgm:pt modelId="{438A48BA-BE3C-41CB-BFDC-24787B99FD99}" type="pres">
+      <dgm:prSet presAssocID="{A7BD5EF5-8CC7-42BE-A86C-266D665A92A8}" presName="Name10" presStyleLbl="parChTrans1D2" presStyleIdx="2" presStyleCnt="5"/>
+      <dgm:spPr/>
+      <dgm:t>
+        <a:bodyPr/>
+        <a:lstStyle/>
+        <a:p>
+          <a:endParaRPr lang="en-US"/>
+        </a:p>
+      </dgm:t>
+    </dgm:pt>
+    <dgm:pt modelId="{E9B305BE-C700-4DDF-8A97-971B41712EDD}" type="pres">
+      <dgm:prSet presAssocID="{132F4530-52E1-4B6C-8F73-4E1D07073D8D}" presName="hierRoot2" presStyleCnt="0"/>
+      <dgm:spPr/>
+    </dgm:pt>
+    <dgm:pt modelId="{60FB4FD5-AC71-42DC-B36A-C961F1F5309F}" type="pres">
+      <dgm:prSet presAssocID="{132F4530-52E1-4B6C-8F73-4E1D07073D8D}" presName="composite2" presStyleCnt="0"/>
+      <dgm:spPr/>
+    </dgm:pt>
+    <dgm:pt modelId="{DE2CE76A-021B-48FF-ADC6-527C0AFD40FA}" type="pres">
+      <dgm:prSet presAssocID="{132F4530-52E1-4B6C-8F73-4E1D07073D8D}" presName="background2" presStyleLbl="node2" presStyleIdx="2" presStyleCnt="5"/>
+      <dgm:spPr/>
+    </dgm:pt>
+    <dgm:pt modelId="{346DBF57-47DC-428D-BA10-FC669D6F573D}" type="pres">
+      <dgm:prSet presAssocID="{132F4530-52E1-4B6C-8F73-4E1D07073D8D}" presName="text2" presStyleLbl="fgAcc2" presStyleIdx="2" presStyleCnt="5">
         <dgm:presLayoutVars>
           <dgm:chPref val="3"/>
         </dgm:presLayoutVars>
@@ -2384,28 +2472,77 @@
         </a:p>
       </dgm:t>
     </dgm:pt>
-    <dgm:pt modelId="{9F237731-97B6-4C4B-AF36-0B0B6DDA1CCB}" type="pres">
-      <dgm:prSet presAssocID="{181AD08C-E4D4-49C2-99B9-0E8F7F38F038}" presName="hierChild4" presStyleCnt="0"/>
-      <dgm:spPr/>
-    </dgm:pt>
-    <dgm:pt modelId="{438A48BA-BE3C-41CB-BFDC-24787B99FD99}" type="pres">
-      <dgm:prSet presAssocID="{A7BD5EF5-8CC7-42BE-A86C-266D665A92A8}" presName="Name10" presStyleLbl="parChTrans1D2" presStyleIdx="3" presStyleCnt="5"/>
-      <dgm:spPr/>
-    </dgm:pt>
-    <dgm:pt modelId="{E9B305BE-C700-4DDF-8A97-971B41712EDD}" type="pres">
-      <dgm:prSet presAssocID="{132F4530-52E1-4B6C-8F73-4E1D07073D8D}" presName="hierRoot2" presStyleCnt="0"/>
-      <dgm:spPr/>
-    </dgm:pt>
-    <dgm:pt modelId="{60FB4FD5-AC71-42DC-B36A-C961F1F5309F}" type="pres">
-      <dgm:prSet presAssocID="{132F4530-52E1-4B6C-8F73-4E1D07073D8D}" presName="composite2" presStyleCnt="0"/>
-      <dgm:spPr/>
-    </dgm:pt>
-    <dgm:pt modelId="{DE2CE76A-021B-48FF-ADC6-527C0AFD40FA}" type="pres">
-      <dgm:prSet presAssocID="{132F4530-52E1-4B6C-8F73-4E1D07073D8D}" presName="background2" presStyleLbl="node2" presStyleIdx="2" presStyleCnt="4"/>
-      <dgm:spPr/>
-    </dgm:pt>
-    <dgm:pt modelId="{346DBF57-47DC-428D-BA10-FC669D6F573D}" type="pres">
-      <dgm:prSet presAssocID="{132F4530-52E1-4B6C-8F73-4E1D07073D8D}" presName="text2" presStyleLbl="fgAcc2" presStyleIdx="3" presStyleCnt="5">
+    <dgm:pt modelId="{E1D7A87A-B958-494C-AB79-15054C64C5EC}" type="pres">
+      <dgm:prSet presAssocID="{132F4530-52E1-4B6C-8F73-4E1D07073D8D}" presName="hierChild3" presStyleCnt="0"/>
+      <dgm:spPr/>
+    </dgm:pt>
+    <dgm:pt modelId="{018AC6DC-D462-42C5-8AE1-8013AF4B0CAF}" type="pres">
+      <dgm:prSet presAssocID="{1685AC31-3E99-4436-878B-B28A05A8061D}" presName="Name17" presStyleLbl="parChTrans1D3" presStyleIdx="2" presStyleCnt="5"/>
+      <dgm:spPr/>
+      <dgm:t>
+        <a:bodyPr/>
+        <a:lstStyle/>
+        <a:p>
+          <a:endParaRPr lang="en-US"/>
+        </a:p>
+      </dgm:t>
+    </dgm:pt>
+    <dgm:pt modelId="{FA0C42A6-9430-4A2C-8BA3-840154385DB9}" type="pres">
+      <dgm:prSet presAssocID="{767E4217-EF54-40E4-AA13-5EF394F11D56}" presName="hierRoot3" presStyleCnt="0"/>
+      <dgm:spPr/>
+    </dgm:pt>
+    <dgm:pt modelId="{D3CC4402-22B2-43A1-8CEF-6AAFC976F2CB}" type="pres">
+      <dgm:prSet presAssocID="{767E4217-EF54-40E4-AA13-5EF394F11D56}" presName="composite3" presStyleCnt="0"/>
+      <dgm:spPr/>
+    </dgm:pt>
+    <dgm:pt modelId="{A3ED9CF9-D2F1-44A2-A183-64283D9B7D63}" type="pres">
+      <dgm:prSet presAssocID="{767E4217-EF54-40E4-AA13-5EF394F11D56}" presName="background3" presStyleLbl="node3" presStyleIdx="2" presStyleCnt="4"/>
+      <dgm:spPr/>
+    </dgm:pt>
+    <dgm:pt modelId="{64D60078-3F06-4E4E-9D0A-FEEBA4CE41E5}" type="pres">
+      <dgm:prSet presAssocID="{767E4217-EF54-40E4-AA13-5EF394F11D56}" presName="text3" presStyleLbl="fgAcc3" presStyleIdx="2" presStyleCnt="5">
+        <dgm:presLayoutVars>
+          <dgm:chPref val="3"/>
+        </dgm:presLayoutVars>
+      </dgm:prSet>
+      <dgm:spPr/>
+      <dgm:t>
+        <a:bodyPr/>
+        <a:lstStyle/>
+        <a:p>
+          <a:endParaRPr lang="en-US"/>
+        </a:p>
+      </dgm:t>
+    </dgm:pt>
+    <dgm:pt modelId="{D7ED0352-16F7-4DD4-9D5A-8F17E79DA480}" type="pres">
+      <dgm:prSet presAssocID="{767E4217-EF54-40E4-AA13-5EF394F11D56}" presName="hierChild4" presStyleCnt="0"/>
+      <dgm:spPr/>
+    </dgm:pt>
+    <dgm:pt modelId="{28E44A12-6007-483E-B7A1-84CB92B79126}" type="pres">
+      <dgm:prSet presAssocID="{0AC0A90E-37AA-4B79-8B24-47DDFEA37830}" presName="Name10" presStyleLbl="parChTrans1D2" presStyleIdx="3" presStyleCnt="5"/>
+      <dgm:spPr/>
+      <dgm:t>
+        <a:bodyPr/>
+        <a:lstStyle/>
+        <a:p>
+          <a:endParaRPr lang="en-US"/>
+        </a:p>
+      </dgm:t>
+    </dgm:pt>
+    <dgm:pt modelId="{507EBA2E-1D21-4393-9408-8FEC0F5D9A7E}" type="pres">
+      <dgm:prSet presAssocID="{50DA5DEA-41FD-4608-AB1F-ED19E65AD4DF}" presName="hierRoot2" presStyleCnt="0"/>
+      <dgm:spPr/>
+    </dgm:pt>
+    <dgm:pt modelId="{57A1A8CB-9232-4065-BBD7-36191252B825}" type="pres">
+      <dgm:prSet presAssocID="{50DA5DEA-41FD-4608-AB1F-ED19E65AD4DF}" presName="composite2" presStyleCnt="0"/>
+      <dgm:spPr/>
+    </dgm:pt>
+    <dgm:pt modelId="{65A4CEF1-9E69-4A11-AC9E-DDA85ABACC76}" type="pres">
+      <dgm:prSet presAssocID="{50DA5DEA-41FD-4608-AB1F-ED19E65AD4DF}" presName="background2" presStyleLbl="node2" presStyleIdx="3" presStyleCnt="5"/>
+      <dgm:spPr/>
+    </dgm:pt>
+    <dgm:pt modelId="{9FC48C7E-F9E6-4D07-9284-73B4535FB69F}" type="pres">
+      <dgm:prSet presAssocID="{50DA5DEA-41FD-4608-AB1F-ED19E65AD4DF}" presName="text2" presStyleLbl="fgAcc2" presStyleIdx="3" presStyleCnt="5">
         <dgm:presLayoutVars>
           <dgm:chPref val="3"/>
         </dgm:presLayoutVars>
@@ -2419,56 +2556,35 @@
         </a:p>
       </dgm:t>
     </dgm:pt>
-    <dgm:pt modelId="{E1D7A87A-B958-494C-AB79-15054C64C5EC}" type="pres">
-      <dgm:prSet presAssocID="{132F4530-52E1-4B6C-8F73-4E1D07073D8D}" presName="hierChild3" presStyleCnt="0"/>
-      <dgm:spPr/>
-    </dgm:pt>
-    <dgm:pt modelId="{018AC6DC-D462-42C5-8AE1-8013AF4B0CAF}" type="pres">
-      <dgm:prSet presAssocID="{1685AC31-3E99-4436-878B-B28A05A8061D}" presName="Name17" presStyleLbl="parChTrans1D3" presStyleIdx="2" presStyleCnt="4"/>
-      <dgm:spPr/>
-    </dgm:pt>
-    <dgm:pt modelId="{FA0C42A6-9430-4A2C-8BA3-840154385DB9}" type="pres">
-      <dgm:prSet presAssocID="{767E4217-EF54-40E4-AA13-5EF394F11D56}" presName="hierRoot3" presStyleCnt="0"/>
-      <dgm:spPr/>
-    </dgm:pt>
-    <dgm:pt modelId="{D3CC4402-22B2-43A1-8CEF-6AAFC976F2CB}" type="pres">
-      <dgm:prSet presAssocID="{767E4217-EF54-40E4-AA13-5EF394F11D56}" presName="composite3" presStyleCnt="0"/>
-      <dgm:spPr/>
-    </dgm:pt>
-    <dgm:pt modelId="{A3ED9CF9-D2F1-44A2-A183-64283D9B7D63}" type="pres">
-      <dgm:prSet presAssocID="{767E4217-EF54-40E4-AA13-5EF394F11D56}" presName="background3" presStyleLbl="node3" presStyleIdx="2" presStyleCnt="4"/>
-      <dgm:spPr/>
-    </dgm:pt>
-    <dgm:pt modelId="{64D60078-3F06-4E4E-9D0A-FEEBA4CE41E5}" type="pres">
-      <dgm:prSet presAssocID="{767E4217-EF54-40E4-AA13-5EF394F11D56}" presName="text3" presStyleLbl="fgAcc3" presStyleIdx="2" presStyleCnt="4">
-        <dgm:presLayoutVars>
-          <dgm:chPref val="3"/>
-        </dgm:presLayoutVars>
-      </dgm:prSet>
-      <dgm:spPr/>
-    </dgm:pt>
-    <dgm:pt modelId="{D7ED0352-16F7-4DD4-9D5A-8F17E79DA480}" type="pres">
-      <dgm:prSet presAssocID="{767E4217-EF54-40E4-AA13-5EF394F11D56}" presName="hierChild4" presStyleCnt="0"/>
-      <dgm:spPr/>
-    </dgm:pt>
-    <dgm:pt modelId="{28E44A12-6007-483E-B7A1-84CB92B79126}" type="pres">
-      <dgm:prSet presAssocID="{0AC0A90E-37AA-4B79-8B24-47DDFEA37830}" presName="Name10" presStyleLbl="parChTrans1D2" presStyleIdx="4" presStyleCnt="5"/>
-      <dgm:spPr/>
-    </dgm:pt>
-    <dgm:pt modelId="{507EBA2E-1D21-4393-9408-8FEC0F5D9A7E}" type="pres">
-      <dgm:prSet presAssocID="{50DA5DEA-41FD-4608-AB1F-ED19E65AD4DF}" presName="hierRoot2" presStyleCnt="0"/>
-      <dgm:spPr/>
-    </dgm:pt>
-    <dgm:pt modelId="{57A1A8CB-9232-4065-BBD7-36191252B825}" type="pres">
-      <dgm:prSet presAssocID="{50DA5DEA-41FD-4608-AB1F-ED19E65AD4DF}" presName="composite2" presStyleCnt="0"/>
-      <dgm:spPr/>
-    </dgm:pt>
-    <dgm:pt modelId="{65A4CEF1-9E69-4A11-AC9E-DDA85ABACC76}" type="pres">
-      <dgm:prSet presAssocID="{50DA5DEA-41FD-4608-AB1F-ED19E65AD4DF}" presName="background2" presStyleLbl="node2" presStyleIdx="3" presStyleCnt="4"/>
-      <dgm:spPr/>
-    </dgm:pt>
-    <dgm:pt modelId="{9FC48C7E-F9E6-4D07-9284-73B4535FB69F}" type="pres">
-      <dgm:prSet presAssocID="{50DA5DEA-41FD-4608-AB1F-ED19E65AD4DF}" presName="text2" presStyleLbl="fgAcc2" presStyleIdx="4" presStyleCnt="5">
+    <dgm:pt modelId="{5EC15CE7-E6D9-459C-B0D0-3666EF233F25}" type="pres">
+      <dgm:prSet presAssocID="{50DA5DEA-41FD-4608-AB1F-ED19E65AD4DF}" presName="hierChild3" presStyleCnt="0"/>
+      <dgm:spPr/>
+    </dgm:pt>
+    <dgm:pt modelId="{B9E8C711-58DB-4D96-AB2B-2CD3226FCA20}" type="pres">
+      <dgm:prSet presAssocID="{F4F8A5CD-88A1-4E22-BFEC-A56CD3646C14}" presName="Name17" presStyleLbl="parChTrans1D3" presStyleIdx="3" presStyleCnt="5"/>
+      <dgm:spPr/>
+      <dgm:t>
+        <a:bodyPr/>
+        <a:lstStyle/>
+        <a:p>
+          <a:endParaRPr lang="en-US"/>
+        </a:p>
+      </dgm:t>
+    </dgm:pt>
+    <dgm:pt modelId="{B2C216E5-3EF2-4214-845F-85B6044694CB}" type="pres">
+      <dgm:prSet presAssocID="{71E95DE1-E678-4DFF-9F5E-86016A533F91}" presName="hierRoot3" presStyleCnt="0"/>
+      <dgm:spPr/>
+    </dgm:pt>
+    <dgm:pt modelId="{930E7EBB-2DDA-4847-9688-6A51EB8269A4}" type="pres">
+      <dgm:prSet presAssocID="{71E95DE1-E678-4DFF-9F5E-86016A533F91}" presName="composite3" presStyleCnt="0"/>
+      <dgm:spPr/>
+    </dgm:pt>
+    <dgm:pt modelId="{BB6CEB44-0B14-47F7-AE76-4AF852936C1A}" type="pres">
+      <dgm:prSet presAssocID="{71E95DE1-E678-4DFF-9F5E-86016A533F91}" presName="background3" presStyleLbl="node3" presStyleIdx="3" presStyleCnt="4"/>
+      <dgm:spPr/>
+    </dgm:pt>
+    <dgm:pt modelId="{9F809C7B-90EA-4EBB-A582-D58A4606B8FE}" type="pres">
+      <dgm:prSet presAssocID="{71E95DE1-E678-4DFF-9F5E-86016A533F91}" presName="text3" presStyleLbl="fgAcc3" presStyleIdx="3" presStyleCnt="5">
         <dgm:presLayoutVars>
           <dgm:chPref val="3"/>
         </dgm:presLayoutVars>
@@ -2482,28 +2598,35 @@
         </a:p>
       </dgm:t>
     </dgm:pt>
-    <dgm:pt modelId="{5EC15CE7-E6D9-459C-B0D0-3666EF233F25}" type="pres">
-      <dgm:prSet presAssocID="{50DA5DEA-41FD-4608-AB1F-ED19E65AD4DF}" presName="hierChild3" presStyleCnt="0"/>
-      <dgm:spPr/>
-    </dgm:pt>
-    <dgm:pt modelId="{B9E8C711-58DB-4D96-AB2B-2CD3226FCA20}" type="pres">
-      <dgm:prSet presAssocID="{F4F8A5CD-88A1-4E22-BFEC-A56CD3646C14}" presName="Name17" presStyleLbl="parChTrans1D3" presStyleIdx="3" presStyleCnt="4"/>
-      <dgm:spPr/>
-    </dgm:pt>
-    <dgm:pt modelId="{B2C216E5-3EF2-4214-845F-85B6044694CB}" type="pres">
-      <dgm:prSet presAssocID="{71E95DE1-E678-4DFF-9F5E-86016A533F91}" presName="hierRoot3" presStyleCnt="0"/>
-      <dgm:spPr/>
-    </dgm:pt>
-    <dgm:pt modelId="{930E7EBB-2DDA-4847-9688-6A51EB8269A4}" type="pres">
-      <dgm:prSet presAssocID="{71E95DE1-E678-4DFF-9F5E-86016A533F91}" presName="composite3" presStyleCnt="0"/>
-      <dgm:spPr/>
-    </dgm:pt>
-    <dgm:pt modelId="{BB6CEB44-0B14-47F7-AE76-4AF852936C1A}" type="pres">
-      <dgm:prSet presAssocID="{71E95DE1-E678-4DFF-9F5E-86016A533F91}" presName="background3" presStyleLbl="node3" presStyleIdx="3" presStyleCnt="4"/>
-      <dgm:spPr/>
-    </dgm:pt>
-    <dgm:pt modelId="{9F809C7B-90EA-4EBB-A582-D58A4606B8FE}" type="pres">
-      <dgm:prSet presAssocID="{71E95DE1-E678-4DFF-9F5E-86016A533F91}" presName="text3" presStyleLbl="fgAcc3" presStyleIdx="3" presStyleCnt="4">
+    <dgm:pt modelId="{06DF57DE-3DD6-4F47-BEE1-5E606AE2EEC9}" type="pres">
+      <dgm:prSet presAssocID="{71E95DE1-E678-4DFF-9F5E-86016A533F91}" presName="hierChild4" presStyleCnt="0"/>
+      <dgm:spPr/>
+    </dgm:pt>
+    <dgm:pt modelId="{92235BDB-CCB4-234D-9872-F74527AA22DF}" type="pres">
+      <dgm:prSet presAssocID="{B01CD058-8DD5-874F-AFD1-747BEA10F980}" presName="Name10" presStyleLbl="parChTrans1D2" presStyleIdx="4" presStyleCnt="5"/>
+      <dgm:spPr/>
+      <dgm:t>
+        <a:bodyPr/>
+        <a:lstStyle/>
+        <a:p>
+          <a:endParaRPr lang="en-US"/>
+        </a:p>
+      </dgm:t>
+    </dgm:pt>
+    <dgm:pt modelId="{DDBD34F3-9799-6641-90E3-E4BD7DA84D39}" type="pres">
+      <dgm:prSet presAssocID="{3891340E-13A4-CA4B-9834-353E93976AE6}" presName="hierRoot2" presStyleCnt="0"/>
+      <dgm:spPr/>
+    </dgm:pt>
+    <dgm:pt modelId="{15235871-E556-9B4D-A4AB-79CE93DE6D09}" type="pres">
+      <dgm:prSet presAssocID="{3891340E-13A4-CA4B-9834-353E93976AE6}" presName="composite2" presStyleCnt="0"/>
+      <dgm:spPr/>
+    </dgm:pt>
+    <dgm:pt modelId="{1925B6B1-7867-FF49-8209-4FF864D8818F}" type="pres">
+      <dgm:prSet presAssocID="{3891340E-13A4-CA4B-9834-353E93976AE6}" presName="background2" presStyleLbl="node2" presStyleIdx="4" presStyleCnt="5"/>
+      <dgm:spPr/>
+    </dgm:pt>
+    <dgm:pt modelId="{69A89AF8-773D-E546-B1A7-75952F4EDB5F}" type="pres">
+      <dgm:prSet presAssocID="{3891340E-13A4-CA4B-9834-353E93976AE6}" presName="text2" presStyleLbl="fgAcc2" presStyleIdx="4" presStyleCnt="5">
         <dgm:presLayoutVars>
           <dgm:chPref val="3"/>
         </dgm:presLayoutVars>
@@ -2513,105 +2636,156 @@
         <a:bodyPr/>
         <a:lstStyle/>
         <a:p>
-          <a:endParaRPr lang="en-AU"/>
+          <a:endParaRPr lang="en-US"/>
         </a:p>
       </dgm:t>
     </dgm:pt>
-    <dgm:pt modelId="{06DF57DE-3DD6-4F47-BEE1-5E606AE2EEC9}" type="pres">
-      <dgm:prSet presAssocID="{71E95DE1-E678-4DFF-9F5E-86016A533F91}" presName="hierChild4" presStyleCnt="0"/>
+    <dgm:pt modelId="{229725A7-7CAE-ED45-ABFC-58BBAF41C19B}" type="pres">
+      <dgm:prSet presAssocID="{3891340E-13A4-CA4B-9834-353E93976AE6}" presName="hierChild3" presStyleCnt="0"/>
+      <dgm:spPr/>
+    </dgm:pt>
+    <dgm:pt modelId="{1034382A-DBC6-E94A-90CC-D6ACF19D100D}" type="pres">
+      <dgm:prSet presAssocID="{C912761F-DF62-F242-A4EE-8E87FB7BDCF5}" presName="Name17" presStyleLbl="parChTrans1D3" presStyleIdx="4" presStyleCnt="5"/>
+      <dgm:spPr/>
+      <dgm:t>
+        <a:bodyPr/>
+        <a:lstStyle/>
+        <a:p>
+          <a:endParaRPr lang="en-US"/>
+        </a:p>
+      </dgm:t>
+    </dgm:pt>
+    <dgm:pt modelId="{99FD9399-3FE5-B440-89B7-9F0C39C8A94F}" type="pres">
+      <dgm:prSet presAssocID="{D05EE90F-CB73-8245-AE1B-D0127637905E}" presName="hierRoot3" presStyleCnt="0"/>
+      <dgm:spPr/>
+    </dgm:pt>
+    <dgm:pt modelId="{894CA33E-26A5-584F-A4FA-9D4920708116}" type="pres">
+      <dgm:prSet presAssocID="{D05EE90F-CB73-8245-AE1B-D0127637905E}" presName="composite3" presStyleCnt="0"/>
+      <dgm:spPr/>
+    </dgm:pt>
+    <dgm:pt modelId="{3C55196E-D3A6-D54A-BF28-3DF027D50AC4}" type="pres">
+      <dgm:prSet presAssocID="{D05EE90F-CB73-8245-AE1B-D0127637905E}" presName="background3" presStyleLbl="asst2" presStyleIdx="0" presStyleCnt="1"/>
+      <dgm:spPr/>
+    </dgm:pt>
+    <dgm:pt modelId="{312D9839-8761-AE40-8B9A-65E13F7CA72B}" type="pres">
+      <dgm:prSet presAssocID="{D05EE90F-CB73-8245-AE1B-D0127637905E}" presName="text3" presStyleLbl="fgAcc3" presStyleIdx="4" presStyleCnt="5">
+        <dgm:presLayoutVars>
+          <dgm:chPref val="3"/>
+        </dgm:presLayoutVars>
+      </dgm:prSet>
+      <dgm:spPr/>
+      <dgm:t>
+        <a:bodyPr/>
+        <a:lstStyle/>
+        <a:p>
+          <a:endParaRPr lang="en-US"/>
+        </a:p>
+      </dgm:t>
+    </dgm:pt>
+    <dgm:pt modelId="{030BD426-2E89-8549-9E4D-3B68F0C3CA23}" type="pres">
+      <dgm:prSet presAssocID="{D05EE90F-CB73-8245-AE1B-D0127637905E}" presName="hierChild4" presStyleCnt="0"/>
       <dgm:spPr/>
     </dgm:pt>
   </dgm:ptLst>
   <dgm:cxnLst>
+    <dgm:cxn modelId="{E70780CD-D2CB-C140-85FF-9AD4F134505C}" type="presOf" srcId="{1685AC31-3E99-4436-878B-B28A05A8061D}" destId="{018AC6DC-D462-42C5-8AE1-8013AF4B0CAF}" srcOrd="0" destOrd="0" presId="urn:microsoft.com/office/officeart/2005/8/layout/hierarchy1"/>
+    <dgm:cxn modelId="{AA6BA83C-BD06-A446-828F-5DFD42056679}" type="presOf" srcId="{C912761F-DF62-F242-A4EE-8E87FB7BDCF5}" destId="{1034382A-DBC6-E94A-90CC-D6ACF19D100D}" srcOrd="0" destOrd="0" presId="urn:microsoft.com/office/officeart/2005/8/layout/hierarchy1"/>
+    <dgm:cxn modelId="{24AD3FBF-8647-F245-B59B-56CDD3397582}" type="presOf" srcId="{9CA85334-E0AF-4A8A-961F-5828471DA80E}" destId="{D4257DB1-BF09-48F3-B4D4-E52E33EE1A29}" srcOrd="0" destOrd="0" presId="urn:microsoft.com/office/officeart/2005/8/layout/hierarchy1"/>
+    <dgm:cxn modelId="{8E5C9715-8F7B-2F43-BC45-FC94D1E1AF49}" type="presOf" srcId="{132F4530-52E1-4B6C-8F73-4E1D07073D8D}" destId="{346DBF57-47DC-428D-BA10-FC669D6F573D}" srcOrd="0" destOrd="0" presId="urn:microsoft.com/office/officeart/2005/8/layout/hierarchy1"/>
+    <dgm:cxn modelId="{44715A79-DEB1-B240-B4AB-A660091C666E}" type="presOf" srcId="{D05EE90F-CB73-8245-AE1B-D0127637905E}" destId="{312D9839-8761-AE40-8B9A-65E13F7CA72B}" srcOrd="0" destOrd="0" presId="urn:microsoft.com/office/officeart/2005/8/layout/hierarchy1"/>
+    <dgm:cxn modelId="{46A99D35-0F22-43D7-AF98-1AC152316F6A}" srcId="{C94C050D-65F0-4AF3-9629-7574CFE2B3FC}" destId="{FAA3A535-B808-4531-9C92-6B0B3068AB58}" srcOrd="1" destOrd="0" parTransId="{DEC71A5B-7BF8-4C66-8872-01D9C81BFA29}" sibTransId="{505E917A-422D-40B5-9D7A-6DE492DB0E3F}"/>
+    <dgm:cxn modelId="{42BFCC2B-3EAB-45BA-9274-99FA81D88372}" srcId="{977B0126-CD8A-4E9C-B1A3-E7B95DE807A9}" destId="{DAC7F707-7295-4C7F-BF5A-AE2DD28B500A}" srcOrd="0" destOrd="0" parTransId="{CC75C541-91E9-444A-9EFA-5CDA4028B854}" sibTransId="{B07E663F-B94D-4150-BC58-588F37BB230D}"/>
+    <dgm:cxn modelId="{E1625252-92C8-154B-B5D9-6679C8B96A87}" type="presOf" srcId="{9904465C-B9AF-4F06-8280-17A46A2DB6A8}" destId="{B8787FBF-37EE-416F-AB6F-A59B3264D32C}" srcOrd="0" destOrd="0" presId="urn:microsoft.com/office/officeart/2005/8/layout/hierarchy1"/>
+    <dgm:cxn modelId="{AD081985-FCCE-5149-AC2A-F78AD5CCC08F}" srcId="{3891340E-13A4-CA4B-9834-353E93976AE6}" destId="{D05EE90F-CB73-8245-AE1B-D0127637905E}" srcOrd="0" destOrd="0" parTransId="{C912761F-DF62-F242-A4EE-8E87FB7BDCF5}" sibTransId="{F5D110E8-0518-AB4B-A0F1-B846F33C6E32}"/>
+    <dgm:cxn modelId="{BEBE8B02-BCC6-6D46-B0D0-F4537B75AC35}" type="presOf" srcId="{0AC0A90E-37AA-4B79-8B24-47DDFEA37830}" destId="{28E44A12-6007-483E-B7A1-84CB92B79126}" srcOrd="0" destOrd="0" presId="urn:microsoft.com/office/officeart/2005/8/layout/hierarchy1"/>
+    <dgm:cxn modelId="{52723867-2C01-E043-92B0-F981CB03592B}" type="presOf" srcId="{767E4217-EF54-40E4-AA13-5EF394F11D56}" destId="{64D60078-3F06-4E4E-9D0A-FEEBA4CE41E5}" srcOrd="0" destOrd="0" presId="urn:microsoft.com/office/officeart/2005/8/layout/hierarchy1"/>
+    <dgm:cxn modelId="{63A415EC-0A9B-6B4F-97AA-389EC68665C9}" srcId="{C94C050D-65F0-4AF3-9629-7574CFE2B3FC}" destId="{3891340E-13A4-CA4B-9834-353E93976AE6}" srcOrd="4" destOrd="0" parTransId="{B01CD058-8DD5-874F-AFD1-747BEA10F980}" sibTransId="{CB2934A4-56A8-3C4F-ACF5-C6D8B17E8006}"/>
+    <dgm:cxn modelId="{CC995406-2C77-7D45-B111-0DB4868B37A7}" type="presOf" srcId="{71E95DE1-E678-4DFF-9F5E-86016A533F91}" destId="{9F809C7B-90EA-4EBB-A582-D58A4606B8FE}" srcOrd="0" destOrd="0" presId="urn:microsoft.com/office/officeart/2005/8/layout/hierarchy1"/>
+    <dgm:cxn modelId="{553F9867-24EF-7949-AAB6-80C770BE3C3D}" type="presOf" srcId="{FAA3A535-B808-4531-9C92-6B0B3068AB58}" destId="{21B3CAD0-4C72-4929-B3EF-083EF8BADEF0}" srcOrd="0" destOrd="0" presId="urn:microsoft.com/office/officeart/2005/8/layout/hierarchy1"/>
+    <dgm:cxn modelId="{D1C9A285-9241-459E-BB50-096A0AB92150}" srcId="{C94C050D-65F0-4AF3-9629-7574CFE2B3FC}" destId="{977B0126-CD8A-4E9C-B1A3-E7B95DE807A9}" srcOrd="0" destOrd="0" parTransId="{9CA85334-E0AF-4A8A-961F-5828471DA80E}" sibTransId="{24240487-60ED-4554-B037-956A898B624A}"/>
+    <dgm:cxn modelId="{703265EA-FA7F-BE49-9E48-90DB37DFB2B6}" type="presOf" srcId="{A7BD5EF5-8CC7-42BE-A86C-266D665A92A8}" destId="{438A48BA-BE3C-41CB-BFDC-24787B99FD99}" srcOrd="0" destOrd="0" presId="urn:microsoft.com/office/officeart/2005/8/layout/hierarchy1"/>
+    <dgm:cxn modelId="{515BD321-1646-4890-A623-D3E1A008D24D}" srcId="{132F4530-52E1-4B6C-8F73-4E1D07073D8D}" destId="{767E4217-EF54-40E4-AA13-5EF394F11D56}" srcOrd="0" destOrd="0" parTransId="{1685AC31-3E99-4436-878B-B28A05A8061D}" sibTransId="{C9F23672-E5AA-4F7D-B0B4-72D4E6ECF222}"/>
+    <dgm:cxn modelId="{AEE5793E-6674-483E-B092-04E81CFD6142}" srcId="{FAA3A535-B808-4531-9C92-6B0B3068AB58}" destId="{181AD08C-E4D4-49C2-99B9-0E8F7F38F038}" srcOrd="0" destOrd="0" parTransId="{9904465C-B9AF-4F06-8280-17A46A2DB6A8}" sibTransId="{FB913040-4F56-4B2D-96B4-B7715B8BF8A2}"/>
+    <dgm:cxn modelId="{62A6A2ED-9B29-8E4D-AB3D-64632132AF6A}" type="presOf" srcId="{CC75C541-91E9-444A-9EFA-5CDA4028B854}" destId="{710EB467-078C-4231-A267-B1D7C9B1F13E}" srcOrd="0" destOrd="0" presId="urn:microsoft.com/office/officeart/2005/8/layout/hierarchy1"/>
+    <dgm:cxn modelId="{4F1798E5-CD7C-B444-8B00-E1339183BAAD}" type="presOf" srcId="{50DA5DEA-41FD-4608-AB1F-ED19E65AD4DF}" destId="{9FC48C7E-F9E6-4D07-9284-73B4535FB69F}" srcOrd="0" destOrd="0" presId="urn:microsoft.com/office/officeart/2005/8/layout/hierarchy1"/>
+    <dgm:cxn modelId="{EBEACB31-5BCB-214F-93DB-AD39DB742162}" type="presOf" srcId="{181AD08C-E4D4-49C2-99B9-0E8F7F38F038}" destId="{1F7F17F4-EE9B-402F-A755-AE101A6AF6DC}" srcOrd="0" destOrd="0" presId="urn:microsoft.com/office/officeart/2005/8/layout/hierarchy1"/>
+    <dgm:cxn modelId="{F9357BE7-F014-8847-ABB5-C1FFDFE759C3}" type="presOf" srcId="{B01CD058-8DD5-874F-AFD1-747BEA10F980}" destId="{92235BDB-CCB4-234D-9872-F74527AA22DF}" srcOrd="0" destOrd="0" presId="urn:microsoft.com/office/officeart/2005/8/layout/hierarchy1"/>
+    <dgm:cxn modelId="{601DCB02-002D-9240-A855-68EC185341C6}" type="presOf" srcId="{F4F8A5CD-88A1-4E22-BFEC-A56CD3646C14}" destId="{B9E8C711-58DB-4D96-AB2B-2CD3226FCA20}" srcOrd="0" destOrd="0" presId="urn:microsoft.com/office/officeart/2005/8/layout/hierarchy1"/>
+    <dgm:cxn modelId="{4A2A5A15-46C4-4240-A3AE-AD265ECC622A}" srcId="{50DA5DEA-41FD-4608-AB1F-ED19E65AD4DF}" destId="{71E95DE1-E678-4DFF-9F5E-86016A533F91}" srcOrd="0" destOrd="0" parTransId="{F4F8A5CD-88A1-4E22-BFEC-A56CD3646C14}" sibTransId="{6C6F9C63-DCD3-42DE-A2B2-2BD525D1A10B}"/>
+    <dgm:cxn modelId="{82C8E468-B082-B542-BE0D-EF3E74E48FD6}" type="presOf" srcId="{DAC7F707-7295-4C7F-BF5A-AE2DD28B500A}" destId="{F3F5545F-55CB-4656-98D1-45B40A1457A0}" srcOrd="0" destOrd="0" presId="urn:microsoft.com/office/officeart/2005/8/layout/hierarchy1"/>
+    <dgm:cxn modelId="{57468710-BF0B-5B4F-842F-8FA2161FBFCB}" type="presOf" srcId="{977B0126-CD8A-4E9C-B1A3-E7B95DE807A9}" destId="{990047FC-FE34-412F-856D-27FA8B11D464}" srcOrd="0" destOrd="0" presId="urn:microsoft.com/office/officeart/2005/8/layout/hierarchy1"/>
+    <dgm:cxn modelId="{1E4E7B30-A8C0-BE4E-89F9-DDDD627DE928}" type="presOf" srcId="{3891340E-13A4-CA4B-9834-353E93976AE6}" destId="{69A89AF8-773D-E546-B1A7-75952F4EDB5F}" srcOrd="0" destOrd="0" presId="urn:microsoft.com/office/officeart/2005/8/layout/hierarchy1"/>
+    <dgm:cxn modelId="{DA3364D3-3C8B-4509-865E-7F1955CF7771}" type="presOf" srcId="{C94C050D-65F0-4AF3-9629-7574CFE2B3FC}" destId="{13DE8248-3ABC-4A3F-AD03-ADC18D359163}" srcOrd="0" destOrd="0" presId="urn:microsoft.com/office/officeart/2005/8/layout/hierarchy1"/>
+    <dgm:cxn modelId="{396BC4C4-087A-154C-8946-3D1AAC06C61B}" type="presOf" srcId="{DEC71A5B-7BF8-4C66-8872-01D9C81BFA29}" destId="{101E350F-E4C7-4BF3-ADB7-490FC3EE8992}" srcOrd="0" destOrd="0" presId="urn:microsoft.com/office/officeart/2005/8/layout/hierarchy1"/>
+    <dgm:cxn modelId="{1BF50FC7-159B-4778-83FA-2BCA8C111BA5}" srcId="{C94C050D-65F0-4AF3-9629-7574CFE2B3FC}" destId="{50DA5DEA-41FD-4608-AB1F-ED19E65AD4DF}" srcOrd="3" destOrd="0" parTransId="{0AC0A90E-37AA-4B79-8B24-47DDFEA37830}" sibTransId="{28FE14E9-A743-43A8-A91C-BF5D3891A1C0}"/>
+    <dgm:cxn modelId="{FBED81C3-2D1D-45CB-882B-44E23911B7B5}" type="presOf" srcId="{DAD9F20E-4404-40C1-9AF8-533AF73A0B2B}" destId="{038CC6DB-B431-4F67-BF13-85201A1BF113}" srcOrd="0" destOrd="0" presId="urn:microsoft.com/office/officeart/2005/8/layout/hierarchy1"/>
+    <dgm:cxn modelId="{80923C7F-63F7-4D36-AADE-8A0274554AE0}" srcId="{C94C050D-65F0-4AF3-9629-7574CFE2B3FC}" destId="{132F4530-52E1-4B6C-8F73-4E1D07073D8D}" srcOrd="2" destOrd="0" parTransId="{A7BD5EF5-8CC7-42BE-A86C-266D665A92A8}" sibTransId="{F5D9081A-334A-40CA-988B-30F13987B4AE}"/>
     <dgm:cxn modelId="{989A21A2-6FDA-4A5A-8BE3-F9360D41699E}" srcId="{DAD9F20E-4404-40C1-9AF8-533AF73A0B2B}" destId="{C94C050D-65F0-4AF3-9629-7574CFE2B3FC}" srcOrd="0" destOrd="0" parTransId="{63B54F59-4104-4524-82F4-E2128E6DFE1A}" sibTransId="{7B513807-BC82-48ED-99E7-C0501BC35939}"/>
-    <dgm:cxn modelId="{53F307FE-EDA9-49AD-BCE9-06CC911424EE}" type="presOf" srcId="{FAA3A535-B808-4531-9C92-6B0B3068AB58}" destId="{21B3CAD0-4C72-4929-B3EF-083EF8BADEF0}" srcOrd="0" destOrd="0" presId="urn:microsoft.com/office/officeart/2005/8/layout/hierarchy1"/>
-    <dgm:cxn modelId="{889CE561-FDEE-4FBA-A7C4-195D2759C414}" type="presOf" srcId="{977B0126-CD8A-4E9C-B1A3-E7B95DE807A9}" destId="{990047FC-FE34-412F-856D-27FA8B11D464}" srcOrd="0" destOrd="0" presId="urn:microsoft.com/office/officeart/2005/8/layout/hierarchy1"/>
-    <dgm:cxn modelId="{9C4D48E1-C821-4F16-A043-FA4AE559AA01}" type="presOf" srcId="{ECBE26DA-BE9A-41CC-985F-42E417CA071F}" destId="{40579B4F-E567-4EF2-AAB4-184628D0B7FC}" srcOrd="0" destOrd="0" presId="urn:microsoft.com/office/officeart/2005/8/layout/hierarchy1"/>
-    <dgm:cxn modelId="{80923C7F-63F7-4D36-AADE-8A0274554AE0}" srcId="{C94C050D-65F0-4AF3-9629-7574CFE2B3FC}" destId="{132F4530-52E1-4B6C-8F73-4E1D07073D8D}" srcOrd="3" destOrd="0" parTransId="{A7BD5EF5-8CC7-42BE-A86C-266D665A92A8}" sibTransId="{F5D9081A-334A-40CA-988B-30F13987B4AE}"/>
-    <dgm:cxn modelId="{D1C9A285-9241-459E-BB50-096A0AB92150}" srcId="{C94C050D-65F0-4AF3-9629-7574CFE2B3FC}" destId="{977B0126-CD8A-4E9C-B1A3-E7B95DE807A9}" srcOrd="1" destOrd="0" parTransId="{9CA85334-E0AF-4A8A-961F-5828471DA80E}" sibTransId="{24240487-60ED-4554-B037-956A898B624A}"/>
-    <dgm:cxn modelId="{C1A0D8F3-DE4E-4B3C-B792-7927E7F24AB4}" srcId="{C94C050D-65F0-4AF3-9629-7574CFE2B3FC}" destId="{829F2643-738B-4095-9950-89A120C65799}" srcOrd="0" destOrd="0" parTransId="{ECBE26DA-BE9A-41CC-985F-42E417CA071F}" sibTransId="{CED43E0C-1BDC-4E53-86C5-56BA02508CA5}"/>
-    <dgm:cxn modelId="{AEE5793E-6674-483E-B092-04E81CFD6142}" srcId="{FAA3A535-B808-4531-9C92-6B0B3068AB58}" destId="{181AD08C-E4D4-49C2-99B9-0E8F7F38F038}" srcOrd="0" destOrd="0" parTransId="{9904465C-B9AF-4F06-8280-17A46A2DB6A8}" sibTransId="{FB913040-4F56-4B2D-96B4-B7715B8BF8A2}"/>
-    <dgm:cxn modelId="{8212EB63-7D2E-4B5E-AA23-73AED379E75B}" type="presOf" srcId="{181AD08C-E4D4-49C2-99B9-0E8F7F38F038}" destId="{1F7F17F4-EE9B-402F-A755-AE101A6AF6DC}" srcOrd="0" destOrd="0" presId="urn:microsoft.com/office/officeart/2005/8/layout/hierarchy1"/>
-    <dgm:cxn modelId="{9A9F1464-DADC-437D-8DF6-3DC8E27EE0F1}" type="presOf" srcId="{F4F8A5CD-88A1-4E22-BFEC-A56CD3646C14}" destId="{B9E8C711-58DB-4D96-AB2B-2CD3226FCA20}" srcOrd="0" destOrd="0" presId="urn:microsoft.com/office/officeart/2005/8/layout/hierarchy1"/>
-    <dgm:cxn modelId="{42BFCC2B-3EAB-45BA-9274-99FA81D88372}" srcId="{977B0126-CD8A-4E9C-B1A3-E7B95DE807A9}" destId="{DAC7F707-7295-4C7F-BF5A-AE2DD28B500A}" srcOrd="0" destOrd="0" parTransId="{CC75C541-91E9-444A-9EFA-5CDA4028B854}" sibTransId="{B07E663F-B94D-4150-BC58-588F37BB230D}"/>
-    <dgm:cxn modelId="{8B73F189-4622-4C97-B6CB-C0AA8509F46E}" type="presOf" srcId="{0AC0A90E-37AA-4B79-8B24-47DDFEA37830}" destId="{28E44A12-6007-483E-B7A1-84CB92B79126}" srcOrd="0" destOrd="0" presId="urn:microsoft.com/office/officeart/2005/8/layout/hierarchy1"/>
-    <dgm:cxn modelId="{7285F762-F944-4E24-9215-2352FE0F85D0}" type="presOf" srcId="{1685AC31-3E99-4436-878B-B28A05A8061D}" destId="{018AC6DC-D462-42C5-8AE1-8013AF4B0CAF}" srcOrd="0" destOrd="0" presId="urn:microsoft.com/office/officeart/2005/8/layout/hierarchy1"/>
-    <dgm:cxn modelId="{DA3F3B1C-0545-43F2-8636-69F515C6393D}" type="presOf" srcId="{829F2643-738B-4095-9950-89A120C65799}" destId="{A2E4BFFC-54E4-4059-8B43-72867B49C1C3}" srcOrd="0" destOrd="0" presId="urn:microsoft.com/office/officeart/2005/8/layout/hierarchy1"/>
-    <dgm:cxn modelId="{4A2A5A15-46C4-4240-A3AE-AD265ECC622A}" srcId="{50DA5DEA-41FD-4608-AB1F-ED19E65AD4DF}" destId="{71E95DE1-E678-4DFF-9F5E-86016A533F91}" srcOrd="0" destOrd="0" parTransId="{F4F8A5CD-88A1-4E22-BFEC-A56CD3646C14}" sibTransId="{6C6F9C63-DCD3-42DE-A2B2-2BD525D1A10B}"/>
-    <dgm:cxn modelId="{1BF50FC7-159B-4778-83FA-2BCA8C111BA5}" srcId="{C94C050D-65F0-4AF3-9629-7574CFE2B3FC}" destId="{50DA5DEA-41FD-4608-AB1F-ED19E65AD4DF}" srcOrd="4" destOrd="0" parTransId="{0AC0A90E-37AA-4B79-8B24-47DDFEA37830}" sibTransId="{28FE14E9-A743-43A8-A91C-BF5D3891A1C0}"/>
-    <dgm:cxn modelId="{46A99D35-0F22-43D7-AF98-1AC152316F6A}" srcId="{C94C050D-65F0-4AF3-9629-7574CFE2B3FC}" destId="{FAA3A535-B808-4531-9C92-6B0B3068AB58}" srcOrd="2" destOrd="0" parTransId="{DEC71A5B-7BF8-4C66-8872-01D9C81BFA29}" sibTransId="{505E917A-422D-40B5-9D7A-6DE492DB0E3F}"/>
-    <dgm:cxn modelId="{E71E6DE8-0754-4C58-AF9C-3B4A255726E9}" type="presOf" srcId="{71E95DE1-E678-4DFF-9F5E-86016A533F91}" destId="{9F809C7B-90EA-4EBB-A582-D58A4606B8FE}" srcOrd="0" destOrd="0" presId="urn:microsoft.com/office/officeart/2005/8/layout/hierarchy1"/>
-    <dgm:cxn modelId="{12360A89-34B5-433C-A6D3-59004A66F26F}" type="presOf" srcId="{9CA85334-E0AF-4A8A-961F-5828471DA80E}" destId="{D4257DB1-BF09-48F3-B4D4-E52E33EE1A29}" srcOrd="0" destOrd="0" presId="urn:microsoft.com/office/officeart/2005/8/layout/hierarchy1"/>
-    <dgm:cxn modelId="{515BD321-1646-4890-A623-D3E1A008D24D}" srcId="{132F4530-52E1-4B6C-8F73-4E1D07073D8D}" destId="{767E4217-EF54-40E4-AA13-5EF394F11D56}" srcOrd="0" destOrd="0" parTransId="{1685AC31-3E99-4436-878B-B28A05A8061D}" sibTransId="{C9F23672-E5AA-4F7D-B0B4-72D4E6ECF222}"/>
-    <dgm:cxn modelId="{275BC376-0675-4409-B70D-D6FD20C685F9}" type="presOf" srcId="{DEC71A5B-7BF8-4C66-8872-01D9C81BFA29}" destId="{101E350F-E4C7-4BF3-ADB7-490FC3EE8992}" srcOrd="0" destOrd="0" presId="urn:microsoft.com/office/officeart/2005/8/layout/hierarchy1"/>
-    <dgm:cxn modelId="{FB4A1F5A-FE5E-4969-ACE9-C44F446409A3}" type="presOf" srcId="{CC75C541-91E9-444A-9EFA-5CDA4028B854}" destId="{710EB467-078C-4231-A267-B1D7C9B1F13E}" srcOrd="0" destOrd="0" presId="urn:microsoft.com/office/officeart/2005/8/layout/hierarchy1"/>
-    <dgm:cxn modelId="{003E872A-D112-4625-A4C1-DF70DC171327}" type="presOf" srcId="{50DA5DEA-41FD-4608-AB1F-ED19E65AD4DF}" destId="{9FC48C7E-F9E6-4D07-9284-73B4535FB69F}" srcOrd="0" destOrd="0" presId="urn:microsoft.com/office/officeart/2005/8/layout/hierarchy1"/>
-    <dgm:cxn modelId="{DE2A489B-655D-4A9C-B82C-55030C19DCC5}" type="presOf" srcId="{DAC7F707-7295-4C7F-BF5A-AE2DD28B500A}" destId="{F3F5545F-55CB-4656-98D1-45B40A1457A0}" srcOrd="0" destOrd="0" presId="urn:microsoft.com/office/officeart/2005/8/layout/hierarchy1"/>
-    <dgm:cxn modelId="{5CB59EC0-E08F-480F-95E4-7E7742575595}" type="presOf" srcId="{132F4530-52E1-4B6C-8F73-4E1D07073D8D}" destId="{346DBF57-47DC-428D-BA10-FC669D6F573D}" srcOrd="0" destOrd="0" presId="urn:microsoft.com/office/officeart/2005/8/layout/hierarchy1"/>
-    <dgm:cxn modelId="{74E1D527-5147-49CD-B170-D53B8F1DC971}" type="presOf" srcId="{A7BD5EF5-8CC7-42BE-A86C-266D665A92A8}" destId="{438A48BA-BE3C-41CB-BFDC-24787B99FD99}" srcOrd="0" destOrd="0" presId="urn:microsoft.com/office/officeart/2005/8/layout/hierarchy1"/>
-    <dgm:cxn modelId="{D0A18791-A8EC-49E9-86AD-A8E5D49D3902}" type="presOf" srcId="{9904465C-B9AF-4F06-8280-17A46A2DB6A8}" destId="{B8787FBF-37EE-416F-AB6F-A59B3264D32C}" srcOrd="0" destOrd="0" presId="urn:microsoft.com/office/officeart/2005/8/layout/hierarchy1"/>
-    <dgm:cxn modelId="{DA3364D3-3C8B-4509-865E-7F1955CF7771}" type="presOf" srcId="{C94C050D-65F0-4AF3-9629-7574CFE2B3FC}" destId="{13DE8248-3ABC-4A3F-AD03-ADC18D359163}" srcOrd="0" destOrd="0" presId="urn:microsoft.com/office/officeart/2005/8/layout/hierarchy1"/>
-    <dgm:cxn modelId="{FBED81C3-2D1D-45CB-882B-44E23911B7B5}" type="presOf" srcId="{DAD9F20E-4404-40C1-9AF8-533AF73A0B2B}" destId="{038CC6DB-B431-4F67-BF13-85201A1BF113}" srcOrd="0" destOrd="0" presId="urn:microsoft.com/office/officeart/2005/8/layout/hierarchy1"/>
-    <dgm:cxn modelId="{2124D777-FC28-4818-B64B-355A0CA56626}" type="presOf" srcId="{767E4217-EF54-40E4-AA13-5EF394F11D56}" destId="{64D60078-3F06-4E4E-9D0A-FEEBA4CE41E5}" srcOrd="0" destOrd="0" presId="urn:microsoft.com/office/officeart/2005/8/layout/hierarchy1"/>
     <dgm:cxn modelId="{C2D4AD1D-EF46-4958-AE81-45804986040C}" type="presParOf" srcId="{038CC6DB-B431-4F67-BF13-85201A1BF113}" destId="{74C2D815-BFDC-46D2-BAF0-16801C9CBBF2}" srcOrd="0" destOrd="0" presId="urn:microsoft.com/office/officeart/2005/8/layout/hierarchy1"/>
     <dgm:cxn modelId="{C6C3F784-8505-43AB-A92E-B90A6CA64D43}" type="presParOf" srcId="{74C2D815-BFDC-46D2-BAF0-16801C9CBBF2}" destId="{BB83D1E3-AC83-4B0B-B1AE-3098001BBB70}" srcOrd="0" destOrd="0" presId="urn:microsoft.com/office/officeart/2005/8/layout/hierarchy1"/>
     <dgm:cxn modelId="{20E92428-703F-41E5-B561-DFA2F7C2B6DB}" type="presParOf" srcId="{BB83D1E3-AC83-4B0B-B1AE-3098001BBB70}" destId="{28653E01-75C5-4902-A41D-F57AFA5B46DF}" srcOrd="0" destOrd="0" presId="urn:microsoft.com/office/officeart/2005/8/layout/hierarchy1"/>
     <dgm:cxn modelId="{C8F58775-1F74-47A5-AEEA-7A2136303745}" type="presParOf" srcId="{BB83D1E3-AC83-4B0B-B1AE-3098001BBB70}" destId="{13DE8248-3ABC-4A3F-AD03-ADC18D359163}" srcOrd="1" destOrd="0" presId="urn:microsoft.com/office/officeart/2005/8/layout/hierarchy1"/>
     <dgm:cxn modelId="{4066AC2F-0603-4047-B2D7-E66CD7AD56FA}" type="presParOf" srcId="{74C2D815-BFDC-46D2-BAF0-16801C9CBBF2}" destId="{86D4FC58-83A3-4AD7-9D8B-29B57891F85D}" srcOrd="1" destOrd="0" presId="urn:microsoft.com/office/officeart/2005/8/layout/hierarchy1"/>
-    <dgm:cxn modelId="{12C0D449-BE94-4E7F-BE32-9D9F0E1A04AF}" type="presParOf" srcId="{86D4FC58-83A3-4AD7-9D8B-29B57891F85D}" destId="{40579B4F-E567-4EF2-AAB4-184628D0B7FC}" srcOrd="0" destOrd="0" presId="urn:microsoft.com/office/officeart/2005/8/layout/hierarchy1"/>
-    <dgm:cxn modelId="{C4CA2A08-6EA9-4C03-8F73-360A01562D4E}" type="presParOf" srcId="{86D4FC58-83A3-4AD7-9D8B-29B57891F85D}" destId="{5DFB1A24-F934-4F6F-BC4A-61E8F3770B1B}" srcOrd="1" destOrd="0" presId="urn:microsoft.com/office/officeart/2005/8/layout/hierarchy1"/>
-    <dgm:cxn modelId="{E2976AA9-135D-4EAB-A48A-1BE838160D01}" type="presParOf" srcId="{5DFB1A24-F934-4F6F-BC4A-61E8F3770B1B}" destId="{6217B53D-7DA7-4A31-836B-8E450785B328}" srcOrd="0" destOrd="0" presId="urn:microsoft.com/office/officeart/2005/8/layout/hierarchy1"/>
-    <dgm:cxn modelId="{27AA2D38-B550-41D1-BCD5-4B7D968810B0}" type="presParOf" srcId="{6217B53D-7DA7-4A31-836B-8E450785B328}" destId="{19F23D03-8BF6-4951-8480-6A3E6445FC50}" srcOrd="0" destOrd="0" presId="urn:microsoft.com/office/officeart/2005/8/layout/hierarchy1"/>
-    <dgm:cxn modelId="{976DC8A4-7550-47D9-8121-8213385F2487}" type="presParOf" srcId="{6217B53D-7DA7-4A31-836B-8E450785B328}" destId="{A2E4BFFC-54E4-4059-8B43-72867B49C1C3}" srcOrd="1" destOrd="0" presId="urn:microsoft.com/office/officeart/2005/8/layout/hierarchy1"/>
-    <dgm:cxn modelId="{B14A6802-007A-4C04-A003-643A54ABBBD3}" type="presParOf" srcId="{5DFB1A24-F934-4F6F-BC4A-61E8F3770B1B}" destId="{30622DAC-9738-4EE6-9315-9BF202625E86}" srcOrd="1" destOrd="0" presId="urn:microsoft.com/office/officeart/2005/8/layout/hierarchy1"/>
-    <dgm:cxn modelId="{B99B54BE-CFBC-4A28-A3EC-7C8D869C72DA}" type="presParOf" srcId="{86D4FC58-83A3-4AD7-9D8B-29B57891F85D}" destId="{D4257DB1-BF09-48F3-B4D4-E52E33EE1A29}" srcOrd="2" destOrd="0" presId="urn:microsoft.com/office/officeart/2005/8/layout/hierarchy1"/>
-    <dgm:cxn modelId="{123AF7F1-D727-421C-A743-37CCCC7ABECE}" type="presParOf" srcId="{86D4FC58-83A3-4AD7-9D8B-29B57891F85D}" destId="{6AF3FE77-5640-444D-B6CD-D61AEFD40A6C}" srcOrd="3" destOrd="0" presId="urn:microsoft.com/office/officeart/2005/8/layout/hierarchy1"/>
-    <dgm:cxn modelId="{5C2D3BAE-11EB-4302-8990-00C47B4FD523}" type="presParOf" srcId="{6AF3FE77-5640-444D-B6CD-D61AEFD40A6C}" destId="{BC7C9A2F-EE45-40B0-A4E1-99112CFBEA25}" srcOrd="0" destOrd="0" presId="urn:microsoft.com/office/officeart/2005/8/layout/hierarchy1"/>
-    <dgm:cxn modelId="{0538DB15-8565-403E-BCD0-A4B7FC7B5084}" type="presParOf" srcId="{BC7C9A2F-EE45-40B0-A4E1-99112CFBEA25}" destId="{0B52177F-1D4B-4A19-8405-1161C755AD0A}" srcOrd="0" destOrd="0" presId="urn:microsoft.com/office/officeart/2005/8/layout/hierarchy1"/>
-    <dgm:cxn modelId="{421E44AA-9243-4A42-99E6-A1E70076F770}" type="presParOf" srcId="{BC7C9A2F-EE45-40B0-A4E1-99112CFBEA25}" destId="{990047FC-FE34-412F-856D-27FA8B11D464}" srcOrd="1" destOrd="0" presId="urn:microsoft.com/office/officeart/2005/8/layout/hierarchy1"/>
-    <dgm:cxn modelId="{90A4AF03-7368-4AD0-8D0F-39357DEB1A0C}" type="presParOf" srcId="{6AF3FE77-5640-444D-B6CD-D61AEFD40A6C}" destId="{6599E229-95A2-4426-8450-BF399DDBD328}" srcOrd="1" destOrd="0" presId="urn:microsoft.com/office/officeart/2005/8/layout/hierarchy1"/>
-    <dgm:cxn modelId="{7667B459-1AB0-4E0F-BE30-C14ED261E8C3}" type="presParOf" srcId="{6599E229-95A2-4426-8450-BF399DDBD328}" destId="{710EB467-078C-4231-A267-B1D7C9B1F13E}" srcOrd="0" destOrd="0" presId="urn:microsoft.com/office/officeart/2005/8/layout/hierarchy1"/>
-    <dgm:cxn modelId="{0B32FB76-04F8-43DE-BA8B-A9FBEE824D3D}" type="presParOf" srcId="{6599E229-95A2-4426-8450-BF399DDBD328}" destId="{4D4EC0F8-35D5-4382-918F-51349F66D0AB}" srcOrd="1" destOrd="0" presId="urn:microsoft.com/office/officeart/2005/8/layout/hierarchy1"/>
-    <dgm:cxn modelId="{036311D4-7E24-4BFE-97BF-320781679B1B}" type="presParOf" srcId="{4D4EC0F8-35D5-4382-918F-51349F66D0AB}" destId="{8D7DBEDD-1BF8-4EC1-AE87-D39C9D3F8870}" srcOrd="0" destOrd="0" presId="urn:microsoft.com/office/officeart/2005/8/layout/hierarchy1"/>
-    <dgm:cxn modelId="{DF68081F-1472-4B23-B7CD-3375DD597470}" type="presParOf" srcId="{8D7DBEDD-1BF8-4EC1-AE87-D39C9D3F8870}" destId="{6CF7E842-D99E-438B-8582-4E11BA51C9A5}" srcOrd="0" destOrd="0" presId="urn:microsoft.com/office/officeart/2005/8/layout/hierarchy1"/>
-    <dgm:cxn modelId="{79EA7D7A-AE86-42F1-AE56-1233C1AF4CC2}" type="presParOf" srcId="{8D7DBEDD-1BF8-4EC1-AE87-D39C9D3F8870}" destId="{F3F5545F-55CB-4656-98D1-45B40A1457A0}" srcOrd="1" destOrd="0" presId="urn:microsoft.com/office/officeart/2005/8/layout/hierarchy1"/>
-    <dgm:cxn modelId="{AC83BC8B-CD08-4B60-808B-3269D3AAC6FD}" type="presParOf" srcId="{4D4EC0F8-35D5-4382-918F-51349F66D0AB}" destId="{901FC5B9-24F6-499E-966B-54A3A60A53D4}" srcOrd="1" destOrd="0" presId="urn:microsoft.com/office/officeart/2005/8/layout/hierarchy1"/>
-    <dgm:cxn modelId="{11DBA10F-AE6D-4973-83B7-861A7255B3A5}" type="presParOf" srcId="{86D4FC58-83A3-4AD7-9D8B-29B57891F85D}" destId="{101E350F-E4C7-4BF3-ADB7-490FC3EE8992}" srcOrd="4" destOrd="0" presId="urn:microsoft.com/office/officeart/2005/8/layout/hierarchy1"/>
-    <dgm:cxn modelId="{A7BA285A-51FA-4207-A951-23E1E4CC68AA}" type="presParOf" srcId="{86D4FC58-83A3-4AD7-9D8B-29B57891F85D}" destId="{F1F250ED-7847-4D81-8D5B-58CB74E94D3B}" srcOrd="5" destOrd="0" presId="urn:microsoft.com/office/officeart/2005/8/layout/hierarchy1"/>
-    <dgm:cxn modelId="{87DB6F32-3EE1-406E-BDC4-03BF71B275EA}" type="presParOf" srcId="{F1F250ED-7847-4D81-8D5B-58CB74E94D3B}" destId="{5D12E477-04D2-4A63-8EF1-6297CD149184}" srcOrd="0" destOrd="0" presId="urn:microsoft.com/office/officeart/2005/8/layout/hierarchy1"/>
-    <dgm:cxn modelId="{16A2C28D-E275-41A2-8608-CB6DF922CD22}" type="presParOf" srcId="{5D12E477-04D2-4A63-8EF1-6297CD149184}" destId="{6AE375A7-73AB-49F1-B829-4D2FDBE8636A}" srcOrd="0" destOrd="0" presId="urn:microsoft.com/office/officeart/2005/8/layout/hierarchy1"/>
-    <dgm:cxn modelId="{42446FBD-4FF6-48DB-A336-426F65EBB1D3}" type="presParOf" srcId="{5D12E477-04D2-4A63-8EF1-6297CD149184}" destId="{21B3CAD0-4C72-4929-B3EF-083EF8BADEF0}" srcOrd="1" destOrd="0" presId="urn:microsoft.com/office/officeart/2005/8/layout/hierarchy1"/>
-    <dgm:cxn modelId="{6DFC68A0-A152-4551-BA48-53DE827AC9E6}" type="presParOf" srcId="{F1F250ED-7847-4D81-8D5B-58CB74E94D3B}" destId="{69ECBCC3-5E0F-4C5C-804B-4FF367AA03E1}" srcOrd="1" destOrd="0" presId="urn:microsoft.com/office/officeart/2005/8/layout/hierarchy1"/>
-    <dgm:cxn modelId="{6740B76B-EE76-4042-9592-FA8826579297}" type="presParOf" srcId="{69ECBCC3-5E0F-4C5C-804B-4FF367AA03E1}" destId="{B8787FBF-37EE-416F-AB6F-A59B3264D32C}" srcOrd="0" destOrd="0" presId="urn:microsoft.com/office/officeart/2005/8/layout/hierarchy1"/>
-    <dgm:cxn modelId="{E053ABEC-738B-4927-860A-D448265D3399}" type="presParOf" srcId="{69ECBCC3-5E0F-4C5C-804B-4FF367AA03E1}" destId="{8C48F5EE-DE55-4CF2-81EB-5EA92EF26FB5}" srcOrd="1" destOrd="0" presId="urn:microsoft.com/office/officeart/2005/8/layout/hierarchy1"/>
-    <dgm:cxn modelId="{1E101465-C8ED-44DC-B104-44B84816892D}" type="presParOf" srcId="{8C48F5EE-DE55-4CF2-81EB-5EA92EF26FB5}" destId="{1C1A01ED-5B76-40C6-ACDF-B8C6B82912B4}" srcOrd="0" destOrd="0" presId="urn:microsoft.com/office/officeart/2005/8/layout/hierarchy1"/>
-    <dgm:cxn modelId="{4A83EB99-EACF-4B01-B509-4C5C24F25DB1}" type="presParOf" srcId="{1C1A01ED-5B76-40C6-ACDF-B8C6B82912B4}" destId="{85D19B33-BF8E-40DB-9187-0B8E9B69B14B}" srcOrd="0" destOrd="0" presId="urn:microsoft.com/office/officeart/2005/8/layout/hierarchy1"/>
-    <dgm:cxn modelId="{E92C731A-B897-4FFE-B0B6-51CD7FB52710}" type="presParOf" srcId="{1C1A01ED-5B76-40C6-ACDF-B8C6B82912B4}" destId="{1F7F17F4-EE9B-402F-A755-AE101A6AF6DC}" srcOrd="1" destOrd="0" presId="urn:microsoft.com/office/officeart/2005/8/layout/hierarchy1"/>
-    <dgm:cxn modelId="{8F10BC16-7A75-45D0-83B2-E86307B2CF21}" type="presParOf" srcId="{8C48F5EE-DE55-4CF2-81EB-5EA92EF26FB5}" destId="{9F237731-97B6-4C4B-AF36-0B0B6DDA1CCB}" srcOrd="1" destOrd="0" presId="urn:microsoft.com/office/officeart/2005/8/layout/hierarchy1"/>
-    <dgm:cxn modelId="{53778CFA-BAD2-4076-88DC-5CFD2362C0DD}" type="presParOf" srcId="{86D4FC58-83A3-4AD7-9D8B-29B57891F85D}" destId="{438A48BA-BE3C-41CB-BFDC-24787B99FD99}" srcOrd="6" destOrd="0" presId="urn:microsoft.com/office/officeart/2005/8/layout/hierarchy1"/>
-    <dgm:cxn modelId="{B202B33C-2AF4-46EE-ABAD-C590B9BB1EBA}" type="presParOf" srcId="{86D4FC58-83A3-4AD7-9D8B-29B57891F85D}" destId="{E9B305BE-C700-4DDF-8A97-971B41712EDD}" srcOrd="7" destOrd="0" presId="urn:microsoft.com/office/officeart/2005/8/layout/hierarchy1"/>
-    <dgm:cxn modelId="{710E2600-4F53-43D6-B3F4-F74BBADC66C5}" type="presParOf" srcId="{E9B305BE-C700-4DDF-8A97-971B41712EDD}" destId="{60FB4FD5-AC71-42DC-B36A-C961F1F5309F}" srcOrd="0" destOrd="0" presId="urn:microsoft.com/office/officeart/2005/8/layout/hierarchy1"/>
-    <dgm:cxn modelId="{CA75B7DB-B31E-412E-88AA-F4D59F5D6525}" type="presParOf" srcId="{60FB4FD5-AC71-42DC-B36A-C961F1F5309F}" destId="{DE2CE76A-021B-48FF-ADC6-527C0AFD40FA}" srcOrd="0" destOrd="0" presId="urn:microsoft.com/office/officeart/2005/8/layout/hierarchy1"/>
-    <dgm:cxn modelId="{A2A02DC1-0E79-487D-B509-1FE8488B4A13}" type="presParOf" srcId="{60FB4FD5-AC71-42DC-B36A-C961F1F5309F}" destId="{346DBF57-47DC-428D-BA10-FC669D6F573D}" srcOrd="1" destOrd="0" presId="urn:microsoft.com/office/officeart/2005/8/layout/hierarchy1"/>
-    <dgm:cxn modelId="{4D55B370-9D53-432F-AB05-D139AA2CEC7B}" type="presParOf" srcId="{E9B305BE-C700-4DDF-8A97-971B41712EDD}" destId="{E1D7A87A-B958-494C-AB79-15054C64C5EC}" srcOrd="1" destOrd="0" presId="urn:microsoft.com/office/officeart/2005/8/layout/hierarchy1"/>
-    <dgm:cxn modelId="{8E1FACEF-BD86-4B43-9ADA-99D0DBC28015}" type="presParOf" srcId="{E1D7A87A-B958-494C-AB79-15054C64C5EC}" destId="{018AC6DC-D462-42C5-8AE1-8013AF4B0CAF}" srcOrd="0" destOrd="0" presId="urn:microsoft.com/office/officeart/2005/8/layout/hierarchy1"/>
-    <dgm:cxn modelId="{E97658CF-9314-4936-87FD-7A3E64631CD4}" type="presParOf" srcId="{E1D7A87A-B958-494C-AB79-15054C64C5EC}" destId="{FA0C42A6-9430-4A2C-8BA3-840154385DB9}" srcOrd="1" destOrd="0" presId="urn:microsoft.com/office/officeart/2005/8/layout/hierarchy1"/>
-    <dgm:cxn modelId="{98A487F9-8673-455C-A30D-26FB50FB1570}" type="presParOf" srcId="{FA0C42A6-9430-4A2C-8BA3-840154385DB9}" destId="{D3CC4402-22B2-43A1-8CEF-6AAFC976F2CB}" srcOrd="0" destOrd="0" presId="urn:microsoft.com/office/officeart/2005/8/layout/hierarchy1"/>
-    <dgm:cxn modelId="{8782D8D8-5F55-40D1-B95B-4C4912B39440}" type="presParOf" srcId="{D3CC4402-22B2-43A1-8CEF-6AAFC976F2CB}" destId="{A3ED9CF9-D2F1-44A2-A183-64283D9B7D63}" srcOrd="0" destOrd="0" presId="urn:microsoft.com/office/officeart/2005/8/layout/hierarchy1"/>
-    <dgm:cxn modelId="{C78F3487-D6A5-4440-B271-C3DBB4204A92}" type="presParOf" srcId="{D3CC4402-22B2-43A1-8CEF-6AAFC976F2CB}" destId="{64D60078-3F06-4E4E-9D0A-FEEBA4CE41E5}" srcOrd="1" destOrd="0" presId="urn:microsoft.com/office/officeart/2005/8/layout/hierarchy1"/>
-    <dgm:cxn modelId="{7AAAB4C7-E73E-42AF-ACFA-86F1EBADDE8A}" type="presParOf" srcId="{FA0C42A6-9430-4A2C-8BA3-840154385DB9}" destId="{D7ED0352-16F7-4DD4-9D5A-8F17E79DA480}" srcOrd="1" destOrd="0" presId="urn:microsoft.com/office/officeart/2005/8/layout/hierarchy1"/>
-    <dgm:cxn modelId="{B42AB1F6-4CB9-43C2-BD6E-E3EA10FD96D8}" type="presParOf" srcId="{86D4FC58-83A3-4AD7-9D8B-29B57891F85D}" destId="{28E44A12-6007-483E-B7A1-84CB92B79126}" srcOrd="8" destOrd="0" presId="urn:microsoft.com/office/officeart/2005/8/layout/hierarchy1"/>
-    <dgm:cxn modelId="{47095C5F-6122-4608-BB20-388206B35706}" type="presParOf" srcId="{86D4FC58-83A3-4AD7-9D8B-29B57891F85D}" destId="{507EBA2E-1D21-4393-9408-8FEC0F5D9A7E}" srcOrd="9" destOrd="0" presId="urn:microsoft.com/office/officeart/2005/8/layout/hierarchy1"/>
-    <dgm:cxn modelId="{7284F640-2886-4C2E-B229-1B84485CA04B}" type="presParOf" srcId="{507EBA2E-1D21-4393-9408-8FEC0F5D9A7E}" destId="{57A1A8CB-9232-4065-BBD7-36191252B825}" srcOrd="0" destOrd="0" presId="urn:microsoft.com/office/officeart/2005/8/layout/hierarchy1"/>
-    <dgm:cxn modelId="{D5811026-D09D-457B-9A84-38DD0540A7B1}" type="presParOf" srcId="{57A1A8CB-9232-4065-BBD7-36191252B825}" destId="{65A4CEF1-9E69-4A11-AC9E-DDA85ABACC76}" srcOrd="0" destOrd="0" presId="urn:microsoft.com/office/officeart/2005/8/layout/hierarchy1"/>
-    <dgm:cxn modelId="{449851EA-6813-4FE5-B01C-56B569328EEB}" type="presParOf" srcId="{57A1A8CB-9232-4065-BBD7-36191252B825}" destId="{9FC48C7E-F9E6-4D07-9284-73B4535FB69F}" srcOrd="1" destOrd="0" presId="urn:microsoft.com/office/officeart/2005/8/layout/hierarchy1"/>
-    <dgm:cxn modelId="{6576B181-3E30-44BE-A6B4-A346307CCBE8}" type="presParOf" srcId="{507EBA2E-1D21-4393-9408-8FEC0F5D9A7E}" destId="{5EC15CE7-E6D9-459C-B0D0-3666EF233F25}" srcOrd="1" destOrd="0" presId="urn:microsoft.com/office/officeart/2005/8/layout/hierarchy1"/>
-    <dgm:cxn modelId="{85600AFC-3917-4096-B3DA-8E58450D3786}" type="presParOf" srcId="{5EC15CE7-E6D9-459C-B0D0-3666EF233F25}" destId="{B9E8C711-58DB-4D96-AB2B-2CD3226FCA20}" srcOrd="0" destOrd="0" presId="urn:microsoft.com/office/officeart/2005/8/layout/hierarchy1"/>
-    <dgm:cxn modelId="{AF20FC4B-6431-4B43-86F2-92AE0E0CEFAE}" type="presParOf" srcId="{5EC15CE7-E6D9-459C-B0D0-3666EF233F25}" destId="{B2C216E5-3EF2-4214-845F-85B6044694CB}" srcOrd="1" destOrd="0" presId="urn:microsoft.com/office/officeart/2005/8/layout/hierarchy1"/>
-    <dgm:cxn modelId="{D08D4F78-12E8-47DE-898D-3478431A9CF9}" type="presParOf" srcId="{B2C216E5-3EF2-4214-845F-85B6044694CB}" destId="{930E7EBB-2DDA-4847-9688-6A51EB8269A4}" srcOrd="0" destOrd="0" presId="urn:microsoft.com/office/officeart/2005/8/layout/hierarchy1"/>
-    <dgm:cxn modelId="{72E68D97-1DBB-4773-B4C7-4EC1AE27E5CA}" type="presParOf" srcId="{930E7EBB-2DDA-4847-9688-6A51EB8269A4}" destId="{BB6CEB44-0B14-47F7-AE76-4AF852936C1A}" srcOrd="0" destOrd="0" presId="urn:microsoft.com/office/officeart/2005/8/layout/hierarchy1"/>
-    <dgm:cxn modelId="{BECC5139-CC05-461D-A3D1-3D31E7D01D33}" type="presParOf" srcId="{930E7EBB-2DDA-4847-9688-6A51EB8269A4}" destId="{9F809C7B-90EA-4EBB-A582-D58A4606B8FE}" srcOrd="1" destOrd="0" presId="urn:microsoft.com/office/officeart/2005/8/layout/hierarchy1"/>
-    <dgm:cxn modelId="{305F8304-6799-4D8B-B979-9DA09D8B2091}" type="presParOf" srcId="{B2C216E5-3EF2-4214-845F-85B6044694CB}" destId="{06DF57DE-3DD6-4F47-BEE1-5E606AE2EEC9}" srcOrd="1" destOrd="0" presId="urn:microsoft.com/office/officeart/2005/8/layout/hierarchy1"/>
+    <dgm:cxn modelId="{5F1B773A-CDF3-C546-A2EA-A98DA1564CA9}" type="presParOf" srcId="{86D4FC58-83A3-4AD7-9D8B-29B57891F85D}" destId="{D4257DB1-BF09-48F3-B4D4-E52E33EE1A29}" srcOrd="0" destOrd="0" presId="urn:microsoft.com/office/officeart/2005/8/layout/hierarchy1"/>
+    <dgm:cxn modelId="{DC7F6BFE-F88B-9348-B167-E3C4A47F014B}" type="presParOf" srcId="{86D4FC58-83A3-4AD7-9D8B-29B57891F85D}" destId="{6AF3FE77-5640-444D-B6CD-D61AEFD40A6C}" srcOrd="1" destOrd="0" presId="urn:microsoft.com/office/officeart/2005/8/layout/hierarchy1"/>
+    <dgm:cxn modelId="{679A5587-09CD-9644-BD35-DFE9641B56DE}" type="presParOf" srcId="{6AF3FE77-5640-444D-B6CD-D61AEFD40A6C}" destId="{BC7C9A2F-EE45-40B0-A4E1-99112CFBEA25}" srcOrd="0" destOrd="0" presId="urn:microsoft.com/office/officeart/2005/8/layout/hierarchy1"/>
+    <dgm:cxn modelId="{DFFE5373-8E10-8948-9B57-06563C724A15}" type="presParOf" srcId="{BC7C9A2F-EE45-40B0-A4E1-99112CFBEA25}" destId="{0B52177F-1D4B-4A19-8405-1161C755AD0A}" srcOrd="0" destOrd="0" presId="urn:microsoft.com/office/officeart/2005/8/layout/hierarchy1"/>
+    <dgm:cxn modelId="{B4A5F8C9-BCBB-AB41-9A6E-EB070CE87AFA}" type="presParOf" srcId="{BC7C9A2F-EE45-40B0-A4E1-99112CFBEA25}" destId="{990047FC-FE34-412F-856D-27FA8B11D464}" srcOrd="1" destOrd="0" presId="urn:microsoft.com/office/officeart/2005/8/layout/hierarchy1"/>
+    <dgm:cxn modelId="{C33CB1D0-BED7-864E-BF99-D6E8F95D222E}" type="presParOf" srcId="{6AF3FE77-5640-444D-B6CD-D61AEFD40A6C}" destId="{6599E229-95A2-4426-8450-BF399DDBD328}" srcOrd="1" destOrd="0" presId="urn:microsoft.com/office/officeart/2005/8/layout/hierarchy1"/>
+    <dgm:cxn modelId="{AA42A70C-9304-464B-9589-1BC5DDBB716A}" type="presParOf" srcId="{6599E229-95A2-4426-8450-BF399DDBD328}" destId="{710EB467-078C-4231-A267-B1D7C9B1F13E}" srcOrd="0" destOrd="0" presId="urn:microsoft.com/office/officeart/2005/8/layout/hierarchy1"/>
+    <dgm:cxn modelId="{9B6B797B-B413-4142-A31C-04153189F974}" type="presParOf" srcId="{6599E229-95A2-4426-8450-BF399DDBD328}" destId="{4D4EC0F8-35D5-4382-918F-51349F66D0AB}" srcOrd="1" destOrd="0" presId="urn:microsoft.com/office/officeart/2005/8/layout/hierarchy1"/>
+    <dgm:cxn modelId="{DC037662-0EF6-3E48-854E-57A63B2C8825}" type="presParOf" srcId="{4D4EC0F8-35D5-4382-918F-51349F66D0AB}" destId="{8D7DBEDD-1BF8-4EC1-AE87-D39C9D3F8870}" srcOrd="0" destOrd="0" presId="urn:microsoft.com/office/officeart/2005/8/layout/hierarchy1"/>
+    <dgm:cxn modelId="{5509301F-E50F-E14C-85FE-26C18DBCBA32}" type="presParOf" srcId="{8D7DBEDD-1BF8-4EC1-AE87-D39C9D3F8870}" destId="{6CF7E842-D99E-438B-8582-4E11BA51C9A5}" srcOrd="0" destOrd="0" presId="urn:microsoft.com/office/officeart/2005/8/layout/hierarchy1"/>
+    <dgm:cxn modelId="{87C19464-5325-5244-A133-9C7B9C2ECBBD}" type="presParOf" srcId="{8D7DBEDD-1BF8-4EC1-AE87-D39C9D3F8870}" destId="{F3F5545F-55CB-4656-98D1-45B40A1457A0}" srcOrd="1" destOrd="0" presId="urn:microsoft.com/office/officeart/2005/8/layout/hierarchy1"/>
+    <dgm:cxn modelId="{6A71219E-BDD5-A646-8187-25A381ACA446}" type="presParOf" srcId="{4D4EC0F8-35D5-4382-918F-51349F66D0AB}" destId="{901FC5B9-24F6-499E-966B-54A3A60A53D4}" srcOrd="1" destOrd="0" presId="urn:microsoft.com/office/officeart/2005/8/layout/hierarchy1"/>
+    <dgm:cxn modelId="{5F64ABA8-ECEA-AF41-BACA-C55218B914EE}" type="presParOf" srcId="{86D4FC58-83A3-4AD7-9D8B-29B57891F85D}" destId="{101E350F-E4C7-4BF3-ADB7-490FC3EE8992}" srcOrd="2" destOrd="0" presId="urn:microsoft.com/office/officeart/2005/8/layout/hierarchy1"/>
+    <dgm:cxn modelId="{15731370-EFB5-304D-9105-D9E8B7BA79FF}" type="presParOf" srcId="{86D4FC58-83A3-4AD7-9D8B-29B57891F85D}" destId="{F1F250ED-7847-4D81-8D5B-58CB74E94D3B}" srcOrd="3" destOrd="0" presId="urn:microsoft.com/office/officeart/2005/8/layout/hierarchy1"/>
+    <dgm:cxn modelId="{574D6A6F-1648-0C4A-8448-1A1B32DED580}" type="presParOf" srcId="{F1F250ED-7847-4D81-8D5B-58CB74E94D3B}" destId="{5D12E477-04D2-4A63-8EF1-6297CD149184}" srcOrd="0" destOrd="0" presId="urn:microsoft.com/office/officeart/2005/8/layout/hierarchy1"/>
+    <dgm:cxn modelId="{4FD607CA-9803-DF41-B10C-C077B9349655}" type="presParOf" srcId="{5D12E477-04D2-4A63-8EF1-6297CD149184}" destId="{6AE375A7-73AB-49F1-B829-4D2FDBE8636A}" srcOrd="0" destOrd="0" presId="urn:microsoft.com/office/officeart/2005/8/layout/hierarchy1"/>
+    <dgm:cxn modelId="{8C4F1D2A-2417-AB4F-AB3D-23626BFEEC35}" type="presParOf" srcId="{5D12E477-04D2-4A63-8EF1-6297CD149184}" destId="{21B3CAD0-4C72-4929-B3EF-083EF8BADEF0}" srcOrd="1" destOrd="0" presId="urn:microsoft.com/office/officeart/2005/8/layout/hierarchy1"/>
+    <dgm:cxn modelId="{9B06E844-9430-0542-8880-9814FC679CB8}" type="presParOf" srcId="{F1F250ED-7847-4D81-8D5B-58CB74E94D3B}" destId="{69ECBCC3-5E0F-4C5C-804B-4FF367AA03E1}" srcOrd="1" destOrd="0" presId="urn:microsoft.com/office/officeart/2005/8/layout/hierarchy1"/>
+    <dgm:cxn modelId="{A6BA90E8-CF68-544D-A38A-DD4790F49E11}" type="presParOf" srcId="{69ECBCC3-5E0F-4C5C-804B-4FF367AA03E1}" destId="{B8787FBF-37EE-416F-AB6F-A59B3264D32C}" srcOrd="0" destOrd="0" presId="urn:microsoft.com/office/officeart/2005/8/layout/hierarchy1"/>
+    <dgm:cxn modelId="{2CDF9DA8-7534-934C-9E88-9AD4BE95603F}" type="presParOf" srcId="{69ECBCC3-5E0F-4C5C-804B-4FF367AA03E1}" destId="{8C48F5EE-DE55-4CF2-81EB-5EA92EF26FB5}" srcOrd="1" destOrd="0" presId="urn:microsoft.com/office/officeart/2005/8/layout/hierarchy1"/>
+    <dgm:cxn modelId="{FFA37F8E-1115-6449-AD7F-3DE1E3B1BE07}" type="presParOf" srcId="{8C48F5EE-DE55-4CF2-81EB-5EA92EF26FB5}" destId="{1C1A01ED-5B76-40C6-ACDF-B8C6B82912B4}" srcOrd="0" destOrd="0" presId="urn:microsoft.com/office/officeart/2005/8/layout/hierarchy1"/>
+    <dgm:cxn modelId="{B42F6B06-E520-5641-96AE-214EA92057EB}" type="presParOf" srcId="{1C1A01ED-5B76-40C6-ACDF-B8C6B82912B4}" destId="{85D19B33-BF8E-40DB-9187-0B8E9B69B14B}" srcOrd="0" destOrd="0" presId="urn:microsoft.com/office/officeart/2005/8/layout/hierarchy1"/>
+    <dgm:cxn modelId="{9DC86474-D354-E941-9AD3-7AAF1EF93228}" type="presParOf" srcId="{1C1A01ED-5B76-40C6-ACDF-B8C6B82912B4}" destId="{1F7F17F4-EE9B-402F-A755-AE101A6AF6DC}" srcOrd="1" destOrd="0" presId="urn:microsoft.com/office/officeart/2005/8/layout/hierarchy1"/>
+    <dgm:cxn modelId="{CB95A5E9-D762-0B4F-899D-1176F66C7011}" type="presParOf" srcId="{8C48F5EE-DE55-4CF2-81EB-5EA92EF26FB5}" destId="{9F237731-97B6-4C4B-AF36-0B0B6DDA1CCB}" srcOrd="1" destOrd="0" presId="urn:microsoft.com/office/officeart/2005/8/layout/hierarchy1"/>
+    <dgm:cxn modelId="{B107FD61-1935-BE47-BE3C-D325F451B1EF}" type="presParOf" srcId="{86D4FC58-83A3-4AD7-9D8B-29B57891F85D}" destId="{438A48BA-BE3C-41CB-BFDC-24787B99FD99}" srcOrd="4" destOrd="0" presId="urn:microsoft.com/office/officeart/2005/8/layout/hierarchy1"/>
+    <dgm:cxn modelId="{BEB4E096-E02B-A747-89C6-62C1B0296DF8}" type="presParOf" srcId="{86D4FC58-83A3-4AD7-9D8B-29B57891F85D}" destId="{E9B305BE-C700-4DDF-8A97-971B41712EDD}" srcOrd="5" destOrd="0" presId="urn:microsoft.com/office/officeart/2005/8/layout/hierarchy1"/>
+    <dgm:cxn modelId="{E67E2589-A2A2-1E4B-BC41-B0C4CFD6D951}" type="presParOf" srcId="{E9B305BE-C700-4DDF-8A97-971B41712EDD}" destId="{60FB4FD5-AC71-42DC-B36A-C961F1F5309F}" srcOrd="0" destOrd="0" presId="urn:microsoft.com/office/officeart/2005/8/layout/hierarchy1"/>
+    <dgm:cxn modelId="{92578417-17EC-6C4F-BCAE-C06522C92BA6}" type="presParOf" srcId="{60FB4FD5-AC71-42DC-B36A-C961F1F5309F}" destId="{DE2CE76A-021B-48FF-ADC6-527C0AFD40FA}" srcOrd="0" destOrd="0" presId="urn:microsoft.com/office/officeart/2005/8/layout/hierarchy1"/>
+    <dgm:cxn modelId="{E1F7AF0E-BD91-9943-9357-0681510EEFEE}" type="presParOf" srcId="{60FB4FD5-AC71-42DC-B36A-C961F1F5309F}" destId="{346DBF57-47DC-428D-BA10-FC669D6F573D}" srcOrd="1" destOrd="0" presId="urn:microsoft.com/office/officeart/2005/8/layout/hierarchy1"/>
+    <dgm:cxn modelId="{2C1038BC-230B-BD45-8E96-81EF89DF1C6D}" type="presParOf" srcId="{E9B305BE-C700-4DDF-8A97-971B41712EDD}" destId="{E1D7A87A-B958-494C-AB79-15054C64C5EC}" srcOrd="1" destOrd="0" presId="urn:microsoft.com/office/officeart/2005/8/layout/hierarchy1"/>
+    <dgm:cxn modelId="{D5875883-80F9-DA49-A591-0A907EACD140}" type="presParOf" srcId="{E1D7A87A-B958-494C-AB79-15054C64C5EC}" destId="{018AC6DC-D462-42C5-8AE1-8013AF4B0CAF}" srcOrd="0" destOrd="0" presId="urn:microsoft.com/office/officeart/2005/8/layout/hierarchy1"/>
+    <dgm:cxn modelId="{553F5DAA-F378-EC43-BB67-FB147DED5C03}" type="presParOf" srcId="{E1D7A87A-B958-494C-AB79-15054C64C5EC}" destId="{FA0C42A6-9430-4A2C-8BA3-840154385DB9}" srcOrd="1" destOrd="0" presId="urn:microsoft.com/office/officeart/2005/8/layout/hierarchy1"/>
+    <dgm:cxn modelId="{BC533F66-11E7-4945-A976-FAA3CF7ECB44}" type="presParOf" srcId="{FA0C42A6-9430-4A2C-8BA3-840154385DB9}" destId="{D3CC4402-22B2-43A1-8CEF-6AAFC976F2CB}" srcOrd="0" destOrd="0" presId="urn:microsoft.com/office/officeart/2005/8/layout/hierarchy1"/>
+    <dgm:cxn modelId="{E5B95C6E-589B-F541-AD8C-C9628D2FC9F1}" type="presParOf" srcId="{D3CC4402-22B2-43A1-8CEF-6AAFC976F2CB}" destId="{A3ED9CF9-D2F1-44A2-A183-64283D9B7D63}" srcOrd="0" destOrd="0" presId="urn:microsoft.com/office/officeart/2005/8/layout/hierarchy1"/>
+    <dgm:cxn modelId="{AE437415-80EA-D54F-9FEF-59592A841C53}" type="presParOf" srcId="{D3CC4402-22B2-43A1-8CEF-6AAFC976F2CB}" destId="{64D60078-3F06-4E4E-9D0A-FEEBA4CE41E5}" srcOrd="1" destOrd="0" presId="urn:microsoft.com/office/officeart/2005/8/layout/hierarchy1"/>
+    <dgm:cxn modelId="{FE5D8768-8AC1-A241-ABE7-69B2CA010760}" type="presParOf" srcId="{FA0C42A6-9430-4A2C-8BA3-840154385DB9}" destId="{D7ED0352-16F7-4DD4-9D5A-8F17E79DA480}" srcOrd="1" destOrd="0" presId="urn:microsoft.com/office/officeart/2005/8/layout/hierarchy1"/>
+    <dgm:cxn modelId="{1CE62C73-E9CD-C544-B756-586D22F1486B}" type="presParOf" srcId="{86D4FC58-83A3-4AD7-9D8B-29B57891F85D}" destId="{28E44A12-6007-483E-B7A1-84CB92B79126}" srcOrd="6" destOrd="0" presId="urn:microsoft.com/office/officeart/2005/8/layout/hierarchy1"/>
+    <dgm:cxn modelId="{B4EC2C4D-F948-A842-BFE9-FE61A56AD579}" type="presParOf" srcId="{86D4FC58-83A3-4AD7-9D8B-29B57891F85D}" destId="{507EBA2E-1D21-4393-9408-8FEC0F5D9A7E}" srcOrd="7" destOrd="0" presId="urn:microsoft.com/office/officeart/2005/8/layout/hierarchy1"/>
+    <dgm:cxn modelId="{A556A4D8-2D5C-A74B-90F2-8CA5C18AB00E}" type="presParOf" srcId="{507EBA2E-1D21-4393-9408-8FEC0F5D9A7E}" destId="{57A1A8CB-9232-4065-BBD7-36191252B825}" srcOrd="0" destOrd="0" presId="urn:microsoft.com/office/officeart/2005/8/layout/hierarchy1"/>
+    <dgm:cxn modelId="{27DF0070-B685-2F42-807A-3BA85E33DA69}" type="presParOf" srcId="{57A1A8CB-9232-4065-BBD7-36191252B825}" destId="{65A4CEF1-9E69-4A11-AC9E-DDA85ABACC76}" srcOrd="0" destOrd="0" presId="urn:microsoft.com/office/officeart/2005/8/layout/hierarchy1"/>
+    <dgm:cxn modelId="{076D16E3-C87E-A145-A675-9D4B0B6E8B83}" type="presParOf" srcId="{57A1A8CB-9232-4065-BBD7-36191252B825}" destId="{9FC48C7E-F9E6-4D07-9284-73B4535FB69F}" srcOrd="1" destOrd="0" presId="urn:microsoft.com/office/officeart/2005/8/layout/hierarchy1"/>
+    <dgm:cxn modelId="{F7DA2E7B-2DD1-4D41-8A31-EF3E8A6142C1}" type="presParOf" srcId="{507EBA2E-1D21-4393-9408-8FEC0F5D9A7E}" destId="{5EC15CE7-E6D9-459C-B0D0-3666EF233F25}" srcOrd="1" destOrd="0" presId="urn:microsoft.com/office/officeart/2005/8/layout/hierarchy1"/>
+    <dgm:cxn modelId="{A193EBC4-2789-0E49-87BF-6CB7710E0543}" type="presParOf" srcId="{5EC15CE7-E6D9-459C-B0D0-3666EF233F25}" destId="{B9E8C711-58DB-4D96-AB2B-2CD3226FCA20}" srcOrd="0" destOrd="0" presId="urn:microsoft.com/office/officeart/2005/8/layout/hierarchy1"/>
+    <dgm:cxn modelId="{012FAF92-6555-5948-B185-27F13A29CC50}" type="presParOf" srcId="{5EC15CE7-E6D9-459C-B0D0-3666EF233F25}" destId="{B2C216E5-3EF2-4214-845F-85B6044694CB}" srcOrd="1" destOrd="0" presId="urn:microsoft.com/office/officeart/2005/8/layout/hierarchy1"/>
+    <dgm:cxn modelId="{27E2F7F3-D7B4-D24F-BADD-C49C1EF5A50A}" type="presParOf" srcId="{B2C216E5-3EF2-4214-845F-85B6044694CB}" destId="{930E7EBB-2DDA-4847-9688-6A51EB8269A4}" srcOrd="0" destOrd="0" presId="urn:microsoft.com/office/officeart/2005/8/layout/hierarchy1"/>
+    <dgm:cxn modelId="{8036D695-71D5-9947-9A6F-A16768CB09D5}" type="presParOf" srcId="{930E7EBB-2DDA-4847-9688-6A51EB8269A4}" destId="{BB6CEB44-0B14-47F7-AE76-4AF852936C1A}" srcOrd="0" destOrd="0" presId="urn:microsoft.com/office/officeart/2005/8/layout/hierarchy1"/>
+    <dgm:cxn modelId="{60110B35-E54C-624C-869A-DCD53541A437}" type="presParOf" srcId="{930E7EBB-2DDA-4847-9688-6A51EB8269A4}" destId="{9F809C7B-90EA-4EBB-A582-D58A4606B8FE}" srcOrd="1" destOrd="0" presId="urn:microsoft.com/office/officeart/2005/8/layout/hierarchy1"/>
+    <dgm:cxn modelId="{8B6D7F18-AA45-3343-AA4A-040658A3CF6A}" type="presParOf" srcId="{B2C216E5-3EF2-4214-845F-85B6044694CB}" destId="{06DF57DE-3DD6-4F47-BEE1-5E606AE2EEC9}" srcOrd="1" destOrd="0" presId="urn:microsoft.com/office/officeart/2005/8/layout/hierarchy1"/>
+    <dgm:cxn modelId="{DDBEE038-63C4-D542-80D9-BA43543487C7}" type="presParOf" srcId="{86D4FC58-83A3-4AD7-9D8B-29B57891F85D}" destId="{92235BDB-CCB4-234D-9872-F74527AA22DF}" srcOrd="8" destOrd="0" presId="urn:microsoft.com/office/officeart/2005/8/layout/hierarchy1"/>
+    <dgm:cxn modelId="{E6B54B72-963B-E345-9F3B-4CA13626A4D5}" type="presParOf" srcId="{86D4FC58-83A3-4AD7-9D8B-29B57891F85D}" destId="{DDBD34F3-9799-6641-90E3-E4BD7DA84D39}" srcOrd="9" destOrd="0" presId="urn:microsoft.com/office/officeart/2005/8/layout/hierarchy1"/>
+    <dgm:cxn modelId="{BC6F7ADB-EE11-C247-9601-1EADA7E102CD}" type="presParOf" srcId="{DDBD34F3-9799-6641-90E3-E4BD7DA84D39}" destId="{15235871-E556-9B4D-A4AB-79CE93DE6D09}" srcOrd="0" destOrd="0" presId="urn:microsoft.com/office/officeart/2005/8/layout/hierarchy1"/>
+    <dgm:cxn modelId="{02AB98B7-8F57-404A-B5D0-8D91B31647D6}" type="presParOf" srcId="{15235871-E556-9B4D-A4AB-79CE93DE6D09}" destId="{1925B6B1-7867-FF49-8209-4FF864D8818F}" srcOrd="0" destOrd="0" presId="urn:microsoft.com/office/officeart/2005/8/layout/hierarchy1"/>
+    <dgm:cxn modelId="{9BD2A990-D3D3-3F48-802B-D5B6C8211092}" type="presParOf" srcId="{15235871-E556-9B4D-A4AB-79CE93DE6D09}" destId="{69A89AF8-773D-E546-B1A7-75952F4EDB5F}" srcOrd="1" destOrd="0" presId="urn:microsoft.com/office/officeart/2005/8/layout/hierarchy1"/>
+    <dgm:cxn modelId="{8D9483EF-3AA9-6E43-8EF9-D767BFCEDE4A}" type="presParOf" srcId="{DDBD34F3-9799-6641-90E3-E4BD7DA84D39}" destId="{229725A7-7CAE-ED45-ABFC-58BBAF41C19B}" srcOrd="1" destOrd="0" presId="urn:microsoft.com/office/officeart/2005/8/layout/hierarchy1"/>
+    <dgm:cxn modelId="{810FFFB8-9CF6-6F4B-86C1-A856E9B5F132}" type="presParOf" srcId="{229725A7-7CAE-ED45-ABFC-58BBAF41C19B}" destId="{1034382A-DBC6-E94A-90CC-D6ACF19D100D}" srcOrd="0" destOrd="0" presId="urn:microsoft.com/office/officeart/2005/8/layout/hierarchy1"/>
+    <dgm:cxn modelId="{810B4E30-4C7A-6A44-82FE-444AD9AFC4EC}" type="presParOf" srcId="{229725A7-7CAE-ED45-ABFC-58BBAF41C19B}" destId="{99FD9399-3FE5-B440-89B7-9F0C39C8A94F}" srcOrd="1" destOrd="0" presId="urn:microsoft.com/office/officeart/2005/8/layout/hierarchy1"/>
+    <dgm:cxn modelId="{8BCC4291-162C-D946-9DE6-5286AD28ECEF}" type="presParOf" srcId="{99FD9399-3FE5-B440-89B7-9F0C39C8A94F}" destId="{894CA33E-26A5-584F-A4FA-9D4920708116}" srcOrd="0" destOrd="0" presId="urn:microsoft.com/office/officeart/2005/8/layout/hierarchy1"/>
+    <dgm:cxn modelId="{00DE8FE0-B834-8B42-8EBC-B8AB149F85E1}" type="presParOf" srcId="{894CA33E-26A5-584F-A4FA-9D4920708116}" destId="{3C55196E-D3A6-D54A-BF28-3DF027D50AC4}" srcOrd="0" destOrd="0" presId="urn:microsoft.com/office/officeart/2005/8/layout/hierarchy1"/>
+    <dgm:cxn modelId="{E32B5CE9-9F56-8545-BE6C-3A0725756250}" type="presParOf" srcId="{894CA33E-26A5-584F-A4FA-9D4920708116}" destId="{312D9839-8761-AE40-8B9A-65E13F7CA72B}" srcOrd="1" destOrd="0" presId="urn:microsoft.com/office/officeart/2005/8/layout/hierarchy1"/>
+    <dgm:cxn modelId="{35DEFC2E-279B-0D4E-832D-6C6E3D8BA7FB}" type="presParOf" srcId="{99FD9399-3FE5-B440-89B7-9F0C39C8A94F}" destId="{030BD426-2E89-8549-9E4D-3B68F0C3CA23}" srcOrd="1" destOrd="0" presId="urn:microsoft.com/office/officeart/2005/8/layout/hierarchy1"/>
   </dgm:cxnLst>
   <dgm:bg/>
   <dgm:whole/>
@@ -2702,7 +2876,7 @@
         <a:bodyPr/>
         <a:lstStyle/>
         <a:p>
-          <a:endParaRPr lang="en-AU"/>
+          <a:endParaRPr lang="en-AU" dirty="0"/>
         </a:p>
       </dgm:t>
     </dgm:pt>
@@ -2750,7 +2924,7 @@
         <a:bodyPr/>
         <a:lstStyle/>
         <a:p>
-          <a:endParaRPr lang="en-AU"/>
+          <a:endParaRPr lang="en-AU" dirty="0"/>
         </a:p>
       </dgm:t>
     </dgm:pt>
@@ -2798,7 +2972,7 @@
         <a:bodyPr/>
         <a:lstStyle/>
         <a:p>
-          <a:endParaRPr lang="en-AU"/>
+          <a:endParaRPr lang="en-AU" dirty="0"/>
         </a:p>
       </dgm:t>
     </dgm:pt>
@@ -2833,7 +3007,7 @@
           </a:br>
           <a:r>
             <a:rPr lang="en-AU" dirty="0" smtClean="0"/>
-            <a:t>Autonomous Station Keeping</a:t>
+            <a:t>Autonomous Station-keeping</a:t>
           </a:r>
           <a:endParaRPr lang="en-AU" dirty="0"/>
         </a:p>
@@ -2846,7 +3020,7 @@
         <a:bodyPr/>
         <a:lstStyle/>
         <a:p>
-          <a:endParaRPr lang="en-AU"/>
+          <a:endParaRPr lang="en-AU" dirty="0"/>
         </a:p>
       </dgm:t>
     </dgm:pt>
@@ -2883,7 +3057,7 @@
         <a:bodyPr/>
         <a:lstStyle/>
         <a:p>
-          <a:endParaRPr lang="en-AU"/>
+          <a:endParaRPr lang="en-AU" dirty="0"/>
         </a:p>
       </dgm:t>
     </dgm:pt>
@@ -2924,7 +3098,7 @@
         <a:bodyPr/>
         <a:lstStyle/>
         <a:p>
-          <a:endParaRPr lang="en-AU"/>
+          <a:endParaRPr lang="en-AU" dirty="0"/>
         </a:p>
       </dgm:t>
     </dgm:pt>
@@ -2961,7 +3135,7 @@
         <a:bodyPr/>
         <a:lstStyle/>
         <a:p>
-          <a:endParaRPr lang="en-AU"/>
+          <a:endParaRPr lang="en-AU" dirty="0"/>
         </a:p>
       </dgm:t>
     </dgm:pt>
@@ -2998,7 +3172,7 @@
         <a:bodyPr/>
         <a:lstStyle/>
         <a:p>
-          <a:endParaRPr lang="en-AU"/>
+          <a:endParaRPr lang="en-AU" dirty="0"/>
         </a:p>
       </dgm:t>
     </dgm:pt>
@@ -3024,6 +3198,13 @@
         </dgm:presLayoutVars>
       </dgm:prSet>
       <dgm:spPr/>
+      <dgm:t>
+        <a:bodyPr/>
+        <a:lstStyle/>
+        <a:p>
+          <a:endParaRPr lang="en-US"/>
+        </a:p>
+      </dgm:t>
     </dgm:pt>
     <dgm:pt modelId="{74C2D815-BFDC-46D2-BAF0-16801C9CBBF2}" type="pres">
       <dgm:prSet presAssocID="{C94C050D-65F0-4AF3-9629-7574CFE2B3FC}" presName="hierRoot1" presStyleCnt="0"/>
@@ -3044,6 +3225,13 @@
         </dgm:presLayoutVars>
       </dgm:prSet>
       <dgm:spPr/>
+      <dgm:t>
+        <a:bodyPr/>
+        <a:lstStyle/>
+        <a:p>
+          <a:endParaRPr lang="en-US"/>
+        </a:p>
+      </dgm:t>
     </dgm:pt>
     <dgm:pt modelId="{86D4FC58-83A3-4AD7-9D8B-29B57891F85D}" type="pres">
       <dgm:prSet presAssocID="{C94C050D-65F0-4AF3-9629-7574CFE2B3FC}" presName="hierChild2" presStyleCnt="0"/>
@@ -3052,6 +3240,13 @@
     <dgm:pt modelId="{40579B4F-E567-4EF2-AAB4-184628D0B7FC}" type="pres">
       <dgm:prSet presAssocID="{ECBE26DA-BE9A-41CC-985F-42E417CA071F}" presName="Name10" presStyleLbl="parChTrans1D2" presStyleIdx="0" presStyleCnt="4"/>
       <dgm:spPr/>
+      <dgm:t>
+        <a:bodyPr/>
+        <a:lstStyle/>
+        <a:p>
+          <a:endParaRPr lang="en-US"/>
+        </a:p>
+      </dgm:t>
     </dgm:pt>
     <dgm:pt modelId="{5DFB1A24-F934-4F6F-BC4A-61E8F3770B1B}" type="pres">
       <dgm:prSet presAssocID="{829F2643-738B-4095-9950-89A120C65799}" presName="hierRoot2" presStyleCnt="0"/>
@@ -3087,6 +3282,13 @@
     <dgm:pt modelId="{32AFB9F5-CBCE-4E1C-8A44-9E6E4D9982B4}" type="pres">
       <dgm:prSet presAssocID="{19283970-4753-4583-A32C-B5B5F61B5455}" presName="Name17" presStyleLbl="parChTrans1D3" presStyleIdx="0" presStyleCnt="4"/>
       <dgm:spPr/>
+      <dgm:t>
+        <a:bodyPr/>
+        <a:lstStyle/>
+        <a:p>
+          <a:endParaRPr lang="en-US"/>
+        </a:p>
+      </dgm:t>
     </dgm:pt>
     <dgm:pt modelId="{8F57DF23-6A29-4981-8E70-38CDA7C16D2F}" type="pres">
       <dgm:prSet presAssocID="{B22FC64F-5B74-45A9-A248-1A622F322BE8}" presName="hierRoot3" presStyleCnt="0"/>
@@ -3122,6 +3324,13 @@
     <dgm:pt modelId="{D30541D1-DCBB-4349-BBE2-D75C8CC01A41}" type="pres">
       <dgm:prSet presAssocID="{EC7CD325-5586-4A45-810D-BAC0A57D64FF}" presName="Name10" presStyleLbl="parChTrans1D2" presStyleIdx="1" presStyleCnt="4"/>
       <dgm:spPr/>
+      <dgm:t>
+        <a:bodyPr/>
+        <a:lstStyle/>
+        <a:p>
+          <a:endParaRPr lang="en-US"/>
+        </a:p>
+      </dgm:t>
     </dgm:pt>
     <dgm:pt modelId="{F8D111B1-C6F5-4E96-A072-1836C7DDA49B}" type="pres">
       <dgm:prSet presAssocID="{736F1658-CD9C-44C9-854B-BA51CFD9C102}" presName="hierRoot2" presStyleCnt="0"/>
@@ -3157,6 +3366,13 @@
     <dgm:pt modelId="{EEBF1E03-4F30-4DC0-A9FD-3BA4CE4733A1}" type="pres">
       <dgm:prSet presAssocID="{9B7E3516-844E-4A12-BE61-BF20AC8305F6}" presName="Name17" presStyleLbl="parChTrans1D3" presStyleIdx="1" presStyleCnt="4"/>
       <dgm:spPr/>
+      <dgm:t>
+        <a:bodyPr/>
+        <a:lstStyle/>
+        <a:p>
+          <a:endParaRPr lang="en-US"/>
+        </a:p>
+      </dgm:t>
     </dgm:pt>
     <dgm:pt modelId="{62F9364E-DC29-45DE-8CD2-B8CD8F3E76F3}" type="pres">
       <dgm:prSet presAssocID="{FA7F31B3-531F-41FB-A270-857840E5B0EE}" presName="hierRoot3" presStyleCnt="0"/>
@@ -3177,6 +3393,13 @@
         </dgm:presLayoutVars>
       </dgm:prSet>
       <dgm:spPr/>
+      <dgm:t>
+        <a:bodyPr/>
+        <a:lstStyle/>
+        <a:p>
+          <a:endParaRPr lang="en-US"/>
+        </a:p>
+      </dgm:t>
     </dgm:pt>
     <dgm:pt modelId="{D0F553F2-6B5E-4052-B025-9F0AAC5282F9}" type="pres">
       <dgm:prSet presAssocID="{FA7F31B3-531F-41FB-A270-857840E5B0EE}" presName="hierChild4" presStyleCnt="0"/>
@@ -3185,6 +3408,13 @@
     <dgm:pt modelId="{D4257DB1-BF09-48F3-B4D4-E52E33EE1A29}" type="pres">
       <dgm:prSet presAssocID="{9CA85334-E0AF-4A8A-961F-5828471DA80E}" presName="Name10" presStyleLbl="parChTrans1D2" presStyleIdx="2" presStyleCnt="4"/>
       <dgm:spPr/>
+      <dgm:t>
+        <a:bodyPr/>
+        <a:lstStyle/>
+        <a:p>
+          <a:endParaRPr lang="en-US"/>
+        </a:p>
+      </dgm:t>
     </dgm:pt>
     <dgm:pt modelId="{6AF3FE77-5640-444D-B6CD-D61AEFD40A6C}" type="pres">
       <dgm:prSet presAssocID="{977B0126-CD8A-4E9C-B1A3-E7B95DE807A9}" presName="hierRoot2" presStyleCnt="0"/>
@@ -3220,6 +3450,13 @@
     <dgm:pt modelId="{B909F363-716E-43C4-9FDD-A6269AE3CC02}" type="pres">
       <dgm:prSet presAssocID="{2F0D807D-2B4F-412B-99B4-62B39F5EEA46}" presName="Name17" presStyleLbl="parChTrans1D3" presStyleIdx="2" presStyleCnt="4"/>
       <dgm:spPr/>
+      <dgm:t>
+        <a:bodyPr/>
+        <a:lstStyle/>
+        <a:p>
+          <a:endParaRPr lang="en-US"/>
+        </a:p>
+      </dgm:t>
     </dgm:pt>
     <dgm:pt modelId="{A9C30BEB-5E6C-4B51-91D3-ECBF426EE084}" type="pres">
       <dgm:prSet presAssocID="{C3B7C327-C7D5-4531-B6F1-F772FFFC3998}" presName="hierRoot3" presStyleCnt="0"/>
@@ -3255,6 +3492,13 @@
     <dgm:pt modelId="{101E350F-E4C7-4BF3-ADB7-490FC3EE8992}" type="pres">
       <dgm:prSet presAssocID="{DEC71A5B-7BF8-4C66-8872-01D9C81BFA29}" presName="Name10" presStyleLbl="parChTrans1D2" presStyleIdx="3" presStyleCnt="4"/>
       <dgm:spPr/>
+      <dgm:t>
+        <a:bodyPr/>
+        <a:lstStyle/>
+        <a:p>
+          <a:endParaRPr lang="en-US"/>
+        </a:p>
+      </dgm:t>
     </dgm:pt>
     <dgm:pt modelId="{F1F250ED-7847-4D81-8D5B-58CB74E94D3B}" type="pres">
       <dgm:prSet presAssocID="{FAA3A535-B808-4531-9C92-6B0B3068AB58}" presName="hierRoot2" presStyleCnt="0"/>
@@ -3290,6 +3534,13 @@
     <dgm:pt modelId="{DED8650A-D177-4314-A188-E97CBB35D99B}" type="pres">
       <dgm:prSet presAssocID="{A121D5DF-69B0-4AC5-85A0-E27311C6DC76}" presName="Name17" presStyleLbl="parChTrans1D3" presStyleIdx="3" presStyleCnt="4"/>
       <dgm:spPr/>
+      <dgm:t>
+        <a:bodyPr/>
+        <a:lstStyle/>
+        <a:p>
+          <a:endParaRPr lang="en-US"/>
+        </a:p>
+      </dgm:t>
     </dgm:pt>
     <dgm:pt modelId="{E16478B4-BEC1-4272-AB0F-EAF1082EE2D6}" type="pres">
       <dgm:prSet presAssocID="{9BEF24FF-44D7-4B49-8F87-BD8353D17ED7}" presName="hierRoot3" presStyleCnt="0"/>
@@ -3324,33 +3575,33 @@
     </dgm:pt>
   </dgm:ptLst>
   <dgm:cxnLst>
-    <dgm:cxn modelId="{D1C9A285-9241-459E-BB50-096A0AB92150}" srcId="{C94C050D-65F0-4AF3-9629-7574CFE2B3FC}" destId="{977B0126-CD8A-4E9C-B1A3-E7B95DE807A9}" srcOrd="2" destOrd="0" parTransId="{9CA85334-E0AF-4A8A-961F-5828471DA80E}" sibTransId="{24240487-60ED-4554-B037-956A898B624A}"/>
-    <dgm:cxn modelId="{B029EED5-BD7F-4661-AB47-E5FD0287F7D9}" type="presOf" srcId="{FAA3A535-B808-4531-9C92-6B0B3068AB58}" destId="{21B3CAD0-4C72-4929-B3EF-083EF8BADEF0}" srcOrd="0" destOrd="0" presId="urn:microsoft.com/office/officeart/2005/8/layout/hierarchy1"/>
-    <dgm:cxn modelId="{627CBBE4-81EB-4A48-A0B6-244E0F93B48F}" type="presOf" srcId="{FA7F31B3-531F-41FB-A270-857840E5B0EE}" destId="{74FAC493-C973-44BC-81AA-29561F9F47B2}" srcOrd="0" destOrd="0" presId="urn:microsoft.com/office/officeart/2005/8/layout/hierarchy1"/>
-    <dgm:cxn modelId="{67DE71DE-016E-48A7-AB2C-1F4ADC83FF1B}" srcId="{FAA3A535-B808-4531-9C92-6B0B3068AB58}" destId="{9BEF24FF-44D7-4B49-8F87-BD8353D17ED7}" srcOrd="0" destOrd="0" parTransId="{A121D5DF-69B0-4AC5-85A0-E27311C6DC76}" sibTransId="{136B2A08-FE5E-4E42-9E00-A1780B3CD19C}"/>
+    <dgm:cxn modelId="{01767FD2-204E-4C33-BD64-E9D83DF92D9F}" type="presOf" srcId="{9BEF24FF-44D7-4B49-8F87-BD8353D17ED7}" destId="{31F49863-9C24-4481-A770-AAEFABAF1BE5}" srcOrd="0" destOrd="0" presId="urn:microsoft.com/office/officeart/2005/8/layout/hierarchy1"/>
     <dgm:cxn modelId="{B7506365-06F0-4A4A-B1E8-81EEBEE0A2EF}" type="presOf" srcId="{9CA85334-E0AF-4A8A-961F-5828471DA80E}" destId="{D4257DB1-BF09-48F3-B4D4-E52E33EE1A29}" srcOrd="0" destOrd="0" presId="urn:microsoft.com/office/officeart/2005/8/layout/hierarchy1"/>
     <dgm:cxn modelId="{DD518EF6-19F1-4F75-B79E-37974623B1F3}" srcId="{977B0126-CD8A-4E9C-B1A3-E7B95DE807A9}" destId="{C3B7C327-C7D5-4531-B6F1-F772FFFC3998}" srcOrd="0" destOrd="0" parTransId="{2F0D807D-2B4F-412B-99B4-62B39F5EEA46}" sibTransId="{C0C58966-2392-426C-AB99-6CD46412BE63}"/>
-    <dgm:cxn modelId="{01767FD2-204E-4C33-BD64-E9D83DF92D9F}" type="presOf" srcId="{9BEF24FF-44D7-4B49-8F87-BD8353D17ED7}" destId="{31F49863-9C24-4481-A770-AAEFABAF1BE5}" srcOrd="0" destOrd="0" presId="urn:microsoft.com/office/officeart/2005/8/layout/hierarchy1"/>
+    <dgm:cxn modelId="{E1B246C3-2BB4-4ADB-96A4-DCADD21808E7}" type="presOf" srcId="{C94C050D-65F0-4AF3-9629-7574CFE2B3FC}" destId="{13DE8248-3ABC-4A3F-AD03-ADC18D359163}" srcOrd="0" destOrd="0" presId="urn:microsoft.com/office/officeart/2005/8/layout/hierarchy1"/>
+    <dgm:cxn modelId="{B029EED5-BD7F-4661-AB47-E5FD0287F7D9}" type="presOf" srcId="{FAA3A535-B808-4531-9C92-6B0B3068AB58}" destId="{21B3CAD0-4C72-4929-B3EF-083EF8BADEF0}" srcOrd="0" destOrd="0" presId="urn:microsoft.com/office/officeart/2005/8/layout/hierarchy1"/>
+    <dgm:cxn modelId="{C1A0D8F3-DE4E-4B3C-B792-7927E7F24AB4}" srcId="{C94C050D-65F0-4AF3-9629-7574CFE2B3FC}" destId="{829F2643-738B-4095-9950-89A120C65799}" srcOrd="0" destOrd="0" parTransId="{ECBE26DA-BE9A-41CC-985F-42E417CA071F}" sibTransId="{CED43E0C-1BDC-4E53-86C5-56BA02508CA5}"/>
+    <dgm:cxn modelId="{FD6EB913-9E27-4812-AA79-9DE4265F9647}" type="presOf" srcId="{977B0126-CD8A-4E9C-B1A3-E7B95DE807A9}" destId="{990047FC-FE34-412F-856D-27FA8B11D464}" srcOrd="0" destOrd="0" presId="urn:microsoft.com/office/officeart/2005/8/layout/hierarchy1"/>
+    <dgm:cxn modelId="{2B494E51-E4B4-4419-A5D9-6F9A19694718}" type="presOf" srcId="{829F2643-738B-4095-9950-89A120C65799}" destId="{A2E4BFFC-54E4-4059-8B43-72867B49C1C3}" srcOrd="0" destOrd="0" presId="urn:microsoft.com/office/officeart/2005/8/layout/hierarchy1"/>
+    <dgm:cxn modelId="{3D0200AD-B664-49A7-A2E4-CAF48024A261}" type="presOf" srcId="{ECBE26DA-BE9A-41CC-985F-42E417CA071F}" destId="{40579B4F-E567-4EF2-AAB4-184628D0B7FC}" srcOrd="0" destOrd="0" presId="urn:microsoft.com/office/officeart/2005/8/layout/hierarchy1"/>
+    <dgm:cxn modelId="{ACE67409-C737-4A68-960B-79A9AF1A9576}" type="presOf" srcId="{19283970-4753-4583-A32C-B5B5F61B5455}" destId="{32AFB9F5-CBCE-4E1C-8A44-9E6E4D9982B4}" srcOrd="0" destOrd="0" presId="urn:microsoft.com/office/officeart/2005/8/layout/hierarchy1"/>
     <dgm:cxn modelId="{7BDC495E-EBF6-46C2-AF88-E9404000B1BC}" srcId="{829F2643-738B-4095-9950-89A120C65799}" destId="{B22FC64F-5B74-45A9-A248-1A622F322BE8}" srcOrd="0" destOrd="0" parTransId="{19283970-4753-4583-A32C-B5B5F61B5455}" sibTransId="{76F1AACC-BE88-49B8-9C47-5FAA518BF1DD}"/>
-    <dgm:cxn modelId="{46A99D35-0F22-43D7-AF98-1AC152316F6A}" srcId="{C94C050D-65F0-4AF3-9629-7574CFE2B3FC}" destId="{FAA3A535-B808-4531-9C92-6B0B3068AB58}" srcOrd="3" destOrd="0" parTransId="{DEC71A5B-7BF8-4C66-8872-01D9C81BFA29}" sibTransId="{505E917A-422D-40B5-9D7A-6DE492DB0E3F}"/>
-    <dgm:cxn modelId="{711DA6EA-4805-4236-89CF-FDEE9DC603B2}" type="presOf" srcId="{B22FC64F-5B74-45A9-A248-1A622F322BE8}" destId="{C47BE9C4-2136-493A-998E-BF5F51AA65C0}" srcOrd="0" destOrd="0" presId="urn:microsoft.com/office/officeart/2005/8/layout/hierarchy1"/>
-    <dgm:cxn modelId="{C0C1E65E-A5F6-4D4E-BA32-4B7E708EB0B7}" type="presOf" srcId="{DEC71A5B-7BF8-4C66-8872-01D9C81BFA29}" destId="{101E350F-E4C7-4BF3-ADB7-490FC3EE8992}" srcOrd="0" destOrd="0" presId="urn:microsoft.com/office/officeart/2005/8/layout/hierarchy1"/>
-    <dgm:cxn modelId="{B555E1EC-0B2F-461D-8C46-1F35E679A908}" type="presOf" srcId="{C3B7C327-C7D5-4531-B6F1-F772FFFC3998}" destId="{3FE22E8B-A21A-4C5F-B168-1784A9FA3765}" srcOrd="0" destOrd="0" presId="urn:microsoft.com/office/officeart/2005/8/layout/hierarchy1"/>
-    <dgm:cxn modelId="{3D0200AD-B664-49A7-A2E4-CAF48024A261}" type="presOf" srcId="{ECBE26DA-BE9A-41CC-985F-42E417CA071F}" destId="{40579B4F-E567-4EF2-AAB4-184628D0B7FC}" srcOrd="0" destOrd="0" presId="urn:microsoft.com/office/officeart/2005/8/layout/hierarchy1"/>
+    <dgm:cxn modelId="{46EA65D5-BF5B-4444-ABCC-5BAAF6FAE82C}" type="presOf" srcId="{736F1658-CD9C-44C9-854B-BA51CFD9C102}" destId="{2A84E2AE-CE33-4058-9207-9BD2FC7BB48F}" srcOrd="0" destOrd="0" presId="urn:microsoft.com/office/officeart/2005/8/layout/hierarchy1"/>
+    <dgm:cxn modelId="{90745C10-BD01-4D30-B545-4B1D02E8FD4E}" srcId="{736F1658-CD9C-44C9-854B-BA51CFD9C102}" destId="{FA7F31B3-531F-41FB-A270-857840E5B0EE}" srcOrd="0" destOrd="0" parTransId="{9B7E3516-844E-4A12-BE61-BF20AC8305F6}" sibTransId="{35A5352A-B40B-47DF-A391-83228F7AA32C}"/>
     <dgm:cxn modelId="{166E4D64-E17C-43C4-AEC3-BB0CAE9526BE}" type="presOf" srcId="{A121D5DF-69B0-4AC5-85A0-E27311C6DC76}" destId="{DED8650A-D177-4314-A188-E97CBB35D99B}" srcOrd="0" destOrd="0" presId="urn:microsoft.com/office/officeart/2005/8/layout/hierarchy1"/>
-    <dgm:cxn modelId="{ACE67409-C737-4A68-960B-79A9AF1A9576}" type="presOf" srcId="{19283970-4753-4583-A32C-B5B5F61B5455}" destId="{32AFB9F5-CBCE-4E1C-8A44-9E6E4D9982B4}" srcOrd="0" destOrd="0" presId="urn:microsoft.com/office/officeart/2005/8/layout/hierarchy1"/>
-    <dgm:cxn modelId="{FD6EB913-9E27-4812-AA79-9DE4265F9647}" type="presOf" srcId="{977B0126-CD8A-4E9C-B1A3-E7B95DE807A9}" destId="{990047FC-FE34-412F-856D-27FA8B11D464}" srcOrd="0" destOrd="0" presId="urn:microsoft.com/office/officeart/2005/8/layout/hierarchy1"/>
-    <dgm:cxn modelId="{7384464C-4CB6-486A-9983-8C475B8E7F45}" type="presOf" srcId="{9B7E3516-844E-4A12-BE61-BF20AC8305F6}" destId="{EEBF1E03-4F30-4DC0-A9FD-3BA4CE4733A1}" srcOrd="0" destOrd="0" presId="urn:microsoft.com/office/officeart/2005/8/layout/hierarchy1"/>
-    <dgm:cxn modelId="{2B494E51-E4B4-4419-A5D9-6F9A19694718}" type="presOf" srcId="{829F2643-738B-4095-9950-89A120C65799}" destId="{A2E4BFFC-54E4-4059-8B43-72867B49C1C3}" srcOrd="0" destOrd="0" presId="urn:microsoft.com/office/officeart/2005/8/layout/hierarchy1"/>
     <dgm:cxn modelId="{4BB30D4B-268C-4FDC-BE13-2E3B1F8E0642}" type="presOf" srcId="{EC7CD325-5586-4A45-810D-BAC0A57D64FF}" destId="{D30541D1-DCBB-4349-BBE2-D75C8CC01A41}" srcOrd="0" destOrd="0" presId="urn:microsoft.com/office/officeart/2005/8/layout/hierarchy1"/>
+    <dgm:cxn modelId="{D1C9A285-9241-459E-BB50-096A0AB92150}" srcId="{C94C050D-65F0-4AF3-9629-7574CFE2B3FC}" destId="{977B0126-CD8A-4E9C-B1A3-E7B95DE807A9}" srcOrd="2" destOrd="0" parTransId="{9CA85334-E0AF-4A8A-961F-5828471DA80E}" sibTransId="{24240487-60ED-4554-B037-956A898B624A}"/>
+    <dgm:cxn modelId="{627CBBE4-81EB-4A48-A0B6-244E0F93B48F}" type="presOf" srcId="{FA7F31B3-531F-41FB-A270-857840E5B0EE}" destId="{74FAC493-C973-44BC-81AA-29561F9F47B2}" srcOrd="0" destOrd="0" presId="urn:microsoft.com/office/officeart/2005/8/layout/hierarchy1"/>
     <dgm:cxn modelId="{989A21A2-6FDA-4A5A-8BE3-F9360D41699E}" srcId="{DAD9F20E-4404-40C1-9AF8-533AF73A0B2B}" destId="{C94C050D-65F0-4AF3-9629-7574CFE2B3FC}" srcOrd="0" destOrd="0" parTransId="{63B54F59-4104-4524-82F4-E2128E6DFE1A}" sibTransId="{7B513807-BC82-48ED-99E7-C0501BC35939}"/>
+    <dgm:cxn modelId="{E5A35651-27A2-4705-9BF3-4EF4F7FDDEF7}" type="presOf" srcId="{DAD9F20E-4404-40C1-9AF8-533AF73A0B2B}" destId="{038CC6DB-B431-4F67-BF13-85201A1BF113}" srcOrd="0" destOrd="0" presId="urn:microsoft.com/office/officeart/2005/8/layout/hierarchy1"/>
     <dgm:cxn modelId="{00578514-23DA-453B-92B2-346FCC76775B}" type="presOf" srcId="{2F0D807D-2B4F-412B-99B4-62B39F5EEA46}" destId="{B909F363-716E-43C4-9FDD-A6269AE3CC02}" srcOrd="0" destOrd="0" presId="urn:microsoft.com/office/officeart/2005/8/layout/hierarchy1"/>
     <dgm:cxn modelId="{EBFC5978-4576-4122-A4A3-ECF4430D026A}" srcId="{C94C050D-65F0-4AF3-9629-7574CFE2B3FC}" destId="{736F1658-CD9C-44C9-854B-BA51CFD9C102}" srcOrd="1" destOrd="0" parTransId="{EC7CD325-5586-4A45-810D-BAC0A57D64FF}" sibTransId="{98441BCD-15D6-4142-9CDD-4900B26EBF8C}"/>
-    <dgm:cxn modelId="{E1B246C3-2BB4-4ADB-96A4-DCADD21808E7}" type="presOf" srcId="{C94C050D-65F0-4AF3-9629-7574CFE2B3FC}" destId="{13DE8248-3ABC-4A3F-AD03-ADC18D359163}" srcOrd="0" destOrd="0" presId="urn:microsoft.com/office/officeart/2005/8/layout/hierarchy1"/>
-    <dgm:cxn modelId="{46EA65D5-BF5B-4444-ABCC-5BAAF6FAE82C}" type="presOf" srcId="{736F1658-CD9C-44C9-854B-BA51CFD9C102}" destId="{2A84E2AE-CE33-4058-9207-9BD2FC7BB48F}" srcOrd="0" destOrd="0" presId="urn:microsoft.com/office/officeart/2005/8/layout/hierarchy1"/>
-    <dgm:cxn modelId="{90745C10-BD01-4D30-B545-4B1D02E8FD4E}" srcId="{736F1658-CD9C-44C9-854B-BA51CFD9C102}" destId="{FA7F31B3-531F-41FB-A270-857840E5B0EE}" srcOrd="0" destOrd="0" parTransId="{9B7E3516-844E-4A12-BE61-BF20AC8305F6}" sibTransId="{35A5352A-B40B-47DF-A391-83228F7AA32C}"/>
-    <dgm:cxn modelId="{C1A0D8F3-DE4E-4B3C-B792-7927E7F24AB4}" srcId="{C94C050D-65F0-4AF3-9629-7574CFE2B3FC}" destId="{829F2643-738B-4095-9950-89A120C65799}" srcOrd="0" destOrd="0" parTransId="{ECBE26DA-BE9A-41CC-985F-42E417CA071F}" sibTransId="{CED43E0C-1BDC-4E53-86C5-56BA02508CA5}"/>
-    <dgm:cxn modelId="{E5A35651-27A2-4705-9BF3-4EF4F7FDDEF7}" type="presOf" srcId="{DAD9F20E-4404-40C1-9AF8-533AF73A0B2B}" destId="{038CC6DB-B431-4F67-BF13-85201A1BF113}" srcOrd="0" destOrd="0" presId="urn:microsoft.com/office/officeart/2005/8/layout/hierarchy1"/>
+    <dgm:cxn modelId="{67DE71DE-016E-48A7-AB2C-1F4ADC83FF1B}" srcId="{FAA3A535-B808-4531-9C92-6B0B3068AB58}" destId="{9BEF24FF-44D7-4B49-8F87-BD8353D17ED7}" srcOrd="0" destOrd="0" parTransId="{A121D5DF-69B0-4AC5-85A0-E27311C6DC76}" sibTransId="{136B2A08-FE5E-4E42-9E00-A1780B3CD19C}"/>
+    <dgm:cxn modelId="{C0C1E65E-A5F6-4D4E-BA32-4B7E708EB0B7}" type="presOf" srcId="{DEC71A5B-7BF8-4C66-8872-01D9C81BFA29}" destId="{101E350F-E4C7-4BF3-ADB7-490FC3EE8992}" srcOrd="0" destOrd="0" presId="urn:microsoft.com/office/officeart/2005/8/layout/hierarchy1"/>
+    <dgm:cxn modelId="{711DA6EA-4805-4236-89CF-FDEE9DC603B2}" type="presOf" srcId="{B22FC64F-5B74-45A9-A248-1A622F322BE8}" destId="{C47BE9C4-2136-493A-998E-BF5F51AA65C0}" srcOrd="0" destOrd="0" presId="urn:microsoft.com/office/officeart/2005/8/layout/hierarchy1"/>
+    <dgm:cxn modelId="{46A99D35-0F22-43D7-AF98-1AC152316F6A}" srcId="{C94C050D-65F0-4AF3-9629-7574CFE2B3FC}" destId="{FAA3A535-B808-4531-9C92-6B0B3068AB58}" srcOrd="3" destOrd="0" parTransId="{DEC71A5B-7BF8-4C66-8872-01D9C81BFA29}" sibTransId="{505E917A-422D-40B5-9D7A-6DE492DB0E3F}"/>
+    <dgm:cxn modelId="{7384464C-4CB6-486A-9983-8C475B8E7F45}" type="presOf" srcId="{9B7E3516-844E-4A12-BE61-BF20AC8305F6}" destId="{EEBF1E03-4F30-4DC0-A9FD-3BA4CE4733A1}" srcOrd="0" destOrd="0" presId="urn:microsoft.com/office/officeart/2005/8/layout/hierarchy1"/>
+    <dgm:cxn modelId="{B555E1EC-0B2F-461D-8C46-1F35E679A908}" type="presOf" srcId="{C3B7C327-C7D5-4531-B6F1-F772FFFC3998}" destId="{3FE22E8B-A21A-4C5F-B168-1784A9FA3765}" srcOrd="0" destOrd="0" presId="urn:microsoft.com/office/officeart/2005/8/layout/hierarchy1"/>
     <dgm:cxn modelId="{C300A054-196E-42B4-A078-980A6563D73F}" type="presParOf" srcId="{038CC6DB-B431-4F67-BF13-85201A1BF113}" destId="{74C2D815-BFDC-46D2-BAF0-16801C9CBBF2}" srcOrd="0" destOrd="0" presId="urn:microsoft.com/office/officeart/2005/8/layout/hierarchy1"/>
     <dgm:cxn modelId="{F51A39C4-2E23-4945-835B-B4CA1928F562}" type="presParOf" srcId="{74C2D815-BFDC-46D2-BAF0-16801C9CBBF2}" destId="{BB83D1E3-AC83-4B0B-B1AE-3098001BBB70}" srcOrd="0" destOrd="0" presId="urn:microsoft.com/office/officeart/2005/8/layout/hierarchy1"/>
     <dgm:cxn modelId="{D9091401-213C-4AE2-BE67-9D272A78367A}" type="presParOf" srcId="{BB83D1E3-AC83-4B0B-B1AE-3098001BBB70}" destId="{28653E01-75C5-4902-A41D-F57AFA5B46DF}" srcOrd="0" destOrd="0" presId="urn:microsoft.com/office/officeart/2005/8/layout/hierarchy1"/>
@@ -6657,7 +6908,7 @@
 </file>
 
 <file path=ppt/notesMasters/notesMaster1.xml><?xml version="1.0" encoding="utf-8"?>
-<p:notesMaster xmlns:a="http://schemas.openxmlformats.org/drawingml/2006/main" xmlns:r="http://schemas.openxmlformats.org/officeDocument/2006/relationships" xmlns:p="http://schemas.openxmlformats.org/presentationml/2006/main">
+<p:notesMaster xmlns:a="http://schemas.openxmlformats.org/drawingml/2006/main" xmlns:r="http://schemas.openxmlformats.org/officeDocument/2006/relationships" xmlns:mc="http://schemas.openxmlformats.org/markup-compatibility/2006" xmlns:mv="urn:schemas-microsoft-com:mac:vml" xmlns:p="http://schemas.openxmlformats.org/presentationml/2006/main" mc:Ignorable="mv" mc:PreserveAttributes="mv:*">
   <p:cSld>
     <p:bg>
       <p:bgRef idx="1001">
@@ -6739,7 +6990,7 @@
             <a:fld id="{9A6A2903-C65C-4228-857A-941E317BDD5D}" type="datetimeFigureOut">
               <a:rPr lang="en-US" smtClean="0"/>
               <a:pPr/>
-              <a:t>6/21/2010</a:t>
+              <a:t>6/21/10</a:t>
             </a:fld>
             <a:endParaRPr lang="en-AU"/>
           </a:p>
@@ -7006,7 +7257,7 @@
 </file>
 
 <file path=ppt/notesSlides/notesSlide1.xml><?xml version="1.0" encoding="utf-8"?>
-<p:notes xmlns:a="http://schemas.openxmlformats.org/drawingml/2006/main" xmlns:r="http://schemas.openxmlformats.org/officeDocument/2006/relationships" xmlns:p="http://schemas.openxmlformats.org/presentationml/2006/main">
+<p:notes xmlns:a="http://schemas.openxmlformats.org/drawingml/2006/main" xmlns:r="http://schemas.openxmlformats.org/officeDocument/2006/relationships" xmlns:mc="http://schemas.openxmlformats.org/markup-compatibility/2006" xmlns:mv="urn:schemas-microsoft-com:mac:vml" xmlns:p="http://schemas.openxmlformats.org/presentationml/2006/main" mc:Ignorable="mv" mc:PreserveAttributes="mv:*">
   <p:cSld>
     <p:spTree>
       <p:nvGrpSpPr>
@@ -7075,7 +7326,7 @@
               <a:pPr/>
               <a:t>1</a:t>
             </a:fld>
-            <a:endParaRPr lang="en-AU"/>
+            <a:endParaRPr lang="en-AU" dirty="0"/>
           </a:p>
         </p:txBody>
       </p:sp>
@@ -7088,7 +7339,7 @@
 </file>
 
 <file path=ppt/notesSlides/notesSlide2.xml><?xml version="1.0" encoding="utf-8"?>
-<p:notes xmlns:a="http://schemas.openxmlformats.org/drawingml/2006/main" xmlns:r="http://schemas.openxmlformats.org/officeDocument/2006/relationships" xmlns:p="http://schemas.openxmlformats.org/presentationml/2006/main">
+<p:notes xmlns:a="http://schemas.openxmlformats.org/drawingml/2006/main" xmlns:r="http://schemas.openxmlformats.org/officeDocument/2006/relationships" xmlns:mc="http://schemas.openxmlformats.org/markup-compatibility/2006" xmlns:mv="urn:schemas-microsoft-com:mac:vml" xmlns:p="http://schemas.openxmlformats.org/presentationml/2006/main" mc:Ignorable="mv" mc:PreserveAttributes="mv:*">
   <p:cSld>
     <p:spTree>
       <p:nvGrpSpPr>
@@ -7157,7 +7408,7 @@
               <a:pPr/>
               <a:t>2</a:t>
             </a:fld>
-            <a:endParaRPr lang="en-AU"/>
+            <a:endParaRPr lang="en-AU" dirty="0"/>
           </a:p>
         </p:txBody>
       </p:sp>
@@ -7170,7 +7421,7 @@
 </file>
 
 <file path=ppt/notesSlides/notesSlide3.xml><?xml version="1.0" encoding="utf-8"?>
-<p:notes xmlns:a="http://schemas.openxmlformats.org/drawingml/2006/main" xmlns:r="http://schemas.openxmlformats.org/officeDocument/2006/relationships" xmlns:p="http://schemas.openxmlformats.org/presentationml/2006/main">
+<p:notes xmlns:a="http://schemas.openxmlformats.org/drawingml/2006/main" xmlns:r="http://schemas.openxmlformats.org/officeDocument/2006/relationships" xmlns:mc="http://schemas.openxmlformats.org/markup-compatibility/2006" xmlns:mv="urn:schemas-microsoft-com:mac:vml" xmlns:p="http://schemas.openxmlformats.org/presentationml/2006/main" mc:Ignorable="mv" mc:PreserveAttributes="mv:*">
   <p:cSld>
     <p:spTree>
       <p:nvGrpSpPr>
@@ -7239,7 +7490,7 @@
               <a:pPr/>
               <a:t>3</a:t>
             </a:fld>
-            <a:endParaRPr lang="en-AU"/>
+            <a:endParaRPr lang="en-AU" dirty="0"/>
           </a:p>
         </p:txBody>
       </p:sp>
@@ -7252,7 +7503,7 @@
 </file>
 
 <file path=ppt/notesSlides/notesSlide4.xml><?xml version="1.0" encoding="utf-8"?>
-<p:notes xmlns:a="http://schemas.openxmlformats.org/drawingml/2006/main" xmlns:r="http://schemas.openxmlformats.org/officeDocument/2006/relationships" xmlns:p="http://schemas.openxmlformats.org/presentationml/2006/main">
+<p:notes xmlns:a="http://schemas.openxmlformats.org/drawingml/2006/main" xmlns:r="http://schemas.openxmlformats.org/officeDocument/2006/relationships" xmlns:mc="http://schemas.openxmlformats.org/markup-compatibility/2006" xmlns:mv="urn:schemas-microsoft-com:mac:vml" xmlns:p="http://schemas.openxmlformats.org/presentationml/2006/main" mc:Ignorable="mv" mc:PreserveAttributes="mv:*">
   <p:cSld>
     <p:spTree>
       <p:nvGrpSpPr>
@@ -7321,7 +7572,7 @@
               <a:pPr/>
               <a:t>4</a:t>
             </a:fld>
-            <a:endParaRPr lang="en-AU"/>
+            <a:endParaRPr lang="en-AU" dirty="0"/>
           </a:p>
         </p:txBody>
       </p:sp>
@@ -7334,7 +7585,7 @@
 </file>
 
 <file path=ppt/notesSlides/notesSlide5.xml><?xml version="1.0" encoding="utf-8"?>
-<p:notes xmlns:a="http://schemas.openxmlformats.org/drawingml/2006/main" xmlns:r="http://schemas.openxmlformats.org/officeDocument/2006/relationships" xmlns:p="http://schemas.openxmlformats.org/presentationml/2006/main">
+<p:notes xmlns:a="http://schemas.openxmlformats.org/drawingml/2006/main" xmlns:r="http://schemas.openxmlformats.org/officeDocument/2006/relationships" xmlns:mc="http://schemas.openxmlformats.org/markup-compatibility/2006" xmlns:mv="urn:schemas-microsoft-com:mac:vml" xmlns:p="http://schemas.openxmlformats.org/presentationml/2006/main" mc:Ignorable="mv" mc:PreserveAttributes="mv:*">
   <p:cSld>
     <p:spTree>
       <p:nvGrpSpPr>
@@ -7403,6 +7654,88 @@
               <a:pPr/>
               <a:t>5</a:t>
             </a:fld>
+            <a:endParaRPr lang="en-AU" dirty="0"/>
+          </a:p>
+        </p:txBody>
+      </p:sp>
+    </p:spTree>
+  </p:cSld>
+  <p:clrMapOvr>
+    <a:masterClrMapping/>
+  </p:clrMapOvr>
+</p:notes>
+</file>
+
+<file path=ppt/notesSlides/notesSlide6.xml><?xml version="1.0" encoding="utf-8"?>
+<p:notes xmlns:a="http://schemas.openxmlformats.org/drawingml/2006/main" xmlns:r="http://schemas.openxmlformats.org/officeDocument/2006/relationships" xmlns:mc="http://schemas.openxmlformats.org/markup-compatibility/2006" xmlns:mv="urn:schemas-microsoft-com:mac:vml" xmlns:p="http://schemas.openxmlformats.org/presentationml/2006/main" mc:Ignorable="mv" mc:PreserveAttributes="mv:*">
+  <p:cSld>
+    <p:spTree>
+      <p:nvGrpSpPr>
+        <p:cNvPr id="1" name=""/>
+        <p:cNvGrpSpPr/>
+        <p:nvPr/>
+      </p:nvGrpSpPr>
+      <p:grpSpPr>
+        <a:xfrm>
+          <a:off x="0" y="0"/>
+          <a:ext cx="0" cy="0"/>
+          <a:chOff x="0" y="0"/>
+          <a:chExt cx="0" cy="0"/>
+        </a:xfrm>
+      </p:grpSpPr>
+      <p:sp>
+        <p:nvSpPr>
+          <p:cNvPr id="2" name="Slide Image Placeholder 1"/>
+          <p:cNvSpPr>
+            <a:spLocks noGrp="1" noRot="1" noChangeAspect="1"/>
+          </p:cNvSpPr>
+          <p:nvPr>
+            <p:ph type="sldImg"/>
+          </p:nvPr>
+        </p:nvSpPr>
+        <p:spPr/>
+      </p:sp>
+      <p:sp>
+        <p:nvSpPr>
+          <p:cNvPr id="3" name="Notes Placeholder 2"/>
+          <p:cNvSpPr>
+            <a:spLocks noGrp="1"/>
+          </p:cNvSpPr>
+          <p:nvPr>
+            <p:ph type="body" idx="1"/>
+          </p:nvPr>
+        </p:nvSpPr>
+        <p:spPr/>
+        <p:txBody>
+          <a:bodyPr>
+            <a:normAutofit/>
+          </a:bodyPr>
+          <a:lstStyle/>
+          <a:p>
+            <a:endParaRPr lang="en-US" dirty="0"/>
+          </a:p>
+        </p:txBody>
+      </p:sp>
+      <p:sp>
+        <p:nvSpPr>
+          <p:cNvPr id="4" name="Slide Number Placeholder 3"/>
+          <p:cNvSpPr>
+            <a:spLocks noGrp="1"/>
+          </p:cNvSpPr>
+          <p:nvPr>
+            <p:ph type="sldNum" sz="quarter" idx="10"/>
+          </p:nvPr>
+        </p:nvSpPr>
+        <p:spPr/>
+        <p:txBody>
+          <a:bodyPr/>
+          <a:lstStyle/>
+          <a:p>
+            <a:fld id="{564FCFA0-726F-477B-BEA1-4EBA104729ED}" type="slidenum">
+              <a:rPr lang="en-AU" smtClean="0"/>
+              <a:pPr/>
+              <a:t>7</a:t>
+            </a:fld>
             <a:endParaRPr lang="en-AU"/>
           </a:p>
         </p:txBody>
@@ -7416,7 +7749,7 @@
 </file>
 
 <file path=ppt/slideLayouts/slideLayout1.xml><?xml version="1.0" encoding="utf-8"?>
-<p:sldLayout xmlns:a="http://schemas.openxmlformats.org/drawingml/2006/main" xmlns:r="http://schemas.openxmlformats.org/officeDocument/2006/relationships" xmlns:p="http://schemas.openxmlformats.org/presentationml/2006/main" showMasterSp="0" type="title" preserve="1">
+<p:sldLayout xmlns:a="http://schemas.openxmlformats.org/drawingml/2006/main" xmlns:r="http://schemas.openxmlformats.org/officeDocument/2006/relationships" xmlns:mc="http://schemas.openxmlformats.org/markup-compatibility/2006" xmlns:mv="urn:schemas-microsoft-com:mac:vml" xmlns:p="http://schemas.openxmlformats.org/presentationml/2006/main" mc:Ignorable="mv" mc:PreserveAttributes="mv:*" showMasterSp="0" type="title" preserve="1">
   <p:cSld name="Title Slide">
     <p:bg>
       <p:bgPr>
@@ -7710,7 +8043,7 @@
             <a:fld id="{7919CA88-F400-4F96-AAC9-5A36471D2F8F}" type="datetime1">
               <a:rPr lang="en-US" smtClean="0"/>
               <a:pPr/>
-              <a:t>6/21/2010</a:t>
+              <a:t>6/21/10</a:t>
             </a:fld>
             <a:endParaRPr lang="en-AU"/>
           </a:p>
@@ -7794,7 +8127,7 @@
 </file>
 
 <file path=ppt/slideLayouts/slideLayout10.xml><?xml version="1.0" encoding="utf-8"?>
-<p:sldLayout xmlns:a="http://schemas.openxmlformats.org/drawingml/2006/main" xmlns:r="http://schemas.openxmlformats.org/officeDocument/2006/relationships" xmlns:p="http://schemas.openxmlformats.org/presentationml/2006/main" type="vertTx" preserve="1">
+<p:sldLayout xmlns:a="http://schemas.openxmlformats.org/drawingml/2006/main" xmlns:r="http://schemas.openxmlformats.org/officeDocument/2006/relationships" xmlns:mc="http://schemas.openxmlformats.org/markup-compatibility/2006" xmlns:mv="urn:schemas-microsoft-com:mac:vml" xmlns:p="http://schemas.openxmlformats.org/presentationml/2006/main" mc:Ignorable="mv" mc:PreserveAttributes="mv:*" type="vertTx" preserve="1">
   <p:cSld name="Title and Vertical Text">
     <p:spTree>
       <p:nvGrpSpPr>
@@ -7903,7 +8236,7 @@
             <a:fld id="{2207902A-905F-4BD2-ABD0-6790D765BD7D}" type="datetime1">
               <a:rPr lang="en-US" smtClean="0"/>
               <a:pPr/>
-              <a:t>6/21/2010</a:t>
+              <a:t>6/21/10</a:t>
             </a:fld>
             <a:endParaRPr lang="en-AU"/>
           </a:p>
@@ -7961,7 +8294,7 @@
 </file>
 
 <file path=ppt/slideLayouts/slideLayout11.xml><?xml version="1.0" encoding="utf-8"?>
-<p:sldLayout xmlns:a="http://schemas.openxmlformats.org/drawingml/2006/main" xmlns:r="http://schemas.openxmlformats.org/officeDocument/2006/relationships" xmlns:p="http://schemas.openxmlformats.org/presentationml/2006/main" showMasterSp="0" type="vertTitleAndTx" preserve="1">
+<p:sldLayout xmlns:a="http://schemas.openxmlformats.org/drawingml/2006/main" xmlns:r="http://schemas.openxmlformats.org/officeDocument/2006/relationships" xmlns:mc="http://schemas.openxmlformats.org/markup-compatibility/2006" xmlns:mv="urn:schemas-microsoft-com:mac:vml" xmlns:p="http://schemas.openxmlformats.org/presentationml/2006/main" mc:Ignorable="mv" mc:PreserveAttributes="mv:*" showMasterSp="0" type="vertTitleAndTx" preserve="1">
   <p:cSld name="Vertical Title and Text">
     <p:bg>
       <p:bgRef idx="1001">
@@ -8090,7 +8423,7 @@
             <a:fld id="{68CB0762-0231-43FA-A01A-E827C5FB3934}" type="datetime1">
               <a:rPr lang="en-US" smtClean="0"/>
               <a:pPr/>
-              <a:t>6/21/2010</a:t>
+              <a:t>6/21/10</a:t>
             </a:fld>
             <a:endParaRPr lang="en-AU"/>
           </a:p>
@@ -8293,7 +8626,7 @@
 </file>
 
 <file path=ppt/slideLayouts/slideLayout2.xml><?xml version="1.0" encoding="utf-8"?>
-<p:sldLayout xmlns:a="http://schemas.openxmlformats.org/drawingml/2006/main" xmlns:r="http://schemas.openxmlformats.org/officeDocument/2006/relationships" xmlns:p="http://schemas.openxmlformats.org/presentationml/2006/main" type="obj" preserve="1">
+<p:sldLayout xmlns:a="http://schemas.openxmlformats.org/drawingml/2006/main" xmlns:r="http://schemas.openxmlformats.org/officeDocument/2006/relationships" xmlns:mc="http://schemas.openxmlformats.org/markup-compatibility/2006" xmlns:mv="urn:schemas-microsoft-com:mac:vml" xmlns:p="http://schemas.openxmlformats.org/presentationml/2006/main" mc:Ignorable="mv" mc:PreserveAttributes="mv:*" type="obj" preserve="1">
   <p:cSld name="Title and Content">
     <p:spTree>
       <p:nvGrpSpPr>
@@ -8355,7 +8688,7 @@
             <a:fld id="{594CA299-69E0-4B5F-BFFE-33BD425F2323}" type="datetime1">
               <a:rPr lang="en-US" smtClean="0"/>
               <a:pPr/>
-              <a:t>6/21/2010</a:t>
+              <a:t>6/21/10</a:t>
             </a:fld>
             <a:endParaRPr lang="en-AU"/>
           </a:p>
@@ -8478,7 +8811,7 @@
 </file>
 
 <file path=ppt/slideLayouts/slideLayout3.xml><?xml version="1.0" encoding="utf-8"?>
-<p:sldLayout xmlns:a="http://schemas.openxmlformats.org/drawingml/2006/main" xmlns:r="http://schemas.openxmlformats.org/officeDocument/2006/relationships" xmlns:p="http://schemas.openxmlformats.org/presentationml/2006/main" showMasterSp="0" type="secHead" preserve="1">
+<p:sldLayout xmlns:a="http://schemas.openxmlformats.org/drawingml/2006/main" xmlns:r="http://schemas.openxmlformats.org/officeDocument/2006/relationships" xmlns:mc="http://schemas.openxmlformats.org/markup-compatibility/2006" xmlns:mv="urn:schemas-microsoft-com:mac:vml" xmlns:p="http://schemas.openxmlformats.org/presentationml/2006/main" mc:Ignorable="mv" mc:PreserveAttributes="mv:*" showMasterSp="0" type="secHead" preserve="1">
   <p:cSld name="Section Header">
     <p:bg>
       <p:bgRef idx="1003">
@@ -8773,7 +9106,7 @@
             <a:fld id="{5FDECECB-0ABB-48A5-A803-F4718B8D91D4}" type="datetime1">
               <a:rPr lang="en-US" smtClean="0"/>
               <a:pPr/>
-              <a:t>6/21/2010</a:t>
+              <a:t>6/21/10</a:t>
             </a:fld>
             <a:endParaRPr lang="en-AU"/>
           </a:p>
@@ -8846,7 +9179,7 @@
 </file>
 
 <file path=ppt/slideLayouts/slideLayout4.xml><?xml version="1.0" encoding="utf-8"?>
-<p:sldLayout xmlns:a="http://schemas.openxmlformats.org/drawingml/2006/main" xmlns:r="http://schemas.openxmlformats.org/officeDocument/2006/relationships" xmlns:p="http://schemas.openxmlformats.org/presentationml/2006/main" type="twoObj" preserve="1">
+<p:sldLayout xmlns:a="http://schemas.openxmlformats.org/drawingml/2006/main" xmlns:r="http://schemas.openxmlformats.org/officeDocument/2006/relationships" xmlns:mc="http://schemas.openxmlformats.org/markup-compatibility/2006" xmlns:mv="urn:schemas-microsoft-com:mac:vml" xmlns:p="http://schemas.openxmlformats.org/presentationml/2006/main" mc:Ignorable="mv" mc:PreserveAttributes="mv:*" type="twoObj" preserve="1">
   <p:cSld name="Two Content">
     <p:spTree>
       <p:nvGrpSpPr>
@@ -9017,7 +9350,7 @@
             <a:fld id="{0CD0D081-CFFD-4432-A533-29AE4BE48E57}" type="datetime1">
               <a:rPr lang="en-US" smtClean="0"/>
               <a:pPr/>
-              <a:t>6/21/2010</a:t>
+              <a:t>6/21/10</a:t>
             </a:fld>
             <a:endParaRPr lang="en-AU"/>
           </a:p>
@@ -9075,7 +9408,7 @@
 </file>
 
 <file path=ppt/slideLayouts/slideLayout5.xml><?xml version="1.0" encoding="utf-8"?>
-<p:sldLayout xmlns:a="http://schemas.openxmlformats.org/drawingml/2006/main" xmlns:r="http://schemas.openxmlformats.org/officeDocument/2006/relationships" xmlns:p="http://schemas.openxmlformats.org/presentationml/2006/main" type="twoTxTwoObj" preserve="1">
+<p:sldLayout xmlns:a="http://schemas.openxmlformats.org/drawingml/2006/main" xmlns:r="http://schemas.openxmlformats.org/officeDocument/2006/relationships" xmlns:mc="http://schemas.openxmlformats.org/markup-compatibility/2006" xmlns:mv="urn:schemas-microsoft-com:mac:vml" xmlns:p="http://schemas.openxmlformats.org/presentationml/2006/main" mc:Ignorable="mv" mc:PreserveAttributes="mv:*" type="twoTxTwoObj" preserve="1">
   <p:cSld name="Comparison">
     <p:spTree>
       <p:nvGrpSpPr>
@@ -9255,7 +9588,7 @@
             <a:fld id="{7B7440B4-A06A-40E0-B7EF-6670831A308E}" type="datetime1">
               <a:rPr lang="en-US" smtClean="0"/>
               <a:pPr/>
-              <a:t>6/21/2010</a:t>
+              <a:t>6/21/10</a:t>
             </a:fld>
             <a:endParaRPr lang="en-AU"/>
           </a:p>
@@ -9395,7 +9728,7 @@
 </file>
 
 <file path=ppt/slideLayouts/slideLayout6.xml><?xml version="1.0" encoding="utf-8"?>
-<p:sldLayout xmlns:a="http://schemas.openxmlformats.org/drawingml/2006/main" xmlns:r="http://schemas.openxmlformats.org/officeDocument/2006/relationships" xmlns:p="http://schemas.openxmlformats.org/presentationml/2006/main" type="titleOnly" preserve="1">
+<p:sldLayout xmlns:a="http://schemas.openxmlformats.org/drawingml/2006/main" xmlns:r="http://schemas.openxmlformats.org/officeDocument/2006/relationships" xmlns:mc="http://schemas.openxmlformats.org/markup-compatibility/2006" xmlns:mv="urn:schemas-microsoft-com:mac:vml" xmlns:p="http://schemas.openxmlformats.org/presentationml/2006/main" mc:Ignorable="mv" mc:PreserveAttributes="mv:*" type="titleOnly" preserve="1">
   <p:cSld name="Title Only">
     <p:spTree>
       <p:nvGrpSpPr>
@@ -9452,7 +9785,7 @@
             <a:fld id="{9832126A-3231-47DF-B16E-4C6489635FEB}" type="datetime1">
               <a:rPr lang="en-US" smtClean="0"/>
               <a:pPr/>
-              <a:t>6/21/2010</a:t>
+              <a:t>6/21/10</a:t>
             </a:fld>
             <a:endParaRPr lang="en-AU"/>
           </a:p>
@@ -9518,7 +9851,7 @@
 </file>
 
 <file path=ppt/slideLayouts/slideLayout7.xml><?xml version="1.0" encoding="utf-8"?>
-<p:sldLayout xmlns:a="http://schemas.openxmlformats.org/drawingml/2006/main" xmlns:r="http://schemas.openxmlformats.org/officeDocument/2006/relationships" xmlns:p="http://schemas.openxmlformats.org/presentationml/2006/main" showMasterSp="0" type="blank" preserve="1">
+<p:sldLayout xmlns:a="http://schemas.openxmlformats.org/drawingml/2006/main" xmlns:r="http://schemas.openxmlformats.org/officeDocument/2006/relationships" xmlns:mc="http://schemas.openxmlformats.org/markup-compatibility/2006" xmlns:mv="urn:schemas-microsoft-com:mac:vml" xmlns:p="http://schemas.openxmlformats.org/presentationml/2006/main" mc:Ignorable="mv" mc:PreserveAttributes="mv:*" showMasterSp="0" type="blank" preserve="1">
   <p:cSld name="Blank">
     <p:spTree>
       <p:nvGrpSpPr>
@@ -9552,7 +9885,7 @@
             <a:fld id="{60AA0776-8768-4D9F-B358-B6616329A00C}" type="datetime1">
               <a:rPr lang="en-US" smtClean="0"/>
               <a:pPr/>
-              <a:t>6/21/2010</a:t>
+              <a:t>6/21/10</a:t>
             </a:fld>
             <a:endParaRPr lang="en-AU"/>
           </a:p>
@@ -9623,7 +9956,7 @@
 </file>
 
 <file path=ppt/slideLayouts/slideLayout8.xml><?xml version="1.0" encoding="utf-8"?>
-<p:sldLayout xmlns:a="http://schemas.openxmlformats.org/drawingml/2006/main" xmlns:r="http://schemas.openxmlformats.org/officeDocument/2006/relationships" xmlns:p="http://schemas.openxmlformats.org/presentationml/2006/main" type="objTx" preserve="1">
+<p:sldLayout xmlns:a="http://schemas.openxmlformats.org/drawingml/2006/main" xmlns:r="http://schemas.openxmlformats.org/officeDocument/2006/relationships" xmlns:mc="http://schemas.openxmlformats.org/markup-compatibility/2006" xmlns:mv="urn:schemas-microsoft-com:mac:vml" xmlns:p="http://schemas.openxmlformats.org/presentationml/2006/main" mc:Ignorable="mv" mc:PreserveAttributes="mv:*" type="objTx" preserve="1">
   <p:cSld name="Content with Caption">
     <p:spTree>
       <p:nvGrpSpPr>
@@ -9690,7 +10023,7 @@
             <a:fld id="{50E14E35-EF70-459E-895B-1A299CF0D7FB}" type="datetime1">
               <a:rPr lang="en-US" smtClean="0"/>
               <a:pPr/>
-              <a:t>6/21/2010</a:t>
+              <a:t>6/21/10</a:t>
             </a:fld>
             <a:endParaRPr lang="en-AU"/>
           </a:p>
@@ -9887,7 +10220,7 @@
 </file>
 
 <file path=ppt/slideLayouts/slideLayout9.xml><?xml version="1.0" encoding="utf-8"?>
-<p:sldLayout xmlns:a="http://schemas.openxmlformats.org/drawingml/2006/main" xmlns:r="http://schemas.openxmlformats.org/officeDocument/2006/relationships" xmlns:p="http://schemas.openxmlformats.org/presentationml/2006/main" showMasterSp="0" type="picTx" preserve="1">
+<p:sldLayout xmlns:a="http://schemas.openxmlformats.org/drawingml/2006/main" xmlns:r="http://schemas.openxmlformats.org/officeDocument/2006/relationships" xmlns:mc="http://schemas.openxmlformats.org/markup-compatibility/2006" xmlns:mv="urn:schemas-microsoft-com:mac:vml" xmlns:p="http://schemas.openxmlformats.org/presentationml/2006/main" mc:Ignorable="mv" mc:PreserveAttributes="mv:*" showMasterSp="0" type="picTx" preserve="1">
   <p:cSld name="Picture with Caption">
     <p:bg>
       <p:bgRef idx="1003">
@@ -10210,7 +10543,7 @@
             <a:fld id="{DB528153-DE87-43B6-9990-0274F15398EF}" type="datetime1">
               <a:rPr lang="en-US" smtClean="0"/>
               <a:pPr/>
-              <a:t>6/21/2010</a:t>
+              <a:t>6/21/10</a:t>
             </a:fld>
             <a:endParaRPr lang="en-AU"/>
           </a:p>
@@ -10323,7 +10656,7 @@
 </file>
 
 <file path=ppt/slideMasters/slideMaster1.xml><?xml version="1.0" encoding="utf-8"?>
-<p:sldMaster xmlns:a="http://schemas.openxmlformats.org/drawingml/2006/main" xmlns:r="http://schemas.openxmlformats.org/officeDocument/2006/relationships" xmlns:p="http://schemas.openxmlformats.org/presentationml/2006/main">
+<p:sldMaster xmlns:a="http://schemas.openxmlformats.org/drawingml/2006/main" xmlns:r="http://schemas.openxmlformats.org/officeDocument/2006/relationships" xmlns:mc="http://schemas.openxmlformats.org/markup-compatibility/2006" xmlns:mv="urn:schemas-microsoft-com:mac:vml" xmlns:p="http://schemas.openxmlformats.org/presentationml/2006/main" mc:Ignorable="mv" mc:PreserveAttributes="mv:*">
   <p:cSld>
     <p:bg>
       <p:bgRef idx="1001">
@@ -10473,7 +10806,7 @@
             <a:fld id="{48FA1E52-FDA1-4508-A8D9-1BBAF0D75B3D}" type="datetime1">
               <a:rPr lang="en-US" smtClean="0"/>
               <a:pPr/>
-              <a:t>6/21/2010</a:t>
+              <a:t>6/21/10</a:t>
             </a:fld>
             <a:endParaRPr lang="en-AU"/>
           </a:p>
@@ -10702,17 +11035,17 @@
   </p:cSld>
   <p:clrMap bg1="lt1" tx1="dk1" bg2="lt2" tx2="dk2" accent1="accent1" accent2="accent2" accent3="accent3" accent4="accent4" accent5="accent5" accent6="accent6" hlink="hlink" folHlink="folHlink"/>
   <p:sldLayoutIdLst>
-    <p:sldLayoutId id="2147483661" r:id="rId1"/>
-    <p:sldLayoutId id="2147483662" r:id="rId2"/>
-    <p:sldLayoutId id="2147483663" r:id="rId3"/>
-    <p:sldLayoutId id="2147483664" r:id="rId4"/>
-    <p:sldLayoutId id="2147483665" r:id="rId5"/>
-    <p:sldLayoutId id="2147483666" r:id="rId6"/>
-    <p:sldLayoutId id="2147483667" r:id="rId7"/>
-    <p:sldLayoutId id="2147483668" r:id="rId8"/>
-    <p:sldLayoutId id="2147483669" r:id="rId9"/>
-    <p:sldLayoutId id="2147483670" r:id="rId10"/>
-    <p:sldLayoutId id="2147483671" r:id="rId11"/>
+    <p:sldLayoutId r:id="rId1"/>
+    <p:sldLayoutId r:id="rId2"/>
+    <p:sldLayoutId r:id="rId3"/>
+    <p:sldLayoutId r:id="rId4"/>
+    <p:sldLayoutId r:id="rId5"/>
+    <p:sldLayoutId r:id="rId6"/>
+    <p:sldLayoutId r:id="rId7"/>
+    <p:sldLayoutId r:id="rId8"/>
+    <p:sldLayoutId r:id="rId9"/>
+    <p:sldLayoutId r:id="rId10"/>
+    <p:sldLayoutId r:id="rId11"/>
   </p:sldLayoutIdLst>
   <p:hf hdr="0" ftr="0" dt="0"/>
   <p:txStyles>
@@ -10998,7 +11331,7 @@
 </file>
 
 <file path=ppt/slides/slide1.xml><?xml version="1.0" encoding="utf-8"?>
-<p:sld xmlns:a="http://schemas.openxmlformats.org/drawingml/2006/main" xmlns:r="http://schemas.openxmlformats.org/officeDocument/2006/relationships" xmlns:p="http://schemas.openxmlformats.org/presentationml/2006/main">
+<p:sld xmlns:a="http://schemas.openxmlformats.org/drawingml/2006/main" xmlns:r="http://schemas.openxmlformats.org/officeDocument/2006/relationships" xmlns:mc="http://schemas.openxmlformats.org/markup-compatibility/2006" xmlns:mv="urn:schemas-microsoft-com:mac:vml" xmlns:p="http://schemas.openxmlformats.org/presentationml/2006/main" mc:Ignorable="mv" mc:PreserveAttributes="mv:*">
   <p:cSld>
     <p:spTree>
       <p:nvGrpSpPr>
@@ -11155,7 +11488,7 @@
               <a:pPr/>
               <a:t>1</a:t>
             </a:fld>
-            <a:endParaRPr lang="en-AU"/>
+            <a:endParaRPr lang="en-AU" dirty="0"/>
           </a:p>
         </p:txBody>
       </p:sp>
@@ -11198,8 +11531,8 @@
 </p:sld>
 </file>
 
-<file path=ppt/slides/slide2.xml><?xml version="1.0" encoding="utf-8"?>
-<p:sld xmlns:a="http://schemas.openxmlformats.org/drawingml/2006/main" xmlns:r="http://schemas.openxmlformats.org/officeDocument/2006/relationships" xmlns:p="http://schemas.openxmlformats.org/presentationml/2006/main">
+<file path=ppt/slides/slide10.xml><?xml version="1.0" encoding="utf-8"?>
+<p:sld xmlns:a="http://schemas.openxmlformats.org/drawingml/2006/main" xmlns:r="http://schemas.openxmlformats.org/officeDocument/2006/relationships" xmlns:mc="http://schemas.openxmlformats.org/markup-compatibility/2006" xmlns:mv="urn:schemas-microsoft-com:mac:vml" xmlns:p="http://schemas.openxmlformats.org/presentationml/2006/main" mc:Ignorable="mv" mc:PreserveAttributes="mv:*">
   <p:cSld>
     <p:spTree>
       <p:nvGrpSpPr>
@@ -11230,464 +11563,11 @@
           <a:bodyPr/>
           <a:lstStyle/>
           <a:p>
-            <a:pPr algn="ctr"/>
-            <a:r>
-              <a:rPr lang="en-AU" dirty="0" smtClean="0">
-                <a:effectLst>
-                  <a:reflection blurRad="6350" stA="55000" endA="300" endPos="45500" dir="5400000" sy="-100000" algn="bl" rotWithShape="0"/>
-                </a:effectLst>
-              </a:rPr>
-              <a:t>Contents</a:t>
-            </a:r>
-            <a:endParaRPr lang="en-AU" dirty="0">
-              <a:effectLst>
-                <a:reflection blurRad="6350" stA="55000" endA="300" endPos="45500" dir="5400000" sy="-100000" algn="bl" rotWithShape="0"/>
-              </a:effectLst>
-            </a:endParaRPr>
-          </a:p>
-        </p:txBody>
-      </p:sp>
-      <p:sp>
-        <p:nvSpPr>
-          <p:cNvPr id="3" name="Content Placeholder 2"/>
-          <p:cNvSpPr>
-            <a:spLocks noGrp="1"/>
-          </p:cNvSpPr>
-          <p:nvPr>
-            <p:ph idx="1"/>
-          </p:nvPr>
-        </p:nvSpPr>
-        <p:spPr>
-          <a:xfrm>
-            <a:off x="928662" y="1500174"/>
-            <a:ext cx="7772400" cy="4572000"/>
-          </a:xfrm>
-        </p:spPr>
-        <p:txBody>
-          <a:bodyPr>
-            <a:normAutofit/>
-          </a:bodyPr>
-          <a:lstStyle/>
-          <a:p>
-            <a:endParaRPr lang="en-AU" dirty="0" smtClean="0"/>
-          </a:p>
-        </p:txBody>
-      </p:sp>
-      <p:sp>
-        <p:nvSpPr>
-          <p:cNvPr id="4" name="Slide Number Placeholder 3"/>
-          <p:cNvSpPr>
-            <a:spLocks noGrp="1"/>
-          </p:cNvSpPr>
-          <p:nvPr>
-            <p:ph type="sldNum" sz="quarter" idx="12"/>
-          </p:nvPr>
-        </p:nvSpPr>
-        <p:spPr/>
-        <p:txBody>
-          <a:bodyPr>
-            <a:normAutofit fontScale="85000" lnSpcReduction="20000"/>
-          </a:bodyPr>
-          <a:lstStyle/>
-          <a:p>
-            <a:fld id="{5AEDDE57-BFB4-403C-8AD6-39A9EF93D28E}" type="slidenum">
-              <a:rPr lang="en-AU" smtClean="0"/>
-              <a:pPr/>
-              <a:t>2</a:t>
-            </a:fld>
-            <a:endParaRPr lang="en-AU"/>
-          </a:p>
-        </p:txBody>
-      </p:sp>
-    </p:spTree>
-  </p:cSld>
-  <p:clrMapOvr>
-    <a:masterClrMapping/>
-  </p:clrMapOvr>
-  <p:timing>
-    <p:tnLst>
-      <p:par>
-        <p:cTn id="1" dur="indefinite" restart="never" nodeType="tmRoot"/>
-      </p:par>
-    </p:tnLst>
-  </p:timing>
-</p:sld>
-</file>
-
-<file path=ppt/slides/slide3.xml><?xml version="1.0" encoding="utf-8"?>
-<p:sld xmlns:a="http://schemas.openxmlformats.org/drawingml/2006/main" xmlns:r="http://schemas.openxmlformats.org/officeDocument/2006/relationships" xmlns:p="http://schemas.openxmlformats.org/presentationml/2006/main">
-  <p:cSld>
-    <p:spTree>
-      <p:nvGrpSpPr>
-        <p:cNvPr id="1" name=""/>
-        <p:cNvGrpSpPr/>
-        <p:nvPr/>
-      </p:nvGrpSpPr>
-      <p:grpSpPr>
-        <a:xfrm>
-          <a:off x="0" y="0"/>
-          <a:ext cx="0" cy="0"/>
-          <a:chOff x="0" y="0"/>
-          <a:chExt cx="0" cy="0"/>
-        </a:xfrm>
-      </p:grpSpPr>
-      <p:sp>
-        <p:nvSpPr>
-          <p:cNvPr id="2" name="Title 1"/>
-          <p:cNvSpPr>
-            <a:spLocks noGrp="1"/>
-          </p:cNvSpPr>
-          <p:nvPr>
-            <p:ph type="title"/>
-          </p:nvPr>
-        </p:nvSpPr>
-        <p:spPr/>
-        <p:txBody>
-          <a:bodyPr/>
-          <a:lstStyle/>
-          <a:p>
-            <a:pPr algn="ctr"/>
-            <a:r>
-              <a:rPr lang="en-AU" dirty="0" smtClean="0">
-                <a:effectLst>
-                  <a:reflection blurRad="6350" stA="55000" endA="300" endPos="45500" dir="5400000" sy="-100000" algn="bl" rotWithShape="0"/>
-                </a:effectLst>
-              </a:rPr>
-              <a:t>Introduction to AHNS 2010</a:t>
-            </a:r>
-            <a:endParaRPr lang="en-AU" dirty="0">
-              <a:effectLst>
-                <a:reflection blurRad="6350" stA="55000" endA="300" endPos="45500" dir="5400000" sy="-100000" algn="bl" rotWithShape="0"/>
-              </a:effectLst>
-            </a:endParaRPr>
-          </a:p>
-        </p:txBody>
-      </p:sp>
-      <p:sp>
-        <p:nvSpPr>
-          <p:cNvPr id="5" name="Slide Number Placeholder 4"/>
-          <p:cNvSpPr>
-            <a:spLocks noGrp="1"/>
-          </p:cNvSpPr>
-          <p:nvPr>
-            <p:ph type="sldNum" sz="quarter" idx="12"/>
-          </p:nvPr>
-        </p:nvSpPr>
-        <p:spPr/>
-        <p:txBody>
-          <a:bodyPr>
-            <a:normAutofit fontScale="85000" lnSpcReduction="20000"/>
-          </a:bodyPr>
-          <a:lstStyle/>
-          <a:p>
-            <a:fld id="{5AEDDE57-BFB4-403C-8AD6-39A9EF93D28E}" type="slidenum">
-              <a:rPr lang="en-AU" smtClean="0"/>
-              <a:pPr/>
-              <a:t>3</a:t>
-            </a:fld>
-            <a:endParaRPr lang="en-AU"/>
-          </a:p>
-        </p:txBody>
-      </p:sp>
-      <p:sp>
-        <p:nvSpPr>
-          <p:cNvPr id="6" name="Content Placeholder 5"/>
-          <p:cNvSpPr>
-            <a:spLocks noGrp="1"/>
-          </p:cNvSpPr>
-          <p:nvPr>
-            <p:ph sz="quarter" idx="1"/>
-          </p:nvPr>
-        </p:nvSpPr>
-        <p:spPr/>
-        <p:txBody>
-          <a:bodyPr/>
-          <a:lstStyle/>
-          <a:p>
-            <a:endParaRPr lang="en-AU"/>
-          </a:p>
-        </p:txBody>
-      </p:sp>
-    </p:spTree>
-  </p:cSld>
-  <p:clrMapOvr>
-    <a:masterClrMapping/>
-  </p:clrMapOvr>
-  <p:timing>
-    <p:tnLst>
-      <p:par>
-        <p:cTn id="1" dur="indefinite" restart="never" nodeType="tmRoot"/>
-      </p:par>
-    </p:tnLst>
-  </p:timing>
-</p:sld>
-</file>
-
-<file path=ppt/slides/slide4.xml><?xml version="1.0" encoding="utf-8"?>
-<p:sld xmlns:a="http://schemas.openxmlformats.org/drawingml/2006/main" xmlns:r="http://schemas.openxmlformats.org/officeDocument/2006/relationships" xmlns:p="http://schemas.openxmlformats.org/presentationml/2006/main">
-  <p:cSld>
-    <p:spTree>
-      <p:nvGrpSpPr>
-        <p:cNvPr id="1" name=""/>
-        <p:cNvGrpSpPr/>
-        <p:nvPr/>
-      </p:nvGrpSpPr>
-      <p:grpSpPr>
-        <a:xfrm>
-          <a:off x="0" y="0"/>
-          <a:ext cx="0" cy="0"/>
-          <a:chOff x="0" y="0"/>
-          <a:chExt cx="0" cy="0"/>
-        </a:xfrm>
-      </p:grpSpPr>
-      <p:sp>
-        <p:nvSpPr>
-          <p:cNvPr id="2" name="Title 1"/>
-          <p:cNvSpPr>
-            <a:spLocks noGrp="1"/>
-          </p:cNvSpPr>
-          <p:nvPr>
-            <p:ph type="title"/>
-          </p:nvPr>
-        </p:nvSpPr>
-        <p:spPr/>
-        <p:txBody>
-          <a:bodyPr/>
-          <a:lstStyle/>
-          <a:p>
-            <a:pPr algn="ctr"/>
-            <a:r>
-              <a:rPr lang="en-AU" dirty="0" smtClean="0">
-                <a:effectLst>
-                  <a:reflection blurRad="6350" stA="55000" endA="300" endPos="45500" dir="5400000" sy="-100000" algn="bl" rotWithShape="0"/>
-                </a:effectLst>
-              </a:rPr>
-              <a:t>AHNS Project Aim</a:t>
-            </a:r>
-            <a:endParaRPr lang="en-AU" dirty="0">
-              <a:effectLst>
-                <a:reflection blurRad="6350" stA="55000" endA="300" endPos="45500" dir="5400000" sy="-100000" algn="bl" rotWithShape="0"/>
-              </a:effectLst>
-            </a:endParaRPr>
-          </a:p>
-        </p:txBody>
-      </p:sp>
-      <p:sp>
-        <p:nvSpPr>
-          <p:cNvPr id="3" name="Content Placeholder 2"/>
-          <p:cNvSpPr>
-            <a:spLocks noGrp="1"/>
-          </p:cNvSpPr>
-          <p:nvPr>
-            <p:ph idx="1"/>
-          </p:nvPr>
-        </p:nvSpPr>
-        <p:spPr/>
-        <p:txBody>
-          <a:bodyPr/>
-          <a:lstStyle/>
-          <a:p>
-            <a:r>
-              <a:rPr lang="en-AU" dirty="0" smtClean="0"/>
-              <a:t>AHNS: To develop an autonomous indoor helicopter navigation system capable of carrying a payload.</a:t>
-            </a:r>
-          </a:p>
-          <a:p>
-            <a:endParaRPr lang="en-AU" dirty="0" smtClean="0"/>
-          </a:p>
-          <a:p>
-            <a:endParaRPr lang="en-AU" dirty="0" smtClean="0"/>
-          </a:p>
-        </p:txBody>
-      </p:sp>
-      <p:sp>
-        <p:nvSpPr>
-          <p:cNvPr id="4" name="Slide Number Placeholder 3"/>
-          <p:cNvSpPr>
-            <a:spLocks noGrp="1"/>
-          </p:cNvSpPr>
-          <p:nvPr>
-            <p:ph type="sldNum" sz="quarter" idx="12"/>
-          </p:nvPr>
-        </p:nvSpPr>
-        <p:spPr/>
-        <p:txBody>
-          <a:bodyPr>
-            <a:normAutofit fontScale="85000" lnSpcReduction="20000"/>
-          </a:bodyPr>
-          <a:lstStyle/>
-          <a:p>
-            <a:fld id="{5AEDDE57-BFB4-403C-8AD6-39A9EF93D28E}" type="slidenum">
-              <a:rPr lang="en-AU" smtClean="0"/>
-              <a:pPr/>
-              <a:t>4</a:t>
-            </a:fld>
-            <a:endParaRPr lang="en-AU"/>
-          </a:p>
-        </p:txBody>
-      </p:sp>
-      <p:sp>
-        <p:nvSpPr>
-          <p:cNvPr id="6" name="Footer Placeholder 5"/>
-          <p:cNvSpPr>
-            <a:spLocks noGrp="1"/>
-          </p:cNvSpPr>
-          <p:nvPr>
-            <p:ph type="ftr" sz="quarter" idx="11"/>
-          </p:nvPr>
-        </p:nvSpPr>
-        <p:spPr/>
-        <p:txBody>
-          <a:bodyPr/>
-          <a:lstStyle/>
-          <a:p>
-            <a:r>
-              <a:rPr lang="en-AU" dirty="0" smtClean="0"/>
-              <a:t>Saad Khan</a:t>
-            </a:r>
-            <a:endParaRPr lang="en-AU" dirty="0"/>
-          </a:p>
-        </p:txBody>
-      </p:sp>
-    </p:spTree>
-  </p:cSld>
-  <p:clrMapOvr>
-    <a:masterClrMapping/>
-  </p:clrMapOvr>
-  <p:timing>
-    <p:tnLst>
-      <p:par>
-        <p:cTn id="1" dur="indefinite" restart="never" nodeType="tmRoot"/>
-      </p:par>
-    </p:tnLst>
-  </p:timing>
-</p:sld>
-</file>
-
-<file path=ppt/slides/slide5.xml><?xml version="1.0" encoding="utf-8"?>
-<p:sld xmlns:a="http://schemas.openxmlformats.org/drawingml/2006/main" xmlns:r="http://schemas.openxmlformats.org/officeDocument/2006/relationships" xmlns:p="http://schemas.openxmlformats.org/presentationml/2006/main">
-  <p:cSld>
-    <p:spTree>
-      <p:nvGrpSpPr>
-        <p:cNvPr id="1" name=""/>
-        <p:cNvGrpSpPr/>
-        <p:nvPr/>
-      </p:nvGrpSpPr>
-      <p:grpSpPr>
-        <a:xfrm>
-          <a:off x="0" y="0"/>
-          <a:ext cx="0" cy="0"/>
-          <a:chOff x="0" y="0"/>
-          <a:chExt cx="0" cy="0"/>
-        </a:xfrm>
-      </p:grpSpPr>
-      <p:sp>
-        <p:nvSpPr>
-          <p:cNvPr id="2" name="Title 1"/>
-          <p:cNvSpPr>
-            <a:spLocks noGrp="1"/>
-          </p:cNvSpPr>
-          <p:nvPr>
-            <p:ph type="ctrTitle"/>
-          </p:nvPr>
-        </p:nvSpPr>
-        <p:spPr/>
-        <p:txBody>
-          <a:bodyPr>
-            <a:normAutofit fontScale="90000"/>
-          </a:bodyPr>
-          <a:lstStyle/>
-          <a:p>
-            <a:r>
-              <a:rPr lang="en-AU" dirty="0" smtClean="0"/>
-              <a:t>Ground Control Station</a:t>
-            </a:r>
-            <a:br>
-              <a:rPr lang="en-AU" dirty="0" smtClean="0"/>
-            </a:br>
-            <a:r>
-              <a:rPr lang="en-AU" dirty="0" smtClean="0"/>
-              <a:t>Flight control</a:t>
+            <a:r>
+              <a:rPr lang="en-US" dirty="0" smtClean="0"/>
+              <a:t>The Widgets</a:t>
             </a:r>
             <a:endParaRPr lang="en-US" dirty="0"/>
-          </a:p>
-        </p:txBody>
-      </p:sp>
-      <p:sp>
-        <p:nvSpPr>
-          <p:cNvPr id="3" name="Subtitle 2"/>
-          <p:cNvSpPr>
-            <a:spLocks noGrp="1"/>
-          </p:cNvSpPr>
-          <p:nvPr>
-            <p:ph type="subTitle" idx="1"/>
-          </p:nvPr>
-        </p:nvSpPr>
-        <p:spPr/>
-        <p:txBody>
-          <a:bodyPr/>
-          <a:lstStyle/>
-          <a:p>
-            <a:r>
-              <a:rPr lang="en-AU" dirty="0" smtClean="0"/>
-              <a:t>Tim Molloy</a:t>
-            </a:r>
-            <a:endParaRPr lang="en-US" dirty="0"/>
-          </a:p>
-        </p:txBody>
-      </p:sp>
-    </p:spTree>
-  </p:cSld>
-  <p:clrMapOvr>
-    <a:masterClrMapping/>
-  </p:clrMapOvr>
-  <p:timing>
-    <p:tnLst>
-      <p:par>
-        <p:cTn id="1" dur="indefinite" restart="never" nodeType="tmRoot"/>
-      </p:par>
-    </p:tnLst>
-  </p:timing>
-</p:sld>
-</file>
-
-<file path=ppt/slides/slide6.xml><?xml version="1.0" encoding="utf-8"?>
-<p:sld xmlns:a="http://schemas.openxmlformats.org/drawingml/2006/main" xmlns:r="http://schemas.openxmlformats.org/officeDocument/2006/relationships" xmlns:p="http://schemas.openxmlformats.org/presentationml/2006/main">
-  <p:cSld>
-    <p:spTree>
-      <p:nvGrpSpPr>
-        <p:cNvPr id="1" name=""/>
-        <p:cNvGrpSpPr/>
-        <p:nvPr/>
-      </p:nvGrpSpPr>
-      <p:grpSpPr>
-        <a:xfrm>
-          <a:off x="0" y="0"/>
-          <a:ext cx="0" cy="0"/>
-          <a:chOff x="0" y="0"/>
-          <a:chExt cx="0" cy="0"/>
-        </a:xfrm>
-      </p:grpSpPr>
-      <p:sp>
-        <p:nvSpPr>
-          <p:cNvPr id="2" name="Title 1"/>
-          <p:cNvSpPr>
-            <a:spLocks noGrp="1"/>
-          </p:cNvSpPr>
-          <p:nvPr>
-            <p:ph type="title"/>
-          </p:nvPr>
-        </p:nvSpPr>
-        <p:spPr/>
-        <p:txBody>
-          <a:bodyPr/>
-          <a:lstStyle/>
-          <a:p>
-            <a:r>
-              <a:rPr lang="en-AU" dirty="0" smtClean="0"/>
-              <a:t>Ground Control Station</a:t>
-            </a:r>
-            <a:endParaRPr lang="en-AU" dirty="0"/>
           </a:p>
         </p:txBody>
       </p:sp>
@@ -11711,32 +11591,244 @@
             <a:fld id="{5AEDDE57-BFB4-403C-8AD6-39A9EF93D28E}" type="slidenum">
               <a:rPr lang="en-AU" smtClean="0"/>
               <a:pPr/>
-              <a:t>6</a:t>
+              <a:t>10</a:t>
             </a:fld>
-            <a:endParaRPr lang="en-AU"/>
+            <a:endParaRPr lang="en-AU" dirty="0"/>
           </a:p>
         </p:txBody>
       </p:sp>
-      <p:graphicFrame>
-        <p:nvGraphicFramePr>
-          <p:cNvPr id="5" name="Content Placeholder 4"/>
-          <p:cNvGraphicFramePr>
-            <a:graphicFrameLocks noGrp="1"/>
-          </p:cNvGraphicFramePr>
+      <p:sp>
+        <p:nvSpPr>
+          <p:cNvPr id="4" name="Content Placeholder 3"/>
+          <p:cNvSpPr>
+            <a:spLocks noGrp="1"/>
+          </p:cNvSpPr>
           <p:nvPr>
             <p:ph sz="quarter" idx="1"/>
           </p:nvPr>
-        </p:nvGraphicFramePr>
-        <p:xfrm>
-          <a:off x="0" y="1500174"/>
-          <a:ext cx="9144000" cy="5357826"/>
-        </p:xfrm>
-        <a:graphic>
-          <a:graphicData uri="http://schemas.openxmlformats.org/drawingml/2006/diagram">
-            <dgm:relIds xmlns:dgm="http://schemas.openxmlformats.org/drawingml/2006/diagram" xmlns:r="http://schemas.openxmlformats.org/officeDocument/2006/relationships" r:dm="rId2" r:lo="rId3" r:qs="rId4" r:cs="rId5"/>
-          </a:graphicData>
-        </a:graphic>
-      </p:graphicFrame>
+        </p:nvSpPr>
+        <p:spPr/>
+        <p:txBody>
+          <a:bodyPr>
+            <a:normAutofit fontScale="92500" lnSpcReduction="20000"/>
+          </a:bodyPr>
+          <a:lstStyle/>
+          <a:p>
+            <a:r>
+              <a:rPr lang="en-US" dirty="0" err="1" smtClean="0"/>
+              <a:t>WiFi</a:t>
+            </a:r>
+            <a:r>
+              <a:rPr lang="en-US" dirty="0" smtClean="0"/>
+              <a:t> Communications</a:t>
+            </a:r>
+          </a:p>
+          <a:p>
+            <a:pPr lvl="1"/>
+            <a:r>
+              <a:rPr lang="en-US" dirty="0" smtClean="0"/>
+              <a:t>Configure, Control and Monitor </a:t>
+            </a:r>
+            <a:br>
+              <a:rPr lang="en-US" dirty="0" smtClean="0"/>
+            </a:br>
+            <a:r>
+              <a:rPr lang="en-US" dirty="0" smtClean="0"/>
+              <a:t>UDP Telemetry</a:t>
+            </a:r>
+          </a:p>
+          <a:p>
+            <a:r>
+              <a:rPr lang="en-US" dirty="0" smtClean="0"/>
+              <a:t>Received Console</a:t>
+            </a:r>
+          </a:p>
+          <a:p>
+            <a:pPr lvl="1"/>
+            <a:r>
+              <a:rPr lang="en-US" dirty="0" smtClean="0"/>
+              <a:t>Report telemetry messages and </a:t>
+            </a:r>
+            <a:br>
+              <a:rPr lang="en-US" dirty="0" smtClean="0"/>
+            </a:br>
+            <a:r>
+              <a:rPr lang="en-US" dirty="0" smtClean="0"/>
+              <a:t>enable inspection</a:t>
+            </a:r>
+          </a:p>
+          <a:p>
+            <a:r>
+              <a:rPr lang="en-US" dirty="0" smtClean="0"/>
+              <a:t>System Status</a:t>
+            </a:r>
+          </a:p>
+          <a:p>
+            <a:pPr lvl="1"/>
+            <a:r>
+              <a:rPr lang="en-US" dirty="0" smtClean="0"/>
+              <a:t>Provide visual notifications of </a:t>
+            </a:r>
+            <a:br>
+              <a:rPr lang="en-US" dirty="0" smtClean="0"/>
+            </a:br>
+            <a:r>
+              <a:rPr lang="en-US" dirty="0" smtClean="0"/>
+              <a:t>airborne system status</a:t>
+            </a:r>
+          </a:p>
+          <a:p>
+            <a:r>
+              <a:rPr lang="en-US" dirty="0" smtClean="0"/>
+              <a:t>Data Logger</a:t>
+            </a:r>
+          </a:p>
+          <a:p>
+            <a:pPr lvl="1"/>
+            <a:r>
+              <a:rPr lang="en-US" dirty="0" smtClean="0"/>
+              <a:t>CSV Log of all Received Airborne Data</a:t>
+            </a:r>
+          </a:p>
+          <a:p>
+            <a:pPr lvl="1"/>
+            <a:endParaRPr lang="en-US" dirty="0" smtClean="0"/>
+          </a:p>
+        </p:txBody>
+      </p:sp>
+      <p:pic>
+        <p:nvPicPr>
+          <p:cNvPr id="5" name="Picture 4" descr="GCS_Screenshot.png"/>
+          <p:cNvPicPr>
+            <a:picLocks noChangeAspect="1"/>
+          </p:cNvPicPr>
+          <p:nvPr/>
+        </p:nvPicPr>
+        <p:blipFill>
+          <a:blip r:embed="rId2"/>
+          <a:srcRect l="86541" t="43432" b="44915"/>
+          <a:stretch>
+            <a:fillRect/>
+          </a:stretch>
+        </p:blipFill>
+        <p:spPr>
+          <a:xfrm>
+            <a:off x="6096000" y="1752600"/>
+            <a:ext cx="2710875" cy="838200"/>
+          </a:xfrm>
+          <a:prstGeom prst="rect">
+            <a:avLst/>
+          </a:prstGeom>
+          <a:ln>
+            <a:noFill/>
+          </a:ln>
+          <a:effectLst>
+            <a:outerShdw blurRad="292100" dist="139700" dir="2700000" algn="tl" rotWithShape="0">
+              <a:srgbClr val="333333">
+                <a:alpha val="65000"/>
+              </a:srgbClr>
+            </a:outerShdw>
+          </a:effectLst>
+        </p:spPr>
+      </p:pic>
+      <p:pic>
+        <p:nvPicPr>
+          <p:cNvPr id="6" name="Picture 5" descr="GCS_Screenshot.png"/>
+          <p:cNvPicPr>
+            <a:picLocks noChangeAspect="1"/>
+          </p:cNvPicPr>
+          <p:nvPr/>
+        </p:nvPicPr>
+        <p:blipFill>
+          <a:blip r:embed="rId2"/>
+          <a:srcRect l="86541" t="55085" b="26907"/>
+          <a:stretch>
+            <a:fillRect/>
+          </a:stretch>
+        </p:blipFill>
+        <p:spPr>
+          <a:xfrm>
+            <a:off x="6096000" y="2743200"/>
+            <a:ext cx="2710875" cy="1295400"/>
+          </a:xfrm>
+          <a:prstGeom prst="rect">
+            <a:avLst/>
+          </a:prstGeom>
+          <a:ln>
+            <a:noFill/>
+          </a:ln>
+          <a:effectLst>
+            <a:outerShdw blurRad="292100" dist="139700" dir="2700000" algn="tl" rotWithShape="0">
+              <a:srgbClr val="333333">
+                <a:alpha val="65000"/>
+              </a:srgbClr>
+            </a:outerShdw>
+          </a:effectLst>
+        </p:spPr>
+      </p:pic>
+      <p:pic>
+        <p:nvPicPr>
+          <p:cNvPr id="8" name="Picture 7" descr="GCS_Screenshot.png"/>
+          <p:cNvPicPr>
+            <a:picLocks noChangeAspect="1"/>
+          </p:cNvPicPr>
+          <p:nvPr/>
+        </p:nvPicPr>
+        <p:blipFill>
+          <a:blip r:embed="rId2"/>
+          <a:srcRect l="86541" t="29661" b="56568"/>
+          <a:stretch>
+            <a:fillRect/>
+          </a:stretch>
+        </p:blipFill>
+        <p:spPr>
+          <a:xfrm>
+            <a:off x="6096000" y="4191000"/>
+            <a:ext cx="2710875" cy="990600"/>
+          </a:xfrm>
+          <a:prstGeom prst="rect">
+            <a:avLst/>
+          </a:prstGeom>
+          <a:ln>
+            <a:noFill/>
+          </a:ln>
+          <a:effectLst>
+            <a:outerShdw blurRad="292100" dist="139700" dir="2700000" algn="tl" rotWithShape="0">
+              <a:srgbClr val="333333">
+                <a:alpha val="65000"/>
+              </a:srgbClr>
+            </a:outerShdw>
+          </a:effectLst>
+        </p:spPr>
+      </p:pic>
+      <p:sp>
+        <p:nvSpPr>
+          <p:cNvPr id="9" name="Footer Placeholder 5"/>
+          <p:cNvSpPr>
+            <a:spLocks noGrp="1"/>
+          </p:cNvSpPr>
+          <p:nvPr>
+            <p:ph type="ftr" sz="quarter" idx="11"/>
+          </p:nvPr>
+        </p:nvSpPr>
+        <p:spPr>
+          <a:xfrm>
+            <a:off x="609600" y="6248206"/>
+            <a:ext cx="5421083" cy="365125"/>
+          </a:xfrm>
+        </p:spPr>
+        <p:txBody>
+          <a:bodyPr/>
+          <a:lstStyle/>
+          <a:p>
+            <a:r>
+              <a:rPr lang="en-AU" smtClean="0"/>
+              <a:t>Tim Molloy</a:t>
+            </a:r>
+            <a:endParaRPr lang="en-AU" dirty="0"/>
+          </a:p>
+        </p:txBody>
+      </p:sp>
     </p:spTree>
   </p:cSld>
   <p:clrMapOvr>
@@ -11763,7 +11855,7 @@
                             </p:stCondLst>
                             <p:childTnLst>
                               <p:par>
-                                <p:cTn id="5" presetID="10" presetClass="entr" presetSubtype="0" fill="hold" grpId="0" nodeType="clickEffect">
+                                <p:cTn id="5" presetID="10" presetClass="entr" presetSubtype="0" fill="hold" nodeType="clickEffect">
                                   <p:stCondLst>
                                     <p:cond delay="0"/>
                                   </p:stCondLst>
@@ -11776,11 +11868,7 @@
                                           </p:stCondLst>
                                         </p:cTn>
                                         <p:tgtEl>
-                                          <p:spTgt spid="5">
-                                            <p:graphicEl>
-                                              <a:dgm id="{28653E01-75C5-4902-A41D-F57AFA5B46DF}"/>
-                                            </p:graphicEl>
-                                          </p:spTgt>
+                                          <p:spTgt spid="6"/>
                                         </p:tgtEl>
                                         <p:attrNameLst>
                                           <p:attrName>style.visibility</p:attrName>
@@ -11794,54 +11882,7 @@
                                       <p:cBhvr>
                                         <p:cTn id="7" dur="1000"/>
                                         <p:tgtEl>
-                                          <p:spTgt spid="5">
-                                            <p:graphicEl>
-                                              <a:dgm id="{28653E01-75C5-4902-A41D-F57AFA5B46DF}"/>
-                                            </p:graphicEl>
-                                          </p:spTgt>
-                                        </p:tgtEl>
-                                      </p:cBhvr>
-                                    </p:animEffect>
-                                  </p:childTnLst>
-                                </p:cTn>
-                              </p:par>
-                              <p:par>
-                                <p:cTn id="8" presetID="10" presetClass="entr" presetSubtype="0" fill="hold" grpId="0" nodeType="withEffect">
-                                  <p:stCondLst>
-                                    <p:cond delay="0"/>
-                                  </p:stCondLst>
-                                  <p:childTnLst>
-                                    <p:set>
-                                      <p:cBhvr>
-                                        <p:cTn id="9" dur="1" fill="hold">
-                                          <p:stCondLst>
-                                            <p:cond delay="0"/>
-                                          </p:stCondLst>
-                                        </p:cTn>
-                                        <p:tgtEl>
-                                          <p:spTgt spid="5">
-                                            <p:graphicEl>
-                                              <a:dgm id="{13DE8248-3ABC-4A3F-AD03-ADC18D359163}"/>
-                                            </p:graphicEl>
-                                          </p:spTgt>
-                                        </p:tgtEl>
-                                        <p:attrNameLst>
-                                          <p:attrName>style.visibility</p:attrName>
-                                        </p:attrNameLst>
-                                      </p:cBhvr>
-                                      <p:to>
-                                        <p:strVal val="visible"/>
-                                      </p:to>
-                                    </p:set>
-                                    <p:animEffect transition="in" filter="fade">
-                                      <p:cBhvr>
-                                        <p:cTn id="10" dur="1000"/>
-                                        <p:tgtEl>
-                                          <p:spTgt spid="5">
-                                            <p:graphicEl>
-                                              <a:dgm id="{13DE8248-3ABC-4A3F-AD03-ADC18D359163}"/>
-                                            </p:graphicEl>
-                                          </p:spTgt>
+                                          <p:spTgt spid="6"/>
                                         </p:tgtEl>
                                       </p:cBhvr>
                                     </p:animEffect>
@@ -11855,36 +11896,32 @@
                     </p:cTn>
                   </p:par>
                   <p:par>
-                    <p:cTn id="11" fill="hold">
+                    <p:cTn id="8" fill="hold">
                       <p:stCondLst>
                         <p:cond delay="indefinite"/>
                       </p:stCondLst>
                       <p:childTnLst>
                         <p:par>
-                          <p:cTn id="12" fill="hold">
+                          <p:cTn id="9" fill="hold">
                             <p:stCondLst>
                               <p:cond delay="0"/>
                             </p:stCondLst>
                             <p:childTnLst>
                               <p:par>
-                                <p:cTn id="13" presetID="10" presetClass="entr" presetSubtype="0" fill="hold" grpId="0" nodeType="clickEffect">
+                                <p:cTn id="10" presetID="10" presetClass="entr" presetSubtype="0" fill="hold" nodeType="clickEffect">
                                   <p:stCondLst>
                                     <p:cond delay="0"/>
                                   </p:stCondLst>
                                   <p:childTnLst>
                                     <p:set>
                                       <p:cBhvr>
-                                        <p:cTn id="14" dur="1" fill="hold">
+                                        <p:cTn id="11" dur="1" fill="hold">
                                           <p:stCondLst>
                                             <p:cond delay="0"/>
                                           </p:stCondLst>
                                         </p:cTn>
                                         <p:tgtEl>
-                                          <p:spTgt spid="5">
-                                            <p:graphicEl>
-                                              <a:dgm id="{40579B4F-E567-4EF2-AAB4-184628D0B7FC}"/>
-                                            </p:graphicEl>
-                                          </p:spTgt>
+                                          <p:spTgt spid="8"/>
                                         </p:tgtEl>
                                         <p:attrNameLst>
                                           <p:attrName>style.visibility</p:attrName>
@@ -11896,1149 +11933,9 @@
                                     </p:set>
                                     <p:animEffect transition="in" filter="fade">
                                       <p:cBhvr>
-                                        <p:cTn id="15" dur="1000"/>
+                                        <p:cTn id="12" dur="1000"/>
                                         <p:tgtEl>
-                                          <p:spTgt spid="5">
-                                            <p:graphicEl>
-                                              <a:dgm id="{40579B4F-E567-4EF2-AAB4-184628D0B7FC}"/>
-                                            </p:graphicEl>
-                                          </p:spTgt>
-                                        </p:tgtEl>
-                                      </p:cBhvr>
-                                    </p:animEffect>
-                                  </p:childTnLst>
-                                </p:cTn>
-                              </p:par>
-                              <p:par>
-                                <p:cTn id="16" presetID="10" presetClass="entr" presetSubtype="0" fill="hold" grpId="0" nodeType="withEffect">
-                                  <p:stCondLst>
-                                    <p:cond delay="0"/>
-                                  </p:stCondLst>
-                                  <p:childTnLst>
-                                    <p:set>
-                                      <p:cBhvr>
-                                        <p:cTn id="17" dur="1" fill="hold">
-                                          <p:stCondLst>
-                                            <p:cond delay="0"/>
-                                          </p:stCondLst>
-                                        </p:cTn>
-                                        <p:tgtEl>
-                                          <p:spTgt spid="5">
-                                            <p:graphicEl>
-                                              <a:dgm id="{19F23D03-8BF6-4951-8480-6A3E6445FC50}"/>
-                                            </p:graphicEl>
-                                          </p:spTgt>
-                                        </p:tgtEl>
-                                        <p:attrNameLst>
-                                          <p:attrName>style.visibility</p:attrName>
-                                        </p:attrNameLst>
-                                      </p:cBhvr>
-                                      <p:to>
-                                        <p:strVal val="visible"/>
-                                      </p:to>
-                                    </p:set>
-                                    <p:animEffect transition="in" filter="fade">
-                                      <p:cBhvr>
-                                        <p:cTn id="18" dur="1000"/>
-                                        <p:tgtEl>
-                                          <p:spTgt spid="5">
-                                            <p:graphicEl>
-                                              <a:dgm id="{19F23D03-8BF6-4951-8480-6A3E6445FC50}"/>
-                                            </p:graphicEl>
-                                          </p:spTgt>
-                                        </p:tgtEl>
-                                      </p:cBhvr>
-                                    </p:animEffect>
-                                  </p:childTnLst>
-                                </p:cTn>
-                              </p:par>
-                              <p:par>
-                                <p:cTn id="19" presetID="10" presetClass="entr" presetSubtype="0" fill="hold" grpId="0" nodeType="withEffect">
-                                  <p:stCondLst>
-                                    <p:cond delay="0"/>
-                                  </p:stCondLst>
-                                  <p:childTnLst>
-                                    <p:set>
-                                      <p:cBhvr>
-                                        <p:cTn id="20" dur="1" fill="hold">
-                                          <p:stCondLst>
-                                            <p:cond delay="0"/>
-                                          </p:stCondLst>
-                                        </p:cTn>
-                                        <p:tgtEl>
-                                          <p:spTgt spid="5">
-                                            <p:graphicEl>
-                                              <a:dgm id="{A2E4BFFC-54E4-4059-8B43-72867B49C1C3}"/>
-                                            </p:graphicEl>
-                                          </p:spTgt>
-                                        </p:tgtEl>
-                                        <p:attrNameLst>
-                                          <p:attrName>style.visibility</p:attrName>
-                                        </p:attrNameLst>
-                                      </p:cBhvr>
-                                      <p:to>
-                                        <p:strVal val="visible"/>
-                                      </p:to>
-                                    </p:set>
-                                    <p:animEffect transition="in" filter="fade">
-                                      <p:cBhvr>
-                                        <p:cTn id="21" dur="1000"/>
-                                        <p:tgtEl>
-                                          <p:spTgt spid="5">
-                                            <p:graphicEl>
-                                              <a:dgm id="{A2E4BFFC-54E4-4059-8B43-72867B49C1C3}"/>
-                                            </p:graphicEl>
-                                          </p:spTgt>
-                                        </p:tgtEl>
-                                      </p:cBhvr>
-                                    </p:animEffect>
-                                  </p:childTnLst>
-                                </p:cTn>
-                              </p:par>
-                              <p:par>
-                                <p:cTn id="22" presetID="10" presetClass="entr" presetSubtype="0" fill="hold" grpId="0" nodeType="withEffect">
-                                  <p:stCondLst>
-                                    <p:cond delay="0"/>
-                                  </p:stCondLst>
-                                  <p:childTnLst>
-                                    <p:set>
-                                      <p:cBhvr>
-                                        <p:cTn id="23" dur="1" fill="hold">
-                                          <p:stCondLst>
-                                            <p:cond delay="0"/>
-                                          </p:stCondLst>
-                                        </p:cTn>
-                                        <p:tgtEl>
-                                          <p:spTgt spid="5">
-                                            <p:graphicEl>
-                                              <a:dgm id="{D4257DB1-BF09-48F3-B4D4-E52E33EE1A29}"/>
-                                            </p:graphicEl>
-                                          </p:spTgt>
-                                        </p:tgtEl>
-                                        <p:attrNameLst>
-                                          <p:attrName>style.visibility</p:attrName>
-                                        </p:attrNameLst>
-                                      </p:cBhvr>
-                                      <p:to>
-                                        <p:strVal val="visible"/>
-                                      </p:to>
-                                    </p:set>
-                                    <p:animEffect transition="in" filter="fade">
-                                      <p:cBhvr>
-                                        <p:cTn id="24" dur="1000"/>
-                                        <p:tgtEl>
-                                          <p:spTgt spid="5">
-                                            <p:graphicEl>
-                                              <a:dgm id="{D4257DB1-BF09-48F3-B4D4-E52E33EE1A29}"/>
-                                            </p:graphicEl>
-                                          </p:spTgt>
-                                        </p:tgtEl>
-                                      </p:cBhvr>
-                                    </p:animEffect>
-                                  </p:childTnLst>
-                                </p:cTn>
-                              </p:par>
-                              <p:par>
-                                <p:cTn id="25" presetID="10" presetClass="entr" presetSubtype="0" fill="hold" grpId="0" nodeType="withEffect">
-                                  <p:stCondLst>
-                                    <p:cond delay="0"/>
-                                  </p:stCondLst>
-                                  <p:childTnLst>
-                                    <p:set>
-                                      <p:cBhvr>
-                                        <p:cTn id="26" dur="1" fill="hold">
-                                          <p:stCondLst>
-                                            <p:cond delay="0"/>
-                                          </p:stCondLst>
-                                        </p:cTn>
-                                        <p:tgtEl>
-                                          <p:spTgt spid="5">
-                                            <p:graphicEl>
-                                              <a:dgm id="{0B52177F-1D4B-4A19-8405-1161C755AD0A}"/>
-                                            </p:graphicEl>
-                                          </p:spTgt>
-                                        </p:tgtEl>
-                                        <p:attrNameLst>
-                                          <p:attrName>style.visibility</p:attrName>
-                                        </p:attrNameLst>
-                                      </p:cBhvr>
-                                      <p:to>
-                                        <p:strVal val="visible"/>
-                                      </p:to>
-                                    </p:set>
-                                    <p:animEffect transition="in" filter="fade">
-                                      <p:cBhvr>
-                                        <p:cTn id="27" dur="1000"/>
-                                        <p:tgtEl>
-                                          <p:spTgt spid="5">
-                                            <p:graphicEl>
-                                              <a:dgm id="{0B52177F-1D4B-4A19-8405-1161C755AD0A}"/>
-                                            </p:graphicEl>
-                                          </p:spTgt>
-                                        </p:tgtEl>
-                                      </p:cBhvr>
-                                    </p:animEffect>
-                                  </p:childTnLst>
-                                </p:cTn>
-                              </p:par>
-                              <p:par>
-                                <p:cTn id="28" presetID="10" presetClass="entr" presetSubtype="0" fill="hold" grpId="0" nodeType="withEffect">
-                                  <p:stCondLst>
-                                    <p:cond delay="0"/>
-                                  </p:stCondLst>
-                                  <p:childTnLst>
-                                    <p:set>
-                                      <p:cBhvr>
-                                        <p:cTn id="29" dur="1" fill="hold">
-                                          <p:stCondLst>
-                                            <p:cond delay="0"/>
-                                          </p:stCondLst>
-                                        </p:cTn>
-                                        <p:tgtEl>
-                                          <p:spTgt spid="5">
-                                            <p:graphicEl>
-                                              <a:dgm id="{990047FC-FE34-412F-856D-27FA8B11D464}"/>
-                                            </p:graphicEl>
-                                          </p:spTgt>
-                                        </p:tgtEl>
-                                        <p:attrNameLst>
-                                          <p:attrName>style.visibility</p:attrName>
-                                        </p:attrNameLst>
-                                      </p:cBhvr>
-                                      <p:to>
-                                        <p:strVal val="visible"/>
-                                      </p:to>
-                                    </p:set>
-                                    <p:animEffect transition="in" filter="fade">
-                                      <p:cBhvr>
-                                        <p:cTn id="30" dur="1000"/>
-                                        <p:tgtEl>
-                                          <p:spTgt spid="5">
-                                            <p:graphicEl>
-                                              <a:dgm id="{990047FC-FE34-412F-856D-27FA8B11D464}"/>
-                                            </p:graphicEl>
-                                          </p:spTgt>
-                                        </p:tgtEl>
-                                      </p:cBhvr>
-                                    </p:animEffect>
-                                  </p:childTnLst>
-                                </p:cTn>
-                              </p:par>
-                              <p:par>
-                                <p:cTn id="31" presetID="10" presetClass="entr" presetSubtype="0" fill="hold" grpId="0" nodeType="withEffect">
-                                  <p:stCondLst>
-                                    <p:cond delay="0"/>
-                                  </p:stCondLst>
-                                  <p:childTnLst>
-                                    <p:set>
-                                      <p:cBhvr>
-                                        <p:cTn id="32" dur="1" fill="hold">
-                                          <p:stCondLst>
-                                            <p:cond delay="0"/>
-                                          </p:stCondLst>
-                                        </p:cTn>
-                                        <p:tgtEl>
-                                          <p:spTgt spid="5">
-                                            <p:graphicEl>
-                                              <a:dgm id="{101E350F-E4C7-4BF3-ADB7-490FC3EE8992}"/>
-                                            </p:graphicEl>
-                                          </p:spTgt>
-                                        </p:tgtEl>
-                                        <p:attrNameLst>
-                                          <p:attrName>style.visibility</p:attrName>
-                                        </p:attrNameLst>
-                                      </p:cBhvr>
-                                      <p:to>
-                                        <p:strVal val="visible"/>
-                                      </p:to>
-                                    </p:set>
-                                    <p:animEffect transition="in" filter="fade">
-                                      <p:cBhvr>
-                                        <p:cTn id="33" dur="1000"/>
-                                        <p:tgtEl>
-                                          <p:spTgt spid="5">
-                                            <p:graphicEl>
-                                              <a:dgm id="{101E350F-E4C7-4BF3-ADB7-490FC3EE8992}"/>
-                                            </p:graphicEl>
-                                          </p:spTgt>
-                                        </p:tgtEl>
-                                      </p:cBhvr>
-                                    </p:animEffect>
-                                  </p:childTnLst>
-                                </p:cTn>
-                              </p:par>
-                              <p:par>
-                                <p:cTn id="34" presetID="10" presetClass="entr" presetSubtype="0" fill="hold" grpId="0" nodeType="withEffect">
-                                  <p:stCondLst>
-                                    <p:cond delay="0"/>
-                                  </p:stCondLst>
-                                  <p:childTnLst>
-                                    <p:set>
-                                      <p:cBhvr>
-                                        <p:cTn id="35" dur="1" fill="hold">
-                                          <p:stCondLst>
-                                            <p:cond delay="0"/>
-                                          </p:stCondLst>
-                                        </p:cTn>
-                                        <p:tgtEl>
-                                          <p:spTgt spid="5">
-                                            <p:graphicEl>
-                                              <a:dgm id="{6AE375A7-73AB-49F1-B829-4D2FDBE8636A}"/>
-                                            </p:graphicEl>
-                                          </p:spTgt>
-                                        </p:tgtEl>
-                                        <p:attrNameLst>
-                                          <p:attrName>style.visibility</p:attrName>
-                                        </p:attrNameLst>
-                                      </p:cBhvr>
-                                      <p:to>
-                                        <p:strVal val="visible"/>
-                                      </p:to>
-                                    </p:set>
-                                    <p:animEffect transition="in" filter="fade">
-                                      <p:cBhvr>
-                                        <p:cTn id="36" dur="1000"/>
-                                        <p:tgtEl>
-                                          <p:spTgt spid="5">
-                                            <p:graphicEl>
-                                              <a:dgm id="{6AE375A7-73AB-49F1-B829-4D2FDBE8636A}"/>
-                                            </p:graphicEl>
-                                          </p:spTgt>
-                                        </p:tgtEl>
-                                      </p:cBhvr>
-                                    </p:animEffect>
-                                  </p:childTnLst>
-                                </p:cTn>
-                              </p:par>
-                              <p:par>
-                                <p:cTn id="37" presetID="10" presetClass="entr" presetSubtype="0" fill="hold" grpId="0" nodeType="withEffect">
-                                  <p:stCondLst>
-                                    <p:cond delay="0"/>
-                                  </p:stCondLst>
-                                  <p:childTnLst>
-                                    <p:set>
-                                      <p:cBhvr>
-                                        <p:cTn id="38" dur="1" fill="hold">
-                                          <p:stCondLst>
-                                            <p:cond delay="0"/>
-                                          </p:stCondLst>
-                                        </p:cTn>
-                                        <p:tgtEl>
-                                          <p:spTgt spid="5">
-                                            <p:graphicEl>
-                                              <a:dgm id="{21B3CAD0-4C72-4929-B3EF-083EF8BADEF0}"/>
-                                            </p:graphicEl>
-                                          </p:spTgt>
-                                        </p:tgtEl>
-                                        <p:attrNameLst>
-                                          <p:attrName>style.visibility</p:attrName>
-                                        </p:attrNameLst>
-                                      </p:cBhvr>
-                                      <p:to>
-                                        <p:strVal val="visible"/>
-                                      </p:to>
-                                    </p:set>
-                                    <p:animEffect transition="in" filter="fade">
-                                      <p:cBhvr>
-                                        <p:cTn id="39" dur="1000"/>
-                                        <p:tgtEl>
-                                          <p:spTgt spid="5">
-                                            <p:graphicEl>
-                                              <a:dgm id="{21B3CAD0-4C72-4929-B3EF-083EF8BADEF0}"/>
-                                            </p:graphicEl>
-                                          </p:spTgt>
-                                        </p:tgtEl>
-                                      </p:cBhvr>
-                                    </p:animEffect>
-                                  </p:childTnLst>
-                                </p:cTn>
-                              </p:par>
-                              <p:par>
-                                <p:cTn id="40" presetID="10" presetClass="entr" presetSubtype="0" fill="hold" grpId="0" nodeType="withEffect">
-                                  <p:stCondLst>
-                                    <p:cond delay="0"/>
-                                  </p:stCondLst>
-                                  <p:childTnLst>
-                                    <p:set>
-                                      <p:cBhvr>
-                                        <p:cTn id="41" dur="1" fill="hold">
-                                          <p:stCondLst>
-                                            <p:cond delay="0"/>
-                                          </p:stCondLst>
-                                        </p:cTn>
-                                        <p:tgtEl>
-                                          <p:spTgt spid="5">
-                                            <p:graphicEl>
-                                              <a:dgm id="{438A48BA-BE3C-41CB-BFDC-24787B99FD99}"/>
-                                            </p:graphicEl>
-                                          </p:spTgt>
-                                        </p:tgtEl>
-                                        <p:attrNameLst>
-                                          <p:attrName>style.visibility</p:attrName>
-                                        </p:attrNameLst>
-                                      </p:cBhvr>
-                                      <p:to>
-                                        <p:strVal val="visible"/>
-                                      </p:to>
-                                    </p:set>
-                                    <p:animEffect transition="in" filter="fade">
-                                      <p:cBhvr>
-                                        <p:cTn id="42" dur="1000"/>
-                                        <p:tgtEl>
-                                          <p:spTgt spid="5">
-                                            <p:graphicEl>
-                                              <a:dgm id="{438A48BA-BE3C-41CB-BFDC-24787B99FD99}"/>
-                                            </p:graphicEl>
-                                          </p:spTgt>
-                                        </p:tgtEl>
-                                      </p:cBhvr>
-                                    </p:animEffect>
-                                  </p:childTnLst>
-                                </p:cTn>
-                              </p:par>
-                              <p:par>
-                                <p:cTn id="43" presetID="10" presetClass="entr" presetSubtype="0" fill="hold" grpId="0" nodeType="withEffect">
-                                  <p:stCondLst>
-                                    <p:cond delay="0"/>
-                                  </p:stCondLst>
-                                  <p:childTnLst>
-                                    <p:set>
-                                      <p:cBhvr>
-                                        <p:cTn id="44" dur="1" fill="hold">
-                                          <p:stCondLst>
-                                            <p:cond delay="0"/>
-                                          </p:stCondLst>
-                                        </p:cTn>
-                                        <p:tgtEl>
-                                          <p:spTgt spid="5">
-                                            <p:graphicEl>
-                                              <a:dgm id="{DE2CE76A-021B-48FF-ADC6-527C0AFD40FA}"/>
-                                            </p:graphicEl>
-                                          </p:spTgt>
-                                        </p:tgtEl>
-                                        <p:attrNameLst>
-                                          <p:attrName>style.visibility</p:attrName>
-                                        </p:attrNameLst>
-                                      </p:cBhvr>
-                                      <p:to>
-                                        <p:strVal val="visible"/>
-                                      </p:to>
-                                    </p:set>
-                                    <p:animEffect transition="in" filter="fade">
-                                      <p:cBhvr>
-                                        <p:cTn id="45" dur="1000"/>
-                                        <p:tgtEl>
-                                          <p:spTgt spid="5">
-                                            <p:graphicEl>
-                                              <a:dgm id="{DE2CE76A-021B-48FF-ADC6-527C0AFD40FA}"/>
-                                            </p:graphicEl>
-                                          </p:spTgt>
-                                        </p:tgtEl>
-                                      </p:cBhvr>
-                                    </p:animEffect>
-                                  </p:childTnLst>
-                                </p:cTn>
-                              </p:par>
-                              <p:par>
-                                <p:cTn id="46" presetID="10" presetClass="entr" presetSubtype="0" fill="hold" grpId="0" nodeType="withEffect">
-                                  <p:stCondLst>
-                                    <p:cond delay="0"/>
-                                  </p:stCondLst>
-                                  <p:childTnLst>
-                                    <p:set>
-                                      <p:cBhvr>
-                                        <p:cTn id="47" dur="1" fill="hold">
-                                          <p:stCondLst>
-                                            <p:cond delay="0"/>
-                                          </p:stCondLst>
-                                        </p:cTn>
-                                        <p:tgtEl>
-                                          <p:spTgt spid="5">
-                                            <p:graphicEl>
-                                              <a:dgm id="{346DBF57-47DC-428D-BA10-FC669D6F573D}"/>
-                                            </p:graphicEl>
-                                          </p:spTgt>
-                                        </p:tgtEl>
-                                        <p:attrNameLst>
-                                          <p:attrName>style.visibility</p:attrName>
-                                        </p:attrNameLst>
-                                      </p:cBhvr>
-                                      <p:to>
-                                        <p:strVal val="visible"/>
-                                      </p:to>
-                                    </p:set>
-                                    <p:animEffect transition="in" filter="fade">
-                                      <p:cBhvr>
-                                        <p:cTn id="48" dur="1000"/>
-                                        <p:tgtEl>
-                                          <p:spTgt spid="5">
-                                            <p:graphicEl>
-                                              <a:dgm id="{346DBF57-47DC-428D-BA10-FC669D6F573D}"/>
-                                            </p:graphicEl>
-                                          </p:spTgt>
-                                        </p:tgtEl>
-                                      </p:cBhvr>
-                                    </p:animEffect>
-                                  </p:childTnLst>
-                                </p:cTn>
-                              </p:par>
-                              <p:par>
-                                <p:cTn id="49" presetID="10" presetClass="entr" presetSubtype="0" fill="hold" grpId="0" nodeType="withEffect">
-                                  <p:stCondLst>
-                                    <p:cond delay="0"/>
-                                  </p:stCondLst>
-                                  <p:childTnLst>
-                                    <p:set>
-                                      <p:cBhvr>
-                                        <p:cTn id="50" dur="1" fill="hold">
-                                          <p:stCondLst>
-                                            <p:cond delay="0"/>
-                                          </p:stCondLst>
-                                        </p:cTn>
-                                        <p:tgtEl>
-                                          <p:spTgt spid="5">
-                                            <p:graphicEl>
-                                              <a:dgm id="{28E44A12-6007-483E-B7A1-84CB92B79126}"/>
-                                            </p:graphicEl>
-                                          </p:spTgt>
-                                        </p:tgtEl>
-                                        <p:attrNameLst>
-                                          <p:attrName>style.visibility</p:attrName>
-                                        </p:attrNameLst>
-                                      </p:cBhvr>
-                                      <p:to>
-                                        <p:strVal val="visible"/>
-                                      </p:to>
-                                    </p:set>
-                                    <p:animEffect transition="in" filter="fade">
-                                      <p:cBhvr>
-                                        <p:cTn id="51" dur="1000"/>
-                                        <p:tgtEl>
-                                          <p:spTgt spid="5">
-                                            <p:graphicEl>
-                                              <a:dgm id="{28E44A12-6007-483E-B7A1-84CB92B79126}"/>
-                                            </p:graphicEl>
-                                          </p:spTgt>
-                                        </p:tgtEl>
-                                      </p:cBhvr>
-                                    </p:animEffect>
-                                  </p:childTnLst>
-                                </p:cTn>
-                              </p:par>
-                              <p:par>
-                                <p:cTn id="52" presetID="10" presetClass="entr" presetSubtype="0" fill="hold" grpId="0" nodeType="withEffect">
-                                  <p:stCondLst>
-                                    <p:cond delay="0"/>
-                                  </p:stCondLst>
-                                  <p:childTnLst>
-                                    <p:set>
-                                      <p:cBhvr>
-                                        <p:cTn id="53" dur="1" fill="hold">
-                                          <p:stCondLst>
-                                            <p:cond delay="0"/>
-                                          </p:stCondLst>
-                                        </p:cTn>
-                                        <p:tgtEl>
-                                          <p:spTgt spid="5">
-                                            <p:graphicEl>
-                                              <a:dgm id="{65A4CEF1-9E69-4A11-AC9E-DDA85ABACC76}"/>
-                                            </p:graphicEl>
-                                          </p:spTgt>
-                                        </p:tgtEl>
-                                        <p:attrNameLst>
-                                          <p:attrName>style.visibility</p:attrName>
-                                        </p:attrNameLst>
-                                      </p:cBhvr>
-                                      <p:to>
-                                        <p:strVal val="visible"/>
-                                      </p:to>
-                                    </p:set>
-                                    <p:animEffect transition="in" filter="fade">
-                                      <p:cBhvr>
-                                        <p:cTn id="54" dur="1000"/>
-                                        <p:tgtEl>
-                                          <p:spTgt spid="5">
-                                            <p:graphicEl>
-                                              <a:dgm id="{65A4CEF1-9E69-4A11-AC9E-DDA85ABACC76}"/>
-                                            </p:graphicEl>
-                                          </p:spTgt>
-                                        </p:tgtEl>
-                                      </p:cBhvr>
-                                    </p:animEffect>
-                                  </p:childTnLst>
-                                </p:cTn>
-                              </p:par>
-                              <p:par>
-                                <p:cTn id="55" presetID="10" presetClass="entr" presetSubtype="0" fill="hold" grpId="0" nodeType="withEffect">
-                                  <p:stCondLst>
-                                    <p:cond delay="0"/>
-                                  </p:stCondLst>
-                                  <p:childTnLst>
-                                    <p:set>
-                                      <p:cBhvr>
-                                        <p:cTn id="56" dur="1" fill="hold">
-                                          <p:stCondLst>
-                                            <p:cond delay="0"/>
-                                          </p:stCondLst>
-                                        </p:cTn>
-                                        <p:tgtEl>
-                                          <p:spTgt spid="5">
-                                            <p:graphicEl>
-                                              <a:dgm id="{9FC48C7E-F9E6-4D07-9284-73B4535FB69F}"/>
-                                            </p:graphicEl>
-                                          </p:spTgt>
-                                        </p:tgtEl>
-                                        <p:attrNameLst>
-                                          <p:attrName>style.visibility</p:attrName>
-                                        </p:attrNameLst>
-                                      </p:cBhvr>
-                                      <p:to>
-                                        <p:strVal val="visible"/>
-                                      </p:to>
-                                    </p:set>
-                                    <p:animEffect transition="in" filter="fade">
-                                      <p:cBhvr>
-                                        <p:cTn id="57" dur="1000"/>
-                                        <p:tgtEl>
-                                          <p:spTgt spid="5">
-                                            <p:graphicEl>
-                                              <a:dgm id="{9FC48C7E-F9E6-4D07-9284-73B4535FB69F}"/>
-                                            </p:graphicEl>
-                                          </p:spTgt>
-                                        </p:tgtEl>
-                                      </p:cBhvr>
-                                    </p:animEffect>
-                                  </p:childTnLst>
-                                </p:cTn>
-                              </p:par>
-                            </p:childTnLst>
-                          </p:cTn>
-                        </p:par>
-                      </p:childTnLst>
-                    </p:cTn>
-                  </p:par>
-                  <p:par>
-                    <p:cTn id="58" fill="hold">
-                      <p:stCondLst>
-                        <p:cond delay="indefinite"/>
-                      </p:stCondLst>
-                      <p:childTnLst>
-                        <p:par>
-                          <p:cTn id="59" fill="hold">
-                            <p:stCondLst>
-                              <p:cond delay="0"/>
-                            </p:stCondLst>
-                            <p:childTnLst>
-                              <p:par>
-                                <p:cTn id="60" presetID="10" presetClass="entr" presetSubtype="0" fill="hold" grpId="0" nodeType="clickEffect">
-                                  <p:stCondLst>
-                                    <p:cond delay="0"/>
-                                  </p:stCondLst>
-                                  <p:childTnLst>
-                                    <p:set>
-                                      <p:cBhvr>
-                                        <p:cTn id="61" dur="1" fill="hold">
-                                          <p:stCondLst>
-                                            <p:cond delay="0"/>
-                                          </p:stCondLst>
-                                        </p:cTn>
-                                        <p:tgtEl>
-                                          <p:spTgt spid="5">
-                                            <p:graphicEl>
-                                              <a:dgm id="{710EB467-078C-4231-A267-B1D7C9B1F13E}"/>
-                                            </p:graphicEl>
-                                          </p:spTgt>
-                                        </p:tgtEl>
-                                        <p:attrNameLst>
-                                          <p:attrName>style.visibility</p:attrName>
-                                        </p:attrNameLst>
-                                      </p:cBhvr>
-                                      <p:to>
-                                        <p:strVal val="visible"/>
-                                      </p:to>
-                                    </p:set>
-                                    <p:animEffect transition="in" filter="fade">
-                                      <p:cBhvr>
-                                        <p:cTn id="62" dur="1000"/>
-                                        <p:tgtEl>
-                                          <p:spTgt spid="5">
-                                            <p:graphicEl>
-                                              <a:dgm id="{710EB467-078C-4231-A267-B1D7C9B1F13E}"/>
-                                            </p:graphicEl>
-                                          </p:spTgt>
-                                        </p:tgtEl>
-                                      </p:cBhvr>
-                                    </p:animEffect>
-                                  </p:childTnLst>
-                                </p:cTn>
-                              </p:par>
-                              <p:par>
-                                <p:cTn id="63" presetID="10" presetClass="entr" presetSubtype="0" fill="hold" grpId="0" nodeType="withEffect">
-                                  <p:stCondLst>
-                                    <p:cond delay="0"/>
-                                  </p:stCondLst>
-                                  <p:childTnLst>
-                                    <p:set>
-                                      <p:cBhvr>
-                                        <p:cTn id="64" dur="1" fill="hold">
-                                          <p:stCondLst>
-                                            <p:cond delay="0"/>
-                                          </p:stCondLst>
-                                        </p:cTn>
-                                        <p:tgtEl>
-                                          <p:spTgt spid="5">
-                                            <p:graphicEl>
-                                              <a:dgm id="{6CF7E842-D99E-438B-8582-4E11BA51C9A5}"/>
-                                            </p:graphicEl>
-                                          </p:spTgt>
-                                        </p:tgtEl>
-                                        <p:attrNameLst>
-                                          <p:attrName>style.visibility</p:attrName>
-                                        </p:attrNameLst>
-                                      </p:cBhvr>
-                                      <p:to>
-                                        <p:strVal val="visible"/>
-                                      </p:to>
-                                    </p:set>
-                                    <p:animEffect transition="in" filter="fade">
-                                      <p:cBhvr>
-                                        <p:cTn id="65" dur="1000"/>
-                                        <p:tgtEl>
-                                          <p:spTgt spid="5">
-                                            <p:graphicEl>
-                                              <a:dgm id="{6CF7E842-D99E-438B-8582-4E11BA51C9A5}"/>
-                                            </p:graphicEl>
-                                          </p:spTgt>
-                                        </p:tgtEl>
-                                      </p:cBhvr>
-                                    </p:animEffect>
-                                  </p:childTnLst>
-                                </p:cTn>
-                              </p:par>
-                              <p:par>
-                                <p:cTn id="66" presetID="10" presetClass="entr" presetSubtype="0" fill="hold" grpId="0" nodeType="withEffect">
-                                  <p:stCondLst>
-                                    <p:cond delay="0"/>
-                                  </p:stCondLst>
-                                  <p:childTnLst>
-                                    <p:set>
-                                      <p:cBhvr>
-                                        <p:cTn id="67" dur="1" fill="hold">
-                                          <p:stCondLst>
-                                            <p:cond delay="0"/>
-                                          </p:stCondLst>
-                                        </p:cTn>
-                                        <p:tgtEl>
-                                          <p:spTgt spid="5">
-                                            <p:graphicEl>
-                                              <a:dgm id="{F3F5545F-55CB-4656-98D1-45B40A1457A0}"/>
-                                            </p:graphicEl>
-                                          </p:spTgt>
-                                        </p:tgtEl>
-                                        <p:attrNameLst>
-                                          <p:attrName>style.visibility</p:attrName>
-                                        </p:attrNameLst>
-                                      </p:cBhvr>
-                                      <p:to>
-                                        <p:strVal val="visible"/>
-                                      </p:to>
-                                    </p:set>
-                                    <p:animEffect transition="in" filter="fade">
-                                      <p:cBhvr>
-                                        <p:cTn id="68" dur="1000"/>
-                                        <p:tgtEl>
-                                          <p:spTgt spid="5">
-                                            <p:graphicEl>
-                                              <a:dgm id="{F3F5545F-55CB-4656-98D1-45B40A1457A0}"/>
-                                            </p:graphicEl>
-                                          </p:spTgt>
-                                        </p:tgtEl>
-                                      </p:cBhvr>
-                                    </p:animEffect>
-                                  </p:childTnLst>
-                                </p:cTn>
-                              </p:par>
-                              <p:par>
-                                <p:cTn id="69" presetID="10" presetClass="entr" presetSubtype="0" fill="hold" grpId="0" nodeType="withEffect">
-                                  <p:stCondLst>
-                                    <p:cond delay="0"/>
-                                  </p:stCondLst>
-                                  <p:childTnLst>
-                                    <p:set>
-                                      <p:cBhvr>
-                                        <p:cTn id="70" dur="1" fill="hold">
-                                          <p:stCondLst>
-                                            <p:cond delay="0"/>
-                                          </p:stCondLst>
-                                        </p:cTn>
-                                        <p:tgtEl>
-                                          <p:spTgt spid="5">
-                                            <p:graphicEl>
-                                              <a:dgm id="{B8787FBF-37EE-416F-AB6F-A59B3264D32C}"/>
-                                            </p:graphicEl>
-                                          </p:spTgt>
-                                        </p:tgtEl>
-                                        <p:attrNameLst>
-                                          <p:attrName>style.visibility</p:attrName>
-                                        </p:attrNameLst>
-                                      </p:cBhvr>
-                                      <p:to>
-                                        <p:strVal val="visible"/>
-                                      </p:to>
-                                    </p:set>
-                                    <p:animEffect transition="in" filter="fade">
-                                      <p:cBhvr>
-                                        <p:cTn id="71" dur="1000"/>
-                                        <p:tgtEl>
-                                          <p:spTgt spid="5">
-                                            <p:graphicEl>
-                                              <a:dgm id="{B8787FBF-37EE-416F-AB6F-A59B3264D32C}"/>
-                                            </p:graphicEl>
-                                          </p:spTgt>
-                                        </p:tgtEl>
-                                      </p:cBhvr>
-                                    </p:animEffect>
-                                  </p:childTnLst>
-                                </p:cTn>
-                              </p:par>
-                              <p:par>
-                                <p:cTn id="72" presetID="10" presetClass="entr" presetSubtype="0" fill="hold" grpId="0" nodeType="withEffect">
-                                  <p:stCondLst>
-                                    <p:cond delay="0"/>
-                                  </p:stCondLst>
-                                  <p:childTnLst>
-                                    <p:set>
-                                      <p:cBhvr>
-                                        <p:cTn id="73" dur="1" fill="hold">
-                                          <p:stCondLst>
-                                            <p:cond delay="0"/>
-                                          </p:stCondLst>
-                                        </p:cTn>
-                                        <p:tgtEl>
-                                          <p:spTgt spid="5">
-                                            <p:graphicEl>
-                                              <a:dgm id="{85D19B33-BF8E-40DB-9187-0B8E9B69B14B}"/>
-                                            </p:graphicEl>
-                                          </p:spTgt>
-                                        </p:tgtEl>
-                                        <p:attrNameLst>
-                                          <p:attrName>style.visibility</p:attrName>
-                                        </p:attrNameLst>
-                                      </p:cBhvr>
-                                      <p:to>
-                                        <p:strVal val="visible"/>
-                                      </p:to>
-                                    </p:set>
-                                    <p:animEffect transition="in" filter="fade">
-                                      <p:cBhvr>
-                                        <p:cTn id="74" dur="1000"/>
-                                        <p:tgtEl>
-                                          <p:spTgt spid="5">
-                                            <p:graphicEl>
-                                              <a:dgm id="{85D19B33-BF8E-40DB-9187-0B8E9B69B14B}"/>
-                                            </p:graphicEl>
-                                          </p:spTgt>
-                                        </p:tgtEl>
-                                      </p:cBhvr>
-                                    </p:animEffect>
-                                  </p:childTnLst>
-                                </p:cTn>
-                              </p:par>
-                              <p:par>
-                                <p:cTn id="75" presetID="10" presetClass="entr" presetSubtype="0" fill="hold" grpId="0" nodeType="withEffect">
-                                  <p:stCondLst>
-                                    <p:cond delay="0"/>
-                                  </p:stCondLst>
-                                  <p:childTnLst>
-                                    <p:set>
-                                      <p:cBhvr>
-                                        <p:cTn id="76" dur="1" fill="hold">
-                                          <p:stCondLst>
-                                            <p:cond delay="0"/>
-                                          </p:stCondLst>
-                                        </p:cTn>
-                                        <p:tgtEl>
-                                          <p:spTgt spid="5">
-                                            <p:graphicEl>
-                                              <a:dgm id="{1F7F17F4-EE9B-402F-A755-AE101A6AF6DC}"/>
-                                            </p:graphicEl>
-                                          </p:spTgt>
-                                        </p:tgtEl>
-                                        <p:attrNameLst>
-                                          <p:attrName>style.visibility</p:attrName>
-                                        </p:attrNameLst>
-                                      </p:cBhvr>
-                                      <p:to>
-                                        <p:strVal val="visible"/>
-                                      </p:to>
-                                    </p:set>
-                                    <p:animEffect transition="in" filter="fade">
-                                      <p:cBhvr>
-                                        <p:cTn id="77" dur="1000"/>
-                                        <p:tgtEl>
-                                          <p:spTgt spid="5">
-                                            <p:graphicEl>
-                                              <a:dgm id="{1F7F17F4-EE9B-402F-A755-AE101A6AF6DC}"/>
-                                            </p:graphicEl>
-                                          </p:spTgt>
-                                        </p:tgtEl>
-                                      </p:cBhvr>
-                                    </p:animEffect>
-                                  </p:childTnLst>
-                                </p:cTn>
-                              </p:par>
-                              <p:par>
-                                <p:cTn id="78" presetID="10" presetClass="entr" presetSubtype="0" fill="hold" grpId="0" nodeType="withEffect">
-                                  <p:stCondLst>
-                                    <p:cond delay="0"/>
-                                  </p:stCondLst>
-                                  <p:childTnLst>
-                                    <p:set>
-                                      <p:cBhvr>
-                                        <p:cTn id="79" dur="1" fill="hold">
-                                          <p:stCondLst>
-                                            <p:cond delay="0"/>
-                                          </p:stCondLst>
-                                        </p:cTn>
-                                        <p:tgtEl>
-                                          <p:spTgt spid="5">
-                                            <p:graphicEl>
-                                              <a:dgm id="{018AC6DC-D462-42C5-8AE1-8013AF4B0CAF}"/>
-                                            </p:graphicEl>
-                                          </p:spTgt>
-                                        </p:tgtEl>
-                                        <p:attrNameLst>
-                                          <p:attrName>style.visibility</p:attrName>
-                                        </p:attrNameLst>
-                                      </p:cBhvr>
-                                      <p:to>
-                                        <p:strVal val="visible"/>
-                                      </p:to>
-                                    </p:set>
-                                    <p:animEffect transition="in" filter="fade">
-                                      <p:cBhvr>
-                                        <p:cTn id="80" dur="1000"/>
-                                        <p:tgtEl>
-                                          <p:spTgt spid="5">
-                                            <p:graphicEl>
-                                              <a:dgm id="{018AC6DC-D462-42C5-8AE1-8013AF4B0CAF}"/>
-                                            </p:graphicEl>
-                                          </p:spTgt>
-                                        </p:tgtEl>
-                                      </p:cBhvr>
-                                    </p:animEffect>
-                                  </p:childTnLst>
-                                </p:cTn>
-                              </p:par>
-                              <p:par>
-                                <p:cTn id="81" presetID="10" presetClass="entr" presetSubtype="0" fill="hold" grpId="0" nodeType="withEffect">
-                                  <p:stCondLst>
-                                    <p:cond delay="0"/>
-                                  </p:stCondLst>
-                                  <p:childTnLst>
-                                    <p:set>
-                                      <p:cBhvr>
-                                        <p:cTn id="82" dur="1" fill="hold">
-                                          <p:stCondLst>
-                                            <p:cond delay="0"/>
-                                          </p:stCondLst>
-                                        </p:cTn>
-                                        <p:tgtEl>
-                                          <p:spTgt spid="5">
-                                            <p:graphicEl>
-                                              <a:dgm id="{A3ED9CF9-D2F1-44A2-A183-64283D9B7D63}"/>
-                                            </p:graphicEl>
-                                          </p:spTgt>
-                                        </p:tgtEl>
-                                        <p:attrNameLst>
-                                          <p:attrName>style.visibility</p:attrName>
-                                        </p:attrNameLst>
-                                      </p:cBhvr>
-                                      <p:to>
-                                        <p:strVal val="visible"/>
-                                      </p:to>
-                                    </p:set>
-                                    <p:animEffect transition="in" filter="fade">
-                                      <p:cBhvr>
-                                        <p:cTn id="83" dur="1000"/>
-                                        <p:tgtEl>
-                                          <p:spTgt spid="5">
-                                            <p:graphicEl>
-                                              <a:dgm id="{A3ED9CF9-D2F1-44A2-A183-64283D9B7D63}"/>
-                                            </p:graphicEl>
-                                          </p:spTgt>
-                                        </p:tgtEl>
-                                      </p:cBhvr>
-                                    </p:animEffect>
-                                  </p:childTnLst>
-                                </p:cTn>
-                              </p:par>
-                              <p:par>
-                                <p:cTn id="84" presetID="10" presetClass="entr" presetSubtype="0" fill="hold" grpId="0" nodeType="withEffect">
-                                  <p:stCondLst>
-                                    <p:cond delay="0"/>
-                                  </p:stCondLst>
-                                  <p:childTnLst>
-                                    <p:set>
-                                      <p:cBhvr>
-                                        <p:cTn id="85" dur="1" fill="hold">
-                                          <p:stCondLst>
-                                            <p:cond delay="0"/>
-                                          </p:stCondLst>
-                                        </p:cTn>
-                                        <p:tgtEl>
-                                          <p:spTgt spid="5">
-                                            <p:graphicEl>
-                                              <a:dgm id="{64D60078-3F06-4E4E-9D0A-FEEBA4CE41E5}"/>
-                                            </p:graphicEl>
-                                          </p:spTgt>
-                                        </p:tgtEl>
-                                        <p:attrNameLst>
-                                          <p:attrName>style.visibility</p:attrName>
-                                        </p:attrNameLst>
-                                      </p:cBhvr>
-                                      <p:to>
-                                        <p:strVal val="visible"/>
-                                      </p:to>
-                                    </p:set>
-                                    <p:animEffect transition="in" filter="fade">
-                                      <p:cBhvr>
-                                        <p:cTn id="86" dur="1000"/>
-                                        <p:tgtEl>
-                                          <p:spTgt spid="5">
-                                            <p:graphicEl>
-                                              <a:dgm id="{64D60078-3F06-4E4E-9D0A-FEEBA4CE41E5}"/>
-                                            </p:graphicEl>
-                                          </p:spTgt>
-                                        </p:tgtEl>
-                                      </p:cBhvr>
-                                    </p:animEffect>
-                                  </p:childTnLst>
-                                </p:cTn>
-                              </p:par>
-                              <p:par>
-                                <p:cTn id="87" presetID="10" presetClass="entr" presetSubtype="0" fill="hold" grpId="0" nodeType="withEffect">
-                                  <p:stCondLst>
-                                    <p:cond delay="0"/>
-                                  </p:stCondLst>
-                                  <p:childTnLst>
-                                    <p:set>
-                                      <p:cBhvr>
-                                        <p:cTn id="88" dur="1" fill="hold">
-                                          <p:stCondLst>
-                                            <p:cond delay="0"/>
-                                          </p:stCondLst>
-                                        </p:cTn>
-                                        <p:tgtEl>
-                                          <p:spTgt spid="5">
-                                            <p:graphicEl>
-                                              <a:dgm id="{B9E8C711-58DB-4D96-AB2B-2CD3226FCA20}"/>
-                                            </p:graphicEl>
-                                          </p:spTgt>
-                                        </p:tgtEl>
-                                        <p:attrNameLst>
-                                          <p:attrName>style.visibility</p:attrName>
-                                        </p:attrNameLst>
-                                      </p:cBhvr>
-                                      <p:to>
-                                        <p:strVal val="visible"/>
-                                      </p:to>
-                                    </p:set>
-                                    <p:animEffect transition="in" filter="fade">
-                                      <p:cBhvr>
-                                        <p:cTn id="89" dur="1000"/>
-                                        <p:tgtEl>
-                                          <p:spTgt spid="5">
-                                            <p:graphicEl>
-                                              <a:dgm id="{B9E8C711-58DB-4D96-AB2B-2CD3226FCA20}"/>
-                                            </p:graphicEl>
-                                          </p:spTgt>
-                                        </p:tgtEl>
-                                      </p:cBhvr>
-                                    </p:animEffect>
-                                  </p:childTnLst>
-                                </p:cTn>
-                              </p:par>
-                              <p:par>
-                                <p:cTn id="90" presetID="10" presetClass="entr" presetSubtype="0" fill="hold" grpId="0" nodeType="withEffect">
-                                  <p:stCondLst>
-                                    <p:cond delay="0"/>
-                                  </p:stCondLst>
-                                  <p:childTnLst>
-                                    <p:set>
-                                      <p:cBhvr>
-                                        <p:cTn id="91" dur="1" fill="hold">
-                                          <p:stCondLst>
-                                            <p:cond delay="0"/>
-                                          </p:stCondLst>
-                                        </p:cTn>
-                                        <p:tgtEl>
-                                          <p:spTgt spid="5">
-                                            <p:graphicEl>
-                                              <a:dgm id="{BB6CEB44-0B14-47F7-AE76-4AF852936C1A}"/>
-                                            </p:graphicEl>
-                                          </p:spTgt>
-                                        </p:tgtEl>
-                                        <p:attrNameLst>
-                                          <p:attrName>style.visibility</p:attrName>
-                                        </p:attrNameLst>
-                                      </p:cBhvr>
-                                      <p:to>
-                                        <p:strVal val="visible"/>
-                                      </p:to>
-                                    </p:set>
-                                    <p:animEffect transition="in" filter="fade">
-                                      <p:cBhvr>
-                                        <p:cTn id="92" dur="1000"/>
-                                        <p:tgtEl>
-                                          <p:spTgt spid="5">
-                                            <p:graphicEl>
-                                              <a:dgm id="{BB6CEB44-0B14-47F7-AE76-4AF852936C1A}"/>
-                                            </p:graphicEl>
-                                          </p:spTgt>
-                                        </p:tgtEl>
-                                      </p:cBhvr>
-                                    </p:animEffect>
-                                  </p:childTnLst>
-                                </p:cTn>
-                              </p:par>
-                              <p:par>
-                                <p:cTn id="93" presetID="10" presetClass="entr" presetSubtype="0" fill="hold" grpId="0" nodeType="withEffect">
-                                  <p:stCondLst>
-                                    <p:cond delay="0"/>
-                                  </p:stCondLst>
-                                  <p:childTnLst>
-                                    <p:set>
-                                      <p:cBhvr>
-                                        <p:cTn id="94" dur="1" fill="hold">
-                                          <p:stCondLst>
-                                            <p:cond delay="0"/>
-                                          </p:stCondLst>
-                                        </p:cTn>
-                                        <p:tgtEl>
-                                          <p:spTgt spid="5">
-                                            <p:graphicEl>
-                                              <a:dgm id="{9F809C7B-90EA-4EBB-A582-D58A4606B8FE}"/>
-                                            </p:graphicEl>
-                                          </p:spTgt>
-                                        </p:tgtEl>
-                                        <p:attrNameLst>
-                                          <p:attrName>style.visibility</p:attrName>
-                                        </p:attrNameLst>
-                                      </p:cBhvr>
-                                      <p:to>
-                                        <p:strVal val="visible"/>
-                                      </p:to>
-                                    </p:set>
-                                    <p:animEffect transition="in" filter="fade">
-                                      <p:cBhvr>
-                                        <p:cTn id="95" dur="1000"/>
-                                        <p:tgtEl>
-                                          <p:spTgt spid="5">
-                                            <p:graphicEl>
-                                              <a:dgm id="{9F809C7B-90EA-4EBB-A582-D58A4606B8FE}"/>
-                                            </p:graphicEl>
-                                          </p:spTgt>
+                                          <p:spTgt spid="8"/>
                                         </p:tgtEl>
                                       </p:cBhvr>
                                     </p:animEffect>
@@ -13072,19 +11969,12 @@
         </p:cTn>
       </p:par>
     </p:tnLst>
-    <p:bldLst>
-      <p:bldGraphic spid="5" grpId="0">
-        <p:bldSub>
-          <a:bldDgm bld="lvlAtOnce"/>
-        </p:bldSub>
-      </p:bldGraphic>
-    </p:bldLst>
   </p:timing>
 </p:sld>
 </file>
 
-<file path=ppt/slides/slide7.xml><?xml version="1.0" encoding="utf-8"?>
-<p:sld xmlns:a="http://schemas.openxmlformats.org/drawingml/2006/main" xmlns:r="http://schemas.openxmlformats.org/officeDocument/2006/relationships" xmlns:p="http://schemas.openxmlformats.org/presentationml/2006/main">
+<file path=ppt/slides/slide11.xml><?xml version="1.0" encoding="utf-8"?>
+<p:sld xmlns:a="http://schemas.openxmlformats.org/drawingml/2006/main" xmlns:r="http://schemas.openxmlformats.org/officeDocument/2006/relationships" xmlns:mc="http://schemas.openxmlformats.org/markup-compatibility/2006" xmlns:mv="urn:schemas-microsoft-com:mac:vml" xmlns:p="http://schemas.openxmlformats.org/presentationml/2006/main" mc:Ignorable="mv" mc:PreserveAttributes="mv:*">
   <p:cSld>
     <p:spTree>
       <p:nvGrpSpPr>
@@ -13116,10 +12006,10 @@
           <a:lstStyle/>
           <a:p>
             <a:r>
-              <a:rPr lang="en-AU" dirty="0" smtClean="0"/>
-              <a:t>Ground Control Station</a:t>
-            </a:r>
-            <a:endParaRPr lang="en-AU" dirty="0"/>
+              <a:rPr lang="en-US" dirty="0" smtClean="0"/>
+              <a:t>Data Plotters &amp; Artificial Horizon</a:t>
+            </a:r>
+            <a:endParaRPr lang="en-US" dirty="0"/>
           </a:p>
         </p:txBody>
       </p:sp>
@@ -13143,15 +12033,15 @@
             <a:fld id="{5AEDDE57-BFB4-403C-8AD6-39A9EF93D28E}" type="slidenum">
               <a:rPr lang="en-AU" smtClean="0"/>
               <a:pPr/>
-              <a:t>7</a:t>
+              <a:t>11</a:t>
             </a:fld>
-            <a:endParaRPr lang="en-AU"/>
+            <a:endParaRPr lang="en-AU" dirty="0"/>
           </a:p>
         </p:txBody>
       </p:sp>
       <p:sp>
         <p:nvSpPr>
-          <p:cNvPr id="6" name="Content Placeholder 5"/>
+          <p:cNvPr id="4" name="Content Placeholder 3"/>
           <p:cNvSpPr>
             <a:spLocks noGrp="1"/>
           </p:cNvSpPr>
@@ -13161,20 +12051,76 @@
         </p:nvSpPr>
         <p:spPr/>
         <p:txBody>
-          <a:bodyPr/>
+          <a:bodyPr>
+            <a:normAutofit/>
+          </a:bodyPr>
           <a:lstStyle/>
           <a:p>
             <a:r>
-              <a:rPr lang="en-AU" dirty="0" smtClean="0"/>
-              <a:t> </a:t>
-            </a:r>
-            <a:endParaRPr lang="en-AU" dirty="0"/>
+              <a:rPr lang="en-US" dirty="0" smtClean="0"/>
+              <a:t>Artificial Horizon</a:t>
+            </a:r>
+          </a:p>
+          <a:p>
+            <a:pPr lvl="1"/>
+            <a:r>
+              <a:rPr lang="en-US" dirty="0" smtClean="0"/>
+              <a:t>2009 OpenGL Attitude Display</a:t>
+            </a:r>
+          </a:p>
+          <a:p>
+            <a:pPr lvl="1"/>
+            <a:r>
+              <a:rPr lang="en-US" dirty="0" smtClean="0"/>
+              <a:t>Roll and Pitch</a:t>
+            </a:r>
+          </a:p>
+          <a:p>
+            <a:r>
+              <a:rPr lang="en-US" dirty="0" smtClean="0"/>
+              <a:t>Data Plotter</a:t>
+            </a:r>
+          </a:p>
+          <a:p>
+            <a:pPr lvl="1"/>
+            <a:r>
+              <a:rPr lang="en-US" dirty="0" smtClean="0"/>
+              <a:t>Real-time data plotting</a:t>
+            </a:r>
+          </a:p>
+          <a:p>
+            <a:pPr lvl="1"/>
+            <a:r>
+              <a:rPr lang="en-US" dirty="0" smtClean="0"/>
+              <a:t>Raw Sensor Data, State Data,</a:t>
+            </a:r>
+            <a:br>
+              <a:rPr lang="en-US" dirty="0" smtClean="0"/>
+            </a:br>
+            <a:r>
+              <a:rPr lang="en-US" dirty="0" smtClean="0"/>
+              <a:t> Control Data, System Status…</a:t>
+            </a:r>
+          </a:p>
+          <a:p>
+            <a:pPr lvl="1"/>
+            <a:r>
+              <a:rPr lang="en-US" dirty="0" smtClean="0"/>
+              <a:t>Support for multiple</a:t>
+            </a:r>
+            <a:br>
+              <a:rPr lang="en-US" dirty="0" smtClean="0"/>
+            </a:br>
+            <a:r>
+              <a:rPr lang="en-US" dirty="0" smtClean="0"/>
+              <a:t>data plotters</a:t>
+            </a:r>
           </a:p>
         </p:txBody>
       </p:sp>
       <p:pic>
         <p:nvPicPr>
-          <p:cNvPr id="9" name="Picture 8" descr="GCS_Screenshot.png"/>
+          <p:cNvPr id="5" name="Picture 4" descr="GCS_Screenshot.png"/>
           <p:cNvPicPr>
             <a:picLocks noChangeAspect="1"/>
           </p:cNvPicPr>
@@ -13182,15 +12128,15 @@
         </p:nvPicPr>
         <p:blipFill>
           <a:blip r:embed="rId2"/>
-          <a:srcRect l="57031" b="25624"/>
+          <a:srcRect l="57031" t="4237" r="13459" b="27966"/>
           <a:stretch>
             <a:fillRect/>
           </a:stretch>
         </p:blipFill>
         <p:spPr>
           <a:xfrm>
-            <a:off x="285720" y="1142984"/>
-            <a:ext cx="8654475" cy="5350082"/>
+            <a:off x="5448300" y="3276600"/>
+            <a:ext cx="3695700" cy="3032369"/>
           </a:xfrm>
           <a:prstGeom prst="rect">
             <a:avLst/>
@@ -13207,6 +12153,69 @@
           </a:effectLst>
         </p:spPr>
       </p:pic>
+      <p:pic>
+        <p:nvPicPr>
+          <p:cNvPr id="6" name="Picture 5" descr="GCS_Screenshot.png"/>
+          <p:cNvPicPr>
+            <a:picLocks noChangeAspect="1"/>
+          </p:cNvPicPr>
+          <p:nvPr/>
+        </p:nvPicPr>
+        <p:blipFill>
+          <a:blip r:embed="rId2"/>
+          <a:srcRect l="86759" t="4237" b="70339"/>
+          <a:stretch>
+            <a:fillRect/>
+          </a:stretch>
+        </p:blipFill>
+        <p:spPr>
+          <a:xfrm>
+            <a:off x="6477000" y="1371600"/>
+            <a:ext cx="2667000" cy="1828800"/>
+          </a:xfrm>
+          <a:prstGeom prst="rect">
+            <a:avLst/>
+          </a:prstGeom>
+          <a:ln>
+            <a:noFill/>
+          </a:ln>
+          <a:effectLst>
+            <a:outerShdw blurRad="292100" dist="139700" dir="2700000" algn="tl" rotWithShape="0">
+              <a:srgbClr val="333333">
+                <a:alpha val="65000"/>
+              </a:srgbClr>
+            </a:outerShdw>
+          </a:effectLst>
+        </p:spPr>
+      </p:pic>
+      <p:sp>
+        <p:nvSpPr>
+          <p:cNvPr id="7" name="Footer Placeholder 5"/>
+          <p:cNvSpPr>
+            <a:spLocks noGrp="1"/>
+          </p:cNvSpPr>
+          <p:nvPr>
+            <p:ph type="ftr" sz="quarter" idx="11"/>
+          </p:nvPr>
+        </p:nvSpPr>
+        <p:spPr>
+          <a:xfrm>
+            <a:off x="609600" y="6248206"/>
+            <a:ext cx="5421083" cy="365125"/>
+          </a:xfrm>
+        </p:spPr>
+        <p:txBody>
+          <a:bodyPr/>
+          <a:lstStyle/>
+          <a:p>
+            <a:r>
+              <a:rPr lang="en-AU" dirty="0" smtClean="0"/>
+              <a:t>Tim Molloy</a:t>
+            </a:r>
+            <a:endParaRPr lang="en-AU" dirty="0"/>
+          </a:p>
+        </p:txBody>
+      </p:sp>
     </p:spTree>
   </p:cSld>
   <p:clrMapOvr>
@@ -13215,15 +12224,360 @@
   <p:timing>
     <p:tnLst>
       <p:par>
-        <p:cTn id="1" dur="indefinite" restart="never" nodeType="tmRoot"/>
+        <p:cTn id="1" dur="indefinite" restart="never" nodeType="tmRoot">
+          <p:childTnLst>
+            <p:seq concurrent="1" nextAc="seek">
+              <p:cTn id="2" dur="indefinite" nodeType="mainSeq">
+                <p:childTnLst>
+                  <p:par>
+                    <p:cTn id="3" fill="hold">
+                      <p:stCondLst>
+                        <p:cond delay="indefinite"/>
+                      </p:stCondLst>
+                      <p:childTnLst>
+                        <p:par>
+                          <p:cTn id="4" fill="hold">
+                            <p:stCondLst>
+                              <p:cond delay="0"/>
+                            </p:stCondLst>
+                            <p:childTnLst>
+                              <p:par>
+                                <p:cTn id="5" presetID="10" presetClass="entr" presetSubtype="0" fill="hold" nodeType="clickEffect">
+                                  <p:stCondLst>
+                                    <p:cond delay="0"/>
+                                  </p:stCondLst>
+                                  <p:childTnLst>
+                                    <p:set>
+                                      <p:cBhvr>
+                                        <p:cTn id="6" dur="1" fill="hold">
+                                          <p:stCondLst>
+                                            <p:cond delay="0"/>
+                                          </p:stCondLst>
+                                        </p:cTn>
+                                        <p:tgtEl>
+                                          <p:spTgt spid="5"/>
+                                        </p:tgtEl>
+                                        <p:attrNameLst>
+                                          <p:attrName>style.visibility</p:attrName>
+                                        </p:attrNameLst>
+                                      </p:cBhvr>
+                                      <p:to>
+                                        <p:strVal val="visible"/>
+                                      </p:to>
+                                    </p:set>
+                                    <p:animEffect transition="in" filter="fade">
+                                      <p:cBhvr>
+                                        <p:cTn id="7" dur="1000"/>
+                                        <p:tgtEl>
+                                          <p:spTgt spid="5"/>
+                                        </p:tgtEl>
+                                      </p:cBhvr>
+                                    </p:animEffect>
+                                  </p:childTnLst>
+                                </p:cTn>
+                              </p:par>
+                            </p:childTnLst>
+                          </p:cTn>
+                        </p:par>
+                      </p:childTnLst>
+                    </p:cTn>
+                  </p:par>
+                  <p:par>
+                    <p:cTn id="8" fill="hold">
+                      <p:stCondLst>
+                        <p:cond delay="indefinite"/>
+                      </p:stCondLst>
+                      <p:childTnLst>
+                        <p:par>
+                          <p:cTn id="9" fill="hold">
+                            <p:stCondLst>
+                              <p:cond delay="0"/>
+                            </p:stCondLst>
+                            <p:childTnLst>
+                              <p:par>
+                                <p:cTn id="10" presetID="10" presetClass="entr" presetSubtype="0" fill="hold" nodeType="clickEffect">
+                                  <p:stCondLst>
+                                    <p:cond delay="0"/>
+                                  </p:stCondLst>
+                                  <p:childTnLst>
+                                    <p:set>
+                                      <p:cBhvr>
+                                        <p:cTn id="11" dur="1" fill="hold">
+                                          <p:stCondLst>
+                                            <p:cond delay="0"/>
+                                          </p:stCondLst>
+                                        </p:cTn>
+                                        <p:tgtEl>
+                                          <p:spTgt spid="6"/>
+                                        </p:tgtEl>
+                                        <p:attrNameLst>
+                                          <p:attrName>style.visibility</p:attrName>
+                                        </p:attrNameLst>
+                                      </p:cBhvr>
+                                      <p:to>
+                                        <p:strVal val="visible"/>
+                                      </p:to>
+                                    </p:set>
+                                    <p:animEffect transition="in" filter="fade">
+                                      <p:cBhvr>
+                                        <p:cTn id="12" dur="1000"/>
+                                        <p:tgtEl>
+                                          <p:spTgt spid="6"/>
+                                        </p:tgtEl>
+                                      </p:cBhvr>
+                                    </p:animEffect>
+                                  </p:childTnLst>
+                                </p:cTn>
+                              </p:par>
+                            </p:childTnLst>
+                          </p:cTn>
+                        </p:par>
+                      </p:childTnLst>
+                    </p:cTn>
+                  </p:par>
+                </p:childTnLst>
+              </p:cTn>
+              <p:prevCondLst>
+                <p:cond evt="onPrev" delay="0">
+                  <p:tgtEl>
+                    <p:sldTgt/>
+                  </p:tgtEl>
+                </p:cond>
+              </p:prevCondLst>
+              <p:nextCondLst>
+                <p:cond evt="onNext" delay="0">
+                  <p:tgtEl>
+                    <p:sldTgt/>
+                  </p:tgtEl>
+                </p:cond>
+              </p:nextCondLst>
+            </p:seq>
+          </p:childTnLst>
+        </p:cTn>
       </p:par>
     </p:tnLst>
   </p:timing>
 </p:sld>
 </file>
 
-<file path=ppt/slides/slide8.xml><?xml version="1.0" encoding="utf-8"?>
-<p:sld xmlns:a="http://schemas.openxmlformats.org/drawingml/2006/main" xmlns:r="http://schemas.openxmlformats.org/officeDocument/2006/relationships" xmlns:p="http://schemas.openxmlformats.org/presentationml/2006/main">
+<file path=ppt/slides/slide12.xml><?xml version="1.0" encoding="utf-8"?>
+<p:sld xmlns:a="http://schemas.openxmlformats.org/drawingml/2006/main" xmlns:r="http://schemas.openxmlformats.org/officeDocument/2006/relationships" xmlns:mc="http://schemas.openxmlformats.org/markup-compatibility/2006" xmlns:mv="urn:schemas-microsoft-com:mac:vml" xmlns:p="http://schemas.openxmlformats.org/presentationml/2006/main" mc:Ignorable="mv" mc:PreserveAttributes="mv:*">
+  <p:cSld>
+    <p:spTree>
+      <p:nvGrpSpPr>
+        <p:cNvPr id="1" name=""/>
+        <p:cNvGrpSpPr/>
+        <p:nvPr/>
+      </p:nvGrpSpPr>
+      <p:grpSpPr>
+        <a:xfrm>
+          <a:off x="0" y="0"/>
+          <a:ext cx="0" cy="0"/>
+          <a:chOff x="0" y="0"/>
+          <a:chExt cx="0" cy="0"/>
+        </a:xfrm>
+      </p:grpSpPr>
+      <p:sp>
+        <p:nvSpPr>
+          <p:cNvPr id="2" name="Title 1"/>
+          <p:cNvSpPr>
+            <a:spLocks noGrp="1"/>
+          </p:cNvSpPr>
+          <p:nvPr>
+            <p:ph type="title"/>
+          </p:nvPr>
+        </p:nvSpPr>
+        <p:spPr/>
+        <p:txBody>
+          <a:bodyPr>
+            <a:normAutofit/>
+          </a:bodyPr>
+          <a:lstStyle/>
+          <a:p>
+            <a:r>
+              <a:rPr lang="en-US" dirty="0" smtClean="0"/>
+              <a:t>Following Controller Design…</a:t>
+            </a:r>
+            <a:endParaRPr lang="en-US" dirty="0"/>
+          </a:p>
+        </p:txBody>
+      </p:sp>
+      <p:sp>
+        <p:nvSpPr>
+          <p:cNvPr id="3" name="Slide Number Placeholder 2"/>
+          <p:cNvSpPr>
+            <a:spLocks noGrp="1"/>
+          </p:cNvSpPr>
+          <p:nvPr>
+            <p:ph type="sldNum" sz="quarter" idx="12"/>
+          </p:nvPr>
+        </p:nvSpPr>
+        <p:spPr/>
+        <p:txBody>
+          <a:bodyPr>
+            <a:normAutofit fontScale="85000" lnSpcReduction="20000"/>
+          </a:bodyPr>
+          <a:lstStyle/>
+          <a:p>
+            <a:fld id="{5AEDDE57-BFB4-403C-8AD6-39A9EF93D28E}" type="slidenum">
+              <a:rPr lang="en-AU" smtClean="0"/>
+              <a:pPr/>
+              <a:t>12</a:t>
+            </a:fld>
+            <a:endParaRPr lang="en-AU"/>
+          </a:p>
+        </p:txBody>
+      </p:sp>
+      <p:sp>
+        <p:nvSpPr>
+          <p:cNvPr id="4" name="Content Placeholder 3"/>
+          <p:cNvSpPr>
+            <a:spLocks noGrp="1"/>
+          </p:cNvSpPr>
+          <p:nvPr>
+            <p:ph sz="quarter" idx="1"/>
+          </p:nvPr>
+        </p:nvSpPr>
+        <p:spPr/>
+        <p:txBody>
+          <a:bodyPr>
+            <a:normAutofit fontScale="85000" lnSpcReduction="20000"/>
+          </a:bodyPr>
+          <a:lstStyle/>
+          <a:p>
+            <a:pPr lvl="0"/>
+            <a:r>
+              <a:rPr lang="en-AU" dirty="0" smtClean="0"/>
+              <a:t>Attitude Control Trims and Bounds</a:t>
+            </a:r>
+          </a:p>
+          <a:p>
+            <a:pPr lvl="1"/>
+            <a:r>
+              <a:rPr lang="en-AU" i="1" dirty="0" smtClean="0"/>
+              <a:t>Set the trims and bounds on the roll, pitch and yaw control loops.</a:t>
+            </a:r>
+            <a:endParaRPr lang="en-AU" dirty="0" smtClean="0"/>
+          </a:p>
+          <a:p>
+            <a:pPr lvl="0"/>
+            <a:r>
+              <a:rPr lang="en-AU" dirty="0" smtClean="0"/>
+              <a:t>Attitude Control Gains</a:t>
+            </a:r>
+          </a:p>
+          <a:p>
+            <a:pPr lvl="1"/>
+            <a:r>
+              <a:rPr lang="en-AU" i="1" dirty="0" smtClean="0"/>
+              <a:t>Set the PID control gains on the roll, pitch and yaw control loops.</a:t>
+            </a:r>
+            <a:endParaRPr lang="en-AU" dirty="0" smtClean="0"/>
+          </a:p>
+          <a:p>
+            <a:pPr lvl="0"/>
+            <a:r>
+              <a:rPr lang="en-AU" dirty="0" smtClean="0"/>
+              <a:t>Guidance Control Gains</a:t>
+            </a:r>
+          </a:p>
+          <a:p>
+            <a:pPr lvl="1"/>
+            <a:r>
+              <a:rPr lang="en-AU" i="1" dirty="0" smtClean="0"/>
+              <a:t>Set the PID control gains on the </a:t>
+            </a:r>
+            <a:r>
+              <a:rPr lang="en-AU" i="1" dirty="0" err="1" smtClean="0"/>
+              <a:t>x</a:t>
+            </a:r>
+            <a:r>
+              <a:rPr lang="en-AU" i="1" dirty="0" smtClean="0"/>
+              <a:t>, </a:t>
+            </a:r>
+            <a:r>
+              <a:rPr lang="en-AU" i="1" dirty="0" err="1" smtClean="0"/>
+              <a:t>y</a:t>
+            </a:r>
+            <a:r>
+              <a:rPr lang="en-AU" i="1" dirty="0" smtClean="0"/>
+              <a:t> and </a:t>
+            </a:r>
+            <a:r>
+              <a:rPr lang="en-AU" i="1" dirty="0" err="1" smtClean="0"/>
+              <a:t>z</a:t>
+            </a:r>
+            <a:r>
+              <a:rPr lang="en-AU" i="1" dirty="0" smtClean="0"/>
+              <a:t> position control loops.</a:t>
+            </a:r>
+            <a:endParaRPr lang="en-AU" dirty="0" smtClean="0"/>
+          </a:p>
+          <a:p>
+            <a:pPr lvl="0"/>
+            <a:r>
+              <a:rPr lang="en-AU" dirty="0" smtClean="0"/>
+              <a:t>Guidance Trims and Bounds</a:t>
+            </a:r>
+          </a:p>
+          <a:p>
+            <a:pPr lvl="1"/>
+            <a:r>
+              <a:rPr lang="en-AU" i="1" dirty="0" smtClean="0"/>
+              <a:t>Set the trims and bounds of the </a:t>
+            </a:r>
+            <a:r>
+              <a:rPr lang="en-AU" i="1" dirty="0" err="1" smtClean="0"/>
+              <a:t>x</a:t>
+            </a:r>
+            <a:r>
+              <a:rPr lang="en-AU" i="1" dirty="0" smtClean="0"/>
+              <a:t>, </a:t>
+            </a:r>
+            <a:r>
+              <a:rPr lang="en-AU" i="1" dirty="0" err="1" smtClean="0"/>
+              <a:t>y</a:t>
+            </a:r>
+            <a:r>
+              <a:rPr lang="en-AU" i="1" dirty="0" smtClean="0"/>
+              <a:t> and </a:t>
+            </a:r>
+            <a:r>
+              <a:rPr lang="en-AU" i="1" dirty="0" err="1" smtClean="0"/>
+              <a:t>z</a:t>
+            </a:r>
+            <a:r>
+              <a:rPr lang="en-AU" i="1" dirty="0" smtClean="0"/>
+              <a:t> position control loops.</a:t>
+            </a:r>
+            <a:endParaRPr lang="en-AU" dirty="0" smtClean="0"/>
+          </a:p>
+          <a:p>
+            <a:r>
+              <a:rPr lang="en-AU" dirty="0" smtClean="0"/>
+              <a:t>Flight Control</a:t>
+            </a:r>
+          </a:p>
+          <a:p>
+            <a:pPr lvl="1"/>
+            <a:r>
+              <a:rPr lang="en-AU" i="1" dirty="0" smtClean="0"/>
+              <a:t>Set the active control loops and their set points. Enables command of the airborne control.</a:t>
+            </a:r>
+            <a:endParaRPr lang="en-AU" dirty="0" smtClean="0"/>
+          </a:p>
+        </p:txBody>
+      </p:sp>
+    </p:spTree>
+  </p:cSld>
+  <p:clrMapOvr>
+    <a:masterClrMapping/>
+  </p:clrMapOvr>
+</p:sld>
+</file>
+
+<file path=ppt/slides/slide13.xml><?xml version="1.0" encoding="utf-8"?>
+<p:sld xmlns:a="http://schemas.openxmlformats.org/drawingml/2006/main" xmlns:r="http://schemas.openxmlformats.org/officeDocument/2006/relationships" xmlns:mc="http://schemas.openxmlformats.org/markup-compatibility/2006" xmlns:mv="urn:schemas-microsoft-com:mac:vml" xmlns:p="http://schemas.openxmlformats.org/presentationml/2006/main" mc:Ignorable="mv" mc:PreserveAttributes="mv:*">
   <p:cSld>
     <p:spTree>
       <p:nvGrpSpPr>
@@ -13282,9 +12636,9 @@
             <a:fld id="{5AEDDE57-BFB4-403C-8AD6-39A9EF93D28E}" type="slidenum">
               <a:rPr lang="en-AU" smtClean="0"/>
               <a:pPr/>
-              <a:t>8</a:t>
+              <a:t>13</a:t>
             </a:fld>
-            <a:endParaRPr lang="en-AU"/>
+            <a:endParaRPr lang="en-AU" dirty="0"/>
           </a:p>
         </p:txBody>
       </p:sp>
@@ -13304,10 +12658,38 @@
         </p:xfrm>
         <a:graphic>
           <a:graphicData uri="http://schemas.openxmlformats.org/drawingml/2006/diagram">
-            <dgm:relIds xmlns:dgm="http://schemas.openxmlformats.org/drawingml/2006/diagram" xmlns:r="http://schemas.openxmlformats.org/officeDocument/2006/relationships" r:dm="rId2" r:lo="rId3" r:qs="rId4" r:cs="rId5"/>
+            <a:relIds xmlns:dgm="http://schemas.openxmlformats.org/drawingml/2006/diagram" xmlns:r="http://schemas.openxmlformats.org/officeDocument/2006/relationships" r:dm="rId2" r:lo="rId3" r:qs="rId4" r:cs="rId5"/>
           </a:graphicData>
         </a:graphic>
       </p:graphicFrame>
+      <p:sp>
+        <p:nvSpPr>
+          <p:cNvPr id="6" name="Footer Placeholder 5"/>
+          <p:cNvSpPr>
+            <a:spLocks noGrp="1"/>
+          </p:cNvSpPr>
+          <p:nvPr>
+            <p:ph type="ftr" sz="quarter" idx="11"/>
+          </p:nvPr>
+        </p:nvSpPr>
+        <p:spPr>
+          <a:xfrm>
+            <a:off x="609600" y="6248206"/>
+            <a:ext cx="5421083" cy="365125"/>
+          </a:xfrm>
+        </p:spPr>
+        <p:txBody>
+          <a:bodyPr/>
+          <a:lstStyle/>
+          <a:p>
+            <a:r>
+              <a:rPr lang="en-AU" smtClean="0"/>
+              <a:t>Tim Molloy</a:t>
+            </a:r>
+            <a:endParaRPr lang="en-AU" dirty="0"/>
+          </a:p>
+        </p:txBody>
+      </p:sp>
     </p:spTree>
   </p:cSld>
   <p:clrMapOvr>
@@ -14525,6 +13907,3545 @@
 </p:sld>
 </file>
 
+<file path=ppt/slides/slide14.xml><?xml version="1.0" encoding="utf-8"?>
+<p:sld xmlns:a="http://schemas.openxmlformats.org/drawingml/2006/main" xmlns:r="http://schemas.openxmlformats.org/officeDocument/2006/relationships" xmlns:mc="http://schemas.openxmlformats.org/markup-compatibility/2006" xmlns:mv="urn:schemas-microsoft-com:mac:vml" xmlns:p="http://schemas.openxmlformats.org/presentationml/2006/main" mc:Ignorable="mv" mc:PreserveAttributes="mv:*">
+  <p:cSld>
+    <p:spTree>
+      <p:nvGrpSpPr>
+        <p:cNvPr id="1" name=""/>
+        <p:cNvGrpSpPr/>
+        <p:nvPr/>
+      </p:nvGrpSpPr>
+      <p:grpSpPr>
+        <a:xfrm>
+          <a:off x="0" y="0"/>
+          <a:ext cx="0" cy="0"/>
+          <a:chOff x="0" y="0"/>
+          <a:chExt cx="0" cy="0"/>
+        </a:xfrm>
+      </p:grpSpPr>
+      <p:sp>
+        <p:nvSpPr>
+          <p:cNvPr id="2" name="Title 1"/>
+          <p:cNvSpPr>
+            <a:spLocks noGrp="1"/>
+          </p:cNvSpPr>
+          <p:nvPr>
+            <p:ph type="title"/>
+          </p:nvPr>
+        </p:nvSpPr>
+        <p:spPr/>
+        <p:txBody>
+          <a:bodyPr/>
+          <a:lstStyle/>
+          <a:p>
+            <a:r>
+              <a:rPr lang="en-US" dirty="0" smtClean="0"/>
+              <a:t>Flight Computer</a:t>
+            </a:r>
+            <a:endParaRPr lang="en-US" dirty="0"/>
+          </a:p>
+        </p:txBody>
+      </p:sp>
+      <p:sp>
+        <p:nvSpPr>
+          <p:cNvPr id="3" name="Slide Number Placeholder 2"/>
+          <p:cNvSpPr>
+            <a:spLocks noGrp="1"/>
+          </p:cNvSpPr>
+          <p:nvPr>
+            <p:ph type="sldNum" sz="quarter" idx="12"/>
+          </p:nvPr>
+        </p:nvSpPr>
+        <p:spPr/>
+        <p:txBody>
+          <a:bodyPr>
+            <a:normAutofit fontScale="85000" lnSpcReduction="20000"/>
+          </a:bodyPr>
+          <a:lstStyle/>
+          <a:p>
+            <a:fld id="{5AEDDE57-BFB4-403C-8AD6-39A9EF93D28E}" type="slidenum">
+              <a:rPr lang="en-AU" smtClean="0"/>
+              <a:pPr/>
+              <a:t>14</a:t>
+            </a:fld>
+            <a:endParaRPr lang="en-AU"/>
+          </a:p>
+        </p:txBody>
+      </p:sp>
+      <p:sp>
+        <p:nvSpPr>
+          <p:cNvPr id="4" name="Content Placeholder 3"/>
+          <p:cNvSpPr>
+            <a:spLocks noGrp="1"/>
+          </p:cNvSpPr>
+          <p:nvPr>
+            <p:ph sz="quarter" idx="1"/>
+          </p:nvPr>
+        </p:nvSpPr>
+        <p:spPr>
+          <a:xfrm>
+            <a:off x="609600" y="1600200"/>
+            <a:ext cx="8156448" cy="5105400"/>
+          </a:xfrm>
+        </p:spPr>
+        <p:txBody>
+          <a:bodyPr>
+            <a:normAutofit fontScale="92500" lnSpcReduction="20000"/>
+          </a:bodyPr>
+          <a:lstStyle/>
+          <a:p>
+            <a:r>
+              <a:rPr lang="en-US" dirty="0" smtClean="0"/>
+              <a:t>Trade Study for Computer-on-Module to support</a:t>
+            </a:r>
+          </a:p>
+          <a:p>
+            <a:pPr lvl="1"/>
+            <a:r>
+              <a:rPr lang="en-US" dirty="0" smtClean="0"/>
+              <a:t>Hardware Integration</a:t>
+            </a:r>
+          </a:p>
+          <a:p>
+            <a:pPr lvl="1"/>
+            <a:r>
+              <a:rPr lang="en-US" dirty="0" smtClean="0"/>
+              <a:t>Control and State Estimation</a:t>
+            </a:r>
+          </a:p>
+          <a:p>
+            <a:pPr lvl="1"/>
+            <a:r>
+              <a:rPr lang="en-US" dirty="0" smtClean="0"/>
+              <a:t>Localization </a:t>
+            </a:r>
+          </a:p>
+          <a:p>
+            <a:r>
+              <a:rPr lang="en-US" dirty="0" smtClean="0"/>
+              <a:t>Considered</a:t>
+            </a:r>
+          </a:p>
+          <a:p>
+            <a:pPr lvl="1"/>
+            <a:r>
+              <a:rPr lang="en-US" dirty="0" err="1" smtClean="0"/>
+              <a:t>BeagleBoard</a:t>
+            </a:r>
+            <a:endParaRPr lang="en-US" dirty="0" smtClean="0"/>
+          </a:p>
+          <a:p>
+            <a:pPr lvl="2"/>
+            <a:r>
+              <a:rPr lang="en-US" dirty="0" smtClean="0"/>
+              <a:t>Limited Hardware Interfacing</a:t>
+            </a:r>
+          </a:p>
+          <a:p>
+            <a:pPr lvl="1"/>
+            <a:r>
+              <a:rPr lang="en-US" dirty="0" err="1" smtClean="0"/>
+              <a:t>Gumstix</a:t>
+            </a:r>
+            <a:r>
+              <a:rPr lang="en-US" dirty="0" smtClean="0"/>
+              <a:t> </a:t>
+            </a:r>
+            <a:r>
+              <a:rPr lang="en-US" dirty="0" err="1" smtClean="0"/>
+              <a:t>Overo</a:t>
+            </a:r>
+            <a:r>
+              <a:rPr lang="en-US" dirty="0" smtClean="0"/>
+              <a:t> Air</a:t>
+            </a:r>
+          </a:p>
+          <a:p>
+            <a:pPr lvl="2"/>
+            <a:r>
+              <a:rPr lang="en-US" dirty="0" smtClean="0"/>
+              <a:t>Lacked Support for Image Processing</a:t>
+            </a:r>
+          </a:p>
+          <a:p>
+            <a:pPr lvl="1"/>
+            <a:r>
+              <a:rPr lang="en-US" dirty="0" err="1" smtClean="0"/>
+              <a:t>Gumstix</a:t>
+            </a:r>
+            <a:r>
+              <a:rPr lang="en-US" dirty="0" smtClean="0"/>
+              <a:t> </a:t>
+            </a:r>
+            <a:r>
+              <a:rPr lang="en-US" dirty="0" err="1" smtClean="0"/>
+              <a:t>Verdex</a:t>
+            </a:r>
+            <a:endParaRPr lang="en-US" dirty="0" smtClean="0"/>
+          </a:p>
+          <a:p>
+            <a:pPr lvl="2"/>
+            <a:r>
+              <a:rPr lang="en-US" dirty="0" smtClean="0"/>
+              <a:t>No Hardware Floating Point Implementation </a:t>
+            </a:r>
+          </a:p>
+          <a:p>
+            <a:pPr lvl="1"/>
+            <a:r>
+              <a:rPr lang="en-US" dirty="0" err="1" smtClean="0"/>
+              <a:t>Gumstix</a:t>
+            </a:r>
+            <a:r>
+              <a:rPr lang="en-US" dirty="0" smtClean="0"/>
+              <a:t> </a:t>
+            </a:r>
+            <a:r>
+              <a:rPr lang="en-US" dirty="0" err="1" smtClean="0"/>
+              <a:t>Overo</a:t>
+            </a:r>
+            <a:r>
+              <a:rPr lang="en-US" dirty="0" smtClean="0"/>
+              <a:t> Fire</a:t>
+            </a:r>
+          </a:p>
+          <a:p>
+            <a:pPr lvl="2"/>
+            <a:r>
+              <a:rPr lang="en-US" dirty="0" smtClean="0"/>
+              <a:t>6 grams, 600MHz TI CPU</a:t>
+            </a:r>
+          </a:p>
+        </p:txBody>
+      </p:sp>
+      <p:pic>
+        <p:nvPicPr>
+          <p:cNvPr id="6" name="Picture 5"/>
+          <p:cNvPicPr/>
+          <p:nvPr/>
+        </p:nvPicPr>
+        <p:blipFill>
+          <a:blip r:embed="rId2" cstate="print"/>
+          <a:srcRect b="24147"/>
+          <a:stretch>
+            <a:fillRect/>
+          </a:stretch>
+        </p:blipFill>
+        <p:spPr bwMode="auto">
+          <a:xfrm>
+            <a:off x="6781800" y="4267200"/>
+            <a:ext cx="1966114" cy="1496039"/>
+          </a:xfrm>
+          <a:prstGeom prst="rect">
+            <a:avLst/>
+          </a:prstGeom>
+          <a:noFill/>
+          <a:ln w="9525">
+            <a:noFill/>
+            <a:miter lim="800000"/>
+            <a:headEnd/>
+            <a:tailEnd/>
+          </a:ln>
+        </p:spPr>
+      </p:pic>
+      <p:sp>
+        <p:nvSpPr>
+          <p:cNvPr id="7" name="Footer Placeholder 5"/>
+          <p:cNvSpPr>
+            <a:spLocks noGrp="1"/>
+          </p:cNvSpPr>
+          <p:nvPr>
+            <p:ph type="ftr" sz="quarter" idx="11"/>
+          </p:nvPr>
+        </p:nvSpPr>
+        <p:spPr>
+          <a:xfrm>
+            <a:off x="609600" y="6248206"/>
+            <a:ext cx="5421083" cy="365125"/>
+          </a:xfrm>
+        </p:spPr>
+        <p:txBody>
+          <a:bodyPr/>
+          <a:lstStyle/>
+          <a:p>
+            <a:r>
+              <a:rPr lang="en-AU" dirty="0" smtClean="0"/>
+              <a:t>Tim Molloy</a:t>
+            </a:r>
+            <a:endParaRPr lang="en-AU" dirty="0"/>
+          </a:p>
+        </p:txBody>
+      </p:sp>
+    </p:spTree>
+  </p:cSld>
+  <p:clrMapOvr>
+    <a:masterClrMapping/>
+  </p:clrMapOvr>
+  <p:timing>
+    <p:tnLst>
+      <p:par>
+        <p:cTn id="1" dur="indefinite" restart="never" nodeType="tmRoot"/>
+      </p:par>
+    </p:tnLst>
+  </p:timing>
+</p:sld>
+</file>
+
+<file path=ppt/slides/slide15.xml><?xml version="1.0" encoding="utf-8"?>
+<p:sld xmlns:a="http://schemas.openxmlformats.org/drawingml/2006/main" xmlns:r="http://schemas.openxmlformats.org/officeDocument/2006/relationships" xmlns:mc="http://schemas.openxmlformats.org/markup-compatibility/2006" xmlns:mv="urn:schemas-microsoft-com:mac:vml" xmlns:p="http://schemas.openxmlformats.org/presentationml/2006/main" mc:Ignorable="mv" mc:PreserveAttributes="mv:*">
+  <p:cSld>
+    <p:spTree>
+      <p:nvGrpSpPr>
+        <p:cNvPr id="1" name=""/>
+        <p:cNvGrpSpPr/>
+        <p:nvPr/>
+      </p:nvGrpSpPr>
+      <p:grpSpPr>
+        <a:xfrm>
+          <a:off x="0" y="0"/>
+          <a:ext cx="0" cy="0"/>
+          <a:chOff x="0" y="0"/>
+          <a:chExt cx="0" cy="0"/>
+        </a:xfrm>
+      </p:grpSpPr>
+      <p:sp>
+        <p:nvSpPr>
+          <p:cNvPr id="2" name="Title 1"/>
+          <p:cNvSpPr>
+            <a:spLocks noGrp="1"/>
+          </p:cNvSpPr>
+          <p:nvPr>
+            <p:ph type="title"/>
+          </p:nvPr>
+        </p:nvSpPr>
+        <p:spPr/>
+        <p:txBody>
+          <a:bodyPr/>
+          <a:lstStyle/>
+          <a:p>
+            <a:r>
+              <a:rPr lang="en-US" dirty="0" err="1" smtClean="0"/>
+              <a:t>Quadrotor</a:t>
+            </a:r>
+            <a:r>
+              <a:rPr lang="en-US" dirty="0" smtClean="0"/>
+              <a:t> Control</a:t>
+            </a:r>
+            <a:endParaRPr lang="en-US" dirty="0"/>
+          </a:p>
+        </p:txBody>
+      </p:sp>
+      <p:sp>
+        <p:nvSpPr>
+          <p:cNvPr id="3" name="Slide Number Placeholder 2"/>
+          <p:cNvSpPr>
+            <a:spLocks noGrp="1"/>
+          </p:cNvSpPr>
+          <p:nvPr>
+            <p:ph type="sldNum" sz="quarter" idx="12"/>
+          </p:nvPr>
+        </p:nvSpPr>
+        <p:spPr/>
+        <p:txBody>
+          <a:bodyPr>
+            <a:normAutofit fontScale="85000" lnSpcReduction="20000"/>
+          </a:bodyPr>
+          <a:lstStyle/>
+          <a:p>
+            <a:fld id="{5AEDDE57-BFB4-403C-8AD6-39A9EF93D28E}" type="slidenum">
+              <a:rPr lang="en-AU" smtClean="0"/>
+              <a:pPr/>
+              <a:t>15</a:t>
+            </a:fld>
+            <a:endParaRPr lang="en-AU"/>
+          </a:p>
+        </p:txBody>
+      </p:sp>
+      <p:sp>
+        <p:nvSpPr>
+          <p:cNvPr id="4" name="Content Placeholder 3"/>
+          <p:cNvSpPr>
+            <a:spLocks noGrp="1"/>
+          </p:cNvSpPr>
+          <p:nvPr>
+            <p:ph sz="quarter" idx="1"/>
+          </p:nvPr>
+        </p:nvSpPr>
+        <p:spPr>
+          <a:xfrm>
+            <a:off x="609600" y="1600200"/>
+            <a:ext cx="8153400" cy="3429000"/>
+          </a:xfrm>
+        </p:spPr>
+        <p:txBody>
+          <a:bodyPr>
+            <a:normAutofit fontScale="77500" lnSpcReduction="20000"/>
+          </a:bodyPr>
+          <a:lstStyle/>
+          <a:p>
+            <a:r>
+              <a:rPr lang="en-US" dirty="0" smtClean="0"/>
+              <a:t>Thrust Altitude Control Forces</a:t>
+            </a:r>
+            <a:r>
+              <a:rPr lang="en-US" dirty="0" smtClean="0"/>
+              <a:t/>
+            </a:r>
+            <a:br>
+              <a:rPr lang="en-US" dirty="0" smtClean="0"/>
+            </a:br>
+            <a:endParaRPr lang="en-US" dirty="0" smtClean="0"/>
+          </a:p>
+          <a:p>
+            <a:r>
+              <a:rPr lang="en-US" dirty="0" smtClean="0"/>
+              <a:t>Thrust Roll </a:t>
+            </a:r>
+            <a:r>
+              <a:rPr lang="en-US" dirty="0" smtClean="0"/>
+              <a:t>Control Forces</a:t>
+            </a:r>
+            <a:br>
+              <a:rPr lang="en-US" dirty="0" smtClean="0"/>
+            </a:br>
+            <a:endParaRPr lang="en-US" dirty="0" smtClean="0"/>
+          </a:p>
+          <a:p>
+            <a:r>
+              <a:rPr lang="en-US" dirty="0" smtClean="0"/>
+              <a:t>Thrust Pitch C</a:t>
+            </a:r>
+            <a:r>
+              <a:rPr lang="en-US" dirty="0" smtClean="0"/>
+              <a:t>ontrol Forces</a:t>
+            </a:r>
+            <a:br>
+              <a:rPr lang="en-US" dirty="0" smtClean="0"/>
+            </a:br>
+            <a:endParaRPr lang="en-US" dirty="0" smtClean="0"/>
+          </a:p>
+          <a:p>
+            <a:r>
+              <a:rPr lang="en-US" dirty="0" smtClean="0"/>
+              <a:t>Drag Yaw Control Forces </a:t>
+            </a:r>
+          </a:p>
+          <a:p>
+            <a:endParaRPr lang="en-US" dirty="0" smtClean="0"/>
+          </a:p>
+          <a:p>
+            <a:r>
+              <a:rPr lang="en-US" dirty="0" smtClean="0"/>
+              <a:t>Motor Output Signals</a:t>
+            </a:r>
+            <a:br>
+              <a:rPr lang="en-US" dirty="0" smtClean="0"/>
+            </a:br>
+            <a:endParaRPr lang="en-US" dirty="0" smtClean="0"/>
+          </a:p>
+          <a:p>
+            <a:endParaRPr lang="en-US" dirty="0" smtClean="0"/>
+          </a:p>
+        </p:txBody>
+      </p:sp>
+      <p:sp>
+        <p:nvSpPr>
+          <p:cNvPr id="5" name="Footer Placeholder 5"/>
+          <p:cNvSpPr>
+            <a:spLocks noGrp="1"/>
+          </p:cNvSpPr>
+          <p:nvPr>
+            <p:ph type="ftr" sz="quarter" idx="11"/>
+          </p:nvPr>
+        </p:nvSpPr>
+        <p:spPr>
+          <a:xfrm>
+            <a:off x="609600" y="6248206"/>
+            <a:ext cx="5421083" cy="365125"/>
+          </a:xfrm>
+        </p:spPr>
+        <p:txBody>
+          <a:bodyPr/>
+          <a:lstStyle/>
+          <a:p>
+            <a:r>
+              <a:rPr lang="en-AU" dirty="0" smtClean="0"/>
+              <a:t>Tim Molloy</a:t>
+            </a:r>
+            <a:endParaRPr lang="en-AU" dirty="0"/>
+          </a:p>
+        </p:txBody>
+      </p:sp>
+      <p:pic>
+        <p:nvPicPr>
+          <p:cNvPr id="6" name="Picture 5"/>
+          <p:cNvPicPr/>
+          <p:nvPr/>
+        </p:nvPicPr>
+        <p:blipFill>
+          <a:blip r:embed="rId3" cstate="print"/>
+          <a:srcRect l="9749" t="2397" r="4945" b="4124"/>
+          <a:stretch>
+            <a:fillRect/>
+          </a:stretch>
+        </p:blipFill>
+        <p:spPr bwMode="auto">
+          <a:xfrm>
+            <a:off x="6248400" y="1600200"/>
+            <a:ext cx="2667000" cy="2971800"/>
+          </a:xfrm>
+          <a:prstGeom prst="rect">
+            <a:avLst/>
+          </a:prstGeom>
+          <a:noFill/>
+          <a:ln w="9525">
+            <a:noFill/>
+            <a:miter lim="800000"/>
+            <a:headEnd/>
+            <a:tailEnd/>
+          </a:ln>
+        </p:spPr>
+      </p:pic>
+      <p:graphicFrame>
+        <p:nvGraphicFramePr>
+          <p:cNvPr id="7" name="Object 6"/>
+          <p:cNvGraphicFramePr>
+            <a:graphicFrameLocks noChangeAspect="1"/>
+          </p:cNvGraphicFramePr>
+          <p:nvPr/>
+        </p:nvGraphicFramePr>
+        <p:xfrm>
+          <a:off x="2362200" y="1981200"/>
+          <a:ext cx="2914650" cy="357188"/>
+        </p:xfrm>
+        <a:graphic>
+          <a:graphicData uri="http://schemas.openxmlformats.org/presentationml/2006/ole">
+            <p:oleObj spid="_x0000_s20482" name="Equation" r:id="rId4" imgW="1447800" imgH="177800" progId="Equation.3">
+              <p:embed/>
+            </p:oleObj>
+          </a:graphicData>
+        </a:graphic>
+      </p:graphicFrame>
+      <p:graphicFrame>
+        <p:nvGraphicFramePr>
+          <p:cNvPr id="20483" name="Object 3"/>
+          <p:cNvGraphicFramePr>
+            <a:graphicFrameLocks noChangeAspect="1"/>
+          </p:cNvGraphicFramePr>
+          <p:nvPr/>
+        </p:nvGraphicFramePr>
+        <p:xfrm>
+          <a:off x="2362199" y="2667000"/>
+          <a:ext cx="1687508" cy="357187"/>
+        </p:xfrm>
+        <a:graphic>
+          <a:graphicData uri="http://schemas.openxmlformats.org/presentationml/2006/ole">
+            <p:oleObj spid="_x0000_s20483" name="Equation" r:id="rId5" imgW="838200" imgH="177800" progId="Equation.3">
+              <p:embed/>
+            </p:oleObj>
+          </a:graphicData>
+        </a:graphic>
+      </p:graphicFrame>
+      <p:graphicFrame>
+        <p:nvGraphicFramePr>
+          <p:cNvPr id="20484" name="Object 4"/>
+          <p:cNvGraphicFramePr>
+            <a:graphicFrameLocks noChangeAspect="1"/>
+          </p:cNvGraphicFramePr>
+          <p:nvPr/>
+        </p:nvGraphicFramePr>
+        <p:xfrm>
+          <a:off x="2362200" y="3276600"/>
+          <a:ext cx="1560513" cy="371689"/>
+        </p:xfrm>
+        <a:graphic>
+          <a:graphicData uri="http://schemas.openxmlformats.org/presentationml/2006/ole">
+            <p:oleObj spid="_x0000_s20484" name="Equation" r:id="rId6" imgW="850900" imgH="203200" progId="Equation.3">
+              <p:embed/>
+            </p:oleObj>
+          </a:graphicData>
+        </a:graphic>
+      </p:graphicFrame>
+      <p:graphicFrame>
+        <p:nvGraphicFramePr>
+          <p:cNvPr id="20485" name="Object 5"/>
+          <p:cNvGraphicFramePr>
+            <a:graphicFrameLocks noChangeAspect="1"/>
+          </p:cNvGraphicFramePr>
+          <p:nvPr/>
+        </p:nvGraphicFramePr>
+        <p:xfrm>
+          <a:off x="2362200" y="3962401"/>
+          <a:ext cx="3221804" cy="412186"/>
+        </p:xfrm>
+        <a:graphic>
+          <a:graphicData uri="http://schemas.openxmlformats.org/presentationml/2006/ole">
+            <p:oleObj spid="_x0000_s20485" name="Equation" r:id="rId7" imgW="1879600" imgH="241300" progId="Equation.3">
+              <p:embed/>
+            </p:oleObj>
+          </a:graphicData>
+        </a:graphic>
+      </p:graphicFrame>
+      <p:graphicFrame>
+        <p:nvGraphicFramePr>
+          <p:cNvPr id="20486" name="Content Placeholder 5"/>
+          <p:cNvGraphicFramePr>
+            <a:graphicFrameLocks noChangeAspect="1"/>
+          </p:cNvGraphicFramePr>
+          <p:nvPr/>
+        </p:nvGraphicFramePr>
+        <p:xfrm>
+          <a:off x="936625" y="4800600"/>
+          <a:ext cx="4229100" cy="1905000"/>
+        </p:xfrm>
+        <a:graphic>
+          <a:graphicData uri="http://schemas.openxmlformats.org/presentationml/2006/ole">
+            <p:oleObj spid="_x0000_s20486" name="Equation" r:id="rId8" imgW="2057400" imgH="927100" progId="Equation.3">
+              <p:embed/>
+            </p:oleObj>
+          </a:graphicData>
+        </a:graphic>
+      </p:graphicFrame>
+    </p:spTree>
+  </p:cSld>
+  <p:clrMapOvr>
+    <a:masterClrMapping/>
+  </p:clrMapOvr>
+  <p:timing>
+    <p:tnLst>
+      <p:par>
+        <p:cTn id="1" dur="indefinite" restart="never" nodeType="tmRoot"/>
+      </p:par>
+    </p:tnLst>
+  </p:timing>
+</p:sld>
+</file>
+
+<file path=ppt/slides/slide16.xml><?xml version="1.0" encoding="utf-8"?>
+<p:sld xmlns:a="http://schemas.openxmlformats.org/drawingml/2006/main" xmlns:r="http://schemas.openxmlformats.org/officeDocument/2006/relationships" xmlns:mc="http://schemas.openxmlformats.org/markup-compatibility/2006" xmlns:mv="urn:schemas-microsoft-com:mac:vml" xmlns:p="http://schemas.openxmlformats.org/presentationml/2006/main" mc:Ignorable="mv" mc:PreserveAttributes="mv:*">
+  <p:cSld>
+    <p:spTree>
+      <p:nvGrpSpPr>
+        <p:cNvPr id="1" name=""/>
+        <p:cNvGrpSpPr/>
+        <p:nvPr/>
+      </p:nvGrpSpPr>
+      <p:grpSpPr>
+        <a:xfrm>
+          <a:off x="0" y="0"/>
+          <a:ext cx="0" cy="0"/>
+          <a:chOff x="0" y="0"/>
+          <a:chExt cx="0" cy="0"/>
+        </a:xfrm>
+      </p:grpSpPr>
+      <p:sp>
+        <p:nvSpPr>
+          <p:cNvPr id="2" name="Title 1"/>
+          <p:cNvSpPr>
+            <a:spLocks noGrp="1"/>
+          </p:cNvSpPr>
+          <p:nvPr>
+            <p:ph type="title"/>
+          </p:nvPr>
+        </p:nvSpPr>
+        <p:spPr/>
+        <p:txBody>
+          <a:bodyPr/>
+          <a:lstStyle/>
+          <a:p>
+            <a:r>
+              <a:rPr lang="en-US" dirty="0" smtClean="0"/>
+              <a:t>Attitude Control</a:t>
+            </a:r>
+            <a:endParaRPr lang="en-US" dirty="0"/>
+          </a:p>
+        </p:txBody>
+      </p:sp>
+      <p:sp>
+        <p:nvSpPr>
+          <p:cNvPr id="3" name="Slide Number Placeholder 2"/>
+          <p:cNvSpPr>
+            <a:spLocks noGrp="1"/>
+          </p:cNvSpPr>
+          <p:nvPr>
+            <p:ph type="sldNum" sz="quarter" idx="12"/>
+          </p:nvPr>
+        </p:nvSpPr>
+        <p:spPr/>
+        <p:txBody>
+          <a:bodyPr>
+            <a:normAutofit fontScale="85000" lnSpcReduction="20000"/>
+          </a:bodyPr>
+          <a:lstStyle/>
+          <a:p>
+            <a:fld id="{5AEDDE57-BFB4-403C-8AD6-39A9EF93D28E}" type="slidenum">
+              <a:rPr lang="en-AU" smtClean="0"/>
+              <a:pPr/>
+              <a:t>16</a:t>
+            </a:fld>
+            <a:endParaRPr lang="en-AU"/>
+          </a:p>
+        </p:txBody>
+      </p:sp>
+      <p:sp>
+        <p:nvSpPr>
+          <p:cNvPr id="5" name="Footer Placeholder 5"/>
+          <p:cNvSpPr>
+            <a:spLocks noGrp="1"/>
+          </p:cNvSpPr>
+          <p:nvPr>
+            <p:ph type="ftr" sz="quarter" idx="11"/>
+          </p:nvPr>
+        </p:nvSpPr>
+        <p:spPr>
+          <a:xfrm>
+            <a:off x="609600" y="6248206"/>
+            <a:ext cx="5421083" cy="365125"/>
+          </a:xfrm>
+        </p:spPr>
+        <p:txBody>
+          <a:bodyPr/>
+          <a:lstStyle/>
+          <a:p>
+            <a:r>
+              <a:rPr lang="en-AU" smtClean="0"/>
+              <a:t>Tim Molloy</a:t>
+            </a:r>
+            <a:endParaRPr lang="en-AU" dirty="0"/>
+          </a:p>
+        </p:txBody>
+      </p:sp>
+      <p:sp>
+        <p:nvSpPr>
+          <p:cNvPr id="7" name="Content Placeholder 6"/>
+          <p:cNvSpPr>
+            <a:spLocks noGrp="1"/>
+          </p:cNvSpPr>
+          <p:nvPr>
+            <p:ph sz="quarter" idx="1"/>
+          </p:nvPr>
+        </p:nvSpPr>
+        <p:spPr/>
+        <p:txBody>
+          <a:bodyPr/>
+          <a:lstStyle/>
+          <a:p>
+            <a:endParaRPr lang="en-US"/>
+          </a:p>
+        </p:txBody>
+      </p:sp>
+    </p:spTree>
+  </p:cSld>
+  <p:clrMapOvr>
+    <a:masterClrMapping/>
+  </p:clrMapOvr>
+  <p:timing>
+    <p:tnLst>
+      <p:par>
+        <p:cTn id="1" dur="indefinite" restart="never" nodeType="tmRoot"/>
+      </p:par>
+    </p:tnLst>
+  </p:timing>
+</p:sld>
+</file>
+
+<file path=ppt/slides/slide17.xml><?xml version="1.0" encoding="utf-8"?>
+<p:sld xmlns:a="http://schemas.openxmlformats.org/drawingml/2006/main" xmlns:r="http://schemas.openxmlformats.org/officeDocument/2006/relationships" xmlns:mc="http://schemas.openxmlformats.org/markup-compatibility/2006" xmlns:mv="urn:schemas-microsoft-com:mac:vml" xmlns:p="http://schemas.openxmlformats.org/presentationml/2006/main" mc:Ignorable="mv" mc:PreserveAttributes="mv:*">
+  <p:cSld>
+    <p:spTree>
+      <p:nvGrpSpPr>
+        <p:cNvPr id="1" name=""/>
+        <p:cNvGrpSpPr/>
+        <p:nvPr/>
+      </p:nvGrpSpPr>
+      <p:grpSpPr>
+        <a:xfrm>
+          <a:off x="0" y="0"/>
+          <a:ext cx="0" cy="0"/>
+          <a:chOff x="0" y="0"/>
+          <a:chExt cx="0" cy="0"/>
+        </a:xfrm>
+      </p:grpSpPr>
+      <p:sp>
+        <p:nvSpPr>
+          <p:cNvPr id="2" name="Title 1"/>
+          <p:cNvSpPr>
+            <a:spLocks noGrp="1"/>
+          </p:cNvSpPr>
+          <p:nvPr>
+            <p:ph type="title"/>
+          </p:nvPr>
+        </p:nvSpPr>
+        <p:spPr/>
+        <p:txBody>
+          <a:bodyPr/>
+          <a:lstStyle/>
+          <a:p>
+            <a:r>
+              <a:rPr lang="en-US" dirty="0" smtClean="0"/>
+              <a:t>Guidance</a:t>
+            </a:r>
+            <a:endParaRPr lang="en-US" dirty="0"/>
+          </a:p>
+        </p:txBody>
+      </p:sp>
+      <p:sp>
+        <p:nvSpPr>
+          <p:cNvPr id="3" name="Slide Number Placeholder 2"/>
+          <p:cNvSpPr>
+            <a:spLocks noGrp="1"/>
+          </p:cNvSpPr>
+          <p:nvPr>
+            <p:ph type="sldNum" sz="quarter" idx="12"/>
+          </p:nvPr>
+        </p:nvSpPr>
+        <p:spPr/>
+        <p:txBody>
+          <a:bodyPr>
+            <a:normAutofit fontScale="85000" lnSpcReduction="20000"/>
+          </a:bodyPr>
+          <a:lstStyle/>
+          <a:p>
+            <a:fld id="{5AEDDE57-BFB4-403C-8AD6-39A9EF93D28E}" type="slidenum">
+              <a:rPr lang="en-AU" smtClean="0"/>
+              <a:pPr/>
+              <a:t>17</a:t>
+            </a:fld>
+            <a:endParaRPr lang="en-AU"/>
+          </a:p>
+        </p:txBody>
+      </p:sp>
+      <p:sp>
+        <p:nvSpPr>
+          <p:cNvPr id="4" name="Content Placeholder 3"/>
+          <p:cNvSpPr>
+            <a:spLocks noGrp="1"/>
+          </p:cNvSpPr>
+          <p:nvPr>
+            <p:ph sz="quarter" idx="1"/>
+          </p:nvPr>
+        </p:nvSpPr>
+        <p:spPr/>
+        <p:txBody>
+          <a:bodyPr/>
+          <a:lstStyle/>
+          <a:p>
+            <a:endParaRPr lang="en-US"/>
+          </a:p>
+        </p:txBody>
+      </p:sp>
+      <p:sp>
+        <p:nvSpPr>
+          <p:cNvPr id="5" name="Footer Placeholder 5"/>
+          <p:cNvSpPr>
+            <a:spLocks noGrp="1"/>
+          </p:cNvSpPr>
+          <p:nvPr>
+            <p:ph type="ftr" sz="quarter" idx="11"/>
+          </p:nvPr>
+        </p:nvSpPr>
+        <p:spPr>
+          <a:xfrm>
+            <a:off x="609600" y="6248206"/>
+            <a:ext cx="5421083" cy="365125"/>
+          </a:xfrm>
+        </p:spPr>
+        <p:txBody>
+          <a:bodyPr/>
+          <a:lstStyle/>
+          <a:p>
+            <a:r>
+              <a:rPr lang="en-AU" smtClean="0"/>
+              <a:t>Tim Molloy</a:t>
+            </a:r>
+            <a:endParaRPr lang="en-AU" dirty="0"/>
+          </a:p>
+        </p:txBody>
+      </p:sp>
+    </p:spTree>
+  </p:cSld>
+  <p:clrMapOvr>
+    <a:masterClrMapping/>
+  </p:clrMapOvr>
+  <p:timing>
+    <p:tnLst>
+      <p:par>
+        <p:cTn id="1" dur="indefinite" restart="never" nodeType="tmRoot"/>
+      </p:par>
+    </p:tnLst>
+  </p:timing>
+</p:sld>
+</file>
+
+<file path=ppt/slides/slide2.xml><?xml version="1.0" encoding="utf-8"?>
+<p:sld xmlns:a="http://schemas.openxmlformats.org/drawingml/2006/main" xmlns:r="http://schemas.openxmlformats.org/officeDocument/2006/relationships" xmlns:mc="http://schemas.openxmlformats.org/markup-compatibility/2006" xmlns:mv="urn:schemas-microsoft-com:mac:vml" xmlns:p="http://schemas.openxmlformats.org/presentationml/2006/main" mc:Ignorable="mv" mc:PreserveAttributes="mv:*">
+  <p:cSld>
+    <p:spTree>
+      <p:nvGrpSpPr>
+        <p:cNvPr id="1" name=""/>
+        <p:cNvGrpSpPr/>
+        <p:nvPr/>
+      </p:nvGrpSpPr>
+      <p:grpSpPr>
+        <a:xfrm>
+          <a:off x="0" y="0"/>
+          <a:ext cx="0" cy="0"/>
+          <a:chOff x="0" y="0"/>
+          <a:chExt cx="0" cy="0"/>
+        </a:xfrm>
+      </p:grpSpPr>
+      <p:sp>
+        <p:nvSpPr>
+          <p:cNvPr id="2" name="Title 1"/>
+          <p:cNvSpPr>
+            <a:spLocks noGrp="1"/>
+          </p:cNvSpPr>
+          <p:nvPr>
+            <p:ph type="title"/>
+          </p:nvPr>
+        </p:nvSpPr>
+        <p:spPr/>
+        <p:txBody>
+          <a:bodyPr/>
+          <a:lstStyle/>
+          <a:p>
+            <a:pPr algn="ctr"/>
+            <a:r>
+              <a:rPr lang="en-AU" dirty="0" smtClean="0">
+                <a:effectLst>
+                  <a:reflection blurRad="6350" stA="55000" endA="300" endPos="45500" dir="5400000" sy="-100000" algn="bl" rotWithShape="0"/>
+                </a:effectLst>
+              </a:rPr>
+              <a:t>Contents</a:t>
+            </a:r>
+            <a:endParaRPr lang="en-AU" dirty="0">
+              <a:effectLst>
+                <a:reflection blurRad="6350" stA="55000" endA="300" endPos="45500" dir="5400000" sy="-100000" algn="bl" rotWithShape="0"/>
+              </a:effectLst>
+            </a:endParaRPr>
+          </a:p>
+        </p:txBody>
+      </p:sp>
+      <p:sp>
+        <p:nvSpPr>
+          <p:cNvPr id="3" name="Content Placeholder 2"/>
+          <p:cNvSpPr>
+            <a:spLocks noGrp="1"/>
+          </p:cNvSpPr>
+          <p:nvPr>
+            <p:ph idx="1"/>
+          </p:nvPr>
+        </p:nvSpPr>
+        <p:spPr>
+          <a:xfrm>
+            <a:off x="928662" y="1500174"/>
+            <a:ext cx="7772400" cy="4572000"/>
+          </a:xfrm>
+        </p:spPr>
+        <p:txBody>
+          <a:bodyPr>
+            <a:normAutofit/>
+          </a:bodyPr>
+          <a:lstStyle/>
+          <a:p>
+            <a:endParaRPr lang="en-AU" dirty="0" smtClean="0"/>
+          </a:p>
+        </p:txBody>
+      </p:sp>
+      <p:sp>
+        <p:nvSpPr>
+          <p:cNvPr id="4" name="Slide Number Placeholder 3"/>
+          <p:cNvSpPr>
+            <a:spLocks noGrp="1"/>
+          </p:cNvSpPr>
+          <p:nvPr>
+            <p:ph type="sldNum" sz="quarter" idx="12"/>
+          </p:nvPr>
+        </p:nvSpPr>
+        <p:spPr/>
+        <p:txBody>
+          <a:bodyPr>
+            <a:normAutofit fontScale="85000" lnSpcReduction="20000"/>
+          </a:bodyPr>
+          <a:lstStyle/>
+          <a:p>
+            <a:fld id="{5AEDDE57-BFB4-403C-8AD6-39A9EF93D28E}" type="slidenum">
+              <a:rPr lang="en-AU" smtClean="0"/>
+              <a:pPr/>
+              <a:t>2</a:t>
+            </a:fld>
+            <a:endParaRPr lang="en-AU" dirty="0"/>
+          </a:p>
+        </p:txBody>
+      </p:sp>
+    </p:spTree>
+  </p:cSld>
+  <p:clrMapOvr>
+    <a:masterClrMapping/>
+  </p:clrMapOvr>
+  <p:timing>
+    <p:tnLst>
+      <p:par>
+        <p:cTn id="1" dur="indefinite" restart="never" nodeType="tmRoot"/>
+      </p:par>
+    </p:tnLst>
+  </p:timing>
+</p:sld>
+</file>
+
+<file path=ppt/slides/slide3.xml><?xml version="1.0" encoding="utf-8"?>
+<p:sld xmlns:a="http://schemas.openxmlformats.org/drawingml/2006/main" xmlns:r="http://schemas.openxmlformats.org/officeDocument/2006/relationships" xmlns:mc="http://schemas.openxmlformats.org/markup-compatibility/2006" xmlns:mv="urn:schemas-microsoft-com:mac:vml" xmlns:p="http://schemas.openxmlformats.org/presentationml/2006/main" mc:Ignorable="mv" mc:PreserveAttributes="mv:*">
+  <p:cSld>
+    <p:spTree>
+      <p:nvGrpSpPr>
+        <p:cNvPr id="1" name=""/>
+        <p:cNvGrpSpPr/>
+        <p:nvPr/>
+      </p:nvGrpSpPr>
+      <p:grpSpPr>
+        <a:xfrm>
+          <a:off x="0" y="0"/>
+          <a:ext cx="0" cy="0"/>
+          <a:chOff x="0" y="0"/>
+          <a:chExt cx="0" cy="0"/>
+        </a:xfrm>
+      </p:grpSpPr>
+      <p:sp>
+        <p:nvSpPr>
+          <p:cNvPr id="2" name="Title 1"/>
+          <p:cNvSpPr>
+            <a:spLocks noGrp="1"/>
+          </p:cNvSpPr>
+          <p:nvPr>
+            <p:ph type="title"/>
+          </p:nvPr>
+        </p:nvSpPr>
+        <p:spPr/>
+        <p:txBody>
+          <a:bodyPr/>
+          <a:lstStyle/>
+          <a:p>
+            <a:pPr algn="ctr"/>
+            <a:r>
+              <a:rPr lang="en-AU" dirty="0" smtClean="0">
+                <a:effectLst>
+                  <a:reflection blurRad="6350" stA="55000" endA="300" endPos="45500" dir="5400000" sy="-100000" algn="bl" rotWithShape="0"/>
+                </a:effectLst>
+              </a:rPr>
+              <a:t>Introduction to AHNS 2010</a:t>
+            </a:r>
+            <a:endParaRPr lang="en-AU" dirty="0">
+              <a:effectLst>
+                <a:reflection blurRad="6350" stA="55000" endA="300" endPos="45500" dir="5400000" sy="-100000" algn="bl" rotWithShape="0"/>
+              </a:effectLst>
+            </a:endParaRPr>
+          </a:p>
+        </p:txBody>
+      </p:sp>
+      <p:sp>
+        <p:nvSpPr>
+          <p:cNvPr id="5" name="Slide Number Placeholder 4"/>
+          <p:cNvSpPr>
+            <a:spLocks noGrp="1"/>
+          </p:cNvSpPr>
+          <p:nvPr>
+            <p:ph type="sldNum" sz="quarter" idx="12"/>
+          </p:nvPr>
+        </p:nvSpPr>
+        <p:spPr/>
+        <p:txBody>
+          <a:bodyPr>
+            <a:normAutofit fontScale="85000" lnSpcReduction="20000"/>
+          </a:bodyPr>
+          <a:lstStyle/>
+          <a:p>
+            <a:fld id="{5AEDDE57-BFB4-403C-8AD6-39A9EF93D28E}" type="slidenum">
+              <a:rPr lang="en-AU" smtClean="0"/>
+              <a:pPr/>
+              <a:t>3</a:t>
+            </a:fld>
+            <a:endParaRPr lang="en-AU" dirty="0"/>
+          </a:p>
+        </p:txBody>
+      </p:sp>
+      <p:sp>
+        <p:nvSpPr>
+          <p:cNvPr id="6" name="Content Placeholder 5"/>
+          <p:cNvSpPr>
+            <a:spLocks noGrp="1"/>
+          </p:cNvSpPr>
+          <p:nvPr>
+            <p:ph sz="quarter" idx="1"/>
+          </p:nvPr>
+        </p:nvSpPr>
+        <p:spPr/>
+        <p:txBody>
+          <a:bodyPr/>
+          <a:lstStyle/>
+          <a:p>
+            <a:endParaRPr lang="en-AU" dirty="0"/>
+          </a:p>
+        </p:txBody>
+      </p:sp>
+    </p:spTree>
+  </p:cSld>
+  <p:clrMapOvr>
+    <a:masterClrMapping/>
+  </p:clrMapOvr>
+  <p:timing>
+    <p:tnLst>
+      <p:par>
+        <p:cTn id="1" dur="indefinite" restart="never" nodeType="tmRoot"/>
+      </p:par>
+    </p:tnLst>
+  </p:timing>
+</p:sld>
+</file>
+
+<file path=ppt/slides/slide4.xml><?xml version="1.0" encoding="utf-8"?>
+<p:sld xmlns:a="http://schemas.openxmlformats.org/drawingml/2006/main" xmlns:r="http://schemas.openxmlformats.org/officeDocument/2006/relationships" xmlns:mc="http://schemas.openxmlformats.org/markup-compatibility/2006" xmlns:mv="urn:schemas-microsoft-com:mac:vml" xmlns:p="http://schemas.openxmlformats.org/presentationml/2006/main" mc:Ignorable="mv" mc:PreserveAttributes="mv:*">
+  <p:cSld>
+    <p:spTree>
+      <p:nvGrpSpPr>
+        <p:cNvPr id="1" name=""/>
+        <p:cNvGrpSpPr/>
+        <p:nvPr/>
+      </p:nvGrpSpPr>
+      <p:grpSpPr>
+        <a:xfrm>
+          <a:off x="0" y="0"/>
+          <a:ext cx="0" cy="0"/>
+          <a:chOff x="0" y="0"/>
+          <a:chExt cx="0" cy="0"/>
+        </a:xfrm>
+      </p:grpSpPr>
+      <p:sp>
+        <p:nvSpPr>
+          <p:cNvPr id="2" name="Title 1"/>
+          <p:cNvSpPr>
+            <a:spLocks noGrp="1"/>
+          </p:cNvSpPr>
+          <p:nvPr>
+            <p:ph type="title"/>
+          </p:nvPr>
+        </p:nvSpPr>
+        <p:spPr/>
+        <p:txBody>
+          <a:bodyPr/>
+          <a:lstStyle/>
+          <a:p>
+            <a:pPr algn="ctr"/>
+            <a:r>
+              <a:rPr lang="en-AU" dirty="0" smtClean="0">
+                <a:effectLst>
+                  <a:reflection blurRad="6350" stA="55000" endA="300" endPos="45500" dir="5400000" sy="-100000" algn="bl" rotWithShape="0"/>
+                </a:effectLst>
+              </a:rPr>
+              <a:t>AHNS Project Aim</a:t>
+            </a:r>
+            <a:endParaRPr lang="en-AU" dirty="0">
+              <a:effectLst>
+                <a:reflection blurRad="6350" stA="55000" endA="300" endPos="45500" dir="5400000" sy="-100000" algn="bl" rotWithShape="0"/>
+              </a:effectLst>
+            </a:endParaRPr>
+          </a:p>
+        </p:txBody>
+      </p:sp>
+      <p:sp>
+        <p:nvSpPr>
+          <p:cNvPr id="3" name="Content Placeholder 2"/>
+          <p:cNvSpPr>
+            <a:spLocks noGrp="1"/>
+          </p:cNvSpPr>
+          <p:nvPr>
+            <p:ph idx="1"/>
+          </p:nvPr>
+        </p:nvSpPr>
+        <p:spPr/>
+        <p:txBody>
+          <a:bodyPr/>
+          <a:lstStyle/>
+          <a:p>
+            <a:r>
+              <a:rPr lang="en-AU" dirty="0" smtClean="0"/>
+              <a:t>AHNS: To develop an autonomous indoor helicopter navigation system capable of carrying a payload.</a:t>
+            </a:r>
+          </a:p>
+          <a:p>
+            <a:endParaRPr lang="en-AU" dirty="0" smtClean="0"/>
+          </a:p>
+          <a:p>
+            <a:endParaRPr lang="en-AU" dirty="0" smtClean="0"/>
+          </a:p>
+        </p:txBody>
+      </p:sp>
+      <p:sp>
+        <p:nvSpPr>
+          <p:cNvPr id="4" name="Slide Number Placeholder 3"/>
+          <p:cNvSpPr>
+            <a:spLocks noGrp="1"/>
+          </p:cNvSpPr>
+          <p:nvPr>
+            <p:ph type="sldNum" sz="quarter" idx="12"/>
+          </p:nvPr>
+        </p:nvSpPr>
+        <p:spPr/>
+        <p:txBody>
+          <a:bodyPr>
+            <a:normAutofit fontScale="85000" lnSpcReduction="20000"/>
+          </a:bodyPr>
+          <a:lstStyle/>
+          <a:p>
+            <a:fld id="{5AEDDE57-BFB4-403C-8AD6-39A9EF93D28E}" type="slidenum">
+              <a:rPr lang="en-AU" smtClean="0"/>
+              <a:pPr/>
+              <a:t>4</a:t>
+            </a:fld>
+            <a:endParaRPr lang="en-AU" dirty="0"/>
+          </a:p>
+        </p:txBody>
+      </p:sp>
+      <p:sp>
+        <p:nvSpPr>
+          <p:cNvPr id="6" name="Footer Placeholder 5"/>
+          <p:cNvSpPr>
+            <a:spLocks noGrp="1"/>
+          </p:cNvSpPr>
+          <p:nvPr>
+            <p:ph type="ftr" sz="quarter" idx="11"/>
+          </p:nvPr>
+        </p:nvSpPr>
+        <p:spPr/>
+        <p:txBody>
+          <a:bodyPr/>
+          <a:lstStyle/>
+          <a:p>
+            <a:r>
+              <a:rPr lang="en-AU" dirty="0" smtClean="0"/>
+              <a:t>Saad Khan</a:t>
+            </a:r>
+            <a:endParaRPr lang="en-AU" dirty="0"/>
+          </a:p>
+        </p:txBody>
+      </p:sp>
+    </p:spTree>
+  </p:cSld>
+  <p:clrMapOvr>
+    <a:masterClrMapping/>
+  </p:clrMapOvr>
+  <p:timing>
+    <p:tnLst>
+      <p:par>
+        <p:cTn id="1" dur="indefinite" restart="never" nodeType="tmRoot"/>
+      </p:par>
+    </p:tnLst>
+  </p:timing>
+</p:sld>
+</file>
+
+<file path=ppt/slides/slide5.xml><?xml version="1.0" encoding="utf-8"?>
+<p:sld xmlns:a="http://schemas.openxmlformats.org/drawingml/2006/main" xmlns:r="http://schemas.openxmlformats.org/officeDocument/2006/relationships" xmlns:mc="http://schemas.openxmlformats.org/markup-compatibility/2006" xmlns:mv="urn:schemas-microsoft-com:mac:vml" xmlns:p="http://schemas.openxmlformats.org/presentationml/2006/main" mc:Ignorable="mv" mc:PreserveAttributes="mv:*">
+  <p:cSld>
+    <p:spTree>
+      <p:nvGrpSpPr>
+        <p:cNvPr id="1" name=""/>
+        <p:cNvGrpSpPr/>
+        <p:nvPr/>
+      </p:nvGrpSpPr>
+      <p:grpSpPr>
+        <a:xfrm>
+          <a:off x="0" y="0"/>
+          <a:ext cx="0" cy="0"/>
+          <a:chOff x="0" y="0"/>
+          <a:chExt cx="0" cy="0"/>
+        </a:xfrm>
+      </p:grpSpPr>
+      <p:sp>
+        <p:nvSpPr>
+          <p:cNvPr id="2" name="Title 1"/>
+          <p:cNvSpPr>
+            <a:spLocks noGrp="1"/>
+          </p:cNvSpPr>
+          <p:nvPr>
+            <p:ph type="ctrTitle"/>
+          </p:nvPr>
+        </p:nvSpPr>
+        <p:spPr/>
+        <p:txBody>
+          <a:bodyPr>
+            <a:normAutofit fontScale="90000"/>
+          </a:bodyPr>
+          <a:lstStyle/>
+          <a:p>
+            <a:r>
+              <a:rPr lang="en-AU" dirty="0" smtClean="0"/>
+              <a:t>Ground Control Station &amp; Flight control</a:t>
+            </a:r>
+            <a:endParaRPr lang="en-US" dirty="0"/>
+          </a:p>
+        </p:txBody>
+      </p:sp>
+      <p:sp>
+        <p:nvSpPr>
+          <p:cNvPr id="3" name="Subtitle 2"/>
+          <p:cNvSpPr>
+            <a:spLocks noGrp="1"/>
+          </p:cNvSpPr>
+          <p:nvPr>
+            <p:ph type="subTitle" idx="1"/>
+          </p:nvPr>
+        </p:nvSpPr>
+        <p:spPr/>
+        <p:txBody>
+          <a:bodyPr/>
+          <a:lstStyle/>
+          <a:p>
+            <a:r>
+              <a:rPr lang="en-AU" dirty="0" smtClean="0"/>
+              <a:t>Tim Molloy</a:t>
+            </a:r>
+            <a:endParaRPr lang="en-US" dirty="0"/>
+          </a:p>
+        </p:txBody>
+      </p:sp>
+    </p:spTree>
+  </p:cSld>
+  <p:clrMapOvr>
+    <a:masterClrMapping/>
+  </p:clrMapOvr>
+  <p:timing>
+    <p:tnLst>
+      <p:par>
+        <p:cTn id="1" dur="indefinite" restart="never" nodeType="tmRoot"/>
+      </p:par>
+    </p:tnLst>
+  </p:timing>
+</p:sld>
+</file>
+
+<file path=ppt/slides/slide6.xml><?xml version="1.0" encoding="utf-8"?>
+<p:sld xmlns:a="http://schemas.openxmlformats.org/drawingml/2006/main" xmlns:r="http://schemas.openxmlformats.org/officeDocument/2006/relationships" xmlns:mc="http://schemas.openxmlformats.org/markup-compatibility/2006" xmlns:mv="urn:schemas-microsoft-com:mac:vml" xmlns:p="http://schemas.openxmlformats.org/presentationml/2006/main" mc:Ignorable="mv" mc:PreserveAttributes="mv:*">
+  <p:cSld>
+    <p:spTree>
+      <p:nvGrpSpPr>
+        <p:cNvPr id="1" name=""/>
+        <p:cNvGrpSpPr/>
+        <p:nvPr/>
+      </p:nvGrpSpPr>
+      <p:grpSpPr>
+        <a:xfrm>
+          <a:off x="0" y="0"/>
+          <a:ext cx="0" cy="0"/>
+          <a:chOff x="0" y="0"/>
+          <a:chExt cx="0" cy="0"/>
+        </a:xfrm>
+      </p:grpSpPr>
+      <p:sp>
+        <p:nvSpPr>
+          <p:cNvPr id="2" name="Title 1"/>
+          <p:cNvSpPr>
+            <a:spLocks noGrp="1"/>
+          </p:cNvSpPr>
+          <p:nvPr>
+            <p:ph type="title"/>
+          </p:nvPr>
+        </p:nvSpPr>
+        <p:spPr/>
+        <p:txBody>
+          <a:bodyPr/>
+          <a:lstStyle/>
+          <a:p>
+            <a:r>
+              <a:rPr lang="en-US" dirty="0" smtClean="0"/>
+              <a:t>Role of the GCS and Control</a:t>
+            </a:r>
+            <a:endParaRPr lang="en-US" dirty="0"/>
+          </a:p>
+        </p:txBody>
+      </p:sp>
+      <p:sp>
+        <p:nvSpPr>
+          <p:cNvPr id="3" name="Slide Number Placeholder 2"/>
+          <p:cNvSpPr>
+            <a:spLocks noGrp="1"/>
+          </p:cNvSpPr>
+          <p:nvPr>
+            <p:ph type="sldNum" sz="quarter" idx="12"/>
+          </p:nvPr>
+        </p:nvSpPr>
+        <p:spPr/>
+        <p:txBody>
+          <a:bodyPr>
+            <a:normAutofit fontScale="85000" lnSpcReduction="20000"/>
+          </a:bodyPr>
+          <a:lstStyle/>
+          <a:p>
+            <a:fld id="{5AEDDE57-BFB4-403C-8AD6-39A9EF93D28E}" type="slidenum">
+              <a:rPr lang="en-AU" smtClean="0"/>
+              <a:pPr/>
+              <a:t>6</a:t>
+            </a:fld>
+            <a:endParaRPr lang="en-AU" dirty="0"/>
+          </a:p>
+        </p:txBody>
+      </p:sp>
+      <p:sp>
+        <p:nvSpPr>
+          <p:cNvPr id="4" name="Content Placeholder 3"/>
+          <p:cNvSpPr>
+            <a:spLocks noGrp="1"/>
+          </p:cNvSpPr>
+          <p:nvPr>
+            <p:ph sz="quarter" idx="1"/>
+          </p:nvPr>
+        </p:nvSpPr>
+        <p:spPr/>
+        <p:txBody>
+          <a:bodyPr>
+            <a:normAutofit fontScale="92500" lnSpcReduction="10000"/>
+          </a:bodyPr>
+          <a:lstStyle/>
+          <a:p>
+            <a:r>
+              <a:rPr lang="en-AU" b="1" dirty="0" smtClean="0"/>
+              <a:t>HLO-4 Autonomous Hovering Flight</a:t>
+            </a:r>
+          </a:p>
+          <a:p>
+            <a:pPr>
+              <a:buNone/>
+            </a:pPr>
+            <a:r>
+              <a:rPr lang="en-AU" dirty="0" smtClean="0"/>
+              <a:t>	An autopilot system should be developed to enable sustained indoor autonomous hovering flight. The control system should be designed to enable future ingress and egress manoeuvre to longitudinal and hovering flight. </a:t>
+            </a:r>
+          </a:p>
+          <a:p>
+            <a:r>
+              <a:rPr lang="en-AU" b="1" dirty="0" smtClean="0"/>
+              <a:t>HLO-5 Ground Control Station</a:t>
+            </a:r>
+          </a:p>
+          <a:p>
+            <a:pPr>
+              <a:buNone/>
+            </a:pPr>
+            <a:r>
+              <a:rPr lang="en-AU" dirty="0" smtClean="0"/>
+              <a:t>	A ground control station that supports appropriate command and system setting inputs and data display and logging should be developed. The design should be derived from previous AHNS developments and enable future ground station developments.</a:t>
+            </a:r>
+          </a:p>
+        </p:txBody>
+      </p:sp>
+      <p:sp>
+        <p:nvSpPr>
+          <p:cNvPr id="5" name="Footer Placeholder 5"/>
+          <p:cNvSpPr>
+            <a:spLocks noGrp="1"/>
+          </p:cNvSpPr>
+          <p:nvPr>
+            <p:ph type="ftr" sz="quarter" idx="11"/>
+          </p:nvPr>
+        </p:nvSpPr>
+        <p:spPr>
+          <a:xfrm>
+            <a:off x="609600" y="6248206"/>
+            <a:ext cx="5421083" cy="365125"/>
+          </a:xfrm>
+        </p:spPr>
+        <p:txBody>
+          <a:bodyPr/>
+          <a:lstStyle/>
+          <a:p>
+            <a:r>
+              <a:rPr lang="en-AU" dirty="0" smtClean="0"/>
+              <a:t>Tim Molloy</a:t>
+            </a:r>
+            <a:endParaRPr lang="en-AU" dirty="0"/>
+          </a:p>
+        </p:txBody>
+      </p:sp>
+    </p:spTree>
+  </p:cSld>
+  <p:clrMapOvr>
+    <a:masterClrMapping/>
+  </p:clrMapOvr>
+  <p:timing>
+    <p:tnLst>
+      <p:par>
+        <p:cTn id="1" dur="indefinite" restart="never" nodeType="tmRoot"/>
+      </p:par>
+    </p:tnLst>
+  </p:timing>
+</p:sld>
+</file>
+
+<file path=ppt/slides/slide7.xml><?xml version="1.0" encoding="utf-8"?>
+<p:sld xmlns:a="http://schemas.openxmlformats.org/drawingml/2006/main" xmlns:r="http://schemas.openxmlformats.org/officeDocument/2006/relationships" xmlns:mc="http://schemas.openxmlformats.org/markup-compatibility/2006" xmlns:mv="urn:schemas-microsoft-com:mac:vml" xmlns:p="http://schemas.openxmlformats.org/presentationml/2006/main" mc:Ignorable="mv" mc:PreserveAttributes="mv:*">
+  <p:cSld>
+    <p:spTree>
+      <p:nvGrpSpPr>
+        <p:cNvPr id="1" name=""/>
+        <p:cNvGrpSpPr/>
+        <p:nvPr/>
+      </p:nvGrpSpPr>
+      <p:grpSpPr>
+        <a:xfrm>
+          <a:off x="0" y="0"/>
+          <a:ext cx="0" cy="0"/>
+          <a:chOff x="0" y="0"/>
+          <a:chExt cx="0" cy="0"/>
+        </a:xfrm>
+      </p:grpSpPr>
+      <p:sp>
+        <p:nvSpPr>
+          <p:cNvPr id="6" name="Footer Placeholder 5"/>
+          <p:cNvSpPr>
+            <a:spLocks noGrp="1"/>
+          </p:cNvSpPr>
+          <p:nvPr>
+            <p:ph type="ftr" sz="quarter" idx="11"/>
+          </p:nvPr>
+        </p:nvSpPr>
+        <p:spPr>
+          <a:xfrm>
+            <a:off x="609600" y="6248206"/>
+            <a:ext cx="5421083" cy="365125"/>
+          </a:xfrm>
+        </p:spPr>
+        <p:txBody>
+          <a:bodyPr/>
+          <a:lstStyle/>
+          <a:p>
+            <a:r>
+              <a:rPr lang="en-AU" dirty="0" smtClean="0"/>
+              <a:t>Tim Molloy</a:t>
+            </a:r>
+            <a:endParaRPr lang="en-AU" dirty="0"/>
+          </a:p>
+        </p:txBody>
+      </p:sp>
+      <p:sp>
+        <p:nvSpPr>
+          <p:cNvPr id="2" name="Title 1"/>
+          <p:cNvSpPr>
+            <a:spLocks noGrp="1"/>
+          </p:cNvSpPr>
+          <p:nvPr>
+            <p:ph type="title"/>
+          </p:nvPr>
+        </p:nvSpPr>
+        <p:spPr/>
+        <p:txBody>
+          <a:bodyPr/>
+          <a:lstStyle/>
+          <a:p>
+            <a:r>
+              <a:rPr lang="en-US" dirty="0" smtClean="0"/>
+              <a:t>Software Architecture</a:t>
+            </a:r>
+            <a:endParaRPr lang="en-US" dirty="0"/>
+          </a:p>
+        </p:txBody>
+      </p:sp>
+      <p:sp>
+        <p:nvSpPr>
+          <p:cNvPr id="3" name="Slide Number Placeholder 2"/>
+          <p:cNvSpPr>
+            <a:spLocks noGrp="1"/>
+          </p:cNvSpPr>
+          <p:nvPr>
+            <p:ph type="sldNum" sz="quarter" idx="12"/>
+          </p:nvPr>
+        </p:nvSpPr>
+        <p:spPr/>
+        <p:txBody>
+          <a:bodyPr>
+            <a:normAutofit fontScale="85000" lnSpcReduction="20000"/>
+          </a:bodyPr>
+          <a:lstStyle/>
+          <a:p>
+            <a:fld id="{5AEDDE57-BFB4-403C-8AD6-39A9EF93D28E}" type="slidenum">
+              <a:rPr lang="en-AU" smtClean="0"/>
+              <a:pPr/>
+              <a:t>7</a:t>
+            </a:fld>
+            <a:endParaRPr lang="en-AU"/>
+          </a:p>
+        </p:txBody>
+      </p:sp>
+      <p:sp>
+        <p:nvSpPr>
+          <p:cNvPr id="4" name="Content Placeholder 3"/>
+          <p:cNvSpPr>
+            <a:spLocks noGrp="1"/>
+          </p:cNvSpPr>
+          <p:nvPr>
+            <p:ph sz="quarter" idx="1"/>
+          </p:nvPr>
+        </p:nvSpPr>
+        <p:spPr/>
+        <p:txBody>
+          <a:bodyPr/>
+          <a:lstStyle/>
+          <a:p>
+            <a:endParaRPr lang="en-US" dirty="0"/>
+          </a:p>
+        </p:txBody>
+      </p:sp>
+      <p:pic>
+        <p:nvPicPr>
+          <p:cNvPr id="5" name="Picture 4"/>
+          <p:cNvPicPr>
+            <a:picLocks noChangeAspect="1"/>
+          </p:cNvPicPr>
+          <p:nvPr/>
+        </p:nvPicPr>
+        <p:blipFill>
+          <a:blip r:embed="rId3"/>
+          <a:stretch>
+            <a:fillRect/>
+          </a:stretch>
+        </p:blipFill>
+        <p:spPr>
+          <a:xfrm>
+            <a:off x="609600" y="1600200"/>
+            <a:ext cx="7391400" cy="4850882"/>
+          </a:xfrm>
+          <a:prstGeom prst="rect">
+            <a:avLst/>
+          </a:prstGeom>
+          <a:ln>
+            <a:noFill/>
+          </a:ln>
+          <a:effectLst>
+            <a:outerShdw blurRad="292100" dist="139700" dir="2700000" algn="tl" rotWithShape="0">
+              <a:srgbClr val="333333">
+                <a:alpha val="65000"/>
+              </a:srgbClr>
+            </a:outerShdw>
+          </a:effectLst>
+        </p:spPr>
+      </p:pic>
+    </p:spTree>
+  </p:cSld>
+  <p:clrMapOvr>
+    <a:masterClrMapping/>
+  </p:clrMapOvr>
+  <p:timing>
+    <p:tnLst>
+      <p:par>
+        <p:cTn id="1" dur="indefinite" restart="never" nodeType="tmRoot"/>
+      </p:par>
+    </p:tnLst>
+  </p:timing>
+</p:sld>
+</file>
+
+<file path=ppt/slides/slide8.xml><?xml version="1.0" encoding="utf-8"?>
+<p:sld xmlns:a="http://schemas.openxmlformats.org/drawingml/2006/main" xmlns:r="http://schemas.openxmlformats.org/officeDocument/2006/relationships" xmlns:mc="http://schemas.openxmlformats.org/markup-compatibility/2006" xmlns:mv="urn:schemas-microsoft-com:mac:vml" xmlns:p="http://schemas.openxmlformats.org/presentationml/2006/main" mc:Ignorable="mv" mc:PreserveAttributes="mv:*">
+  <p:cSld>
+    <p:spTree>
+      <p:nvGrpSpPr>
+        <p:cNvPr id="1" name=""/>
+        <p:cNvGrpSpPr/>
+        <p:nvPr/>
+      </p:nvGrpSpPr>
+      <p:grpSpPr>
+        <a:xfrm>
+          <a:off x="0" y="0"/>
+          <a:ext cx="0" cy="0"/>
+          <a:chOff x="0" y="0"/>
+          <a:chExt cx="0" cy="0"/>
+        </a:xfrm>
+      </p:grpSpPr>
+      <p:sp>
+        <p:nvSpPr>
+          <p:cNvPr id="2" name="Title 1"/>
+          <p:cNvSpPr>
+            <a:spLocks noGrp="1"/>
+          </p:cNvSpPr>
+          <p:nvPr>
+            <p:ph type="title"/>
+          </p:nvPr>
+        </p:nvSpPr>
+        <p:spPr/>
+        <p:txBody>
+          <a:bodyPr/>
+          <a:lstStyle/>
+          <a:p>
+            <a:r>
+              <a:rPr lang="en-AU" dirty="0" smtClean="0"/>
+              <a:t>Ground Control Station</a:t>
+            </a:r>
+            <a:endParaRPr lang="en-AU" dirty="0"/>
+          </a:p>
+        </p:txBody>
+      </p:sp>
+      <p:sp>
+        <p:nvSpPr>
+          <p:cNvPr id="3" name="Slide Number Placeholder 2"/>
+          <p:cNvSpPr>
+            <a:spLocks noGrp="1"/>
+          </p:cNvSpPr>
+          <p:nvPr>
+            <p:ph type="sldNum" sz="quarter" idx="12"/>
+          </p:nvPr>
+        </p:nvSpPr>
+        <p:spPr/>
+        <p:txBody>
+          <a:bodyPr>
+            <a:normAutofit fontScale="85000" lnSpcReduction="20000"/>
+          </a:bodyPr>
+          <a:lstStyle/>
+          <a:p>
+            <a:fld id="{5AEDDE57-BFB4-403C-8AD6-39A9EF93D28E}" type="slidenum">
+              <a:rPr lang="en-AU" smtClean="0"/>
+              <a:pPr/>
+              <a:t>8</a:t>
+            </a:fld>
+            <a:endParaRPr lang="en-AU" dirty="0"/>
+          </a:p>
+        </p:txBody>
+      </p:sp>
+      <p:graphicFrame>
+        <p:nvGraphicFramePr>
+          <p:cNvPr id="5" name="Content Placeholder 4"/>
+          <p:cNvGraphicFramePr>
+            <a:graphicFrameLocks noGrp="1"/>
+          </p:cNvGraphicFramePr>
+          <p:nvPr>
+            <p:ph sz="quarter" idx="1"/>
+          </p:nvPr>
+        </p:nvGraphicFramePr>
+        <p:xfrm>
+          <a:off x="0" y="1500174"/>
+          <a:ext cx="9144000" cy="5357826"/>
+        </p:xfrm>
+        <a:graphic>
+          <a:graphicData uri="http://schemas.openxmlformats.org/drawingml/2006/diagram">
+            <a:relIds xmlns:dgm="http://schemas.openxmlformats.org/drawingml/2006/diagram" xmlns:r="http://schemas.openxmlformats.org/officeDocument/2006/relationships" r:dm="rId2" r:lo="rId3" r:qs="rId4" r:cs="rId5"/>
+          </a:graphicData>
+        </a:graphic>
+      </p:graphicFrame>
+      <p:sp>
+        <p:nvSpPr>
+          <p:cNvPr id="6" name="Footer Placeholder 5"/>
+          <p:cNvSpPr>
+            <a:spLocks noGrp="1"/>
+          </p:cNvSpPr>
+          <p:nvPr>
+            <p:ph type="ftr" sz="quarter" idx="11"/>
+          </p:nvPr>
+        </p:nvSpPr>
+        <p:spPr>
+          <a:xfrm>
+            <a:off x="609600" y="6248206"/>
+            <a:ext cx="5421083" cy="365125"/>
+          </a:xfrm>
+        </p:spPr>
+        <p:txBody>
+          <a:bodyPr/>
+          <a:lstStyle/>
+          <a:p>
+            <a:r>
+              <a:rPr lang="en-AU" smtClean="0"/>
+              <a:t>Tim Molloy</a:t>
+            </a:r>
+            <a:endParaRPr lang="en-AU" dirty="0"/>
+          </a:p>
+        </p:txBody>
+      </p:sp>
+    </p:spTree>
+  </p:cSld>
+  <p:clrMapOvr>
+    <a:masterClrMapping/>
+  </p:clrMapOvr>
+  <p:timing>
+    <p:tnLst>
+      <p:par>
+        <p:cTn id="1" dur="indefinite" restart="never" nodeType="tmRoot">
+          <p:childTnLst>
+            <p:seq concurrent="1" nextAc="seek">
+              <p:cTn id="2" dur="indefinite" nodeType="mainSeq">
+                <p:childTnLst>
+                  <p:par>
+                    <p:cTn id="3" fill="hold">
+                      <p:stCondLst>
+                        <p:cond delay="indefinite"/>
+                      </p:stCondLst>
+                      <p:childTnLst>
+                        <p:par>
+                          <p:cTn id="4" fill="hold">
+                            <p:stCondLst>
+                              <p:cond delay="0"/>
+                            </p:stCondLst>
+                            <p:childTnLst>
+                              <p:par>
+                                <p:cTn id="5" presetID="10" presetClass="entr" presetSubtype="0" fill="hold" grpId="0" nodeType="clickEffect">
+                                  <p:stCondLst>
+                                    <p:cond delay="0"/>
+                                  </p:stCondLst>
+                                  <p:childTnLst>
+                                    <p:set>
+                                      <p:cBhvr>
+                                        <p:cTn id="6" dur="1" fill="hold">
+                                          <p:stCondLst>
+                                            <p:cond delay="0"/>
+                                          </p:stCondLst>
+                                        </p:cTn>
+                                        <p:tgtEl>
+                                          <p:spTgt spid="5">
+                                            <p:graphicEl>
+                                              <a:dgm id="{28653E01-75C5-4902-A41D-F57AFA5B46DF}"/>
+                                            </p:graphicEl>
+                                          </p:spTgt>
+                                        </p:tgtEl>
+                                        <p:attrNameLst>
+                                          <p:attrName>style.visibility</p:attrName>
+                                        </p:attrNameLst>
+                                      </p:cBhvr>
+                                      <p:to>
+                                        <p:strVal val="visible"/>
+                                      </p:to>
+                                    </p:set>
+                                    <p:animEffect transition="in" filter="fade">
+                                      <p:cBhvr>
+                                        <p:cTn id="7" dur="1000"/>
+                                        <p:tgtEl>
+                                          <p:spTgt spid="5">
+                                            <p:graphicEl>
+                                              <a:dgm id="{28653E01-75C5-4902-A41D-F57AFA5B46DF}"/>
+                                            </p:graphicEl>
+                                          </p:spTgt>
+                                        </p:tgtEl>
+                                      </p:cBhvr>
+                                    </p:animEffect>
+                                  </p:childTnLst>
+                                </p:cTn>
+                              </p:par>
+                              <p:par>
+                                <p:cTn id="8" presetID="10" presetClass="entr" presetSubtype="0" fill="hold" grpId="0" nodeType="withEffect">
+                                  <p:stCondLst>
+                                    <p:cond delay="0"/>
+                                  </p:stCondLst>
+                                  <p:childTnLst>
+                                    <p:set>
+                                      <p:cBhvr>
+                                        <p:cTn id="9" dur="1" fill="hold">
+                                          <p:stCondLst>
+                                            <p:cond delay="0"/>
+                                          </p:stCondLst>
+                                        </p:cTn>
+                                        <p:tgtEl>
+                                          <p:spTgt spid="5">
+                                            <p:graphicEl>
+                                              <a:dgm id="{13DE8248-3ABC-4A3F-AD03-ADC18D359163}"/>
+                                            </p:graphicEl>
+                                          </p:spTgt>
+                                        </p:tgtEl>
+                                        <p:attrNameLst>
+                                          <p:attrName>style.visibility</p:attrName>
+                                        </p:attrNameLst>
+                                      </p:cBhvr>
+                                      <p:to>
+                                        <p:strVal val="visible"/>
+                                      </p:to>
+                                    </p:set>
+                                    <p:animEffect transition="in" filter="fade">
+                                      <p:cBhvr>
+                                        <p:cTn id="10" dur="1000"/>
+                                        <p:tgtEl>
+                                          <p:spTgt spid="5">
+                                            <p:graphicEl>
+                                              <a:dgm id="{13DE8248-3ABC-4A3F-AD03-ADC18D359163}"/>
+                                            </p:graphicEl>
+                                          </p:spTgt>
+                                        </p:tgtEl>
+                                      </p:cBhvr>
+                                    </p:animEffect>
+                                  </p:childTnLst>
+                                </p:cTn>
+                              </p:par>
+                            </p:childTnLst>
+                          </p:cTn>
+                        </p:par>
+                      </p:childTnLst>
+                    </p:cTn>
+                  </p:par>
+                  <p:par>
+                    <p:cTn id="11" fill="hold">
+                      <p:stCondLst>
+                        <p:cond delay="indefinite"/>
+                      </p:stCondLst>
+                      <p:childTnLst>
+                        <p:par>
+                          <p:cTn id="12" fill="hold">
+                            <p:stCondLst>
+                              <p:cond delay="0"/>
+                            </p:stCondLst>
+                            <p:childTnLst>
+                              <p:par>
+                                <p:cTn id="13" presetID="10" presetClass="entr" presetSubtype="0" fill="hold" grpId="0" nodeType="clickEffect">
+                                  <p:stCondLst>
+                                    <p:cond delay="0"/>
+                                  </p:stCondLst>
+                                  <p:childTnLst>
+                                    <p:set>
+                                      <p:cBhvr>
+                                        <p:cTn id="14" dur="1" fill="hold">
+                                          <p:stCondLst>
+                                            <p:cond delay="0"/>
+                                          </p:stCondLst>
+                                        </p:cTn>
+                                        <p:tgtEl>
+                                          <p:spTgt spid="5">
+                                            <p:graphicEl>
+                                              <a:dgm id="{D4257DB1-BF09-48F3-B4D4-E52E33EE1A29}"/>
+                                            </p:graphicEl>
+                                          </p:spTgt>
+                                        </p:tgtEl>
+                                        <p:attrNameLst>
+                                          <p:attrName>style.visibility</p:attrName>
+                                        </p:attrNameLst>
+                                      </p:cBhvr>
+                                      <p:to>
+                                        <p:strVal val="visible"/>
+                                      </p:to>
+                                    </p:set>
+                                    <p:animEffect transition="in" filter="fade">
+                                      <p:cBhvr>
+                                        <p:cTn id="15" dur="1000"/>
+                                        <p:tgtEl>
+                                          <p:spTgt spid="5">
+                                            <p:graphicEl>
+                                              <a:dgm id="{D4257DB1-BF09-48F3-B4D4-E52E33EE1A29}"/>
+                                            </p:graphicEl>
+                                          </p:spTgt>
+                                        </p:tgtEl>
+                                      </p:cBhvr>
+                                    </p:animEffect>
+                                  </p:childTnLst>
+                                </p:cTn>
+                              </p:par>
+                              <p:par>
+                                <p:cTn id="16" presetID="10" presetClass="entr" presetSubtype="0" fill="hold" grpId="0" nodeType="withEffect">
+                                  <p:stCondLst>
+                                    <p:cond delay="0"/>
+                                  </p:stCondLst>
+                                  <p:childTnLst>
+                                    <p:set>
+                                      <p:cBhvr>
+                                        <p:cTn id="17" dur="1" fill="hold">
+                                          <p:stCondLst>
+                                            <p:cond delay="0"/>
+                                          </p:stCondLst>
+                                        </p:cTn>
+                                        <p:tgtEl>
+                                          <p:spTgt spid="5">
+                                            <p:graphicEl>
+                                              <a:dgm id="{0B52177F-1D4B-4A19-8405-1161C755AD0A}"/>
+                                            </p:graphicEl>
+                                          </p:spTgt>
+                                        </p:tgtEl>
+                                        <p:attrNameLst>
+                                          <p:attrName>style.visibility</p:attrName>
+                                        </p:attrNameLst>
+                                      </p:cBhvr>
+                                      <p:to>
+                                        <p:strVal val="visible"/>
+                                      </p:to>
+                                    </p:set>
+                                    <p:animEffect transition="in" filter="fade">
+                                      <p:cBhvr>
+                                        <p:cTn id="18" dur="1000"/>
+                                        <p:tgtEl>
+                                          <p:spTgt spid="5">
+                                            <p:graphicEl>
+                                              <a:dgm id="{0B52177F-1D4B-4A19-8405-1161C755AD0A}"/>
+                                            </p:graphicEl>
+                                          </p:spTgt>
+                                        </p:tgtEl>
+                                      </p:cBhvr>
+                                    </p:animEffect>
+                                  </p:childTnLst>
+                                </p:cTn>
+                              </p:par>
+                              <p:par>
+                                <p:cTn id="19" presetID="10" presetClass="entr" presetSubtype="0" fill="hold" grpId="0" nodeType="withEffect">
+                                  <p:stCondLst>
+                                    <p:cond delay="0"/>
+                                  </p:stCondLst>
+                                  <p:childTnLst>
+                                    <p:set>
+                                      <p:cBhvr>
+                                        <p:cTn id="20" dur="1" fill="hold">
+                                          <p:stCondLst>
+                                            <p:cond delay="0"/>
+                                          </p:stCondLst>
+                                        </p:cTn>
+                                        <p:tgtEl>
+                                          <p:spTgt spid="5">
+                                            <p:graphicEl>
+                                              <a:dgm id="{990047FC-FE34-412F-856D-27FA8B11D464}"/>
+                                            </p:graphicEl>
+                                          </p:spTgt>
+                                        </p:tgtEl>
+                                        <p:attrNameLst>
+                                          <p:attrName>style.visibility</p:attrName>
+                                        </p:attrNameLst>
+                                      </p:cBhvr>
+                                      <p:to>
+                                        <p:strVal val="visible"/>
+                                      </p:to>
+                                    </p:set>
+                                    <p:animEffect transition="in" filter="fade">
+                                      <p:cBhvr>
+                                        <p:cTn id="21" dur="1000"/>
+                                        <p:tgtEl>
+                                          <p:spTgt spid="5">
+                                            <p:graphicEl>
+                                              <a:dgm id="{990047FC-FE34-412F-856D-27FA8B11D464}"/>
+                                            </p:graphicEl>
+                                          </p:spTgt>
+                                        </p:tgtEl>
+                                      </p:cBhvr>
+                                    </p:animEffect>
+                                  </p:childTnLst>
+                                </p:cTn>
+                              </p:par>
+                              <p:par>
+                                <p:cTn id="22" presetID="10" presetClass="entr" presetSubtype="0" fill="hold" grpId="0" nodeType="withEffect">
+                                  <p:stCondLst>
+                                    <p:cond delay="0"/>
+                                  </p:stCondLst>
+                                  <p:childTnLst>
+                                    <p:set>
+                                      <p:cBhvr>
+                                        <p:cTn id="23" dur="1" fill="hold">
+                                          <p:stCondLst>
+                                            <p:cond delay="0"/>
+                                          </p:stCondLst>
+                                        </p:cTn>
+                                        <p:tgtEl>
+                                          <p:spTgt spid="5">
+                                            <p:graphicEl>
+                                              <a:dgm id="{101E350F-E4C7-4BF3-ADB7-490FC3EE8992}"/>
+                                            </p:graphicEl>
+                                          </p:spTgt>
+                                        </p:tgtEl>
+                                        <p:attrNameLst>
+                                          <p:attrName>style.visibility</p:attrName>
+                                        </p:attrNameLst>
+                                      </p:cBhvr>
+                                      <p:to>
+                                        <p:strVal val="visible"/>
+                                      </p:to>
+                                    </p:set>
+                                    <p:animEffect transition="in" filter="fade">
+                                      <p:cBhvr>
+                                        <p:cTn id="24" dur="1000"/>
+                                        <p:tgtEl>
+                                          <p:spTgt spid="5">
+                                            <p:graphicEl>
+                                              <a:dgm id="{101E350F-E4C7-4BF3-ADB7-490FC3EE8992}"/>
+                                            </p:graphicEl>
+                                          </p:spTgt>
+                                        </p:tgtEl>
+                                      </p:cBhvr>
+                                    </p:animEffect>
+                                  </p:childTnLst>
+                                </p:cTn>
+                              </p:par>
+                              <p:par>
+                                <p:cTn id="25" presetID="10" presetClass="entr" presetSubtype="0" fill="hold" grpId="0" nodeType="withEffect">
+                                  <p:stCondLst>
+                                    <p:cond delay="0"/>
+                                  </p:stCondLst>
+                                  <p:childTnLst>
+                                    <p:set>
+                                      <p:cBhvr>
+                                        <p:cTn id="26" dur="1" fill="hold">
+                                          <p:stCondLst>
+                                            <p:cond delay="0"/>
+                                          </p:stCondLst>
+                                        </p:cTn>
+                                        <p:tgtEl>
+                                          <p:spTgt spid="5">
+                                            <p:graphicEl>
+                                              <a:dgm id="{6AE375A7-73AB-49F1-B829-4D2FDBE8636A}"/>
+                                            </p:graphicEl>
+                                          </p:spTgt>
+                                        </p:tgtEl>
+                                        <p:attrNameLst>
+                                          <p:attrName>style.visibility</p:attrName>
+                                        </p:attrNameLst>
+                                      </p:cBhvr>
+                                      <p:to>
+                                        <p:strVal val="visible"/>
+                                      </p:to>
+                                    </p:set>
+                                    <p:animEffect transition="in" filter="fade">
+                                      <p:cBhvr>
+                                        <p:cTn id="27" dur="1000"/>
+                                        <p:tgtEl>
+                                          <p:spTgt spid="5">
+                                            <p:graphicEl>
+                                              <a:dgm id="{6AE375A7-73AB-49F1-B829-4D2FDBE8636A}"/>
+                                            </p:graphicEl>
+                                          </p:spTgt>
+                                        </p:tgtEl>
+                                      </p:cBhvr>
+                                    </p:animEffect>
+                                  </p:childTnLst>
+                                </p:cTn>
+                              </p:par>
+                              <p:par>
+                                <p:cTn id="28" presetID="10" presetClass="entr" presetSubtype="0" fill="hold" grpId="0" nodeType="withEffect">
+                                  <p:stCondLst>
+                                    <p:cond delay="0"/>
+                                  </p:stCondLst>
+                                  <p:childTnLst>
+                                    <p:set>
+                                      <p:cBhvr>
+                                        <p:cTn id="29" dur="1" fill="hold">
+                                          <p:stCondLst>
+                                            <p:cond delay="0"/>
+                                          </p:stCondLst>
+                                        </p:cTn>
+                                        <p:tgtEl>
+                                          <p:spTgt spid="5">
+                                            <p:graphicEl>
+                                              <a:dgm id="{21B3CAD0-4C72-4929-B3EF-083EF8BADEF0}"/>
+                                            </p:graphicEl>
+                                          </p:spTgt>
+                                        </p:tgtEl>
+                                        <p:attrNameLst>
+                                          <p:attrName>style.visibility</p:attrName>
+                                        </p:attrNameLst>
+                                      </p:cBhvr>
+                                      <p:to>
+                                        <p:strVal val="visible"/>
+                                      </p:to>
+                                    </p:set>
+                                    <p:animEffect transition="in" filter="fade">
+                                      <p:cBhvr>
+                                        <p:cTn id="30" dur="1000"/>
+                                        <p:tgtEl>
+                                          <p:spTgt spid="5">
+                                            <p:graphicEl>
+                                              <a:dgm id="{21B3CAD0-4C72-4929-B3EF-083EF8BADEF0}"/>
+                                            </p:graphicEl>
+                                          </p:spTgt>
+                                        </p:tgtEl>
+                                      </p:cBhvr>
+                                    </p:animEffect>
+                                  </p:childTnLst>
+                                </p:cTn>
+                              </p:par>
+                              <p:par>
+                                <p:cTn id="31" presetID="10" presetClass="entr" presetSubtype="0" fill="hold" grpId="0" nodeType="withEffect">
+                                  <p:stCondLst>
+                                    <p:cond delay="0"/>
+                                  </p:stCondLst>
+                                  <p:childTnLst>
+                                    <p:set>
+                                      <p:cBhvr>
+                                        <p:cTn id="32" dur="1" fill="hold">
+                                          <p:stCondLst>
+                                            <p:cond delay="0"/>
+                                          </p:stCondLst>
+                                        </p:cTn>
+                                        <p:tgtEl>
+                                          <p:spTgt spid="5">
+                                            <p:graphicEl>
+                                              <a:dgm id="{438A48BA-BE3C-41CB-BFDC-24787B99FD99}"/>
+                                            </p:graphicEl>
+                                          </p:spTgt>
+                                        </p:tgtEl>
+                                        <p:attrNameLst>
+                                          <p:attrName>style.visibility</p:attrName>
+                                        </p:attrNameLst>
+                                      </p:cBhvr>
+                                      <p:to>
+                                        <p:strVal val="visible"/>
+                                      </p:to>
+                                    </p:set>
+                                    <p:animEffect transition="in" filter="fade">
+                                      <p:cBhvr>
+                                        <p:cTn id="33" dur="1000"/>
+                                        <p:tgtEl>
+                                          <p:spTgt spid="5">
+                                            <p:graphicEl>
+                                              <a:dgm id="{438A48BA-BE3C-41CB-BFDC-24787B99FD99}"/>
+                                            </p:graphicEl>
+                                          </p:spTgt>
+                                        </p:tgtEl>
+                                      </p:cBhvr>
+                                    </p:animEffect>
+                                  </p:childTnLst>
+                                </p:cTn>
+                              </p:par>
+                              <p:par>
+                                <p:cTn id="34" presetID="10" presetClass="entr" presetSubtype="0" fill="hold" grpId="0" nodeType="withEffect">
+                                  <p:stCondLst>
+                                    <p:cond delay="0"/>
+                                  </p:stCondLst>
+                                  <p:childTnLst>
+                                    <p:set>
+                                      <p:cBhvr>
+                                        <p:cTn id="35" dur="1" fill="hold">
+                                          <p:stCondLst>
+                                            <p:cond delay="0"/>
+                                          </p:stCondLst>
+                                        </p:cTn>
+                                        <p:tgtEl>
+                                          <p:spTgt spid="5">
+                                            <p:graphicEl>
+                                              <a:dgm id="{DE2CE76A-021B-48FF-ADC6-527C0AFD40FA}"/>
+                                            </p:graphicEl>
+                                          </p:spTgt>
+                                        </p:tgtEl>
+                                        <p:attrNameLst>
+                                          <p:attrName>style.visibility</p:attrName>
+                                        </p:attrNameLst>
+                                      </p:cBhvr>
+                                      <p:to>
+                                        <p:strVal val="visible"/>
+                                      </p:to>
+                                    </p:set>
+                                    <p:animEffect transition="in" filter="fade">
+                                      <p:cBhvr>
+                                        <p:cTn id="36" dur="1000"/>
+                                        <p:tgtEl>
+                                          <p:spTgt spid="5">
+                                            <p:graphicEl>
+                                              <a:dgm id="{DE2CE76A-021B-48FF-ADC6-527C0AFD40FA}"/>
+                                            </p:graphicEl>
+                                          </p:spTgt>
+                                        </p:tgtEl>
+                                      </p:cBhvr>
+                                    </p:animEffect>
+                                  </p:childTnLst>
+                                </p:cTn>
+                              </p:par>
+                              <p:par>
+                                <p:cTn id="37" presetID="10" presetClass="entr" presetSubtype="0" fill="hold" grpId="0" nodeType="withEffect">
+                                  <p:stCondLst>
+                                    <p:cond delay="0"/>
+                                  </p:stCondLst>
+                                  <p:childTnLst>
+                                    <p:set>
+                                      <p:cBhvr>
+                                        <p:cTn id="38" dur="1" fill="hold">
+                                          <p:stCondLst>
+                                            <p:cond delay="0"/>
+                                          </p:stCondLst>
+                                        </p:cTn>
+                                        <p:tgtEl>
+                                          <p:spTgt spid="5">
+                                            <p:graphicEl>
+                                              <a:dgm id="{346DBF57-47DC-428D-BA10-FC669D6F573D}"/>
+                                            </p:graphicEl>
+                                          </p:spTgt>
+                                        </p:tgtEl>
+                                        <p:attrNameLst>
+                                          <p:attrName>style.visibility</p:attrName>
+                                        </p:attrNameLst>
+                                      </p:cBhvr>
+                                      <p:to>
+                                        <p:strVal val="visible"/>
+                                      </p:to>
+                                    </p:set>
+                                    <p:animEffect transition="in" filter="fade">
+                                      <p:cBhvr>
+                                        <p:cTn id="39" dur="1000"/>
+                                        <p:tgtEl>
+                                          <p:spTgt spid="5">
+                                            <p:graphicEl>
+                                              <a:dgm id="{346DBF57-47DC-428D-BA10-FC669D6F573D}"/>
+                                            </p:graphicEl>
+                                          </p:spTgt>
+                                        </p:tgtEl>
+                                      </p:cBhvr>
+                                    </p:animEffect>
+                                  </p:childTnLst>
+                                </p:cTn>
+                              </p:par>
+                              <p:par>
+                                <p:cTn id="40" presetID="10" presetClass="entr" presetSubtype="0" fill="hold" grpId="0" nodeType="withEffect">
+                                  <p:stCondLst>
+                                    <p:cond delay="0"/>
+                                  </p:stCondLst>
+                                  <p:childTnLst>
+                                    <p:set>
+                                      <p:cBhvr>
+                                        <p:cTn id="41" dur="1" fill="hold">
+                                          <p:stCondLst>
+                                            <p:cond delay="0"/>
+                                          </p:stCondLst>
+                                        </p:cTn>
+                                        <p:tgtEl>
+                                          <p:spTgt spid="5">
+                                            <p:graphicEl>
+                                              <a:dgm id="{28E44A12-6007-483E-B7A1-84CB92B79126}"/>
+                                            </p:graphicEl>
+                                          </p:spTgt>
+                                        </p:tgtEl>
+                                        <p:attrNameLst>
+                                          <p:attrName>style.visibility</p:attrName>
+                                        </p:attrNameLst>
+                                      </p:cBhvr>
+                                      <p:to>
+                                        <p:strVal val="visible"/>
+                                      </p:to>
+                                    </p:set>
+                                    <p:animEffect transition="in" filter="fade">
+                                      <p:cBhvr>
+                                        <p:cTn id="42" dur="1000"/>
+                                        <p:tgtEl>
+                                          <p:spTgt spid="5">
+                                            <p:graphicEl>
+                                              <a:dgm id="{28E44A12-6007-483E-B7A1-84CB92B79126}"/>
+                                            </p:graphicEl>
+                                          </p:spTgt>
+                                        </p:tgtEl>
+                                      </p:cBhvr>
+                                    </p:animEffect>
+                                  </p:childTnLst>
+                                </p:cTn>
+                              </p:par>
+                              <p:par>
+                                <p:cTn id="43" presetID="10" presetClass="entr" presetSubtype="0" fill="hold" grpId="0" nodeType="withEffect">
+                                  <p:stCondLst>
+                                    <p:cond delay="0"/>
+                                  </p:stCondLst>
+                                  <p:childTnLst>
+                                    <p:set>
+                                      <p:cBhvr>
+                                        <p:cTn id="44" dur="1" fill="hold">
+                                          <p:stCondLst>
+                                            <p:cond delay="0"/>
+                                          </p:stCondLst>
+                                        </p:cTn>
+                                        <p:tgtEl>
+                                          <p:spTgt spid="5">
+                                            <p:graphicEl>
+                                              <a:dgm id="{65A4CEF1-9E69-4A11-AC9E-DDA85ABACC76}"/>
+                                            </p:graphicEl>
+                                          </p:spTgt>
+                                        </p:tgtEl>
+                                        <p:attrNameLst>
+                                          <p:attrName>style.visibility</p:attrName>
+                                        </p:attrNameLst>
+                                      </p:cBhvr>
+                                      <p:to>
+                                        <p:strVal val="visible"/>
+                                      </p:to>
+                                    </p:set>
+                                    <p:animEffect transition="in" filter="fade">
+                                      <p:cBhvr>
+                                        <p:cTn id="45" dur="1000"/>
+                                        <p:tgtEl>
+                                          <p:spTgt spid="5">
+                                            <p:graphicEl>
+                                              <a:dgm id="{65A4CEF1-9E69-4A11-AC9E-DDA85ABACC76}"/>
+                                            </p:graphicEl>
+                                          </p:spTgt>
+                                        </p:tgtEl>
+                                      </p:cBhvr>
+                                    </p:animEffect>
+                                  </p:childTnLst>
+                                </p:cTn>
+                              </p:par>
+                              <p:par>
+                                <p:cTn id="46" presetID="10" presetClass="entr" presetSubtype="0" fill="hold" grpId="0" nodeType="withEffect">
+                                  <p:stCondLst>
+                                    <p:cond delay="0"/>
+                                  </p:stCondLst>
+                                  <p:childTnLst>
+                                    <p:set>
+                                      <p:cBhvr>
+                                        <p:cTn id="47" dur="1" fill="hold">
+                                          <p:stCondLst>
+                                            <p:cond delay="0"/>
+                                          </p:stCondLst>
+                                        </p:cTn>
+                                        <p:tgtEl>
+                                          <p:spTgt spid="5">
+                                            <p:graphicEl>
+                                              <a:dgm id="{9FC48C7E-F9E6-4D07-9284-73B4535FB69F}"/>
+                                            </p:graphicEl>
+                                          </p:spTgt>
+                                        </p:tgtEl>
+                                        <p:attrNameLst>
+                                          <p:attrName>style.visibility</p:attrName>
+                                        </p:attrNameLst>
+                                      </p:cBhvr>
+                                      <p:to>
+                                        <p:strVal val="visible"/>
+                                      </p:to>
+                                    </p:set>
+                                    <p:animEffect transition="in" filter="fade">
+                                      <p:cBhvr>
+                                        <p:cTn id="48" dur="1000"/>
+                                        <p:tgtEl>
+                                          <p:spTgt spid="5">
+                                            <p:graphicEl>
+                                              <a:dgm id="{9FC48C7E-F9E6-4D07-9284-73B4535FB69F}"/>
+                                            </p:graphicEl>
+                                          </p:spTgt>
+                                        </p:tgtEl>
+                                      </p:cBhvr>
+                                    </p:animEffect>
+                                  </p:childTnLst>
+                                </p:cTn>
+                              </p:par>
+                              <p:par>
+                                <p:cTn id="49" presetID="10" presetClass="entr" presetSubtype="0" fill="hold" grpId="0" nodeType="withEffect">
+                                  <p:stCondLst>
+                                    <p:cond delay="0"/>
+                                  </p:stCondLst>
+                                  <p:childTnLst>
+                                    <p:set>
+                                      <p:cBhvr>
+                                        <p:cTn id="50" dur="1" fill="hold">
+                                          <p:stCondLst>
+                                            <p:cond delay="0"/>
+                                          </p:stCondLst>
+                                        </p:cTn>
+                                        <p:tgtEl>
+                                          <p:spTgt spid="5">
+                                            <p:graphicEl>
+                                              <a:dgm id="{92235BDB-CCB4-234D-9872-F74527AA22DF}"/>
+                                            </p:graphicEl>
+                                          </p:spTgt>
+                                        </p:tgtEl>
+                                        <p:attrNameLst>
+                                          <p:attrName>style.visibility</p:attrName>
+                                        </p:attrNameLst>
+                                      </p:cBhvr>
+                                      <p:to>
+                                        <p:strVal val="visible"/>
+                                      </p:to>
+                                    </p:set>
+                                    <p:animEffect transition="in" filter="fade">
+                                      <p:cBhvr>
+                                        <p:cTn id="51" dur="1000"/>
+                                        <p:tgtEl>
+                                          <p:spTgt spid="5">
+                                            <p:graphicEl>
+                                              <a:dgm id="{92235BDB-CCB4-234D-9872-F74527AA22DF}"/>
+                                            </p:graphicEl>
+                                          </p:spTgt>
+                                        </p:tgtEl>
+                                      </p:cBhvr>
+                                    </p:animEffect>
+                                  </p:childTnLst>
+                                </p:cTn>
+                              </p:par>
+                              <p:par>
+                                <p:cTn id="52" presetID="10" presetClass="entr" presetSubtype="0" fill="hold" grpId="0" nodeType="withEffect">
+                                  <p:stCondLst>
+                                    <p:cond delay="0"/>
+                                  </p:stCondLst>
+                                  <p:childTnLst>
+                                    <p:set>
+                                      <p:cBhvr>
+                                        <p:cTn id="53" dur="1" fill="hold">
+                                          <p:stCondLst>
+                                            <p:cond delay="0"/>
+                                          </p:stCondLst>
+                                        </p:cTn>
+                                        <p:tgtEl>
+                                          <p:spTgt spid="5">
+                                            <p:graphicEl>
+                                              <a:dgm id="{1925B6B1-7867-FF49-8209-4FF864D8818F}"/>
+                                            </p:graphicEl>
+                                          </p:spTgt>
+                                        </p:tgtEl>
+                                        <p:attrNameLst>
+                                          <p:attrName>style.visibility</p:attrName>
+                                        </p:attrNameLst>
+                                      </p:cBhvr>
+                                      <p:to>
+                                        <p:strVal val="visible"/>
+                                      </p:to>
+                                    </p:set>
+                                    <p:animEffect transition="in" filter="fade">
+                                      <p:cBhvr>
+                                        <p:cTn id="54" dur="1000"/>
+                                        <p:tgtEl>
+                                          <p:spTgt spid="5">
+                                            <p:graphicEl>
+                                              <a:dgm id="{1925B6B1-7867-FF49-8209-4FF864D8818F}"/>
+                                            </p:graphicEl>
+                                          </p:spTgt>
+                                        </p:tgtEl>
+                                      </p:cBhvr>
+                                    </p:animEffect>
+                                  </p:childTnLst>
+                                </p:cTn>
+                              </p:par>
+                              <p:par>
+                                <p:cTn id="55" presetID="10" presetClass="entr" presetSubtype="0" fill="hold" grpId="0" nodeType="withEffect">
+                                  <p:stCondLst>
+                                    <p:cond delay="0"/>
+                                  </p:stCondLst>
+                                  <p:childTnLst>
+                                    <p:set>
+                                      <p:cBhvr>
+                                        <p:cTn id="56" dur="1" fill="hold">
+                                          <p:stCondLst>
+                                            <p:cond delay="0"/>
+                                          </p:stCondLst>
+                                        </p:cTn>
+                                        <p:tgtEl>
+                                          <p:spTgt spid="5">
+                                            <p:graphicEl>
+                                              <a:dgm id="{69A89AF8-773D-E546-B1A7-75952F4EDB5F}"/>
+                                            </p:graphicEl>
+                                          </p:spTgt>
+                                        </p:tgtEl>
+                                        <p:attrNameLst>
+                                          <p:attrName>style.visibility</p:attrName>
+                                        </p:attrNameLst>
+                                      </p:cBhvr>
+                                      <p:to>
+                                        <p:strVal val="visible"/>
+                                      </p:to>
+                                    </p:set>
+                                    <p:animEffect transition="in" filter="fade">
+                                      <p:cBhvr>
+                                        <p:cTn id="57" dur="1000"/>
+                                        <p:tgtEl>
+                                          <p:spTgt spid="5">
+                                            <p:graphicEl>
+                                              <a:dgm id="{69A89AF8-773D-E546-B1A7-75952F4EDB5F}"/>
+                                            </p:graphicEl>
+                                          </p:spTgt>
+                                        </p:tgtEl>
+                                      </p:cBhvr>
+                                    </p:animEffect>
+                                  </p:childTnLst>
+                                </p:cTn>
+                              </p:par>
+                            </p:childTnLst>
+                          </p:cTn>
+                        </p:par>
+                      </p:childTnLst>
+                    </p:cTn>
+                  </p:par>
+                  <p:par>
+                    <p:cTn id="58" fill="hold">
+                      <p:stCondLst>
+                        <p:cond delay="indefinite"/>
+                      </p:stCondLst>
+                      <p:childTnLst>
+                        <p:par>
+                          <p:cTn id="59" fill="hold">
+                            <p:stCondLst>
+                              <p:cond delay="0"/>
+                            </p:stCondLst>
+                            <p:childTnLst>
+                              <p:par>
+                                <p:cTn id="60" presetID="10" presetClass="entr" presetSubtype="0" fill="hold" grpId="0" nodeType="clickEffect">
+                                  <p:stCondLst>
+                                    <p:cond delay="0"/>
+                                  </p:stCondLst>
+                                  <p:childTnLst>
+                                    <p:set>
+                                      <p:cBhvr>
+                                        <p:cTn id="61" dur="1" fill="hold">
+                                          <p:stCondLst>
+                                            <p:cond delay="0"/>
+                                          </p:stCondLst>
+                                        </p:cTn>
+                                        <p:tgtEl>
+                                          <p:spTgt spid="5">
+                                            <p:graphicEl>
+                                              <a:dgm id="{710EB467-078C-4231-A267-B1D7C9B1F13E}"/>
+                                            </p:graphicEl>
+                                          </p:spTgt>
+                                        </p:tgtEl>
+                                        <p:attrNameLst>
+                                          <p:attrName>style.visibility</p:attrName>
+                                        </p:attrNameLst>
+                                      </p:cBhvr>
+                                      <p:to>
+                                        <p:strVal val="visible"/>
+                                      </p:to>
+                                    </p:set>
+                                    <p:animEffect transition="in" filter="fade">
+                                      <p:cBhvr>
+                                        <p:cTn id="62" dur="1000"/>
+                                        <p:tgtEl>
+                                          <p:spTgt spid="5">
+                                            <p:graphicEl>
+                                              <a:dgm id="{710EB467-078C-4231-A267-B1D7C9B1F13E}"/>
+                                            </p:graphicEl>
+                                          </p:spTgt>
+                                        </p:tgtEl>
+                                      </p:cBhvr>
+                                    </p:animEffect>
+                                  </p:childTnLst>
+                                </p:cTn>
+                              </p:par>
+                              <p:par>
+                                <p:cTn id="63" presetID="10" presetClass="entr" presetSubtype="0" fill="hold" grpId="0" nodeType="withEffect">
+                                  <p:stCondLst>
+                                    <p:cond delay="0"/>
+                                  </p:stCondLst>
+                                  <p:childTnLst>
+                                    <p:set>
+                                      <p:cBhvr>
+                                        <p:cTn id="64" dur="1" fill="hold">
+                                          <p:stCondLst>
+                                            <p:cond delay="0"/>
+                                          </p:stCondLst>
+                                        </p:cTn>
+                                        <p:tgtEl>
+                                          <p:spTgt spid="5">
+                                            <p:graphicEl>
+                                              <a:dgm id="{6CF7E842-D99E-438B-8582-4E11BA51C9A5}"/>
+                                            </p:graphicEl>
+                                          </p:spTgt>
+                                        </p:tgtEl>
+                                        <p:attrNameLst>
+                                          <p:attrName>style.visibility</p:attrName>
+                                        </p:attrNameLst>
+                                      </p:cBhvr>
+                                      <p:to>
+                                        <p:strVal val="visible"/>
+                                      </p:to>
+                                    </p:set>
+                                    <p:animEffect transition="in" filter="fade">
+                                      <p:cBhvr>
+                                        <p:cTn id="65" dur="1000"/>
+                                        <p:tgtEl>
+                                          <p:spTgt spid="5">
+                                            <p:graphicEl>
+                                              <a:dgm id="{6CF7E842-D99E-438B-8582-4E11BA51C9A5}"/>
+                                            </p:graphicEl>
+                                          </p:spTgt>
+                                        </p:tgtEl>
+                                      </p:cBhvr>
+                                    </p:animEffect>
+                                  </p:childTnLst>
+                                </p:cTn>
+                              </p:par>
+                              <p:par>
+                                <p:cTn id="66" presetID="10" presetClass="entr" presetSubtype="0" fill="hold" grpId="0" nodeType="withEffect">
+                                  <p:stCondLst>
+                                    <p:cond delay="0"/>
+                                  </p:stCondLst>
+                                  <p:childTnLst>
+                                    <p:set>
+                                      <p:cBhvr>
+                                        <p:cTn id="67" dur="1" fill="hold">
+                                          <p:stCondLst>
+                                            <p:cond delay="0"/>
+                                          </p:stCondLst>
+                                        </p:cTn>
+                                        <p:tgtEl>
+                                          <p:spTgt spid="5">
+                                            <p:graphicEl>
+                                              <a:dgm id="{F3F5545F-55CB-4656-98D1-45B40A1457A0}"/>
+                                            </p:graphicEl>
+                                          </p:spTgt>
+                                        </p:tgtEl>
+                                        <p:attrNameLst>
+                                          <p:attrName>style.visibility</p:attrName>
+                                        </p:attrNameLst>
+                                      </p:cBhvr>
+                                      <p:to>
+                                        <p:strVal val="visible"/>
+                                      </p:to>
+                                    </p:set>
+                                    <p:animEffect transition="in" filter="fade">
+                                      <p:cBhvr>
+                                        <p:cTn id="68" dur="1000"/>
+                                        <p:tgtEl>
+                                          <p:spTgt spid="5">
+                                            <p:graphicEl>
+                                              <a:dgm id="{F3F5545F-55CB-4656-98D1-45B40A1457A0}"/>
+                                            </p:graphicEl>
+                                          </p:spTgt>
+                                        </p:tgtEl>
+                                      </p:cBhvr>
+                                    </p:animEffect>
+                                  </p:childTnLst>
+                                </p:cTn>
+                              </p:par>
+                              <p:par>
+                                <p:cTn id="69" presetID="10" presetClass="entr" presetSubtype="0" fill="hold" grpId="0" nodeType="withEffect">
+                                  <p:stCondLst>
+                                    <p:cond delay="0"/>
+                                  </p:stCondLst>
+                                  <p:childTnLst>
+                                    <p:set>
+                                      <p:cBhvr>
+                                        <p:cTn id="70" dur="1" fill="hold">
+                                          <p:stCondLst>
+                                            <p:cond delay="0"/>
+                                          </p:stCondLst>
+                                        </p:cTn>
+                                        <p:tgtEl>
+                                          <p:spTgt spid="5">
+                                            <p:graphicEl>
+                                              <a:dgm id="{B8787FBF-37EE-416F-AB6F-A59B3264D32C}"/>
+                                            </p:graphicEl>
+                                          </p:spTgt>
+                                        </p:tgtEl>
+                                        <p:attrNameLst>
+                                          <p:attrName>style.visibility</p:attrName>
+                                        </p:attrNameLst>
+                                      </p:cBhvr>
+                                      <p:to>
+                                        <p:strVal val="visible"/>
+                                      </p:to>
+                                    </p:set>
+                                    <p:animEffect transition="in" filter="fade">
+                                      <p:cBhvr>
+                                        <p:cTn id="71" dur="1000"/>
+                                        <p:tgtEl>
+                                          <p:spTgt spid="5">
+                                            <p:graphicEl>
+                                              <a:dgm id="{B8787FBF-37EE-416F-AB6F-A59B3264D32C}"/>
+                                            </p:graphicEl>
+                                          </p:spTgt>
+                                        </p:tgtEl>
+                                      </p:cBhvr>
+                                    </p:animEffect>
+                                  </p:childTnLst>
+                                </p:cTn>
+                              </p:par>
+                              <p:par>
+                                <p:cTn id="72" presetID="10" presetClass="entr" presetSubtype="0" fill="hold" grpId="0" nodeType="withEffect">
+                                  <p:stCondLst>
+                                    <p:cond delay="0"/>
+                                  </p:stCondLst>
+                                  <p:childTnLst>
+                                    <p:set>
+                                      <p:cBhvr>
+                                        <p:cTn id="73" dur="1" fill="hold">
+                                          <p:stCondLst>
+                                            <p:cond delay="0"/>
+                                          </p:stCondLst>
+                                        </p:cTn>
+                                        <p:tgtEl>
+                                          <p:spTgt spid="5">
+                                            <p:graphicEl>
+                                              <a:dgm id="{85D19B33-BF8E-40DB-9187-0B8E9B69B14B}"/>
+                                            </p:graphicEl>
+                                          </p:spTgt>
+                                        </p:tgtEl>
+                                        <p:attrNameLst>
+                                          <p:attrName>style.visibility</p:attrName>
+                                        </p:attrNameLst>
+                                      </p:cBhvr>
+                                      <p:to>
+                                        <p:strVal val="visible"/>
+                                      </p:to>
+                                    </p:set>
+                                    <p:animEffect transition="in" filter="fade">
+                                      <p:cBhvr>
+                                        <p:cTn id="74" dur="1000"/>
+                                        <p:tgtEl>
+                                          <p:spTgt spid="5">
+                                            <p:graphicEl>
+                                              <a:dgm id="{85D19B33-BF8E-40DB-9187-0B8E9B69B14B}"/>
+                                            </p:graphicEl>
+                                          </p:spTgt>
+                                        </p:tgtEl>
+                                      </p:cBhvr>
+                                    </p:animEffect>
+                                  </p:childTnLst>
+                                </p:cTn>
+                              </p:par>
+                              <p:par>
+                                <p:cTn id="75" presetID="10" presetClass="entr" presetSubtype="0" fill="hold" grpId="0" nodeType="withEffect">
+                                  <p:stCondLst>
+                                    <p:cond delay="0"/>
+                                  </p:stCondLst>
+                                  <p:childTnLst>
+                                    <p:set>
+                                      <p:cBhvr>
+                                        <p:cTn id="76" dur="1" fill="hold">
+                                          <p:stCondLst>
+                                            <p:cond delay="0"/>
+                                          </p:stCondLst>
+                                        </p:cTn>
+                                        <p:tgtEl>
+                                          <p:spTgt spid="5">
+                                            <p:graphicEl>
+                                              <a:dgm id="{1F7F17F4-EE9B-402F-A755-AE101A6AF6DC}"/>
+                                            </p:graphicEl>
+                                          </p:spTgt>
+                                        </p:tgtEl>
+                                        <p:attrNameLst>
+                                          <p:attrName>style.visibility</p:attrName>
+                                        </p:attrNameLst>
+                                      </p:cBhvr>
+                                      <p:to>
+                                        <p:strVal val="visible"/>
+                                      </p:to>
+                                    </p:set>
+                                    <p:animEffect transition="in" filter="fade">
+                                      <p:cBhvr>
+                                        <p:cTn id="77" dur="1000"/>
+                                        <p:tgtEl>
+                                          <p:spTgt spid="5">
+                                            <p:graphicEl>
+                                              <a:dgm id="{1F7F17F4-EE9B-402F-A755-AE101A6AF6DC}"/>
+                                            </p:graphicEl>
+                                          </p:spTgt>
+                                        </p:tgtEl>
+                                      </p:cBhvr>
+                                    </p:animEffect>
+                                  </p:childTnLst>
+                                </p:cTn>
+                              </p:par>
+                              <p:par>
+                                <p:cTn id="78" presetID="10" presetClass="entr" presetSubtype="0" fill="hold" grpId="0" nodeType="withEffect">
+                                  <p:stCondLst>
+                                    <p:cond delay="0"/>
+                                  </p:stCondLst>
+                                  <p:childTnLst>
+                                    <p:set>
+                                      <p:cBhvr>
+                                        <p:cTn id="79" dur="1" fill="hold">
+                                          <p:stCondLst>
+                                            <p:cond delay="0"/>
+                                          </p:stCondLst>
+                                        </p:cTn>
+                                        <p:tgtEl>
+                                          <p:spTgt spid="5">
+                                            <p:graphicEl>
+                                              <a:dgm id="{018AC6DC-D462-42C5-8AE1-8013AF4B0CAF}"/>
+                                            </p:graphicEl>
+                                          </p:spTgt>
+                                        </p:tgtEl>
+                                        <p:attrNameLst>
+                                          <p:attrName>style.visibility</p:attrName>
+                                        </p:attrNameLst>
+                                      </p:cBhvr>
+                                      <p:to>
+                                        <p:strVal val="visible"/>
+                                      </p:to>
+                                    </p:set>
+                                    <p:animEffect transition="in" filter="fade">
+                                      <p:cBhvr>
+                                        <p:cTn id="80" dur="1000"/>
+                                        <p:tgtEl>
+                                          <p:spTgt spid="5">
+                                            <p:graphicEl>
+                                              <a:dgm id="{018AC6DC-D462-42C5-8AE1-8013AF4B0CAF}"/>
+                                            </p:graphicEl>
+                                          </p:spTgt>
+                                        </p:tgtEl>
+                                      </p:cBhvr>
+                                    </p:animEffect>
+                                  </p:childTnLst>
+                                </p:cTn>
+                              </p:par>
+                              <p:par>
+                                <p:cTn id="81" presetID="10" presetClass="entr" presetSubtype="0" fill="hold" grpId="0" nodeType="withEffect">
+                                  <p:stCondLst>
+                                    <p:cond delay="0"/>
+                                  </p:stCondLst>
+                                  <p:childTnLst>
+                                    <p:set>
+                                      <p:cBhvr>
+                                        <p:cTn id="82" dur="1" fill="hold">
+                                          <p:stCondLst>
+                                            <p:cond delay="0"/>
+                                          </p:stCondLst>
+                                        </p:cTn>
+                                        <p:tgtEl>
+                                          <p:spTgt spid="5">
+                                            <p:graphicEl>
+                                              <a:dgm id="{A3ED9CF9-D2F1-44A2-A183-64283D9B7D63}"/>
+                                            </p:graphicEl>
+                                          </p:spTgt>
+                                        </p:tgtEl>
+                                        <p:attrNameLst>
+                                          <p:attrName>style.visibility</p:attrName>
+                                        </p:attrNameLst>
+                                      </p:cBhvr>
+                                      <p:to>
+                                        <p:strVal val="visible"/>
+                                      </p:to>
+                                    </p:set>
+                                    <p:animEffect transition="in" filter="fade">
+                                      <p:cBhvr>
+                                        <p:cTn id="83" dur="1000"/>
+                                        <p:tgtEl>
+                                          <p:spTgt spid="5">
+                                            <p:graphicEl>
+                                              <a:dgm id="{A3ED9CF9-D2F1-44A2-A183-64283D9B7D63}"/>
+                                            </p:graphicEl>
+                                          </p:spTgt>
+                                        </p:tgtEl>
+                                      </p:cBhvr>
+                                    </p:animEffect>
+                                  </p:childTnLst>
+                                </p:cTn>
+                              </p:par>
+                              <p:par>
+                                <p:cTn id="84" presetID="10" presetClass="entr" presetSubtype="0" fill="hold" grpId="0" nodeType="withEffect">
+                                  <p:stCondLst>
+                                    <p:cond delay="0"/>
+                                  </p:stCondLst>
+                                  <p:childTnLst>
+                                    <p:set>
+                                      <p:cBhvr>
+                                        <p:cTn id="85" dur="1" fill="hold">
+                                          <p:stCondLst>
+                                            <p:cond delay="0"/>
+                                          </p:stCondLst>
+                                        </p:cTn>
+                                        <p:tgtEl>
+                                          <p:spTgt spid="5">
+                                            <p:graphicEl>
+                                              <a:dgm id="{64D60078-3F06-4E4E-9D0A-FEEBA4CE41E5}"/>
+                                            </p:graphicEl>
+                                          </p:spTgt>
+                                        </p:tgtEl>
+                                        <p:attrNameLst>
+                                          <p:attrName>style.visibility</p:attrName>
+                                        </p:attrNameLst>
+                                      </p:cBhvr>
+                                      <p:to>
+                                        <p:strVal val="visible"/>
+                                      </p:to>
+                                    </p:set>
+                                    <p:animEffect transition="in" filter="fade">
+                                      <p:cBhvr>
+                                        <p:cTn id="86" dur="1000"/>
+                                        <p:tgtEl>
+                                          <p:spTgt spid="5">
+                                            <p:graphicEl>
+                                              <a:dgm id="{64D60078-3F06-4E4E-9D0A-FEEBA4CE41E5}"/>
+                                            </p:graphicEl>
+                                          </p:spTgt>
+                                        </p:tgtEl>
+                                      </p:cBhvr>
+                                    </p:animEffect>
+                                  </p:childTnLst>
+                                </p:cTn>
+                              </p:par>
+                              <p:par>
+                                <p:cTn id="87" presetID="10" presetClass="entr" presetSubtype="0" fill="hold" grpId="0" nodeType="withEffect">
+                                  <p:stCondLst>
+                                    <p:cond delay="0"/>
+                                  </p:stCondLst>
+                                  <p:childTnLst>
+                                    <p:set>
+                                      <p:cBhvr>
+                                        <p:cTn id="88" dur="1" fill="hold">
+                                          <p:stCondLst>
+                                            <p:cond delay="0"/>
+                                          </p:stCondLst>
+                                        </p:cTn>
+                                        <p:tgtEl>
+                                          <p:spTgt spid="5">
+                                            <p:graphicEl>
+                                              <a:dgm id="{B9E8C711-58DB-4D96-AB2B-2CD3226FCA20}"/>
+                                            </p:graphicEl>
+                                          </p:spTgt>
+                                        </p:tgtEl>
+                                        <p:attrNameLst>
+                                          <p:attrName>style.visibility</p:attrName>
+                                        </p:attrNameLst>
+                                      </p:cBhvr>
+                                      <p:to>
+                                        <p:strVal val="visible"/>
+                                      </p:to>
+                                    </p:set>
+                                    <p:animEffect transition="in" filter="fade">
+                                      <p:cBhvr>
+                                        <p:cTn id="89" dur="1000"/>
+                                        <p:tgtEl>
+                                          <p:spTgt spid="5">
+                                            <p:graphicEl>
+                                              <a:dgm id="{B9E8C711-58DB-4D96-AB2B-2CD3226FCA20}"/>
+                                            </p:graphicEl>
+                                          </p:spTgt>
+                                        </p:tgtEl>
+                                      </p:cBhvr>
+                                    </p:animEffect>
+                                  </p:childTnLst>
+                                </p:cTn>
+                              </p:par>
+                              <p:par>
+                                <p:cTn id="90" presetID="10" presetClass="entr" presetSubtype="0" fill="hold" grpId="0" nodeType="withEffect">
+                                  <p:stCondLst>
+                                    <p:cond delay="0"/>
+                                  </p:stCondLst>
+                                  <p:childTnLst>
+                                    <p:set>
+                                      <p:cBhvr>
+                                        <p:cTn id="91" dur="1" fill="hold">
+                                          <p:stCondLst>
+                                            <p:cond delay="0"/>
+                                          </p:stCondLst>
+                                        </p:cTn>
+                                        <p:tgtEl>
+                                          <p:spTgt spid="5">
+                                            <p:graphicEl>
+                                              <a:dgm id="{BB6CEB44-0B14-47F7-AE76-4AF852936C1A}"/>
+                                            </p:graphicEl>
+                                          </p:spTgt>
+                                        </p:tgtEl>
+                                        <p:attrNameLst>
+                                          <p:attrName>style.visibility</p:attrName>
+                                        </p:attrNameLst>
+                                      </p:cBhvr>
+                                      <p:to>
+                                        <p:strVal val="visible"/>
+                                      </p:to>
+                                    </p:set>
+                                    <p:animEffect transition="in" filter="fade">
+                                      <p:cBhvr>
+                                        <p:cTn id="92" dur="1000"/>
+                                        <p:tgtEl>
+                                          <p:spTgt spid="5">
+                                            <p:graphicEl>
+                                              <a:dgm id="{BB6CEB44-0B14-47F7-AE76-4AF852936C1A}"/>
+                                            </p:graphicEl>
+                                          </p:spTgt>
+                                        </p:tgtEl>
+                                      </p:cBhvr>
+                                    </p:animEffect>
+                                  </p:childTnLst>
+                                </p:cTn>
+                              </p:par>
+                              <p:par>
+                                <p:cTn id="93" presetID="10" presetClass="entr" presetSubtype="0" fill="hold" grpId="0" nodeType="withEffect">
+                                  <p:stCondLst>
+                                    <p:cond delay="0"/>
+                                  </p:stCondLst>
+                                  <p:childTnLst>
+                                    <p:set>
+                                      <p:cBhvr>
+                                        <p:cTn id="94" dur="1" fill="hold">
+                                          <p:stCondLst>
+                                            <p:cond delay="0"/>
+                                          </p:stCondLst>
+                                        </p:cTn>
+                                        <p:tgtEl>
+                                          <p:spTgt spid="5">
+                                            <p:graphicEl>
+                                              <a:dgm id="{9F809C7B-90EA-4EBB-A582-D58A4606B8FE}"/>
+                                            </p:graphicEl>
+                                          </p:spTgt>
+                                        </p:tgtEl>
+                                        <p:attrNameLst>
+                                          <p:attrName>style.visibility</p:attrName>
+                                        </p:attrNameLst>
+                                      </p:cBhvr>
+                                      <p:to>
+                                        <p:strVal val="visible"/>
+                                      </p:to>
+                                    </p:set>
+                                    <p:animEffect transition="in" filter="fade">
+                                      <p:cBhvr>
+                                        <p:cTn id="95" dur="1000"/>
+                                        <p:tgtEl>
+                                          <p:spTgt spid="5">
+                                            <p:graphicEl>
+                                              <a:dgm id="{9F809C7B-90EA-4EBB-A582-D58A4606B8FE}"/>
+                                            </p:graphicEl>
+                                          </p:spTgt>
+                                        </p:tgtEl>
+                                      </p:cBhvr>
+                                    </p:animEffect>
+                                  </p:childTnLst>
+                                </p:cTn>
+                              </p:par>
+                              <p:par>
+                                <p:cTn id="96" presetID="10" presetClass="entr" presetSubtype="0" fill="hold" grpId="0" nodeType="withEffect">
+                                  <p:stCondLst>
+                                    <p:cond delay="0"/>
+                                  </p:stCondLst>
+                                  <p:childTnLst>
+                                    <p:set>
+                                      <p:cBhvr>
+                                        <p:cTn id="97" dur="1" fill="hold">
+                                          <p:stCondLst>
+                                            <p:cond delay="0"/>
+                                          </p:stCondLst>
+                                        </p:cTn>
+                                        <p:tgtEl>
+                                          <p:spTgt spid="5">
+                                            <p:graphicEl>
+                                              <a:dgm id="{1034382A-DBC6-E94A-90CC-D6ACF19D100D}"/>
+                                            </p:graphicEl>
+                                          </p:spTgt>
+                                        </p:tgtEl>
+                                        <p:attrNameLst>
+                                          <p:attrName>style.visibility</p:attrName>
+                                        </p:attrNameLst>
+                                      </p:cBhvr>
+                                      <p:to>
+                                        <p:strVal val="visible"/>
+                                      </p:to>
+                                    </p:set>
+                                    <p:animEffect transition="in" filter="fade">
+                                      <p:cBhvr>
+                                        <p:cTn id="98" dur="1000"/>
+                                        <p:tgtEl>
+                                          <p:spTgt spid="5">
+                                            <p:graphicEl>
+                                              <a:dgm id="{1034382A-DBC6-E94A-90CC-D6ACF19D100D}"/>
+                                            </p:graphicEl>
+                                          </p:spTgt>
+                                        </p:tgtEl>
+                                      </p:cBhvr>
+                                    </p:animEffect>
+                                  </p:childTnLst>
+                                </p:cTn>
+                              </p:par>
+                              <p:par>
+                                <p:cTn id="99" presetID="10" presetClass="entr" presetSubtype="0" fill="hold" grpId="0" nodeType="withEffect">
+                                  <p:stCondLst>
+                                    <p:cond delay="0"/>
+                                  </p:stCondLst>
+                                  <p:childTnLst>
+                                    <p:set>
+                                      <p:cBhvr>
+                                        <p:cTn id="100" dur="1" fill="hold">
+                                          <p:stCondLst>
+                                            <p:cond delay="0"/>
+                                          </p:stCondLst>
+                                        </p:cTn>
+                                        <p:tgtEl>
+                                          <p:spTgt spid="5">
+                                            <p:graphicEl>
+                                              <a:dgm id="{3C55196E-D3A6-D54A-BF28-3DF027D50AC4}"/>
+                                            </p:graphicEl>
+                                          </p:spTgt>
+                                        </p:tgtEl>
+                                        <p:attrNameLst>
+                                          <p:attrName>style.visibility</p:attrName>
+                                        </p:attrNameLst>
+                                      </p:cBhvr>
+                                      <p:to>
+                                        <p:strVal val="visible"/>
+                                      </p:to>
+                                    </p:set>
+                                    <p:animEffect transition="in" filter="fade">
+                                      <p:cBhvr>
+                                        <p:cTn id="101" dur="1000"/>
+                                        <p:tgtEl>
+                                          <p:spTgt spid="5">
+                                            <p:graphicEl>
+                                              <a:dgm id="{3C55196E-D3A6-D54A-BF28-3DF027D50AC4}"/>
+                                            </p:graphicEl>
+                                          </p:spTgt>
+                                        </p:tgtEl>
+                                      </p:cBhvr>
+                                    </p:animEffect>
+                                  </p:childTnLst>
+                                </p:cTn>
+                              </p:par>
+                              <p:par>
+                                <p:cTn id="102" presetID="10" presetClass="entr" presetSubtype="0" fill="hold" grpId="0" nodeType="withEffect">
+                                  <p:stCondLst>
+                                    <p:cond delay="0"/>
+                                  </p:stCondLst>
+                                  <p:childTnLst>
+                                    <p:set>
+                                      <p:cBhvr>
+                                        <p:cTn id="103" dur="1" fill="hold">
+                                          <p:stCondLst>
+                                            <p:cond delay="0"/>
+                                          </p:stCondLst>
+                                        </p:cTn>
+                                        <p:tgtEl>
+                                          <p:spTgt spid="5">
+                                            <p:graphicEl>
+                                              <a:dgm id="{312D9839-8761-AE40-8B9A-65E13F7CA72B}"/>
+                                            </p:graphicEl>
+                                          </p:spTgt>
+                                        </p:tgtEl>
+                                        <p:attrNameLst>
+                                          <p:attrName>style.visibility</p:attrName>
+                                        </p:attrNameLst>
+                                      </p:cBhvr>
+                                      <p:to>
+                                        <p:strVal val="visible"/>
+                                      </p:to>
+                                    </p:set>
+                                    <p:animEffect transition="in" filter="fade">
+                                      <p:cBhvr>
+                                        <p:cTn id="104" dur="1000"/>
+                                        <p:tgtEl>
+                                          <p:spTgt spid="5">
+                                            <p:graphicEl>
+                                              <a:dgm id="{312D9839-8761-AE40-8B9A-65E13F7CA72B}"/>
+                                            </p:graphicEl>
+                                          </p:spTgt>
+                                        </p:tgtEl>
+                                      </p:cBhvr>
+                                    </p:animEffect>
+                                  </p:childTnLst>
+                                </p:cTn>
+                              </p:par>
+                            </p:childTnLst>
+                          </p:cTn>
+                        </p:par>
+                      </p:childTnLst>
+                    </p:cTn>
+                  </p:par>
+                </p:childTnLst>
+              </p:cTn>
+              <p:prevCondLst>
+                <p:cond evt="onPrev" delay="0">
+                  <p:tgtEl>
+                    <p:sldTgt/>
+                  </p:tgtEl>
+                </p:cond>
+              </p:prevCondLst>
+              <p:nextCondLst>
+                <p:cond evt="onNext" delay="0">
+                  <p:tgtEl>
+                    <p:sldTgt/>
+                  </p:tgtEl>
+                </p:cond>
+              </p:nextCondLst>
+            </p:seq>
+          </p:childTnLst>
+        </p:cTn>
+      </p:par>
+    </p:tnLst>
+    <p:bldLst>
+      <p:bldGraphic spid="5" grpId="0">
+        <p:bldSub>
+          <a:bldDgm bld="lvlAtOnce"/>
+        </p:bldSub>
+      </p:bldGraphic>
+    </p:bldLst>
+  </p:timing>
+</p:sld>
+</file>
+
+<file path=ppt/slides/slide9.xml><?xml version="1.0" encoding="utf-8"?>
+<p:sld xmlns:a="http://schemas.openxmlformats.org/drawingml/2006/main" xmlns:r="http://schemas.openxmlformats.org/officeDocument/2006/relationships" xmlns:mc="http://schemas.openxmlformats.org/markup-compatibility/2006" xmlns:mv="urn:schemas-microsoft-com:mac:vml" xmlns:p="http://schemas.openxmlformats.org/presentationml/2006/main" mc:Ignorable="mv" mc:PreserveAttributes="mv:*">
+  <p:cSld>
+    <p:spTree>
+      <p:nvGrpSpPr>
+        <p:cNvPr id="1" name=""/>
+        <p:cNvGrpSpPr/>
+        <p:nvPr/>
+      </p:nvGrpSpPr>
+      <p:grpSpPr>
+        <a:xfrm>
+          <a:off x="0" y="0"/>
+          <a:ext cx="0" cy="0"/>
+          <a:chOff x="0" y="0"/>
+          <a:chExt cx="0" cy="0"/>
+        </a:xfrm>
+      </p:grpSpPr>
+      <p:sp>
+        <p:nvSpPr>
+          <p:cNvPr id="7" name="Footer Placeholder 5"/>
+          <p:cNvSpPr>
+            <a:spLocks noGrp="1"/>
+          </p:cNvSpPr>
+          <p:nvPr>
+            <p:ph type="ftr" sz="quarter" idx="11"/>
+          </p:nvPr>
+        </p:nvSpPr>
+        <p:spPr>
+          <a:xfrm>
+            <a:off x="609600" y="6248206"/>
+            <a:ext cx="5421083" cy="365125"/>
+          </a:xfrm>
+        </p:spPr>
+        <p:txBody>
+          <a:bodyPr/>
+          <a:lstStyle/>
+          <a:p>
+            <a:r>
+              <a:rPr lang="en-AU" dirty="0" smtClean="0"/>
+              <a:t>Tim Molloy</a:t>
+            </a:r>
+            <a:endParaRPr lang="en-AU" dirty="0"/>
+          </a:p>
+        </p:txBody>
+      </p:sp>
+      <p:sp>
+        <p:nvSpPr>
+          <p:cNvPr id="2" name="Title 1"/>
+          <p:cNvSpPr>
+            <a:spLocks noGrp="1"/>
+          </p:cNvSpPr>
+          <p:nvPr>
+            <p:ph type="title"/>
+          </p:nvPr>
+        </p:nvSpPr>
+        <p:spPr/>
+        <p:txBody>
+          <a:bodyPr/>
+          <a:lstStyle/>
+          <a:p>
+            <a:r>
+              <a:rPr lang="en-AU" dirty="0" smtClean="0"/>
+              <a:t>Ground Control Station</a:t>
+            </a:r>
+            <a:endParaRPr lang="en-AU" dirty="0"/>
+          </a:p>
+        </p:txBody>
+      </p:sp>
+      <p:sp>
+        <p:nvSpPr>
+          <p:cNvPr id="3" name="Slide Number Placeholder 2"/>
+          <p:cNvSpPr>
+            <a:spLocks noGrp="1"/>
+          </p:cNvSpPr>
+          <p:nvPr>
+            <p:ph type="sldNum" sz="quarter" idx="12"/>
+          </p:nvPr>
+        </p:nvSpPr>
+        <p:spPr/>
+        <p:txBody>
+          <a:bodyPr>
+            <a:normAutofit fontScale="85000" lnSpcReduction="20000"/>
+          </a:bodyPr>
+          <a:lstStyle/>
+          <a:p>
+            <a:fld id="{5AEDDE57-BFB4-403C-8AD6-39A9EF93D28E}" type="slidenum">
+              <a:rPr lang="en-AU" smtClean="0"/>
+              <a:pPr/>
+              <a:t>9</a:t>
+            </a:fld>
+            <a:endParaRPr lang="en-AU" dirty="0"/>
+          </a:p>
+        </p:txBody>
+      </p:sp>
+      <p:sp>
+        <p:nvSpPr>
+          <p:cNvPr id="6" name="Content Placeholder 5"/>
+          <p:cNvSpPr>
+            <a:spLocks noGrp="1"/>
+          </p:cNvSpPr>
+          <p:nvPr>
+            <p:ph sz="quarter" idx="1"/>
+          </p:nvPr>
+        </p:nvSpPr>
+        <p:spPr/>
+        <p:txBody>
+          <a:bodyPr>
+            <a:normAutofit fontScale="92500"/>
+          </a:bodyPr>
+          <a:lstStyle/>
+          <a:p>
+            <a:r>
+              <a:rPr lang="en-AU" dirty="0" err="1" smtClean="0"/>
+              <a:t>Ubuntu</a:t>
+            </a:r>
+            <a:r>
+              <a:rPr lang="en-AU" dirty="0" smtClean="0"/>
+              <a:t> 32-bit Operating System</a:t>
+            </a:r>
+          </a:p>
+          <a:p>
+            <a:r>
+              <a:rPr lang="en-AU" dirty="0" smtClean="0"/>
+              <a:t>Qt Framework for C++ GUI Development</a:t>
+            </a:r>
+          </a:p>
+          <a:p>
+            <a:r>
+              <a:rPr lang="en-AU" dirty="0" smtClean="0"/>
+              <a:t>Focus on: </a:t>
+            </a:r>
+          </a:p>
+          <a:p>
+            <a:pPr lvl="1"/>
+            <a:r>
+              <a:rPr lang="en-AU" dirty="0" smtClean="0"/>
+              <a:t>Code reuse </a:t>
+            </a:r>
+          </a:p>
+          <a:p>
+            <a:pPr lvl="2"/>
+            <a:r>
+              <a:rPr lang="en-AU" dirty="0" smtClean="0"/>
+              <a:t>Creating and using reusable code</a:t>
+            </a:r>
+          </a:p>
+          <a:p>
+            <a:pPr lvl="1"/>
+            <a:r>
+              <a:rPr lang="en-AU" dirty="0" smtClean="0"/>
+              <a:t>User layout customisation </a:t>
+            </a:r>
+          </a:p>
+          <a:p>
+            <a:pPr lvl="2"/>
+            <a:r>
+              <a:rPr lang="en-AU" dirty="0" smtClean="0"/>
+              <a:t>Avoid Static GUI objects</a:t>
+            </a:r>
+          </a:p>
+          <a:p>
+            <a:pPr lvl="3"/>
+            <a:r>
+              <a:rPr lang="en-AU" dirty="0" err="1" smtClean="0"/>
+              <a:t>Dockable</a:t>
+            </a:r>
+            <a:r>
+              <a:rPr lang="en-AU" dirty="0" smtClean="0"/>
+              <a:t> Widgets</a:t>
+            </a:r>
+          </a:p>
+          <a:p>
+            <a:pPr lvl="2"/>
+            <a:r>
+              <a:rPr lang="en-AU" dirty="0" smtClean="0"/>
+              <a:t>Enable the operator to choose a layout logical to their application</a:t>
+            </a:r>
+          </a:p>
+          <a:p>
+            <a:pPr lvl="2"/>
+            <a:r>
+              <a:rPr lang="en-AU" dirty="0" smtClean="0"/>
+              <a:t>Increases the information which can be displayed</a:t>
+            </a:r>
+            <a:endParaRPr lang="en-AU" dirty="0"/>
+          </a:p>
+        </p:txBody>
+      </p:sp>
+      <p:pic>
+        <p:nvPicPr>
+          <p:cNvPr id="9" name="Picture 8" descr="GCS_Screenshot.png"/>
+          <p:cNvPicPr>
+            <a:picLocks noChangeAspect="1"/>
+          </p:cNvPicPr>
+          <p:nvPr/>
+        </p:nvPicPr>
+        <p:blipFill>
+          <a:blip r:embed="rId2"/>
+          <a:srcRect l="57031" b="25624"/>
+          <a:stretch>
+            <a:fillRect/>
+          </a:stretch>
+        </p:blipFill>
+        <p:spPr>
+          <a:xfrm>
+            <a:off x="304800" y="1371600"/>
+            <a:ext cx="8654475" cy="5350082"/>
+          </a:xfrm>
+          <a:prstGeom prst="rect">
+            <a:avLst/>
+          </a:prstGeom>
+          <a:ln>
+            <a:noFill/>
+          </a:ln>
+          <a:effectLst>
+            <a:outerShdw blurRad="292100" dist="139700" dir="2700000" algn="tl" rotWithShape="0">
+              <a:srgbClr val="333333">
+                <a:alpha val="65000"/>
+              </a:srgbClr>
+            </a:outerShdw>
+          </a:effectLst>
+        </p:spPr>
+      </p:pic>
+    </p:spTree>
+  </p:cSld>
+  <p:clrMapOvr>
+    <a:masterClrMapping/>
+  </p:clrMapOvr>
+  <p:timing>
+    <p:tnLst>
+      <p:par>
+        <p:cTn id="1" dur="indefinite" restart="never" nodeType="tmRoot">
+          <p:childTnLst>
+            <p:seq concurrent="1" nextAc="seek">
+              <p:cTn id="2" dur="indefinite" nodeType="mainSeq">
+                <p:childTnLst>
+                  <p:par>
+                    <p:cTn id="3" fill="hold">
+                      <p:stCondLst>
+                        <p:cond delay="indefinite"/>
+                      </p:stCondLst>
+                      <p:childTnLst>
+                        <p:par>
+                          <p:cTn id="4" fill="hold">
+                            <p:stCondLst>
+                              <p:cond delay="0"/>
+                            </p:stCondLst>
+                            <p:childTnLst>
+                              <p:par>
+                                <p:cTn id="5" presetID="10" presetClass="entr" presetSubtype="0" fill="hold" nodeType="clickEffect">
+                                  <p:stCondLst>
+                                    <p:cond delay="0"/>
+                                  </p:stCondLst>
+                                  <p:childTnLst>
+                                    <p:set>
+                                      <p:cBhvr>
+                                        <p:cTn id="6" dur="1" fill="hold">
+                                          <p:stCondLst>
+                                            <p:cond delay="0"/>
+                                          </p:stCondLst>
+                                        </p:cTn>
+                                        <p:tgtEl>
+                                          <p:spTgt spid="9"/>
+                                        </p:tgtEl>
+                                        <p:attrNameLst>
+                                          <p:attrName>style.visibility</p:attrName>
+                                        </p:attrNameLst>
+                                      </p:cBhvr>
+                                      <p:to>
+                                        <p:strVal val="visible"/>
+                                      </p:to>
+                                    </p:set>
+                                    <p:animEffect transition="in" filter="fade">
+                                      <p:cBhvr>
+                                        <p:cTn id="7" dur="1000"/>
+                                        <p:tgtEl>
+                                          <p:spTgt spid="9"/>
+                                        </p:tgtEl>
+                                      </p:cBhvr>
+                                    </p:animEffect>
+                                  </p:childTnLst>
+                                </p:cTn>
+                              </p:par>
+                            </p:childTnLst>
+                          </p:cTn>
+                        </p:par>
+                      </p:childTnLst>
+                    </p:cTn>
+                  </p:par>
+                </p:childTnLst>
+              </p:cTn>
+              <p:prevCondLst>
+                <p:cond evt="onPrev" delay="0">
+                  <p:tgtEl>
+                    <p:sldTgt/>
+                  </p:tgtEl>
+                </p:cond>
+              </p:prevCondLst>
+              <p:nextCondLst>
+                <p:cond evt="onNext" delay="0">
+                  <p:tgtEl>
+                    <p:sldTgt/>
+                  </p:tgtEl>
+                </p:cond>
+              </p:nextCondLst>
+            </p:seq>
+          </p:childTnLst>
+        </p:cTn>
+      </p:par>
+    </p:tnLst>
+  </p:timing>
+</p:sld>
+</file>
+
 <file path=ppt/theme/theme1.xml><?xml version="1.0" encoding="utf-8"?>
 <a:theme xmlns:a="http://schemas.openxmlformats.org/drawingml/2006/main" name="Median">
   <a:themeElements>

--- a/docproject/official_ahns/presentations/tim_semester1.pptx
+++ b/docproject/official_ahns/presentations/tim_semester1.pptx
@@ -5,7 +5,7 @@
     <p:sldMasterId r:id="rId1"/>
   </p:sldMasterIdLst>
   <p:notesMasterIdLst>
-    <p:notesMasterId r:id="rId19"/>
+    <p:notesMasterId r:id="rId20"/>
   </p:notesMasterIdLst>
   <p:sldIdLst>
     <p:sldId id="380" r:id="rId2"/>
@@ -13,18 +13,19 @@
     <p:sldId id="382" r:id="rId4"/>
     <p:sldId id="384" r:id="rId5"/>
     <p:sldId id="386" r:id="rId6"/>
-    <p:sldId id="391" r:id="rId7"/>
-    <p:sldId id="400" r:id="rId8"/>
-    <p:sldId id="389" r:id="rId9"/>
-    <p:sldId id="390" r:id="rId10"/>
-    <p:sldId id="396" r:id="rId11"/>
-    <p:sldId id="399" r:id="rId12"/>
-    <p:sldId id="401" r:id="rId13"/>
-    <p:sldId id="388" r:id="rId14"/>
-    <p:sldId id="392" r:id="rId15"/>
-    <p:sldId id="393" r:id="rId16"/>
-    <p:sldId id="394" r:id="rId17"/>
+    <p:sldId id="400" r:id="rId7"/>
+    <p:sldId id="389" r:id="rId8"/>
+    <p:sldId id="390" r:id="rId9"/>
+    <p:sldId id="396" r:id="rId10"/>
+    <p:sldId id="399" r:id="rId11"/>
+    <p:sldId id="401" r:id="rId12"/>
+    <p:sldId id="388" r:id="rId13"/>
+    <p:sldId id="392" r:id="rId14"/>
+    <p:sldId id="393" r:id="rId15"/>
+    <p:sldId id="394" r:id="rId16"/>
+    <p:sldId id="402" r:id="rId17"/>
     <p:sldId id="395" r:id="rId18"/>
+    <p:sldId id="403" r:id="rId19"/>
   </p:sldIdLst>
   <p:sldSz cx="9144000" cy="6858000" type="screen4x3"/>
   <p:notesSz cx="6858000" cy="9144000"/>
@@ -7734,7 +7735,7 @@
             <a:fld id="{564FCFA0-726F-477B-BEA1-4EBA104729ED}" type="slidenum">
               <a:rPr lang="en-AU" smtClean="0"/>
               <a:pPr/>
-              <a:t>7</a:t>
+              <a:t>6</a:t>
             </a:fld>
             <a:endParaRPr lang="en-AU"/>
           </a:p>
@@ -11565,7 +11566,7 @@
           <a:p>
             <a:r>
               <a:rPr lang="en-US" dirty="0" smtClean="0"/>
-              <a:t>The Widgets</a:t>
+              <a:t>Data Plotters &amp; Artificial Horizon</a:t>
             </a:r>
             <a:endParaRPr lang="en-US" dirty="0"/>
           </a:p>
@@ -11610,89 +11611,69 @@
         <p:spPr/>
         <p:txBody>
           <a:bodyPr>
-            <a:normAutofit fontScale="92500" lnSpcReduction="20000"/>
+            <a:normAutofit/>
           </a:bodyPr>
           <a:lstStyle/>
           <a:p>
             <a:r>
-              <a:rPr lang="en-US" dirty="0" err="1" smtClean="0"/>
-              <a:t>WiFi</a:t>
-            </a:r>
-            <a:r>
               <a:rPr lang="en-US" dirty="0" smtClean="0"/>
-              <a:t> Communications</a:t>
+              <a:t>Artificial Horizon</a:t>
             </a:r>
           </a:p>
           <a:p>
             <a:pPr lvl="1"/>
             <a:r>
               <a:rPr lang="en-US" dirty="0" smtClean="0"/>
-              <a:t>Configure, Control and Monitor </a:t>
+              <a:t>2009 OpenGL Attitude Display</a:t>
+            </a:r>
+          </a:p>
+          <a:p>
+            <a:pPr lvl="1"/>
+            <a:r>
+              <a:rPr lang="en-US" dirty="0" smtClean="0"/>
+              <a:t>Roll and Pitch</a:t>
+            </a:r>
+          </a:p>
+          <a:p>
+            <a:r>
+              <a:rPr lang="en-US" dirty="0" smtClean="0"/>
+              <a:t>Data Plotter</a:t>
+            </a:r>
+          </a:p>
+          <a:p>
+            <a:pPr lvl="1"/>
+            <a:r>
+              <a:rPr lang="en-US" dirty="0" smtClean="0"/>
+              <a:t>Real-time data plotting</a:t>
+            </a:r>
+          </a:p>
+          <a:p>
+            <a:pPr lvl="1"/>
+            <a:r>
+              <a:rPr lang="en-US" dirty="0" smtClean="0"/>
+              <a:t>Raw Sensor Data, State Data,</a:t>
             </a:r>
             <a:br>
               <a:rPr lang="en-US" dirty="0" smtClean="0"/>
             </a:br>
             <a:r>
               <a:rPr lang="en-US" dirty="0" smtClean="0"/>
-              <a:t>UDP Telemetry</a:t>
-            </a:r>
-          </a:p>
-          <a:p>
+              <a:t> Control Data, System Status…</a:t>
+            </a:r>
+          </a:p>
+          <a:p>
+            <a:pPr lvl="1"/>
             <a:r>
               <a:rPr lang="en-US" dirty="0" smtClean="0"/>
-              <a:t>Received Console</a:t>
-            </a:r>
-          </a:p>
-          <a:p>
-            <a:pPr lvl="1"/>
-            <a:r>
-              <a:rPr lang="en-US" dirty="0" smtClean="0"/>
-              <a:t>Report telemetry messages and </a:t>
+              <a:t>Support for multiple</a:t>
             </a:r>
             <a:br>
               <a:rPr lang="en-US" dirty="0" smtClean="0"/>
             </a:br>
             <a:r>
               <a:rPr lang="en-US" dirty="0" smtClean="0"/>
-              <a:t>enable inspection</a:t>
-            </a:r>
-          </a:p>
-          <a:p>
-            <a:r>
-              <a:rPr lang="en-US" dirty="0" smtClean="0"/>
-              <a:t>System Status</a:t>
-            </a:r>
-          </a:p>
-          <a:p>
-            <a:pPr lvl="1"/>
-            <a:r>
-              <a:rPr lang="en-US" dirty="0" smtClean="0"/>
-              <a:t>Provide visual notifications of </a:t>
-            </a:r>
-            <a:br>
-              <a:rPr lang="en-US" dirty="0" smtClean="0"/>
-            </a:br>
-            <a:r>
-              <a:rPr lang="en-US" dirty="0" smtClean="0"/>
-              <a:t>airborne system status</a:t>
-            </a:r>
-          </a:p>
-          <a:p>
-            <a:r>
-              <a:rPr lang="en-US" dirty="0" smtClean="0"/>
-              <a:t>Data Logger</a:t>
-            </a:r>
-          </a:p>
-          <a:p>
-            <a:pPr lvl="1"/>
-            <a:r>
-              <a:rPr lang="en-US" dirty="0" smtClean="0"/>
-              <a:t>CSV Log of all Received Airborne Data</a:t>
-            </a:r>
-          </a:p>
-          <a:p>
-            <a:pPr lvl="1"/>
-            <a:endParaRPr lang="en-US" dirty="0" smtClean="0"/>
+              <a:t>data plotters</a:t>
+            </a:r>
           </a:p>
         </p:txBody>
       </p:sp>
@@ -11706,15 +11687,15 @@
         </p:nvPicPr>
         <p:blipFill>
           <a:blip r:embed="rId2"/>
-          <a:srcRect l="86541" t="43432" b="44915"/>
+          <a:srcRect l="57031" t="4237" r="13459" b="27966"/>
           <a:stretch>
             <a:fillRect/>
           </a:stretch>
         </p:blipFill>
         <p:spPr>
           <a:xfrm>
-            <a:off x="6096000" y="1752600"/>
-            <a:ext cx="2710875" cy="838200"/>
+            <a:off x="5448300" y="3276600"/>
+            <a:ext cx="3695700" cy="3032369"/>
           </a:xfrm>
           <a:prstGeom prst="rect">
             <a:avLst/>
@@ -11741,50 +11722,15 @@
         </p:nvPicPr>
         <p:blipFill>
           <a:blip r:embed="rId2"/>
-          <a:srcRect l="86541" t="55085" b="26907"/>
+          <a:srcRect l="86759" t="4237" b="70339"/>
           <a:stretch>
             <a:fillRect/>
           </a:stretch>
         </p:blipFill>
         <p:spPr>
           <a:xfrm>
-            <a:off x="6096000" y="2743200"/>
-            <a:ext cx="2710875" cy="1295400"/>
-          </a:xfrm>
-          <a:prstGeom prst="rect">
-            <a:avLst/>
-          </a:prstGeom>
-          <a:ln>
-            <a:noFill/>
-          </a:ln>
-          <a:effectLst>
-            <a:outerShdw blurRad="292100" dist="139700" dir="2700000" algn="tl" rotWithShape="0">
-              <a:srgbClr val="333333">
-                <a:alpha val="65000"/>
-              </a:srgbClr>
-            </a:outerShdw>
-          </a:effectLst>
-        </p:spPr>
-      </p:pic>
-      <p:pic>
-        <p:nvPicPr>
-          <p:cNvPr id="8" name="Picture 7" descr="GCS_Screenshot.png"/>
-          <p:cNvPicPr>
-            <a:picLocks noChangeAspect="1"/>
-          </p:cNvPicPr>
-          <p:nvPr/>
-        </p:nvPicPr>
-        <p:blipFill>
-          <a:blip r:embed="rId2"/>
-          <a:srcRect l="86541" t="29661" b="56568"/>
-          <a:stretch>
-            <a:fillRect/>
-          </a:stretch>
-        </p:blipFill>
-        <p:spPr>
-          <a:xfrm>
-            <a:off x="6096000" y="4191000"/>
-            <a:ext cx="2710875" cy="990600"/>
+            <a:off x="6477000" y="1371600"/>
+            <a:ext cx="2667000" cy="1828800"/>
           </a:xfrm>
           <a:prstGeom prst="rect">
             <a:avLst/>
@@ -11803,7 +11749,7 @@
       </p:pic>
       <p:sp>
         <p:nvSpPr>
-          <p:cNvPr id="9" name="Footer Placeholder 5"/>
+          <p:cNvPr id="7" name="Footer Placeholder 5"/>
           <p:cNvSpPr>
             <a:spLocks noGrp="1"/>
           </p:cNvSpPr>
@@ -11822,7 +11768,7 @@
           <a:lstStyle/>
           <a:p>
             <a:r>
-              <a:rPr lang="en-AU" smtClean="0"/>
+              <a:rPr lang="en-AU" dirty="0" smtClean="0"/>
               <a:t>Tim Molloy</a:t>
             </a:r>
             <a:endParaRPr lang="en-AU" dirty="0"/>
@@ -11921,7 +11867,7 @@
                                           </p:stCondLst>
                                         </p:cTn>
                                         <p:tgtEl>
-                                          <p:spTgt spid="8"/>
+                                          <p:spTgt spid="5"/>
                                         </p:tgtEl>
                                         <p:attrNameLst>
                                           <p:attrName>style.visibility</p:attrName>
@@ -11935,7 +11881,7 @@
                                       <p:cBhvr>
                                         <p:cTn id="12" dur="1000"/>
                                         <p:tgtEl>
-                                          <p:spTgt spid="8"/>
+                                          <p:spTgt spid="5"/>
                                         </p:tgtEl>
                                       </p:cBhvr>
                                     </p:animEffect>
@@ -12002,12 +11948,14 @@
         </p:nvSpPr>
         <p:spPr/>
         <p:txBody>
-          <a:bodyPr/>
+          <a:bodyPr>
+            <a:normAutofit/>
+          </a:bodyPr>
           <a:lstStyle/>
           <a:p>
             <a:r>
               <a:rPr lang="en-US" dirty="0" smtClean="0"/>
-              <a:t>Data Plotters &amp; Artificial Horizon</a:t>
+              <a:t>Following Controller Design…</a:t>
             </a:r>
             <a:endParaRPr lang="en-US" dirty="0"/>
           </a:p>
@@ -12035,7 +11983,7 @@
               <a:pPr/>
               <a:t>11</a:t>
             </a:fld>
-            <a:endParaRPr lang="en-AU" dirty="0"/>
+            <a:endParaRPr lang="en-AU"/>
           </a:p>
         </p:txBody>
       </p:sp>
@@ -12052,167 +12000,130 @@
         <p:spPr/>
         <p:txBody>
           <a:bodyPr>
-            <a:normAutofit/>
+            <a:normAutofit fontScale="85000" lnSpcReduction="20000"/>
           </a:bodyPr>
           <a:lstStyle/>
           <a:p>
-            <a:r>
-              <a:rPr lang="en-US" dirty="0" smtClean="0"/>
-              <a:t>Artificial Horizon</a:t>
+            <a:pPr lvl="0"/>
+            <a:r>
+              <a:rPr lang="en-AU" dirty="0" smtClean="0"/>
+              <a:t>Attitude Control Trims and Bounds</a:t>
             </a:r>
           </a:p>
           <a:p>
             <a:pPr lvl="1"/>
             <a:r>
-              <a:rPr lang="en-US" dirty="0" smtClean="0"/>
-              <a:t>2009 OpenGL Attitude Display</a:t>
+              <a:rPr lang="en-AU" i="1" dirty="0" smtClean="0"/>
+              <a:t>Set the trims and bounds on the roll, pitch and yaw control loops.</a:t>
+            </a:r>
+            <a:endParaRPr lang="en-AU" dirty="0" smtClean="0"/>
+          </a:p>
+          <a:p>
+            <a:pPr lvl="0"/>
+            <a:r>
+              <a:rPr lang="en-AU" dirty="0" smtClean="0"/>
+              <a:t>Attitude Control Gains</a:t>
             </a:r>
           </a:p>
           <a:p>
             <a:pPr lvl="1"/>
             <a:r>
-              <a:rPr lang="en-US" dirty="0" smtClean="0"/>
-              <a:t>Roll and Pitch</a:t>
-            </a:r>
-          </a:p>
-          <a:p>
-            <a:r>
-              <a:rPr lang="en-US" dirty="0" smtClean="0"/>
-              <a:t>Data Plotter</a:t>
+              <a:rPr lang="en-AU" i="1" dirty="0" smtClean="0"/>
+              <a:t>Set the PID control gains on the roll, pitch and yaw control loops.</a:t>
+            </a:r>
+            <a:endParaRPr lang="en-AU" dirty="0" smtClean="0"/>
+          </a:p>
+          <a:p>
+            <a:pPr lvl="0"/>
+            <a:r>
+              <a:rPr lang="en-AU" dirty="0" smtClean="0"/>
+              <a:t>Guidance Control Gains</a:t>
             </a:r>
           </a:p>
           <a:p>
             <a:pPr lvl="1"/>
             <a:r>
-              <a:rPr lang="en-US" dirty="0" smtClean="0"/>
-              <a:t>Real-time data plotting</a:t>
+              <a:rPr lang="en-AU" i="1" dirty="0" smtClean="0"/>
+              <a:t>Set the PID control gains on the </a:t>
+            </a:r>
+            <a:r>
+              <a:rPr lang="en-AU" i="1" dirty="0" err="1" smtClean="0"/>
+              <a:t>x</a:t>
+            </a:r>
+            <a:r>
+              <a:rPr lang="en-AU" i="1" dirty="0" smtClean="0"/>
+              <a:t>, </a:t>
+            </a:r>
+            <a:r>
+              <a:rPr lang="en-AU" i="1" dirty="0" err="1" smtClean="0"/>
+              <a:t>y</a:t>
+            </a:r>
+            <a:r>
+              <a:rPr lang="en-AU" i="1" dirty="0" smtClean="0"/>
+              <a:t> and </a:t>
+            </a:r>
+            <a:r>
+              <a:rPr lang="en-AU" i="1" dirty="0" err="1" smtClean="0"/>
+              <a:t>z</a:t>
+            </a:r>
+            <a:r>
+              <a:rPr lang="en-AU" i="1" dirty="0" smtClean="0"/>
+              <a:t> position control loops.</a:t>
+            </a:r>
+            <a:endParaRPr lang="en-AU" dirty="0" smtClean="0"/>
+          </a:p>
+          <a:p>
+            <a:pPr lvl="0"/>
+            <a:r>
+              <a:rPr lang="en-AU" dirty="0" smtClean="0"/>
+              <a:t>Guidance Trims and Bounds</a:t>
             </a:r>
           </a:p>
           <a:p>
             <a:pPr lvl="1"/>
             <a:r>
-              <a:rPr lang="en-US" dirty="0" smtClean="0"/>
-              <a:t>Raw Sensor Data, State Data,</a:t>
-            </a:r>
-            <a:br>
-              <a:rPr lang="en-US" dirty="0" smtClean="0"/>
-            </a:br>
-            <a:r>
-              <a:rPr lang="en-US" dirty="0" smtClean="0"/>
-              <a:t> Control Data, System Status…</a:t>
+              <a:rPr lang="en-AU" i="1" dirty="0" smtClean="0"/>
+              <a:t>Set the trims and bounds of the </a:t>
+            </a:r>
+            <a:r>
+              <a:rPr lang="en-AU" i="1" dirty="0" err="1" smtClean="0"/>
+              <a:t>x</a:t>
+            </a:r>
+            <a:r>
+              <a:rPr lang="en-AU" i="1" dirty="0" smtClean="0"/>
+              <a:t>, </a:t>
+            </a:r>
+            <a:r>
+              <a:rPr lang="en-AU" i="1" dirty="0" err="1" smtClean="0"/>
+              <a:t>y</a:t>
+            </a:r>
+            <a:r>
+              <a:rPr lang="en-AU" i="1" dirty="0" smtClean="0"/>
+              <a:t> and </a:t>
+            </a:r>
+            <a:r>
+              <a:rPr lang="en-AU" i="1" dirty="0" err="1" smtClean="0"/>
+              <a:t>z</a:t>
+            </a:r>
+            <a:r>
+              <a:rPr lang="en-AU" i="1" dirty="0" smtClean="0"/>
+              <a:t> position control loops.</a:t>
+            </a:r>
+            <a:endParaRPr lang="en-AU" dirty="0" smtClean="0"/>
+          </a:p>
+          <a:p>
+            <a:r>
+              <a:rPr lang="en-AU" dirty="0" smtClean="0"/>
+              <a:t>Flight Control</a:t>
             </a:r>
           </a:p>
           <a:p>
             <a:pPr lvl="1"/>
             <a:r>
-              <a:rPr lang="en-US" dirty="0" smtClean="0"/>
-              <a:t>Support for multiple</a:t>
-            </a:r>
-            <a:br>
-              <a:rPr lang="en-US" dirty="0" smtClean="0"/>
-            </a:br>
-            <a:r>
-              <a:rPr lang="en-US" dirty="0" smtClean="0"/>
-              <a:t>data plotters</a:t>
-            </a:r>
-          </a:p>
-        </p:txBody>
-      </p:sp>
-      <p:pic>
-        <p:nvPicPr>
-          <p:cNvPr id="5" name="Picture 4" descr="GCS_Screenshot.png"/>
-          <p:cNvPicPr>
-            <a:picLocks noChangeAspect="1"/>
-          </p:cNvPicPr>
-          <p:nvPr/>
-        </p:nvPicPr>
-        <p:blipFill>
-          <a:blip r:embed="rId2"/>
-          <a:srcRect l="57031" t="4237" r="13459" b="27966"/>
-          <a:stretch>
-            <a:fillRect/>
-          </a:stretch>
-        </p:blipFill>
-        <p:spPr>
-          <a:xfrm>
-            <a:off x="5448300" y="3276600"/>
-            <a:ext cx="3695700" cy="3032369"/>
-          </a:xfrm>
-          <a:prstGeom prst="rect">
-            <a:avLst/>
-          </a:prstGeom>
-          <a:ln>
-            <a:noFill/>
-          </a:ln>
-          <a:effectLst>
-            <a:outerShdw blurRad="292100" dist="139700" dir="2700000" algn="tl" rotWithShape="0">
-              <a:srgbClr val="333333">
-                <a:alpha val="65000"/>
-              </a:srgbClr>
-            </a:outerShdw>
-          </a:effectLst>
-        </p:spPr>
-      </p:pic>
-      <p:pic>
-        <p:nvPicPr>
-          <p:cNvPr id="6" name="Picture 5" descr="GCS_Screenshot.png"/>
-          <p:cNvPicPr>
-            <a:picLocks noChangeAspect="1"/>
-          </p:cNvPicPr>
-          <p:nvPr/>
-        </p:nvPicPr>
-        <p:blipFill>
-          <a:blip r:embed="rId2"/>
-          <a:srcRect l="86759" t="4237" b="70339"/>
-          <a:stretch>
-            <a:fillRect/>
-          </a:stretch>
-        </p:blipFill>
-        <p:spPr>
-          <a:xfrm>
-            <a:off x="6477000" y="1371600"/>
-            <a:ext cx="2667000" cy="1828800"/>
-          </a:xfrm>
-          <a:prstGeom prst="rect">
-            <a:avLst/>
-          </a:prstGeom>
-          <a:ln>
-            <a:noFill/>
-          </a:ln>
-          <a:effectLst>
-            <a:outerShdw blurRad="292100" dist="139700" dir="2700000" algn="tl" rotWithShape="0">
-              <a:srgbClr val="333333">
-                <a:alpha val="65000"/>
-              </a:srgbClr>
-            </a:outerShdw>
-          </a:effectLst>
-        </p:spPr>
-      </p:pic>
-      <p:sp>
-        <p:nvSpPr>
-          <p:cNvPr id="7" name="Footer Placeholder 5"/>
-          <p:cNvSpPr>
-            <a:spLocks noGrp="1"/>
-          </p:cNvSpPr>
-          <p:nvPr>
-            <p:ph type="ftr" sz="quarter" idx="11"/>
-          </p:nvPr>
-        </p:nvSpPr>
-        <p:spPr>
-          <a:xfrm>
-            <a:off x="609600" y="6248206"/>
-            <a:ext cx="5421083" cy="365125"/>
-          </a:xfrm>
-        </p:spPr>
-        <p:txBody>
-          <a:bodyPr/>
-          <a:lstStyle/>
-          <a:p>
-            <a:r>
-              <a:rPr lang="en-AU" dirty="0" smtClean="0"/>
-              <a:t>Tim Molloy</a:t>
-            </a:r>
-            <a:endParaRPr lang="en-AU" dirty="0"/>
+              <a:rPr lang="en-AU" i="1" dirty="0" smtClean="0"/>
+              <a:t>Set the active control loops and their set points. Enables command of the airborne control.</a:t>
+            </a:r>
+            <a:endParaRPr lang="en-AU" dirty="0" smtClean="0"/>
           </a:p>
         </p:txBody>
       </p:sp>
@@ -12221,142 +12132,6 @@
   <p:clrMapOvr>
     <a:masterClrMapping/>
   </p:clrMapOvr>
-  <p:timing>
-    <p:tnLst>
-      <p:par>
-        <p:cTn id="1" dur="indefinite" restart="never" nodeType="tmRoot">
-          <p:childTnLst>
-            <p:seq concurrent="1" nextAc="seek">
-              <p:cTn id="2" dur="indefinite" nodeType="mainSeq">
-                <p:childTnLst>
-                  <p:par>
-                    <p:cTn id="3" fill="hold">
-                      <p:stCondLst>
-                        <p:cond delay="indefinite"/>
-                      </p:stCondLst>
-                      <p:childTnLst>
-                        <p:par>
-                          <p:cTn id="4" fill="hold">
-                            <p:stCondLst>
-                              <p:cond delay="0"/>
-                            </p:stCondLst>
-                            <p:childTnLst>
-                              <p:par>
-                                <p:cTn id="5" presetID="10" presetClass="entr" presetSubtype="0" fill="hold" nodeType="clickEffect">
-                                  <p:stCondLst>
-                                    <p:cond delay="0"/>
-                                  </p:stCondLst>
-                                  <p:childTnLst>
-                                    <p:set>
-                                      <p:cBhvr>
-                                        <p:cTn id="6" dur="1" fill="hold">
-                                          <p:stCondLst>
-                                            <p:cond delay="0"/>
-                                          </p:stCondLst>
-                                        </p:cTn>
-                                        <p:tgtEl>
-                                          <p:spTgt spid="5"/>
-                                        </p:tgtEl>
-                                        <p:attrNameLst>
-                                          <p:attrName>style.visibility</p:attrName>
-                                        </p:attrNameLst>
-                                      </p:cBhvr>
-                                      <p:to>
-                                        <p:strVal val="visible"/>
-                                      </p:to>
-                                    </p:set>
-                                    <p:animEffect transition="in" filter="fade">
-                                      <p:cBhvr>
-                                        <p:cTn id="7" dur="1000"/>
-                                        <p:tgtEl>
-                                          <p:spTgt spid="5"/>
-                                        </p:tgtEl>
-                                      </p:cBhvr>
-                                    </p:animEffect>
-                                  </p:childTnLst>
-                                </p:cTn>
-                              </p:par>
-                            </p:childTnLst>
-                          </p:cTn>
-                        </p:par>
-                      </p:childTnLst>
-                    </p:cTn>
-                  </p:par>
-                  <p:par>
-                    <p:cTn id="8" fill="hold">
-                      <p:stCondLst>
-                        <p:cond delay="indefinite"/>
-                      </p:stCondLst>
-                      <p:childTnLst>
-                        <p:par>
-                          <p:cTn id="9" fill="hold">
-                            <p:stCondLst>
-                              <p:cond delay="0"/>
-                            </p:stCondLst>
-                            <p:childTnLst>
-                              <p:par>
-                                <p:cTn id="10" presetID="10" presetClass="entr" presetSubtype="0" fill="hold" nodeType="clickEffect">
-                                  <p:stCondLst>
-                                    <p:cond delay="0"/>
-                                  </p:stCondLst>
-                                  <p:childTnLst>
-                                    <p:set>
-                                      <p:cBhvr>
-                                        <p:cTn id="11" dur="1" fill="hold">
-                                          <p:stCondLst>
-                                            <p:cond delay="0"/>
-                                          </p:stCondLst>
-                                        </p:cTn>
-                                        <p:tgtEl>
-                                          <p:spTgt spid="6"/>
-                                        </p:tgtEl>
-                                        <p:attrNameLst>
-                                          <p:attrName>style.visibility</p:attrName>
-                                        </p:attrNameLst>
-                                      </p:cBhvr>
-                                      <p:to>
-                                        <p:strVal val="visible"/>
-                                      </p:to>
-                                    </p:set>
-                                    <p:animEffect transition="in" filter="fade">
-                                      <p:cBhvr>
-                                        <p:cTn id="12" dur="1000"/>
-                                        <p:tgtEl>
-                                          <p:spTgt spid="6"/>
-                                        </p:tgtEl>
-                                      </p:cBhvr>
-                                    </p:animEffect>
-                                  </p:childTnLst>
-                                </p:cTn>
-                              </p:par>
-                            </p:childTnLst>
-                          </p:cTn>
-                        </p:par>
-                      </p:childTnLst>
-                    </p:cTn>
-                  </p:par>
-                </p:childTnLst>
-              </p:cTn>
-              <p:prevCondLst>
-                <p:cond evt="onPrev" delay="0">
-                  <p:tgtEl>
-                    <p:sldTgt/>
-                  </p:tgtEl>
-                </p:cond>
-              </p:prevCondLst>
-              <p:nextCondLst>
-                <p:cond evt="onNext" delay="0">
-                  <p:tgtEl>
-                    <p:sldTgt/>
-                  </p:tgtEl>
-                </p:cond>
-              </p:nextCondLst>
-            </p:seq>
-          </p:childTnLst>
-        </p:cTn>
-      </p:par>
-    </p:tnLst>
-  </p:timing>
 </p:sld>
 </file>
 
@@ -12389,16 +12164,14 @@
         </p:nvSpPr>
         <p:spPr/>
         <p:txBody>
-          <a:bodyPr>
-            <a:normAutofit/>
-          </a:bodyPr>
+          <a:bodyPr/>
           <a:lstStyle/>
           <a:p>
             <a:r>
-              <a:rPr lang="en-US" dirty="0" smtClean="0"/>
-              <a:t>Following Controller Design…</a:t>
-            </a:r>
-            <a:endParaRPr lang="en-US" dirty="0"/>
+              <a:rPr lang="en-AU" dirty="0" smtClean="0"/>
+              <a:t>Flight Control</a:t>
+            </a:r>
+            <a:endParaRPr lang="en-AU" dirty="0"/>
           </a:p>
         </p:txBody>
       </p:sp>
@@ -12423,220 +12196,6 @@
               <a:rPr lang="en-AU" smtClean="0"/>
               <a:pPr/>
               <a:t>12</a:t>
-            </a:fld>
-            <a:endParaRPr lang="en-AU"/>
-          </a:p>
-        </p:txBody>
-      </p:sp>
-      <p:sp>
-        <p:nvSpPr>
-          <p:cNvPr id="4" name="Content Placeholder 3"/>
-          <p:cNvSpPr>
-            <a:spLocks noGrp="1"/>
-          </p:cNvSpPr>
-          <p:nvPr>
-            <p:ph sz="quarter" idx="1"/>
-          </p:nvPr>
-        </p:nvSpPr>
-        <p:spPr/>
-        <p:txBody>
-          <a:bodyPr>
-            <a:normAutofit fontScale="85000" lnSpcReduction="20000"/>
-          </a:bodyPr>
-          <a:lstStyle/>
-          <a:p>
-            <a:pPr lvl="0"/>
-            <a:r>
-              <a:rPr lang="en-AU" dirty="0" smtClean="0"/>
-              <a:t>Attitude Control Trims and Bounds</a:t>
-            </a:r>
-          </a:p>
-          <a:p>
-            <a:pPr lvl="1"/>
-            <a:r>
-              <a:rPr lang="en-AU" i="1" dirty="0" smtClean="0"/>
-              <a:t>Set the trims and bounds on the roll, pitch and yaw control loops.</a:t>
-            </a:r>
-            <a:endParaRPr lang="en-AU" dirty="0" smtClean="0"/>
-          </a:p>
-          <a:p>
-            <a:pPr lvl="0"/>
-            <a:r>
-              <a:rPr lang="en-AU" dirty="0" smtClean="0"/>
-              <a:t>Attitude Control Gains</a:t>
-            </a:r>
-          </a:p>
-          <a:p>
-            <a:pPr lvl="1"/>
-            <a:r>
-              <a:rPr lang="en-AU" i="1" dirty="0" smtClean="0"/>
-              <a:t>Set the PID control gains on the roll, pitch and yaw control loops.</a:t>
-            </a:r>
-            <a:endParaRPr lang="en-AU" dirty="0" smtClean="0"/>
-          </a:p>
-          <a:p>
-            <a:pPr lvl="0"/>
-            <a:r>
-              <a:rPr lang="en-AU" dirty="0" smtClean="0"/>
-              <a:t>Guidance Control Gains</a:t>
-            </a:r>
-          </a:p>
-          <a:p>
-            <a:pPr lvl="1"/>
-            <a:r>
-              <a:rPr lang="en-AU" i="1" dirty="0" smtClean="0"/>
-              <a:t>Set the PID control gains on the </a:t>
-            </a:r>
-            <a:r>
-              <a:rPr lang="en-AU" i="1" dirty="0" err="1" smtClean="0"/>
-              <a:t>x</a:t>
-            </a:r>
-            <a:r>
-              <a:rPr lang="en-AU" i="1" dirty="0" smtClean="0"/>
-              <a:t>, </a:t>
-            </a:r>
-            <a:r>
-              <a:rPr lang="en-AU" i="1" dirty="0" err="1" smtClean="0"/>
-              <a:t>y</a:t>
-            </a:r>
-            <a:r>
-              <a:rPr lang="en-AU" i="1" dirty="0" smtClean="0"/>
-              <a:t> and </a:t>
-            </a:r>
-            <a:r>
-              <a:rPr lang="en-AU" i="1" dirty="0" err="1" smtClean="0"/>
-              <a:t>z</a:t>
-            </a:r>
-            <a:r>
-              <a:rPr lang="en-AU" i="1" dirty="0" smtClean="0"/>
-              <a:t> position control loops.</a:t>
-            </a:r>
-            <a:endParaRPr lang="en-AU" dirty="0" smtClean="0"/>
-          </a:p>
-          <a:p>
-            <a:pPr lvl="0"/>
-            <a:r>
-              <a:rPr lang="en-AU" dirty="0" smtClean="0"/>
-              <a:t>Guidance Trims and Bounds</a:t>
-            </a:r>
-          </a:p>
-          <a:p>
-            <a:pPr lvl="1"/>
-            <a:r>
-              <a:rPr lang="en-AU" i="1" dirty="0" smtClean="0"/>
-              <a:t>Set the trims and bounds of the </a:t>
-            </a:r>
-            <a:r>
-              <a:rPr lang="en-AU" i="1" dirty="0" err="1" smtClean="0"/>
-              <a:t>x</a:t>
-            </a:r>
-            <a:r>
-              <a:rPr lang="en-AU" i="1" dirty="0" smtClean="0"/>
-              <a:t>, </a:t>
-            </a:r>
-            <a:r>
-              <a:rPr lang="en-AU" i="1" dirty="0" err="1" smtClean="0"/>
-              <a:t>y</a:t>
-            </a:r>
-            <a:r>
-              <a:rPr lang="en-AU" i="1" dirty="0" smtClean="0"/>
-              <a:t> and </a:t>
-            </a:r>
-            <a:r>
-              <a:rPr lang="en-AU" i="1" dirty="0" err="1" smtClean="0"/>
-              <a:t>z</a:t>
-            </a:r>
-            <a:r>
-              <a:rPr lang="en-AU" i="1" dirty="0" smtClean="0"/>
-              <a:t> position control loops.</a:t>
-            </a:r>
-            <a:endParaRPr lang="en-AU" dirty="0" smtClean="0"/>
-          </a:p>
-          <a:p>
-            <a:r>
-              <a:rPr lang="en-AU" dirty="0" smtClean="0"/>
-              <a:t>Flight Control</a:t>
-            </a:r>
-          </a:p>
-          <a:p>
-            <a:pPr lvl="1"/>
-            <a:r>
-              <a:rPr lang="en-AU" i="1" dirty="0" smtClean="0"/>
-              <a:t>Set the active control loops and their set points. Enables command of the airborne control.</a:t>
-            </a:r>
-            <a:endParaRPr lang="en-AU" dirty="0" smtClean="0"/>
-          </a:p>
-        </p:txBody>
-      </p:sp>
-    </p:spTree>
-  </p:cSld>
-  <p:clrMapOvr>
-    <a:masterClrMapping/>
-  </p:clrMapOvr>
-</p:sld>
-</file>
-
-<file path=ppt/slides/slide13.xml><?xml version="1.0" encoding="utf-8"?>
-<p:sld xmlns:a="http://schemas.openxmlformats.org/drawingml/2006/main" xmlns:r="http://schemas.openxmlformats.org/officeDocument/2006/relationships" xmlns:mc="http://schemas.openxmlformats.org/markup-compatibility/2006" xmlns:mv="urn:schemas-microsoft-com:mac:vml" xmlns:p="http://schemas.openxmlformats.org/presentationml/2006/main" mc:Ignorable="mv" mc:PreserveAttributes="mv:*">
-  <p:cSld>
-    <p:spTree>
-      <p:nvGrpSpPr>
-        <p:cNvPr id="1" name=""/>
-        <p:cNvGrpSpPr/>
-        <p:nvPr/>
-      </p:nvGrpSpPr>
-      <p:grpSpPr>
-        <a:xfrm>
-          <a:off x="0" y="0"/>
-          <a:ext cx="0" cy="0"/>
-          <a:chOff x="0" y="0"/>
-          <a:chExt cx="0" cy="0"/>
-        </a:xfrm>
-      </p:grpSpPr>
-      <p:sp>
-        <p:nvSpPr>
-          <p:cNvPr id="2" name="Title 1"/>
-          <p:cNvSpPr>
-            <a:spLocks noGrp="1"/>
-          </p:cNvSpPr>
-          <p:nvPr>
-            <p:ph type="title"/>
-          </p:nvPr>
-        </p:nvSpPr>
-        <p:spPr/>
-        <p:txBody>
-          <a:bodyPr/>
-          <a:lstStyle/>
-          <a:p>
-            <a:r>
-              <a:rPr lang="en-AU" dirty="0" smtClean="0"/>
-              <a:t>Flight Control</a:t>
-            </a:r>
-            <a:endParaRPr lang="en-AU" dirty="0"/>
-          </a:p>
-        </p:txBody>
-      </p:sp>
-      <p:sp>
-        <p:nvSpPr>
-          <p:cNvPr id="3" name="Slide Number Placeholder 2"/>
-          <p:cNvSpPr>
-            <a:spLocks noGrp="1"/>
-          </p:cNvSpPr>
-          <p:nvPr>
-            <p:ph type="sldNum" sz="quarter" idx="12"/>
-          </p:nvPr>
-        </p:nvSpPr>
-        <p:spPr/>
-        <p:txBody>
-          <a:bodyPr>
-            <a:normAutofit fontScale="85000" lnSpcReduction="20000"/>
-          </a:bodyPr>
-          <a:lstStyle/>
-          <a:p>
-            <a:fld id="{5AEDDE57-BFB4-403C-8AD6-39A9EF93D28E}" type="slidenum">
-              <a:rPr lang="en-AU" smtClean="0"/>
-              <a:pPr/>
-              <a:t>13</a:t>
             </a:fld>
             <a:endParaRPr lang="en-AU" dirty="0"/>
           </a:p>
@@ -13907,7 +13466,7 @@
 </p:sld>
 </file>
 
-<file path=ppt/slides/slide14.xml><?xml version="1.0" encoding="utf-8"?>
+<file path=ppt/slides/slide13.xml><?xml version="1.0" encoding="utf-8"?>
 <p:sld xmlns:a="http://schemas.openxmlformats.org/drawingml/2006/main" xmlns:r="http://schemas.openxmlformats.org/officeDocument/2006/relationships" xmlns:mc="http://schemas.openxmlformats.org/markup-compatibility/2006" xmlns:mv="urn:schemas-microsoft-com:mac:vml" xmlns:p="http://schemas.openxmlformats.org/presentationml/2006/main" mc:Ignorable="mv" mc:PreserveAttributes="mv:*">
   <p:cSld>
     <p:spTree>
@@ -13967,7 +13526,7 @@
             <a:fld id="{5AEDDE57-BFB4-403C-8AD6-39A9EF93D28E}" type="slidenum">
               <a:rPr lang="en-AU" smtClean="0"/>
               <a:pPr/>
-              <a:t>14</a:t>
+              <a:t>13</a:t>
             </a:fld>
             <a:endParaRPr lang="en-AU"/>
           </a:p>
@@ -14192,6 +13751,402 @@
 </p:sld>
 </file>
 
+<file path=ppt/slides/slide14.xml><?xml version="1.0" encoding="utf-8"?>
+<p:sld xmlns:a="http://schemas.openxmlformats.org/drawingml/2006/main" xmlns:r="http://schemas.openxmlformats.org/officeDocument/2006/relationships" xmlns:mc="http://schemas.openxmlformats.org/markup-compatibility/2006" xmlns:mv="urn:schemas-microsoft-com:mac:vml" xmlns:p="http://schemas.openxmlformats.org/presentationml/2006/main" mc:Ignorable="mv" mc:PreserveAttributes="mv:*">
+  <p:cSld>
+    <p:spTree>
+      <p:nvGrpSpPr>
+        <p:cNvPr id="1" name=""/>
+        <p:cNvGrpSpPr/>
+        <p:nvPr/>
+      </p:nvGrpSpPr>
+      <p:grpSpPr>
+        <a:xfrm>
+          <a:off x="0" y="0"/>
+          <a:ext cx="0" cy="0"/>
+          <a:chOff x="0" y="0"/>
+          <a:chExt cx="0" cy="0"/>
+        </a:xfrm>
+      </p:grpSpPr>
+      <p:sp>
+        <p:nvSpPr>
+          <p:cNvPr id="2" name="Title 1"/>
+          <p:cNvSpPr>
+            <a:spLocks noGrp="1"/>
+          </p:cNvSpPr>
+          <p:nvPr>
+            <p:ph type="title"/>
+          </p:nvPr>
+        </p:nvSpPr>
+        <p:spPr/>
+        <p:txBody>
+          <a:bodyPr/>
+          <a:lstStyle/>
+          <a:p>
+            <a:r>
+              <a:rPr lang="en-US" dirty="0" err="1" smtClean="0"/>
+              <a:t>Quadrotor</a:t>
+            </a:r>
+            <a:r>
+              <a:rPr lang="en-US" dirty="0" smtClean="0"/>
+              <a:t> Control</a:t>
+            </a:r>
+            <a:endParaRPr lang="en-US" dirty="0"/>
+          </a:p>
+        </p:txBody>
+      </p:sp>
+      <p:sp>
+        <p:nvSpPr>
+          <p:cNvPr id="3" name="Slide Number Placeholder 2"/>
+          <p:cNvSpPr>
+            <a:spLocks noGrp="1"/>
+          </p:cNvSpPr>
+          <p:nvPr>
+            <p:ph type="sldNum" sz="quarter" idx="12"/>
+          </p:nvPr>
+        </p:nvSpPr>
+        <p:spPr/>
+        <p:txBody>
+          <a:bodyPr>
+            <a:normAutofit fontScale="85000" lnSpcReduction="20000"/>
+          </a:bodyPr>
+          <a:lstStyle/>
+          <a:p>
+            <a:fld id="{5AEDDE57-BFB4-403C-8AD6-39A9EF93D28E}" type="slidenum">
+              <a:rPr lang="en-AU" smtClean="0"/>
+              <a:pPr/>
+              <a:t>14</a:t>
+            </a:fld>
+            <a:endParaRPr lang="en-AU"/>
+          </a:p>
+        </p:txBody>
+      </p:sp>
+      <p:sp>
+        <p:nvSpPr>
+          <p:cNvPr id="4" name="Content Placeholder 3"/>
+          <p:cNvSpPr>
+            <a:spLocks noGrp="1"/>
+          </p:cNvSpPr>
+          <p:nvPr>
+            <p:ph sz="quarter" idx="1"/>
+          </p:nvPr>
+        </p:nvSpPr>
+        <p:spPr>
+          <a:xfrm>
+            <a:off x="609600" y="1600200"/>
+            <a:ext cx="8153400" cy="4572000"/>
+          </a:xfrm>
+        </p:spPr>
+        <p:txBody>
+          <a:bodyPr>
+            <a:normAutofit/>
+          </a:bodyPr>
+          <a:lstStyle/>
+          <a:p>
+            <a:r>
+              <a:rPr lang="en-US" dirty="0" smtClean="0"/>
+              <a:t>Thrust Altitude Control Forces</a:t>
+            </a:r>
+            <a:br>
+              <a:rPr lang="en-US" dirty="0" smtClean="0"/>
+            </a:br>
+            <a:endParaRPr lang="en-US" dirty="0" smtClean="0"/>
+          </a:p>
+          <a:p>
+            <a:r>
+              <a:rPr lang="en-US" dirty="0" smtClean="0"/>
+              <a:t>Thrust Roll Control Forces</a:t>
+            </a:r>
+            <a:br>
+              <a:rPr lang="en-US" dirty="0" smtClean="0"/>
+            </a:br>
+            <a:endParaRPr lang="en-US" dirty="0" smtClean="0"/>
+          </a:p>
+          <a:p>
+            <a:r>
+              <a:rPr lang="en-US" dirty="0" smtClean="0"/>
+              <a:t>Thrust Pitch Control Forces</a:t>
+            </a:r>
+            <a:br>
+              <a:rPr lang="en-US" dirty="0" smtClean="0"/>
+            </a:br>
+            <a:endParaRPr lang="en-US" dirty="0" smtClean="0"/>
+          </a:p>
+          <a:p>
+            <a:r>
+              <a:rPr lang="en-US" dirty="0" smtClean="0"/>
+              <a:t>Drag Yaw Control Forces </a:t>
+            </a:r>
+          </a:p>
+          <a:p>
+            <a:pPr>
+              <a:buNone/>
+            </a:pPr>
+            <a:r>
+              <a:rPr lang="en-US" dirty="0" smtClean="0"/>
+              <a:t/>
+            </a:r>
+            <a:br>
+              <a:rPr lang="en-US" dirty="0" smtClean="0"/>
+            </a:br>
+            <a:endParaRPr lang="en-US" dirty="0" smtClean="0"/>
+          </a:p>
+          <a:p>
+            <a:endParaRPr lang="en-US" dirty="0" smtClean="0"/>
+          </a:p>
+        </p:txBody>
+      </p:sp>
+      <p:sp>
+        <p:nvSpPr>
+          <p:cNvPr id="5" name="Footer Placeholder 5"/>
+          <p:cNvSpPr>
+            <a:spLocks noGrp="1"/>
+          </p:cNvSpPr>
+          <p:nvPr>
+            <p:ph type="ftr" sz="quarter" idx="11"/>
+          </p:nvPr>
+        </p:nvSpPr>
+        <p:spPr>
+          <a:xfrm>
+            <a:off x="609600" y="6248206"/>
+            <a:ext cx="5421083" cy="365125"/>
+          </a:xfrm>
+        </p:spPr>
+        <p:txBody>
+          <a:bodyPr/>
+          <a:lstStyle/>
+          <a:p>
+            <a:r>
+              <a:rPr lang="en-AU" dirty="0" smtClean="0"/>
+              <a:t>Tim Molloy</a:t>
+            </a:r>
+            <a:endParaRPr lang="en-AU" dirty="0"/>
+          </a:p>
+        </p:txBody>
+      </p:sp>
+      <p:graphicFrame>
+        <p:nvGraphicFramePr>
+          <p:cNvPr id="7" name="Object 6"/>
+          <p:cNvGraphicFramePr>
+            <a:graphicFrameLocks noChangeAspect="1"/>
+          </p:cNvGraphicFramePr>
+          <p:nvPr/>
+        </p:nvGraphicFramePr>
+        <p:xfrm>
+          <a:off x="2362200" y="2286000"/>
+          <a:ext cx="2914650" cy="357188"/>
+        </p:xfrm>
+        <a:graphic>
+          <a:graphicData uri="http://schemas.openxmlformats.org/presentationml/2006/ole">
+            <p:oleObj spid="_x0000_s20482" name="Equation" r:id="rId3" imgW="1447800" imgH="177800" progId="Equation.3">
+              <p:embed/>
+            </p:oleObj>
+          </a:graphicData>
+        </a:graphic>
+      </p:graphicFrame>
+      <p:graphicFrame>
+        <p:nvGraphicFramePr>
+          <p:cNvPr id="20483" name="Object 3"/>
+          <p:cNvGraphicFramePr>
+            <a:graphicFrameLocks noChangeAspect="1"/>
+          </p:cNvGraphicFramePr>
+          <p:nvPr/>
+        </p:nvGraphicFramePr>
+        <p:xfrm>
+          <a:off x="2362200" y="3200400"/>
+          <a:ext cx="1687508" cy="357187"/>
+        </p:xfrm>
+        <a:graphic>
+          <a:graphicData uri="http://schemas.openxmlformats.org/presentationml/2006/ole">
+            <p:oleObj spid="_x0000_s20483" name="Equation" r:id="rId4" imgW="838200" imgH="177800" progId="Equation.3">
+              <p:embed/>
+            </p:oleObj>
+          </a:graphicData>
+        </a:graphic>
+      </p:graphicFrame>
+      <p:graphicFrame>
+        <p:nvGraphicFramePr>
+          <p:cNvPr id="20484" name="Object 4"/>
+          <p:cNvGraphicFramePr>
+            <a:graphicFrameLocks noChangeAspect="1"/>
+          </p:cNvGraphicFramePr>
+          <p:nvPr/>
+        </p:nvGraphicFramePr>
+        <p:xfrm>
+          <a:off x="2362200" y="4191000"/>
+          <a:ext cx="1560513" cy="371689"/>
+        </p:xfrm>
+        <a:graphic>
+          <a:graphicData uri="http://schemas.openxmlformats.org/presentationml/2006/ole">
+            <p:oleObj spid="_x0000_s20484" name="Equation" r:id="rId5" imgW="850900" imgH="203200" progId="Equation.3">
+              <p:embed/>
+            </p:oleObj>
+          </a:graphicData>
+        </a:graphic>
+      </p:graphicFrame>
+      <p:graphicFrame>
+        <p:nvGraphicFramePr>
+          <p:cNvPr id="20485" name="Object 5"/>
+          <p:cNvGraphicFramePr>
+            <a:graphicFrameLocks noChangeAspect="1"/>
+          </p:cNvGraphicFramePr>
+          <p:nvPr/>
+        </p:nvGraphicFramePr>
+        <p:xfrm>
+          <a:off x="2286000" y="5105400"/>
+          <a:ext cx="3221804" cy="412186"/>
+        </p:xfrm>
+        <a:graphic>
+          <a:graphicData uri="http://schemas.openxmlformats.org/presentationml/2006/ole">
+            <p:oleObj spid="_x0000_s20485" name="Equation" r:id="rId6" imgW="1879600" imgH="241300" progId="Equation.3">
+              <p:embed/>
+            </p:oleObj>
+          </a:graphicData>
+        </a:graphic>
+      </p:graphicFrame>
+      <p:pic>
+        <p:nvPicPr>
+          <p:cNvPr id="12" name="Picture 11"/>
+          <p:cNvPicPr>
+            <a:picLocks noChangeAspect="1"/>
+          </p:cNvPicPr>
+          <p:nvPr/>
+        </p:nvPicPr>
+        <p:blipFill>
+          <a:blip r:embed="rId7" cstate="print"/>
+          <a:srcRect l="9749" t="48142" r="49802" b="4124"/>
+          <a:stretch>
+            <a:fillRect/>
+          </a:stretch>
+        </p:blipFill>
+        <p:spPr bwMode="auto">
+          <a:xfrm>
+            <a:off x="6019800" y="1600200"/>
+            <a:ext cx="1524000" cy="1828800"/>
+          </a:xfrm>
+          <a:prstGeom prst="rect">
+            <a:avLst/>
+          </a:prstGeom>
+          <a:noFill/>
+          <a:ln w="9525">
+            <a:noFill/>
+            <a:miter lim="800000"/>
+            <a:headEnd/>
+            <a:tailEnd/>
+          </a:ln>
+        </p:spPr>
+      </p:pic>
+      <p:pic>
+        <p:nvPicPr>
+          <p:cNvPr id="13" name="Picture 12"/>
+          <p:cNvPicPr>
+            <a:picLocks noChangeAspect="1"/>
+          </p:cNvPicPr>
+          <p:nvPr/>
+        </p:nvPicPr>
+        <p:blipFill>
+          <a:blip r:embed="rId7" cstate="print"/>
+          <a:srcRect l="52220" t="50131" r="4945" b="4124"/>
+          <a:stretch>
+            <a:fillRect/>
+          </a:stretch>
+        </p:blipFill>
+        <p:spPr bwMode="auto">
+          <a:xfrm>
+            <a:off x="7530123" y="1676400"/>
+            <a:ext cx="1613877" cy="1752600"/>
+          </a:xfrm>
+          <a:prstGeom prst="rect">
+            <a:avLst/>
+          </a:prstGeom>
+          <a:noFill/>
+          <a:ln w="9525">
+            <a:noFill/>
+            <a:miter lim="800000"/>
+            <a:headEnd/>
+            <a:tailEnd/>
+          </a:ln>
+        </p:spPr>
+      </p:pic>
+      <p:pic>
+        <p:nvPicPr>
+          <p:cNvPr id="14" name="Picture 13"/>
+          <p:cNvPicPr>
+            <a:picLocks noChangeAspect="1"/>
+          </p:cNvPicPr>
+          <p:nvPr/>
+        </p:nvPicPr>
+        <p:blipFill>
+          <a:blip r:embed="rId7" cstate="print"/>
+          <a:srcRect l="50561" t="2397" r="4945" b="49869"/>
+          <a:stretch>
+            <a:fillRect/>
+          </a:stretch>
+        </p:blipFill>
+        <p:spPr bwMode="auto">
+          <a:xfrm>
+            <a:off x="7467600" y="3657600"/>
+            <a:ext cx="1676400" cy="1828800"/>
+          </a:xfrm>
+          <a:prstGeom prst="rect">
+            <a:avLst/>
+          </a:prstGeom>
+          <a:noFill/>
+          <a:ln w="9525">
+            <a:noFill/>
+            <a:miter lim="800000"/>
+            <a:headEnd/>
+            <a:tailEnd/>
+          </a:ln>
+        </p:spPr>
+      </p:pic>
+      <p:pic>
+        <p:nvPicPr>
+          <p:cNvPr id="15" name="Picture 14"/>
+          <p:cNvPicPr>
+            <a:picLocks noChangeAspect="1"/>
+          </p:cNvPicPr>
+          <p:nvPr/>
+        </p:nvPicPr>
+        <p:blipFill>
+          <a:blip r:embed="rId7" cstate="print"/>
+          <a:srcRect l="9749" t="2397" r="47779" b="49869"/>
+          <a:stretch>
+            <a:fillRect/>
+          </a:stretch>
+        </p:blipFill>
+        <p:spPr bwMode="auto">
+          <a:xfrm>
+            <a:off x="5943600" y="3657600"/>
+            <a:ext cx="1600200" cy="1828800"/>
+          </a:xfrm>
+          <a:prstGeom prst="rect">
+            <a:avLst/>
+          </a:prstGeom>
+          <a:noFill/>
+          <a:ln w="9525">
+            <a:noFill/>
+            <a:miter lim="800000"/>
+            <a:headEnd/>
+            <a:tailEnd/>
+          </a:ln>
+        </p:spPr>
+      </p:pic>
+    </p:spTree>
+  </p:cSld>
+  <p:clrMapOvr>
+    <a:masterClrMapping/>
+  </p:clrMapOvr>
+  <p:timing>
+    <p:tnLst>
+      <p:par>
+        <p:cTn id="1" dur="indefinite" restart="never" nodeType="tmRoot"/>
+      </p:par>
+    </p:tnLst>
+  </p:timing>
+</p:sld>
+</file>
+
 <file path=ppt/slides/slide15.xml><?xml version="1.0" encoding="utf-8"?>
 <p:sld xmlns:a="http://schemas.openxmlformats.org/drawingml/2006/main" xmlns:r="http://schemas.openxmlformats.org/officeDocument/2006/relationships" xmlns:mc="http://schemas.openxmlformats.org/markup-compatibility/2006" xmlns:mv="urn:schemas-microsoft-com:mac:vml" xmlns:p="http://schemas.openxmlformats.org/presentationml/2006/main" mc:Ignorable="mv" mc:PreserveAttributes="mv:*">
   <p:cSld>
@@ -14264,93 +14219,6 @@
       </p:sp>
       <p:sp>
         <p:nvSpPr>
-          <p:cNvPr id="4" name="Content Placeholder 3"/>
-          <p:cNvSpPr>
-            <a:spLocks noGrp="1"/>
-          </p:cNvSpPr>
-          <p:nvPr>
-            <p:ph sz="quarter" idx="1"/>
-          </p:nvPr>
-        </p:nvSpPr>
-        <p:spPr>
-          <a:xfrm>
-            <a:off x="609600" y="1600200"/>
-            <a:ext cx="8153400" cy="3429000"/>
-          </a:xfrm>
-        </p:spPr>
-        <p:txBody>
-          <a:bodyPr>
-            <a:normAutofit fontScale="77500" lnSpcReduction="20000"/>
-          </a:bodyPr>
-          <a:lstStyle/>
-          <a:p>
-            <a:r>
-              <a:rPr lang="en-US" dirty="0" smtClean="0"/>
-              <a:t>Thrust Altitude Control Forces</a:t>
-            </a:r>
-            <a:r>
-              <a:rPr lang="en-US" dirty="0" smtClean="0"/>
-              <a:t/>
-            </a:r>
-            <a:br>
-              <a:rPr lang="en-US" dirty="0" smtClean="0"/>
-            </a:br>
-            <a:endParaRPr lang="en-US" dirty="0" smtClean="0"/>
-          </a:p>
-          <a:p>
-            <a:r>
-              <a:rPr lang="en-US" dirty="0" smtClean="0"/>
-              <a:t>Thrust Roll </a:t>
-            </a:r>
-            <a:r>
-              <a:rPr lang="en-US" dirty="0" smtClean="0"/>
-              <a:t>Control Forces</a:t>
-            </a:r>
-            <a:br>
-              <a:rPr lang="en-US" dirty="0" smtClean="0"/>
-            </a:br>
-            <a:endParaRPr lang="en-US" dirty="0" smtClean="0"/>
-          </a:p>
-          <a:p>
-            <a:r>
-              <a:rPr lang="en-US" dirty="0" smtClean="0"/>
-              <a:t>Thrust Pitch C</a:t>
-            </a:r>
-            <a:r>
-              <a:rPr lang="en-US" dirty="0" smtClean="0"/>
-              <a:t>ontrol Forces</a:t>
-            </a:r>
-            <a:br>
-              <a:rPr lang="en-US" dirty="0" smtClean="0"/>
-            </a:br>
-            <a:endParaRPr lang="en-US" dirty="0" smtClean="0"/>
-          </a:p>
-          <a:p>
-            <a:r>
-              <a:rPr lang="en-US" dirty="0" smtClean="0"/>
-              <a:t>Drag Yaw Control Forces </a:t>
-            </a:r>
-          </a:p>
-          <a:p>
-            <a:endParaRPr lang="en-US" dirty="0" smtClean="0"/>
-          </a:p>
-          <a:p>
-            <a:r>
-              <a:rPr lang="en-US" dirty="0" smtClean="0"/>
-              <a:t>Motor Output Signals</a:t>
-            </a:r>
-            <a:br>
-              <a:rPr lang="en-US" dirty="0" smtClean="0"/>
-            </a:br>
-            <a:endParaRPr lang="en-US" dirty="0" smtClean="0"/>
-          </a:p>
-          <a:p>
-            <a:endParaRPr lang="en-US" dirty="0" smtClean="0"/>
-          </a:p>
-        </p:txBody>
-      </p:sp>
-      <p:sp>
-        <p:nvSpPr>
           <p:cNvPr id="5" name="Footer Placeholder 5"/>
           <p:cNvSpPr>
             <a:spLocks noGrp="1"/>
@@ -14370,138 +14238,87 @@
           <a:lstStyle/>
           <a:p>
             <a:r>
-              <a:rPr lang="en-AU" dirty="0" smtClean="0"/>
+              <a:rPr lang="en-AU" smtClean="0"/>
               <a:t>Tim Molloy</a:t>
             </a:r>
             <a:endParaRPr lang="en-AU" dirty="0"/>
           </a:p>
         </p:txBody>
       </p:sp>
-      <p:pic>
-        <p:nvPicPr>
-          <p:cNvPr id="6" name="Picture 5"/>
-          <p:cNvPicPr/>
-          <p:nvPr/>
-        </p:nvPicPr>
-        <p:blipFill>
-          <a:blip r:embed="rId3" cstate="print"/>
-          <a:srcRect l="9749" t="2397" r="4945" b="4124"/>
-          <a:stretch>
-            <a:fillRect/>
-          </a:stretch>
-        </p:blipFill>
-        <p:spPr bwMode="auto">
+      <p:sp>
+        <p:nvSpPr>
+          <p:cNvPr id="7" name="Content Placeholder 6"/>
+          <p:cNvSpPr>
+            <a:spLocks noGrp="1"/>
+          </p:cNvSpPr>
+          <p:nvPr>
+            <p:ph sz="quarter" idx="1"/>
+          </p:nvPr>
+        </p:nvSpPr>
+        <p:spPr>
           <a:xfrm>
-            <a:off x="6248400" y="1600200"/>
-            <a:ext cx="2667000" cy="2971800"/>
+            <a:off x="612648" y="1600200"/>
+            <a:ext cx="8153400" cy="4800600"/>
           </a:xfrm>
-          <a:prstGeom prst="rect">
-            <a:avLst/>
-          </a:prstGeom>
-          <a:noFill/>
-          <a:ln w="9525">
-            <a:noFill/>
-            <a:miter lim="800000"/>
-            <a:headEnd/>
-            <a:tailEnd/>
-          </a:ln>
         </p:spPr>
-      </p:pic>
+        <p:txBody>
+          <a:bodyPr>
+            <a:normAutofit fontScale="92500" lnSpcReduction="20000"/>
+          </a:bodyPr>
+          <a:lstStyle/>
+          <a:p>
+            <a:r>
+              <a:rPr lang="en-US" dirty="0" smtClean="0"/>
+              <a:t>Drag and Thrust forces are proportional to the square of the engine speeds which are in turn proportional to the motor control signals</a:t>
+            </a:r>
+            <a:r>
+              <a:rPr lang="en-US" dirty="0" smtClean="0"/>
+              <a:t>:</a:t>
+            </a:r>
+          </a:p>
+          <a:p>
+            <a:endParaRPr lang="en-US" dirty="0" smtClean="0"/>
+          </a:p>
+          <a:p>
+            <a:endParaRPr lang="en-US" dirty="0" smtClean="0"/>
+          </a:p>
+          <a:p>
+            <a:endParaRPr lang="en-US" dirty="0" smtClean="0"/>
+          </a:p>
+          <a:p>
+            <a:endParaRPr lang="en-US" dirty="0" smtClean="0"/>
+          </a:p>
+          <a:p>
+            <a:endParaRPr lang="en-US" dirty="0" smtClean="0"/>
+          </a:p>
+          <a:p>
+            <a:r>
+              <a:rPr lang="en-US" dirty="0" smtClean="0"/>
+              <a:t>This is the mixing relationship between the altitude, roll, pitch or yaw controller output</a:t>
+            </a:r>
+            <a:r>
+              <a:rPr lang="en-US" dirty="0" smtClean="0"/>
+              <a:t>s and the individual motor control signals.</a:t>
+            </a:r>
+            <a:endParaRPr lang="en-US" dirty="0" smtClean="0"/>
+          </a:p>
+        </p:txBody>
+      </p:sp>
       <p:graphicFrame>
         <p:nvGraphicFramePr>
-          <p:cNvPr id="7" name="Object 6"/>
+          <p:cNvPr id="34818" name="Content Placeholder 5"/>
           <p:cNvGraphicFramePr>
             <a:graphicFrameLocks noChangeAspect="1"/>
           </p:cNvGraphicFramePr>
           <p:nvPr/>
         </p:nvGraphicFramePr>
         <p:xfrm>
-          <a:off x="2362200" y="1981200"/>
-          <a:ext cx="2914650" cy="357188"/>
-        </p:xfrm>
-        <a:graphic>
-          <a:graphicData uri="http://schemas.openxmlformats.org/presentationml/2006/ole">
-            <p:oleObj spid="_x0000_s20482" name="Equation" r:id="rId4" imgW="1447800" imgH="177800" progId="Equation.3">
-              <p:embed/>
-            </p:oleObj>
-          </a:graphicData>
-        </a:graphic>
-      </p:graphicFrame>
-      <p:graphicFrame>
-        <p:nvGraphicFramePr>
-          <p:cNvPr id="20483" name="Object 3"/>
-          <p:cNvGraphicFramePr>
-            <a:graphicFrameLocks noChangeAspect="1"/>
-          </p:cNvGraphicFramePr>
-          <p:nvPr/>
-        </p:nvGraphicFramePr>
-        <p:xfrm>
-          <a:off x="2362199" y="2667000"/>
-          <a:ext cx="1687508" cy="357187"/>
-        </p:xfrm>
-        <a:graphic>
-          <a:graphicData uri="http://schemas.openxmlformats.org/presentationml/2006/ole">
-            <p:oleObj spid="_x0000_s20483" name="Equation" r:id="rId5" imgW="838200" imgH="177800" progId="Equation.3">
-              <p:embed/>
-            </p:oleObj>
-          </a:graphicData>
-        </a:graphic>
-      </p:graphicFrame>
-      <p:graphicFrame>
-        <p:nvGraphicFramePr>
-          <p:cNvPr id="20484" name="Object 4"/>
-          <p:cNvGraphicFramePr>
-            <a:graphicFrameLocks noChangeAspect="1"/>
-          </p:cNvGraphicFramePr>
-          <p:nvPr/>
-        </p:nvGraphicFramePr>
-        <p:xfrm>
-          <a:off x="2362200" y="3276600"/>
-          <a:ext cx="1560513" cy="371689"/>
-        </p:xfrm>
-        <a:graphic>
-          <a:graphicData uri="http://schemas.openxmlformats.org/presentationml/2006/ole">
-            <p:oleObj spid="_x0000_s20484" name="Equation" r:id="rId6" imgW="850900" imgH="203200" progId="Equation.3">
-              <p:embed/>
-            </p:oleObj>
-          </a:graphicData>
-        </a:graphic>
-      </p:graphicFrame>
-      <p:graphicFrame>
-        <p:nvGraphicFramePr>
-          <p:cNvPr id="20485" name="Object 5"/>
-          <p:cNvGraphicFramePr>
-            <a:graphicFrameLocks noChangeAspect="1"/>
-          </p:cNvGraphicFramePr>
-          <p:nvPr/>
-        </p:nvGraphicFramePr>
-        <p:xfrm>
-          <a:off x="2362200" y="3962401"/>
-          <a:ext cx="3221804" cy="412186"/>
-        </p:xfrm>
-        <a:graphic>
-          <a:graphicData uri="http://schemas.openxmlformats.org/presentationml/2006/ole">
-            <p:oleObj spid="_x0000_s20485" name="Equation" r:id="rId7" imgW="1879600" imgH="241300" progId="Equation.3">
-              <p:embed/>
-            </p:oleObj>
-          </a:graphicData>
-        </a:graphic>
-      </p:graphicFrame>
-      <p:graphicFrame>
-        <p:nvGraphicFramePr>
-          <p:cNvPr id="20486" name="Content Placeholder 5"/>
-          <p:cNvGraphicFramePr>
-            <a:graphicFrameLocks noChangeAspect="1"/>
-          </p:cNvGraphicFramePr>
-          <p:nvPr/>
-        </p:nvGraphicFramePr>
-        <p:xfrm>
-          <a:off x="936625" y="4800600"/>
+          <a:off x="2362200" y="2819400"/>
           <a:ext cx="4229100" cy="1905000"/>
         </p:xfrm>
         <a:graphic>
           <a:graphicData uri="http://schemas.openxmlformats.org/presentationml/2006/ole">
-            <p:oleObj spid="_x0000_s20486" name="Equation" r:id="rId8" imgW="2057400" imgH="927100" progId="Equation.3">
+            <p:oleObj spid="_x0000_s34818" name="Equation" r:id="rId3" imgW="2057400" imgH="927100" progId="Equation.3">
               <p:embed/>
             </p:oleObj>
           </a:graphicData>
@@ -14555,8 +14372,12 @@
           <a:lstStyle/>
           <a:p>
             <a:r>
+              <a:rPr lang="en-US" dirty="0" err="1" smtClean="0"/>
+              <a:t>Quadrotor</a:t>
+            </a:r>
+            <a:r>
               <a:rPr lang="en-US" dirty="0" smtClean="0"/>
-              <a:t>Attitude Control</a:t>
+              <a:t> Control</a:t>
             </a:r>
             <a:endParaRPr lang="en-US" dirty="0"/>
           </a:p>
@@ -14631,10 +14452,76 @@
           <a:bodyPr/>
           <a:lstStyle/>
           <a:p>
-            <a:endParaRPr lang="en-US"/>
+            <a:r>
+              <a:rPr lang="en-US" dirty="0" smtClean="0"/>
+              <a:t>Abstraction</a:t>
+            </a:r>
+            <a:r>
+              <a:rPr lang="en-US" dirty="0" smtClean="0"/>
+              <a:t> of motor thrust and drag control force variation </a:t>
+            </a:r>
+            <a:r>
+              <a:rPr lang="en-US" dirty="0" smtClean="0"/>
+              <a:t>reduces attitude control to </a:t>
+            </a:r>
+            <a:r>
+              <a:rPr lang="en-US" i="1" dirty="0" smtClean="0"/>
+              <a:t>three angular loops</a:t>
+            </a:r>
+            <a:r>
+              <a:rPr lang="en-US" dirty="0" smtClean="0"/>
+              <a:t> whose o</a:t>
+            </a:r>
+            <a:r>
+              <a:rPr lang="en-US" dirty="0" smtClean="0"/>
+              <a:t>utputs are </a:t>
+            </a:r>
+            <a:r>
+              <a:rPr lang="en-US" dirty="0" smtClean="0"/>
+              <a:t>proportional to the required control </a:t>
+            </a:r>
+            <a:r>
+              <a:rPr lang="en-US" dirty="0" smtClean="0"/>
+              <a:t>forces, U2, U3 or U4.</a:t>
+            </a:r>
           </a:p>
         </p:txBody>
       </p:sp>
+      <p:pic>
+        <p:nvPicPr>
+          <p:cNvPr id="8" name="Picture 7"/>
+          <p:cNvPicPr>
+            <a:picLocks noChangeAspect="1"/>
+          </p:cNvPicPr>
+          <p:nvPr/>
+        </p:nvPicPr>
+        <p:blipFill>
+          <a:blip r:embed="rId2"/>
+          <a:srcRect t="27084" b="2949"/>
+          <a:stretch>
+            <a:fillRect/>
+          </a:stretch>
+        </p:blipFill>
+        <p:spPr>
+          <a:xfrm>
+            <a:off x="838200" y="3581400"/>
+            <a:ext cx="7091048" cy="2711904"/>
+          </a:xfrm>
+          <a:prstGeom prst="rect">
+            <a:avLst/>
+          </a:prstGeom>
+          <a:ln>
+            <a:noFill/>
+          </a:ln>
+          <a:effectLst>
+            <a:outerShdw blurRad="292100" dist="139700" dir="2700000" algn="tl" rotWithShape="0">
+              <a:srgbClr val="333333">
+                <a:alpha val="65000"/>
+              </a:srgbClr>
+            </a:outerShdw>
+          </a:effectLst>
+        </p:spPr>
+      </p:pic>
     </p:spTree>
   </p:cSld>
   <p:clrMapOvr>
@@ -14718,7 +14605,35 @@
       </p:sp>
       <p:sp>
         <p:nvSpPr>
-          <p:cNvPr id="4" name="Content Placeholder 3"/>
+          <p:cNvPr id="5" name="Footer Placeholder 5"/>
+          <p:cNvSpPr>
+            <a:spLocks noGrp="1"/>
+          </p:cNvSpPr>
+          <p:nvPr>
+            <p:ph type="ftr" sz="quarter" idx="11"/>
+          </p:nvPr>
+        </p:nvSpPr>
+        <p:spPr>
+          <a:xfrm>
+            <a:off x="609600" y="6248206"/>
+            <a:ext cx="5421083" cy="365125"/>
+          </a:xfrm>
+        </p:spPr>
+        <p:txBody>
+          <a:bodyPr/>
+          <a:lstStyle/>
+          <a:p>
+            <a:r>
+              <a:rPr lang="en-AU" smtClean="0"/>
+              <a:t>Tim Molloy</a:t>
+            </a:r>
+            <a:endParaRPr lang="en-AU" dirty="0"/>
+          </a:p>
+        </p:txBody>
+      </p:sp>
+      <p:sp>
+        <p:nvSpPr>
+          <p:cNvPr id="9" name="Content Placeholder 8"/>
           <p:cNvSpPr>
             <a:spLocks noGrp="1"/>
           </p:cNvSpPr>
@@ -14726,12 +14641,182 @@
             <p:ph sz="quarter" idx="1"/>
           </p:nvPr>
         </p:nvSpPr>
+        <p:spPr>
+          <a:xfrm>
+            <a:off x="612648" y="1600200"/>
+            <a:ext cx="8153400" cy="4724400"/>
+          </a:xfrm>
+        </p:spPr>
+        <p:txBody>
+          <a:bodyPr>
+            <a:normAutofit/>
+          </a:bodyPr>
+          <a:lstStyle/>
+          <a:p>
+            <a:r>
+              <a:rPr lang="en-US" dirty="0" smtClean="0"/>
+              <a:t>Three Angular Loops for Attitude Control plus Three positional control loops</a:t>
+            </a:r>
+          </a:p>
+          <a:p>
+            <a:pPr lvl="1"/>
+            <a:r>
+              <a:rPr lang="en-US" dirty="0" smtClean="0"/>
+              <a:t>Altitude Control with input U1</a:t>
+            </a:r>
+          </a:p>
+          <a:p>
+            <a:pPr lvl="1"/>
+            <a:r>
+              <a:rPr lang="en-US" dirty="0" err="1" smtClean="0"/>
+              <a:t>x</a:t>
+            </a:r>
+            <a:r>
+              <a:rPr lang="en-US" dirty="0" smtClean="0"/>
+              <a:t>-inertial position with roll and pitch loop </a:t>
+            </a:r>
+            <a:r>
+              <a:rPr lang="en-US" dirty="0" err="1" smtClean="0"/>
+              <a:t>setpoint</a:t>
+            </a:r>
+            <a:endParaRPr lang="en-US" dirty="0" smtClean="0"/>
+          </a:p>
+          <a:p>
+            <a:pPr lvl="1"/>
+            <a:r>
+              <a:rPr lang="en-US" dirty="0" err="1" smtClean="0"/>
+              <a:t>y</a:t>
+            </a:r>
+            <a:r>
+              <a:rPr lang="en-US" dirty="0" smtClean="0"/>
+              <a:t>-inertial position with roll and pitch loop </a:t>
+            </a:r>
+            <a:r>
+              <a:rPr lang="en-US" dirty="0" err="1" smtClean="0"/>
+              <a:t>setpoint</a:t>
+            </a:r>
+            <a:endParaRPr lang="en-US" dirty="0" smtClean="0"/>
+          </a:p>
+          <a:p>
+            <a:pPr lvl="1">
+              <a:buNone/>
+            </a:pPr>
+            <a:endParaRPr lang="en-US" dirty="0" smtClean="0"/>
+          </a:p>
+          <a:p>
+            <a:r>
+              <a:rPr lang="en-US" dirty="0" err="1" smtClean="0"/>
+              <a:t>x</a:t>
+            </a:r>
+            <a:r>
+              <a:rPr lang="en-US" dirty="0" smtClean="0"/>
+              <a:t> and </a:t>
+            </a:r>
+            <a:r>
+              <a:rPr lang="en-US" dirty="0" err="1" smtClean="0"/>
+              <a:t>y</a:t>
+            </a:r>
+            <a:r>
+              <a:rPr lang="en-US" dirty="0" smtClean="0"/>
+              <a:t> position control presents some challenges</a:t>
+            </a:r>
+          </a:p>
+          <a:p>
+            <a:pPr lvl="1"/>
+            <a:r>
+              <a:rPr lang="en-US" dirty="0" smtClean="0"/>
+              <a:t>Requires use of Body and Inertial Reference Frames</a:t>
+            </a:r>
+          </a:p>
+          <a:p>
+            <a:pPr lvl="1"/>
+            <a:r>
+              <a:rPr lang="en-US" dirty="0" smtClean="0"/>
+              <a:t>Velocity Control using pitch and roll angle bounding </a:t>
+            </a:r>
+          </a:p>
+        </p:txBody>
+      </p:sp>
+    </p:spTree>
+  </p:cSld>
+  <p:clrMapOvr>
+    <a:masterClrMapping/>
+  </p:clrMapOvr>
+  <p:timing>
+    <p:tnLst>
+      <p:par>
+        <p:cTn id="1" dur="indefinite" restart="never" nodeType="tmRoot"/>
+      </p:par>
+    </p:tnLst>
+  </p:timing>
+</p:sld>
+</file>
+
+<file path=ppt/slides/slide18.xml><?xml version="1.0" encoding="utf-8"?>
+<p:sld xmlns:a="http://schemas.openxmlformats.org/drawingml/2006/main" xmlns:r="http://schemas.openxmlformats.org/officeDocument/2006/relationships" xmlns:mc="http://schemas.openxmlformats.org/markup-compatibility/2006" xmlns:mv="urn:schemas-microsoft-com:mac:vml" xmlns:p="http://schemas.openxmlformats.org/presentationml/2006/main" mc:Ignorable="mv" mc:PreserveAttributes="mv:*">
+  <p:cSld>
+    <p:spTree>
+      <p:nvGrpSpPr>
+        <p:cNvPr id="1" name=""/>
+        <p:cNvGrpSpPr/>
+        <p:nvPr/>
+      </p:nvGrpSpPr>
+      <p:grpSpPr>
+        <a:xfrm>
+          <a:off x="0" y="0"/>
+          <a:ext cx="0" cy="0"/>
+          <a:chOff x="0" y="0"/>
+          <a:chExt cx="0" cy="0"/>
+        </a:xfrm>
+      </p:grpSpPr>
+      <p:sp>
+        <p:nvSpPr>
+          <p:cNvPr id="2" name="Title 1"/>
+          <p:cNvSpPr>
+            <a:spLocks noGrp="1"/>
+          </p:cNvSpPr>
+          <p:nvPr>
+            <p:ph type="title"/>
+          </p:nvPr>
+        </p:nvSpPr>
         <p:spPr/>
         <p:txBody>
-          <a:bodyPr/>
+          <a:bodyPr>
+            <a:normAutofit fontScale="90000"/>
+          </a:bodyPr>
           <a:lstStyle/>
           <a:p>
-            <a:endParaRPr lang="en-US"/>
+            <a:r>
+              <a:rPr lang="en-US" dirty="0" smtClean="0"/>
+              <a:t>Cascaded PID Guidance And Control</a:t>
+            </a:r>
+            <a:endParaRPr lang="en-US" dirty="0"/>
+          </a:p>
+        </p:txBody>
+      </p:sp>
+      <p:sp>
+        <p:nvSpPr>
+          <p:cNvPr id="3" name="Slide Number Placeholder 2"/>
+          <p:cNvSpPr>
+            <a:spLocks noGrp="1"/>
+          </p:cNvSpPr>
+          <p:nvPr>
+            <p:ph type="sldNum" sz="quarter" idx="12"/>
+          </p:nvPr>
+        </p:nvSpPr>
+        <p:spPr/>
+        <p:txBody>
+          <a:bodyPr>
+            <a:normAutofit fontScale="85000" lnSpcReduction="20000"/>
+          </a:bodyPr>
+          <a:lstStyle/>
+          <a:p>
+            <a:fld id="{5AEDDE57-BFB4-403C-8AD6-39A9EF93D28E}" type="slidenum">
+              <a:rPr lang="en-AU" smtClean="0"/>
+              <a:pPr/>
+              <a:t>18</a:t>
+            </a:fld>
+            <a:endParaRPr lang="en-AU"/>
           </a:p>
         </p:txBody>
       </p:sp>
@@ -14763,6 +14848,67 @@
           </a:p>
         </p:txBody>
       </p:sp>
+      <p:sp>
+        <p:nvSpPr>
+          <p:cNvPr id="9" name="Content Placeholder 8"/>
+          <p:cNvSpPr>
+            <a:spLocks noGrp="1"/>
+          </p:cNvSpPr>
+          <p:nvPr>
+            <p:ph sz="quarter" idx="1"/>
+          </p:nvPr>
+        </p:nvSpPr>
+        <p:spPr>
+          <a:xfrm>
+            <a:off x="612648" y="1600200"/>
+            <a:ext cx="8153400" cy="4724400"/>
+          </a:xfrm>
+        </p:spPr>
+        <p:txBody>
+          <a:bodyPr>
+            <a:normAutofit/>
+          </a:bodyPr>
+          <a:lstStyle/>
+          <a:p>
+            <a:endParaRPr lang="en-US" dirty="0" smtClean="0"/>
+          </a:p>
+        </p:txBody>
+      </p:sp>
+      <p:pic>
+        <p:nvPicPr>
+          <p:cNvPr id="7" name="Picture 6"/>
+          <p:cNvPicPr>
+            <a:picLocks noChangeAspect="1"/>
+          </p:cNvPicPr>
+          <p:nvPr/>
+        </p:nvPicPr>
+        <p:blipFill>
+          <a:blip r:embed="rId2"/>
+          <a:srcRect l="1509" t="15675" r="22539"/>
+          <a:stretch>
+            <a:fillRect/>
+          </a:stretch>
+        </p:blipFill>
+        <p:spPr>
+          <a:xfrm>
+            <a:off x="609600" y="1524000"/>
+            <a:ext cx="8317734" cy="5334000"/>
+          </a:xfrm>
+          <a:prstGeom prst="rect">
+            <a:avLst/>
+          </a:prstGeom>
+          <a:ln>
+            <a:noFill/>
+          </a:ln>
+          <a:effectLst>
+            <a:outerShdw blurRad="292100" dist="139700" dir="2700000" algn="tl" rotWithShape="0">
+              <a:srgbClr val="333333">
+                <a:alpha val="65000"/>
+              </a:srgbClr>
+            </a:outerShdw>
+          </a:effectLst>
+        </p:spPr>
+      </p:pic>
     </p:spTree>
   </p:cSld>
   <p:clrMapOvr>
@@ -15243,6 +15389,34 @@
       </p:grpSpPr>
       <p:sp>
         <p:nvSpPr>
+          <p:cNvPr id="6" name="Footer Placeholder 5"/>
+          <p:cNvSpPr>
+            <a:spLocks noGrp="1"/>
+          </p:cNvSpPr>
+          <p:nvPr>
+            <p:ph type="ftr" sz="quarter" idx="11"/>
+          </p:nvPr>
+        </p:nvSpPr>
+        <p:spPr>
+          <a:xfrm>
+            <a:off x="609600" y="6248206"/>
+            <a:ext cx="5421083" cy="365125"/>
+          </a:xfrm>
+        </p:spPr>
+        <p:txBody>
+          <a:bodyPr/>
+          <a:lstStyle/>
+          <a:p>
+            <a:r>
+              <a:rPr lang="en-AU" dirty="0" smtClean="0"/>
+              <a:t>Tim Molloy</a:t>
+            </a:r>
+            <a:endParaRPr lang="en-AU" dirty="0"/>
+          </a:p>
+        </p:txBody>
+      </p:sp>
+      <p:sp>
+        <p:nvSpPr>
           <p:cNvPr id="2" name="Title 1"/>
           <p:cNvSpPr>
             <a:spLocks noGrp="1"/>
@@ -15258,7 +15432,11 @@
           <a:p>
             <a:r>
               <a:rPr lang="en-US" dirty="0" smtClean="0"/>
-              <a:t>Role of the GCS and Control</a:t>
+              <a:t>Software </a:t>
+            </a:r>
+            <a:r>
+              <a:rPr lang="en-US" dirty="0" smtClean="0"/>
+              <a:t>Architecture</a:t>
             </a:r>
             <a:endParaRPr lang="en-US" dirty="0"/>
           </a:p>
@@ -15286,7 +15464,7 @@
               <a:pPr/>
               <a:t>6</a:t>
             </a:fld>
-            <a:endParaRPr lang="en-AU" dirty="0"/>
+            <a:endParaRPr lang="en-AU"/>
           </a:p>
         </p:txBody>
       </p:sp>
@@ -15302,70 +15480,48 @@
         </p:nvSpPr>
         <p:spPr/>
         <p:txBody>
-          <a:bodyPr>
-            <a:normAutofit fontScale="92500" lnSpcReduction="10000"/>
-          </a:bodyPr>
+          <a:bodyPr/>
           <a:lstStyle/>
           <a:p>
-            <a:r>
-              <a:rPr lang="en-AU" b="1" dirty="0" smtClean="0"/>
-              <a:t>HLO-4 Autonomous Hovering Flight</a:t>
-            </a:r>
-          </a:p>
-          <a:p>
-            <a:pPr>
-              <a:buNone/>
-            </a:pPr>
-            <a:r>
-              <a:rPr lang="en-AU" dirty="0" smtClean="0"/>
-              <a:t>	An autopilot system should be developed to enable sustained indoor autonomous hovering flight. The control system should be designed to enable future ingress and egress manoeuvre to longitudinal and hovering flight. </a:t>
-            </a:r>
-          </a:p>
-          <a:p>
-            <a:r>
-              <a:rPr lang="en-AU" b="1" dirty="0" smtClean="0"/>
-              <a:t>HLO-5 Ground Control Station</a:t>
-            </a:r>
-          </a:p>
-          <a:p>
-            <a:pPr>
-              <a:buNone/>
-            </a:pPr>
-            <a:r>
-              <a:rPr lang="en-AU" dirty="0" smtClean="0"/>
-              <a:t>	A ground control station that supports appropriate command and system setting inputs and data display and logging should be developed. The design should be derived from previous AHNS developments and enable future ground station developments.</a:t>
-            </a:r>
+            <a:endParaRPr lang="en-US" dirty="0"/>
           </a:p>
         </p:txBody>
       </p:sp>
-      <p:sp>
-        <p:nvSpPr>
-          <p:cNvPr id="5" name="Footer Placeholder 5"/>
-          <p:cNvSpPr>
-            <a:spLocks noGrp="1"/>
-          </p:cNvSpPr>
-          <p:nvPr>
-            <p:ph type="ftr" sz="quarter" idx="11"/>
-          </p:nvPr>
-        </p:nvSpPr>
+      <p:pic>
+        <p:nvPicPr>
+          <p:cNvPr id="5" name="Picture 4"/>
+          <p:cNvPicPr>
+            <a:picLocks noChangeAspect="1"/>
+          </p:cNvPicPr>
+          <p:nvPr/>
+        </p:nvPicPr>
+        <p:blipFill>
+          <a:blip r:embed="rId3"/>
+          <a:srcRect l="-2553" t="-1264" r="-377"/>
+          <a:stretch>
+            <a:fillRect/>
+          </a:stretch>
+        </p:blipFill>
         <p:spPr>
           <a:xfrm>
-            <a:off x="609600" y="6248206"/>
-            <a:ext cx="5421083" cy="365125"/>
+            <a:off x="533400" y="1447800"/>
+            <a:ext cx="8001000" cy="5166000"/>
           </a:xfrm>
+          <a:prstGeom prst="rect">
+            <a:avLst/>
+          </a:prstGeom>
+          <a:ln>
+            <a:noFill/>
+          </a:ln>
+          <a:effectLst>
+            <a:outerShdw blurRad="292100" dist="139700" dir="2700000" algn="tl" rotWithShape="0">
+              <a:srgbClr val="333333">
+                <a:alpha val="65000"/>
+              </a:srgbClr>
+            </a:outerShdw>
+          </a:effectLst>
         </p:spPr>
-        <p:txBody>
-          <a:bodyPr/>
-          <a:lstStyle/>
-          <a:p>
-            <a:r>
-              <a:rPr lang="en-AU" dirty="0" smtClean="0"/>
-              <a:t>Tim Molloy</a:t>
-            </a:r>
-            <a:endParaRPr lang="en-AU" dirty="0"/>
-          </a:p>
-        </p:txBody>
-      </p:sp>
+      </p:pic>
     </p:spTree>
   </p:cSld>
   <p:clrMapOvr>
@@ -15400,34 +15556,6 @@
       </p:grpSpPr>
       <p:sp>
         <p:nvSpPr>
-          <p:cNvPr id="6" name="Footer Placeholder 5"/>
-          <p:cNvSpPr>
-            <a:spLocks noGrp="1"/>
-          </p:cNvSpPr>
-          <p:nvPr>
-            <p:ph type="ftr" sz="quarter" idx="11"/>
-          </p:nvPr>
-        </p:nvSpPr>
-        <p:spPr>
-          <a:xfrm>
-            <a:off x="609600" y="6248206"/>
-            <a:ext cx="5421083" cy="365125"/>
-          </a:xfrm>
-        </p:spPr>
-        <p:txBody>
-          <a:bodyPr/>
-          <a:lstStyle/>
-          <a:p>
-            <a:r>
-              <a:rPr lang="en-AU" dirty="0" smtClean="0"/>
-              <a:t>Tim Molloy</a:t>
-            </a:r>
-            <a:endParaRPr lang="en-AU" dirty="0"/>
-          </a:p>
-        </p:txBody>
-      </p:sp>
-      <p:sp>
-        <p:nvSpPr>
           <p:cNvPr id="2" name="Title 1"/>
           <p:cNvSpPr>
             <a:spLocks noGrp="1"/>
@@ -15442,10 +15570,10 @@
           <a:lstStyle/>
           <a:p>
             <a:r>
-              <a:rPr lang="en-US" dirty="0" smtClean="0"/>
-              <a:t>Software Architecture</a:t>
-            </a:r>
-            <a:endParaRPr lang="en-US" dirty="0"/>
+              <a:rPr lang="en-AU" dirty="0" smtClean="0"/>
+              <a:t>Ground Control Station</a:t>
+            </a:r>
+            <a:endParaRPr lang="en-AU" dirty="0"/>
           </a:p>
         </p:txBody>
       </p:sp>
@@ -15470,140 +15598,6 @@
               <a:rPr lang="en-AU" smtClean="0"/>
               <a:pPr/>
               <a:t>7</a:t>
-            </a:fld>
-            <a:endParaRPr lang="en-AU"/>
-          </a:p>
-        </p:txBody>
-      </p:sp>
-      <p:sp>
-        <p:nvSpPr>
-          <p:cNvPr id="4" name="Content Placeholder 3"/>
-          <p:cNvSpPr>
-            <a:spLocks noGrp="1"/>
-          </p:cNvSpPr>
-          <p:nvPr>
-            <p:ph sz="quarter" idx="1"/>
-          </p:nvPr>
-        </p:nvSpPr>
-        <p:spPr/>
-        <p:txBody>
-          <a:bodyPr/>
-          <a:lstStyle/>
-          <a:p>
-            <a:endParaRPr lang="en-US" dirty="0"/>
-          </a:p>
-        </p:txBody>
-      </p:sp>
-      <p:pic>
-        <p:nvPicPr>
-          <p:cNvPr id="5" name="Picture 4"/>
-          <p:cNvPicPr>
-            <a:picLocks noChangeAspect="1"/>
-          </p:cNvPicPr>
-          <p:nvPr/>
-        </p:nvPicPr>
-        <p:blipFill>
-          <a:blip r:embed="rId3"/>
-          <a:stretch>
-            <a:fillRect/>
-          </a:stretch>
-        </p:blipFill>
-        <p:spPr>
-          <a:xfrm>
-            <a:off x="609600" y="1600200"/>
-            <a:ext cx="7391400" cy="4850882"/>
-          </a:xfrm>
-          <a:prstGeom prst="rect">
-            <a:avLst/>
-          </a:prstGeom>
-          <a:ln>
-            <a:noFill/>
-          </a:ln>
-          <a:effectLst>
-            <a:outerShdw blurRad="292100" dist="139700" dir="2700000" algn="tl" rotWithShape="0">
-              <a:srgbClr val="333333">
-                <a:alpha val="65000"/>
-              </a:srgbClr>
-            </a:outerShdw>
-          </a:effectLst>
-        </p:spPr>
-      </p:pic>
-    </p:spTree>
-  </p:cSld>
-  <p:clrMapOvr>
-    <a:masterClrMapping/>
-  </p:clrMapOvr>
-  <p:timing>
-    <p:tnLst>
-      <p:par>
-        <p:cTn id="1" dur="indefinite" restart="never" nodeType="tmRoot"/>
-      </p:par>
-    </p:tnLst>
-  </p:timing>
-</p:sld>
-</file>
-
-<file path=ppt/slides/slide8.xml><?xml version="1.0" encoding="utf-8"?>
-<p:sld xmlns:a="http://schemas.openxmlformats.org/drawingml/2006/main" xmlns:r="http://schemas.openxmlformats.org/officeDocument/2006/relationships" xmlns:mc="http://schemas.openxmlformats.org/markup-compatibility/2006" xmlns:mv="urn:schemas-microsoft-com:mac:vml" xmlns:p="http://schemas.openxmlformats.org/presentationml/2006/main" mc:Ignorable="mv" mc:PreserveAttributes="mv:*">
-  <p:cSld>
-    <p:spTree>
-      <p:nvGrpSpPr>
-        <p:cNvPr id="1" name=""/>
-        <p:cNvGrpSpPr/>
-        <p:nvPr/>
-      </p:nvGrpSpPr>
-      <p:grpSpPr>
-        <a:xfrm>
-          <a:off x="0" y="0"/>
-          <a:ext cx="0" cy="0"/>
-          <a:chOff x="0" y="0"/>
-          <a:chExt cx="0" cy="0"/>
-        </a:xfrm>
-      </p:grpSpPr>
-      <p:sp>
-        <p:nvSpPr>
-          <p:cNvPr id="2" name="Title 1"/>
-          <p:cNvSpPr>
-            <a:spLocks noGrp="1"/>
-          </p:cNvSpPr>
-          <p:nvPr>
-            <p:ph type="title"/>
-          </p:nvPr>
-        </p:nvSpPr>
-        <p:spPr/>
-        <p:txBody>
-          <a:bodyPr/>
-          <a:lstStyle/>
-          <a:p>
-            <a:r>
-              <a:rPr lang="en-AU" dirty="0" smtClean="0"/>
-              <a:t>Ground Control Station</a:t>
-            </a:r>
-            <a:endParaRPr lang="en-AU" dirty="0"/>
-          </a:p>
-        </p:txBody>
-      </p:sp>
-      <p:sp>
-        <p:nvSpPr>
-          <p:cNvPr id="3" name="Slide Number Placeholder 2"/>
-          <p:cNvSpPr>
-            <a:spLocks noGrp="1"/>
-          </p:cNvSpPr>
-          <p:nvPr>
-            <p:ph type="sldNum" sz="quarter" idx="12"/>
-          </p:nvPr>
-        </p:nvSpPr>
-        <p:spPr/>
-        <p:txBody>
-          <a:bodyPr>
-            <a:normAutofit fontScale="85000" lnSpcReduction="20000"/>
-          </a:bodyPr>
-          <a:lstStyle/>
-          <a:p>
-            <a:fld id="{5AEDDE57-BFB4-403C-8AD6-39A9EF93D28E}" type="slidenum">
-              <a:rPr lang="en-AU" smtClean="0"/>
-              <a:pPr/>
-              <a:t>8</a:t>
             </a:fld>
             <a:endParaRPr lang="en-AU" dirty="0"/>
           </a:p>
@@ -17132,7 +17126,7 @@
 </p:sld>
 </file>
 
-<file path=ppt/slides/slide9.xml><?xml version="1.0" encoding="utf-8"?>
+<file path=ppt/slides/slide8.xml><?xml version="1.0" encoding="utf-8"?>
 <p:sld xmlns:a="http://schemas.openxmlformats.org/drawingml/2006/main" xmlns:r="http://schemas.openxmlformats.org/officeDocument/2006/relationships" xmlns:mc="http://schemas.openxmlformats.org/markup-compatibility/2006" xmlns:mv="urn:schemas-microsoft-com:mac:vml" xmlns:p="http://schemas.openxmlformats.org/presentationml/2006/main" mc:Ignorable="mv" mc:PreserveAttributes="mv:*">
   <p:cSld>
     <p:spTree>
@@ -17194,7 +17188,7 @@
           <a:p>
             <a:r>
               <a:rPr lang="en-AU" dirty="0" smtClean="0"/>
-              <a:t>Ground Control Station</a:t>
+              <a:t>GCS GUI</a:t>
             </a:r>
             <a:endParaRPr lang="en-AU" dirty="0"/>
           </a:p>
@@ -17220,7 +17214,7 @@
             <a:fld id="{5AEDDE57-BFB4-403C-8AD6-39A9EF93D28E}" type="slidenum">
               <a:rPr lang="en-AU" smtClean="0"/>
               <a:pPr/>
-              <a:t>9</a:t>
+              <a:t>8</a:t>
             </a:fld>
             <a:endParaRPr lang="en-AU" dirty="0"/>
           </a:p>
@@ -17409,6 +17403,468 @@
                                         <p:cTn id="7" dur="1000"/>
                                         <p:tgtEl>
                                           <p:spTgt spid="9"/>
+                                        </p:tgtEl>
+                                      </p:cBhvr>
+                                    </p:animEffect>
+                                  </p:childTnLst>
+                                </p:cTn>
+                              </p:par>
+                            </p:childTnLst>
+                          </p:cTn>
+                        </p:par>
+                      </p:childTnLst>
+                    </p:cTn>
+                  </p:par>
+                </p:childTnLst>
+              </p:cTn>
+              <p:prevCondLst>
+                <p:cond evt="onPrev" delay="0">
+                  <p:tgtEl>
+                    <p:sldTgt/>
+                  </p:tgtEl>
+                </p:cond>
+              </p:prevCondLst>
+              <p:nextCondLst>
+                <p:cond evt="onNext" delay="0">
+                  <p:tgtEl>
+                    <p:sldTgt/>
+                  </p:tgtEl>
+                </p:cond>
+              </p:nextCondLst>
+            </p:seq>
+          </p:childTnLst>
+        </p:cTn>
+      </p:par>
+    </p:tnLst>
+  </p:timing>
+</p:sld>
+</file>
+
+<file path=ppt/slides/slide9.xml><?xml version="1.0" encoding="utf-8"?>
+<p:sld xmlns:a="http://schemas.openxmlformats.org/drawingml/2006/main" xmlns:r="http://schemas.openxmlformats.org/officeDocument/2006/relationships" xmlns:mc="http://schemas.openxmlformats.org/markup-compatibility/2006" xmlns:mv="urn:schemas-microsoft-com:mac:vml" xmlns:p="http://schemas.openxmlformats.org/presentationml/2006/main" mc:Ignorable="mv" mc:PreserveAttributes="mv:*">
+  <p:cSld>
+    <p:spTree>
+      <p:nvGrpSpPr>
+        <p:cNvPr id="1" name=""/>
+        <p:cNvGrpSpPr/>
+        <p:nvPr/>
+      </p:nvGrpSpPr>
+      <p:grpSpPr>
+        <a:xfrm>
+          <a:off x="0" y="0"/>
+          <a:ext cx="0" cy="0"/>
+          <a:chOff x="0" y="0"/>
+          <a:chExt cx="0" cy="0"/>
+        </a:xfrm>
+      </p:grpSpPr>
+      <p:sp>
+        <p:nvSpPr>
+          <p:cNvPr id="2" name="Title 1"/>
+          <p:cNvSpPr>
+            <a:spLocks noGrp="1"/>
+          </p:cNvSpPr>
+          <p:nvPr>
+            <p:ph type="title"/>
+          </p:nvPr>
+        </p:nvSpPr>
+        <p:spPr/>
+        <p:txBody>
+          <a:bodyPr/>
+          <a:lstStyle/>
+          <a:p>
+            <a:r>
+              <a:rPr lang="en-US" dirty="0" smtClean="0"/>
+              <a:t>The Widgets</a:t>
+            </a:r>
+            <a:endParaRPr lang="en-US" dirty="0"/>
+          </a:p>
+        </p:txBody>
+      </p:sp>
+      <p:sp>
+        <p:nvSpPr>
+          <p:cNvPr id="3" name="Slide Number Placeholder 2"/>
+          <p:cNvSpPr>
+            <a:spLocks noGrp="1"/>
+          </p:cNvSpPr>
+          <p:nvPr>
+            <p:ph type="sldNum" sz="quarter" idx="12"/>
+          </p:nvPr>
+        </p:nvSpPr>
+        <p:spPr/>
+        <p:txBody>
+          <a:bodyPr>
+            <a:normAutofit fontScale="85000" lnSpcReduction="20000"/>
+          </a:bodyPr>
+          <a:lstStyle/>
+          <a:p>
+            <a:fld id="{5AEDDE57-BFB4-403C-8AD6-39A9EF93D28E}" type="slidenum">
+              <a:rPr lang="en-AU" smtClean="0"/>
+              <a:pPr/>
+              <a:t>9</a:t>
+            </a:fld>
+            <a:endParaRPr lang="en-AU" dirty="0"/>
+          </a:p>
+        </p:txBody>
+      </p:sp>
+      <p:sp>
+        <p:nvSpPr>
+          <p:cNvPr id="4" name="Content Placeholder 3"/>
+          <p:cNvSpPr>
+            <a:spLocks noGrp="1"/>
+          </p:cNvSpPr>
+          <p:nvPr>
+            <p:ph sz="quarter" idx="1"/>
+          </p:nvPr>
+        </p:nvSpPr>
+        <p:spPr/>
+        <p:txBody>
+          <a:bodyPr>
+            <a:normAutofit fontScale="92500" lnSpcReduction="20000"/>
+          </a:bodyPr>
+          <a:lstStyle/>
+          <a:p>
+            <a:r>
+              <a:rPr lang="en-US" dirty="0" err="1" smtClean="0"/>
+              <a:t>WiFi</a:t>
+            </a:r>
+            <a:r>
+              <a:rPr lang="en-US" dirty="0" smtClean="0"/>
+              <a:t> Communications</a:t>
+            </a:r>
+          </a:p>
+          <a:p>
+            <a:pPr lvl="1"/>
+            <a:r>
+              <a:rPr lang="en-US" dirty="0" smtClean="0"/>
+              <a:t>Configure, Control and Monitor </a:t>
+            </a:r>
+            <a:br>
+              <a:rPr lang="en-US" dirty="0" smtClean="0"/>
+            </a:br>
+            <a:r>
+              <a:rPr lang="en-US" dirty="0" smtClean="0"/>
+              <a:t>UDP Telemetry</a:t>
+            </a:r>
+          </a:p>
+          <a:p>
+            <a:r>
+              <a:rPr lang="en-US" dirty="0" smtClean="0"/>
+              <a:t>Received Console</a:t>
+            </a:r>
+          </a:p>
+          <a:p>
+            <a:pPr lvl="1"/>
+            <a:r>
+              <a:rPr lang="en-US" dirty="0" smtClean="0"/>
+              <a:t>Report telemetry messages and </a:t>
+            </a:r>
+            <a:br>
+              <a:rPr lang="en-US" dirty="0" smtClean="0"/>
+            </a:br>
+            <a:r>
+              <a:rPr lang="en-US" dirty="0" smtClean="0"/>
+              <a:t>enable inspection</a:t>
+            </a:r>
+          </a:p>
+          <a:p>
+            <a:r>
+              <a:rPr lang="en-US" dirty="0" smtClean="0"/>
+              <a:t>System Status</a:t>
+            </a:r>
+          </a:p>
+          <a:p>
+            <a:pPr lvl="1"/>
+            <a:r>
+              <a:rPr lang="en-US" dirty="0" smtClean="0"/>
+              <a:t>Provide visual notifications of </a:t>
+            </a:r>
+            <a:br>
+              <a:rPr lang="en-US" dirty="0" smtClean="0"/>
+            </a:br>
+            <a:r>
+              <a:rPr lang="en-US" dirty="0" smtClean="0"/>
+              <a:t>airborne system status</a:t>
+            </a:r>
+          </a:p>
+          <a:p>
+            <a:r>
+              <a:rPr lang="en-US" dirty="0" smtClean="0"/>
+              <a:t>Data Logger</a:t>
+            </a:r>
+          </a:p>
+          <a:p>
+            <a:pPr lvl="1"/>
+            <a:r>
+              <a:rPr lang="en-US" dirty="0" smtClean="0"/>
+              <a:t>CSV Log of all Received Airborne Data</a:t>
+            </a:r>
+          </a:p>
+          <a:p>
+            <a:pPr lvl="1"/>
+            <a:endParaRPr lang="en-US" dirty="0" smtClean="0"/>
+          </a:p>
+        </p:txBody>
+      </p:sp>
+      <p:pic>
+        <p:nvPicPr>
+          <p:cNvPr id="5" name="Picture 4" descr="GCS_Screenshot.png"/>
+          <p:cNvPicPr>
+            <a:picLocks noChangeAspect="1"/>
+          </p:cNvPicPr>
+          <p:nvPr/>
+        </p:nvPicPr>
+        <p:blipFill>
+          <a:blip r:embed="rId2"/>
+          <a:srcRect l="86541" t="43432" b="44915"/>
+          <a:stretch>
+            <a:fillRect/>
+          </a:stretch>
+        </p:blipFill>
+        <p:spPr>
+          <a:xfrm>
+            <a:off x="6096000" y="1752600"/>
+            <a:ext cx="2710875" cy="838200"/>
+          </a:xfrm>
+          <a:prstGeom prst="rect">
+            <a:avLst/>
+          </a:prstGeom>
+          <a:ln>
+            <a:noFill/>
+          </a:ln>
+          <a:effectLst>
+            <a:outerShdw blurRad="292100" dist="139700" dir="2700000" algn="tl" rotWithShape="0">
+              <a:srgbClr val="333333">
+                <a:alpha val="65000"/>
+              </a:srgbClr>
+            </a:outerShdw>
+          </a:effectLst>
+        </p:spPr>
+      </p:pic>
+      <p:pic>
+        <p:nvPicPr>
+          <p:cNvPr id="6" name="Picture 5" descr="GCS_Screenshot.png"/>
+          <p:cNvPicPr>
+            <a:picLocks noChangeAspect="1"/>
+          </p:cNvPicPr>
+          <p:nvPr/>
+        </p:nvPicPr>
+        <p:blipFill>
+          <a:blip r:embed="rId2"/>
+          <a:srcRect l="86541" t="55085" b="26907"/>
+          <a:stretch>
+            <a:fillRect/>
+          </a:stretch>
+        </p:blipFill>
+        <p:spPr>
+          <a:xfrm>
+            <a:off x="6096000" y="2743200"/>
+            <a:ext cx="2710875" cy="1295400"/>
+          </a:xfrm>
+          <a:prstGeom prst="rect">
+            <a:avLst/>
+          </a:prstGeom>
+          <a:ln>
+            <a:noFill/>
+          </a:ln>
+          <a:effectLst>
+            <a:outerShdw blurRad="292100" dist="139700" dir="2700000" algn="tl" rotWithShape="0">
+              <a:srgbClr val="333333">
+                <a:alpha val="65000"/>
+              </a:srgbClr>
+            </a:outerShdw>
+          </a:effectLst>
+        </p:spPr>
+      </p:pic>
+      <p:pic>
+        <p:nvPicPr>
+          <p:cNvPr id="8" name="Picture 7" descr="GCS_Screenshot.png"/>
+          <p:cNvPicPr>
+            <a:picLocks noChangeAspect="1"/>
+          </p:cNvPicPr>
+          <p:nvPr/>
+        </p:nvPicPr>
+        <p:blipFill>
+          <a:blip r:embed="rId2"/>
+          <a:srcRect l="86541" t="29661" b="56568"/>
+          <a:stretch>
+            <a:fillRect/>
+          </a:stretch>
+        </p:blipFill>
+        <p:spPr>
+          <a:xfrm>
+            <a:off x="6096000" y="4191000"/>
+            <a:ext cx="2710875" cy="990600"/>
+          </a:xfrm>
+          <a:prstGeom prst="rect">
+            <a:avLst/>
+          </a:prstGeom>
+          <a:ln>
+            <a:noFill/>
+          </a:ln>
+          <a:effectLst>
+            <a:outerShdw blurRad="292100" dist="139700" dir="2700000" algn="tl" rotWithShape="0">
+              <a:srgbClr val="333333">
+                <a:alpha val="65000"/>
+              </a:srgbClr>
+            </a:outerShdw>
+          </a:effectLst>
+        </p:spPr>
+      </p:pic>
+      <p:sp>
+        <p:nvSpPr>
+          <p:cNvPr id="9" name="Footer Placeholder 5"/>
+          <p:cNvSpPr>
+            <a:spLocks noGrp="1"/>
+          </p:cNvSpPr>
+          <p:nvPr>
+            <p:ph type="ftr" sz="quarter" idx="11"/>
+          </p:nvPr>
+        </p:nvSpPr>
+        <p:spPr>
+          <a:xfrm>
+            <a:off x="609600" y="6248206"/>
+            <a:ext cx="5421083" cy="365125"/>
+          </a:xfrm>
+        </p:spPr>
+        <p:txBody>
+          <a:bodyPr/>
+          <a:lstStyle/>
+          <a:p>
+            <a:r>
+              <a:rPr lang="en-AU" smtClean="0"/>
+              <a:t>Tim Molloy</a:t>
+            </a:r>
+            <a:endParaRPr lang="en-AU" dirty="0"/>
+          </a:p>
+        </p:txBody>
+      </p:sp>
+    </p:spTree>
+  </p:cSld>
+  <p:clrMapOvr>
+    <a:masterClrMapping/>
+  </p:clrMapOvr>
+  <p:timing>
+    <p:tnLst>
+      <p:par>
+        <p:cTn id="1" dur="indefinite" restart="never" nodeType="tmRoot">
+          <p:childTnLst>
+            <p:seq concurrent="1" nextAc="seek">
+              <p:cTn id="2" dur="indefinite" nodeType="mainSeq">
+                <p:childTnLst>
+                  <p:par>
+                    <p:cTn id="3" fill="hold">
+                      <p:stCondLst>
+                        <p:cond delay="indefinite"/>
+                        <p:cond evt="onBegin" delay="0">
+                          <p:tn val="2"/>
+                        </p:cond>
+                      </p:stCondLst>
+                      <p:childTnLst>
+                        <p:par>
+                          <p:cTn id="4" fill="hold">
+                            <p:stCondLst>
+                              <p:cond delay="0"/>
+                            </p:stCondLst>
+                            <p:childTnLst>
+                              <p:par>
+                                <p:cTn id="5" presetID="10" presetClass="entr" presetSubtype="0" fill="hold" nodeType="withEffect">
+                                  <p:stCondLst>
+                                    <p:cond delay="0"/>
+                                  </p:stCondLst>
+                                  <p:childTnLst>
+                                    <p:set>
+                                      <p:cBhvr>
+                                        <p:cTn id="6" dur="1" fill="hold">
+                                          <p:stCondLst>
+                                            <p:cond delay="0"/>
+                                          </p:stCondLst>
+                                        </p:cTn>
+                                        <p:tgtEl>
+                                          <p:spTgt spid="5"/>
+                                        </p:tgtEl>
+                                        <p:attrNameLst>
+                                          <p:attrName>style.visibility</p:attrName>
+                                        </p:attrNameLst>
+                                      </p:cBhvr>
+                                      <p:to>
+                                        <p:strVal val="visible"/>
+                                      </p:to>
+                                    </p:set>
+                                    <p:animEffect transition="in" filter="fade">
+                                      <p:cBhvr>
+                                        <p:cTn id="7" dur="1000"/>
+                                        <p:tgtEl>
+                                          <p:spTgt spid="5"/>
+                                        </p:tgtEl>
+                                      </p:cBhvr>
+                                    </p:animEffect>
+                                  </p:childTnLst>
+                                </p:cTn>
+                              </p:par>
+                              <p:par>
+                                <p:cTn id="8" presetID="10" presetClass="entr" presetSubtype="0" fill="hold" nodeType="withEffect">
+                                  <p:stCondLst>
+                                    <p:cond delay="0"/>
+                                  </p:stCondLst>
+                                  <p:childTnLst>
+                                    <p:set>
+                                      <p:cBhvr>
+                                        <p:cTn id="9" dur="1" fill="hold">
+                                          <p:stCondLst>
+                                            <p:cond delay="0"/>
+                                          </p:stCondLst>
+                                        </p:cTn>
+                                        <p:tgtEl>
+                                          <p:spTgt spid="6"/>
+                                        </p:tgtEl>
+                                        <p:attrNameLst>
+                                          <p:attrName>style.visibility</p:attrName>
+                                        </p:attrNameLst>
+                                      </p:cBhvr>
+                                      <p:to>
+                                        <p:strVal val="visible"/>
+                                      </p:to>
+                                    </p:set>
+                                    <p:animEffect transition="in" filter="fade">
+                                      <p:cBhvr>
+                                        <p:cTn id="10" dur="1000"/>
+                                        <p:tgtEl>
+                                          <p:spTgt spid="6"/>
+                                        </p:tgtEl>
+                                      </p:cBhvr>
+                                    </p:animEffect>
+                                  </p:childTnLst>
+                                </p:cTn>
+                              </p:par>
+                              <p:par>
+                                <p:cTn id="11" presetID="10" presetClass="entr" presetSubtype="0" fill="hold" nodeType="withEffect">
+                                  <p:stCondLst>
+                                    <p:cond delay="0"/>
+                                  </p:stCondLst>
+                                  <p:childTnLst>
+                                    <p:set>
+                                      <p:cBhvr>
+                                        <p:cTn id="12" dur="1" fill="hold">
+                                          <p:stCondLst>
+                                            <p:cond delay="0"/>
+                                          </p:stCondLst>
+                                        </p:cTn>
+                                        <p:tgtEl>
+                                          <p:spTgt spid="8"/>
+                                        </p:tgtEl>
+                                        <p:attrNameLst>
+                                          <p:attrName>style.visibility</p:attrName>
+                                        </p:attrNameLst>
+                                      </p:cBhvr>
+                                      <p:to>
+                                        <p:strVal val="visible"/>
+                                      </p:to>
+                                    </p:set>
+                                    <p:animEffect transition="in" filter="fade">
+                                      <p:cBhvr>
+                                        <p:cTn id="13" dur="1000"/>
+                                        <p:tgtEl>
+                                          <p:spTgt spid="8"/>
                                         </p:tgtEl>
                                       </p:cBhvr>
                                     </p:animEffect>

--- a/docproject/official_ahns/presentations/tim_semester1.pptx
+++ b/docproject/official_ahns/presentations/tim_semester1.pptx
@@ -14269,38 +14269,29 @@
           <a:p>
             <a:r>
               <a:rPr lang="en-US" dirty="0" smtClean="0"/>
-              <a:t>Drag and Thrust forces are proportional to the square of the engine speeds which are in turn proportional to the motor control signals</a:t>
-            </a:r>
+              <a:t>Drag and Thrust forces are proportional to the square of the engine speeds which are in turn proportional to the motor control signals:</a:t>
+            </a:r>
+          </a:p>
+          <a:p>
+            <a:endParaRPr lang="en-US" dirty="0" smtClean="0"/>
+          </a:p>
+          <a:p>
+            <a:endParaRPr lang="en-US" dirty="0" smtClean="0"/>
+          </a:p>
+          <a:p>
+            <a:endParaRPr lang="en-US" dirty="0" smtClean="0"/>
+          </a:p>
+          <a:p>
+            <a:endParaRPr lang="en-US" dirty="0" smtClean="0"/>
+          </a:p>
+          <a:p>
+            <a:endParaRPr lang="en-US" dirty="0" smtClean="0"/>
+          </a:p>
+          <a:p>
             <a:r>
               <a:rPr lang="en-US" dirty="0" smtClean="0"/>
-              <a:t>:</a:t>
-            </a:r>
-          </a:p>
-          <a:p>
-            <a:endParaRPr lang="en-US" dirty="0" smtClean="0"/>
-          </a:p>
-          <a:p>
-            <a:endParaRPr lang="en-US" dirty="0" smtClean="0"/>
-          </a:p>
-          <a:p>
-            <a:endParaRPr lang="en-US" dirty="0" smtClean="0"/>
-          </a:p>
-          <a:p>
-            <a:endParaRPr lang="en-US" dirty="0" smtClean="0"/>
-          </a:p>
-          <a:p>
-            <a:endParaRPr lang="en-US" dirty="0" smtClean="0"/>
-          </a:p>
-          <a:p>
-            <a:r>
-              <a:rPr lang="en-US" dirty="0" smtClean="0"/>
-              <a:t>This is the mixing relationship between the altitude, roll, pitch or yaw controller output</a:t>
-            </a:r>
-            <a:r>
-              <a:rPr lang="en-US" dirty="0" smtClean="0"/>
-              <a:t>s and the individual motor control signals.</a:t>
-            </a:r>
-            <a:endParaRPr lang="en-US" dirty="0" smtClean="0"/>
+              <a:t>This is the mixing relationship between the altitude, roll, pitch or yaw controller outputs and the individual motor control signals.</a:t>
+            </a:r>
           </a:p>
         </p:txBody>
       </p:sp>
@@ -14454,15 +14445,7 @@
           <a:p>
             <a:r>
               <a:rPr lang="en-US" dirty="0" smtClean="0"/>
-              <a:t>Abstraction</a:t>
-            </a:r>
-            <a:r>
-              <a:rPr lang="en-US" dirty="0" smtClean="0"/>
-              <a:t> of motor thrust and drag control force variation </a:t>
-            </a:r>
-            <a:r>
-              <a:rPr lang="en-US" dirty="0" smtClean="0"/>
-              <a:t>reduces attitude control to </a:t>
+              <a:t>Abstraction of motor thrust and drag control force variation reduces attitude control to </a:t>
             </a:r>
             <a:r>
               <a:rPr lang="en-US" i="1" dirty="0" smtClean="0"/>
@@ -14470,19 +14453,7 @@
             </a:r>
             <a:r>
               <a:rPr lang="en-US" dirty="0" smtClean="0"/>
-              <a:t> whose o</a:t>
-            </a:r>
-            <a:r>
-              <a:rPr lang="en-US" dirty="0" smtClean="0"/>
-              <a:t>utputs are </a:t>
-            </a:r>
-            <a:r>
-              <a:rPr lang="en-US" dirty="0" smtClean="0"/>
-              <a:t>proportional to the required control </a:t>
-            </a:r>
-            <a:r>
-              <a:rPr lang="en-US" dirty="0" smtClean="0"/>
-              <a:t>forces, U2, U3 or U4.</a:t>
+              <a:t> whose outputs are proportional to the required control forces, U2, U3 or U4.</a:t>
             </a:r>
           </a:p>
         </p:txBody>
@@ -14571,7 +14542,7 @@
           <a:p>
             <a:r>
               <a:rPr lang="en-US" dirty="0" smtClean="0"/>
-              <a:t>Guidance</a:t>
+              <a:t>Guidance Progress</a:t>
             </a:r>
             <a:endParaRPr lang="en-US" dirty="0"/>
           </a:p>
@@ -14649,13 +14620,21 @@
         </p:spPr>
         <p:txBody>
           <a:bodyPr>
-            <a:normAutofit/>
+            <a:normAutofit fontScale="92500" lnSpcReduction="10000"/>
           </a:bodyPr>
           <a:lstStyle/>
           <a:p>
             <a:r>
               <a:rPr lang="en-US" dirty="0" smtClean="0"/>
-              <a:t>Three Angular Loops for Attitude Control plus Three positional control loops</a:t>
+              <a:t>Three Angular Loops for Attitude Control plus</a:t>
+            </a:r>
+            <a:r>
+              <a:rPr lang="en-US" dirty="0" smtClean="0"/>
+              <a:t> up to Three Positional </a:t>
+            </a:r>
+            <a:r>
+              <a:rPr lang="en-US" dirty="0" smtClean="0"/>
+              <a:t>control loops</a:t>
             </a:r>
           </a:p>
           <a:p>
@@ -14732,8 +14711,24 @@
             <a:pPr lvl="1"/>
             <a:r>
               <a:rPr lang="en-US" dirty="0" smtClean="0"/>
-              <a:t>Velocity Control using pitch and roll angle bounding </a:t>
-            </a:r>
+              <a:t>Velocity Control using pitch and roll angle </a:t>
+            </a:r>
+            <a:r>
+              <a:rPr lang="en-US" dirty="0" smtClean="0"/>
+              <a:t>bounding</a:t>
+            </a:r>
+          </a:p>
+          <a:p>
+            <a:pPr lvl="1"/>
+            <a:r>
+              <a:rPr lang="en-US" dirty="0" smtClean="0"/>
+              <a:t>Options to decouple position errors or treat as cross-track error problem based on heading</a:t>
+            </a:r>
+            <a:r>
+              <a:rPr lang="en-US" dirty="0" smtClean="0"/>
+              <a:t> </a:t>
+            </a:r>
+            <a:endParaRPr lang="en-US" dirty="0" smtClean="0"/>
           </a:p>
         </p:txBody>
       </p:sp>
@@ -15432,11 +15427,7 @@
           <a:p>
             <a:r>
               <a:rPr lang="en-US" dirty="0" smtClean="0"/>
-              <a:t>Software </a:t>
-            </a:r>
-            <a:r>
-              <a:rPr lang="en-US" dirty="0" smtClean="0"/>
-              <a:t>Architecture</a:t>
+              <a:t>Software Architecture</a:t>
             </a:r>
             <a:endParaRPr lang="en-US" dirty="0"/>
           </a:p>

--- a/docproject/official_ahns/presentations/tim_semester1.pptx
+++ b/docproject/official_ahns/presentations/tim_semester1.pptx
@@ -5,27 +5,23 @@
     <p:sldMasterId r:id="rId1"/>
   </p:sldMasterIdLst>
   <p:notesMasterIdLst>
-    <p:notesMasterId r:id="rId20"/>
+    <p:notesMasterId r:id="rId16"/>
   </p:notesMasterIdLst>
   <p:sldIdLst>
-    <p:sldId id="380" r:id="rId2"/>
-    <p:sldId id="381" r:id="rId3"/>
-    <p:sldId id="382" r:id="rId4"/>
-    <p:sldId id="384" r:id="rId5"/>
-    <p:sldId id="386" r:id="rId6"/>
-    <p:sldId id="400" r:id="rId7"/>
-    <p:sldId id="389" r:id="rId8"/>
-    <p:sldId id="390" r:id="rId9"/>
-    <p:sldId id="396" r:id="rId10"/>
-    <p:sldId id="399" r:id="rId11"/>
-    <p:sldId id="401" r:id="rId12"/>
-    <p:sldId id="388" r:id="rId13"/>
-    <p:sldId id="392" r:id="rId14"/>
-    <p:sldId id="393" r:id="rId15"/>
-    <p:sldId id="394" r:id="rId16"/>
-    <p:sldId id="402" r:id="rId17"/>
-    <p:sldId id="395" r:id="rId18"/>
-    <p:sldId id="403" r:id="rId19"/>
+    <p:sldId id="404" r:id="rId2"/>
+    <p:sldId id="400" r:id="rId3"/>
+    <p:sldId id="389" r:id="rId4"/>
+    <p:sldId id="390" r:id="rId5"/>
+    <p:sldId id="396" r:id="rId6"/>
+    <p:sldId id="399" r:id="rId7"/>
+    <p:sldId id="401" r:id="rId8"/>
+    <p:sldId id="388" r:id="rId9"/>
+    <p:sldId id="392" r:id="rId10"/>
+    <p:sldId id="393" r:id="rId11"/>
+    <p:sldId id="394" r:id="rId12"/>
+    <p:sldId id="402" r:id="rId13"/>
+    <p:sldId id="395" r:id="rId14"/>
+    <p:sldId id="403" r:id="rId15"/>
   </p:sldIdLst>
   <p:sldSz cx="9144000" cy="6858000" type="screen4x3"/>
   <p:notesSz cx="6858000" cy="9144000"/>
@@ -7322,12 +7318,12 @@
           <a:bodyPr/>
           <a:lstStyle/>
           <a:p>
-            <a:fld id="{4D491B27-5B82-4FBC-928D-E3C9DE4F6203}" type="slidenum">
+            <a:fld id="{564FCFA0-726F-477B-BEA1-4EBA104729ED}" type="slidenum">
               <a:rPr lang="en-AU" smtClean="0"/>
               <a:pPr/>
               <a:t>1</a:t>
             </a:fld>
-            <a:endParaRPr lang="en-AU" dirty="0"/>
+            <a:endParaRPr lang="en-AU"/>
           </a:p>
         </p:txBody>
       </p:sp>
@@ -7385,7 +7381,7 @@
           </a:bodyPr>
           <a:lstStyle/>
           <a:p>
-            <a:endParaRPr lang="en-AU" dirty="0"/>
+            <a:endParaRPr lang="en-US" dirty="0"/>
           </a:p>
         </p:txBody>
       </p:sp>
@@ -7404,338 +7400,10 @@
           <a:bodyPr/>
           <a:lstStyle/>
           <a:p>
-            <a:fld id="{4D491B27-5B82-4FBC-928D-E3C9DE4F6203}" type="slidenum">
+            <a:fld id="{564FCFA0-726F-477B-BEA1-4EBA104729ED}" type="slidenum">
               <a:rPr lang="en-AU" smtClean="0"/>
               <a:pPr/>
               <a:t>2</a:t>
-            </a:fld>
-            <a:endParaRPr lang="en-AU" dirty="0"/>
-          </a:p>
-        </p:txBody>
-      </p:sp>
-    </p:spTree>
-  </p:cSld>
-  <p:clrMapOvr>
-    <a:masterClrMapping/>
-  </p:clrMapOvr>
-</p:notes>
-</file>
-
-<file path=ppt/notesSlides/notesSlide3.xml><?xml version="1.0" encoding="utf-8"?>
-<p:notes xmlns:a="http://schemas.openxmlformats.org/drawingml/2006/main" xmlns:r="http://schemas.openxmlformats.org/officeDocument/2006/relationships" xmlns:mc="http://schemas.openxmlformats.org/markup-compatibility/2006" xmlns:mv="urn:schemas-microsoft-com:mac:vml" xmlns:p="http://schemas.openxmlformats.org/presentationml/2006/main" mc:Ignorable="mv" mc:PreserveAttributes="mv:*">
-  <p:cSld>
-    <p:spTree>
-      <p:nvGrpSpPr>
-        <p:cNvPr id="1" name=""/>
-        <p:cNvGrpSpPr/>
-        <p:nvPr/>
-      </p:nvGrpSpPr>
-      <p:grpSpPr>
-        <a:xfrm>
-          <a:off x="0" y="0"/>
-          <a:ext cx="0" cy="0"/>
-          <a:chOff x="0" y="0"/>
-          <a:chExt cx="0" cy="0"/>
-        </a:xfrm>
-      </p:grpSpPr>
-      <p:sp>
-        <p:nvSpPr>
-          <p:cNvPr id="2" name="Slide Image Placeholder 1"/>
-          <p:cNvSpPr>
-            <a:spLocks noGrp="1" noRot="1" noChangeAspect="1"/>
-          </p:cNvSpPr>
-          <p:nvPr>
-            <p:ph type="sldImg"/>
-          </p:nvPr>
-        </p:nvSpPr>
-        <p:spPr/>
-      </p:sp>
-      <p:sp>
-        <p:nvSpPr>
-          <p:cNvPr id="3" name="Notes Placeholder 2"/>
-          <p:cNvSpPr>
-            <a:spLocks noGrp="1"/>
-          </p:cNvSpPr>
-          <p:nvPr>
-            <p:ph type="body" idx="1"/>
-          </p:nvPr>
-        </p:nvSpPr>
-        <p:spPr/>
-        <p:txBody>
-          <a:bodyPr>
-            <a:normAutofit/>
-          </a:bodyPr>
-          <a:lstStyle/>
-          <a:p>
-            <a:endParaRPr lang="en-AU" baseline="0" dirty="0" smtClean="0"/>
-          </a:p>
-        </p:txBody>
-      </p:sp>
-      <p:sp>
-        <p:nvSpPr>
-          <p:cNvPr id="4" name="Slide Number Placeholder 3"/>
-          <p:cNvSpPr>
-            <a:spLocks noGrp="1"/>
-          </p:cNvSpPr>
-          <p:nvPr>
-            <p:ph type="sldNum" sz="quarter" idx="10"/>
-          </p:nvPr>
-        </p:nvSpPr>
-        <p:spPr/>
-        <p:txBody>
-          <a:bodyPr/>
-          <a:lstStyle/>
-          <a:p>
-            <a:fld id="{4D491B27-5B82-4FBC-928D-E3C9DE4F6203}" type="slidenum">
-              <a:rPr lang="en-AU" smtClean="0"/>
-              <a:pPr/>
-              <a:t>3</a:t>
-            </a:fld>
-            <a:endParaRPr lang="en-AU" dirty="0"/>
-          </a:p>
-        </p:txBody>
-      </p:sp>
-    </p:spTree>
-  </p:cSld>
-  <p:clrMapOvr>
-    <a:masterClrMapping/>
-  </p:clrMapOvr>
-</p:notes>
-</file>
-
-<file path=ppt/notesSlides/notesSlide4.xml><?xml version="1.0" encoding="utf-8"?>
-<p:notes xmlns:a="http://schemas.openxmlformats.org/drawingml/2006/main" xmlns:r="http://schemas.openxmlformats.org/officeDocument/2006/relationships" xmlns:mc="http://schemas.openxmlformats.org/markup-compatibility/2006" xmlns:mv="urn:schemas-microsoft-com:mac:vml" xmlns:p="http://schemas.openxmlformats.org/presentationml/2006/main" mc:Ignorable="mv" mc:PreserveAttributes="mv:*">
-  <p:cSld>
-    <p:spTree>
-      <p:nvGrpSpPr>
-        <p:cNvPr id="1" name=""/>
-        <p:cNvGrpSpPr/>
-        <p:nvPr/>
-      </p:nvGrpSpPr>
-      <p:grpSpPr>
-        <a:xfrm>
-          <a:off x="0" y="0"/>
-          <a:ext cx="0" cy="0"/>
-          <a:chOff x="0" y="0"/>
-          <a:chExt cx="0" cy="0"/>
-        </a:xfrm>
-      </p:grpSpPr>
-      <p:sp>
-        <p:nvSpPr>
-          <p:cNvPr id="2" name="Slide Image Placeholder 1"/>
-          <p:cNvSpPr>
-            <a:spLocks noGrp="1" noRot="1" noChangeAspect="1"/>
-          </p:cNvSpPr>
-          <p:nvPr>
-            <p:ph type="sldImg"/>
-          </p:nvPr>
-        </p:nvSpPr>
-        <p:spPr/>
-      </p:sp>
-      <p:sp>
-        <p:nvSpPr>
-          <p:cNvPr id="3" name="Notes Placeholder 2"/>
-          <p:cNvSpPr>
-            <a:spLocks noGrp="1"/>
-          </p:cNvSpPr>
-          <p:nvPr>
-            <p:ph type="body" idx="1"/>
-          </p:nvPr>
-        </p:nvSpPr>
-        <p:spPr/>
-        <p:txBody>
-          <a:bodyPr>
-            <a:normAutofit/>
-          </a:bodyPr>
-          <a:lstStyle/>
-          <a:p>
-            <a:endParaRPr lang="en-AU" dirty="0"/>
-          </a:p>
-        </p:txBody>
-      </p:sp>
-      <p:sp>
-        <p:nvSpPr>
-          <p:cNvPr id="4" name="Slide Number Placeholder 3"/>
-          <p:cNvSpPr>
-            <a:spLocks noGrp="1"/>
-          </p:cNvSpPr>
-          <p:nvPr>
-            <p:ph type="sldNum" sz="quarter" idx="10"/>
-          </p:nvPr>
-        </p:nvSpPr>
-        <p:spPr/>
-        <p:txBody>
-          <a:bodyPr/>
-          <a:lstStyle/>
-          <a:p>
-            <a:fld id="{4D491B27-5B82-4FBC-928D-E3C9DE4F6203}" type="slidenum">
-              <a:rPr lang="en-AU" smtClean="0"/>
-              <a:pPr/>
-              <a:t>4</a:t>
-            </a:fld>
-            <a:endParaRPr lang="en-AU" dirty="0"/>
-          </a:p>
-        </p:txBody>
-      </p:sp>
-    </p:spTree>
-  </p:cSld>
-  <p:clrMapOvr>
-    <a:masterClrMapping/>
-  </p:clrMapOvr>
-</p:notes>
-</file>
-
-<file path=ppt/notesSlides/notesSlide5.xml><?xml version="1.0" encoding="utf-8"?>
-<p:notes xmlns:a="http://schemas.openxmlformats.org/drawingml/2006/main" xmlns:r="http://schemas.openxmlformats.org/officeDocument/2006/relationships" xmlns:mc="http://schemas.openxmlformats.org/markup-compatibility/2006" xmlns:mv="urn:schemas-microsoft-com:mac:vml" xmlns:p="http://schemas.openxmlformats.org/presentationml/2006/main" mc:Ignorable="mv" mc:PreserveAttributes="mv:*">
-  <p:cSld>
-    <p:spTree>
-      <p:nvGrpSpPr>
-        <p:cNvPr id="1" name=""/>
-        <p:cNvGrpSpPr/>
-        <p:nvPr/>
-      </p:nvGrpSpPr>
-      <p:grpSpPr>
-        <a:xfrm>
-          <a:off x="0" y="0"/>
-          <a:ext cx="0" cy="0"/>
-          <a:chOff x="0" y="0"/>
-          <a:chExt cx="0" cy="0"/>
-        </a:xfrm>
-      </p:grpSpPr>
-      <p:sp>
-        <p:nvSpPr>
-          <p:cNvPr id="2" name="Slide Image Placeholder 1"/>
-          <p:cNvSpPr>
-            <a:spLocks noGrp="1" noRot="1" noChangeAspect="1"/>
-          </p:cNvSpPr>
-          <p:nvPr>
-            <p:ph type="sldImg"/>
-          </p:nvPr>
-        </p:nvSpPr>
-        <p:spPr/>
-      </p:sp>
-      <p:sp>
-        <p:nvSpPr>
-          <p:cNvPr id="3" name="Notes Placeholder 2"/>
-          <p:cNvSpPr>
-            <a:spLocks noGrp="1"/>
-          </p:cNvSpPr>
-          <p:nvPr>
-            <p:ph type="body" idx="1"/>
-          </p:nvPr>
-        </p:nvSpPr>
-        <p:spPr/>
-        <p:txBody>
-          <a:bodyPr>
-            <a:normAutofit/>
-          </a:bodyPr>
-          <a:lstStyle/>
-          <a:p>
-            <a:endParaRPr lang="en-AU" dirty="0"/>
-          </a:p>
-        </p:txBody>
-      </p:sp>
-      <p:sp>
-        <p:nvSpPr>
-          <p:cNvPr id="4" name="Slide Number Placeholder 3"/>
-          <p:cNvSpPr>
-            <a:spLocks noGrp="1"/>
-          </p:cNvSpPr>
-          <p:nvPr>
-            <p:ph type="sldNum" sz="quarter" idx="10"/>
-          </p:nvPr>
-        </p:nvSpPr>
-        <p:spPr/>
-        <p:txBody>
-          <a:bodyPr/>
-          <a:lstStyle/>
-          <a:p>
-            <a:fld id="{564FCFA0-726F-477B-BEA1-4EBA104729ED}" type="slidenum">
-              <a:rPr lang="en-AU" smtClean="0"/>
-              <a:pPr/>
-              <a:t>5</a:t>
-            </a:fld>
-            <a:endParaRPr lang="en-AU" dirty="0"/>
-          </a:p>
-        </p:txBody>
-      </p:sp>
-    </p:spTree>
-  </p:cSld>
-  <p:clrMapOvr>
-    <a:masterClrMapping/>
-  </p:clrMapOvr>
-</p:notes>
-</file>
-
-<file path=ppt/notesSlides/notesSlide6.xml><?xml version="1.0" encoding="utf-8"?>
-<p:notes xmlns:a="http://schemas.openxmlformats.org/drawingml/2006/main" xmlns:r="http://schemas.openxmlformats.org/officeDocument/2006/relationships" xmlns:mc="http://schemas.openxmlformats.org/markup-compatibility/2006" xmlns:mv="urn:schemas-microsoft-com:mac:vml" xmlns:p="http://schemas.openxmlformats.org/presentationml/2006/main" mc:Ignorable="mv" mc:PreserveAttributes="mv:*">
-  <p:cSld>
-    <p:spTree>
-      <p:nvGrpSpPr>
-        <p:cNvPr id="1" name=""/>
-        <p:cNvGrpSpPr/>
-        <p:nvPr/>
-      </p:nvGrpSpPr>
-      <p:grpSpPr>
-        <a:xfrm>
-          <a:off x="0" y="0"/>
-          <a:ext cx="0" cy="0"/>
-          <a:chOff x="0" y="0"/>
-          <a:chExt cx="0" cy="0"/>
-        </a:xfrm>
-      </p:grpSpPr>
-      <p:sp>
-        <p:nvSpPr>
-          <p:cNvPr id="2" name="Slide Image Placeholder 1"/>
-          <p:cNvSpPr>
-            <a:spLocks noGrp="1" noRot="1" noChangeAspect="1"/>
-          </p:cNvSpPr>
-          <p:nvPr>
-            <p:ph type="sldImg"/>
-          </p:nvPr>
-        </p:nvSpPr>
-        <p:spPr/>
-      </p:sp>
-      <p:sp>
-        <p:nvSpPr>
-          <p:cNvPr id="3" name="Notes Placeholder 2"/>
-          <p:cNvSpPr>
-            <a:spLocks noGrp="1"/>
-          </p:cNvSpPr>
-          <p:nvPr>
-            <p:ph type="body" idx="1"/>
-          </p:nvPr>
-        </p:nvSpPr>
-        <p:spPr/>
-        <p:txBody>
-          <a:bodyPr>
-            <a:normAutofit/>
-          </a:bodyPr>
-          <a:lstStyle/>
-          <a:p>
-            <a:endParaRPr lang="en-US" dirty="0"/>
-          </a:p>
-        </p:txBody>
-      </p:sp>
-      <p:sp>
-        <p:nvSpPr>
-          <p:cNvPr id="4" name="Slide Number Placeholder 3"/>
-          <p:cNvSpPr>
-            <a:spLocks noGrp="1"/>
-          </p:cNvSpPr>
-          <p:nvPr>
-            <p:ph type="sldNum" sz="quarter" idx="10"/>
-          </p:nvPr>
-        </p:nvSpPr>
-        <p:spPr/>
-        <p:txBody>
-          <a:bodyPr/>
-          <a:lstStyle/>
-          <a:p>
-            <a:fld id="{564FCFA0-726F-477B-BEA1-4EBA104729ED}" type="slidenum">
-              <a:rPr lang="en-AU" smtClean="0"/>
-              <a:pPr/>
-              <a:t>6</a:t>
             </a:fld>
             <a:endParaRPr lang="en-AU"/>
           </a:p>
@@ -11358,125 +11026,40 @@
             <p:ph type="ctrTitle"/>
           </p:nvPr>
         </p:nvSpPr>
-        <p:spPr>
-          <a:xfrm>
-            <a:off x="714348" y="4214818"/>
-            <a:ext cx="7715304" cy="1012823"/>
-          </a:xfrm>
-        </p:spPr>
+        <p:spPr/>
         <p:txBody>
           <a:bodyPr>
-            <a:noAutofit/>
+            <a:normAutofit fontScale="90000"/>
           </a:bodyPr>
           <a:lstStyle/>
           <a:p>
             <a:r>
-              <a:rPr lang="en-AU" sz="2400" b="1" dirty="0" smtClean="0">
-                <a:solidFill>
-                  <a:schemeClr val="bg1"/>
-                </a:solidFill>
-                <a:effectLst>
-                  <a:reflection blurRad="6350" stA="55000" endA="50" endPos="85000" dir="5400000" sy="-100000" algn="bl" rotWithShape="0"/>
-                </a:effectLst>
-              </a:rPr>
-              <a:t>A</a:t>
-            </a:r>
-            <a:r>
-              <a:rPr lang="en-AU" sz="2400" b="1" dirty="0" smtClean="0">
-                <a:solidFill>
-                  <a:schemeClr val="bg1"/>
-                </a:solidFill>
-                <a:effectLst>
-                  <a:reflection blurRad="6350" stA="55000" endA="300" endPos="45500" dir="5400000" sy="-100000" algn="bl" rotWithShape="0"/>
-                </a:effectLst>
-              </a:rPr>
-              <a:t>utonomous </a:t>
-            </a:r>
-            <a:r>
-              <a:rPr lang="en-AU" sz="2400" b="1" dirty="0" smtClean="0">
-                <a:solidFill>
-                  <a:schemeClr val="bg1"/>
-                </a:solidFill>
-                <a:effectLst>
-                  <a:reflection blurRad="6350" stA="55000" endA="50" endPos="85000" dir="5400000" sy="-100000" algn="bl" rotWithShape="0"/>
-                </a:effectLst>
-              </a:rPr>
-              <a:t>H</a:t>
-            </a:r>
-            <a:r>
-              <a:rPr lang="en-AU" sz="2400" b="1" dirty="0" smtClean="0">
-                <a:solidFill>
-                  <a:schemeClr val="bg1"/>
-                </a:solidFill>
-                <a:effectLst>
-                  <a:reflection blurRad="6350" stA="55000" endA="300" endPos="45500" dir="5400000" sy="-100000" algn="bl" rotWithShape="0"/>
-                </a:effectLst>
-              </a:rPr>
-              <a:t>elicopter </a:t>
-            </a:r>
-            <a:r>
-              <a:rPr lang="en-AU" sz="2400" b="1" dirty="0" smtClean="0">
-                <a:solidFill>
-                  <a:schemeClr val="bg1"/>
-                </a:solidFill>
-                <a:effectLst>
-                  <a:reflection blurRad="6350" stA="55000" endA="50" endPos="85000" dir="5400000" sy="-100000" algn="bl" rotWithShape="0"/>
-                </a:effectLst>
-              </a:rPr>
-              <a:t>N</a:t>
-            </a:r>
-            <a:r>
-              <a:rPr lang="en-AU" sz="2400" b="1" dirty="0" smtClean="0">
-                <a:solidFill>
-                  <a:schemeClr val="bg1"/>
-                </a:solidFill>
-                <a:effectLst>
-                  <a:reflection blurRad="6350" stA="55000" endA="300" endPos="45500" dir="5400000" sy="-100000" algn="bl" rotWithShape="0"/>
-                </a:effectLst>
-              </a:rPr>
-              <a:t>avigation </a:t>
-            </a:r>
-            <a:r>
-              <a:rPr lang="en-AU" sz="2400" b="1" dirty="0" smtClean="0">
-                <a:solidFill>
-                  <a:schemeClr val="bg1"/>
-                </a:solidFill>
-                <a:effectLst>
-                  <a:reflection blurRad="6350" stA="55000" endA="50" endPos="85000" dir="5400000" sy="-100000" algn="bl" rotWithShape="0"/>
-                </a:effectLst>
-              </a:rPr>
-              <a:t>S</a:t>
-            </a:r>
-            <a:r>
-              <a:rPr lang="en-AU" sz="2400" b="1" dirty="0" smtClean="0">
-                <a:solidFill>
-                  <a:schemeClr val="bg1"/>
-                </a:solidFill>
-                <a:effectLst>
-                  <a:reflection blurRad="6350" stA="55000" endA="300" endPos="45500" dir="5400000" sy="-100000" algn="bl" rotWithShape="0"/>
-                </a:effectLst>
-              </a:rPr>
-              <a:t>ystem 2010</a:t>
-            </a:r>
-            <a:endParaRPr lang="en-AU" sz="2400" b="1" dirty="0">
-              <a:solidFill>
-                <a:schemeClr val="bg1"/>
-              </a:solidFill>
-              <a:effectLst>
-                <a:reflection blurRad="6350" stA="55000" endA="50" endPos="85000" dir="5400000" sy="-100000" algn="bl" rotWithShape="0"/>
-              </a:effectLst>
-            </a:endParaRPr>
+              <a:rPr lang="en-AU" dirty="0" smtClean="0"/>
+              <a:t>Ground Control Station</a:t>
+            </a:r>
+            <a:br>
+              <a:rPr lang="en-AU" dirty="0" smtClean="0"/>
+            </a:br>
+            <a:r>
+              <a:rPr lang="en-AU" dirty="0" smtClean="0"/>
+              <a:t>Flight </a:t>
+            </a:r>
+            <a:r>
+              <a:rPr lang="en-AU" smtClean="0"/>
+              <a:t>conTrol</a:t>
+            </a:r>
+            <a:endParaRPr lang="en-US" dirty="0"/>
           </a:p>
         </p:txBody>
       </p:sp>
       <p:sp>
         <p:nvSpPr>
-          <p:cNvPr id="3" name="Slide Number Placeholder 2"/>
+          <p:cNvPr id="3" name="Subtitle 2"/>
           <p:cNvSpPr>
             <a:spLocks noGrp="1"/>
           </p:cNvSpPr>
           <p:nvPr>
-            <p:ph type="sldNum" sz="quarter" idx="12"/>
+            <p:ph type="subTitle" idx="1"/>
           </p:nvPr>
         </p:nvSpPr>
         <p:spPr/>
@@ -11484,39 +11067,14 @@
           <a:bodyPr/>
           <a:lstStyle/>
           <a:p>
-            <a:fld id="{5AEDDE57-BFB4-403C-8AD6-39A9EF93D28E}" type="slidenum">
-              <a:rPr lang="en-AU" smtClean="0"/>
-              <a:pPr/>
-              <a:t>1</a:t>
-            </a:fld>
-            <a:endParaRPr lang="en-AU" dirty="0"/>
+            <a:r>
+              <a:rPr lang="en-AU" dirty="0" smtClean="0"/>
+              <a:t>Tim Molloy</a:t>
+            </a:r>
+            <a:endParaRPr lang="en-US" dirty="0"/>
           </a:p>
         </p:txBody>
       </p:sp>
-      <p:pic>
-        <p:nvPicPr>
-          <p:cNvPr id="4" name="Picture 3" descr="AHNS_Logo_RCF Black.png"/>
-          <p:cNvPicPr>
-            <a:picLocks noChangeAspect="1"/>
-          </p:cNvPicPr>
-          <p:nvPr/>
-        </p:nvPicPr>
-        <p:blipFill>
-          <a:blip r:embed="rId3" cstate="print"/>
-          <a:stretch>
-            <a:fillRect/>
-          </a:stretch>
-        </p:blipFill>
-        <p:spPr>
-          <a:xfrm>
-            <a:off x="2571736" y="1000108"/>
-            <a:ext cx="4187158" cy="2742065"/>
-          </a:xfrm>
-          <a:prstGeom prst="rect">
-            <a:avLst/>
-          </a:prstGeom>
-        </p:spPr>
-      </p:pic>
     </p:spTree>
   </p:cSld>
   <p:clrMapOvr>
@@ -11565,8 +11123,12 @@
           <a:lstStyle/>
           <a:p>
             <a:r>
+              <a:rPr lang="en-US" dirty="0" err="1" smtClean="0"/>
+              <a:t>Quadrotor</a:t>
+            </a:r>
+            <a:r>
               <a:rPr lang="en-US" dirty="0" smtClean="0"/>
-              <a:t>Data Plotters &amp; Artificial Horizon</a:t>
+              <a:t> Control</a:t>
             </a:r>
             <a:endParaRPr lang="en-US" dirty="0"/>
           </a:p>
@@ -11593,2229 +11155,6 @@
               <a:rPr lang="en-AU" smtClean="0"/>
               <a:pPr/>
               <a:t>10</a:t>
-            </a:fld>
-            <a:endParaRPr lang="en-AU" dirty="0"/>
-          </a:p>
-        </p:txBody>
-      </p:sp>
-      <p:sp>
-        <p:nvSpPr>
-          <p:cNvPr id="4" name="Content Placeholder 3"/>
-          <p:cNvSpPr>
-            <a:spLocks noGrp="1"/>
-          </p:cNvSpPr>
-          <p:nvPr>
-            <p:ph sz="quarter" idx="1"/>
-          </p:nvPr>
-        </p:nvSpPr>
-        <p:spPr/>
-        <p:txBody>
-          <a:bodyPr>
-            <a:normAutofit/>
-          </a:bodyPr>
-          <a:lstStyle/>
-          <a:p>
-            <a:r>
-              <a:rPr lang="en-US" dirty="0" smtClean="0"/>
-              <a:t>Artificial Horizon</a:t>
-            </a:r>
-          </a:p>
-          <a:p>
-            <a:pPr lvl="1"/>
-            <a:r>
-              <a:rPr lang="en-US" dirty="0" smtClean="0"/>
-              <a:t>2009 OpenGL Attitude Display</a:t>
-            </a:r>
-          </a:p>
-          <a:p>
-            <a:pPr lvl="1"/>
-            <a:r>
-              <a:rPr lang="en-US" dirty="0" smtClean="0"/>
-              <a:t>Roll and Pitch</a:t>
-            </a:r>
-          </a:p>
-          <a:p>
-            <a:r>
-              <a:rPr lang="en-US" dirty="0" smtClean="0"/>
-              <a:t>Data Plotter</a:t>
-            </a:r>
-          </a:p>
-          <a:p>
-            <a:pPr lvl="1"/>
-            <a:r>
-              <a:rPr lang="en-US" dirty="0" smtClean="0"/>
-              <a:t>Real-time data plotting</a:t>
-            </a:r>
-          </a:p>
-          <a:p>
-            <a:pPr lvl="1"/>
-            <a:r>
-              <a:rPr lang="en-US" dirty="0" smtClean="0"/>
-              <a:t>Raw Sensor Data, State Data,</a:t>
-            </a:r>
-            <a:br>
-              <a:rPr lang="en-US" dirty="0" smtClean="0"/>
-            </a:br>
-            <a:r>
-              <a:rPr lang="en-US" dirty="0" smtClean="0"/>
-              <a:t> Control Data, System Status…</a:t>
-            </a:r>
-          </a:p>
-          <a:p>
-            <a:pPr lvl="1"/>
-            <a:r>
-              <a:rPr lang="en-US" dirty="0" smtClean="0"/>
-              <a:t>Support for multiple</a:t>
-            </a:r>
-            <a:br>
-              <a:rPr lang="en-US" dirty="0" smtClean="0"/>
-            </a:br>
-            <a:r>
-              <a:rPr lang="en-US" dirty="0" smtClean="0"/>
-              <a:t>data plotters</a:t>
-            </a:r>
-          </a:p>
-        </p:txBody>
-      </p:sp>
-      <p:pic>
-        <p:nvPicPr>
-          <p:cNvPr id="5" name="Picture 4" descr="GCS_Screenshot.png"/>
-          <p:cNvPicPr>
-            <a:picLocks noChangeAspect="1"/>
-          </p:cNvPicPr>
-          <p:nvPr/>
-        </p:nvPicPr>
-        <p:blipFill>
-          <a:blip r:embed="rId2"/>
-          <a:srcRect l="57031" t="4237" r="13459" b="27966"/>
-          <a:stretch>
-            <a:fillRect/>
-          </a:stretch>
-        </p:blipFill>
-        <p:spPr>
-          <a:xfrm>
-            <a:off x="5448300" y="3276600"/>
-            <a:ext cx="3695700" cy="3032369"/>
-          </a:xfrm>
-          <a:prstGeom prst="rect">
-            <a:avLst/>
-          </a:prstGeom>
-          <a:ln>
-            <a:noFill/>
-          </a:ln>
-          <a:effectLst>
-            <a:outerShdw blurRad="292100" dist="139700" dir="2700000" algn="tl" rotWithShape="0">
-              <a:srgbClr val="333333">
-                <a:alpha val="65000"/>
-              </a:srgbClr>
-            </a:outerShdw>
-          </a:effectLst>
-        </p:spPr>
-      </p:pic>
-      <p:pic>
-        <p:nvPicPr>
-          <p:cNvPr id="6" name="Picture 5" descr="GCS_Screenshot.png"/>
-          <p:cNvPicPr>
-            <a:picLocks noChangeAspect="1"/>
-          </p:cNvPicPr>
-          <p:nvPr/>
-        </p:nvPicPr>
-        <p:blipFill>
-          <a:blip r:embed="rId2"/>
-          <a:srcRect l="86759" t="4237" b="70339"/>
-          <a:stretch>
-            <a:fillRect/>
-          </a:stretch>
-        </p:blipFill>
-        <p:spPr>
-          <a:xfrm>
-            <a:off x="6477000" y="1371600"/>
-            <a:ext cx="2667000" cy="1828800"/>
-          </a:xfrm>
-          <a:prstGeom prst="rect">
-            <a:avLst/>
-          </a:prstGeom>
-          <a:ln>
-            <a:noFill/>
-          </a:ln>
-          <a:effectLst>
-            <a:outerShdw blurRad="292100" dist="139700" dir="2700000" algn="tl" rotWithShape="0">
-              <a:srgbClr val="333333">
-                <a:alpha val="65000"/>
-              </a:srgbClr>
-            </a:outerShdw>
-          </a:effectLst>
-        </p:spPr>
-      </p:pic>
-      <p:sp>
-        <p:nvSpPr>
-          <p:cNvPr id="7" name="Footer Placeholder 5"/>
-          <p:cNvSpPr>
-            <a:spLocks noGrp="1"/>
-          </p:cNvSpPr>
-          <p:nvPr>
-            <p:ph type="ftr" sz="quarter" idx="11"/>
-          </p:nvPr>
-        </p:nvSpPr>
-        <p:spPr>
-          <a:xfrm>
-            <a:off x="609600" y="6248206"/>
-            <a:ext cx="5421083" cy="365125"/>
-          </a:xfrm>
-        </p:spPr>
-        <p:txBody>
-          <a:bodyPr/>
-          <a:lstStyle/>
-          <a:p>
-            <a:r>
-              <a:rPr lang="en-AU" dirty="0" smtClean="0"/>
-              <a:t>Tim Molloy</a:t>
-            </a:r>
-            <a:endParaRPr lang="en-AU" dirty="0"/>
-          </a:p>
-        </p:txBody>
-      </p:sp>
-    </p:spTree>
-  </p:cSld>
-  <p:clrMapOvr>
-    <a:masterClrMapping/>
-  </p:clrMapOvr>
-  <p:timing>
-    <p:tnLst>
-      <p:par>
-        <p:cTn id="1" dur="indefinite" restart="never" nodeType="tmRoot">
-          <p:childTnLst>
-            <p:seq concurrent="1" nextAc="seek">
-              <p:cTn id="2" dur="indefinite" nodeType="mainSeq">
-                <p:childTnLst>
-                  <p:par>
-                    <p:cTn id="3" fill="hold">
-                      <p:stCondLst>
-                        <p:cond delay="indefinite"/>
-                      </p:stCondLst>
-                      <p:childTnLst>
-                        <p:par>
-                          <p:cTn id="4" fill="hold">
-                            <p:stCondLst>
-                              <p:cond delay="0"/>
-                            </p:stCondLst>
-                            <p:childTnLst>
-                              <p:par>
-                                <p:cTn id="5" presetID="10" presetClass="entr" presetSubtype="0" fill="hold" nodeType="clickEffect">
-                                  <p:stCondLst>
-                                    <p:cond delay="0"/>
-                                  </p:stCondLst>
-                                  <p:childTnLst>
-                                    <p:set>
-                                      <p:cBhvr>
-                                        <p:cTn id="6" dur="1" fill="hold">
-                                          <p:stCondLst>
-                                            <p:cond delay="0"/>
-                                          </p:stCondLst>
-                                        </p:cTn>
-                                        <p:tgtEl>
-                                          <p:spTgt spid="6"/>
-                                        </p:tgtEl>
-                                        <p:attrNameLst>
-                                          <p:attrName>style.visibility</p:attrName>
-                                        </p:attrNameLst>
-                                      </p:cBhvr>
-                                      <p:to>
-                                        <p:strVal val="visible"/>
-                                      </p:to>
-                                    </p:set>
-                                    <p:animEffect transition="in" filter="fade">
-                                      <p:cBhvr>
-                                        <p:cTn id="7" dur="1000"/>
-                                        <p:tgtEl>
-                                          <p:spTgt spid="6"/>
-                                        </p:tgtEl>
-                                      </p:cBhvr>
-                                    </p:animEffect>
-                                  </p:childTnLst>
-                                </p:cTn>
-                              </p:par>
-                            </p:childTnLst>
-                          </p:cTn>
-                        </p:par>
-                      </p:childTnLst>
-                    </p:cTn>
-                  </p:par>
-                  <p:par>
-                    <p:cTn id="8" fill="hold">
-                      <p:stCondLst>
-                        <p:cond delay="indefinite"/>
-                      </p:stCondLst>
-                      <p:childTnLst>
-                        <p:par>
-                          <p:cTn id="9" fill="hold">
-                            <p:stCondLst>
-                              <p:cond delay="0"/>
-                            </p:stCondLst>
-                            <p:childTnLst>
-                              <p:par>
-                                <p:cTn id="10" presetID="10" presetClass="entr" presetSubtype="0" fill="hold" nodeType="clickEffect">
-                                  <p:stCondLst>
-                                    <p:cond delay="0"/>
-                                  </p:stCondLst>
-                                  <p:childTnLst>
-                                    <p:set>
-                                      <p:cBhvr>
-                                        <p:cTn id="11" dur="1" fill="hold">
-                                          <p:stCondLst>
-                                            <p:cond delay="0"/>
-                                          </p:stCondLst>
-                                        </p:cTn>
-                                        <p:tgtEl>
-                                          <p:spTgt spid="5"/>
-                                        </p:tgtEl>
-                                        <p:attrNameLst>
-                                          <p:attrName>style.visibility</p:attrName>
-                                        </p:attrNameLst>
-                                      </p:cBhvr>
-                                      <p:to>
-                                        <p:strVal val="visible"/>
-                                      </p:to>
-                                    </p:set>
-                                    <p:animEffect transition="in" filter="fade">
-                                      <p:cBhvr>
-                                        <p:cTn id="12" dur="1000"/>
-                                        <p:tgtEl>
-                                          <p:spTgt spid="5"/>
-                                        </p:tgtEl>
-                                      </p:cBhvr>
-                                    </p:animEffect>
-                                  </p:childTnLst>
-                                </p:cTn>
-                              </p:par>
-                            </p:childTnLst>
-                          </p:cTn>
-                        </p:par>
-                      </p:childTnLst>
-                    </p:cTn>
-                  </p:par>
-                </p:childTnLst>
-              </p:cTn>
-              <p:prevCondLst>
-                <p:cond evt="onPrev" delay="0">
-                  <p:tgtEl>
-                    <p:sldTgt/>
-                  </p:tgtEl>
-                </p:cond>
-              </p:prevCondLst>
-              <p:nextCondLst>
-                <p:cond evt="onNext" delay="0">
-                  <p:tgtEl>
-                    <p:sldTgt/>
-                  </p:tgtEl>
-                </p:cond>
-              </p:nextCondLst>
-            </p:seq>
-          </p:childTnLst>
-        </p:cTn>
-      </p:par>
-    </p:tnLst>
-  </p:timing>
-</p:sld>
-</file>
-
-<file path=ppt/slides/slide11.xml><?xml version="1.0" encoding="utf-8"?>
-<p:sld xmlns:a="http://schemas.openxmlformats.org/drawingml/2006/main" xmlns:r="http://schemas.openxmlformats.org/officeDocument/2006/relationships" xmlns:mc="http://schemas.openxmlformats.org/markup-compatibility/2006" xmlns:mv="urn:schemas-microsoft-com:mac:vml" xmlns:p="http://schemas.openxmlformats.org/presentationml/2006/main" mc:Ignorable="mv" mc:PreserveAttributes="mv:*">
-  <p:cSld>
-    <p:spTree>
-      <p:nvGrpSpPr>
-        <p:cNvPr id="1" name=""/>
-        <p:cNvGrpSpPr/>
-        <p:nvPr/>
-      </p:nvGrpSpPr>
-      <p:grpSpPr>
-        <a:xfrm>
-          <a:off x="0" y="0"/>
-          <a:ext cx="0" cy="0"/>
-          <a:chOff x="0" y="0"/>
-          <a:chExt cx="0" cy="0"/>
-        </a:xfrm>
-      </p:grpSpPr>
-      <p:sp>
-        <p:nvSpPr>
-          <p:cNvPr id="2" name="Title 1"/>
-          <p:cNvSpPr>
-            <a:spLocks noGrp="1"/>
-          </p:cNvSpPr>
-          <p:nvPr>
-            <p:ph type="title"/>
-          </p:nvPr>
-        </p:nvSpPr>
-        <p:spPr/>
-        <p:txBody>
-          <a:bodyPr>
-            <a:normAutofit/>
-          </a:bodyPr>
-          <a:lstStyle/>
-          <a:p>
-            <a:r>
-              <a:rPr lang="en-US" dirty="0" smtClean="0"/>
-              <a:t>Following Controller Design…</a:t>
-            </a:r>
-            <a:endParaRPr lang="en-US" dirty="0"/>
-          </a:p>
-        </p:txBody>
-      </p:sp>
-      <p:sp>
-        <p:nvSpPr>
-          <p:cNvPr id="3" name="Slide Number Placeholder 2"/>
-          <p:cNvSpPr>
-            <a:spLocks noGrp="1"/>
-          </p:cNvSpPr>
-          <p:nvPr>
-            <p:ph type="sldNum" sz="quarter" idx="12"/>
-          </p:nvPr>
-        </p:nvSpPr>
-        <p:spPr/>
-        <p:txBody>
-          <a:bodyPr>
-            <a:normAutofit fontScale="85000" lnSpcReduction="20000"/>
-          </a:bodyPr>
-          <a:lstStyle/>
-          <a:p>
-            <a:fld id="{5AEDDE57-BFB4-403C-8AD6-39A9EF93D28E}" type="slidenum">
-              <a:rPr lang="en-AU" smtClean="0"/>
-              <a:pPr/>
-              <a:t>11</a:t>
-            </a:fld>
-            <a:endParaRPr lang="en-AU"/>
-          </a:p>
-        </p:txBody>
-      </p:sp>
-      <p:sp>
-        <p:nvSpPr>
-          <p:cNvPr id="4" name="Content Placeholder 3"/>
-          <p:cNvSpPr>
-            <a:spLocks noGrp="1"/>
-          </p:cNvSpPr>
-          <p:nvPr>
-            <p:ph sz="quarter" idx="1"/>
-          </p:nvPr>
-        </p:nvSpPr>
-        <p:spPr/>
-        <p:txBody>
-          <a:bodyPr>
-            <a:normAutofit fontScale="85000" lnSpcReduction="20000"/>
-          </a:bodyPr>
-          <a:lstStyle/>
-          <a:p>
-            <a:pPr lvl="0"/>
-            <a:r>
-              <a:rPr lang="en-AU" dirty="0" smtClean="0"/>
-              <a:t>Attitude Control Trims and Bounds</a:t>
-            </a:r>
-          </a:p>
-          <a:p>
-            <a:pPr lvl="1"/>
-            <a:r>
-              <a:rPr lang="en-AU" i="1" dirty="0" smtClean="0"/>
-              <a:t>Set the trims and bounds on the roll, pitch and yaw control loops.</a:t>
-            </a:r>
-            <a:endParaRPr lang="en-AU" dirty="0" smtClean="0"/>
-          </a:p>
-          <a:p>
-            <a:pPr lvl="0"/>
-            <a:r>
-              <a:rPr lang="en-AU" dirty="0" smtClean="0"/>
-              <a:t>Attitude Control Gains</a:t>
-            </a:r>
-          </a:p>
-          <a:p>
-            <a:pPr lvl="1"/>
-            <a:r>
-              <a:rPr lang="en-AU" i="1" dirty="0" smtClean="0"/>
-              <a:t>Set the PID control gains on the roll, pitch and yaw control loops.</a:t>
-            </a:r>
-            <a:endParaRPr lang="en-AU" dirty="0" smtClean="0"/>
-          </a:p>
-          <a:p>
-            <a:pPr lvl="0"/>
-            <a:r>
-              <a:rPr lang="en-AU" dirty="0" smtClean="0"/>
-              <a:t>Guidance Control Gains</a:t>
-            </a:r>
-          </a:p>
-          <a:p>
-            <a:pPr lvl="1"/>
-            <a:r>
-              <a:rPr lang="en-AU" i="1" dirty="0" smtClean="0"/>
-              <a:t>Set the PID control gains on the </a:t>
-            </a:r>
-            <a:r>
-              <a:rPr lang="en-AU" i="1" dirty="0" err="1" smtClean="0"/>
-              <a:t>x</a:t>
-            </a:r>
-            <a:r>
-              <a:rPr lang="en-AU" i="1" dirty="0" smtClean="0"/>
-              <a:t>, </a:t>
-            </a:r>
-            <a:r>
-              <a:rPr lang="en-AU" i="1" dirty="0" err="1" smtClean="0"/>
-              <a:t>y</a:t>
-            </a:r>
-            <a:r>
-              <a:rPr lang="en-AU" i="1" dirty="0" smtClean="0"/>
-              <a:t> and </a:t>
-            </a:r>
-            <a:r>
-              <a:rPr lang="en-AU" i="1" dirty="0" err="1" smtClean="0"/>
-              <a:t>z</a:t>
-            </a:r>
-            <a:r>
-              <a:rPr lang="en-AU" i="1" dirty="0" smtClean="0"/>
-              <a:t> position control loops.</a:t>
-            </a:r>
-            <a:endParaRPr lang="en-AU" dirty="0" smtClean="0"/>
-          </a:p>
-          <a:p>
-            <a:pPr lvl="0"/>
-            <a:r>
-              <a:rPr lang="en-AU" dirty="0" smtClean="0"/>
-              <a:t>Guidance Trims and Bounds</a:t>
-            </a:r>
-          </a:p>
-          <a:p>
-            <a:pPr lvl="1"/>
-            <a:r>
-              <a:rPr lang="en-AU" i="1" dirty="0" smtClean="0"/>
-              <a:t>Set the trims and bounds of the </a:t>
-            </a:r>
-            <a:r>
-              <a:rPr lang="en-AU" i="1" dirty="0" err="1" smtClean="0"/>
-              <a:t>x</a:t>
-            </a:r>
-            <a:r>
-              <a:rPr lang="en-AU" i="1" dirty="0" smtClean="0"/>
-              <a:t>, </a:t>
-            </a:r>
-            <a:r>
-              <a:rPr lang="en-AU" i="1" dirty="0" err="1" smtClean="0"/>
-              <a:t>y</a:t>
-            </a:r>
-            <a:r>
-              <a:rPr lang="en-AU" i="1" dirty="0" smtClean="0"/>
-              <a:t> and </a:t>
-            </a:r>
-            <a:r>
-              <a:rPr lang="en-AU" i="1" dirty="0" err="1" smtClean="0"/>
-              <a:t>z</a:t>
-            </a:r>
-            <a:r>
-              <a:rPr lang="en-AU" i="1" dirty="0" smtClean="0"/>
-              <a:t> position control loops.</a:t>
-            </a:r>
-            <a:endParaRPr lang="en-AU" dirty="0" smtClean="0"/>
-          </a:p>
-          <a:p>
-            <a:r>
-              <a:rPr lang="en-AU" dirty="0" smtClean="0"/>
-              <a:t>Flight Control</a:t>
-            </a:r>
-          </a:p>
-          <a:p>
-            <a:pPr lvl="1"/>
-            <a:r>
-              <a:rPr lang="en-AU" i="1" dirty="0" smtClean="0"/>
-              <a:t>Set the active control loops and their set points. Enables command of the airborne control.</a:t>
-            </a:r>
-            <a:endParaRPr lang="en-AU" dirty="0" smtClean="0"/>
-          </a:p>
-        </p:txBody>
-      </p:sp>
-    </p:spTree>
-  </p:cSld>
-  <p:clrMapOvr>
-    <a:masterClrMapping/>
-  </p:clrMapOvr>
-</p:sld>
-</file>
-
-<file path=ppt/slides/slide12.xml><?xml version="1.0" encoding="utf-8"?>
-<p:sld xmlns:a="http://schemas.openxmlformats.org/drawingml/2006/main" xmlns:r="http://schemas.openxmlformats.org/officeDocument/2006/relationships" xmlns:mc="http://schemas.openxmlformats.org/markup-compatibility/2006" xmlns:mv="urn:schemas-microsoft-com:mac:vml" xmlns:p="http://schemas.openxmlformats.org/presentationml/2006/main" mc:Ignorable="mv" mc:PreserveAttributes="mv:*">
-  <p:cSld>
-    <p:spTree>
-      <p:nvGrpSpPr>
-        <p:cNvPr id="1" name=""/>
-        <p:cNvGrpSpPr/>
-        <p:nvPr/>
-      </p:nvGrpSpPr>
-      <p:grpSpPr>
-        <a:xfrm>
-          <a:off x="0" y="0"/>
-          <a:ext cx="0" cy="0"/>
-          <a:chOff x="0" y="0"/>
-          <a:chExt cx="0" cy="0"/>
-        </a:xfrm>
-      </p:grpSpPr>
-      <p:sp>
-        <p:nvSpPr>
-          <p:cNvPr id="2" name="Title 1"/>
-          <p:cNvSpPr>
-            <a:spLocks noGrp="1"/>
-          </p:cNvSpPr>
-          <p:nvPr>
-            <p:ph type="title"/>
-          </p:nvPr>
-        </p:nvSpPr>
-        <p:spPr/>
-        <p:txBody>
-          <a:bodyPr/>
-          <a:lstStyle/>
-          <a:p>
-            <a:r>
-              <a:rPr lang="en-AU" dirty="0" smtClean="0"/>
-              <a:t>Flight Control</a:t>
-            </a:r>
-            <a:endParaRPr lang="en-AU" dirty="0"/>
-          </a:p>
-        </p:txBody>
-      </p:sp>
-      <p:sp>
-        <p:nvSpPr>
-          <p:cNvPr id="3" name="Slide Number Placeholder 2"/>
-          <p:cNvSpPr>
-            <a:spLocks noGrp="1"/>
-          </p:cNvSpPr>
-          <p:nvPr>
-            <p:ph type="sldNum" sz="quarter" idx="12"/>
-          </p:nvPr>
-        </p:nvSpPr>
-        <p:spPr/>
-        <p:txBody>
-          <a:bodyPr>
-            <a:normAutofit fontScale="85000" lnSpcReduction="20000"/>
-          </a:bodyPr>
-          <a:lstStyle/>
-          <a:p>
-            <a:fld id="{5AEDDE57-BFB4-403C-8AD6-39A9EF93D28E}" type="slidenum">
-              <a:rPr lang="en-AU" smtClean="0"/>
-              <a:pPr/>
-              <a:t>12</a:t>
-            </a:fld>
-            <a:endParaRPr lang="en-AU" dirty="0"/>
-          </a:p>
-        </p:txBody>
-      </p:sp>
-      <p:graphicFrame>
-        <p:nvGraphicFramePr>
-          <p:cNvPr id="5" name="Content Placeholder 4"/>
-          <p:cNvGraphicFramePr>
-            <a:graphicFrameLocks noGrp="1"/>
-          </p:cNvGraphicFramePr>
-          <p:nvPr>
-            <p:ph sz="quarter" idx="1"/>
-          </p:nvPr>
-        </p:nvGraphicFramePr>
-        <p:xfrm>
-          <a:off x="285720" y="1600200"/>
-          <a:ext cx="8715437" cy="4495800"/>
-        </p:xfrm>
-        <a:graphic>
-          <a:graphicData uri="http://schemas.openxmlformats.org/drawingml/2006/diagram">
-            <a:relIds xmlns:dgm="http://schemas.openxmlformats.org/drawingml/2006/diagram" xmlns:r="http://schemas.openxmlformats.org/officeDocument/2006/relationships" r:dm="rId2" r:lo="rId3" r:qs="rId4" r:cs="rId5"/>
-          </a:graphicData>
-        </a:graphic>
-      </p:graphicFrame>
-      <p:sp>
-        <p:nvSpPr>
-          <p:cNvPr id="6" name="Footer Placeholder 5"/>
-          <p:cNvSpPr>
-            <a:spLocks noGrp="1"/>
-          </p:cNvSpPr>
-          <p:nvPr>
-            <p:ph type="ftr" sz="quarter" idx="11"/>
-          </p:nvPr>
-        </p:nvSpPr>
-        <p:spPr>
-          <a:xfrm>
-            <a:off x="609600" y="6248206"/>
-            <a:ext cx="5421083" cy="365125"/>
-          </a:xfrm>
-        </p:spPr>
-        <p:txBody>
-          <a:bodyPr/>
-          <a:lstStyle/>
-          <a:p>
-            <a:r>
-              <a:rPr lang="en-AU" smtClean="0"/>
-              <a:t>Tim Molloy</a:t>
-            </a:r>
-            <a:endParaRPr lang="en-AU" dirty="0"/>
-          </a:p>
-        </p:txBody>
-      </p:sp>
-    </p:spTree>
-  </p:cSld>
-  <p:clrMapOvr>
-    <a:masterClrMapping/>
-  </p:clrMapOvr>
-  <p:timing>
-    <p:tnLst>
-      <p:par>
-        <p:cTn id="1" dur="indefinite" restart="never" nodeType="tmRoot">
-          <p:childTnLst>
-            <p:seq concurrent="1" nextAc="seek">
-              <p:cTn id="2" dur="indefinite" nodeType="mainSeq">
-                <p:childTnLst>
-                  <p:par>
-                    <p:cTn id="3" fill="hold">
-                      <p:stCondLst>
-                        <p:cond delay="indefinite"/>
-                      </p:stCondLst>
-                      <p:childTnLst>
-                        <p:par>
-                          <p:cTn id="4" fill="hold">
-                            <p:stCondLst>
-                              <p:cond delay="0"/>
-                            </p:stCondLst>
-                            <p:childTnLst>
-                              <p:par>
-                                <p:cTn id="5" presetID="10" presetClass="entr" presetSubtype="0" fill="hold" grpId="0" nodeType="clickEffect">
-                                  <p:stCondLst>
-                                    <p:cond delay="0"/>
-                                  </p:stCondLst>
-                                  <p:childTnLst>
-                                    <p:set>
-                                      <p:cBhvr>
-                                        <p:cTn id="6" dur="1" fill="hold">
-                                          <p:stCondLst>
-                                            <p:cond delay="0"/>
-                                          </p:stCondLst>
-                                        </p:cTn>
-                                        <p:tgtEl>
-                                          <p:spTgt spid="5">
-                                            <p:graphicEl>
-                                              <a:dgm id="{28653E01-75C5-4902-A41D-F57AFA5B46DF}"/>
-                                            </p:graphicEl>
-                                          </p:spTgt>
-                                        </p:tgtEl>
-                                        <p:attrNameLst>
-                                          <p:attrName>style.visibility</p:attrName>
-                                        </p:attrNameLst>
-                                      </p:cBhvr>
-                                      <p:to>
-                                        <p:strVal val="visible"/>
-                                      </p:to>
-                                    </p:set>
-                                    <p:animEffect transition="in" filter="fade">
-                                      <p:cBhvr>
-                                        <p:cTn id="7" dur="1000"/>
-                                        <p:tgtEl>
-                                          <p:spTgt spid="5">
-                                            <p:graphicEl>
-                                              <a:dgm id="{28653E01-75C5-4902-A41D-F57AFA5B46DF}"/>
-                                            </p:graphicEl>
-                                          </p:spTgt>
-                                        </p:tgtEl>
-                                      </p:cBhvr>
-                                    </p:animEffect>
-                                  </p:childTnLst>
-                                </p:cTn>
-                              </p:par>
-                              <p:par>
-                                <p:cTn id="8" presetID="10" presetClass="entr" presetSubtype="0" fill="hold" grpId="0" nodeType="withEffect">
-                                  <p:stCondLst>
-                                    <p:cond delay="0"/>
-                                  </p:stCondLst>
-                                  <p:childTnLst>
-                                    <p:set>
-                                      <p:cBhvr>
-                                        <p:cTn id="9" dur="1" fill="hold">
-                                          <p:stCondLst>
-                                            <p:cond delay="0"/>
-                                          </p:stCondLst>
-                                        </p:cTn>
-                                        <p:tgtEl>
-                                          <p:spTgt spid="5">
-                                            <p:graphicEl>
-                                              <a:dgm id="{13DE8248-3ABC-4A3F-AD03-ADC18D359163}"/>
-                                            </p:graphicEl>
-                                          </p:spTgt>
-                                        </p:tgtEl>
-                                        <p:attrNameLst>
-                                          <p:attrName>style.visibility</p:attrName>
-                                        </p:attrNameLst>
-                                      </p:cBhvr>
-                                      <p:to>
-                                        <p:strVal val="visible"/>
-                                      </p:to>
-                                    </p:set>
-                                    <p:animEffect transition="in" filter="fade">
-                                      <p:cBhvr>
-                                        <p:cTn id="10" dur="1000"/>
-                                        <p:tgtEl>
-                                          <p:spTgt spid="5">
-                                            <p:graphicEl>
-                                              <a:dgm id="{13DE8248-3ABC-4A3F-AD03-ADC18D359163}"/>
-                                            </p:graphicEl>
-                                          </p:spTgt>
-                                        </p:tgtEl>
-                                      </p:cBhvr>
-                                    </p:animEffect>
-                                  </p:childTnLst>
-                                </p:cTn>
-                              </p:par>
-                            </p:childTnLst>
-                          </p:cTn>
-                        </p:par>
-                      </p:childTnLst>
-                    </p:cTn>
-                  </p:par>
-                  <p:par>
-                    <p:cTn id="11" fill="hold">
-                      <p:stCondLst>
-                        <p:cond delay="indefinite"/>
-                      </p:stCondLst>
-                      <p:childTnLst>
-                        <p:par>
-                          <p:cTn id="12" fill="hold">
-                            <p:stCondLst>
-                              <p:cond delay="0"/>
-                            </p:stCondLst>
-                            <p:childTnLst>
-                              <p:par>
-                                <p:cTn id="13" presetID="10" presetClass="entr" presetSubtype="0" fill="hold" grpId="0" nodeType="clickEffect">
-                                  <p:stCondLst>
-                                    <p:cond delay="0"/>
-                                  </p:stCondLst>
-                                  <p:childTnLst>
-                                    <p:set>
-                                      <p:cBhvr>
-                                        <p:cTn id="14" dur="1" fill="hold">
-                                          <p:stCondLst>
-                                            <p:cond delay="0"/>
-                                          </p:stCondLst>
-                                        </p:cTn>
-                                        <p:tgtEl>
-                                          <p:spTgt spid="5">
-                                            <p:graphicEl>
-                                              <a:dgm id="{40579B4F-E567-4EF2-AAB4-184628D0B7FC}"/>
-                                            </p:graphicEl>
-                                          </p:spTgt>
-                                        </p:tgtEl>
-                                        <p:attrNameLst>
-                                          <p:attrName>style.visibility</p:attrName>
-                                        </p:attrNameLst>
-                                      </p:cBhvr>
-                                      <p:to>
-                                        <p:strVal val="visible"/>
-                                      </p:to>
-                                    </p:set>
-                                    <p:animEffect transition="in" filter="fade">
-                                      <p:cBhvr>
-                                        <p:cTn id="15" dur="1000"/>
-                                        <p:tgtEl>
-                                          <p:spTgt spid="5">
-                                            <p:graphicEl>
-                                              <a:dgm id="{40579B4F-E567-4EF2-AAB4-184628D0B7FC}"/>
-                                            </p:graphicEl>
-                                          </p:spTgt>
-                                        </p:tgtEl>
-                                      </p:cBhvr>
-                                    </p:animEffect>
-                                  </p:childTnLst>
-                                </p:cTn>
-                              </p:par>
-                              <p:par>
-                                <p:cTn id="16" presetID="10" presetClass="entr" presetSubtype="0" fill="hold" grpId="0" nodeType="withEffect">
-                                  <p:stCondLst>
-                                    <p:cond delay="0"/>
-                                  </p:stCondLst>
-                                  <p:childTnLst>
-                                    <p:set>
-                                      <p:cBhvr>
-                                        <p:cTn id="17" dur="1" fill="hold">
-                                          <p:stCondLst>
-                                            <p:cond delay="0"/>
-                                          </p:stCondLst>
-                                        </p:cTn>
-                                        <p:tgtEl>
-                                          <p:spTgt spid="5">
-                                            <p:graphicEl>
-                                              <a:dgm id="{19F23D03-8BF6-4951-8480-6A3E6445FC50}"/>
-                                            </p:graphicEl>
-                                          </p:spTgt>
-                                        </p:tgtEl>
-                                        <p:attrNameLst>
-                                          <p:attrName>style.visibility</p:attrName>
-                                        </p:attrNameLst>
-                                      </p:cBhvr>
-                                      <p:to>
-                                        <p:strVal val="visible"/>
-                                      </p:to>
-                                    </p:set>
-                                    <p:animEffect transition="in" filter="fade">
-                                      <p:cBhvr>
-                                        <p:cTn id="18" dur="1000"/>
-                                        <p:tgtEl>
-                                          <p:spTgt spid="5">
-                                            <p:graphicEl>
-                                              <a:dgm id="{19F23D03-8BF6-4951-8480-6A3E6445FC50}"/>
-                                            </p:graphicEl>
-                                          </p:spTgt>
-                                        </p:tgtEl>
-                                      </p:cBhvr>
-                                    </p:animEffect>
-                                  </p:childTnLst>
-                                </p:cTn>
-                              </p:par>
-                              <p:par>
-                                <p:cTn id="19" presetID="10" presetClass="entr" presetSubtype="0" fill="hold" grpId="0" nodeType="withEffect">
-                                  <p:stCondLst>
-                                    <p:cond delay="0"/>
-                                  </p:stCondLst>
-                                  <p:childTnLst>
-                                    <p:set>
-                                      <p:cBhvr>
-                                        <p:cTn id="20" dur="1" fill="hold">
-                                          <p:stCondLst>
-                                            <p:cond delay="0"/>
-                                          </p:stCondLst>
-                                        </p:cTn>
-                                        <p:tgtEl>
-                                          <p:spTgt spid="5">
-                                            <p:graphicEl>
-                                              <a:dgm id="{A2E4BFFC-54E4-4059-8B43-72867B49C1C3}"/>
-                                            </p:graphicEl>
-                                          </p:spTgt>
-                                        </p:tgtEl>
-                                        <p:attrNameLst>
-                                          <p:attrName>style.visibility</p:attrName>
-                                        </p:attrNameLst>
-                                      </p:cBhvr>
-                                      <p:to>
-                                        <p:strVal val="visible"/>
-                                      </p:to>
-                                    </p:set>
-                                    <p:animEffect transition="in" filter="fade">
-                                      <p:cBhvr>
-                                        <p:cTn id="21" dur="1000"/>
-                                        <p:tgtEl>
-                                          <p:spTgt spid="5">
-                                            <p:graphicEl>
-                                              <a:dgm id="{A2E4BFFC-54E4-4059-8B43-72867B49C1C3}"/>
-                                            </p:graphicEl>
-                                          </p:spTgt>
-                                        </p:tgtEl>
-                                      </p:cBhvr>
-                                    </p:animEffect>
-                                  </p:childTnLst>
-                                </p:cTn>
-                              </p:par>
-                              <p:par>
-                                <p:cTn id="22" presetID="10" presetClass="entr" presetSubtype="0" fill="hold" grpId="0" nodeType="withEffect">
-                                  <p:stCondLst>
-                                    <p:cond delay="0"/>
-                                  </p:stCondLst>
-                                  <p:childTnLst>
-                                    <p:set>
-                                      <p:cBhvr>
-                                        <p:cTn id="23" dur="1" fill="hold">
-                                          <p:stCondLst>
-                                            <p:cond delay="0"/>
-                                          </p:stCondLst>
-                                        </p:cTn>
-                                        <p:tgtEl>
-                                          <p:spTgt spid="5">
-                                            <p:graphicEl>
-                                              <a:dgm id="{D30541D1-DCBB-4349-BBE2-D75C8CC01A41}"/>
-                                            </p:graphicEl>
-                                          </p:spTgt>
-                                        </p:tgtEl>
-                                        <p:attrNameLst>
-                                          <p:attrName>style.visibility</p:attrName>
-                                        </p:attrNameLst>
-                                      </p:cBhvr>
-                                      <p:to>
-                                        <p:strVal val="visible"/>
-                                      </p:to>
-                                    </p:set>
-                                    <p:animEffect transition="in" filter="fade">
-                                      <p:cBhvr>
-                                        <p:cTn id="24" dur="1000"/>
-                                        <p:tgtEl>
-                                          <p:spTgt spid="5">
-                                            <p:graphicEl>
-                                              <a:dgm id="{D30541D1-DCBB-4349-BBE2-D75C8CC01A41}"/>
-                                            </p:graphicEl>
-                                          </p:spTgt>
-                                        </p:tgtEl>
-                                      </p:cBhvr>
-                                    </p:animEffect>
-                                  </p:childTnLst>
-                                </p:cTn>
-                              </p:par>
-                              <p:par>
-                                <p:cTn id="25" presetID="10" presetClass="entr" presetSubtype="0" fill="hold" grpId="0" nodeType="withEffect">
-                                  <p:stCondLst>
-                                    <p:cond delay="0"/>
-                                  </p:stCondLst>
-                                  <p:childTnLst>
-                                    <p:set>
-                                      <p:cBhvr>
-                                        <p:cTn id="26" dur="1" fill="hold">
-                                          <p:stCondLst>
-                                            <p:cond delay="0"/>
-                                          </p:stCondLst>
-                                        </p:cTn>
-                                        <p:tgtEl>
-                                          <p:spTgt spid="5">
-                                            <p:graphicEl>
-                                              <a:dgm id="{036194A8-00AB-4F5D-838F-BD13474AA0ED}"/>
-                                            </p:graphicEl>
-                                          </p:spTgt>
-                                        </p:tgtEl>
-                                        <p:attrNameLst>
-                                          <p:attrName>style.visibility</p:attrName>
-                                        </p:attrNameLst>
-                                      </p:cBhvr>
-                                      <p:to>
-                                        <p:strVal val="visible"/>
-                                      </p:to>
-                                    </p:set>
-                                    <p:animEffect transition="in" filter="fade">
-                                      <p:cBhvr>
-                                        <p:cTn id="27" dur="1000"/>
-                                        <p:tgtEl>
-                                          <p:spTgt spid="5">
-                                            <p:graphicEl>
-                                              <a:dgm id="{036194A8-00AB-4F5D-838F-BD13474AA0ED}"/>
-                                            </p:graphicEl>
-                                          </p:spTgt>
-                                        </p:tgtEl>
-                                      </p:cBhvr>
-                                    </p:animEffect>
-                                  </p:childTnLst>
-                                </p:cTn>
-                              </p:par>
-                              <p:par>
-                                <p:cTn id="28" presetID="10" presetClass="entr" presetSubtype="0" fill="hold" grpId="0" nodeType="withEffect">
-                                  <p:stCondLst>
-                                    <p:cond delay="0"/>
-                                  </p:stCondLst>
-                                  <p:childTnLst>
-                                    <p:set>
-                                      <p:cBhvr>
-                                        <p:cTn id="29" dur="1" fill="hold">
-                                          <p:stCondLst>
-                                            <p:cond delay="0"/>
-                                          </p:stCondLst>
-                                        </p:cTn>
-                                        <p:tgtEl>
-                                          <p:spTgt spid="5">
-                                            <p:graphicEl>
-                                              <a:dgm id="{2A84E2AE-CE33-4058-9207-9BD2FC7BB48F}"/>
-                                            </p:graphicEl>
-                                          </p:spTgt>
-                                        </p:tgtEl>
-                                        <p:attrNameLst>
-                                          <p:attrName>style.visibility</p:attrName>
-                                        </p:attrNameLst>
-                                      </p:cBhvr>
-                                      <p:to>
-                                        <p:strVal val="visible"/>
-                                      </p:to>
-                                    </p:set>
-                                    <p:animEffect transition="in" filter="fade">
-                                      <p:cBhvr>
-                                        <p:cTn id="30" dur="1000"/>
-                                        <p:tgtEl>
-                                          <p:spTgt spid="5">
-                                            <p:graphicEl>
-                                              <a:dgm id="{2A84E2AE-CE33-4058-9207-9BD2FC7BB48F}"/>
-                                            </p:graphicEl>
-                                          </p:spTgt>
-                                        </p:tgtEl>
-                                      </p:cBhvr>
-                                    </p:animEffect>
-                                  </p:childTnLst>
-                                </p:cTn>
-                              </p:par>
-                              <p:par>
-                                <p:cTn id="31" presetID="10" presetClass="entr" presetSubtype="0" fill="hold" grpId="0" nodeType="withEffect">
-                                  <p:stCondLst>
-                                    <p:cond delay="0"/>
-                                  </p:stCondLst>
-                                  <p:childTnLst>
-                                    <p:set>
-                                      <p:cBhvr>
-                                        <p:cTn id="32" dur="1" fill="hold">
-                                          <p:stCondLst>
-                                            <p:cond delay="0"/>
-                                          </p:stCondLst>
-                                        </p:cTn>
-                                        <p:tgtEl>
-                                          <p:spTgt spid="5">
-                                            <p:graphicEl>
-                                              <a:dgm id="{D4257DB1-BF09-48F3-B4D4-E52E33EE1A29}"/>
-                                            </p:graphicEl>
-                                          </p:spTgt>
-                                        </p:tgtEl>
-                                        <p:attrNameLst>
-                                          <p:attrName>style.visibility</p:attrName>
-                                        </p:attrNameLst>
-                                      </p:cBhvr>
-                                      <p:to>
-                                        <p:strVal val="visible"/>
-                                      </p:to>
-                                    </p:set>
-                                    <p:animEffect transition="in" filter="fade">
-                                      <p:cBhvr>
-                                        <p:cTn id="33" dur="1000"/>
-                                        <p:tgtEl>
-                                          <p:spTgt spid="5">
-                                            <p:graphicEl>
-                                              <a:dgm id="{D4257DB1-BF09-48F3-B4D4-E52E33EE1A29}"/>
-                                            </p:graphicEl>
-                                          </p:spTgt>
-                                        </p:tgtEl>
-                                      </p:cBhvr>
-                                    </p:animEffect>
-                                  </p:childTnLst>
-                                </p:cTn>
-                              </p:par>
-                              <p:par>
-                                <p:cTn id="34" presetID="10" presetClass="entr" presetSubtype="0" fill="hold" grpId="0" nodeType="withEffect">
-                                  <p:stCondLst>
-                                    <p:cond delay="0"/>
-                                  </p:stCondLst>
-                                  <p:childTnLst>
-                                    <p:set>
-                                      <p:cBhvr>
-                                        <p:cTn id="35" dur="1" fill="hold">
-                                          <p:stCondLst>
-                                            <p:cond delay="0"/>
-                                          </p:stCondLst>
-                                        </p:cTn>
-                                        <p:tgtEl>
-                                          <p:spTgt spid="5">
-                                            <p:graphicEl>
-                                              <a:dgm id="{0B52177F-1D4B-4A19-8405-1161C755AD0A}"/>
-                                            </p:graphicEl>
-                                          </p:spTgt>
-                                        </p:tgtEl>
-                                        <p:attrNameLst>
-                                          <p:attrName>style.visibility</p:attrName>
-                                        </p:attrNameLst>
-                                      </p:cBhvr>
-                                      <p:to>
-                                        <p:strVal val="visible"/>
-                                      </p:to>
-                                    </p:set>
-                                    <p:animEffect transition="in" filter="fade">
-                                      <p:cBhvr>
-                                        <p:cTn id="36" dur="1000"/>
-                                        <p:tgtEl>
-                                          <p:spTgt spid="5">
-                                            <p:graphicEl>
-                                              <a:dgm id="{0B52177F-1D4B-4A19-8405-1161C755AD0A}"/>
-                                            </p:graphicEl>
-                                          </p:spTgt>
-                                        </p:tgtEl>
-                                      </p:cBhvr>
-                                    </p:animEffect>
-                                  </p:childTnLst>
-                                </p:cTn>
-                              </p:par>
-                              <p:par>
-                                <p:cTn id="37" presetID="10" presetClass="entr" presetSubtype="0" fill="hold" grpId="0" nodeType="withEffect">
-                                  <p:stCondLst>
-                                    <p:cond delay="0"/>
-                                  </p:stCondLst>
-                                  <p:childTnLst>
-                                    <p:set>
-                                      <p:cBhvr>
-                                        <p:cTn id="38" dur="1" fill="hold">
-                                          <p:stCondLst>
-                                            <p:cond delay="0"/>
-                                          </p:stCondLst>
-                                        </p:cTn>
-                                        <p:tgtEl>
-                                          <p:spTgt spid="5">
-                                            <p:graphicEl>
-                                              <a:dgm id="{990047FC-FE34-412F-856D-27FA8B11D464}"/>
-                                            </p:graphicEl>
-                                          </p:spTgt>
-                                        </p:tgtEl>
-                                        <p:attrNameLst>
-                                          <p:attrName>style.visibility</p:attrName>
-                                        </p:attrNameLst>
-                                      </p:cBhvr>
-                                      <p:to>
-                                        <p:strVal val="visible"/>
-                                      </p:to>
-                                    </p:set>
-                                    <p:animEffect transition="in" filter="fade">
-                                      <p:cBhvr>
-                                        <p:cTn id="39" dur="1000"/>
-                                        <p:tgtEl>
-                                          <p:spTgt spid="5">
-                                            <p:graphicEl>
-                                              <a:dgm id="{990047FC-FE34-412F-856D-27FA8B11D464}"/>
-                                            </p:graphicEl>
-                                          </p:spTgt>
-                                        </p:tgtEl>
-                                      </p:cBhvr>
-                                    </p:animEffect>
-                                  </p:childTnLst>
-                                </p:cTn>
-                              </p:par>
-                              <p:par>
-                                <p:cTn id="40" presetID="10" presetClass="entr" presetSubtype="0" fill="hold" grpId="0" nodeType="withEffect">
-                                  <p:stCondLst>
-                                    <p:cond delay="0"/>
-                                  </p:stCondLst>
-                                  <p:childTnLst>
-                                    <p:set>
-                                      <p:cBhvr>
-                                        <p:cTn id="41" dur="1" fill="hold">
-                                          <p:stCondLst>
-                                            <p:cond delay="0"/>
-                                          </p:stCondLst>
-                                        </p:cTn>
-                                        <p:tgtEl>
-                                          <p:spTgt spid="5">
-                                            <p:graphicEl>
-                                              <a:dgm id="{101E350F-E4C7-4BF3-ADB7-490FC3EE8992}"/>
-                                            </p:graphicEl>
-                                          </p:spTgt>
-                                        </p:tgtEl>
-                                        <p:attrNameLst>
-                                          <p:attrName>style.visibility</p:attrName>
-                                        </p:attrNameLst>
-                                      </p:cBhvr>
-                                      <p:to>
-                                        <p:strVal val="visible"/>
-                                      </p:to>
-                                    </p:set>
-                                    <p:animEffect transition="in" filter="fade">
-                                      <p:cBhvr>
-                                        <p:cTn id="42" dur="1000"/>
-                                        <p:tgtEl>
-                                          <p:spTgt spid="5">
-                                            <p:graphicEl>
-                                              <a:dgm id="{101E350F-E4C7-4BF3-ADB7-490FC3EE8992}"/>
-                                            </p:graphicEl>
-                                          </p:spTgt>
-                                        </p:tgtEl>
-                                      </p:cBhvr>
-                                    </p:animEffect>
-                                  </p:childTnLst>
-                                </p:cTn>
-                              </p:par>
-                              <p:par>
-                                <p:cTn id="43" presetID="10" presetClass="entr" presetSubtype="0" fill="hold" grpId="0" nodeType="withEffect">
-                                  <p:stCondLst>
-                                    <p:cond delay="0"/>
-                                  </p:stCondLst>
-                                  <p:childTnLst>
-                                    <p:set>
-                                      <p:cBhvr>
-                                        <p:cTn id="44" dur="1" fill="hold">
-                                          <p:stCondLst>
-                                            <p:cond delay="0"/>
-                                          </p:stCondLst>
-                                        </p:cTn>
-                                        <p:tgtEl>
-                                          <p:spTgt spid="5">
-                                            <p:graphicEl>
-                                              <a:dgm id="{6AE375A7-73AB-49F1-B829-4D2FDBE8636A}"/>
-                                            </p:graphicEl>
-                                          </p:spTgt>
-                                        </p:tgtEl>
-                                        <p:attrNameLst>
-                                          <p:attrName>style.visibility</p:attrName>
-                                        </p:attrNameLst>
-                                      </p:cBhvr>
-                                      <p:to>
-                                        <p:strVal val="visible"/>
-                                      </p:to>
-                                    </p:set>
-                                    <p:animEffect transition="in" filter="fade">
-                                      <p:cBhvr>
-                                        <p:cTn id="45" dur="1000"/>
-                                        <p:tgtEl>
-                                          <p:spTgt spid="5">
-                                            <p:graphicEl>
-                                              <a:dgm id="{6AE375A7-73AB-49F1-B829-4D2FDBE8636A}"/>
-                                            </p:graphicEl>
-                                          </p:spTgt>
-                                        </p:tgtEl>
-                                      </p:cBhvr>
-                                    </p:animEffect>
-                                  </p:childTnLst>
-                                </p:cTn>
-                              </p:par>
-                              <p:par>
-                                <p:cTn id="46" presetID="10" presetClass="entr" presetSubtype="0" fill="hold" grpId="0" nodeType="withEffect">
-                                  <p:stCondLst>
-                                    <p:cond delay="0"/>
-                                  </p:stCondLst>
-                                  <p:childTnLst>
-                                    <p:set>
-                                      <p:cBhvr>
-                                        <p:cTn id="47" dur="1" fill="hold">
-                                          <p:stCondLst>
-                                            <p:cond delay="0"/>
-                                          </p:stCondLst>
-                                        </p:cTn>
-                                        <p:tgtEl>
-                                          <p:spTgt spid="5">
-                                            <p:graphicEl>
-                                              <a:dgm id="{21B3CAD0-4C72-4929-B3EF-083EF8BADEF0}"/>
-                                            </p:graphicEl>
-                                          </p:spTgt>
-                                        </p:tgtEl>
-                                        <p:attrNameLst>
-                                          <p:attrName>style.visibility</p:attrName>
-                                        </p:attrNameLst>
-                                      </p:cBhvr>
-                                      <p:to>
-                                        <p:strVal val="visible"/>
-                                      </p:to>
-                                    </p:set>
-                                    <p:animEffect transition="in" filter="fade">
-                                      <p:cBhvr>
-                                        <p:cTn id="48" dur="1000"/>
-                                        <p:tgtEl>
-                                          <p:spTgt spid="5">
-                                            <p:graphicEl>
-                                              <a:dgm id="{21B3CAD0-4C72-4929-B3EF-083EF8BADEF0}"/>
-                                            </p:graphicEl>
-                                          </p:spTgt>
-                                        </p:tgtEl>
-                                      </p:cBhvr>
-                                    </p:animEffect>
-                                  </p:childTnLst>
-                                </p:cTn>
-                              </p:par>
-                            </p:childTnLst>
-                          </p:cTn>
-                        </p:par>
-                      </p:childTnLst>
-                    </p:cTn>
-                  </p:par>
-                  <p:par>
-                    <p:cTn id="49" fill="hold">
-                      <p:stCondLst>
-                        <p:cond delay="indefinite"/>
-                      </p:stCondLst>
-                      <p:childTnLst>
-                        <p:par>
-                          <p:cTn id="50" fill="hold">
-                            <p:stCondLst>
-                              <p:cond delay="0"/>
-                            </p:stCondLst>
-                            <p:childTnLst>
-                              <p:par>
-                                <p:cTn id="51" presetID="10" presetClass="entr" presetSubtype="0" fill="hold" grpId="0" nodeType="clickEffect">
-                                  <p:stCondLst>
-                                    <p:cond delay="0"/>
-                                  </p:stCondLst>
-                                  <p:childTnLst>
-                                    <p:set>
-                                      <p:cBhvr>
-                                        <p:cTn id="52" dur="1" fill="hold">
-                                          <p:stCondLst>
-                                            <p:cond delay="0"/>
-                                          </p:stCondLst>
-                                        </p:cTn>
-                                        <p:tgtEl>
-                                          <p:spTgt spid="5">
-                                            <p:graphicEl>
-                                              <a:dgm id="{32AFB9F5-CBCE-4E1C-8A44-9E6E4D9982B4}"/>
-                                            </p:graphicEl>
-                                          </p:spTgt>
-                                        </p:tgtEl>
-                                        <p:attrNameLst>
-                                          <p:attrName>style.visibility</p:attrName>
-                                        </p:attrNameLst>
-                                      </p:cBhvr>
-                                      <p:to>
-                                        <p:strVal val="visible"/>
-                                      </p:to>
-                                    </p:set>
-                                    <p:animEffect transition="in" filter="fade">
-                                      <p:cBhvr>
-                                        <p:cTn id="53" dur="1000"/>
-                                        <p:tgtEl>
-                                          <p:spTgt spid="5">
-                                            <p:graphicEl>
-                                              <a:dgm id="{32AFB9F5-CBCE-4E1C-8A44-9E6E4D9982B4}"/>
-                                            </p:graphicEl>
-                                          </p:spTgt>
-                                        </p:tgtEl>
-                                      </p:cBhvr>
-                                    </p:animEffect>
-                                  </p:childTnLst>
-                                </p:cTn>
-                              </p:par>
-                              <p:par>
-                                <p:cTn id="54" presetID="10" presetClass="entr" presetSubtype="0" fill="hold" grpId="0" nodeType="withEffect">
-                                  <p:stCondLst>
-                                    <p:cond delay="0"/>
-                                  </p:stCondLst>
-                                  <p:childTnLst>
-                                    <p:set>
-                                      <p:cBhvr>
-                                        <p:cTn id="55" dur="1" fill="hold">
-                                          <p:stCondLst>
-                                            <p:cond delay="0"/>
-                                          </p:stCondLst>
-                                        </p:cTn>
-                                        <p:tgtEl>
-                                          <p:spTgt spid="5">
-                                            <p:graphicEl>
-                                              <a:dgm id="{7A4664FA-68D9-40E1-93B5-BA1D07299956}"/>
-                                            </p:graphicEl>
-                                          </p:spTgt>
-                                        </p:tgtEl>
-                                        <p:attrNameLst>
-                                          <p:attrName>style.visibility</p:attrName>
-                                        </p:attrNameLst>
-                                      </p:cBhvr>
-                                      <p:to>
-                                        <p:strVal val="visible"/>
-                                      </p:to>
-                                    </p:set>
-                                    <p:animEffect transition="in" filter="fade">
-                                      <p:cBhvr>
-                                        <p:cTn id="56" dur="1000"/>
-                                        <p:tgtEl>
-                                          <p:spTgt spid="5">
-                                            <p:graphicEl>
-                                              <a:dgm id="{7A4664FA-68D9-40E1-93B5-BA1D07299956}"/>
-                                            </p:graphicEl>
-                                          </p:spTgt>
-                                        </p:tgtEl>
-                                      </p:cBhvr>
-                                    </p:animEffect>
-                                  </p:childTnLst>
-                                </p:cTn>
-                              </p:par>
-                              <p:par>
-                                <p:cTn id="57" presetID="10" presetClass="entr" presetSubtype="0" fill="hold" grpId="0" nodeType="withEffect">
-                                  <p:stCondLst>
-                                    <p:cond delay="0"/>
-                                  </p:stCondLst>
-                                  <p:childTnLst>
-                                    <p:set>
-                                      <p:cBhvr>
-                                        <p:cTn id="58" dur="1" fill="hold">
-                                          <p:stCondLst>
-                                            <p:cond delay="0"/>
-                                          </p:stCondLst>
-                                        </p:cTn>
-                                        <p:tgtEl>
-                                          <p:spTgt spid="5">
-                                            <p:graphicEl>
-                                              <a:dgm id="{C47BE9C4-2136-493A-998E-BF5F51AA65C0}"/>
-                                            </p:graphicEl>
-                                          </p:spTgt>
-                                        </p:tgtEl>
-                                        <p:attrNameLst>
-                                          <p:attrName>style.visibility</p:attrName>
-                                        </p:attrNameLst>
-                                      </p:cBhvr>
-                                      <p:to>
-                                        <p:strVal val="visible"/>
-                                      </p:to>
-                                    </p:set>
-                                    <p:animEffect transition="in" filter="fade">
-                                      <p:cBhvr>
-                                        <p:cTn id="59" dur="1000"/>
-                                        <p:tgtEl>
-                                          <p:spTgt spid="5">
-                                            <p:graphicEl>
-                                              <a:dgm id="{C47BE9C4-2136-493A-998E-BF5F51AA65C0}"/>
-                                            </p:graphicEl>
-                                          </p:spTgt>
-                                        </p:tgtEl>
-                                      </p:cBhvr>
-                                    </p:animEffect>
-                                  </p:childTnLst>
-                                </p:cTn>
-                              </p:par>
-                              <p:par>
-                                <p:cTn id="60" presetID="10" presetClass="entr" presetSubtype="0" fill="hold" grpId="0" nodeType="withEffect">
-                                  <p:stCondLst>
-                                    <p:cond delay="0"/>
-                                  </p:stCondLst>
-                                  <p:childTnLst>
-                                    <p:set>
-                                      <p:cBhvr>
-                                        <p:cTn id="61" dur="1" fill="hold">
-                                          <p:stCondLst>
-                                            <p:cond delay="0"/>
-                                          </p:stCondLst>
-                                        </p:cTn>
-                                        <p:tgtEl>
-                                          <p:spTgt spid="5">
-                                            <p:graphicEl>
-                                              <a:dgm id="{EEBF1E03-4F30-4DC0-A9FD-3BA4CE4733A1}"/>
-                                            </p:graphicEl>
-                                          </p:spTgt>
-                                        </p:tgtEl>
-                                        <p:attrNameLst>
-                                          <p:attrName>style.visibility</p:attrName>
-                                        </p:attrNameLst>
-                                      </p:cBhvr>
-                                      <p:to>
-                                        <p:strVal val="visible"/>
-                                      </p:to>
-                                    </p:set>
-                                    <p:animEffect transition="in" filter="fade">
-                                      <p:cBhvr>
-                                        <p:cTn id="62" dur="1000"/>
-                                        <p:tgtEl>
-                                          <p:spTgt spid="5">
-                                            <p:graphicEl>
-                                              <a:dgm id="{EEBF1E03-4F30-4DC0-A9FD-3BA4CE4733A1}"/>
-                                            </p:graphicEl>
-                                          </p:spTgt>
-                                        </p:tgtEl>
-                                      </p:cBhvr>
-                                    </p:animEffect>
-                                  </p:childTnLst>
-                                </p:cTn>
-                              </p:par>
-                              <p:par>
-                                <p:cTn id="63" presetID="10" presetClass="entr" presetSubtype="0" fill="hold" grpId="0" nodeType="withEffect">
-                                  <p:stCondLst>
-                                    <p:cond delay="0"/>
-                                  </p:stCondLst>
-                                  <p:childTnLst>
-                                    <p:set>
-                                      <p:cBhvr>
-                                        <p:cTn id="64" dur="1" fill="hold">
-                                          <p:stCondLst>
-                                            <p:cond delay="0"/>
-                                          </p:stCondLst>
-                                        </p:cTn>
-                                        <p:tgtEl>
-                                          <p:spTgt spid="5">
-                                            <p:graphicEl>
-                                              <a:dgm id="{91E31739-2F72-4235-9949-D94E96810A92}"/>
-                                            </p:graphicEl>
-                                          </p:spTgt>
-                                        </p:tgtEl>
-                                        <p:attrNameLst>
-                                          <p:attrName>style.visibility</p:attrName>
-                                        </p:attrNameLst>
-                                      </p:cBhvr>
-                                      <p:to>
-                                        <p:strVal val="visible"/>
-                                      </p:to>
-                                    </p:set>
-                                    <p:animEffect transition="in" filter="fade">
-                                      <p:cBhvr>
-                                        <p:cTn id="65" dur="1000"/>
-                                        <p:tgtEl>
-                                          <p:spTgt spid="5">
-                                            <p:graphicEl>
-                                              <a:dgm id="{91E31739-2F72-4235-9949-D94E96810A92}"/>
-                                            </p:graphicEl>
-                                          </p:spTgt>
-                                        </p:tgtEl>
-                                      </p:cBhvr>
-                                    </p:animEffect>
-                                  </p:childTnLst>
-                                </p:cTn>
-                              </p:par>
-                              <p:par>
-                                <p:cTn id="66" presetID="10" presetClass="entr" presetSubtype="0" fill="hold" grpId="0" nodeType="withEffect">
-                                  <p:stCondLst>
-                                    <p:cond delay="0"/>
-                                  </p:stCondLst>
-                                  <p:childTnLst>
-                                    <p:set>
-                                      <p:cBhvr>
-                                        <p:cTn id="67" dur="1" fill="hold">
-                                          <p:stCondLst>
-                                            <p:cond delay="0"/>
-                                          </p:stCondLst>
-                                        </p:cTn>
-                                        <p:tgtEl>
-                                          <p:spTgt spid="5">
-                                            <p:graphicEl>
-                                              <a:dgm id="{74FAC493-C973-44BC-81AA-29561F9F47B2}"/>
-                                            </p:graphicEl>
-                                          </p:spTgt>
-                                        </p:tgtEl>
-                                        <p:attrNameLst>
-                                          <p:attrName>style.visibility</p:attrName>
-                                        </p:attrNameLst>
-                                      </p:cBhvr>
-                                      <p:to>
-                                        <p:strVal val="visible"/>
-                                      </p:to>
-                                    </p:set>
-                                    <p:animEffect transition="in" filter="fade">
-                                      <p:cBhvr>
-                                        <p:cTn id="68" dur="1000"/>
-                                        <p:tgtEl>
-                                          <p:spTgt spid="5">
-                                            <p:graphicEl>
-                                              <a:dgm id="{74FAC493-C973-44BC-81AA-29561F9F47B2}"/>
-                                            </p:graphicEl>
-                                          </p:spTgt>
-                                        </p:tgtEl>
-                                      </p:cBhvr>
-                                    </p:animEffect>
-                                  </p:childTnLst>
-                                </p:cTn>
-                              </p:par>
-                              <p:par>
-                                <p:cTn id="69" presetID="10" presetClass="entr" presetSubtype="0" fill="hold" grpId="0" nodeType="withEffect">
-                                  <p:stCondLst>
-                                    <p:cond delay="0"/>
-                                  </p:stCondLst>
-                                  <p:childTnLst>
-                                    <p:set>
-                                      <p:cBhvr>
-                                        <p:cTn id="70" dur="1" fill="hold">
-                                          <p:stCondLst>
-                                            <p:cond delay="0"/>
-                                          </p:stCondLst>
-                                        </p:cTn>
-                                        <p:tgtEl>
-                                          <p:spTgt spid="5">
-                                            <p:graphicEl>
-                                              <a:dgm id="{B909F363-716E-43C4-9FDD-A6269AE3CC02}"/>
-                                            </p:graphicEl>
-                                          </p:spTgt>
-                                        </p:tgtEl>
-                                        <p:attrNameLst>
-                                          <p:attrName>style.visibility</p:attrName>
-                                        </p:attrNameLst>
-                                      </p:cBhvr>
-                                      <p:to>
-                                        <p:strVal val="visible"/>
-                                      </p:to>
-                                    </p:set>
-                                    <p:animEffect transition="in" filter="fade">
-                                      <p:cBhvr>
-                                        <p:cTn id="71" dur="1000"/>
-                                        <p:tgtEl>
-                                          <p:spTgt spid="5">
-                                            <p:graphicEl>
-                                              <a:dgm id="{B909F363-716E-43C4-9FDD-A6269AE3CC02}"/>
-                                            </p:graphicEl>
-                                          </p:spTgt>
-                                        </p:tgtEl>
-                                      </p:cBhvr>
-                                    </p:animEffect>
-                                  </p:childTnLst>
-                                </p:cTn>
-                              </p:par>
-                              <p:par>
-                                <p:cTn id="72" presetID="10" presetClass="entr" presetSubtype="0" fill="hold" grpId="0" nodeType="withEffect">
-                                  <p:stCondLst>
-                                    <p:cond delay="0"/>
-                                  </p:stCondLst>
-                                  <p:childTnLst>
-                                    <p:set>
-                                      <p:cBhvr>
-                                        <p:cTn id="73" dur="1" fill="hold">
-                                          <p:stCondLst>
-                                            <p:cond delay="0"/>
-                                          </p:stCondLst>
-                                        </p:cTn>
-                                        <p:tgtEl>
-                                          <p:spTgt spid="5">
-                                            <p:graphicEl>
-                                              <a:dgm id="{6C315A9F-2338-4604-AC27-343B94863CC9}"/>
-                                            </p:graphicEl>
-                                          </p:spTgt>
-                                        </p:tgtEl>
-                                        <p:attrNameLst>
-                                          <p:attrName>style.visibility</p:attrName>
-                                        </p:attrNameLst>
-                                      </p:cBhvr>
-                                      <p:to>
-                                        <p:strVal val="visible"/>
-                                      </p:to>
-                                    </p:set>
-                                    <p:animEffect transition="in" filter="fade">
-                                      <p:cBhvr>
-                                        <p:cTn id="74" dur="1000"/>
-                                        <p:tgtEl>
-                                          <p:spTgt spid="5">
-                                            <p:graphicEl>
-                                              <a:dgm id="{6C315A9F-2338-4604-AC27-343B94863CC9}"/>
-                                            </p:graphicEl>
-                                          </p:spTgt>
-                                        </p:tgtEl>
-                                      </p:cBhvr>
-                                    </p:animEffect>
-                                  </p:childTnLst>
-                                </p:cTn>
-                              </p:par>
-                              <p:par>
-                                <p:cTn id="75" presetID="10" presetClass="entr" presetSubtype="0" fill="hold" grpId="0" nodeType="withEffect">
-                                  <p:stCondLst>
-                                    <p:cond delay="0"/>
-                                  </p:stCondLst>
-                                  <p:childTnLst>
-                                    <p:set>
-                                      <p:cBhvr>
-                                        <p:cTn id="76" dur="1" fill="hold">
-                                          <p:stCondLst>
-                                            <p:cond delay="0"/>
-                                          </p:stCondLst>
-                                        </p:cTn>
-                                        <p:tgtEl>
-                                          <p:spTgt spid="5">
-                                            <p:graphicEl>
-                                              <a:dgm id="{3FE22E8B-A21A-4C5F-B168-1784A9FA3765}"/>
-                                            </p:graphicEl>
-                                          </p:spTgt>
-                                        </p:tgtEl>
-                                        <p:attrNameLst>
-                                          <p:attrName>style.visibility</p:attrName>
-                                        </p:attrNameLst>
-                                      </p:cBhvr>
-                                      <p:to>
-                                        <p:strVal val="visible"/>
-                                      </p:to>
-                                    </p:set>
-                                    <p:animEffect transition="in" filter="fade">
-                                      <p:cBhvr>
-                                        <p:cTn id="77" dur="1000"/>
-                                        <p:tgtEl>
-                                          <p:spTgt spid="5">
-                                            <p:graphicEl>
-                                              <a:dgm id="{3FE22E8B-A21A-4C5F-B168-1784A9FA3765}"/>
-                                            </p:graphicEl>
-                                          </p:spTgt>
-                                        </p:tgtEl>
-                                      </p:cBhvr>
-                                    </p:animEffect>
-                                  </p:childTnLst>
-                                </p:cTn>
-                              </p:par>
-                              <p:par>
-                                <p:cTn id="78" presetID="10" presetClass="entr" presetSubtype="0" fill="hold" grpId="0" nodeType="withEffect">
-                                  <p:stCondLst>
-                                    <p:cond delay="0"/>
-                                  </p:stCondLst>
-                                  <p:childTnLst>
-                                    <p:set>
-                                      <p:cBhvr>
-                                        <p:cTn id="79" dur="1" fill="hold">
-                                          <p:stCondLst>
-                                            <p:cond delay="0"/>
-                                          </p:stCondLst>
-                                        </p:cTn>
-                                        <p:tgtEl>
-                                          <p:spTgt spid="5">
-                                            <p:graphicEl>
-                                              <a:dgm id="{DED8650A-D177-4314-A188-E97CBB35D99B}"/>
-                                            </p:graphicEl>
-                                          </p:spTgt>
-                                        </p:tgtEl>
-                                        <p:attrNameLst>
-                                          <p:attrName>style.visibility</p:attrName>
-                                        </p:attrNameLst>
-                                      </p:cBhvr>
-                                      <p:to>
-                                        <p:strVal val="visible"/>
-                                      </p:to>
-                                    </p:set>
-                                    <p:animEffect transition="in" filter="fade">
-                                      <p:cBhvr>
-                                        <p:cTn id="80" dur="1000"/>
-                                        <p:tgtEl>
-                                          <p:spTgt spid="5">
-                                            <p:graphicEl>
-                                              <a:dgm id="{DED8650A-D177-4314-A188-E97CBB35D99B}"/>
-                                            </p:graphicEl>
-                                          </p:spTgt>
-                                        </p:tgtEl>
-                                      </p:cBhvr>
-                                    </p:animEffect>
-                                  </p:childTnLst>
-                                </p:cTn>
-                              </p:par>
-                              <p:par>
-                                <p:cTn id="81" presetID="10" presetClass="entr" presetSubtype="0" fill="hold" grpId="0" nodeType="withEffect">
-                                  <p:stCondLst>
-                                    <p:cond delay="0"/>
-                                  </p:stCondLst>
-                                  <p:childTnLst>
-                                    <p:set>
-                                      <p:cBhvr>
-                                        <p:cTn id="82" dur="1" fill="hold">
-                                          <p:stCondLst>
-                                            <p:cond delay="0"/>
-                                          </p:stCondLst>
-                                        </p:cTn>
-                                        <p:tgtEl>
-                                          <p:spTgt spid="5">
-                                            <p:graphicEl>
-                                              <a:dgm id="{9E056177-39BA-428F-A0E8-DE0231AD7DF0}"/>
-                                            </p:graphicEl>
-                                          </p:spTgt>
-                                        </p:tgtEl>
-                                        <p:attrNameLst>
-                                          <p:attrName>style.visibility</p:attrName>
-                                        </p:attrNameLst>
-                                      </p:cBhvr>
-                                      <p:to>
-                                        <p:strVal val="visible"/>
-                                      </p:to>
-                                    </p:set>
-                                    <p:animEffect transition="in" filter="fade">
-                                      <p:cBhvr>
-                                        <p:cTn id="83" dur="1000"/>
-                                        <p:tgtEl>
-                                          <p:spTgt spid="5">
-                                            <p:graphicEl>
-                                              <a:dgm id="{9E056177-39BA-428F-A0E8-DE0231AD7DF0}"/>
-                                            </p:graphicEl>
-                                          </p:spTgt>
-                                        </p:tgtEl>
-                                      </p:cBhvr>
-                                    </p:animEffect>
-                                  </p:childTnLst>
-                                </p:cTn>
-                              </p:par>
-                              <p:par>
-                                <p:cTn id="84" presetID="10" presetClass="entr" presetSubtype="0" fill="hold" grpId="0" nodeType="withEffect">
-                                  <p:stCondLst>
-                                    <p:cond delay="0"/>
-                                  </p:stCondLst>
-                                  <p:childTnLst>
-                                    <p:set>
-                                      <p:cBhvr>
-                                        <p:cTn id="85" dur="1" fill="hold">
-                                          <p:stCondLst>
-                                            <p:cond delay="0"/>
-                                          </p:stCondLst>
-                                        </p:cTn>
-                                        <p:tgtEl>
-                                          <p:spTgt spid="5">
-                                            <p:graphicEl>
-                                              <a:dgm id="{31F49863-9C24-4481-A770-AAEFABAF1BE5}"/>
-                                            </p:graphicEl>
-                                          </p:spTgt>
-                                        </p:tgtEl>
-                                        <p:attrNameLst>
-                                          <p:attrName>style.visibility</p:attrName>
-                                        </p:attrNameLst>
-                                      </p:cBhvr>
-                                      <p:to>
-                                        <p:strVal val="visible"/>
-                                      </p:to>
-                                    </p:set>
-                                    <p:animEffect transition="in" filter="fade">
-                                      <p:cBhvr>
-                                        <p:cTn id="86" dur="1000"/>
-                                        <p:tgtEl>
-                                          <p:spTgt spid="5">
-                                            <p:graphicEl>
-                                              <a:dgm id="{31F49863-9C24-4481-A770-AAEFABAF1BE5}"/>
-                                            </p:graphicEl>
-                                          </p:spTgt>
-                                        </p:tgtEl>
-                                      </p:cBhvr>
-                                    </p:animEffect>
-                                  </p:childTnLst>
-                                </p:cTn>
-                              </p:par>
-                            </p:childTnLst>
-                          </p:cTn>
-                        </p:par>
-                      </p:childTnLst>
-                    </p:cTn>
-                  </p:par>
-                </p:childTnLst>
-              </p:cTn>
-              <p:prevCondLst>
-                <p:cond evt="onPrev" delay="0">
-                  <p:tgtEl>
-                    <p:sldTgt/>
-                  </p:tgtEl>
-                </p:cond>
-              </p:prevCondLst>
-              <p:nextCondLst>
-                <p:cond evt="onNext" delay="0">
-                  <p:tgtEl>
-                    <p:sldTgt/>
-                  </p:tgtEl>
-                </p:cond>
-              </p:nextCondLst>
-            </p:seq>
-          </p:childTnLst>
-        </p:cTn>
-      </p:par>
-    </p:tnLst>
-    <p:bldLst>
-      <p:bldGraphic spid="5" grpId="0">
-        <p:bldSub>
-          <a:bldDgm bld="lvlAtOnce"/>
-        </p:bldSub>
-      </p:bldGraphic>
-    </p:bldLst>
-  </p:timing>
-</p:sld>
-</file>
-
-<file path=ppt/slides/slide13.xml><?xml version="1.0" encoding="utf-8"?>
-<p:sld xmlns:a="http://schemas.openxmlformats.org/drawingml/2006/main" xmlns:r="http://schemas.openxmlformats.org/officeDocument/2006/relationships" xmlns:mc="http://schemas.openxmlformats.org/markup-compatibility/2006" xmlns:mv="urn:schemas-microsoft-com:mac:vml" xmlns:p="http://schemas.openxmlformats.org/presentationml/2006/main" mc:Ignorable="mv" mc:PreserveAttributes="mv:*">
-  <p:cSld>
-    <p:spTree>
-      <p:nvGrpSpPr>
-        <p:cNvPr id="1" name=""/>
-        <p:cNvGrpSpPr/>
-        <p:nvPr/>
-      </p:nvGrpSpPr>
-      <p:grpSpPr>
-        <a:xfrm>
-          <a:off x="0" y="0"/>
-          <a:ext cx="0" cy="0"/>
-          <a:chOff x="0" y="0"/>
-          <a:chExt cx="0" cy="0"/>
-        </a:xfrm>
-      </p:grpSpPr>
-      <p:sp>
-        <p:nvSpPr>
-          <p:cNvPr id="2" name="Title 1"/>
-          <p:cNvSpPr>
-            <a:spLocks noGrp="1"/>
-          </p:cNvSpPr>
-          <p:nvPr>
-            <p:ph type="title"/>
-          </p:nvPr>
-        </p:nvSpPr>
-        <p:spPr/>
-        <p:txBody>
-          <a:bodyPr/>
-          <a:lstStyle/>
-          <a:p>
-            <a:r>
-              <a:rPr lang="en-US" dirty="0" smtClean="0"/>
-              <a:t>Flight Computer</a:t>
-            </a:r>
-            <a:endParaRPr lang="en-US" dirty="0"/>
-          </a:p>
-        </p:txBody>
-      </p:sp>
-      <p:sp>
-        <p:nvSpPr>
-          <p:cNvPr id="3" name="Slide Number Placeholder 2"/>
-          <p:cNvSpPr>
-            <a:spLocks noGrp="1"/>
-          </p:cNvSpPr>
-          <p:nvPr>
-            <p:ph type="sldNum" sz="quarter" idx="12"/>
-          </p:nvPr>
-        </p:nvSpPr>
-        <p:spPr/>
-        <p:txBody>
-          <a:bodyPr>
-            <a:normAutofit fontScale="85000" lnSpcReduction="20000"/>
-          </a:bodyPr>
-          <a:lstStyle/>
-          <a:p>
-            <a:fld id="{5AEDDE57-BFB4-403C-8AD6-39A9EF93D28E}" type="slidenum">
-              <a:rPr lang="en-AU" smtClean="0"/>
-              <a:pPr/>
-              <a:t>13</a:t>
-            </a:fld>
-            <a:endParaRPr lang="en-AU"/>
-          </a:p>
-        </p:txBody>
-      </p:sp>
-      <p:sp>
-        <p:nvSpPr>
-          <p:cNvPr id="4" name="Content Placeholder 3"/>
-          <p:cNvSpPr>
-            <a:spLocks noGrp="1"/>
-          </p:cNvSpPr>
-          <p:nvPr>
-            <p:ph sz="quarter" idx="1"/>
-          </p:nvPr>
-        </p:nvSpPr>
-        <p:spPr>
-          <a:xfrm>
-            <a:off x="609600" y="1600200"/>
-            <a:ext cx="8156448" cy="5105400"/>
-          </a:xfrm>
-        </p:spPr>
-        <p:txBody>
-          <a:bodyPr>
-            <a:normAutofit fontScale="92500" lnSpcReduction="20000"/>
-          </a:bodyPr>
-          <a:lstStyle/>
-          <a:p>
-            <a:r>
-              <a:rPr lang="en-US" dirty="0" smtClean="0"/>
-              <a:t>Trade Study for Computer-on-Module to support</a:t>
-            </a:r>
-          </a:p>
-          <a:p>
-            <a:pPr lvl="1"/>
-            <a:r>
-              <a:rPr lang="en-US" dirty="0" smtClean="0"/>
-              <a:t>Hardware Integration</a:t>
-            </a:r>
-          </a:p>
-          <a:p>
-            <a:pPr lvl="1"/>
-            <a:r>
-              <a:rPr lang="en-US" dirty="0" smtClean="0"/>
-              <a:t>Control and State Estimation</a:t>
-            </a:r>
-          </a:p>
-          <a:p>
-            <a:pPr lvl="1"/>
-            <a:r>
-              <a:rPr lang="en-US" dirty="0" smtClean="0"/>
-              <a:t>Localization </a:t>
-            </a:r>
-          </a:p>
-          <a:p>
-            <a:r>
-              <a:rPr lang="en-US" dirty="0" smtClean="0"/>
-              <a:t>Considered</a:t>
-            </a:r>
-          </a:p>
-          <a:p>
-            <a:pPr lvl="1"/>
-            <a:r>
-              <a:rPr lang="en-US" dirty="0" err="1" smtClean="0"/>
-              <a:t>BeagleBoard</a:t>
-            </a:r>
-            <a:endParaRPr lang="en-US" dirty="0" smtClean="0"/>
-          </a:p>
-          <a:p>
-            <a:pPr lvl="2"/>
-            <a:r>
-              <a:rPr lang="en-US" dirty="0" smtClean="0"/>
-              <a:t>Limited Hardware Interfacing</a:t>
-            </a:r>
-          </a:p>
-          <a:p>
-            <a:pPr lvl="1"/>
-            <a:r>
-              <a:rPr lang="en-US" dirty="0" err="1" smtClean="0"/>
-              <a:t>Gumstix</a:t>
-            </a:r>
-            <a:r>
-              <a:rPr lang="en-US" dirty="0" smtClean="0"/>
-              <a:t> </a:t>
-            </a:r>
-            <a:r>
-              <a:rPr lang="en-US" dirty="0" err="1" smtClean="0"/>
-              <a:t>Overo</a:t>
-            </a:r>
-            <a:r>
-              <a:rPr lang="en-US" dirty="0" smtClean="0"/>
-              <a:t> Air</a:t>
-            </a:r>
-          </a:p>
-          <a:p>
-            <a:pPr lvl="2"/>
-            <a:r>
-              <a:rPr lang="en-US" dirty="0" smtClean="0"/>
-              <a:t>Lacked Support for Image Processing</a:t>
-            </a:r>
-          </a:p>
-          <a:p>
-            <a:pPr lvl="1"/>
-            <a:r>
-              <a:rPr lang="en-US" dirty="0" err="1" smtClean="0"/>
-              <a:t>Gumstix</a:t>
-            </a:r>
-            <a:r>
-              <a:rPr lang="en-US" dirty="0" smtClean="0"/>
-              <a:t> </a:t>
-            </a:r>
-            <a:r>
-              <a:rPr lang="en-US" dirty="0" err="1" smtClean="0"/>
-              <a:t>Verdex</a:t>
-            </a:r>
-            <a:endParaRPr lang="en-US" dirty="0" smtClean="0"/>
-          </a:p>
-          <a:p>
-            <a:pPr lvl="2"/>
-            <a:r>
-              <a:rPr lang="en-US" dirty="0" smtClean="0"/>
-              <a:t>No Hardware Floating Point Implementation </a:t>
-            </a:r>
-          </a:p>
-          <a:p>
-            <a:pPr lvl="1"/>
-            <a:r>
-              <a:rPr lang="en-US" dirty="0" err="1" smtClean="0"/>
-              <a:t>Gumstix</a:t>
-            </a:r>
-            <a:r>
-              <a:rPr lang="en-US" dirty="0" smtClean="0"/>
-              <a:t> </a:t>
-            </a:r>
-            <a:r>
-              <a:rPr lang="en-US" dirty="0" err="1" smtClean="0"/>
-              <a:t>Overo</a:t>
-            </a:r>
-            <a:r>
-              <a:rPr lang="en-US" dirty="0" smtClean="0"/>
-              <a:t> Fire</a:t>
-            </a:r>
-          </a:p>
-          <a:p>
-            <a:pPr lvl="2"/>
-            <a:r>
-              <a:rPr lang="en-US" dirty="0" smtClean="0"/>
-              <a:t>6 grams, 600MHz TI CPU</a:t>
-            </a:r>
-          </a:p>
-        </p:txBody>
-      </p:sp>
-      <p:pic>
-        <p:nvPicPr>
-          <p:cNvPr id="6" name="Picture 5"/>
-          <p:cNvPicPr/>
-          <p:nvPr/>
-        </p:nvPicPr>
-        <p:blipFill>
-          <a:blip r:embed="rId2" cstate="print"/>
-          <a:srcRect b="24147"/>
-          <a:stretch>
-            <a:fillRect/>
-          </a:stretch>
-        </p:blipFill>
-        <p:spPr bwMode="auto">
-          <a:xfrm>
-            <a:off x="6781800" y="4267200"/>
-            <a:ext cx="1966114" cy="1496039"/>
-          </a:xfrm>
-          <a:prstGeom prst="rect">
-            <a:avLst/>
-          </a:prstGeom>
-          <a:noFill/>
-          <a:ln w="9525">
-            <a:noFill/>
-            <a:miter lim="800000"/>
-            <a:headEnd/>
-            <a:tailEnd/>
-          </a:ln>
-        </p:spPr>
-      </p:pic>
-      <p:sp>
-        <p:nvSpPr>
-          <p:cNvPr id="7" name="Footer Placeholder 5"/>
-          <p:cNvSpPr>
-            <a:spLocks noGrp="1"/>
-          </p:cNvSpPr>
-          <p:nvPr>
-            <p:ph type="ftr" sz="quarter" idx="11"/>
-          </p:nvPr>
-        </p:nvSpPr>
-        <p:spPr>
-          <a:xfrm>
-            <a:off x="609600" y="6248206"/>
-            <a:ext cx="5421083" cy="365125"/>
-          </a:xfrm>
-        </p:spPr>
-        <p:txBody>
-          <a:bodyPr/>
-          <a:lstStyle/>
-          <a:p>
-            <a:r>
-              <a:rPr lang="en-AU" dirty="0" smtClean="0"/>
-              <a:t>Tim Molloy</a:t>
-            </a:r>
-            <a:endParaRPr lang="en-AU" dirty="0"/>
-          </a:p>
-        </p:txBody>
-      </p:sp>
-    </p:spTree>
-  </p:cSld>
-  <p:clrMapOvr>
-    <a:masterClrMapping/>
-  </p:clrMapOvr>
-  <p:timing>
-    <p:tnLst>
-      <p:par>
-        <p:cTn id="1" dur="indefinite" restart="never" nodeType="tmRoot"/>
-      </p:par>
-    </p:tnLst>
-  </p:timing>
-</p:sld>
-</file>
-
-<file path=ppt/slides/slide14.xml><?xml version="1.0" encoding="utf-8"?>
-<p:sld xmlns:a="http://schemas.openxmlformats.org/drawingml/2006/main" xmlns:r="http://schemas.openxmlformats.org/officeDocument/2006/relationships" xmlns:mc="http://schemas.openxmlformats.org/markup-compatibility/2006" xmlns:mv="urn:schemas-microsoft-com:mac:vml" xmlns:p="http://schemas.openxmlformats.org/presentationml/2006/main" mc:Ignorable="mv" mc:PreserveAttributes="mv:*">
-  <p:cSld>
-    <p:spTree>
-      <p:nvGrpSpPr>
-        <p:cNvPr id="1" name=""/>
-        <p:cNvGrpSpPr/>
-        <p:nvPr/>
-      </p:nvGrpSpPr>
-      <p:grpSpPr>
-        <a:xfrm>
-          <a:off x="0" y="0"/>
-          <a:ext cx="0" cy="0"/>
-          <a:chOff x="0" y="0"/>
-          <a:chExt cx="0" cy="0"/>
-        </a:xfrm>
-      </p:grpSpPr>
-      <p:sp>
-        <p:nvSpPr>
-          <p:cNvPr id="2" name="Title 1"/>
-          <p:cNvSpPr>
-            <a:spLocks noGrp="1"/>
-          </p:cNvSpPr>
-          <p:nvPr>
-            <p:ph type="title"/>
-          </p:nvPr>
-        </p:nvSpPr>
-        <p:spPr/>
-        <p:txBody>
-          <a:bodyPr/>
-          <a:lstStyle/>
-          <a:p>
-            <a:r>
-              <a:rPr lang="en-US" dirty="0" err="1" smtClean="0"/>
-              <a:t>Quadrotor</a:t>
-            </a:r>
-            <a:r>
-              <a:rPr lang="en-US" dirty="0" smtClean="0"/>
-              <a:t> Control</a:t>
-            </a:r>
-            <a:endParaRPr lang="en-US" dirty="0"/>
-          </a:p>
-        </p:txBody>
-      </p:sp>
-      <p:sp>
-        <p:nvSpPr>
-          <p:cNvPr id="3" name="Slide Number Placeholder 2"/>
-          <p:cNvSpPr>
-            <a:spLocks noGrp="1"/>
-          </p:cNvSpPr>
-          <p:nvPr>
-            <p:ph type="sldNum" sz="quarter" idx="12"/>
-          </p:nvPr>
-        </p:nvSpPr>
-        <p:spPr/>
-        <p:txBody>
-          <a:bodyPr>
-            <a:normAutofit fontScale="85000" lnSpcReduction="20000"/>
-          </a:bodyPr>
-          <a:lstStyle/>
-          <a:p>
-            <a:fld id="{5AEDDE57-BFB4-403C-8AD6-39A9EF93D28E}" type="slidenum">
-              <a:rPr lang="en-AU" smtClean="0"/>
-              <a:pPr/>
-              <a:t>14</a:t>
             </a:fld>
             <a:endParaRPr lang="en-AU"/>
           </a:p>
@@ -14147,7 +11486,7 @@
 </p:sld>
 </file>
 
-<file path=ppt/slides/slide15.xml><?xml version="1.0" encoding="utf-8"?>
+<file path=ppt/slides/slide11.xml><?xml version="1.0" encoding="utf-8"?>
 <p:sld xmlns:a="http://schemas.openxmlformats.org/drawingml/2006/main" xmlns:r="http://schemas.openxmlformats.org/officeDocument/2006/relationships" xmlns:mc="http://schemas.openxmlformats.org/markup-compatibility/2006" xmlns:mv="urn:schemas-microsoft-com:mac:vml" xmlns:p="http://schemas.openxmlformats.org/presentationml/2006/main" mc:Ignorable="mv" mc:PreserveAttributes="mv:*">
   <p:cSld>
     <p:spTree>
@@ -14211,7 +11550,7 @@
             <a:fld id="{5AEDDE57-BFB4-403C-8AD6-39A9EF93D28E}" type="slidenum">
               <a:rPr lang="en-AU" smtClean="0"/>
               <a:pPr/>
-              <a:t>15</a:t>
+              <a:t>11</a:t>
             </a:fld>
             <a:endParaRPr lang="en-AU"/>
           </a:p>
@@ -14263,13 +11602,13 @@
         </p:spPr>
         <p:txBody>
           <a:bodyPr>
-            <a:normAutofit fontScale="92500" lnSpcReduction="20000"/>
+            <a:normAutofit/>
           </a:bodyPr>
           <a:lstStyle/>
           <a:p>
             <a:r>
               <a:rPr lang="en-US" dirty="0" smtClean="0"/>
-              <a:t>Drag and Thrust forces are proportional to the square of the engine speeds which are in turn proportional to the motor control signals:</a:t>
+              <a:t>For an arbitrary combination of control inputs, the engine control signals are calculated with the mixing matrix shown:</a:t>
             </a:r>
           </a:p>
           <a:p>
@@ -14288,10 +11627,7 @@
             <a:endParaRPr lang="en-US" dirty="0" smtClean="0"/>
           </a:p>
           <a:p>
-            <a:r>
-              <a:rPr lang="en-US" dirty="0" smtClean="0"/>
-              <a:t>This is the mixing relationship between the altitude, roll, pitch or yaw controller outputs and the individual motor control signals.</a:t>
-            </a:r>
+            <a:endParaRPr lang="en-US" dirty="0" smtClean="0"/>
           </a:p>
         </p:txBody>
       </p:sp>
@@ -14304,7 +11640,7 @@
           <p:nvPr/>
         </p:nvGraphicFramePr>
         <p:xfrm>
-          <a:off x="2362200" y="2819400"/>
+          <a:off x="2362200" y="3505200"/>
           <a:ext cx="4229100" cy="1905000"/>
         </p:xfrm>
         <a:graphic>
@@ -14315,6 +11651,150 @@
           </a:graphicData>
         </a:graphic>
       </p:graphicFrame>
+      <p:sp>
+        <p:nvSpPr>
+          <p:cNvPr id="8" name="Rectangle 7"/>
+          <p:cNvSpPr/>
+          <p:nvPr/>
+        </p:nvSpPr>
+        <p:spPr>
+          <a:xfrm>
+            <a:off x="5715000" y="3505200"/>
+            <a:ext cx="838200" cy="1905000"/>
+          </a:xfrm>
+          <a:prstGeom prst="rect">
+            <a:avLst/>
+          </a:prstGeom>
+          <a:noFill/>
+          <a:ln w="41750" cap="flat" cmpd="sng" algn="ctr">
+            <a:solidFill>
+              <a:srgbClr val="FF0000"/>
+            </a:solidFill>
+            <a:prstDash val="solid"/>
+            <a:round/>
+            <a:headEnd type="none" w="med" len="med"/>
+            <a:tailEnd type="none" w="med" len="med"/>
+          </a:ln>
+        </p:spPr>
+        <p:style>
+          <a:lnRef idx="1">
+            <a:schemeClr val="accent1"/>
+          </a:lnRef>
+          <a:fillRef idx="3">
+            <a:schemeClr val="accent1"/>
+          </a:fillRef>
+          <a:effectRef idx="2">
+            <a:schemeClr val="accent1"/>
+          </a:effectRef>
+          <a:fontRef idx="minor">
+            <a:schemeClr val="lt1"/>
+          </a:fontRef>
+        </p:style>
+        <p:txBody>
+          <a:bodyPr rtlCol="0" anchor="ctr"/>
+          <a:lstStyle/>
+          <a:p>
+            <a:pPr algn="ctr"/>
+            <a:endParaRPr lang="en-US"/>
+          </a:p>
+        </p:txBody>
+      </p:sp>
+      <p:sp>
+        <p:nvSpPr>
+          <p:cNvPr id="9" name="Rectangle 8"/>
+          <p:cNvSpPr/>
+          <p:nvPr/>
+        </p:nvSpPr>
+        <p:spPr>
+          <a:xfrm>
+            <a:off x="2362200" y="3505200"/>
+            <a:ext cx="838200" cy="1905000"/>
+          </a:xfrm>
+          <a:prstGeom prst="rect">
+            <a:avLst/>
+          </a:prstGeom>
+          <a:noFill/>
+          <a:ln w="41750" cap="flat" cmpd="sng" algn="ctr">
+            <a:solidFill>
+              <a:srgbClr val="FF0000"/>
+            </a:solidFill>
+            <a:prstDash val="solid"/>
+            <a:round/>
+            <a:headEnd type="none" w="med" len="med"/>
+            <a:tailEnd type="none" w="med" len="med"/>
+          </a:ln>
+        </p:spPr>
+        <p:style>
+          <a:lnRef idx="1">
+            <a:schemeClr val="accent1"/>
+          </a:lnRef>
+          <a:fillRef idx="3">
+            <a:schemeClr val="accent1"/>
+          </a:fillRef>
+          <a:effectRef idx="2">
+            <a:schemeClr val="accent1"/>
+          </a:effectRef>
+          <a:fontRef idx="minor">
+            <a:schemeClr val="lt1"/>
+          </a:fontRef>
+        </p:style>
+        <p:txBody>
+          <a:bodyPr rtlCol="0" anchor="ctr"/>
+          <a:lstStyle/>
+          <a:p>
+            <a:pPr algn="ctr"/>
+            <a:endParaRPr lang="en-US"/>
+          </a:p>
+        </p:txBody>
+      </p:sp>
+      <p:sp>
+        <p:nvSpPr>
+          <p:cNvPr id="10" name="Rectangle 9"/>
+          <p:cNvSpPr/>
+          <p:nvPr/>
+        </p:nvSpPr>
+        <p:spPr>
+          <a:xfrm>
+            <a:off x="3505200" y="3505200"/>
+            <a:ext cx="2209800" cy="1905000"/>
+          </a:xfrm>
+          <a:prstGeom prst="rect">
+            <a:avLst/>
+          </a:prstGeom>
+          <a:noFill/>
+          <a:ln w="41750" cap="flat" cmpd="sng" algn="ctr">
+            <a:solidFill>
+              <a:srgbClr val="FF0000"/>
+            </a:solidFill>
+            <a:prstDash val="solid"/>
+            <a:round/>
+            <a:headEnd type="none" w="med" len="med"/>
+            <a:tailEnd type="none" w="med" len="med"/>
+          </a:ln>
+        </p:spPr>
+        <p:style>
+          <a:lnRef idx="1">
+            <a:schemeClr val="accent1"/>
+          </a:lnRef>
+          <a:fillRef idx="3">
+            <a:schemeClr val="accent1"/>
+          </a:fillRef>
+          <a:effectRef idx="2">
+            <a:schemeClr val="accent1"/>
+          </a:effectRef>
+          <a:fontRef idx="minor">
+            <a:schemeClr val="lt1"/>
+          </a:fontRef>
+        </p:style>
+        <p:txBody>
+          <a:bodyPr rtlCol="0" anchor="ctr"/>
+          <a:lstStyle/>
+          <a:p>
+            <a:pPr algn="ctr"/>
+            <a:endParaRPr lang="en-US"/>
+          </a:p>
+        </p:txBody>
+      </p:sp>
     </p:spTree>
   </p:cSld>
   <p:clrMapOvr>
@@ -14323,14 +11803,257 @@
   <p:timing>
     <p:tnLst>
       <p:par>
-        <p:cTn id="1" dur="indefinite" restart="never" nodeType="tmRoot"/>
+        <p:cTn id="1" dur="indefinite" restart="never" nodeType="tmRoot">
+          <p:childTnLst>
+            <p:seq concurrent="1" nextAc="seek">
+              <p:cTn id="2" dur="indefinite" nodeType="mainSeq">
+                <p:childTnLst>
+                  <p:par>
+                    <p:cTn id="3" fill="hold">
+                      <p:stCondLst>
+                        <p:cond delay="indefinite"/>
+                      </p:stCondLst>
+                      <p:childTnLst>
+                        <p:par>
+                          <p:cTn id="4" fill="hold">
+                            <p:stCondLst>
+                              <p:cond delay="0"/>
+                            </p:stCondLst>
+                            <p:childTnLst>
+                              <p:par>
+                                <p:cTn id="5" presetID="22" presetClass="entr" presetSubtype="1" fill="hold" grpId="0" nodeType="clickEffect">
+                                  <p:stCondLst>
+                                    <p:cond delay="0"/>
+                                  </p:stCondLst>
+                                  <p:childTnLst>
+                                    <p:set>
+                                      <p:cBhvr>
+                                        <p:cTn id="6" dur="1" fill="hold">
+                                          <p:stCondLst>
+                                            <p:cond delay="0"/>
+                                          </p:stCondLst>
+                                        </p:cTn>
+                                        <p:tgtEl>
+                                          <p:spTgt spid="8"/>
+                                        </p:tgtEl>
+                                        <p:attrNameLst>
+                                          <p:attrName>style.visibility</p:attrName>
+                                        </p:attrNameLst>
+                                      </p:cBhvr>
+                                      <p:to>
+                                        <p:strVal val="visible"/>
+                                      </p:to>
+                                    </p:set>
+                                    <p:animEffect transition="in" filter="wipe(up)">
+                                      <p:cBhvr>
+                                        <p:cTn id="7" dur="1000"/>
+                                        <p:tgtEl>
+                                          <p:spTgt spid="8"/>
+                                        </p:tgtEl>
+                                      </p:cBhvr>
+                                    </p:animEffect>
+                                  </p:childTnLst>
+                                </p:cTn>
+                              </p:par>
+                            </p:childTnLst>
+                          </p:cTn>
+                        </p:par>
+                      </p:childTnLst>
+                    </p:cTn>
+                  </p:par>
+                  <p:par>
+                    <p:cTn id="8" fill="hold">
+                      <p:stCondLst>
+                        <p:cond delay="indefinite"/>
+                      </p:stCondLst>
+                      <p:childTnLst>
+                        <p:par>
+                          <p:cTn id="9" fill="hold">
+                            <p:stCondLst>
+                              <p:cond delay="0"/>
+                            </p:stCondLst>
+                            <p:childTnLst>
+                              <p:par>
+                                <p:cTn id="10" presetID="22" presetClass="entr" presetSubtype="1" fill="hold" grpId="0" nodeType="clickEffect">
+                                  <p:stCondLst>
+                                    <p:cond delay="0"/>
+                                  </p:stCondLst>
+                                  <p:childTnLst>
+                                    <p:set>
+                                      <p:cBhvr>
+                                        <p:cTn id="11" dur="1" fill="hold">
+                                          <p:stCondLst>
+                                            <p:cond delay="0"/>
+                                          </p:stCondLst>
+                                        </p:cTn>
+                                        <p:tgtEl>
+                                          <p:spTgt spid="9"/>
+                                        </p:tgtEl>
+                                        <p:attrNameLst>
+                                          <p:attrName>style.visibility</p:attrName>
+                                        </p:attrNameLst>
+                                      </p:cBhvr>
+                                      <p:to>
+                                        <p:strVal val="visible"/>
+                                      </p:to>
+                                    </p:set>
+                                    <p:animEffect transition="in" filter="wipe(up)">
+                                      <p:cBhvr>
+                                        <p:cTn id="12" dur="1000"/>
+                                        <p:tgtEl>
+                                          <p:spTgt spid="9"/>
+                                        </p:tgtEl>
+                                      </p:cBhvr>
+                                    </p:animEffect>
+                                  </p:childTnLst>
+                                </p:cTn>
+                              </p:par>
+                              <p:par>
+                                <p:cTn id="13" presetID="1" presetClass="exit" presetSubtype="0" fill="hold" grpId="1" nodeType="withEffect">
+                                  <p:stCondLst>
+                                    <p:cond delay="0"/>
+                                  </p:stCondLst>
+                                  <p:childTnLst>
+                                    <p:set>
+                                      <p:cBhvr>
+                                        <p:cTn id="14" dur="1" fill="hold">
+                                          <p:stCondLst>
+                                            <p:cond delay="0"/>
+                                          </p:stCondLst>
+                                        </p:cTn>
+                                        <p:tgtEl>
+                                          <p:spTgt spid="8"/>
+                                        </p:tgtEl>
+                                        <p:attrNameLst>
+                                          <p:attrName>style.visibility</p:attrName>
+                                        </p:attrNameLst>
+                                      </p:cBhvr>
+                                      <p:to>
+                                        <p:strVal val="hidden"/>
+                                      </p:to>
+                                    </p:set>
+                                  </p:childTnLst>
+                                </p:cTn>
+                              </p:par>
+                            </p:childTnLst>
+                          </p:cTn>
+                        </p:par>
+                      </p:childTnLst>
+                    </p:cTn>
+                  </p:par>
+                  <p:par>
+                    <p:cTn id="15" fill="hold">
+                      <p:stCondLst>
+                        <p:cond delay="indefinite"/>
+                      </p:stCondLst>
+                      <p:childTnLst>
+                        <p:par>
+                          <p:cTn id="16" fill="hold">
+                            <p:stCondLst>
+                              <p:cond delay="0"/>
+                            </p:stCondLst>
+                            <p:childTnLst>
+                              <p:par>
+                                <p:cTn id="17" presetID="22" presetClass="entr" presetSubtype="1" fill="hold" grpId="0" nodeType="clickEffect">
+                                  <p:stCondLst>
+                                    <p:cond delay="0"/>
+                                  </p:stCondLst>
+                                  <p:childTnLst>
+                                    <p:set>
+                                      <p:cBhvr>
+                                        <p:cTn id="18" dur="1" fill="hold">
+                                          <p:stCondLst>
+                                            <p:cond delay="0"/>
+                                          </p:stCondLst>
+                                        </p:cTn>
+                                        <p:tgtEl>
+                                          <p:spTgt spid="10"/>
+                                        </p:tgtEl>
+                                        <p:attrNameLst>
+                                          <p:attrName>style.visibility</p:attrName>
+                                        </p:attrNameLst>
+                                      </p:cBhvr>
+                                      <p:to>
+                                        <p:strVal val="visible"/>
+                                      </p:to>
+                                    </p:set>
+                                    <p:animEffect transition="in" filter="wipe(up)">
+                                      <p:cBhvr>
+                                        <p:cTn id="19" dur="1000"/>
+                                        <p:tgtEl>
+                                          <p:spTgt spid="10"/>
+                                        </p:tgtEl>
+                                      </p:cBhvr>
+                                    </p:animEffect>
+                                  </p:childTnLst>
+                                </p:cTn>
+                              </p:par>
+                              <p:par>
+                                <p:cTn id="20" presetID="1" presetClass="exit" presetSubtype="0" fill="hold" grpId="1" nodeType="withEffect">
+                                  <p:stCondLst>
+                                    <p:cond delay="0"/>
+                                  </p:stCondLst>
+                                  <p:childTnLst>
+                                    <p:set>
+                                      <p:cBhvr>
+                                        <p:cTn id="21" dur="1" fill="hold">
+                                          <p:stCondLst>
+                                            <p:cond delay="0"/>
+                                          </p:stCondLst>
+                                        </p:cTn>
+                                        <p:tgtEl>
+                                          <p:spTgt spid="9"/>
+                                        </p:tgtEl>
+                                        <p:attrNameLst>
+                                          <p:attrName>style.visibility</p:attrName>
+                                        </p:attrNameLst>
+                                      </p:cBhvr>
+                                      <p:to>
+                                        <p:strVal val="hidden"/>
+                                      </p:to>
+                                    </p:set>
+                                  </p:childTnLst>
+                                </p:cTn>
+                              </p:par>
+                            </p:childTnLst>
+                          </p:cTn>
+                        </p:par>
+                      </p:childTnLst>
+                    </p:cTn>
+                  </p:par>
+                </p:childTnLst>
+              </p:cTn>
+              <p:prevCondLst>
+                <p:cond evt="onPrev" delay="0">
+                  <p:tgtEl>
+                    <p:sldTgt/>
+                  </p:tgtEl>
+                </p:cond>
+              </p:prevCondLst>
+              <p:nextCondLst>
+                <p:cond evt="onNext" delay="0">
+                  <p:tgtEl>
+                    <p:sldTgt/>
+                  </p:tgtEl>
+                </p:cond>
+              </p:nextCondLst>
+            </p:seq>
+          </p:childTnLst>
+        </p:cTn>
       </p:par>
     </p:tnLst>
+    <p:bldLst>
+      <p:bldP spid="8" grpId="0" animBg="1"/>
+      <p:bldP spid="8" grpId="1" animBg="1"/>
+      <p:bldP spid="9" grpId="0" animBg="1"/>
+      <p:bldP spid="9" grpId="1" animBg="1"/>
+      <p:bldP spid="10" grpId="0" animBg="1"/>
+    </p:bldLst>
   </p:timing>
 </p:sld>
 </file>
 
-<file path=ppt/slides/slide16.xml><?xml version="1.0" encoding="utf-8"?>
+<file path=ppt/slides/slide12.xml><?xml version="1.0" encoding="utf-8"?>
 <p:sld xmlns:a="http://schemas.openxmlformats.org/drawingml/2006/main" xmlns:r="http://schemas.openxmlformats.org/officeDocument/2006/relationships" xmlns:mc="http://schemas.openxmlformats.org/markup-compatibility/2006" xmlns:mv="urn:schemas-microsoft-com:mac:vml" xmlns:p="http://schemas.openxmlformats.org/presentationml/2006/main" mc:Ignorable="mv" mc:PreserveAttributes="mv:*">
   <p:cSld>
     <p:spTree>
@@ -14394,7 +12117,7 @@
             <a:fld id="{5AEDDE57-BFB4-403C-8AD6-39A9EF93D28E}" type="slidenum">
               <a:rPr lang="en-AU" smtClean="0"/>
               <a:pPr/>
-              <a:t>16</a:t>
+              <a:t>12</a:t>
             </a:fld>
             <a:endParaRPr lang="en-AU"/>
           </a:p>
@@ -14453,7 +12176,39 @@
             </a:r>
             <a:r>
               <a:rPr lang="en-US" dirty="0" smtClean="0"/>
-              <a:t> whose outputs are proportional to the required control forces, U2, U3 or U4.</a:t>
+              <a:t> whose outputs are proportional to the required control forces, </a:t>
+            </a:r>
+            <a:r>
+              <a:rPr lang="en-US" i="1" dirty="0" smtClean="0"/>
+              <a:t>U</a:t>
+            </a:r>
+            <a:r>
+              <a:rPr lang="en-US" i="1" baseline="-25000" dirty="0" smtClean="0"/>
+              <a:t>2</a:t>
+            </a:r>
+            <a:r>
+              <a:rPr lang="en-US" i="1" dirty="0" smtClean="0"/>
+              <a:t>, U</a:t>
+            </a:r>
+            <a:r>
+              <a:rPr lang="en-US" i="1" baseline="-25000" dirty="0" smtClean="0"/>
+              <a:t>3</a:t>
+            </a:r>
+            <a:r>
+              <a:rPr lang="en-US" dirty="0" smtClean="0"/>
+              <a:t> or </a:t>
+            </a:r>
+            <a:r>
+              <a:rPr lang="en-US" i="1" dirty="0" smtClean="0"/>
+              <a:t>U</a:t>
+            </a:r>
+            <a:r>
+              <a:rPr lang="en-US" i="1" baseline="-25000" dirty="0" smtClean="0"/>
+              <a:t>4</a:t>
+            </a:r>
+            <a:r>
+              <a:rPr lang="en-US" dirty="0" smtClean="0"/>
+              <a:t>.</a:t>
             </a:r>
           </a:p>
         </p:txBody>
@@ -14508,8 +12263,8 @@
 </p:sld>
 </file>
 
-<file path=ppt/slides/slide17.xml><?xml version="1.0" encoding="utf-8"?>
-<p:sld xmlns:a="http://schemas.openxmlformats.org/drawingml/2006/main" xmlns:r="http://schemas.openxmlformats.org/officeDocument/2006/relationships" xmlns:mc="http://schemas.openxmlformats.org/markup-compatibility/2006" xmlns:mv="urn:schemas-microsoft-com:mac:vml" xmlns:p="http://schemas.openxmlformats.org/presentationml/2006/main" mc:Ignorable="mv" mc:PreserveAttributes="mv:*">
+<file path=ppt/slides/slide13.xml><?xml version="1.0" encoding="utf-8"?>
+<p:sld xmlns:a="http://schemas.openxmlformats.org/drawingml/2006/main" xmlns:r="http://schemas.openxmlformats.org/officeDocument/2006/relationships" xmlns:mc="http://schemas.openxmlformats.org/markup-compatibility/2006" xmlns:mv="urn:schemas-microsoft-com:mac:vml" xmlns:p="http://schemas.openxmlformats.org/presentationml/2006/main" mc:Ignorable="mv" mc:PreserveAttributes="mv:*" show="0">
   <p:cSld>
     <p:spTree>
       <p:nvGrpSpPr>
@@ -14568,7 +12323,7 @@
             <a:fld id="{5AEDDE57-BFB4-403C-8AD6-39A9EF93D28E}" type="slidenum">
               <a:rPr lang="en-AU" smtClean="0"/>
               <a:pPr/>
-              <a:t>17</a:t>
+              <a:t>13</a:t>
             </a:fld>
             <a:endParaRPr lang="en-AU"/>
           </a:p>
@@ -14626,22 +12381,26 @@
           <a:p>
             <a:r>
               <a:rPr lang="en-US" dirty="0" smtClean="0"/>
-              <a:t>Three Angular Loops for Attitude Control plus</a:t>
-            </a:r>
+              <a:t>Three Angular Loops for Attitude Control plus up to Three Positional control loops</a:t>
+            </a:r>
+          </a:p>
+          <a:p>
+            <a:pPr lvl="1"/>
             <a:r>
               <a:rPr lang="en-US" dirty="0" smtClean="0"/>
-              <a:t> up to Three Positional </a:t>
+              <a:t>Altitude Control with input</a:t>
             </a:r>
             <a:r>
               <a:rPr lang="en-US" dirty="0" smtClean="0"/>
-              <a:t>control loops</a:t>
-            </a:r>
-          </a:p>
-          <a:p>
-            <a:pPr lvl="1"/>
-            <a:r>
-              <a:rPr lang="en-US" dirty="0" smtClean="0"/>
-              <a:t>Altitude Control with input U1</a:t>
+              <a:t> </a:t>
+            </a:r>
+            <a:r>
+              <a:rPr lang="en-US" i="1" dirty="0" smtClean="0"/>
+              <a:t>U</a:t>
+            </a:r>
+            <a:r>
+              <a:rPr lang="en-US" i="1" baseline="-25000" dirty="0" smtClean="0"/>
+              <a:t>1</a:t>
             </a:r>
           </a:p>
           <a:p>
@@ -14711,24 +12470,15 @@
             <a:pPr lvl="1"/>
             <a:r>
               <a:rPr lang="en-US" dirty="0" smtClean="0"/>
-              <a:t>Velocity Control using pitch and roll angle </a:t>
-            </a:r>
+              <a:t>Velocity Control using pitch and roll angle bounding</a:t>
+            </a:r>
+          </a:p>
+          <a:p>
+            <a:pPr lvl="1"/>
             <a:r>
               <a:rPr lang="en-US" dirty="0" smtClean="0"/>
-              <a:t>bounding</a:t>
-            </a:r>
-          </a:p>
-          <a:p>
-            <a:pPr lvl="1"/>
-            <a:r>
-              <a:rPr lang="en-US" dirty="0" smtClean="0"/>
-              <a:t>Options to decouple position errors or treat as cross-track error problem based on heading</a:t>
-            </a:r>
-            <a:r>
-              <a:rPr lang="en-US" dirty="0" smtClean="0"/>
-              <a:t> </a:t>
-            </a:r>
-            <a:endParaRPr lang="en-US" dirty="0" smtClean="0"/>
+              <a:t>Options to decouple position errors or treat as cross-track error problem based on heading </a:t>
+            </a:r>
           </a:p>
         </p:txBody>
       </p:sp>
@@ -14737,6 +12487,7 @@
   <p:clrMapOvr>
     <a:masterClrMapping/>
   </p:clrMapOvr>
+  <p:transition/>
   <p:timing>
     <p:tnLst>
       <p:par>
@@ -14747,7 +12498,7 @@
 </p:sld>
 </file>
 
-<file path=ppt/slides/slide18.xml><?xml version="1.0" encoding="utf-8"?>
+<file path=ppt/slides/slide14.xml><?xml version="1.0" encoding="utf-8"?>
 <p:sld xmlns:a="http://schemas.openxmlformats.org/drawingml/2006/main" xmlns:r="http://schemas.openxmlformats.org/officeDocument/2006/relationships" xmlns:mc="http://schemas.openxmlformats.org/markup-compatibility/2006" xmlns:mv="urn:schemas-microsoft-com:mac:vml" xmlns:p="http://schemas.openxmlformats.org/presentationml/2006/main" mc:Ignorable="mv" mc:PreserveAttributes="mv:*">
   <p:cSld>
     <p:spTree>
@@ -14809,7 +12560,7 @@
             <a:fld id="{5AEDDE57-BFB4-403C-8AD6-39A9EF93D28E}" type="slidenum">
               <a:rPr lang="en-AU" smtClean="0"/>
               <a:pPr/>
-              <a:t>18</a:t>
+              <a:t>14</a:t>
             </a:fld>
             <a:endParaRPr lang="en-AU"/>
           </a:p>
@@ -14920,453 +12671,7 @@
 </file>
 
 <file path=ppt/slides/slide2.xml><?xml version="1.0" encoding="utf-8"?>
-<p:sld xmlns:a="http://schemas.openxmlformats.org/drawingml/2006/main" xmlns:r="http://schemas.openxmlformats.org/officeDocument/2006/relationships" xmlns:mc="http://schemas.openxmlformats.org/markup-compatibility/2006" xmlns:mv="urn:schemas-microsoft-com:mac:vml" xmlns:p="http://schemas.openxmlformats.org/presentationml/2006/main" mc:Ignorable="mv" mc:PreserveAttributes="mv:*">
-  <p:cSld>
-    <p:spTree>
-      <p:nvGrpSpPr>
-        <p:cNvPr id="1" name=""/>
-        <p:cNvGrpSpPr/>
-        <p:nvPr/>
-      </p:nvGrpSpPr>
-      <p:grpSpPr>
-        <a:xfrm>
-          <a:off x="0" y="0"/>
-          <a:ext cx="0" cy="0"/>
-          <a:chOff x="0" y="0"/>
-          <a:chExt cx="0" cy="0"/>
-        </a:xfrm>
-      </p:grpSpPr>
-      <p:sp>
-        <p:nvSpPr>
-          <p:cNvPr id="2" name="Title 1"/>
-          <p:cNvSpPr>
-            <a:spLocks noGrp="1"/>
-          </p:cNvSpPr>
-          <p:nvPr>
-            <p:ph type="title"/>
-          </p:nvPr>
-        </p:nvSpPr>
-        <p:spPr/>
-        <p:txBody>
-          <a:bodyPr/>
-          <a:lstStyle/>
-          <a:p>
-            <a:pPr algn="ctr"/>
-            <a:r>
-              <a:rPr lang="en-AU" dirty="0" smtClean="0">
-                <a:effectLst>
-                  <a:reflection blurRad="6350" stA="55000" endA="300" endPos="45500" dir="5400000" sy="-100000" algn="bl" rotWithShape="0"/>
-                </a:effectLst>
-              </a:rPr>
-              <a:t>Contents</a:t>
-            </a:r>
-            <a:endParaRPr lang="en-AU" dirty="0">
-              <a:effectLst>
-                <a:reflection blurRad="6350" stA="55000" endA="300" endPos="45500" dir="5400000" sy="-100000" algn="bl" rotWithShape="0"/>
-              </a:effectLst>
-            </a:endParaRPr>
-          </a:p>
-        </p:txBody>
-      </p:sp>
-      <p:sp>
-        <p:nvSpPr>
-          <p:cNvPr id="3" name="Content Placeholder 2"/>
-          <p:cNvSpPr>
-            <a:spLocks noGrp="1"/>
-          </p:cNvSpPr>
-          <p:nvPr>
-            <p:ph idx="1"/>
-          </p:nvPr>
-        </p:nvSpPr>
-        <p:spPr>
-          <a:xfrm>
-            <a:off x="928662" y="1500174"/>
-            <a:ext cx="7772400" cy="4572000"/>
-          </a:xfrm>
-        </p:spPr>
-        <p:txBody>
-          <a:bodyPr>
-            <a:normAutofit/>
-          </a:bodyPr>
-          <a:lstStyle/>
-          <a:p>
-            <a:endParaRPr lang="en-AU" dirty="0" smtClean="0"/>
-          </a:p>
-        </p:txBody>
-      </p:sp>
-      <p:sp>
-        <p:nvSpPr>
-          <p:cNvPr id="4" name="Slide Number Placeholder 3"/>
-          <p:cNvSpPr>
-            <a:spLocks noGrp="1"/>
-          </p:cNvSpPr>
-          <p:nvPr>
-            <p:ph type="sldNum" sz="quarter" idx="12"/>
-          </p:nvPr>
-        </p:nvSpPr>
-        <p:spPr/>
-        <p:txBody>
-          <a:bodyPr>
-            <a:normAutofit fontScale="85000" lnSpcReduction="20000"/>
-          </a:bodyPr>
-          <a:lstStyle/>
-          <a:p>
-            <a:fld id="{5AEDDE57-BFB4-403C-8AD6-39A9EF93D28E}" type="slidenum">
-              <a:rPr lang="en-AU" smtClean="0"/>
-              <a:pPr/>
-              <a:t>2</a:t>
-            </a:fld>
-            <a:endParaRPr lang="en-AU" dirty="0"/>
-          </a:p>
-        </p:txBody>
-      </p:sp>
-    </p:spTree>
-  </p:cSld>
-  <p:clrMapOvr>
-    <a:masterClrMapping/>
-  </p:clrMapOvr>
-  <p:timing>
-    <p:tnLst>
-      <p:par>
-        <p:cTn id="1" dur="indefinite" restart="never" nodeType="tmRoot"/>
-      </p:par>
-    </p:tnLst>
-  </p:timing>
-</p:sld>
-</file>
-
-<file path=ppt/slides/slide3.xml><?xml version="1.0" encoding="utf-8"?>
-<p:sld xmlns:a="http://schemas.openxmlformats.org/drawingml/2006/main" xmlns:r="http://schemas.openxmlformats.org/officeDocument/2006/relationships" xmlns:mc="http://schemas.openxmlformats.org/markup-compatibility/2006" xmlns:mv="urn:schemas-microsoft-com:mac:vml" xmlns:p="http://schemas.openxmlformats.org/presentationml/2006/main" mc:Ignorable="mv" mc:PreserveAttributes="mv:*">
-  <p:cSld>
-    <p:spTree>
-      <p:nvGrpSpPr>
-        <p:cNvPr id="1" name=""/>
-        <p:cNvGrpSpPr/>
-        <p:nvPr/>
-      </p:nvGrpSpPr>
-      <p:grpSpPr>
-        <a:xfrm>
-          <a:off x="0" y="0"/>
-          <a:ext cx="0" cy="0"/>
-          <a:chOff x="0" y="0"/>
-          <a:chExt cx="0" cy="0"/>
-        </a:xfrm>
-      </p:grpSpPr>
-      <p:sp>
-        <p:nvSpPr>
-          <p:cNvPr id="2" name="Title 1"/>
-          <p:cNvSpPr>
-            <a:spLocks noGrp="1"/>
-          </p:cNvSpPr>
-          <p:nvPr>
-            <p:ph type="title"/>
-          </p:nvPr>
-        </p:nvSpPr>
-        <p:spPr/>
-        <p:txBody>
-          <a:bodyPr/>
-          <a:lstStyle/>
-          <a:p>
-            <a:pPr algn="ctr"/>
-            <a:r>
-              <a:rPr lang="en-AU" dirty="0" smtClean="0">
-                <a:effectLst>
-                  <a:reflection blurRad="6350" stA="55000" endA="300" endPos="45500" dir="5400000" sy="-100000" algn="bl" rotWithShape="0"/>
-                </a:effectLst>
-              </a:rPr>
-              <a:t>Introduction to AHNS 2010</a:t>
-            </a:r>
-            <a:endParaRPr lang="en-AU" dirty="0">
-              <a:effectLst>
-                <a:reflection blurRad="6350" stA="55000" endA="300" endPos="45500" dir="5400000" sy="-100000" algn="bl" rotWithShape="0"/>
-              </a:effectLst>
-            </a:endParaRPr>
-          </a:p>
-        </p:txBody>
-      </p:sp>
-      <p:sp>
-        <p:nvSpPr>
-          <p:cNvPr id="5" name="Slide Number Placeholder 4"/>
-          <p:cNvSpPr>
-            <a:spLocks noGrp="1"/>
-          </p:cNvSpPr>
-          <p:nvPr>
-            <p:ph type="sldNum" sz="quarter" idx="12"/>
-          </p:nvPr>
-        </p:nvSpPr>
-        <p:spPr/>
-        <p:txBody>
-          <a:bodyPr>
-            <a:normAutofit fontScale="85000" lnSpcReduction="20000"/>
-          </a:bodyPr>
-          <a:lstStyle/>
-          <a:p>
-            <a:fld id="{5AEDDE57-BFB4-403C-8AD6-39A9EF93D28E}" type="slidenum">
-              <a:rPr lang="en-AU" smtClean="0"/>
-              <a:pPr/>
-              <a:t>3</a:t>
-            </a:fld>
-            <a:endParaRPr lang="en-AU" dirty="0"/>
-          </a:p>
-        </p:txBody>
-      </p:sp>
-      <p:sp>
-        <p:nvSpPr>
-          <p:cNvPr id="6" name="Content Placeholder 5"/>
-          <p:cNvSpPr>
-            <a:spLocks noGrp="1"/>
-          </p:cNvSpPr>
-          <p:nvPr>
-            <p:ph sz="quarter" idx="1"/>
-          </p:nvPr>
-        </p:nvSpPr>
-        <p:spPr/>
-        <p:txBody>
-          <a:bodyPr/>
-          <a:lstStyle/>
-          <a:p>
-            <a:endParaRPr lang="en-AU" dirty="0"/>
-          </a:p>
-        </p:txBody>
-      </p:sp>
-    </p:spTree>
-  </p:cSld>
-  <p:clrMapOvr>
-    <a:masterClrMapping/>
-  </p:clrMapOvr>
-  <p:timing>
-    <p:tnLst>
-      <p:par>
-        <p:cTn id="1" dur="indefinite" restart="never" nodeType="tmRoot"/>
-      </p:par>
-    </p:tnLst>
-  </p:timing>
-</p:sld>
-</file>
-
-<file path=ppt/slides/slide4.xml><?xml version="1.0" encoding="utf-8"?>
-<p:sld xmlns:a="http://schemas.openxmlformats.org/drawingml/2006/main" xmlns:r="http://schemas.openxmlformats.org/officeDocument/2006/relationships" xmlns:mc="http://schemas.openxmlformats.org/markup-compatibility/2006" xmlns:mv="urn:schemas-microsoft-com:mac:vml" xmlns:p="http://schemas.openxmlformats.org/presentationml/2006/main" mc:Ignorable="mv" mc:PreserveAttributes="mv:*">
-  <p:cSld>
-    <p:spTree>
-      <p:nvGrpSpPr>
-        <p:cNvPr id="1" name=""/>
-        <p:cNvGrpSpPr/>
-        <p:nvPr/>
-      </p:nvGrpSpPr>
-      <p:grpSpPr>
-        <a:xfrm>
-          <a:off x="0" y="0"/>
-          <a:ext cx="0" cy="0"/>
-          <a:chOff x="0" y="0"/>
-          <a:chExt cx="0" cy="0"/>
-        </a:xfrm>
-      </p:grpSpPr>
-      <p:sp>
-        <p:nvSpPr>
-          <p:cNvPr id="2" name="Title 1"/>
-          <p:cNvSpPr>
-            <a:spLocks noGrp="1"/>
-          </p:cNvSpPr>
-          <p:nvPr>
-            <p:ph type="title"/>
-          </p:nvPr>
-        </p:nvSpPr>
-        <p:spPr/>
-        <p:txBody>
-          <a:bodyPr/>
-          <a:lstStyle/>
-          <a:p>
-            <a:pPr algn="ctr"/>
-            <a:r>
-              <a:rPr lang="en-AU" dirty="0" smtClean="0">
-                <a:effectLst>
-                  <a:reflection blurRad="6350" stA="55000" endA="300" endPos="45500" dir="5400000" sy="-100000" algn="bl" rotWithShape="0"/>
-                </a:effectLst>
-              </a:rPr>
-              <a:t>AHNS Project Aim</a:t>
-            </a:r>
-            <a:endParaRPr lang="en-AU" dirty="0">
-              <a:effectLst>
-                <a:reflection blurRad="6350" stA="55000" endA="300" endPos="45500" dir="5400000" sy="-100000" algn="bl" rotWithShape="0"/>
-              </a:effectLst>
-            </a:endParaRPr>
-          </a:p>
-        </p:txBody>
-      </p:sp>
-      <p:sp>
-        <p:nvSpPr>
-          <p:cNvPr id="3" name="Content Placeholder 2"/>
-          <p:cNvSpPr>
-            <a:spLocks noGrp="1"/>
-          </p:cNvSpPr>
-          <p:nvPr>
-            <p:ph idx="1"/>
-          </p:nvPr>
-        </p:nvSpPr>
-        <p:spPr/>
-        <p:txBody>
-          <a:bodyPr/>
-          <a:lstStyle/>
-          <a:p>
-            <a:r>
-              <a:rPr lang="en-AU" dirty="0" smtClean="0"/>
-              <a:t>AHNS: To develop an autonomous indoor helicopter navigation system capable of carrying a payload.</a:t>
-            </a:r>
-          </a:p>
-          <a:p>
-            <a:endParaRPr lang="en-AU" dirty="0" smtClean="0"/>
-          </a:p>
-          <a:p>
-            <a:endParaRPr lang="en-AU" dirty="0" smtClean="0"/>
-          </a:p>
-        </p:txBody>
-      </p:sp>
-      <p:sp>
-        <p:nvSpPr>
-          <p:cNvPr id="4" name="Slide Number Placeholder 3"/>
-          <p:cNvSpPr>
-            <a:spLocks noGrp="1"/>
-          </p:cNvSpPr>
-          <p:nvPr>
-            <p:ph type="sldNum" sz="quarter" idx="12"/>
-          </p:nvPr>
-        </p:nvSpPr>
-        <p:spPr/>
-        <p:txBody>
-          <a:bodyPr>
-            <a:normAutofit fontScale="85000" lnSpcReduction="20000"/>
-          </a:bodyPr>
-          <a:lstStyle/>
-          <a:p>
-            <a:fld id="{5AEDDE57-BFB4-403C-8AD6-39A9EF93D28E}" type="slidenum">
-              <a:rPr lang="en-AU" smtClean="0"/>
-              <a:pPr/>
-              <a:t>4</a:t>
-            </a:fld>
-            <a:endParaRPr lang="en-AU" dirty="0"/>
-          </a:p>
-        </p:txBody>
-      </p:sp>
-      <p:sp>
-        <p:nvSpPr>
-          <p:cNvPr id="6" name="Footer Placeholder 5"/>
-          <p:cNvSpPr>
-            <a:spLocks noGrp="1"/>
-          </p:cNvSpPr>
-          <p:nvPr>
-            <p:ph type="ftr" sz="quarter" idx="11"/>
-          </p:nvPr>
-        </p:nvSpPr>
-        <p:spPr/>
-        <p:txBody>
-          <a:bodyPr/>
-          <a:lstStyle/>
-          <a:p>
-            <a:r>
-              <a:rPr lang="en-AU" dirty="0" smtClean="0"/>
-              <a:t>Saad Khan</a:t>
-            </a:r>
-            <a:endParaRPr lang="en-AU" dirty="0"/>
-          </a:p>
-        </p:txBody>
-      </p:sp>
-    </p:spTree>
-  </p:cSld>
-  <p:clrMapOvr>
-    <a:masterClrMapping/>
-  </p:clrMapOvr>
-  <p:timing>
-    <p:tnLst>
-      <p:par>
-        <p:cTn id="1" dur="indefinite" restart="never" nodeType="tmRoot"/>
-      </p:par>
-    </p:tnLst>
-  </p:timing>
-</p:sld>
-</file>
-
-<file path=ppt/slides/slide5.xml><?xml version="1.0" encoding="utf-8"?>
-<p:sld xmlns:a="http://schemas.openxmlformats.org/drawingml/2006/main" xmlns:r="http://schemas.openxmlformats.org/officeDocument/2006/relationships" xmlns:mc="http://schemas.openxmlformats.org/markup-compatibility/2006" xmlns:mv="urn:schemas-microsoft-com:mac:vml" xmlns:p="http://schemas.openxmlformats.org/presentationml/2006/main" mc:Ignorable="mv" mc:PreserveAttributes="mv:*">
-  <p:cSld>
-    <p:spTree>
-      <p:nvGrpSpPr>
-        <p:cNvPr id="1" name=""/>
-        <p:cNvGrpSpPr/>
-        <p:nvPr/>
-      </p:nvGrpSpPr>
-      <p:grpSpPr>
-        <a:xfrm>
-          <a:off x="0" y="0"/>
-          <a:ext cx="0" cy="0"/>
-          <a:chOff x="0" y="0"/>
-          <a:chExt cx="0" cy="0"/>
-        </a:xfrm>
-      </p:grpSpPr>
-      <p:sp>
-        <p:nvSpPr>
-          <p:cNvPr id="2" name="Title 1"/>
-          <p:cNvSpPr>
-            <a:spLocks noGrp="1"/>
-          </p:cNvSpPr>
-          <p:nvPr>
-            <p:ph type="ctrTitle"/>
-          </p:nvPr>
-        </p:nvSpPr>
-        <p:spPr/>
-        <p:txBody>
-          <a:bodyPr>
-            <a:normAutofit fontScale="90000"/>
-          </a:bodyPr>
-          <a:lstStyle/>
-          <a:p>
-            <a:r>
-              <a:rPr lang="en-AU" dirty="0" smtClean="0"/>
-              <a:t>Ground Control Station &amp; Flight control</a:t>
-            </a:r>
-            <a:endParaRPr lang="en-US" dirty="0"/>
-          </a:p>
-        </p:txBody>
-      </p:sp>
-      <p:sp>
-        <p:nvSpPr>
-          <p:cNvPr id="3" name="Subtitle 2"/>
-          <p:cNvSpPr>
-            <a:spLocks noGrp="1"/>
-          </p:cNvSpPr>
-          <p:nvPr>
-            <p:ph type="subTitle" idx="1"/>
-          </p:nvPr>
-        </p:nvSpPr>
-        <p:spPr/>
-        <p:txBody>
-          <a:bodyPr/>
-          <a:lstStyle/>
-          <a:p>
-            <a:r>
-              <a:rPr lang="en-AU" dirty="0" smtClean="0"/>
-              <a:t>Tim Molloy</a:t>
-            </a:r>
-            <a:endParaRPr lang="en-US" dirty="0"/>
-          </a:p>
-        </p:txBody>
-      </p:sp>
-    </p:spTree>
-  </p:cSld>
-  <p:clrMapOvr>
-    <a:masterClrMapping/>
-  </p:clrMapOvr>
-  <p:timing>
-    <p:tnLst>
-      <p:par>
-        <p:cTn id="1" dur="indefinite" restart="never" nodeType="tmRoot"/>
-      </p:par>
-    </p:tnLst>
-  </p:timing>
-</p:sld>
-</file>
-
-<file path=ppt/slides/slide6.xml><?xml version="1.0" encoding="utf-8"?>
-<p:sld xmlns:a="http://schemas.openxmlformats.org/drawingml/2006/main" xmlns:r="http://schemas.openxmlformats.org/officeDocument/2006/relationships" xmlns:mc="http://schemas.openxmlformats.org/markup-compatibility/2006" xmlns:mv="urn:schemas-microsoft-com:mac:vml" xmlns:p="http://schemas.openxmlformats.org/presentationml/2006/main" mc:Ignorable="mv" mc:PreserveAttributes="mv:*">
+<p:sld xmlns:a="http://schemas.openxmlformats.org/drawingml/2006/main" xmlns:r="http://schemas.openxmlformats.org/officeDocument/2006/relationships" xmlns:mc="http://schemas.openxmlformats.org/markup-compatibility/2006" xmlns:mv="urn:schemas-microsoft-com:mac:vml" xmlns:p="http://schemas.openxmlformats.org/presentationml/2006/main" mc:Ignorable="mv" mc:PreserveAttributes="mv:*" show="0">
   <p:cSld>
     <p:spTree>
       <p:nvGrpSpPr>
@@ -15453,7 +12758,7 @@
             <a:fld id="{5AEDDE57-BFB4-403C-8AD6-39A9EF93D28E}" type="slidenum">
               <a:rPr lang="en-AU" smtClean="0"/>
               <a:pPr/>
-              <a:t>6</a:t>
+              <a:t>2</a:t>
             </a:fld>
             <a:endParaRPr lang="en-AU"/>
           </a:p>
@@ -15518,6 +12823,7 @@
   <p:clrMapOvr>
     <a:masterClrMapping/>
   </p:clrMapOvr>
+  <p:transition/>
   <p:timing>
     <p:tnLst>
       <p:par>
@@ -15528,7 +12834,7 @@
 </p:sld>
 </file>
 
-<file path=ppt/slides/slide7.xml><?xml version="1.0" encoding="utf-8"?>
+<file path=ppt/slides/slide3.xml><?xml version="1.0" encoding="utf-8"?>
 <p:sld xmlns:a="http://schemas.openxmlformats.org/drawingml/2006/main" xmlns:r="http://schemas.openxmlformats.org/officeDocument/2006/relationships" xmlns:mc="http://schemas.openxmlformats.org/markup-compatibility/2006" xmlns:mv="urn:schemas-microsoft-com:mac:vml" xmlns:p="http://schemas.openxmlformats.org/presentationml/2006/main" mc:Ignorable="mv" mc:PreserveAttributes="mv:*">
   <p:cSld>
     <p:spTree>
@@ -15588,7 +12894,7 @@
             <a:fld id="{5AEDDE57-BFB4-403C-8AD6-39A9EF93D28E}" type="slidenum">
               <a:rPr lang="en-AU" smtClean="0"/>
               <a:pPr/>
-              <a:t>7</a:t>
+              <a:t>3</a:t>
             </a:fld>
             <a:endParaRPr lang="en-AU" dirty="0"/>
           </a:p>
@@ -17117,7 +14423,7 @@
 </p:sld>
 </file>
 
-<file path=ppt/slides/slide8.xml><?xml version="1.0" encoding="utf-8"?>
+<file path=ppt/slides/slide4.xml><?xml version="1.0" encoding="utf-8"?>
 <p:sld xmlns:a="http://schemas.openxmlformats.org/drawingml/2006/main" xmlns:r="http://schemas.openxmlformats.org/officeDocument/2006/relationships" xmlns:mc="http://schemas.openxmlformats.org/markup-compatibility/2006" xmlns:mv="urn:schemas-microsoft-com:mac:vml" xmlns:p="http://schemas.openxmlformats.org/presentationml/2006/main" mc:Ignorable="mv" mc:PreserveAttributes="mv:*">
   <p:cSld>
     <p:spTree>
@@ -17205,7 +14511,7 @@
             <a:fld id="{5AEDDE57-BFB4-403C-8AD6-39A9EF93D28E}" type="slidenum">
               <a:rPr lang="en-AU" smtClean="0"/>
               <a:pPr/>
-              <a:t>8</a:t>
+              <a:t>4</a:t>
             </a:fld>
             <a:endParaRPr lang="en-AU" dirty="0"/>
           </a:p>
@@ -17322,7 +14628,7 @@
         </p:blipFill>
         <p:spPr>
           <a:xfrm>
-            <a:off x="304800" y="1371600"/>
+            <a:off x="489525" y="1507918"/>
             <a:ext cx="8654475" cy="5350082"/>
           </a:xfrm>
           <a:prstGeom prst="rect">
@@ -17431,7 +14737,7 @@
 </p:sld>
 </file>
 
-<file path=ppt/slides/slide9.xml><?xml version="1.0" encoding="utf-8"?>
+<file path=ppt/slides/slide5.xml><?xml version="1.0" encoding="utf-8"?>
 <p:sld xmlns:a="http://schemas.openxmlformats.org/drawingml/2006/main" xmlns:r="http://schemas.openxmlformats.org/officeDocument/2006/relationships" xmlns:mc="http://schemas.openxmlformats.org/markup-compatibility/2006" xmlns:mv="urn:schemas-microsoft-com:mac:vml" xmlns:p="http://schemas.openxmlformats.org/presentationml/2006/main" mc:Ignorable="mv" mc:PreserveAttributes="mv:*">
   <p:cSld>
     <p:spTree>
@@ -17491,7 +14797,7 @@
             <a:fld id="{5AEDDE57-BFB4-403C-8AD6-39A9EF93D28E}" type="slidenum">
               <a:rPr lang="en-AU" smtClean="0"/>
               <a:pPr/>
-              <a:t>9</a:t>
+              <a:t>5</a:t>
             </a:fld>
             <a:endParaRPr lang="en-AU" dirty="0"/>
           </a:p>
@@ -17540,7 +14846,11 @@
           <a:p>
             <a:r>
               <a:rPr lang="en-US" dirty="0" smtClean="0"/>
-              <a:t>Received Console</a:t>
+              <a:t>Received </a:t>
+            </a:r>
+            <a:r>
+              <a:rPr lang="en-US" dirty="0" smtClean="0"/>
+              <a:t>Console</a:t>
             </a:r>
           </a:p>
           <a:p>
@@ -17887,6 +15197,2232 @@
             </p:seq>
           </p:childTnLst>
         </p:cTn>
+      </p:par>
+    </p:tnLst>
+  </p:timing>
+</p:sld>
+</file>
+
+<file path=ppt/slides/slide6.xml><?xml version="1.0" encoding="utf-8"?>
+<p:sld xmlns:a="http://schemas.openxmlformats.org/drawingml/2006/main" xmlns:r="http://schemas.openxmlformats.org/officeDocument/2006/relationships" xmlns:mc="http://schemas.openxmlformats.org/markup-compatibility/2006" xmlns:mv="urn:schemas-microsoft-com:mac:vml" xmlns:p="http://schemas.openxmlformats.org/presentationml/2006/main" mc:Ignorable="mv" mc:PreserveAttributes="mv:*">
+  <p:cSld>
+    <p:spTree>
+      <p:nvGrpSpPr>
+        <p:cNvPr id="1" name=""/>
+        <p:cNvGrpSpPr/>
+        <p:nvPr/>
+      </p:nvGrpSpPr>
+      <p:grpSpPr>
+        <a:xfrm>
+          <a:off x="0" y="0"/>
+          <a:ext cx="0" cy="0"/>
+          <a:chOff x="0" y="0"/>
+          <a:chExt cx="0" cy="0"/>
+        </a:xfrm>
+      </p:grpSpPr>
+      <p:sp>
+        <p:nvSpPr>
+          <p:cNvPr id="2" name="Title 1"/>
+          <p:cNvSpPr>
+            <a:spLocks noGrp="1"/>
+          </p:cNvSpPr>
+          <p:nvPr>
+            <p:ph type="title"/>
+          </p:nvPr>
+        </p:nvSpPr>
+        <p:spPr/>
+        <p:txBody>
+          <a:bodyPr/>
+          <a:lstStyle/>
+          <a:p>
+            <a:r>
+              <a:rPr lang="en-US" dirty="0" smtClean="0"/>
+              <a:t>Data Plotters &amp; Artificial Horizon</a:t>
+            </a:r>
+            <a:endParaRPr lang="en-US" dirty="0"/>
+          </a:p>
+        </p:txBody>
+      </p:sp>
+      <p:sp>
+        <p:nvSpPr>
+          <p:cNvPr id="3" name="Slide Number Placeholder 2"/>
+          <p:cNvSpPr>
+            <a:spLocks noGrp="1"/>
+          </p:cNvSpPr>
+          <p:nvPr>
+            <p:ph type="sldNum" sz="quarter" idx="12"/>
+          </p:nvPr>
+        </p:nvSpPr>
+        <p:spPr/>
+        <p:txBody>
+          <a:bodyPr>
+            <a:normAutofit fontScale="85000" lnSpcReduction="20000"/>
+          </a:bodyPr>
+          <a:lstStyle/>
+          <a:p>
+            <a:fld id="{5AEDDE57-BFB4-403C-8AD6-39A9EF93D28E}" type="slidenum">
+              <a:rPr lang="en-AU" smtClean="0"/>
+              <a:pPr/>
+              <a:t>6</a:t>
+            </a:fld>
+            <a:endParaRPr lang="en-AU" dirty="0"/>
+          </a:p>
+        </p:txBody>
+      </p:sp>
+      <p:sp>
+        <p:nvSpPr>
+          <p:cNvPr id="4" name="Content Placeholder 3"/>
+          <p:cNvSpPr>
+            <a:spLocks noGrp="1"/>
+          </p:cNvSpPr>
+          <p:nvPr>
+            <p:ph sz="quarter" idx="1"/>
+          </p:nvPr>
+        </p:nvSpPr>
+        <p:spPr/>
+        <p:txBody>
+          <a:bodyPr>
+            <a:normAutofit/>
+          </a:bodyPr>
+          <a:lstStyle/>
+          <a:p>
+            <a:r>
+              <a:rPr lang="en-US" dirty="0" smtClean="0"/>
+              <a:t>Artificial Horizon</a:t>
+            </a:r>
+          </a:p>
+          <a:p>
+            <a:pPr lvl="1"/>
+            <a:r>
+              <a:rPr lang="en-US" dirty="0" smtClean="0"/>
+              <a:t>2009 OpenGL Attitude Display</a:t>
+            </a:r>
+          </a:p>
+          <a:p>
+            <a:pPr lvl="1"/>
+            <a:r>
+              <a:rPr lang="en-US" dirty="0" smtClean="0"/>
+              <a:t>Roll and Pitch</a:t>
+            </a:r>
+          </a:p>
+          <a:p>
+            <a:r>
+              <a:rPr lang="en-US" dirty="0" smtClean="0"/>
+              <a:t>Data Plotter</a:t>
+            </a:r>
+          </a:p>
+          <a:p>
+            <a:pPr lvl="1"/>
+            <a:r>
+              <a:rPr lang="en-US" dirty="0" smtClean="0"/>
+              <a:t>Real-time data plotting</a:t>
+            </a:r>
+          </a:p>
+          <a:p>
+            <a:pPr lvl="1"/>
+            <a:r>
+              <a:rPr lang="en-US" dirty="0" smtClean="0"/>
+              <a:t>Raw Sensor Data, State Data,</a:t>
+            </a:r>
+            <a:br>
+              <a:rPr lang="en-US" dirty="0" smtClean="0"/>
+            </a:br>
+            <a:r>
+              <a:rPr lang="en-US" dirty="0" smtClean="0"/>
+              <a:t> Control Data, System Status…</a:t>
+            </a:r>
+          </a:p>
+          <a:p>
+            <a:pPr lvl="1"/>
+            <a:r>
+              <a:rPr lang="en-US" dirty="0" smtClean="0"/>
+              <a:t>Support for multiple</a:t>
+            </a:r>
+            <a:br>
+              <a:rPr lang="en-US" dirty="0" smtClean="0"/>
+            </a:br>
+            <a:r>
+              <a:rPr lang="en-US" dirty="0" smtClean="0"/>
+              <a:t>data plotters</a:t>
+            </a:r>
+          </a:p>
+        </p:txBody>
+      </p:sp>
+      <p:pic>
+        <p:nvPicPr>
+          <p:cNvPr id="5" name="Picture 4" descr="GCS_Screenshot.png"/>
+          <p:cNvPicPr>
+            <a:picLocks noChangeAspect="1"/>
+          </p:cNvPicPr>
+          <p:nvPr/>
+        </p:nvPicPr>
+        <p:blipFill>
+          <a:blip r:embed="rId2"/>
+          <a:srcRect l="57031" t="4237" r="13459" b="27966"/>
+          <a:stretch>
+            <a:fillRect/>
+          </a:stretch>
+        </p:blipFill>
+        <p:spPr>
+          <a:xfrm>
+            <a:off x="5448300" y="3276600"/>
+            <a:ext cx="3695700" cy="3032369"/>
+          </a:xfrm>
+          <a:prstGeom prst="rect">
+            <a:avLst/>
+          </a:prstGeom>
+          <a:ln>
+            <a:noFill/>
+          </a:ln>
+          <a:effectLst>
+            <a:outerShdw blurRad="292100" dist="139700" dir="2700000" algn="tl" rotWithShape="0">
+              <a:srgbClr val="333333">
+                <a:alpha val="65000"/>
+              </a:srgbClr>
+            </a:outerShdw>
+          </a:effectLst>
+        </p:spPr>
+      </p:pic>
+      <p:pic>
+        <p:nvPicPr>
+          <p:cNvPr id="6" name="Picture 5" descr="GCS_Screenshot.png"/>
+          <p:cNvPicPr>
+            <a:picLocks noChangeAspect="1"/>
+          </p:cNvPicPr>
+          <p:nvPr/>
+        </p:nvPicPr>
+        <p:blipFill>
+          <a:blip r:embed="rId2"/>
+          <a:srcRect l="86759" t="4237" b="70339"/>
+          <a:stretch>
+            <a:fillRect/>
+          </a:stretch>
+        </p:blipFill>
+        <p:spPr>
+          <a:xfrm>
+            <a:off x="6477000" y="1371600"/>
+            <a:ext cx="2667000" cy="1828800"/>
+          </a:xfrm>
+          <a:prstGeom prst="rect">
+            <a:avLst/>
+          </a:prstGeom>
+          <a:ln>
+            <a:noFill/>
+          </a:ln>
+          <a:effectLst>
+            <a:outerShdw blurRad="292100" dist="139700" dir="2700000" algn="tl" rotWithShape="0">
+              <a:srgbClr val="333333">
+                <a:alpha val="65000"/>
+              </a:srgbClr>
+            </a:outerShdw>
+          </a:effectLst>
+        </p:spPr>
+      </p:pic>
+      <p:sp>
+        <p:nvSpPr>
+          <p:cNvPr id="7" name="Footer Placeholder 5"/>
+          <p:cNvSpPr>
+            <a:spLocks noGrp="1"/>
+          </p:cNvSpPr>
+          <p:nvPr>
+            <p:ph type="ftr" sz="quarter" idx="11"/>
+          </p:nvPr>
+        </p:nvSpPr>
+        <p:spPr>
+          <a:xfrm>
+            <a:off x="609600" y="6248206"/>
+            <a:ext cx="5421083" cy="365125"/>
+          </a:xfrm>
+        </p:spPr>
+        <p:txBody>
+          <a:bodyPr/>
+          <a:lstStyle/>
+          <a:p>
+            <a:r>
+              <a:rPr lang="en-AU" dirty="0" smtClean="0"/>
+              <a:t>Tim Molloy</a:t>
+            </a:r>
+            <a:endParaRPr lang="en-AU" dirty="0"/>
+          </a:p>
+        </p:txBody>
+      </p:sp>
+    </p:spTree>
+  </p:cSld>
+  <p:clrMapOvr>
+    <a:masterClrMapping/>
+  </p:clrMapOvr>
+  <p:timing>
+    <p:tnLst>
+      <p:par>
+        <p:cTn id="1" dur="indefinite" restart="never" nodeType="tmRoot">
+          <p:childTnLst>
+            <p:seq concurrent="1" nextAc="seek">
+              <p:cTn id="2" dur="indefinite" nodeType="mainSeq">
+                <p:childTnLst>
+                  <p:par>
+                    <p:cTn id="3" fill="hold">
+                      <p:stCondLst>
+                        <p:cond delay="indefinite"/>
+                      </p:stCondLst>
+                      <p:childTnLst>
+                        <p:par>
+                          <p:cTn id="4" fill="hold">
+                            <p:stCondLst>
+                              <p:cond delay="0"/>
+                            </p:stCondLst>
+                            <p:childTnLst>
+                              <p:par>
+                                <p:cTn id="5" presetID="10" presetClass="entr" presetSubtype="0" fill="hold" nodeType="clickEffect">
+                                  <p:stCondLst>
+                                    <p:cond delay="0"/>
+                                  </p:stCondLst>
+                                  <p:childTnLst>
+                                    <p:set>
+                                      <p:cBhvr>
+                                        <p:cTn id="6" dur="1" fill="hold">
+                                          <p:stCondLst>
+                                            <p:cond delay="0"/>
+                                          </p:stCondLst>
+                                        </p:cTn>
+                                        <p:tgtEl>
+                                          <p:spTgt spid="6"/>
+                                        </p:tgtEl>
+                                        <p:attrNameLst>
+                                          <p:attrName>style.visibility</p:attrName>
+                                        </p:attrNameLst>
+                                      </p:cBhvr>
+                                      <p:to>
+                                        <p:strVal val="visible"/>
+                                      </p:to>
+                                    </p:set>
+                                    <p:animEffect transition="in" filter="fade">
+                                      <p:cBhvr>
+                                        <p:cTn id="7" dur="1000"/>
+                                        <p:tgtEl>
+                                          <p:spTgt spid="6"/>
+                                        </p:tgtEl>
+                                      </p:cBhvr>
+                                    </p:animEffect>
+                                  </p:childTnLst>
+                                </p:cTn>
+                              </p:par>
+                            </p:childTnLst>
+                          </p:cTn>
+                        </p:par>
+                      </p:childTnLst>
+                    </p:cTn>
+                  </p:par>
+                  <p:par>
+                    <p:cTn id="8" fill="hold">
+                      <p:stCondLst>
+                        <p:cond delay="indefinite"/>
+                      </p:stCondLst>
+                      <p:childTnLst>
+                        <p:par>
+                          <p:cTn id="9" fill="hold">
+                            <p:stCondLst>
+                              <p:cond delay="0"/>
+                            </p:stCondLst>
+                            <p:childTnLst>
+                              <p:par>
+                                <p:cTn id="10" presetID="10" presetClass="entr" presetSubtype="0" fill="hold" nodeType="clickEffect">
+                                  <p:stCondLst>
+                                    <p:cond delay="0"/>
+                                  </p:stCondLst>
+                                  <p:childTnLst>
+                                    <p:set>
+                                      <p:cBhvr>
+                                        <p:cTn id="11" dur="1" fill="hold">
+                                          <p:stCondLst>
+                                            <p:cond delay="0"/>
+                                          </p:stCondLst>
+                                        </p:cTn>
+                                        <p:tgtEl>
+                                          <p:spTgt spid="5"/>
+                                        </p:tgtEl>
+                                        <p:attrNameLst>
+                                          <p:attrName>style.visibility</p:attrName>
+                                        </p:attrNameLst>
+                                      </p:cBhvr>
+                                      <p:to>
+                                        <p:strVal val="visible"/>
+                                      </p:to>
+                                    </p:set>
+                                    <p:animEffect transition="in" filter="fade">
+                                      <p:cBhvr>
+                                        <p:cTn id="12" dur="1000"/>
+                                        <p:tgtEl>
+                                          <p:spTgt spid="5"/>
+                                        </p:tgtEl>
+                                      </p:cBhvr>
+                                    </p:animEffect>
+                                  </p:childTnLst>
+                                </p:cTn>
+                              </p:par>
+                            </p:childTnLst>
+                          </p:cTn>
+                        </p:par>
+                      </p:childTnLst>
+                    </p:cTn>
+                  </p:par>
+                </p:childTnLst>
+              </p:cTn>
+              <p:prevCondLst>
+                <p:cond evt="onPrev" delay="0">
+                  <p:tgtEl>
+                    <p:sldTgt/>
+                  </p:tgtEl>
+                </p:cond>
+              </p:prevCondLst>
+              <p:nextCondLst>
+                <p:cond evt="onNext" delay="0">
+                  <p:tgtEl>
+                    <p:sldTgt/>
+                  </p:tgtEl>
+                </p:cond>
+              </p:nextCondLst>
+            </p:seq>
+          </p:childTnLst>
+        </p:cTn>
+      </p:par>
+    </p:tnLst>
+  </p:timing>
+</p:sld>
+</file>
+
+<file path=ppt/slides/slide7.xml><?xml version="1.0" encoding="utf-8"?>
+<p:sld xmlns:a="http://schemas.openxmlformats.org/drawingml/2006/main" xmlns:r="http://schemas.openxmlformats.org/officeDocument/2006/relationships" xmlns:mc="http://schemas.openxmlformats.org/markup-compatibility/2006" xmlns:mv="urn:schemas-microsoft-com:mac:vml" xmlns:p="http://schemas.openxmlformats.org/presentationml/2006/main" mc:Ignorable="mv" mc:PreserveAttributes="mv:*">
+  <p:cSld>
+    <p:spTree>
+      <p:nvGrpSpPr>
+        <p:cNvPr id="1" name=""/>
+        <p:cNvGrpSpPr/>
+        <p:nvPr/>
+      </p:nvGrpSpPr>
+      <p:grpSpPr>
+        <a:xfrm>
+          <a:off x="0" y="0"/>
+          <a:ext cx="0" cy="0"/>
+          <a:chOff x="0" y="0"/>
+          <a:chExt cx="0" cy="0"/>
+        </a:xfrm>
+      </p:grpSpPr>
+      <p:sp>
+        <p:nvSpPr>
+          <p:cNvPr id="2" name="Title 1"/>
+          <p:cNvSpPr>
+            <a:spLocks noGrp="1"/>
+          </p:cNvSpPr>
+          <p:nvPr>
+            <p:ph type="title"/>
+          </p:nvPr>
+        </p:nvSpPr>
+        <p:spPr/>
+        <p:txBody>
+          <a:bodyPr>
+            <a:normAutofit/>
+          </a:bodyPr>
+          <a:lstStyle/>
+          <a:p>
+            <a:r>
+              <a:rPr lang="en-US" dirty="0" smtClean="0"/>
+              <a:t>Following Controller Design…</a:t>
+            </a:r>
+            <a:endParaRPr lang="en-US" dirty="0"/>
+          </a:p>
+        </p:txBody>
+      </p:sp>
+      <p:sp>
+        <p:nvSpPr>
+          <p:cNvPr id="3" name="Slide Number Placeholder 2"/>
+          <p:cNvSpPr>
+            <a:spLocks noGrp="1"/>
+          </p:cNvSpPr>
+          <p:nvPr>
+            <p:ph type="sldNum" sz="quarter" idx="12"/>
+          </p:nvPr>
+        </p:nvSpPr>
+        <p:spPr/>
+        <p:txBody>
+          <a:bodyPr>
+            <a:normAutofit fontScale="85000" lnSpcReduction="20000"/>
+          </a:bodyPr>
+          <a:lstStyle/>
+          <a:p>
+            <a:fld id="{5AEDDE57-BFB4-403C-8AD6-39A9EF93D28E}" type="slidenum">
+              <a:rPr lang="en-AU" smtClean="0"/>
+              <a:pPr/>
+              <a:t>7</a:t>
+            </a:fld>
+            <a:endParaRPr lang="en-AU"/>
+          </a:p>
+        </p:txBody>
+      </p:sp>
+      <p:sp>
+        <p:nvSpPr>
+          <p:cNvPr id="4" name="Content Placeholder 3"/>
+          <p:cNvSpPr>
+            <a:spLocks noGrp="1"/>
+          </p:cNvSpPr>
+          <p:nvPr>
+            <p:ph sz="quarter" idx="1"/>
+          </p:nvPr>
+        </p:nvSpPr>
+        <p:spPr/>
+        <p:txBody>
+          <a:bodyPr>
+            <a:normAutofit fontScale="85000" lnSpcReduction="20000"/>
+          </a:bodyPr>
+          <a:lstStyle/>
+          <a:p>
+            <a:pPr lvl="0"/>
+            <a:r>
+              <a:rPr lang="en-AU" dirty="0" smtClean="0"/>
+              <a:t>Attitude Control Trims and Bounds</a:t>
+            </a:r>
+          </a:p>
+          <a:p>
+            <a:pPr lvl="1"/>
+            <a:r>
+              <a:rPr lang="en-AU" i="1" dirty="0" smtClean="0"/>
+              <a:t>Set the trims and bounds on the roll, pitch and yaw control loops.</a:t>
+            </a:r>
+            <a:endParaRPr lang="en-AU" dirty="0" smtClean="0"/>
+          </a:p>
+          <a:p>
+            <a:pPr lvl="0"/>
+            <a:r>
+              <a:rPr lang="en-AU" dirty="0" smtClean="0"/>
+              <a:t>Attitude Control Gains</a:t>
+            </a:r>
+          </a:p>
+          <a:p>
+            <a:pPr lvl="1"/>
+            <a:r>
+              <a:rPr lang="en-AU" i="1" dirty="0" smtClean="0"/>
+              <a:t>Set the PID control gains on the roll, pitch and yaw control loops.</a:t>
+            </a:r>
+            <a:endParaRPr lang="en-AU" dirty="0" smtClean="0"/>
+          </a:p>
+          <a:p>
+            <a:pPr lvl="0"/>
+            <a:r>
+              <a:rPr lang="en-AU" dirty="0" smtClean="0"/>
+              <a:t>Guidance Control Gains</a:t>
+            </a:r>
+          </a:p>
+          <a:p>
+            <a:pPr lvl="1"/>
+            <a:r>
+              <a:rPr lang="en-AU" i="1" dirty="0" smtClean="0"/>
+              <a:t>Set the PID control gains on the </a:t>
+            </a:r>
+            <a:r>
+              <a:rPr lang="en-AU" i="1" dirty="0" err="1" smtClean="0"/>
+              <a:t>x</a:t>
+            </a:r>
+            <a:r>
+              <a:rPr lang="en-AU" i="1" dirty="0" smtClean="0"/>
+              <a:t>, </a:t>
+            </a:r>
+            <a:r>
+              <a:rPr lang="en-AU" i="1" dirty="0" err="1" smtClean="0"/>
+              <a:t>y</a:t>
+            </a:r>
+            <a:r>
+              <a:rPr lang="en-AU" i="1" dirty="0" smtClean="0"/>
+              <a:t> and </a:t>
+            </a:r>
+            <a:r>
+              <a:rPr lang="en-AU" i="1" dirty="0" err="1" smtClean="0"/>
+              <a:t>z</a:t>
+            </a:r>
+            <a:r>
+              <a:rPr lang="en-AU" i="1" dirty="0" smtClean="0"/>
+              <a:t> position control loops.</a:t>
+            </a:r>
+            <a:endParaRPr lang="en-AU" dirty="0" smtClean="0"/>
+          </a:p>
+          <a:p>
+            <a:pPr lvl="0"/>
+            <a:r>
+              <a:rPr lang="en-AU" dirty="0" smtClean="0"/>
+              <a:t>Guidance Trims and Bounds</a:t>
+            </a:r>
+          </a:p>
+          <a:p>
+            <a:pPr lvl="1"/>
+            <a:r>
+              <a:rPr lang="en-AU" i="1" dirty="0" smtClean="0"/>
+              <a:t>Set the trims and bounds of the </a:t>
+            </a:r>
+            <a:r>
+              <a:rPr lang="en-AU" i="1" dirty="0" err="1" smtClean="0"/>
+              <a:t>x</a:t>
+            </a:r>
+            <a:r>
+              <a:rPr lang="en-AU" i="1" dirty="0" smtClean="0"/>
+              <a:t>, </a:t>
+            </a:r>
+            <a:r>
+              <a:rPr lang="en-AU" i="1" dirty="0" err="1" smtClean="0"/>
+              <a:t>y</a:t>
+            </a:r>
+            <a:r>
+              <a:rPr lang="en-AU" i="1" dirty="0" smtClean="0"/>
+              <a:t> and </a:t>
+            </a:r>
+            <a:r>
+              <a:rPr lang="en-AU" i="1" dirty="0" err="1" smtClean="0"/>
+              <a:t>z</a:t>
+            </a:r>
+            <a:r>
+              <a:rPr lang="en-AU" i="1" dirty="0" smtClean="0"/>
+              <a:t> position control loops.</a:t>
+            </a:r>
+            <a:endParaRPr lang="en-AU" dirty="0" smtClean="0"/>
+          </a:p>
+          <a:p>
+            <a:r>
+              <a:rPr lang="en-AU" dirty="0" smtClean="0"/>
+              <a:t>Flight Control</a:t>
+            </a:r>
+          </a:p>
+          <a:p>
+            <a:pPr lvl="1"/>
+            <a:r>
+              <a:rPr lang="en-AU" i="1" dirty="0" smtClean="0"/>
+              <a:t>Set the active control loops and their set points. Enables command of the airborne control.</a:t>
+            </a:r>
+            <a:endParaRPr lang="en-AU" dirty="0" smtClean="0"/>
+          </a:p>
+        </p:txBody>
+      </p:sp>
+    </p:spTree>
+  </p:cSld>
+  <p:clrMapOvr>
+    <a:masterClrMapping/>
+  </p:clrMapOvr>
+  <p:timing>
+    <p:tnLst>
+      <p:par>
+        <p:cTn id="1" dur="indefinite" restart="never" nodeType="tmRoot"/>
+      </p:par>
+    </p:tnLst>
+  </p:timing>
+</p:sld>
+</file>
+
+<file path=ppt/slides/slide8.xml><?xml version="1.0" encoding="utf-8"?>
+<p:sld xmlns:a="http://schemas.openxmlformats.org/drawingml/2006/main" xmlns:r="http://schemas.openxmlformats.org/officeDocument/2006/relationships" xmlns:mc="http://schemas.openxmlformats.org/markup-compatibility/2006" xmlns:mv="urn:schemas-microsoft-com:mac:vml" xmlns:p="http://schemas.openxmlformats.org/presentationml/2006/main" mc:Ignorable="mv" mc:PreserveAttributes="mv:*">
+  <p:cSld>
+    <p:spTree>
+      <p:nvGrpSpPr>
+        <p:cNvPr id="1" name=""/>
+        <p:cNvGrpSpPr/>
+        <p:nvPr/>
+      </p:nvGrpSpPr>
+      <p:grpSpPr>
+        <a:xfrm>
+          <a:off x="0" y="0"/>
+          <a:ext cx="0" cy="0"/>
+          <a:chOff x="0" y="0"/>
+          <a:chExt cx="0" cy="0"/>
+        </a:xfrm>
+      </p:grpSpPr>
+      <p:sp>
+        <p:nvSpPr>
+          <p:cNvPr id="2" name="Title 1"/>
+          <p:cNvSpPr>
+            <a:spLocks noGrp="1"/>
+          </p:cNvSpPr>
+          <p:nvPr>
+            <p:ph type="title"/>
+          </p:nvPr>
+        </p:nvSpPr>
+        <p:spPr/>
+        <p:txBody>
+          <a:bodyPr/>
+          <a:lstStyle/>
+          <a:p>
+            <a:r>
+              <a:rPr lang="en-AU" dirty="0" smtClean="0"/>
+              <a:t>Flight Control</a:t>
+            </a:r>
+            <a:endParaRPr lang="en-AU" dirty="0"/>
+          </a:p>
+        </p:txBody>
+      </p:sp>
+      <p:sp>
+        <p:nvSpPr>
+          <p:cNvPr id="3" name="Slide Number Placeholder 2"/>
+          <p:cNvSpPr>
+            <a:spLocks noGrp="1"/>
+          </p:cNvSpPr>
+          <p:nvPr>
+            <p:ph type="sldNum" sz="quarter" idx="12"/>
+          </p:nvPr>
+        </p:nvSpPr>
+        <p:spPr/>
+        <p:txBody>
+          <a:bodyPr>
+            <a:normAutofit fontScale="85000" lnSpcReduction="20000"/>
+          </a:bodyPr>
+          <a:lstStyle/>
+          <a:p>
+            <a:fld id="{5AEDDE57-BFB4-403C-8AD6-39A9EF93D28E}" type="slidenum">
+              <a:rPr lang="en-AU" smtClean="0"/>
+              <a:pPr/>
+              <a:t>8</a:t>
+            </a:fld>
+            <a:endParaRPr lang="en-AU" dirty="0"/>
+          </a:p>
+        </p:txBody>
+      </p:sp>
+      <p:graphicFrame>
+        <p:nvGraphicFramePr>
+          <p:cNvPr id="5" name="Content Placeholder 4"/>
+          <p:cNvGraphicFramePr>
+            <a:graphicFrameLocks noGrp="1"/>
+          </p:cNvGraphicFramePr>
+          <p:nvPr>
+            <p:ph sz="quarter" idx="1"/>
+          </p:nvPr>
+        </p:nvGraphicFramePr>
+        <p:xfrm>
+          <a:off x="285720" y="1600200"/>
+          <a:ext cx="8715437" cy="4495800"/>
+        </p:xfrm>
+        <a:graphic>
+          <a:graphicData uri="http://schemas.openxmlformats.org/drawingml/2006/diagram">
+            <a:relIds xmlns:dgm="http://schemas.openxmlformats.org/drawingml/2006/diagram" xmlns:r="http://schemas.openxmlformats.org/officeDocument/2006/relationships" r:dm="rId2" r:lo="rId3" r:qs="rId4" r:cs="rId5"/>
+          </a:graphicData>
+        </a:graphic>
+      </p:graphicFrame>
+      <p:sp>
+        <p:nvSpPr>
+          <p:cNvPr id="6" name="Footer Placeholder 5"/>
+          <p:cNvSpPr>
+            <a:spLocks noGrp="1"/>
+          </p:cNvSpPr>
+          <p:nvPr>
+            <p:ph type="ftr" sz="quarter" idx="11"/>
+          </p:nvPr>
+        </p:nvSpPr>
+        <p:spPr>
+          <a:xfrm>
+            <a:off x="609600" y="6248206"/>
+            <a:ext cx="5421083" cy="365125"/>
+          </a:xfrm>
+        </p:spPr>
+        <p:txBody>
+          <a:bodyPr/>
+          <a:lstStyle/>
+          <a:p>
+            <a:r>
+              <a:rPr lang="en-AU" smtClean="0"/>
+              <a:t>Tim Molloy</a:t>
+            </a:r>
+            <a:endParaRPr lang="en-AU" dirty="0"/>
+          </a:p>
+        </p:txBody>
+      </p:sp>
+    </p:spTree>
+  </p:cSld>
+  <p:clrMapOvr>
+    <a:masterClrMapping/>
+  </p:clrMapOvr>
+  <p:timing>
+    <p:tnLst>
+      <p:par>
+        <p:cTn id="1" dur="indefinite" restart="never" nodeType="tmRoot">
+          <p:childTnLst>
+            <p:seq concurrent="1" nextAc="seek">
+              <p:cTn id="2" dur="indefinite" nodeType="mainSeq">
+                <p:childTnLst>
+                  <p:par>
+                    <p:cTn id="3" fill="hold">
+                      <p:stCondLst>
+                        <p:cond delay="indefinite"/>
+                      </p:stCondLst>
+                      <p:childTnLst>
+                        <p:par>
+                          <p:cTn id="4" fill="hold">
+                            <p:stCondLst>
+                              <p:cond delay="0"/>
+                            </p:stCondLst>
+                            <p:childTnLst>
+                              <p:par>
+                                <p:cTn id="5" presetID="10" presetClass="entr" presetSubtype="0" fill="hold" grpId="0" nodeType="clickEffect">
+                                  <p:stCondLst>
+                                    <p:cond delay="0"/>
+                                  </p:stCondLst>
+                                  <p:childTnLst>
+                                    <p:set>
+                                      <p:cBhvr>
+                                        <p:cTn id="6" dur="1" fill="hold">
+                                          <p:stCondLst>
+                                            <p:cond delay="0"/>
+                                          </p:stCondLst>
+                                        </p:cTn>
+                                        <p:tgtEl>
+                                          <p:spTgt spid="5">
+                                            <p:graphicEl>
+                                              <a:dgm id="{28653E01-75C5-4902-A41D-F57AFA5B46DF}"/>
+                                            </p:graphicEl>
+                                          </p:spTgt>
+                                        </p:tgtEl>
+                                        <p:attrNameLst>
+                                          <p:attrName>style.visibility</p:attrName>
+                                        </p:attrNameLst>
+                                      </p:cBhvr>
+                                      <p:to>
+                                        <p:strVal val="visible"/>
+                                      </p:to>
+                                    </p:set>
+                                    <p:animEffect transition="in" filter="fade">
+                                      <p:cBhvr>
+                                        <p:cTn id="7" dur="1000"/>
+                                        <p:tgtEl>
+                                          <p:spTgt spid="5">
+                                            <p:graphicEl>
+                                              <a:dgm id="{28653E01-75C5-4902-A41D-F57AFA5B46DF}"/>
+                                            </p:graphicEl>
+                                          </p:spTgt>
+                                        </p:tgtEl>
+                                      </p:cBhvr>
+                                    </p:animEffect>
+                                  </p:childTnLst>
+                                </p:cTn>
+                              </p:par>
+                              <p:par>
+                                <p:cTn id="8" presetID="10" presetClass="entr" presetSubtype="0" fill="hold" grpId="0" nodeType="withEffect">
+                                  <p:stCondLst>
+                                    <p:cond delay="0"/>
+                                  </p:stCondLst>
+                                  <p:childTnLst>
+                                    <p:set>
+                                      <p:cBhvr>
+                                        <p:cTn id="9" dur="1" fill="hold">
+                                          <p:stCondLst>
+                                            <p:cond delay="0"/>
+                                          </p:stCondLst>
+                                        </p:cTn>
+                                        <p:tgtEl>
+                                          <p:spTgt spid="5">
+                                            <p:graphicEl>
+                                              <a:dgm id="{13DE8248-3ABC-4A3F-AD03-ADC18D359163}"/>
+                                            </p:graphicEl>
+                                          </p:spTgt>
+                                        </p:tgtEl>
+                                        <p:attrNameLst>
+                                          <p:attrName>style.visibility</p:attrName>
+                                        </p:attrNameLst>
+                                      </p:cBhvr>
+                                      <p:to>
+                                        <p:strVal val="visible"/>
+                                      </p:to>
+                                    </p:set>
+                                    <p:animEffect transition="in" filter="fade">
+                                      <p:cBhvr>
+                                        <p:cTn id="10" dur="1000"/>
+                                        <p:tgtEl>
+                                          <p:spTgt spid="5">
+                                            <p:graphicEl>
+                                              <a:dgm id="{13DE8248-3ABC-4A3F-AD03-ADC18D359163}"/>
+                                            </p:graphicEl>
+                                          </p:spTgt>
+                                        </p:tgtEl>
+                                      </p:cBhvr>
+                                    </p:animEffect>
+                                  </p:childTnLst>
+                                </p:cTn>
+                              </p:par>
+                            </p:childTnLst>
+                          </p:cTn>
+                        </p:par>
+                      </p:childTnLst>
+                    </p:cTn>
+                  </p:par>
+                  <p:par>
+                    <p:cTn id="11" fill="hold">
+                      <p:stCondLst>
+                        <p:cond delay="indefinite"/>
+                      </p:stCondLst>
+                      <p:childTnLst>
+                        <p:par>
+                          <p:cTn id="12" fill="hold">
+                            <p:stCondLst>
+                              <p:cond delay="0"/>
+                            </p:stCondLst>
+                            <p:childTnLst>
+                              <p:par>
+                                <p:cTn id="13" presetID="10" presetClass="entr" presetSubtype="0" fill="hold" grpId="0" nodeType="clickEffect">
+                                  <p:stCondLst>
+                                    <p:cond delay="0"/>
+                                  </p:stCondLst>
+                                  <p:childTnLst>
+                                    <p:set>
+                                      <p:cBhvr>
+                                        <p:cTn id="14" dur="1" fill="hold">
+                                          <p:stCondLst>
+                                            <p:cond delay="0"/>
+                                          </p:stCondLst>
+                                        </p:cTn>
+                                        <p:tgtEl>
+                                          <p:spTgt spid="5">
+                                            <p:graphicEl>
+                                              <a:dgm id="{40579B4F-E567-4EF2-AAB4-184628D0B7FC}"/>
+                                            </p:graphicEl>
+                                          </p:spTgt>
+                                        </p:tgtEl>
+                                        <p:attrNameLst>
+                                          <p:attrName>style.visibility</p:attrName>
+                                        </p:attrNameLst>
+                                      </p:cBhvr>
+                                      <p:to>
+                                        <p:strVal val="visible"/>
+                                      </p:to>
+                                    </p:set>
+                                    <p:animEffect transition="in" filter="fade">
+                                      <p:cBhvr>
+                                        <p:cTn id="15" dur="1000"/>
+                                        <p:tgtEl>
+                                          <p:spTgt spid="5">
+                                            <p:graphicEl>
+                                              <a:dgm id="{40579B4F-E567-4EF2-AAB4-184628D0B7FC}"/>
+                                            </p:graphicEl>
+                                          </p:spTgt>
+                                        </p:tgtEl>
+                                      </p:cBhvr>
+                                    </p:animEffect>
+                                  </p:childTnLst>
+                                </p:cTn>
+                              </p:par>
+                              <p:par>
+                                <p:cTn id="16" presetID="10" presetClass="entr" presetSubtype="0" fill="hold" grpId="0" nodeType="withEffect">
+                                  <p:stCondLst>
+                                    <p:cond delay="0"/>
+                                  </p:stCondLst>
+                                  <p:childTnLst>
+                                    <p:set>
+                                      <p:cBhvr>
+                                        <p:cTn id="17" dur="1" fill="hold">
+                                          <p:stCondLst>
+                                            <p:cond delay="0"/>
+                                          </p:stCondLst>
+                                        </p:cTn>
+                                        <p:tgtEl>
+                                          <p:spTgt spid="5">
+                                            <p:graphicEl>
+                                              <a:dgm id="{19F23D03-8BF6-4951-8480-6A3E6445FC50}"/>
+                                            </p:graphicEl>
+                                          </p:spTgt>
+                                        </p:tgtEl>
+                                        <p:attrNameLst>
+                                          <p:attrName>style.visibility</p:attrName>
+                                        </p:attrNameLst>
+                                      </p:cBhvr>
+                                      <p:to>
+                                        <p:strVal val="visible"/>
+                                      </p:to>
+                                    </p:set>
+                                    <p:animEffect transition="in" filter="fade">
+                                      <p:cBhvr>
+                                        <p:cTn id="18" dur="1000"/>
+                                        <p:tgtEl>
+                                          <p:spTgt spid="5">
+                                            <p:graphicEl>
+                                              <a:dgm id="{19F23D03-8BF6-4951-8480-6A3E6445FC50}"/>
+                                            </p:graphicEl>
+                                          </p:spTgt>
+                                        </p:tgtEl>
+                                      </p:cBhvr>
+                                    </p:animEffect>
+                                  </p:childTnLst>
+                                </p:cTn>
+                              </p:par>
+                              <p:par>
+                                <p:cTn id="19" presetID="10" presetClass="entr" presetSubtype="0" fill="hold" grpId="0" nodeType="withEffect">
+                                  <p:stCondLst>
+                                    <p:cond delay="0"/>
+                                  </p:stCondLst>
+                                  <p:childTnLst>
+                                    <p:set>
+                                      <p:cBhvr>
+                                        <p:cTn id="20" dur="1" fill="hold">
+                                          <p:stCondLst>
+                                            <p:cond delay="0"/>
+                                          </p:stCondLst>
+                                        </p:cTn>
+                                        <p:tgtEl>
+                                          <p:spTgt spid="5">
+                                            <p:graphicEl>
+                                              <a:dgm id="{A2E4BFFC-54E4-4059-8B43-72867B49C1C3}"/>
+                                            </p:graphicEl>
+                                          </p:spTgt>
+                                        </p:tgtEl>
+                                        <p:attrNameLst>
+                                          <p:attrName>style.visibility</p:attrName>
+                                        </p:attrNameLst>
+                                      </p:cBhvr>
+                                      <p:to>
+                                        <p:strVal val="visible"/>
+                                      </p:to>
+                                    </p:set>
+                                    <p:animEffect transition="in" filter="fade">
+                                      <p:cBhvr>
+                                        <p:cTn id="21" dur="1000"/>
+                                        <p:tgtEl>
+                                          <p:spTgt spid="5">
+                                            <p:graphicEl>
+                                              <a:dgm id="{A2E4BFFC-54E4-4059-8B43-72867B49C1C3}"/>
+                                            </p:graphicEl>
+                                          </p:spTgt>
+                                        </p:tgtEl>
+                                      </p:cBhvr>
+                                    </p:animEffect>
+                                  </p:childTnLst>
+                                </p:cTn>
+                              </p:par>
+                              <p:par>
+                                <p:cTn id="22" presetID="10" presetClass="entr" presetSubtype="0" fill="hold" grpId="0" nodeType="withEffect">
+                                  <p:stCondLst>
+                                    <p:cond delay="0"/>
+                                  </p:stCondLst>
+                                  <p:childTnLst>
+                                    <p:set>
+                                      <p:cBhvr>
+                                        <p:cTn id="23" dur="1" fill="hold">
+                                          <p:stCondLst>
+                                            <p:cond delay="0"/>
+                                          </p:stCondLst>
+                                        </p:cTn>
+                                        <p:tgtEl>
+                                          <p:spTgt spid="5">
+                                            <p:graphicEl>
+                                              <a:dgm id="{D30541D1-DCBB-4349-BBE2-D75C8CC01A41}"/>
+                                            </p:graphicEl>
+                                          </p:spTgt>
+                                        </p:tgtEl>
+                                        <p:attrNameLst>
+                                          <p:attrName>style.visibility</p:attrName>
+                                        </p:attrNameLst>
+                                      </p:cBhvr>
+                                      <p:to>
+                                        <p:strVal val="visible"/>
+                                      </p:to>
+                                    </p:set>
+                                    <p:animEffect transition="in" filter="fade">
+                                      <p:cBhvr>
+                                        <p:cTn id="24" dur="1000"/>
+                                        <p:tgtEl>
+                                          <p:spTgt spid="5">
+                                            <p:graphicEl>
+                                              <a:dgm id="{D30541D1-DCBB-4349-BBE2-D75C8CC01A41}"/>
+                                            </p:graphicEl>
+                                          </p:spTgt>
+                                        </p:tgtEl>
+                                      </p:cBhvr>
+                                    </p:animEffect>
+                                  </p:childTnLst>
+                                </p:cTn>
+                              </p:par>
+                              <p:par>
+                                <p:cTn id="25" presetID="10" presetClass="entr" presetSubtype="0" fill="hold" grpId="0" nodeType="withEffect">
+                                  <p:stCondLst>
+                                    <p:cond delay="0"/>
+                                  </p:stCondLst>
+                                  <p:childTnLst>
+                                    <p:set>
+                                      <p:cBhvr>
+                                        <p:cTn id="26" dur="1" fill="hold">
+                                          <p:stCondLst>
+                                            <p:cond delay="0"/>
+                                          </p:stCondLst>
+                                        </p:cTn>
+                                        <p:tgtEl>
+                                          <p:spTgt spid="5">
+                                            <p:graphicEl>
+                                              <a:dgm id="{036194A8-00AB-4F5D-838F-BD13474AA0ED}"/>
+                                            </p:graphicEl>
+                                          </p:spTgt>
+                                        </p:tgtEl>
+                                        <p:attrNameLst>
+                                          <p:attrName>style.visibility</p:attrName>
+                                        </p:attrNameLst>
+                                      </p:cBhvr>
+                                      <p:to>
+                                        <p:strVal val="visible"/>
+                                      </p:to>
+                                    </p:set>
+                                    <p:animEffect transition="in" filter="fade">
+                                      <p:cBhvr>
+                                        <p:cTn id="27" dur="1000"/>
+                                        <p:tgtEl>
+                                          <p:spTgt spid="5">
+                                            <p:graphicEl>
+                                              <a:dgm id="{036194A8-00AB-4F5D-838F-BD13474AA0ED}"/>
+                                            </p:graphicEl>
+                                          </p:spTgt>
+                                        </p:tgtEl>
+                                      </p:cBhvr>
+                                    </p:animEffect>
+                                  </p:childTnLst>
+                                </p:cTn>
+                              </p:par>
+                              <p:par>
+                                <p:cTn id="28" presetID="10" presetClass="entr" presetSubtype="0" fill="hold" grpId="0" nodeType="withEffect">
+                                  <p:stCondLst>
+                                    <p:cond delay="0"/>
+                                  </p:stCondLst>
+                                  <p:childTnLst>
+                                    <p:set>
+                                      <p:cBhvr>
+                                        <p:cTn id="29" dur="1" fill="hold">
+                                          <p:stCondLst>
+                                            <p:cond delay="0"/>
+                                          </p:stCondLst>
+                                        </p:cTn>
+                                        <p:tgtEl>
+                                          <p:spTgt spid="5">
+                                            <p:graphicEl>
+                                              <a:dgm id="{2A84E2AE-CE33-4058-9207-9BD2FC7BB48F}"/>
+                                            </p:graphicEl>
+                                          </p:spTgt>
+                                        </p:tgtEl>
+                                        <p:attrNameLst>
+                                          <p:attrName>style.visibility</p:attrName>
+                                        </p:attrNameLst>
+                                      </p:cBhvr>
+                                      <p:to>
+                                        <p:strVal val="visible"/>
+                                      </p:to>
+                                    </p:set>
+                                    <p:animEffect transition="in" filter="fade">
+                                      <p:cBhvr>
+                                        <p:cTn id="30" dur="1000"/>
+                                        <p:tgtEl>
+                                          <p:spTgt spid="5">
+                                            <p:graphicEl>
+                                              <a:dgm id="{2A84E2AE-CE33-4058-9207-9BD2FC7BB48F}"/>
+                                            </p:graphicEl>
+                                          </p:spTgt>
+                                        </p:tgtEl>
+                                      </p:cBhvr>
+                                    </p:animEffect>
+                                  </p:childTnLst>
+                                </p:cTn>
+                              </p:par>
+                              <p:par>
+                                <p:cTn id="31" presetID="10" presetClass="entr" presetSubtype="0" fill="hold" grpId="0" nodeType="withEffect">
+                                  <p:stCondLst>
+                                    <p:cond delay="0"/>
+                                  </p:stCondLst>
+                                  <p:childTnLst>
+                                    <p:set>
+                                      <p:cBhvr>
+                                        <p:cTn id="32" dur="1" fill="hold">
+                                          <p:stCondLst>
+                                            <p:cond delay="0"/>
+                                          </p:stCondLst>
+                                        </p:cTn>
+                                        <p:tgtEl>
+                                          <p:spTgt spid="5">
+                                            <p:graphicEl>
+                                              <a:dgm id="{D4257DB1-BF09-48F3-B4D4-E52E33EE1A29}"/>
+                                            </p:graphicEl>
+                                          </p:spTgt>
+                                        </p:tgtEl>
+                                        <p:attrNameLst>
+                                          <p:attrName>style.visibility</p:attrName>
+                                        </p:attrNameLst>
+                                      </p:cBhvr>
+                                      <p:to>
+                                        <p:strVal val="visible"/>
+                                      </p:to>
+                                    </p:set>
+                                    <p:animEffect transition="in" filter="fade">
+                                      <p:cBhvr>
+                                        <p:cTn id="33" dur="1000"/>
+                                        <p:tgtEl>
+                                          <p:spTgt spid="5">
+                                            <p:graphicEl>
+                                              <a:dgm id="{D4257DB1-BF09-48F3-B4D4-E52E33EE1A29}"/>
+                                            </p:graphicEl>
+                                          </p:spTgt>
+                                        </p:tgtEl>
+                                      </p:cBhvr>
+                                    </p:animEffect>
+                                  </p:childTnLst>
+                                </p:cTn>
+                              </p:par>
+                              <p:par>
+                                <p:cTn id="34" presetID="10" presetClass="entr" presetSubtype="0" fill="hold" grpId="0" nodeType="withEffect">
+                                  <p:stCondLst>
+                                    <p:cond delay="0"/>
+                                  </p:stCondLst>
+                                  <p:childTnLst>
+                                    <p:set>
+                                      <p:cBhvr>
+                                        <p:cTn id="35" dur="1" fill="hold">
+                                          <p:stCondLst>
+                                            <p:cond delay="0"/>
+                                          </p:stCondLst>
+                                        </p:cTn>
+                                        <p:tgtEl>
+                                          <p:spTgt spid="5">
+                                            <p:graphicEl>
+                                              <a:dgm id="{0B52177F-1D4B-4A19-8405-1161C755AD0A}"/>
+                                            </p:graphicEl>
+                                          </p:spTgt>
+                                        </p:tgtEl>
+                                        <p:attrNameLst>
+                                          <p:attrName>style.visibility</p:attrName>
+                                        </p:attrNameLst>
+                                      </p:cBhvr>
+                                      <p:to>
+                                        <p:strVal val="visible"/>
+                                      </p:to>
+                                    </p:set>
+                                    <p:animEffect transition="in" filter="fade">
+                                      <p:cBhvr>
+                                        <p:cTn id="36" dur="1000"/>
+                                        <p:tgtEl>
+                                          <p:spTgt spid="5">
+                                            <p:graphicEl>
+                                              <a:dgm id="{0B52177F-1D4B-4A19-8405-1161C755AD0A}"/>
+                                            </p:graphicEl>
+                                          </p:spTgt>
+                                        </p:tgtEl>
+                                      </p:cBhvr>
+                                    </p:animEffect>
+                                  </p:childTnLst>
+                                </p:cTn>
+                              </p:par>
+                              <p:par>
+                                <p:cTn id="37" presetID="10" presetClass="entr" presetSubtype="0" fill="hold" grpId="0" nodeType="withEffect">
+                                  <p:stCondLst>
+                                    <p:cond delay="0"/>
+                                  </p:stCondLst>
+                                  <p:childTnLst>
+                                    <p:set>
+                                      <p:cBhvr>
+                                        <p:cTn id="38" dur="1" fill="hold">
+                                          <p:stCondLst>
+                                            <p:cond delay="0"/>
+                                          </p:stCondLst>
+                                        </p:cTn>
+                                        <p:tgtEl>
+                                          <p:spTgt spid="5">
+                                            <p:graphicEl>
+                                              <a:dgm id="{990047FC-FE34-412F-856D-27FA8B11D464}"/>
+                                            </p:graphicEl>
+                                          </p:spTgt>
+                                        </p:tgtEl>
+                                        <p:attrNameLst>
+                                          <p:attrName>style.visibility</p:attrName>
+                                        </p:attrNameLst>
+                                      </p:cBhvr>
+                                      <p:to>
+                                        <p:strVal val="visible"/>
+                                      </p:to>
+                                    </p:set>
+                                    <p:animEffect transition="in" filter="fade">
+                                      <p:cBhvr>
+                                        <p:cTn id="39" dur="1000"/>
+                                        <p:tgtEl>
+                                          <p:spTgt spid="5">
+                                            <p:graphicEl>
+                                              <a:dgm id="{990047FC-FE34-412F-856D-27FA8B11D464}"/>
+                                            </p:graphicEl>
+                                          </p:spTgt>
+                                        </p:tgtEl>
+                                      </p:cBhvr>
+                                    </p:animEffect>
+                                  </p:childTnLst>
+                                </p:cTn>
+                              </p:par>
+                              <p:par>
+                                <p:cTn id="40" presetID="10" presetClass="entr" presetSubtype="0" fill="hold" grpId="0" nodeType="withEffect">
+                                  <p:stCondLst>
+                                    <p:cond delay="0"/>
+                                  </p:stCondLst>
+                                  <p:childTnLst>
+                                    <p:set>
+                                      <p:cBhvr>
+                                        <p:cTn id="41" dur="1" fill="hold">
+                                          <p:stCondLst>
+                                            <p:cond delay="0"/>
+                                          </p:stCondLst>
+                                        </p:cTn>
+                                        <p:tgtEl>
+                                          <p:spTgt spid="5">
+                                            <p:graphicEl>
+                                              <a:dgm id="{101E350F-E4C7-4BF3-ADB7-490FC3EE8992}"/>
+                                            </p:graphicEl>
+                                          </p:spTgt>
+                                        </p:tgtEl>
+                                        <p:attrNameLst>
+                                          <p:attrName>style.visibility</p:attrName>
+                                        </p:attrNameLst>
+                                      </p:cBhvr>
+                                      <p:to>
+                                        <p:strVal val="visible"/>
+                                      </p:to>
+                                    </p:set>
+                                    <p:animEffect transition="in" filter="fade">
+                                      <p:cBhvr>
+                                        <p:cTn id="42" dur="1000"/>
+                                        <p:tgtEl>
+                                          <p:spTgt spid="5">
+                                            <p:graphicEl>
+                                              <a:dgm id="{101E350F-E4C7-4BF3-ADB7-490FC3EE8992}"/>
+                                            </p:graphicEl>
+                                          </p:spTgt>
+                                        </p:tgtEl>
+                                      </p:cBhvr>
+                                    </p:animEffect>
+                                  </p:childTnLst>
+                                </p:cTn>
+                              </p:par>
+                              <p:par>
+                                <p:cTn id="43" presetID="10" presetClass="entr" presetSubtype="0" fill="hold" grpId="0" nodeType="withEffect">
+                                  <p:stCondLst>
+                                    <p:cond delay="0"/>
+                                  </p:stCondLst>
+                                  <p:childTnLst>
+                                    <p:set>
+                                      <p:cBhvr>
+                                        <p:cTn id="44" dur="1" fill="hold">
+                                          <p:stCondLst>
+                                            <p:cond delay="0"/>
+                                          </p:stCondLst>
+                                        </p:cTn>
+                                        <p:tgtEl>
+                                          <p:spTgt spid="5">
+                                            <p:graphicEl>
+                                              <a:dgm id="{6AE375A7-73AB-49F1-B829-4D2FDBE8636A}"/>
+                                            </p:graphicEl>
+                                          </p:spTgt>
+                                        </p:tgtEl>
+                                        <p:attrNameLst>
+                                          <p:attrName>style.visibility</p:attrName>
+                                        </p:attrNameLst>
+                                      </p:cBhvr>
+                                      <p:to>
+                                        <p:strVal val="visible"/>
+                                      </p:to>
+                                    </p:set>
+                                    <p:animEffect transition="in" filter="fade">
+                                      <p:cBhvr>
+                                        <p:cTn id="45" dur="1000"/>
+                                        <p:tgtEl>
+                                          <p:spTgt spid="5">
+                                            <p:graphicEl>
+                                              <a:dgm id="{6AE375A7-73AB-49F1-B829-4D2FDBE8636A}"/>
+                                            </p:graphicEl>
+                                          </p:spTgt>
+                                        </p:tgtEl>
+                                      </p:cBhvr>
+                                    </p:animEffect>
+                                  </p:childTnLst>
+                                </p:cTn>
+                              </p:par>
+                              <p:par>
+                                <p:cTn id="46" presetID="10" presetClass="entr" presetSubtype="0" fill="hold" grpId="0" nodeType="withEffect">
+                                  <p:stCondLst>
+                                    <p:cond delay="0"/>
+                                  </p:stCondLst>
+                                  <p:childTnLst>
+                                    <p:set>
+                                      <p:cBhvr>
+                                        <p:cTn id="47" dur="1" fill="hold">
+                                          <p:stCondLst>
+                                            <p:cond delay="0"/>
+                                          </p:stCondLst>
+                                        </p:cTn>
+                                        <p:tgtEl>
+                                          <p:spTgt spid="5">
+                                            <p:graphicEl>
+                                              <a:dgm id="{21B3CAD0-4C72-4929-B3EF-083EF8BADEF0}"/>
+                                            </p:graphicEl>
+                                          </p:spTgt>
+                                        </p:tgtEl>
+                                        <p:attrNameLst>
+                                          <p:attrName>style.visibility</p:attrName>
+                                        </p:attrNameLst>
+                                      </p:cBhvr>
+                                      <p:to>
+                                        <p:strVal val="visible"/>
+                                      </p:to>
+                                    </p:set>
+                                    <p:animEffect transition="in" filter="fade">
+                                      <p:cBhvr>
+                                        <p:cTn id="48" dur="1000"/>
+                                        <p:tgtEl>
+                                          <p:spTgt spid="5">
+                                            <p:graphicEl>
+                                              <a:dgm id="{21B3CAD0-4C72-4929-B3EF-083EF8BADEF0}"/>
+                                            </p:graphicEl>
+                                          </p:spTgt>
+                                        </p:tgtEl>
+                                      </p:cBhvr>
+                                    </p:animEffect>
+                                  </p:childTnLst>
+                                </p:cTn>
+                              </p:par>
+                            </p:childTnLst>
+                          </p:cTn>
+                        </p:par>
+                      </p:childTnLst>
+                    </p:cTn>
+                  </p:par>
+                  <p:par>
+                    <p:cTn id="49" fill="hold">
+                      <p:stCondLst>
+                        <p:cond delay="indefinite"/>
+                      </p:stCondLst>
+                      <p:childTnLst>
+                        <p:par>
+                          <p:cTn id="50" fill="hold">
+                            <p:stCondLst>
+                              <p:cond delay="0"/>
+                            </p:stCondLst>
+                            <p:childTnLst>
+                              <p:par>
+                                <p:cTn id="51" presetID="10" presetClass="entr" presetSubtype="0" fill="hold" grpId="0" nodeType="clickEffect">
+                                  <p:stCondLst>
+                                    <p:cond delay="0"/>
+                                  </p:stCondLst>
+                                  <p:childTnLst>
+                                    <p:set>
+                                      <p:cBhvr>
+                                        <p:cTn id="52" dur="1" fill="hold">
+                                          <p:stCondLst>
+                                            <p:cond delay="0"/>
+                                          </p:stCondLst>
+                                        </p:cTn>
+                                        <p:tgtEl>
+                                          <p:spTgt spid="5">
+                                            <p:graphicEl>
+                                              <a:dgm id="{32AFB9F5-CBCE-4E1C-8A44-9E6E4D9982B4}"/>
+                                            </p:graphicEl>
+                                          </p:spTgt>
+                                        </p:tgtEl>
+                                        <p:attrNameLst>
+                                          <p:attrName>style.visibility</p:attrName>
+                                        </p:attrNameLst>
+                                      </p:cBhvr>
+                                      <p:to>
+                                        <p:strVal val="visible"/>
+                                      </p:to>
+                                    </p:set>
+                                    <p:animEffect transition="in" filter="fade">
+                                      <p:cBhvr>
+                                        <p:cTn id="53" dur="1000"/>
+                                        <p:tgtEl>
+                                          <p:spTgt spid="5">
+                                            <p:graphicEl>
+                                              <a:dgm id="{32AFB9F5-CBCE-4E1C-8A44-9E6E4D9982B4}"/>
+                                            </p:graphicEl>
+                                          </p:spTgt>
+                                        </p:tgtEl>
+                                      </p:cBhvr>
+                                    </p:animEffect>
+                                  </p:childTnLst>
+                                </p:cTn>
+                              </p:par>
+                              <p:par>
+                                <p:cTn id="54" presetID="10" presetClass="entr" presetSubtype="0" fill="hold" grpId="0" nodeType="withEffect">
+                                  <p:stCondLst>
+                                    <p:cond delay="0"/>
+                                  </p:stCondLst>
+                                  <p:childTnLst>
+                                    <p:set>
+                                      <p:cBhvr>
+                                        <p:cTn id="55" dur="1" fill="hold">
+                                          <p:stCondLst>
+                                            <p:cond delay="0"/>
+                                          </p:stCondLst>
+                                        </p:cTn>
+                                        <p:tgtEl>
+                                          <p:spTgt spid="5">
+                                            <p:graphicEl>
+                                              <a:dgm id="{7A4664FA-68D9-40E1-93B5-BA1D07299956}"/>
+                                            </p:graphicEl>
+                                          </p:spTgt>
+                                        </p:tgtEl>
+                                        <p:attrNameLst>
+                                          <p:attrName>style.visibility</p:attrName>
+                                        </p:attrNameLst>
+                                      </p:cBhvr>
+                                      <p:to>
+                                        <p:strVal val="visible"/>
+                                      </p:to>
+                                    </p:set>
+                                    <p:animEffect transition="in" filter="fade">
+                                      <p:cBhvr>
+                                        <p:cTn id="56" dur="1000"/>
+                                        <p:tgtEl>
+                                          <p:spTgt spid="5">
+                                            <p:graphicEl>
+                                              <a:dgm id="{7A4664FA-68D9-40E1-93B5-BA1D07299956}"/>
+                                            </p:graphicEl>
+                                          </p:spTgt>
+                                        </p:tgtEl>
+                                      </p:cBhvr>
+                                    </p:animEffect>
+                                  </p:childTnLst>
+                                </p:cTn>
+                              </p:par>
+                              <p:par>
+                                <p:cTn id="57" presetID="10" presetClass="entr" presetSubtype="0" fill="hold" grpId="0" nodeType="withEffect">
+                                  <p:stCondLst>
+                                    <p:cond delay="0"/>
+                                  </p:stCondLst>
+                                  <p:childTnLst>
+                                    <p:set>
+                                      <p:cBhvr>
+                                        <p:cTn id="58" dur="1" fill="hold">
+                                          <p:stCondLst>
+                                            <p:cond delay="0"/>
+                                          </p:stCondLst>
+                                        </p:cTn>
+                                        <p:tgtEl>
+                                          <p:spTgt spid="5">
+                                            <p:graphicEl>
+                                              <a:dgm id="{C47BE9C4-2136-493A-998E-BF5F51AA65C0}"/>
+                                            </p:graphicEl>
+                                          </p:spTgt>
+                                        </p:tgtEl>
+                                        <p:attrNameLst>
+                                          <p:attrName>style.visibility</p:attrName>
+                                        </p:attrNameLst>
+                                      </p:cBhvr>
+                                      <p:to>
+                                        <p:strVal val="visible"/>
+                                      </p:to>
+                                    </p:set>
+                                    <p:animEffect transition="in" filter="fade">
+                                      <p:cBhvr>
+                                        <p:cTn id="59" dur="1000"/>
+                                        <p:tgtEl>
+                                          <p:spTgt spid="5">
+                                            <p:graphicEl>
+                                              <a:dgm id="{C47BE9C4-2136-493A-998E-BF5F51AA65C0}"/>
+                                            </p:graphicEl>
+                                          </p:spTgt>
+                                        </p:tgtEl>
+                                      </p:cBhvr>
+                                    </p:animEffect>
+                                  </p:childTnLst>
+                                </p:cTn>
+                              </p:par>
+                              <p:par>
+                                <p:cTn id="60" presetID="10" presetClass="entr" presetSubtype="0" fill="hold" grpId="0" nodeType="withEffect">
+                                  <p:stCondLst>
+                                    <p:cond delay="0"/>
+                                  </p:stCondLst>
+                                  <p:childTnLst>
+                                    <p:set>
+                                      <p:cBhvr>
+                                        <p:cTn id="61" dur="1" fill="hold">
+                                          <p:stCondLst>
+                                            <p:cond delay="0"/>
+                                          </p:stCondLst>
+                                        </p:cTn>
+                                        <p:tgtEl>
+                                          <p:spTgt spid="5">
+                                            <p:graphicEl>
+                                              <a:dgm id="{EEBF1E03-4F30-4DC0-A9FD-3BA4CE4733A1}"/>
+                                            </p:graphicEl>
+                                          </p:spTgt>
+                                        </p:tgtEl>
+                                        <p:attrNameLst>
+                                          <p:attrName>style.visibility</p:attrName>
+                                        </p:attrNameLst>
+                                      </p:cBhvr>
+                                      <p:to>
+                                        <p:strVal val="visible"/>
+                                      </p:to>
+                                    </p:set>
+                                    <p:animEffect transition="in" filter="fade">
+                                      <p:cBhvr>
+                                        <p:cTn id="62" dur="1000"/>
+                                        <p:tgtEl>
+                                          <p:spTgt spid="5">
+                                            <p:graphicEl>
+                                              <a:dgm id="{EEBF1E03-4F30-4DC0-A9FD-3BA4CE4733A1}"/>
+                                            </p:graphicEl>
+                                          </p:spTgt>
+                                        </p:tgtEl>
+                                      </p:cBhvr>
+                                    </p:animEffect>
+                                  </p:childTnLst>
+                                </p:cTn>
+                              </p:par>
+                              <p:par>
+                                <p:cTn id="63" presetID="10" presetClass="entr" presetSubtype="0" fill="hold" grpId="0" nodeType="withEffect">
+                                  <p:stCondLst>
+                                    <p:cond delay="0"/>
+                                  </p:stCondLst>
+                                  <p:childTnLst>
+                                    <p:set>
+                                      <p:cBhvr>
+                                        <p:cTn id="64" dur="1" fill="hold">
+                                          <p:stCondLst>
+                                            <p:cond delay="0"/>
+                                          </p:stCondLst>
+                                        </p:cTn>
+                                        <p:tgtEl>
+                                          <p:spTgt spid="5">
+                                            <p:graphicEl>
+                                              <a:dgm id="{91E31739-2F72-4235-9949-D94E96810A92}"/>
+                                            </p:graphicEl>
+                                          </p:spTgt>
+                                        </p:tgtEl>
+                                        <p:attrNameLst>
+                                          <p:attrName>style.visibility</p:attrName>
+                                        </p:attrNameLst>
+                                      </p:cBhvr>
+                                      <p:to>
+                                        <p:strVal val="visible"/>
+                                      </p:to>
+                                    </p:set>
+                                    <p:animEffect transition="in" filter="fade">
+                                      <p:cBhvr>
+                                        <p:cTn id="65" dur="1000"/>
+                                        <p:tgtEl>
+                                          <p:spTgt spid="5">
+                                            <p:graphicEl>
+                                              <a:dgm id="{91E31739-2F72-4235-9949-D94E96810A92}"/>
+                                            </p:graphicEl>
+                                          </p:spTgt>
+                                        </p:tgtEl>
+                                      </p:cBhvr>
+                                    </p:animEffect>
+                                  </p:childTnLst>
+                                </p:cTn>
+                              </p:par>
+                              <p:par>
+                                <p:cTn id="66" presetID="10" presetClass="entr" presetSubtype="0" fill="hold" grpId="0" nodeType="withEffect">
+                                  <p:stCondLst>
+                                    <p:cond delay="0"/>
+                                  </p:stCondLst>
+                                  <p:childTnLst>
+                                    <p:set>
+                                      <p:cBhvr>
+                                        <p:cTn id="67" dur="1" fill="hold">
+                                          <p:stCondLst>
+                                            <p:cond delay="0"/>
+                                          </p:stCondLst>
+                                        </p:cTn>
+                                        <p:tgtEl>
+                                          <p:spTgt spid="5">
+                                            <p:graphicEl>
+                                              <a:dgm id="{74FAC493-C973-44BC-81AA-29561F9F47B2}"/>
+                                            </p:graphicEl>
+                                          </p:spTgt>
+                                        </p:tgtEl>
+                                        <p:attrNameLst>
+                                          <p:attrName>style.visibility</p:attrName>
+                                        </p:attrNameLst>
+                                      </p:cBhvr>
+                                      <p:to>
+                                        <p:strVal val="visible"/>
+                                      </p:to>
+                                    </p:set>
+                                    <p:animEffect transition="in" filter="fade">
+                                      <p:cBhvr>
+                                        <p:cTn id="68" dur="1000"/>
+                                        <p:tgtEl>
+                                          <p:spTgt spid="5">
+                                            <p:graphicEl>
+                                              <a:dgm id="{74FAC493-C973-44BC-81AA-29561F9F47B2}"/>
+                                            </p:graphicEl>
+                                          </p:spTgt>
+                                        </p:tgtEl>
+                                      </p:cBhvr>
+                                    </p:animEffect>
+                                  </p:childTnLst>
+                                </p:cTn>
+                              </p:par>
+                              <p:par>
+                                <p:cTn id="69" presetID="10" presetClass="entr" presetSubtype="0" fill="hold" grpId="0" nodeType="withEffect">
+                                  <p:stCondLst>
+                                    <p:cond delay="0"/>
+                                  </p:stCondLst>
+                                  <p:childTnLst>
+                                    <p:set>
+                                      <p:cBhvr>
+                                        <p:cTn id="70" dur="1" fill="hold">
+                                          <p:stCondLst>
+                                            <p:cond delay="0"/>
+                                          </p:stCondLst>
+                                        </p:cTn>
+                                        <p:tgtEl>
+                                          <p:spTgt spid="5">
+                                            <p:graphicEl>
+                                              <a:dgm id="{B909F363-716E-43C4-9FDD-A6269AE3CC02}"/>
+                                            </p:graphicEl>
+                                          </p:spTgt>
+                                        </p:tgtEl>
+                                        <p:attrNameLst>
+                                          <p:attrName>style.visibility</p:attrName>
+                                        </p:attrNameLst>
+                                      </p:cBhvr>
+                                      <p:to>
+                                        <p:strVal val="visible"/>
+                                      </p:to>
+                                    </p:set>
+                                    <p:animEffect transition="in" filter="fade">
+                                      <p:cBhvr>
+                                        <p:cTn id="71" dur="1000"/>
+                                        <p:tgtEl>
+                                          <p:spTgt spid="5">
+                                            <p:graphicEl>
+                                              <a:dgm id="{B909F363-716E-43C4-9FDD-A6269AE3CC02}"/>
+                                            </p:graphicEl>
+                                          </p:spTgt>
+                                        </p:tgtEl>
+                                      </p:cBhvr>
+                                    </p:animEffect>
+                                  </p:childTnLst>
+                                </p:cTn>
+                              </p:par>
+                              <p:par>
+                                <p:cTn id="72" presetID="10" presetClass="entr" presetSubtype="0" fill="hold" grpId="0" nodeType="withEffect">
+                                  <p:stCondLst>
+                                    <p:cond delay="0"/>
+                                  </p:stCondLst>
+                                  <p:childTnLst>
+                                    <p:set>
+                                      <p:cBhvr>
+                                        <p:cTn id="73" dur="1" fill="hold">
+                                          <p:stCondLst>
+                                            <p:cond delay="0"/>
+                                          </p:stCondLst>
+                                        </p:cTn>
+                                        <p:tgtEl>
+                                          <p:spTgt spid="5">
+                                            <p:graphicEl>
+                                              <a:dgm id="{6C315A9F-2338-4604-AC27-343B94863CC9}"/>
+                                            </p:graphicEl>
+                                          </p:spTgt>
+                                        </p:tgtEl>
+                                        <p:attrNameLst>
+                                          <p:attrName>style.visibility</p:attrName>
+                                        </p:attrNameLst>
+                                      </p:cBhvr>
+                                      <p:to>
+                                        <p:strVal val="visible"/>
+                                      </p:to>
+                                    </p:set>
+                                    <p:animEffect transition="in" filter="fade">
+                                      <p:cBhvr>
+                                        <p:cTn id="74" dur="1000"/>
+                                        <p:tgtEl>
+                                          <p:spTgt spid="5">
+                                            <p:graphicEl>
+                                              <a:dgm id="{6C315A9F-2338-4604-AC27-343B94863CC9}"/>
+                                            </p:graphicEl>
+                                          </p:spTgt>
+                                        </p:tgtEl>
+                                      </p:cBhvr>
+                                    </p:animEffect>
+                                  </p:childTnLst>
+                                </p:cTn>
+                              </p:par>
+                              <p:par>
+                                <p:cTn id="75" presetID="10" presetClass="entr" presetSubtype="0" fill="hold" grpId="0" nodeType="withEffect">
+                                  <p:stCondLst>
+                                    <p:cond delay="0"/>
+                                  </p:stCondLst>
+                                  <p:childTnLst>
+                                    <p:set>
+                                      <p:cBhvr>
+                                        <p:cTn id="76" dur="1" fill="hold">
+                                          <p:stCondLst>
+                                            <p:cond delay="0"/>
+                                          </p:stCondLst>
+                                        </p:cTn>
+                                        <p:tgtEl>
+                                          <p:spTgt spid="5">
+                                            <p:graphicEl>
+                                              <a:dgm id="{3FE22E8B-A21A-4C5F-B168-1784A9FA3765}"/>
+                                            </p:graphicEl>
+                                          </p:spTgt>
+                                        </p:tgtEl>
+                                        <p:attrNameLst>
+                                          <p:attrName>style.visibility</p:attrName>
+                                        </p:attrNameLst>
+                                      </p:cBhvr>
+                                      <p:to>
+                                        <p:strVal val="visible"/>
+                                      </p:to>
+                                    </p:set>
+                                    <p:animEffect transition="in" filter="fade">
+                                      <p:cBhvr>
+                                        <p:cTn id="77" dur="1000"/>
+                                        <p:tgtEl>
+                                          <p:spTgt spid="5">
+                                            <p:graphicEl>
+                                              <a:dgm id="{3FE22E8B-A21A-4C5F-B168-1784A9FA3765}"/>
+                                            </p:graphicEl>
+                                          </p:spTgt>
+                                        </p:tgtEl>
+                                      </p:cBhvr>
+                                    </p:animEffect>
+                                  </p:childTnLst>
+                                </p:cTn>
+                              </p:par>
+                              <p:par>
+                                <p:cTn id="78" presetID="10" presetClass="entr" presetSubtype="0" fill="hold" grpId="0" nodeType="withEffect">
+                                  <p:stCondLst>
+                                    <p:cond delay="0"/>
+                                  </p:stCondLst>
+                                  <p:childTnLst>
+                                    <p:set>
+                                      <p:cBhvr>
+                                        <p:cTn id="79" dur="1" fill="hold">
+                                          <p:stCondLst>
+                                            <p:cond delay="0"/>
+                                          </p:stCondLst>
+                                        </p:cTn>
+                                        <p:tgtEl>
+                                          <p:spTgt spid="5">
+                                            <p:graphicEl>
+                                              <a:dgm id="{DED8650A-D177-4314-A188-E97CBB35D99B}"/>
+                                            </p:graphicEl>
+                                          </p:spTgt>
+                                        </p:tgtEl>
+                                        <p:attrNameLst>
+                                          <p:attrName>style.visibility</p:attrName>
+                                        </p:attrNameLst>
+                                      </p:cBhvr>
+                                      <p:to>
+                                        <p:strVal val="visible"/>
+                                      </p:to>
+                                    </p:set>
+                                    <p:animEffect transition="in" filter="fade">
+                                      <p:cBhvr>
+                                        <p:cTn id="80" dur="1000"/>
+                                        <p:tgtEl>
+                                          <p:spTgt spid="5">
+                                            <p:graphicEl>
+                                              <a:dgm id="{DED8650A-D177-4314-A188-E97CBB35D99B}"/>
+                                            </p:graphicEl>
+                                          </p:spTgt>
+                                        </p:tgtEl>
+                                      </p:cBhvr>
+                                    </p:animEffect>
+                                  </p:childTnLst>
+                                </p:cTn>
+                              </p:par>
+                              <p:par>
+                                <p:cTn id="81" presetID="10" presetClass="entr" presetSubtype="0" fill="hold" grpId="0" nodeType="withEffect">
+                                  <p:stCondLst>
+                                    <p:cond delay="0"/>
+                                  </p:stCondLst>
+                                  <p:childTnLst>
+                                    <p:set>
+                                      <p:cBhvr>
+                                        <p:cTn id="82" dur="1" fill="hold">
+                                          <p:stCondLst>
+                                            <p:cond delay="0"/>
+                                          </p:stCondLst>
+                                        </p:cTn>
+                                        <p:tgtEl>
+                                          <p:spTgt spid="5">
+                                            <p:graphicEl>
+                                              <a:dgm id="{9E056177-39BA-428F-A0E8-DE0231AD7DF0}"/>
+                                            </p:graphicEl>
+                                          </p:spTgt>
+                                        </p:tgtEl>
+                                        <p:attrNameLst>
+                                          <p:attrName>style.visibility</p:attrName>
+                                        </p:attrNameLst>
+                                      </p:cBhvr>
+                                      <p:to>
+                                        <p:strVal val="visible"/>
+                                      </p:to>
+                                    </p:set>
+                                    <p:animEffect transition="in" filter="fade">
+                                      <p:cBhvr>
+                                        <p:cTn id="83" dur="1000"/>
+                                        <p:tgtEl>
+                                          <p:spTgt spid="5">
+                                            <p:graphicEl>
+                                              <a:dgm id="{9E056177-39BA-428F-A0E8-DE0231AD7DF0}"/>
+                                            </p:graphicEl>
+                                          </p:spTgt>
+                                        </p:tgtEl>
+                                      </p:cBhvr>
+                                    </p:animEffect>
+                                  </p:childTnLst>
+                                </p:cTn>
+                              </p:par>
+                              <p:par>
+                                <p:cTn id="84" presetID="10" presetClass="entr" presetSubtype="0" fill="hold" grpId="0" nodeType="withEffect">
+                                  <p:stCondLst>
+                                    <p:cond delay="0"/>
+                                  </p:stCondLst>
+                                  <p:childTnLst>
+                                    <p:set>
+                                      <p:cBhvr>
+                                        <p:cTn id="85" dur="1" fill="hold">
+                                          <p:stCondLst>
+                                            <p:cond delay="0"/>
+                                          </p:stCondLst>
+                                        </p:cTn>
+                                        <p:tgtEl>
+                                          <p:spTgt spid="5">
+                                            <p:graphicEl>
+                                              <a:dgm id="{31F49863-9C24-4481-A770-AAEFABAF1BE5}"/>
+                                            </p:graphicEl>
+                                          </p:spTgt>
+                                        </p:tgtEl>
+                                        <p:attrNameLst>
+                                          <p:attrName>style.visibility</p:attrName>
+                                        </p:attrNameLst>
+                                      </p:cBhvr>
+                                      <p:to>
+                                        <p:strVal val="visible"/>
+                                      </p:to>
+                                    </p:set>
+                                    <p:animEffect transition="in" filter="fade">
+                                      <p:cBhvr>
+                                        <p:cTn id="86" dur="1000"/>
+                                        <p:tgtEl>
+                                          <p:spTgt spid="5">
+                                            <p:graphicEl>
+                                              <a:dgm id="{31F49863-9C24-4481-A770-AAEFABAF1BE5}"/>
+                                            </p:graphicEl>
+                                          </p:spTgt>
+                                        </p:tgtEl>
+                                      </p:cBhvr>
+                                    </p:animEffect>
+                                  </p:childTnLst>
+                                </p:cTn>
+                              </p:par>
+                            </p:childTnLst>
+                          </p:cTn>
+                        </p:par>
+                      </p:childTnLst>
+                    </p:cTn>
+                  </p:par>
+                </p:childTnLst>
+              </p:cTn>
+              <p:prevCondLst>
+                <p:cond evt="onPrev" delay="0">
+                  <p:tgtEl>
+                    <p:sldTgt/>
+                  </p:tgtEl>
+                </p:cond>
+              </p:prevCondLst>
+              <p:nextCondLst>
+                <p:cond evt="onNext" delay="0">
+                  <p:tgtEl>
+                    <p:sldTgt/>
+                  </p:tgtEl>
+                </p:cond>
+              </p:nextCondLst>
+            </p:seq>
+          </p:childTnLst>
+        </p:cTn>
+      </p:par>
+    </p:tnLst>
+    <p:bldLst>
+      <p:bldGraphic spid="5" grpId="0">
+        <p:bldSub>
+          <a:bldDgm bld="lvlAtOnce"/>
+        </p:bldSub>
+      </p:bldGraphic>
+    </p:bldLst>
+  </p:timing>
+</p:sld>
+</file>
+
+<file path=ppt/slides/slide9.xml><?xml version="1.0" encoding="utf-8"?>
+<p:sld xmlns:a="http://schemas.openxmlformats.org/drawingml/2006/main" xmlns:r="http://schemas.openxmlformats.org/officeDocument/2006/relationships" xmlns:mc="http://schemas.openxmlformats.org/markup-compatibility/2006" xmlns:mv="urn:schemas-microsoft-com:mac:vml" xmlns:p="http://schemas.openxmlformats.org/presentationml/2006/main" mc:Ignorable="mv" mc:PreserveAttributes="mv:*">
+  <p:cSld>
+    <p:spTree>
+      <p:nvGrpSpPr>
+        <p:cNvPr id="1" name=""/>
+        <p:cNvGrpSpPr/>
+        <p:nvPr/>
+      </p:nvGrpSpPr>
+      <p:grpSpPr>
+        <a:xfrm>
+          <a:off x="0" y="0"/>
+          <a:ext cx="0" cy="0"/>
+          <a:chOff x="0" y="0"/>
+          <a:chExt cx="0" cy="0"/>
+        </a:xfrm>
+      </p:grpSpPr>
+      <p:sp>
+        <p:nvSpPr>
+          <p:cNvPr id="2" name="Title 1"/>
+          <p:cNvSpPr>
+            <a:spLocks noGrp="1"/>
+          </p:cNvSpPr>
+          <p:nvPr>
+            <p:ph type="title"/>
+          </p:nvPr>
+        </p:nvSpPr>
+        <p:spPr/>
+        <p:txBody>
+          <a:bodyPr/>
+          <a:lstStyle/>
+          <a:p>
+            <a:r>
+              <a:rPr lang="en-US" dirty="0" smtClean="0"/>
+              <a:t>Flight Computer</a:t>
+            </a:r>
+            <a:endParaRPr lang="en-US" dirty="0"/>
+          </a:p>
+        </p:txBody>
+      </p:sp>
+      <p:sp>
+        <p:nvSpPr>
+          <p:cNvPr id="3" name="Slide Number Placeholder 2"/>
+          <p:cNvSpPr>
+            <a:spLocks noGrp="1"/>
+          </p:cNvSpPr>
+          <p:nvPr>
+            <p:ph type="sldNum" sz="quarter" idx="12"/>
+          </p:nvPr>
+        </p:nvSpPr>
+        <p:spPr/>
+        <p:txBody>
+          <a:bodyPr>
+            <a:normAutofit fontScale="85000" lnSpcReduction="20000"/>
+          </a:bodyPr>
+          <a:lstStyle/>
+          <a:p>
+            <a:fld id="{5AEDDE57-BFB4-403C-8AD6-39A9EF93D28E}" type="slidenum">
+              <a:rPr lang="en-AU" smtClean="0"/>
+              <a:pPr/>
+              <a:t>9</a:t>
+            </a:fld>
+            <a:endParaRPr lang="en-AU"/>
+          </a:p>
+        </p:txBody>
+      </p:sp>
+      <p:sp>
+        <p:nvSpPr>
+          <p:cNvPr id="4" name="Content Placeholder 3"/>
+          <p:cNvSpPr>
+            <a:spLocks noGrp="1"/>
+          </p:cNvSpPr>
+          <p:nvPr>
+            <p:ph sz="quarter" idx="1"/>
+          </p:nvPr>
+        </p:nvSpPr>
+        <p:spPr>
+          <a:xfrm>
+            <a:off x="609600" y="1600200"/>
+            <a:ext cx="8156448" cy="5105400"/>
+          </a:xfrm>
+        </p:spPr>
+        <p:txBody>
+          <a:bodyPr>
+            <a:normAutofit fontScale="92500" lnSpcReduction="20000"/>
+          </a:bodyPr>
+          <a:lstStyle/>
+          <a:p>
+            <a:r>
+              <a:rPr lang="en-US" dirty="0" smtClean="0"/>
+              <a:t>Trade Study for Computer-on-Module to support</a:t>
+            </a:r>
+          </a:p>
+          <a:p>
+            <a:pPr lvl="1"/>
+            <a:r>
+              <a:rPr lang="en-US" dirty="0" smtClean="0"/>
+              <a:t>Hardware Integration</a:t>
+            </a:r>
+          </a:p>
+          <a:p>
+            <a:pPr lvl="1"/>
+            <a:r>
+              <a:rPr lang="en-US" dirty="0" smtClean="0"/>
+              <a:t>Control and State Estimation</a:t>
+            </a:r>
+          </a:p>
+          <a:p>
+            <a:pPr lvl="1"/>
+            <a:r>
+              <a:rPr lang="en-US" dirty="0" smtClean="0"/>
+              <a:t>Localization </a:t>
+            </a:r>
+          </a:p>
+          <a:p>
+            <a:r>
+              <a:rPr lang="en-US" dirty="0" smtClean="0"/>
+              <a:t>Considered</a:t>
+            </a:r>
+          </a:p>
+          <a:p>
+            <a:pPr lvl="1"/>
+            <a:r>
+              <a:rPr lang="en-US" dirty="0" err="1" smtClean="0"/>
+              <a:t>BeagleBoard</a:t>
+            </a:r>
+            <a:endParaRPr lang="en-US" dirty="0" smtClean="0"/>
+          </a:p>
+          <a:p>
+            <a:pPr lvl="2"/>
+            <a:r>
+              <a:rPr lang="en-US" dirty="0" smtClean="0"/>
+              <a:t>Limited Hardware Interfacing</a:t>
+            </a:r>
+          </a:p>
+          <a:p>
+            <a:pPr lvl="1"/>
+            <a:r>
+              <a:rPr lang="en-US" dirty="0" err="1" smtClean="0"/>
+              <a:t>Gumstix</a:t>
+            </a:r>
+            <a:r>
+              <a:rPr lang="en-US" dirty="0" smtClean="0"/>
+              <a:t> </a:t>
+            </a:r>
+            <a:r>
+              <a:rPr lang="en-US" dirty="0" err="1" smtClean="0"/>
+              <a:t>Overo</a:t>
+            </a:r>
+            <a:r>
+              <a:rPr lang="en-US" dirty="0" smtClean="0"/>
+              <a:t> Air</a:t>
+            </a:r>
+          </a:p>
+          <a:p>
+            <a:pPr lvl="2"/>
+            <a:r>
+              <a:rPr lang="en-US" dirty="0" smtClean="0"/>
+              <a:t>Lacked Support for Image Processing</a:t>
+            </a:r>
+          </a:p>
+          <a:p>
+            <a:pPr lvl="1"/>
+            <a:r>
+              <a:rPr lang="en-US" dirty="0" err="1" smtClean="0"/>
+              <a:t>Gumstix</a:t>
+            </a:r>
+            <a:r>
+              <a:rPr lang="en-US" dirty="0" smtClean="0"/>
+              <a:t> </a:t>
+            </a:r>
+            <a:r>
+              <a:rPr lang="en-US" dirty="0" err="1" smtClean="0"/>
+              <a:t>Verdex</a:t>
+            </a:r>
+            <a:endParaRPr lang="en-US" dirty="0" smtClean="0"/>
+          </a:p>
+          <a:p>
+            <a:pPr lvl="2"/>
+            <a:r>
+              <a:rPr lang="en-US" dirty="0" smtClean="0"/>
+              <a:t>No Hardware Floating Point Implementation </a:t>
+            </a:r>
+          </a:p>
+          <a:p>
+            <a:pPr lvl="1"/>
+            <a:r>
+              <a:rPr lang="en-US" dirty="0" err="1" smtClean="0"/>
+              <a:t>Gumstix</a:t>
+            </a:r>
+            <a:r>
+              <a:rPr lang="en-US" dirty="0" smtClean="0"/>
+              <a:t> </a:t>
+            </a:r>
+            <a:r>
+              <a:rPr lang="en-US" dirty="0" err="1" smtClean="0"/>
+              <a:t>Overo</a:t>
+            </a:r>
+            <a:r>
+              <a:rPr lang="en-US" dirty="0" smtClean="0"/>
+              <a:t> Fire</a:t>
+            </a:r>
+          </a:p>
+          <a:p>
+            <a:pPr lvl="2"/>
+            <a:r>
+              <a:rPr lang="en-US" dirty="0" smtClean="0"/>
+              <a:t>6 grams, 600MHz TI CPU</a:t>
+            </a:r>
+          </a:p>
+        </p:txBody>
+      </p:sp>
+      <p:pic>
+        <p:nvPicPr>
+          <p:cNvPr id="6" name="Picture 5"/>
+          <p:cNvPicPr/>
+          <p:nvPr/>
+        </p:nvPicPr>
+        <p:blipFill>
+          <a:blip r:embed="rId2" cstate="print"/>
+          <a:srcRect b="24147"/>
+          <a:stretch>
+            <a:fillRect/>
+          </a:stretch>
+        </p:blipFill>
+        <p:spPr bwMode="auto">
+          <a:xfrm>
+            <a:off x="6781800" y="4267200"/>
+            <a:ext cx="1966114" cy="1496039"/>
+          </a:xfrm>
+          <a:prstGeom prst="rect">
+            <a:avLst/>
+          </a:prstGeom>
+          <a:noFill/>
+          <a:ln w="9525">
+            <a:noFill/>
+            <a:miter lim="800000"/>
+            <a:headEnd/>
+            <a:tailEnd/>
+          </a:ln>
+        </p:spPr>
+      </p:pic>
+      <p:sp>
+        <p:nvSpPr>
+          <p:cNvPr id="7" name="Footer Placeholder 5"/>
+          <p:cNvSpPr>
+            <a:spLocks noGrp="1"/>
+          </p:cNvSpPr>
+          <p:nvPr>
+            <p:ph type="ftr" sz="quarter" idx="11"/>
+          </p:nvPr>
+        </p:nvSpPr>
+        <p:spPr>
+          <a:xfrm>
+            <a:off x="609600" y="6248206"/>
+            <a:ext cx="5421083" cy="365125"/>
+          </a:xfrm>
+        </p:spPr>
+        <p:txBody>
+          <a:bodyPr/>
+          <a:lstStyle/>
+          <a:p>
+            <a:r>
+              <a:rPr lang="en-AU" dirty="0" smtClean="0"/>
+              <a:t>Tim Molloy</a:t>
+            </a:r>
+            <a:endParaRPr lang="en-AU" dirty="0"/>
+          </a:p>
+        </p:txBody>
+      </p:sp>
+    </p:spTree>
+  </p:cSld>
+  <p:clrMapOvr>
+    <a:masterClrMapping/>
+  </p:clrMapOvr>
+  <p:timing>
+    <p:tnLst>
+      <p:par>
+        <p:cTn id="1" dur="indefinite" restart="never" nodeType="tmRoot"/>
       </p:par>
     </p:tnLst>
   </p:timing>
